--- a/2-Java-Programmer-Modulo-II/10.Capitulo04.pptx
+++ b/2-Java-Programmer-Modulo-II/10.Capitulo04.pptx
@@ -42,7 +42,7 @@
     <p:sldId id="302" r:id="rId33"/>
     <p:sldId id="312" r:id="rId34"/>
     <p:sldId id="305" r:id="rId35"/>
-    <p:sldId id="304" r:id="rId36"/>
+    <p:sldId id="314" r:id="rId36"/>
     <p:sldId id="313" r:id="rId37"/>
     <p:sldId id="274" r:id="rId38"/>
     <p:sldId id="279" r:id="rId39"/>
@@ -286,7 +286,7 @@
               <a:pPr>
                 <a:defRPr/>
               </a:pPr>
-              <a:t>22/03/2012</a:t>
+              <a:t>04/04/2012</a:t>
             </a:fld>
             <a:endParaRPr lang="pt-BR"/>
           </a:p>
@@ -4835,7 +4835,7 @@
               <a:pPr>
                 <a:defRPr/>
               </a:pPr>
-              <a:t>22/03/2012</a:t>
+              <a:t>04/04/2012</a:t>
             </a:fld>
             <a:endParaRPr lang="pt-BR"/>
           </a:p>
@@ -5027,7 +5027,7 @@
               <a:pPr>
                 <a:defRPr/>
               </a:pPr>
-              <a:t>22/03/2012</a:t>
+              <a:t>04/04/2012</a:t>
             </a:fld>
             <a:endParaRPr lang="pt-BR"/>
           </a:p>
@@ -5229,7 +5229,7 @@
               <a:pPr>
                 <a:defRPr/>
               </a:pPr>
-              <a:t>22/03/2012</a:t>
+              <a:t>04/04/2012</a:t>
             </a:fld>
             <a:endParaRPr lang="pt-BR"/>
           </a:p>
@@ -5425,7 +5425,7 @@
               <a:pPr>
                 <a:defRPr/>
               </a:pPr>
-              <a:t>22/03/2012</a:t>
+              <a:t>04/04/2012</a:t>
             </a:fld>
             <a:endParaRPr lang="pt-BR"/>
           </a:p>
@@ -5931,7 +5931,7 @@
               <a:pPr>
                 <a:defRPr/>
               </a:pPr>
-              <a:t>22/03/2012</a:t>
+              <a:t>04/04/2012</a:t>
             </a:fld>
             <a:endParaRPr lang="pt-BR"/>
           </a:p>
@@ -6222,7 +6222,7 @@
               <a:pPr>
                 <a:defRPr/>
               </a:pPr>
-              <a:t>22/03/2012</a:t>
+              <a:t>04/04/2012</a:t>
             </a:fld>
             <a:endParaRPr lang="pt-BR"/>
           </a:p>
@@ -6623,7 +6623,7 @@
               <a:pPr>
                 <a:defRPr/>
               </a:pPr>
-              <a:t>22/03/2012</a:t>
+              <a:t>04/04/2012</a:t>
             </a:fld>
             <a:endParaRPr lang="pt-BR"/>
           </a:p>
@@ -6772,7 +6772,7 @@
               <a:pPr>
                 <a:defRPr/>
               </a:pPr>
-              <a:t>22/03/2012</a:t>
+              <a:t>04/04/2012</a:t>
             </a:fld>
             <a:endParaRPr lang="pt-BR"/>
           </a:p>
@@ -6889,7 +6889,7 @@
               <a:pPr>
                 <a:defRPr/>
               </a:pPr>
-              <a:t>22/03/2012</a:t>
+              <a:t>04/04/2012</a:t>
             </a:fld>
             <a:endParaRPr lang="pt-BR"/>
           </a:p>
@@ -7165,7 +7165,7 @@
               <a:pPr>
                 <a:defRPr/>
               </a:pPr>
-              <a:t>22/03/2012</a:t>
+              <a:t>04/04/2012</a:t>
             </a:fld>
             <a:endParaRPr lang="pt-BR"/>
           </a:p>
@@ -7449,7 +7449,7 @@
               <a:pPr>
                 <a:defRPr/>
               </a:pPr>
-              <a:t>22/03/2012</a:t>
+              <a:t>04/04/2012</a:t>
             </a:fld>
             <a:endParaRPr lang="pt-BR"/>
           </a:p>
@@ -7927,7 +7927,7 @@
               <a:pPr>
                 <a:defRPr/>
               </a:pPr>
-              <a:t>22/03/2012</a:t>
+              <a:t>04/04/2012</a:t>
             </a:fld>
             <a:endParaRPr lang="pt-BR"/>
           </a:p>
@@ -8668,12 +8668,40 @@
               <a:buNone/>
             </a:pPr>
             <a:r>
+              <a:rPr lang="pt-BR" sz="2000" dirty="0" err="1" smtClean="0">
+                <a:solidFill>
+                  <a:srgbClr val="FFC000"/>
+                </a:solidFill>
+              </a:rPr>
+              <a:t>Iterator</a:t>
+            </a:r>
+            <a:r>
+              <a:rPr lang="pt-BR" sz="2000" dirty="0" smtClean="0">
+                <a:solidFill>
+                  <a:srgbClr val="FFC000"/>
+                </a:solidFill>
+              </a:rPr>
+              <a:t>&lt;Produto&gt;</a:t>
+            </a:r>
+            <a:r>
+              <a:rPr lang="pt-BR" sz="2000" dirty="0" smtClean="0"/>
+              <a:t> it = </a:t>
+            </a:r>
+            <a:r>
               <a:rPr lang="pt-BR" sz="2000" dirty="0" err="1" smtClean="0"/>
-              <a:t>Iterator</a:t>
-            </a:r>
-            <a:r>
-              <a:rPr lang="pt-BR" sz="2000" dirty="0" smtClean="0"/>
-              <a:t>&lt;Produto&gt; </a:t>
+              <a:t>colecaox</a:t>
+            </a:r>
+            <a:r>
+              <a:rPr lang="pt-BR" sz="2000" dirty="0" smtClean="0"/>
+              <a:t>.</a:t>
+            </a:r>
+            <a:r>
+              <a:rPr lang="pt-BR" sz="2000" dirty="0" err="1" smtClean="0">
+                <a:solidFill>
+                  <a:srgbClr val="FFC000"/>
+                </a:solidFill>
+              </a:rPr>
+              <a:t>iterator</a:t>
             </a:r>
             <a:r>
               <a:rPr lang="pt-BR" sz="2000" dirty="0" smtClean="0">
@@ -8681,34 +8709,10 @@
                   <a:srgbClr val="FFC000"/>
                 </a:solidFill>
               </a:rPr>
-              <a:t>it = </a:t>
-            </a:r>
-            <a:r>
-              <a:rPr lang="pt-BR" sz="2000" dirty="0" err="1" smtClean="0">
-                <a:solidFill>
-                  <a:srgbClr val="FFC000"/>
-                </a:solidFill>
-              </a:rPr>
-              <a:t>colecaox</a:t>
-            </a:r>
-            <a:r>
-              <a:rPr lang="pt-BR" sz="2000" dirty="0" smtClean="0"/>
-              <a:t>.</a:t>
-            </a:r>
-            <a:r>
-              <a:rPr lang="pt-BR" sz="2000" dirty="0" err="1" smtClean="0"/>
-              <a:t>iterator</a:t>
-            </a:r>
-            <a:r>
-              <a:rPr lang="pt-BR" sz="2000" dirty="0" smtClean="0"/>
               <a:t>()</a:t>
             </a:r>
             <a:r>
-              <a:rPr lang="pt-BR" sz="2000" dirty="0" smtClean="0">
-                <a:solidFill>
-                  <a:srgbClr val="FFC000"/>
-                </a:solidFill>
-              </a:rPr>
+              <a:rPr lang="pt-BR" sz="2000" dirty="0" smtClean="0"/>
               <a:t>;</a:t>
             </a:r>
           </a:p>
@@ -8719,11 +8723,7 @@
               </a:spcBef>
               <a:buNone/>
             </a:pPr>
-            <a:endParaRPr lang="pt-BR" sz="2000" dirty="0" smtClean="0">
-              <a:solidFill>
-                <a:srgbClr val="FFC000"/>
-              </a:solidFill>
-            </a:endParaRPr>
+            <a:endParaRPr lang="pt-BR" sz="2000" dirty="0" smtClean="0"/>
           </a:p>
           <a:p>
             <a:pPr marL="1074738" lvl="1" indent="-625475">
@@ -8733,35 +8733,31 @@
               <a:buNone/>
             </a:pPr>
             <a:r>
+              <a:rPr lang="pt-BR" sz="2000" dirty="0" smtClean="0"/>
+              <a:t>Produto p1 = </a:t>
+            </a:r>
+            <a:r>
+              <a:rPr lang="pt-BR" sz="2000" dirty="0" err="1" smtClean="0"/>
+              <a:t>it.</a:t>
+            </a:r>
+            <a:r>
+              <a:rPr lang="pt-BR" sz="2000" dirty="0" err="1" smtClean="0">
+                <a:solidFill>
+                  <a:srgbClr val="FFC000"/>
+                </a:solidFill>
+              </a:rPr>
+              <a:t>next</a:t>
+            </a:r>
+            <a:r>
               <a:rPr lang="pt-BR" sz="2000" dirty="0" smtClean="0">
                 <a:solidFill>
                   <a:srgbClr val="FFC000"/>
                 </a:solidFill>
               </a:rPr>
-              <a:t>Produto p1 = </a:t>
-            </a:r>
-            <a:r>
-              <a:rPr lang="pt-BR" sz="2000" dirty="0" err="1" smtClean="0">
-                <a:solidFill>
-                  <a:srgbClr val="FFC000"/>
-                </a:solidFill>
-              </a:rPr>
-              <a:t>it.</a:t>
-            </a:r>
-            <a:r>
-              <a:rPr lang="pt-BR" sz="2000" dirty="0" err="1" smtClean="0"/>
-              <a:t>next</a:t>
-            </a:r>
-            <a:r>
-              <a:rPr lang="pt-BR" sz="2000" dirty="0" smtClean="0"/>
               <a:t>()</a:t>
             </a:r>
             <a:r>
-              <a:rPr lang="pt-BR" sz="2000" dirty="0" smtClean="0">
-                <a:solidFill>
-                  <a:srgbClr val="FFC000"/>
-                </a:solidFill>
-              </a:rPr>
+              <a:rPr lang="pt-BR" sz="2000" dirty="0" smtClean="0"/>
               <a:t>;</a:t>
             </a:r>
           </a:p>
@@ -8773,35 +8769,31 @@
               <a:buNone/>
             </a:pPr>
             <a:r>
+              <a:rPr lang="pt-BR" sz="2000" dirty="0" smtClean="0"/>
+              <a:t>Produto p2 = </a:t>
+            </a:r>
+            <a:r>
+              <a:rPr lang="pt-BR" sz="2000" dirty="0" err="1" smtClean="0"/>
+              <a:t>it.</a:t>
+            </a:r>
+            <a:r>
+              <a:rPr lang="pt-BR" sz="2000" dirty="0" err="1" smtClean="0">
+                <a:solidFill>
+                  <a:srgbClr val="FFC000"/>
+                </a:solidFill>
+              </a:rPr>
+              <a:t>next</a:t>
+            </a:r>
+            <a:r>
               <a:rPr lang="pt-BR" sz="2000" dirty="0" smtClean="0">
                 <a:solidFill>
                   <a:srgbClr val="FFC000"/>
                 </a:solidFill>
               </a:rPr>
-              <a:t>Produto p2 = </a:t>
-            </a:r>
-            <a:r>
-              <a:rPr lang="pt-BR" sz="2000" dirty="0" err="1" smtClean="0">
-                <a:solidFill>
-                  <a:srgbClr val="FFC000"/>
-                </a:solidFill>
-              </a:rPr>
-              <a:t>it.</a:t>
-            </a:r>
-            <a:r>
-              <a:rPr lang="pt-BR" sz="2000" dirty="0" err="1" smtClean="0"/>
-              <a:t>next</a:t>
-            </a:r>
-            <a:r>
-              <a:rPr lang="pt-BR" sz="2000" dirty="0" smtClean="0"/>
               <a:t>()</a:t>
             </a:r>
             <a:r>
-              <a:rPr lang="pt-BR" sz="2000" dirty="0" smtClean="0">
-                <a:solidFill>
-                  <a:srgbClr val="FFC000"/>
-                </a:solidFill>
-              </a:rPr>
+              <a:rPr lang="pt-BR" sz="2000" dirty="0" smtClean="0"/>
               <a:t>;</a:t>
             </a:r>
           </a:p>
@@ -8813,35 +8805,31 @@
               <a:buNone/>
             </a:pPr>
             <a:r>
+              <a:rPr lang="pt-BR" sz="2000" dirty="0" smtClean="0"/>
+              <a:t>Produto p3 = </a:t>
+            </a:r>
+            <a:r>
+              <a:rPr lang="pt-BR" sz="2000" dirty="0" err="1" smtClean="0"/>
+              <a:t>it.</a:t>
+            </a:r>
+            <a:r>
+              <a:rPr lang="pt-BR" sz="2000" dirty="0" err="1" smtClean="0">
+                <a:solidFill>
+                  <a:srgbClr val="FFC000"/>
+                </a:solidFill>
+              </a:rPr>
+              <a:t>next</a:t>
+            </a:r>
+            <a:r>
               <a:rPr lang="pt-BR" sz="2000" dirty="0" smtClean="0">
                 <a:solidFill>
                   <a:srgbClr val="FFC000"/>
                 </a:solidFill>
               </a:rPr>
-              <a:t>Produto p3 = </a:t>
-            </a:r>
-            <a:r>
-              <a:rPr lang="pt-BR" sz="2000" dirty="0" err="1" smtClean="0">
-                <a:solidFill>
-                  <a:srgbClr val="FFC000"/>
-                </a:solidFill>
-              </a:rPr>
-              <a:t>it.</a:t>
-            </a:r>
-            <a:r>
-              <a:rPr lang="pt-BR" sz="2000" dirty="0" err="1" smtClean="0"/>
-              <a:t>next</a:t>
-            </a:r>
-            <a:r>
-              <a:rPr lang="pt-BR" sz="2000" dirty="0" smtClean="0"/>
               <a:t>()</a:t>
             </a:r>
             <a:r>
-              <a:rPr lang="pt-BR" sz="2000" dirty="0" smtClean="0">
-                <a:solidFill>
-                  <a:srgbClr val="FFC000"/>
-                </a:solidFill>
-              </a:rPr>
+              <a:rPr lang="pt-BR" sz="2000" dirty="0" smtClean="0"/>
               <a:t>;</a:t>
             </a:r>
           </a:p>
@@ -8853,35 +8841,31 @@
               <a:buNone/>
             </a:pPr>
             <a:r>
+              <a:rPr lang="pt-BR" sz="2000" dirty="0" smtClean="0"/>
+              <a:t>Produto p4 = </a:t>
+            </a:r>
+            <a:r>
+              <a:rPr lang="pt-BR" sz="2000" dirty="0" err="1" smtClean="0"/>
+              <a:t>it.</a:t>
+            </a:r>
+            <a:r>
+              <a:rPr lang="pt-BR" sz="2000" dirty="0" err="1" smtClean="0">
+                <a:solidFill>
+                  <a:srgbClr val="FFC000"/>
+                </a:solidFill>
+              </a:rPr>
+              <a:t>next</a:t>
+            </a:r>
+            <a:r>
               <a:rPr lang="pt-BR" sz="2000" dirty="0" smtClean="0">
                 <a:solidFill>
                   <a:srgbClr val="FFC000"/>
                 </a:solidFill>
               </a:rPr>
-              <a:t>Produto p4 = </a:t>
-            </a:r>
-            <a:r>
-              <a:rPr lang="pt-BR" sz="2000" dirty="0" err="1" smtClean="0">
-                <a:solidFill>
-                  <a:srgbClr val="FFC000"/>
-                </a:solidFill>
-              </a:rPr>
-              <a:t>it.</a:t>
-            </a:r>
-            <a:r>
-              <a:rPr lang="pt-BR" sz="2000" dirty="0" err="1" smtClean="0"/>
-              <a:t>next</a:t>
-            </a:r>
-            <a:r>
-              <a:rPr lang="pt-BR" sz="2000" dirty="0" smtClean="0"/>
               <a:t>()</a:t>
             </a:r>
             <a:r>
-              <a:rPr lang="pt-BR" sz="2000" dirty="0" smtClean="0">
-                <a:solidFill>
-                  <a:srgbClr val="FFC000"/>
-                </a:solidFill>
-              </a:rPr>
+              <a:rPr lang="pt-BR" sz="2000" dirty="0" smtClean="0"/>
               <a:t>;</a:t>
             </a:r>
           </a:p>
@@ -8893,35 +8877,31 @@
               <a:buNone/>
             </a:pPr>
             <a:r>
+              <a:rPr lang="pt-BR" sz="2000" dirty="0" smtClean="0"/>
+              <a:t>Produto p5 = </a:t>
+            </a:r>
+            <a:r>
+              <a:rPr lang="pt-BR" sz="2000" dirty="0" err="1" smtClean="0"/>
+              <a:t>it.</a:t>
+            </a:r>
+            <a:r>
+              <a:rPr lang="pt-BR" sz="2000" dirty="0" err="1" smtClean="0">
+                <a:solidFill>
+                  <a:srgbClr val="FFC000"/>
+                </a:solidFill>
+              </a:rPr>
+              <a:t>next</a:t>
+            </a:r>
+            <a:r>
               <a:rPr lang="pt-BR" sz="2000" dirty="0" smtClean="0">
                 <a:solidFill>
                   <a:srgbClr val="FFC000"/>
                 </a:solidFill>
               </a:rPr>
-              <a:t>Produto p5 = </a:t>
-            </a:r>
-            <a:r>
-              <a:rPr lang="pt-BR" sz="2000" dirty="0" err="1" smtClean="0">
-                <a:solidFill>
-                  <a:srgbClr val="FFC000"/>
-                </a:solidFill>
-              </a:rPr>
-              <a:t>it.</a:t>
-            </a:r>
-            <a:r>
-              <a:rPr lang="pt-BR" sz="2000" dirty="0" err="1" smtClean="0"/>
-              <a:t>next</a:t>
-            </a:r>
-            <a:r>
-              <a:rPr lang="pt-BR" sz="2000" dirty="0" smtClean="0"/>
               <a:t>()</a:t>
             </a:r>
             <a:r>
-              <a:rPr lang="pt-BR" sz="2000" dirty="0" smtClean="0">
-                <a:solidFill>
-                  <a:srgbClr val="FFC000"/>
-                </a:solidFill>
-              </a:rPr>
+              <a:rPr lang="pt-BR" sz="2000" dirty="0" smtClean="0"/>
               <a:t>;</a:t>
             </a:r>
           </a:p>
@@ -8933,11 +8913,7 @@
               <a:buNone/>
             </a:pPr>
             <a:r>
-              <a:rPr lang="pt-BR" sz="2000" dirty="0" smtClean="0">
-                <a:solidFill>
-                  <a:srgbClr val="FFC000"/>
-                </a:solidFill>
-              </a:rPr>
+              <a:rPr lang="pt-BR" sz="2000" dirty="0" smtClean="0"/>
               <a:t>                  . . .</a:t>
             </a:r>
           </a:p>
@@ -8949,11 +8925,7 @@
               <a:buNone/>
             </a:pPr>
             <a:r>
-              <a:rPr lang="pt-BR" sz="2000" dirty="0" smtClean="0">
-                <a:solidFill>
-                  <a:srgbClr val="FFC000"/>
-                </a:solidFill>
-              </a:rPr>
+              <a:rPr lang="pt-BR" sz="2000" dirty="0" smtClean="0"/>
               <a:t>                  . . .</a:t>
             </a:r>
           </a:p>
@@ -9417,20 +9389,56 @@
               <a:buNone/>
             </a:pPr>
             <a:r>
+              <a:rPr lang="pt-BR" sz="2000" dirty="0" err="1" smtClean="0">
+                <a:solidFill>
+                  <a:srgbClr val="FFC000"/>
+                </a:solidFill>
+              </a:rPr>
+              <a:t>Iterator</a:t>
+            </a:r>
+            <a:r>
+              <a:rPr lang="pt-BR" sz="2000" dirty="0" smtClean="0">
+                <a:solidFill>
+                  <a:srgbClr val="FFC000"/>
+                </a:solidFill>
+              </a:rPr>
+              <a:t>&lt;</a:t>
+            </a:r>
+            <a:r>
+              <a:rPr lang="pt-BR" sz="2000" dirty="0" err="1" smtClean="0">
+                <a:solidFill>
+                  <a:srgbClr val="FFC000"/>
+                </a:solidFill>
+              </a:rPr>
+              <a:t>Object</a:t>
+            </a:r>
+            <a:r>
+              <a:rPr lang="pt-BR" sz="2000" dirty="0" smtClean="0">
+                <a:solidFill>
+                  <a:srgbClr val="FFC000"/>
+                </a:solidFill>
+              </a:rPr>
+              <a:t>&gt;</a:t>
+            </a:r>
+            <a:r>
+              <a:rPr lang="pt-BR" sz="2000" dirty="0" smtClean="0"/>
+              <a:t> it = </a:t>
+            </a:r>
+            <a:r>
               <a:rPr lang="pt-BR" sz="2000" dirty="0" err="1" smtClean="0"/>
-              <a:t>Iterator</a:t>
-            </a:r>
-            <a:r>
-              <a:rPr lang="pt-BR" sz="2000" dirty="0" smtClean="0"/>
-              <a:t>&lt;</a:t>
-            </a:r>
-            <a:r>
-              <a:rPr lang="pt-BR" sz="2000" dirty="0" err="1" smtClean="0"/>
-              <a:t>Object</a:t>
-            </a:r>
-            <a:r>
-              <a:rPr lang="pt-BR" sz="2000" dirty="0" smtClean="0"/>
-              <a:t>&gt; </a:t>
+              <a:t>colecaoy</a:t>
+            </a:r>
+            <a:r>
+              <a:rPr lang="pt-BR" sz="2000" dirty="0" smtClean="0"/>
+              <a:t>.</a:t>
+            </a:r>
+            <a:r>
+              <a:rPr lang="pt-BR" sz="2000" dirty="0" err="1" smtClean="0">
+                <a:solidFill>
+                  <a:srgbClr val="FFC000"/>
+                </a:solidFill>
+              </a:rPr>
+              <a:t>iterator</a:t>
             </a:r>
             <a:r>
               <a:rPr lang="pt-BR" sz="2000" dirty="0" smtClean="0">
@@ -9438,34 +9446,10 @@
                   <a:srgbClr val="FFC000"/>
                 </a:solidFill>
               </a:rPr>
-              <a:t>it = </a:t>
-            </a:r>
-            <a:r>
-              <a:rPr lang="pt-BR" sz="2000" dirty="0" err="1" smtClean="0">
-                <a:solidFill>
-                  <a:srgbClr val="FFC000"/>
-                </a:solidFill>
-              </a:rPr>
-              <a:t>colecaoy</a:t>
-            </a:r>
-            <a:r>
-              <a:rPr lang="pt-BR" sz="2000" dirty="0" smtClean="0"/>
-              <a:t>.</a:t>
-            </a:r>
-            <a:r>
-              <a:rPr lang="pt-BR" sz="2000" dirty="0" err="1" smtClean="0"/>
-              <a:t>iterator</a:t>
-            </a:r>
-            <a:r>
-              <a:rPr lang="pt-BR" sz="2000" dirty="0" smtClean="0"/>
               <a:t>()</a:t>
             </a:r>
             <a:r>
-              <a:rPr lang="pt-BR" sz="2000" dirty="0" smtClean="0">
-                <a:solidFill>
-                  <a:srgbClr val="FFC000"/>
-                </a:solidFill>
-              </a:rPr>
+              <a:rPr lang="pt-BR" sz="2000" dirty="0" smtClean="0"/>
               <a:t>;</a:t>
             </a:r>
           </a:p>
@@ -9476,11 +9460,7 @@
               </a:spcBef>
               <a:buNone/>
             </a:pPr>
-            <a:endParaRPr lang="pt-BR" sz="2000" dirty="0" smtClean="0">
-              <a:solidFill>
-                <a:srgbClr val="FFC000"/>
-              </a:solidFill>
-            </a:endParaRPr>
+            <a:endParaRPr lang="pt-BR" sz="2000" dirty="0" smtClean="0"/>
           </a:p>
           <a:p>
             <a:pPr marL="1074738" lvl="1" indent="-625475">
@@ -9490,35 +9470,31 @@
               <a:buNone/>
             </a:pPr>
             <a:r>
+              <a:rPr lang="pt-BR" sz="2000" dirty="0" smtClean="0"/>
+              <a:t>String item1 = (String) </a:t>
+            </a:r>
+            <a:r>
+              <a:rPr lang="pt-BR" sz="2000" dirty="0" err="1" smtClean="0"/>
+              <a:t>it.</a:t>
+            </a:r>
+            <a:r>
+              <a:rPr lang="pt-BR" sz="2000" dirty="0" err="1" smtClean="0">
+                <a:solidFill>
+                  <a:srgbClr val="FFC000"/>
+                </a:solidFill>
+              </a:rPr>
+              <a:t>next</a:t>
+            </a:r>
+            <a:r>
               <a:rPr lang="pt-BR" sz="2000" dirty="0" smtClean="0">
                 <a:solidFill>
                   <a:srgbClr val="FFC000"/>
                 </a:solidFill>
               </a:rPr>
-              <a:t>String item1 = (String) </a:t>
-            </a:r>
-            <a:r>
-              <a:rPr lang="pt-BR" sz="2000" dirty="0" err="1" smtClean="0">
-                <a:solidFill>
-                  <a:srgbClr val="FFC000"/>
-                </a:solidFill>
-              </a:rPr>
-              <a:t>it.</a:t>
-            </a:r>
-            <a:r>
-              <a:rPr lang="pt-BR" sz="2000" dirty="0" err="1" smtClean="0"/>
-              <a:t>next</a:t>
-            </a:r>
-            <a:r>
-              <a:rPr lang="pt-BR" sz="2000" dirty="0" smtClean="0"/>
               <a:t>()</a:t>
             </a:r>
             <a:r>
-              <a:rPr lang="pt-BR" sz="2000" dirty="0" smtClean="0">
-                <a:solidFill>
-                  <a:srgbClr val="FFC000"/>
-                </a:solidFill>
-              </a:rPr>
+              <a:rPr lang="pt-BR" sz="2000" dirty="0" smtClean="0"/>
               <a:t>;</a:t>
             </a:r>
           </a:p>
@@ -9530,12 +9506,32 @@
               <a:buNone/>
             </a:pPr>
             <a:r>
+              <a:rPr lang="pt-BR" sz="2000" dirty="0" err="1" smtClean="0"/>
+              <a:t>Integer</a:t>
+            </a:r>
+            <a:r>
+              <a:rPr lang="pt-BR" sz="2000" dirty="0" smtClean="0"/>
+              <a:t> item2 = (</a:t>
+            </a:r>
+            <a:r>
+              <a:rPr lang="pt-BR" sz="2000" dirty="0" err="1" smtClean="0"/>
+              <a:t>Integer</a:t>
+            </a:r>
+            <a:r>
+              <a:rPr lang="pt-BR" sz="2000" dirty="0" smtClean="0"/>
+              <a:t>) </a:t>
+            </a:r>
+            <a:r>
+              <a:rPr lang="pt-BR" sz="2000" dirty="0" err="1" smtClean="0"/>
+              <a:t>it.</a:t>
+            </a:r>
+            <a:r>
               <a:rPr lang="pt-BR" sz="2000" dirty="0" err="1" smtClean="0">
                 <a:solidFill>
                   <a:srgbClr val="FFC000"/>
                 </a:solidFill>
               </a:rPr>
-              <a:t>Integer</a:t>
+              <a:t>next</a:t>
             </a:r>
             <a:r>
               <a:rPr lang="pt-BR" sz="2000" dirty="0" smtClean="0">
@@ -9543,46 +9539,10 @@
                   <a:srgbClr val="FFC000"/>
                 </a:solidFill>
               </a:rPr>
-              <a:t> item2 = (</a:t>
-            </a:r>
-            <a:r>
-              <a:rPr lang="pt-BR" sz="2000" dirty="0" err="1" smtClean="0">
-                <a:solidFill>
-                  <a:srgbClr val="FFC000"/>
-                </a:solidFill>
-              </a:rPr>
-              <a:t>Integer</a:t>
-            </a:r>
-            <a:r>
-              <a:rPr lang="pt-BR" sz="2000" dirty="0" smtClean="0">
-                <a:solidFill>
-                  <a:srgbClr val="FFC000"/>
-                </a:solidFill>
-              </a:rPr>
-              <a:t>) </a:t>
-            </a:r>
-            <a:r>
-              <a:rPr lang="pt-BR" sz="2000" dirty="0" err="1" smtClean="0">
-                <a:solidFill>
-                  <a:srgbClr val="FFC000"/>
-                </a:solidFill>
-              </a:rPr>
-              <a:t>it.</a:t>
-            </a:r>
-            <a:r>
-              <a:rPr lang="pt-BR" sz="2000" dirty="0" err="1" smtClean="0"/>
-              <a:t>next</a:t>
-            </a:r>
-            <a:r>
-              <a:rPr lang="pt-BR" sz="2000" dirty="0" smtClean="0"/>
               <a:t>()</a:t>
             </a:r>
             <a:r>
-              <a:rPr lang="pt-BR" sz="2000" dirty="0" smtClean="0">
-                <a:solidFill>
-                  <a:srgbClr val="FFC000"/>
-                </a:solidFill>
-              </a:rPr>
+              <a:rPr lang="pt-BR" sz="2000" dirty="0" smtClean="0"/>
               <a:t>;</a:t>
             </a:r>
           </a:p>
@@ -9594,12 +9554,32 @@
               <a:buNone/>
             </a:pPr>
             <a:r>
+              <a:rPr lang="pt-BR" sz="2000" dirty="0" err="1" smtClean="0"/>
+              <a:t>Boolean</a:t>
+            </a:r>
+            <a:r>
+              <a:rPr lang="pt-BR" sz="2000" dirty="0" smtClean="0"/>
+              <a:t> item3 = (</a:t>
+            </a:r>
+            <a:r>
+              <a:rPr lang="pt-BR" sz="2000" dirty="0" err="1" smtClean="0"/>
+              <a:t>Boolean</a:t>
+            </a:r>
+            <a:r>
+              <a:rPr lang="pt-BR" sz="2000" dirty="0" smtClean="0"/>
+              <a:t>) </a:t>
+            </a:r>
+            <a:r>
+              <a:rPr lang="pt-BR" sz="2000" dirty="0" err="1" smtClean="0"/>
+              <a:t>it.</a:t>
+            </a:r>
+            <a:r>
               <a:rPr lang="pt-BR" sz="2000" dirty="0" err="1" smtClean="0">
                 <a:solidFill>
                   <a:srgbClr val="FFC000"/>
                 </a:solidFill>
               </a:rPr>
-              <a:t>Boolean</a:t>
+              <a:t>next</a:t>
             </a:r>
             <a:r>
               <a:rPr lang="pt-BR" sz="2000" dirty="0" smtClean="0">
@@ -9607,46 +9587,10 @@
                   <a:srgbClr val="FFC000"/>
                 </a:solidFill>
               </a:rPr>
-              <a:t> item3 = (</a:t>
-            </a:r>
-            <a:r>
-              <a:rPr lang="pt-BR" sz="2000" dirty="0" err="1" smtClean="0">
-                <a:solidFill>
-                  <a:srgbClr val="FFC000"/>
-                </a:solidFill>
-              </a:rPr>
-              <a:t>Boolean</a:t>
-            </a:r>
-            <a:r>
-              <a:rPr lang="pt-BR" sz="2000" dirty="0" smtClean="0">
-                <a:solidFill>
-                  <a:srgbClr val="FFC000"/>
-                </a:solidFill>
-              </a:rPr>
-              <a:t>) </a:t>
-            </a:r>
-            <a:r>
-              <a:rPr lang="pt-BR" sz="2000" dirty="0" err="1" smtClean="0">
-                <a:solidFill>
-                  <a:srgbClr val="FFC000"/>
-                </a:solidFill>
-              </a:rPr>
-              <a:t>it.</a:t>
-            </a:r>
-            <a:r>
-              <a:rPr lang="pt-BR" sz="2000" dirty="0" err="1" smtClean="0"/>
-              <a:t>next</a:t>
-            </a:r>
-            <a:r>
-              <a:rPr lang="pt-BR" sz="2000" dirty="0" smtClean="0"/>
               <a:t>()</a:t>
             </a:r>
             <a:r>
-              <a:rPr lang="pt-BR" sz="2000" dirty="0" smtClean="0">
-                <a:solidFill>
-                  <a:srgbClr val="FFC000"/>
-                </a:solidFill>
-              </a:rPr>
+              <a:rPr lang="pt-BR" sz="2000" dirty="0" smtClean="0"/>
               <a:t>;</a:t>
             </a:r>
           </a:p>
@@ -9658,35 +9602,31 @@
               <a:buNone/>
             </a:pPr>
             <a:r>
+              <a:rPr lang="pt-BR" sz="2000" dirty="0" smtClean="0"/>
+              <a:t>Produto item4 = (Produto) </a:t>
+            </a:r>
+            <a:r>
+              <a:rPr lang="pt-BR" sz="2000" dirty="0" err="1" smtClean="0"/>
+              <a:t>it.</a:t>
+            </a:r>
+            <a:r>
+              <a:rPr lang="pt-BR" sz="2000" dirty="0" err="1" smtClean="0">
+                <a:solidFill>
+                  <a:srgbClr val="FFC000"/>
+                </a:solidFill>
+              </a:rPr>
+              <a:t>next</a:t>
+            </a:r>
+            <a:r>
               <a:rPr lang="pt-BR" sz="2000" dirty="0" smtClean="0">
                 <a:solidFill>
                   <a:srgbClr val="FFC000"/>
                 </a:solidFill>
               </a:rPr>
-              <a:t>Produto item4 = (Produto) </a:t>
-            </a:r>
-            <a:r>
-              <a:rPr lang="pt-BR" sz="2000" dirty="0" err="1" smtClean="0">
-                <a:solidFill>
-                  <a:srgbClr val="FFC000"/>
-                </a:solidFill>
-              </a:rPr>
-              <a:t>it.</a:t>
-            </a:r>
-            <a:r>
-              <a:rPr lang="pt-BR" sz="2000" dirty="0" err="1" smtClean="0"/>
-              <a:t>next</a:t>
-            </a:r>
-            <a:r>
-              <a:rPr lang="pt-BR" sz="2000" dirty="0" smtClean="0"/>
               <a:t>()</a:t>
             </a:r>
             <a:r>
-              <a:rPr lang="pt-BR" sz="2000" dirty="0" smtClean="0">
-                <a:solidFill>
-                  <a:srgbClr val="FFC000"/>
-                </a:solidFill>
-              </a:rPr>
+              <a:rPr lang="pt-BR" sz="2000" dirty="0" smtClean="0"/>
               <a:t>;</a:t>
             </a:r>
           </a:p>
@@ -9698,35 +9638,31 @@
               <a:buNone/>
             </a:pPr>
             <a:r>
+              <a:rPr lang="pt-BR" sz="2000" dirty="0" smtClean="0"/>
+              <a:t>Cliente item5 = (Cliente) </a:t>
+            </a:r>
+            <a:r>
+              <a:rPr lang="pt-BR" sz="2000" dirty="0" err="1" smtClean="0"/>
+              <a:t>it.</a:t>
+            </a:r>
+            <a:r>
+              <a:rPr lang="pt-BR" sz="2000" dirty="0" err="1" smtClean="0">
+                <a:solidFill>
+                  <a:srgbClr val="FFC000"/>
+                </a:solidFill>
+              </a:rPr>
+              <a:t>next</a:t>
+            </a:r>
+            <a:r>
               <a:rPr lang="pt-BR" sz="2000" dirty="0" smtClean="0">
                 <a:solidFill>
                   <a:srgbClr val="FFC000"/>
                 </a:solidFill>
               </a:rPr>
-              <a:t>Cliente item5 = (Cliente) </a:t>
-            </a:r>
-            <a:r>
-              <a:rPr lang="pt-BR" sz="2000" dirty="0" err="1" smtClean="0">
-                <a:solidFill>
-                  <a:srgbClr val="FFC000"/>
-                </a:solidFill>
-              </a:rPr>
-              <a:t>it.</a:t>
-            </a:r>
-            <a:r>
-              <a:rPr lang="pt-BR" sz="2000" dirty="0" err="1" smtClean="0"/>
-              <a:t>next</a:t>
-            </a:r>
-            <a:r>
-              <a:rPr lang="pt-BR" sz="2000" dirty="0" smtClean="0"/>
               <a:t>()</a:t>
             </a:r>
             <a:r>
-              <a:rPr lang="pt-BR" sz="2000" dirty="0" smtClean="0">
-                <a:solidFill>
-                  <a:srgbClr val="FFC000"/>
-                </a:solidFill>
-              </a:rPr>
+              <a:rPr lang="pt-BR" sz="2000" dirty="0" smtClean="0"/>
               <a:t>;</a:t>
             </a:r>
           </a:p>
@@ -9738,11 +9674,7 @@
               <a:buNone/>
             </a:pPr>
             <a:r>
-              <a:rPr lang="pt-BR" sz="2000" dirty="0" smtClean="0">
-                <a:solidFill>
-                  <a:srgbClr val="FFC000"/>
-                </a:solidFill>
-              </a:rPr>
+              <a:rPr lang="pt-BR" sz="2000" dirty="0" smtClean="0"/>
               <a:t>                  . . .</a:t>
             </a:r>
           </a:p>
@@ -9754,11 +9686,7 @@
               <a:buNone/>
             </a:pPr>
             <a:r>
-              <a:rPr lang="pt-BR" sz="2000" dirty="0" smtClean="0">
-                <a:solidFill>
-                  <a:srgbClr val="FFC000"/>
-                </a:solidFill>
-              </a:rPr>
+              <a:rPr lang="pt-BR" sz="2000" dirty="0" smtClean="0"/>
               <a:t>                  . . .</a:t>
             </a:r>
           </a:p>
@@ -10222,47 +10150,59 @@
               <a:buNone/>
             </a:pPr>
             <a:r>
-              <a:rPr lang="pt-BR" sz="2000" dirty="0" err="1" smtClean="0"/>
+              <a:rPr lang="pt-BR" sz="2000" dirty="0" err="1" smtClean="0">
+                <a:solidFill>
+                  <a:srgbClr val="FFC000"/>
+                </a:solidFill>
+              </a:rPr>
               <a:t>Iterator</a:t>
             </a:r>
             <a:r>
-              <a:rPr lang="pt-BR" sz="2000" dirty="0" smtClean="0"/>
+              <a:rPr lang="pt-BR" sz="2000" dirty="0" smtClean="0">
+                <a:solidFill>
+                  <a:srgbClr val="FFC000"/>
+                </a:solidFill>
+              </a:rPr>
               <a:t>&lt;</a:t>
             </a:r>
             <a:r>
-              <a:rPr lang="pt-BR" sz="2000" dirty="0" err="1" smtClean="0"/>
+              <a:rPr lang="pt-BR" sz="2000" dirty="0" err="1" smtClean="0">
+                <a:solidFill>
+                  <a:srgbClr val="FFC000"/>
+                </a:solidFill>
+              </a:rPr>
               <a:t>Funcionario</a:t>
             </a:r>
             <a:r>
-              <a:rPr lang="pt-BR" sz="2000" dirty="0" smtClean="0"/>
-              <a:t>&gt; </a:t>
-            </a:r>
-            <a:r>
               <a:rPr lang="pt-BR" sz="2000" dirty="0" smtClean="0">
                 <a:solidFill>
                   <a:srgbClr val="FFC000"/>
                 </a:solidFill>
               </a:rPr>
-              <a:t>it = conjunto</a:t>
-            </a:r>
-            <a:r>
-              <a:rPr lang="pt-BR" sz="2000" dirty="0" smtClean="0"/>
-              <a:t>.</a:t>
-            </a:r>
-            <a:r>
-              <a:rPr lang="pt-BR" sz="2000" dirty="0" err="1" smtClean="0"/>
+              <a:t>&gt;</a:t>
+            </a:r>
+            <a:r>
+              <a:rPr lang="pt-BR" sz="2000" dirty="0" smtClean="0"/>
+              <a:t> it = conjunto.</a:t>
+            </a:r>
+            <a:r>
+              <a:rPr lang="pt-BR" sz="2000" dirty="0" err="1" smtClean="0">
+                <a:solidFill>
+                  <a:srgbClr val="FFC000"/>
+                </a:solidFill>
+              </a:rPr>
               <a:t>iterator</a:t>
             </a:r>
             <a:r>
-              <a:rPr lang="pt-BR" sz="2000" dirty="0" smtClean="0"/>
+              <a:rPr lang="pt-BR" sz="2000" dirty="0" smtClean="0">
+                <a:solidFill>
+                  <a:srgbClr val="FFC000"/>
+                </a:solidFill>
+              </a:rPr>
               <a:t>()</a:t>
             </a:r>
             <a:r>
-              <a:rPr lang="pt-BR" sz="2000" dirty="0" smtClean="0">
-                <a:solidFill>
-                  <a:srgbClr val="FFC000"/>
-                </a:solidFill>
-              </a:rPr>
+              <a:rPr lang="pt-BR" sz="2000" dirty="0" smtClean="0"/>
               <a:t>;</a:t>
             </a:r>
           </a:p>
@@ -10273,11 +10213,7 @@
               </a:spcBef>
               <a:buNone/>
             </a:pPr>
-            <a:endParaRPr lang="pt-BR" sz="2000" dirty="0" smtClean="0">
-              <a:solidFill>
-                <a:srgbClr val="FFC000"/>
-              </a:solidFill>
-            </a:endParaRPr>
+            <a:endParaRPr lang="pt-BR" sz="2000" dirty="0" smtClean="0"/>
           </a:p>
           <a:p>
             <a:pPr marL="1074738" lvl="1" indent="-625475">
@@ -10287,12 +10223,24 @@
               <a:buNone/>
             </a:pPr>
             <a:r>
+              <a:rPr lang="pt-BR" sz="2000" dirty="0" err="1" smtClean="0"/>
+              <a:t>while</a:t>
+            </a:r>
+            <a:r>
+              <a:rPr lang="pt-BR" sz="2000" dirty="0" smtClean="0"/>
+              <a:t> (</a:t>
+            </a:r>
+            <a:r>
+              <a:rPr lang="pt-BR" sz="2000" dirty="0" err="1" smtClean="0"/>
+              <a:t>it.</a:t>
+            </a:r>
+            <a:r>
               <a:rPr lang="pt-BR" sz="2000" dirty="0" err="1" smtClean="0">
                 <a:solidFill>
                   <a:srgbClr val="FFC000"/>
                 </a:solidFill>
               </a:rPr>
-              <a:t>while</a:t>
+              <a:t>hasNext</a:t>
             </a:r>
             <a:r>
               <a:rPr lang="pt-BR" sz="2000" dirty="0" smtClean="0">
@@ -10300,30 +10248,10 @@
                   <a:srgbClr val="FFC000"/>
                 </a:solidFill>
               </a:rPr>
-              <a:t> (</a:t>
-            </a:r>
-            <a:r>
-              <a:rPr lang="pt-BR" sz="2000" dirty="0" err="1" smtClean="0">
-                <a:solidFill>
-                  <a:srgbClr val="FFC000"/>
-                </a:solidFill>
-              </a:rPr>
-              <a:t>it.</a:t>
-            </a:r>
-            <a:r>
-              <a:rPr lang="pt-BR" sz="2000" dirty="0" err="1" smtClean="0"/>
-              <a:t>hasNext</a:t>
-            </a:r>
-            <a:r>
-              <a:rPr lang="pt-BR" sz="2000" dirty="0" smtClean="0"/>
               <a:t>()</a:t>
             </a:r>
             <a:r>
-              <a:rPr lang="pt-BR" sz="2000" dirty="0" smtClean="0">
-                <a:solidFill>
-                  <a:srgbClr val="FFC000"/>
-                </a:solidFill>
-              </a:rPr>
+              <a:rPr lang="pt-BR" sz="2000" dirty="0" smtClean="0"/>
               <a:t>) {</a:t>
             </a:r>
           </a:p>
@@ -10335,67 +10263,47 @@
               <a:buNone/>
             </a:pPr>
             <a:r>
+              <a:rPr lang="pt-BR" sz="2000" dirty="0" smtClean="0"/>
+              <a:t>	</a:t>
+            </a:r>
+            <a:r>
+              <a:rPr lang="pt-BR" sz="2000" dirty="0" err="1" smtClean="0"/>
+              <a:t>Funcionario</a:t>
+            </a:r>
+            <a:r>
+              <a:rPr lang="pt-BR" sz="2000" dirty="0" smtClean="0"/>
+              <a:t> </a:t>
+            </a:r>
+            <a:r>
+              <a:rPr lang="pt-BR" sz="2000" dirty="0" err="1" smtClean="0"/>
+              <a:t>func</a:t>
+            </a:r>
+            <a:r>
+              <a:rPr lang="pt-BR" sz="2000" dirty="0" smtClean="0"/>
+              <a:t> = </a:t>
+            </a:r>
+            <a:r>
+              <a:rPr lang="pt-BR" sz="2000" dirty="0" err="1" smtClean="0"/>
+              <a:t>it.</a:t>
+            </a:r>
+            <a:r>
+              <a:rPr lang="pt-BR" sz="2000" dirty="0" err="1" smtClean="0">
+                <a:solidFill>
+                  <a:srgbClr val="FFC000"/>
+                </a:solidFill>
+              </a:rPr>
+              <a:t>next</a:t>
+            </a:r>
+            <a:r>
               <a:rPr lang="pt-BR" sz="2000" dirty="0" smtClean="0">
                 <a:solidFill>
                   <a:srgbClr val="FFC000"/>
                 </a:solidFill>
               </a:rPr>
-              <a:t>	</a:t>
-            </a:r>
-            <a:r>
-              <a:rPr lang="pt-BR" sz="2000" dirty="0" err="1" smtClean="0">
-                <a:solidFill>
-                  <a:srgbClr val="FFC000"/>
-                </a:solidFill>
-              </a:rPr>
-              <a:t>Funcionario</a:t>
-            </a:r>
-            <a:r>
-              <a:rPr lang="pt-BR" sz="2000" dirty="0" smtClean="0">
-                <a:solidFill>
-                  <a:srgbClr val="FFC000"/>
-                </a:solidFill>
-              </a:rPr>
-              <a:t> </a:t>
-            </a:r>
-            <a:r>
-              <a:rPr lang="pt-BR" sz="2000" dirty="0" err="1" smtClean="0">
-                <a:solidFill>
-                  <a:srgbClr val="FFC000"/>
-                </a:solidFill>
-              </a:rPr>
-              <a:t>func</a:t>
-            </a:r>
-            <a:r>
-              <a:rPr lang="pt-BR" sz="2000" dirty="0" smtClean="0">
-                <a:solidFill>
-                  <a:srgbClr val="FFC000"/>
-                </a:solidFill>
-              </a:rPr>
-              <a:t> = </a:t>
-            </a:r>
-            <a:r>
-              <a:rPr lang="pt-BR" sz="2000" dirty="0" err="1" smtClean="0">
-                <a:solidFill>
-                  <a:srgbClr val="FFC000"/>
-                </a:solidFill>
-              </a:rPr>
-              <a:t>it.</a:t>
-            </a:r>
-            <a:r>
-              <a:rPr lang="pt-BR" sz="2000" dirty="0" err="1" smtClean="0"/>
-              <a:t>next</a:t>
-            </a:r>
-            <a:r>
-              <a:rPr lang="pt-BR" sz="2000" dirty="0" smtClean="0"/>
               <a:t>()</a:t>
             </a:r>
             <a:r>
-              <a:rPr lang="pt-BR" sz="2000" dirty="0" smtClean="0">
-                <a:solidFill>
-                  <a:srgbClr val="FFC000"/>
-                </a:solidFill>
-              </a:rPr>
+              <a:rPr lang="pt-BR" sz="2000" dirty="0" smtClean="0"/>
               <a:t>;</a:t>
             </a:r>
           </a:p>
@@ -10407,75 +10315,39 @@
               <a:buNone/>
             </a:pPr>
             <a:r>
-              <a:rPr lang="pt-BR" sz="2000" dirty="0" smtClean="0">
-                <a:solidFill>
-                  <a:srgbClr val="FFC000"/>
-                </a:solidFill>
-              </a:rPr>
+              <a:rPr lang="pt-BR" sz="2000" dirty="0" smtClean="0"/>
               <a:t>	System.</a:t>
             </a:r>
             <a:r>
-              <a:rPr lang="pt-BR" sz="2000" dirty="0" err="1" smtClean="0">
-                <a:solidFill>
-                  <a:srgbClr val="FFC000"/>
-                </a:solidFill>
-              </a:rPr>
+              <a:rPr lang="pt-BR" sz="2000" dirty="0" err="1" smtClean="0"/>
               <a:t>out.println</a:t>
             </a:r>
             <a:r>
-              <a:rPr lang="pt-BR" sz="2000" dirty="0" smtClean="0">
-                <a:solidFill>
-                  <a:srgbClr val="FFC000"/>
-                </a:solidFill>
-              </a:rPr>
+              <a:rPr lang="pt-BR" sz="2000" dirty="0" smtClean="0"/>
               <a:t>(“</a:t>
             </a:r>
             <a:r>
-              <a:rPr lang="pt-BR" sz="2000" dirty="0" err="1" smtClean="0">
-                <a:solidFill>
-                  <a:srgbClr val="FFC000"/>
-                </a:solidFill>
-              </a:rPr>
+              <a:rPr lang="pt-BR" sz="2000" dirty="0" err="1" smtClean="0"/>
               <a:t>Funcionario</a:t>
             </a:r>
             <a:r>
-              <a:rPr lang="pt-BR" sz="2000" dirty="0" smtClean="0">
-                <a:solidFill>
-                  <a:srgbClr val="FFC000"/>
-                </a:solidFill>
-              </a:rPr>
+              <a:rPr lang="pt-BR" sz="2000" dirty="0" smtClean="0"/>
               <a:t>: ” + </a:t>
             </a:r>
             <a:r>
-              <a:rPr lang="pt-BR" sz="2000" dirty="0" err="1" smtClean="0">
-                <a:solidFill>
-                  <a:srgbClr val="FFC000"/>
-                </a:solidFill>
-              </a:rPr>
+              <a:rPr lang="pt-BR" sz="2000" dirty="0" err="1" smtClean="0"/>
               <a:t>func</a:t>
             </a:r>
             <a:r>
-              <a:rPr lang="pt-BR" sz="2000" dirty="0" smtClean="0">
-                <a:solidFill>
-                  <a:srgbClr val="FFC000"/>
-                </a:solidFill>
-              </a:rPr>
+              <a:rPr lang="pt-BR" sz="2000" dirty="0" smtClean="0"/>
               <a:t>.</a:t>
             </a:r>
             <a:r>
-              <a:rPr lang="pt-BR" sz="2000" dirty="0" err="1" smtClean="0">
-                <a:solidFill>
-                  <a:srgbClr val="FFC000"/>
-                </a:solidFill>
-              </a:rPr>
+              <a:rPr lang="pt-BR" sz="2000" dirty="0" err="1" smtClean="0"/>
               <a:t>getNome</a:t>
             </a:r>
             <a:r>
-              <a:rPr lang="pt-BR" sz="2000" dirty="0" smtClean="0">
-                <a:solidFill>
-                  <a:srgbClr val="FFC000"/>
-                </a:solidFill>
-              </a:rPr>
+              <a:rPr lang="pt-BR" sz="2000" dirty="0" smtClean="0"/>
               <a:t>());</a:t>
             </a:r>
           </a:p>
@@ -10487,11 +10359,7 @@
               <a:buNone/>
             </a:pPr>
             <a:r>
-              <a:rPr lang="pt-BR" sz="2000" dirty="0" smtClean="0">
-                <a:solidFill>
-                  <a:srgbClr val="FFC000"/>
-                </a:solidFill>
-              </a:rPr>
+              <a:rPr lang="pt-BR" sz="2000" dirty="0" smtClean="0"/>
               <a:t>}</a:t>
             </a:r>
           </a:p>
@@ -11838,12 +11706,40 @@
               <a:buNone/>
             </a:pPr>
             <a:r>
+              <a:rPr lang="pt-BR" sz="2000" dirty="0" err="1" smtClean="0">
+                <a:solidFill>
+                  <a:srgbClr val="FFC000"/>
+                </a:solidFill>
+              </a:rPr>
+              <a:t>List</a:t>
+            </a:r>
+            <a:r>
+              <a:rPr lang="pt-BR" sz="2000" dirty="0" smtClean="0">
+                <a:solidFill>
+                  <a:srgbClr val="FFC000"/>
+                </a:solidFill>
+              </a:rPr>
+              <a:t>&lt;Cliente&gt; lista</a:t>
+            </a:r>
+            <a:r>
+              <a:rPr lang="pt-BR" sz="2000" dirty="0" smtClean="0"/>
+              <a:t> = </a:t>
+            </a:r>
+            <a:r>
               <a:rPr lang="pt-BR" sz="2000" dirty="0" err="1" smtClean="0"/>
-              <a:t>List</a:t>
-            </a:r>
-            <a:r>
-              <a:rPr lang="pt-BR" sz="2000" dirty="0" smtClean="0"/>
-              <a:t>&lt;Cliente&gt; lista</a:t>
+              <a:t>new</a:t>
+            </a:r>
+            <a:r>
+              <a:rPr lang="pt-BR" sz="2000" dirty="0" smtClean="0"/>
+              <a:t> </a:t>
+            </a:r>
+            <a:r>
+              <a:rPr lang="pt-BR" sz="2000" dirty="0" err="1" smtClean="0"/>
+              <a:t>ArrayList</a:t>
+            </a:r>
+            <a:r>
+              <a:rPr lang="pt-BR" sz="2000" dirty="0" smtClean="0"/>
+              <a:t>&lt;</a:t>
             </a:r>
             <a:r>
               <a:rPr lang="pt-BR" sz="2000" dirty="0" smtClean="0">
@@ -11851,50 +11747,10 @@
                   <a:srgbClr val="FFC000"/>
                 </a:solidFill>
               </a:rPr>
-              <a:t> = </a:t>
-            </a:r>
-            <a:r>
-              <a:rPr lang="pt-BR" sz="2000" dirty="0" err="1" smtClean="0">
-                <a:solidFill>
-                  <a:srgbClr val="FFC000"/>
-                </a:solidFill>
-              </a:rPr>
-              <a:t>new</a:t>
-            </a:r>
-            <a:r>
-              <a:rPr lang="pt-BR" sz="2000" dirty="0" smtClean="0">
-                <a:solidFill>
-                  <a:srgbClr val="FFC000"/>
-                </a:solidFill>
-              </a:rPr>
-              <a:t> </a:t>
-            </a:r>
-            <a:r>
-              <a:rPr lang="pt-BR" sz="2000" dirty="0" err="1" smtClean="0">
-                <a:solidFill>
-                  <a:srgbClr val="FFC000"/>
-                </a:solidFill>
-              </a:rPr>
-              <a:t>ArrayList</a:t>
-            </a:r>
-            <a:r>
-              <a:rPr lang="pt-BR" sz="2000" dirty="0" smtClean="0">
-                <a:solidFill>
-                  <a:srgbClr val="FFC000"/>
-                </a:solidFill>
-              </a:rPr>
-              <a:t>&lt;</a:t>
-            </a:r>
-            <a:r>
-              <a:rPr lang="pt-BR" sz="2000" dirty="0" smtClean="0"/>
               <a:t>Cliente</a:t>
             </a:r>
             <a:r>
-              <a:rPr lang="pt-BR" sz="2000" dirty="0" smtClean="0">
-                <a:solidFill>
-                  <a:srgbClr val="FFC000"/>
-                </a:solidFill>
-              </a:rPr>
+              <a:rPr lang="pt-BR" sz="2000" dirty="0" smtClean="0"/>
               <a:t>&gt;();</a:t>
             </a:r>
           </a:p>
@@ -11905,11 +11761,7 @@
               </a:spcBef>
               <a:buNone/>
             </a:pPr>
-            <a:endParaRPr lang="pt-BR" sz="2000" dirty="0" smtClean="0">
-              <a:solidFill>
-                <a:srgbClr val="FFC000"/>
-              </a:solidFill>
-            </a:endParaRPr>
+            <a:endParaRPr lang="pt-BR" sz="2000" dirty="0" smtClean="0"/>
           </a:p>
           <a:p>
             <a:pPr marL="88900" indent="0">
@@ -11919,59 +11771,55 @@
               <a:buNone/>
             </a:pPr>
             <a:r>
-              <a:rPr lang="pt-BR" sz="2000" dirty="0" smtClean="0"/>
+              <a:rPr lang="pt-BR" sz="2000" dirty="0" smtClean="0">
+                <a:solidFill>
+                  <a:srgbClr val="FFC000"/>
+                </a:solidFill>
+              </a:rPr>
               <a:t>lista.</a:t>
             </a:r>
             <a:r>
+              <a:rPr lang="pt-BR" sz="2000" dirty="0" err="1" smtClean="0">
+                <a:solidFill>
+                  <a:srgbClr val="FFC000"/>
+                </a:solidFill>
+              </a:rPr>
+              <a:t>add</a:t>
+            </a:r>
+            <a:r>
+              <a:rPr lang="pt-BR" sz="2000" dirty="0" smtClean="0">
+                <a:solidFill>
+                  <a:srgbClr val="FFC000"/>
+                </a:solidFill>
+              </a:rPr>
+              <a:t>(</a:t>
+            </a:r>
+            <a:r>
               <a:rPr lang="pt-BR" sz="2000" dirty="0" err="1" smtClean="0"/>
-              <a:t>add</a:t>
-            </a:r>
-            <a:r>
-              <a:rPr lang="pt-BR" sz="2000" dirty="0" smtClean="0"/>
-              <a:t>(</a:t>
-            </a:r>
-            <a:r>
-              <a:rPr lang="pt-BR" sz="2000" dirty="0" err="1" smtClean="0">
+              <a:t>new</a:t>
+            </a:r>
+            <a:r>
+              <a:rPr lang="pt-BR" sz="2000" dirty="0" smtClean="0"/>
+              <a:t> Cliente(“João”, “</a:t>
+            </a:r>
+            <a:r>
+              <a:rPr lang="pt-BR" sz="2000" dirty="0" err="1" smtClean="0"/>
+              <a:t>Gold</a:t>
+            </a:r>
+            <a:r>
+              <a:rPr lang="pt-BR" sz="2000" dirty="0" smtClean="0"/>
+              <a:t>”, “6781-9874”)</a:t>
+            </a:r>
+            <a:r>
+              <a:rPr lang="pt-BR" sz="2000" dirty="0" smtClean="0">
                 <a:solidFill>
                   <a:srgbClr val="FFC000"/>
                 </a:solidFill>
               </a:rPr>
-              <a:t>new</a:t>
-            </a:r>
-            <a:r>
-              <a:rPr lang="pt-BR" sz="2000" dirty="0" smtClean="0">
-                <a:solidFill>
-                  <a:srgbClr val="FFC000"/>
-                </a:solidFill>
-              </a:rPr>
-              <a:t> Cliente(“João”, “</a:t>
-            </a:r>
-            <a:r>
-              <a:rPr lang="pt-BR" sz="2000" dirty="0" err="1" smtClean="0">
-                <a:solidFill>
-                  <a:srgbClr val="FFC000"/>
-                </a:solidFill>
-              </a:rPr>
-              <a:t>Gold</a:t>
-            </a:r>
-            <a:r>
-              <a:rPr lang="pt-BR" sz="2000" dirty="0" smtClean="0">
-                <a:solidFill>
-                  <a:srgbClr val="FFC000"/>
-                </a:solidFill>
-              </a:rPr>
-              <a:t>”, “6781-9874”)</a:t>
-            </a:r>
-            <a:r>
-              <a:rPr lang="pt-BR" sz="2000" dirty="0" smtClean="0"/>
               <a:t>)</a:t>
             </a:r>
             <a:r>
-              <a:rPr lang="pt-BR" sz="2000" dirty="0" smtClean="0">
-                <a:solidFill>
-                  <a:srgbClr val="FFC000"/>
-                </a:solidFill>
-              </a:rPr>
+              <a:rPr lang="pt-BR" sz="2000" dirty="0" smtClean="0"/>
               <a:t>;</a:t>
             </a:r>
           </a:p>
@@ -11983,43 +11831,47 @@
               <a:buNone/>
             </a:pPr>
             <a:r>
-              <a:rPr lang="pt-BR" sz="2000" dirty="0" smtClean="0"/>
+              <a:rPr lang="pt-BR" sz="2000" dirty="0" smtClean="0">
+                <a:solidFill>
+                  <a:srgbClr val="FFC000"/>
+                </a:solidFill>
+              </a:rPr>
               <a:t>lista.</a:t>
             </a:r>
             <a:r>
+              <a:rPr lang="pt-BR" sz="2000" dirty="0" err="1" smtClean="0">
+                <a:solidFill>
+                  <a:srgbClr val="FFC000"/>
+                </a:solidFill>
+              </a:rPr>
+              <a:t>add</a:t>
+            </a:r>
+            <a:r>
+              <a:rPr lang="pt-BR" sz="2000" dirty="0" smtClean="0">
+                <a:solidFill>
+                  <a:srgbClr val="FFC000"/>
+                </a:solidFill>
+              </a:rPr>
+              <a:t>(</a:t>
+            </a:r>
+            <a:r>
               <a:rPr lang="pt-BR" sz="2000" dirty="0" err="1" smtClean="0"/>
-              <a:t>add</a:t>
-            </a:r>
-            <a:r>
-              <a:rPr lang="pt-BR" sz="2000" dirty="0" smtClean="0"/>
-              <a:t>(</a:t>
-            </a:r>
-            <a:r>
-              <a:rPr lang="pt-BR" sz="2000" dirty="0" err="1" smtClean="0">
+              <a:t>new</a:t>
+            </a:r>
+            <a:r>
+              <a:rPr lang="pt-BR" sz="2000" dirty="0" smtClean="0"/>
+              <a:t> Cliente(“Manuel”, “Bronze”, “4532-7125”</a:t>
+            </a:r>
+            <a:r>
+              <a:rPr lang="pt-BR" sz="2000" dirty="0" smtClean="0">
                 <a:solidFill>
                   <a:srgbClr val="FFC000"/>
                 </a:solidFill>
               </a:rPr>
-              <a:t>new</a:t>
-            </a:r>
-            <a:r>
-              <a:rPr lang="pt-BR" sz="2000" dirty="0" smtClean="0">
-                <a:solidFill>
-                  <a:srgbClr val="FFC000"/>
-                </a:solidFill>
-              </a:rPr>
-              <a:t> Cliente(“Manuel”, “Bronze”, “4532-7125”</a:t>
-            </a:r>
-            <a:r>
-              <a:rPr lang="pt-BR" sz="2000" dirty="0" smtClean="0"/>
               <a:t>)</a:t>
             </a:r>
             <a:r>
-              <a:rPr lang="pt-BR" sz="2000" dirty="0" smtClean="0">
-                <a:solidFill>
-                  <a:srgbClr val="FFC000"/>
-                </a:solidFill>
-              </a:rPr>
+              <a:rPr lang="pt-BR" sz="2000" dirty="0" smtClean="0"/>
               <a:t>;</a:t>
             </a:r>
           </a:p>
@@ -12031,59 +11883,55 @@
               <a:buNone/>
             </a:pPr>
             <a:r>
-              <a:rPr lang="pt-BR" sz="2000" dirty="0" smtClean="0"/>
+              <a:rPr lang="pt-BR" sz="2000" dirty="0" smtClean="0">
+                <a:solidFill>
+                  <a:srgbClr val="FFC000"/>
+                </a:solidFill>
+              </a:rPr>
               <a:t>lista.</a:t>
             </a:r>
             <a:r>
+              <a:rPr lang="pt-BR" sz="2000" dirty="0" err="1" smtClean="0">
+                <a:solidFill>
+                  <a:srgbClr val="FFC000"/>
+                </a:solidFill>
+              </a:rPr>
+              <a:t>add</a:t>
+            </a:r>
+            <a:r>
+              <a:rPr lang="pt-BR" sz="2000" dirty="0" smtClean="0">
+                <a:solidFill>
+                  <a:srgbClr val="FFC000"/>
+                </a:solidFill>
+              </a:rPr>
+              <a:t>(</a:t>
+            </a:r>
+            <a:r>
               <a:rPr lang="pt-BR" sz="2000" dirty="0" err="1" smtClean="0"/>
-              <a:t>add</a:t>
-            </a:r>
-            <a:r>
-              <a:rPr lang="pt-BR" sz="2000" dirty="0" smtClean="0"/>
-              <a:t>(</a:t>
-            </a:r>
-            <a:r>
-              <a:rPr lang="pt-BR" sz="2000" dirty="0" err="1" smtClean="0">
+              <a:t>new</a:t>
+            </a:r>
+            <a:r>
+              <a:rPr lang="pt-BR" sz="2000" dirty="0" smtClean="0"/>
+              <a:t> Cliente(“Joaquim”, “</a:t>
+            </a:r>
+            <a:r>
+              <a:rPr lang="pt-BR" sz="2000" dirty="0" err="1" smtClean="0"/>
+              <a:t>Silver</a:t>
+            </a:r>
+            <a:r>
+              <a:rPr lang="pt-BR" sz="2000" dirty="0" smtClean="0"/>
+              <a:t>”, “7945-0257”)</a:t>
+            </a:r>
+            <a:r>
+              <a:rPr lang="pt-BR" sz="2000" dirty="0" smtClean="0">
                 <a:solidFill>
                   <a:srgbClr val="FFC000"/>
                 </a:solidFill>
               </a:rPr>
-              <a:t>new</a:t>
-            </a:r>
-            <a:r>
-              <a:rPr lang="pt-BR" sz="2000" dirty="0" smtClean="0">
-                <a:solidFill>
-                  <a:srgbClr val="FFC000"/>
-                </a:solidFill>
-              </a:rPr>
-              <a:t> Cliente(“Joaquim”, “</a:t>
-            </a:r>
-            <a:r>
-              <a:rPr lang="pt-BR" sz="2000" dirty="0" err="1" smtClean="0">
-                <a:solidFill>
-                  <a:srgbClr val="FFC000"/>
-                </a:solidFill>
-              </a:rPr>
-              <a:t>Silver</a:t>
-            </a:r>
-            <a:r>
-              <a:rPr lang="pt-BR" sz="2000" dirty="0" smtClean="0">
-                <a:solidFill>
-                  <a:srgbClr val="FFC000"/>
-                </a:solidFill>
-              </a:rPr>
-              <a:t>”, “7945-0257”)</a:t>
-            </a:r>
-            <a:r>
-              <a:rPr lang="pt-BR" sz="2000" dirty="0" smtClean="0"/>
               <a:t>)</a:t>
             </a:r>
             <a:r>
-              <a:rPr lang="pt-BR" sz="2000" dirty="0" smtClean="0">
-                <a:solidFill>
-                  <a:srgbClr val="FFC000"/>
-                </a:solidFill>
-              </a:rPr>
+              <a:rPr lang="pt-BR" sz="2000" dirty="0" smtClean="0"/>
               <a:t>;</a:t>
             </a:r>
           </a:p>
@@ -12095,59 +11943,59 @@
               <a:buNone/>
             </a:pPr>
             <a:r>
-              <a:rPr lang="pt-BR" sz="2000" dirty="0" smtClean="0"/>
+              <a:rPr lang="pt-BR" sz="2000" dirty="0" smtClean="0">
+                <a:solidFill>
+                  <a:srgbClr val="FFC000"/>
+                </a:solidFill>
+              </a:rPr>
               <a:t>lista.</a:t>
             </a:r>
             <a:r>
+              <a:rPr lang="pt-BR" sz="2000" dirty="0" err="1" smtClean="0">
+                <a:solidFill>
+                  <a:srgbClr val="FFC000"/>
+                </a:solidFill>
+              </a:rPr>
+              <a:t>add</a:t>
+            </a:r>
+            <a:r>
+              <a:rPr lang="pt-BR" sz="2000" dirty="0" smtClean="0">
+                <a:solidFill>
+                  <a:srgbClr val="FFC000"/>
+                </a:solidFill>
+              </a:rPr>
+              <a:t>(</a:t>
+            </a:r>
+            <a:r>
+              <a:rPr lang="pt-BR" sz="2000" dirty="0" smtClean="0"/>
+              <a:t>1, </a:t>
+            </a:r>
+            <a:r>
               <a:rPr lang="pt-BR" sz="2000" dirty="0" err="1" smtClean="0"/>
-              <a:t>add</a:t>
-            </a:r>
-            <a:r>
-              <a:rPr lang="pt-BR" sz="2000" dirty="0" smtClean="0"/>
-              <a:t>(1, </a:t>
-            </a:r>
-            <a:r>
-              <a:rPr lang="pt-BR" sz="2000" dirty="0" err="1" smtClean="0">
+              <a:t>new</a:t>
+            </a:r>
+            <a:r>
+              <a:rPr lang="pt-BR" sz="2000" dirty="0" smtClean="0"/>
+              <a:t> Cliente(“Maria”, “</a:t>
+            </a:r>
+            <a:r>
+              <a:rPr lang="pt-BR" sz="2000" dirty="0" err="1" smtClean="0"/>
+              <a:t>Gold</a:t>
+            </a:r>
+            <a:r>
+              <a:rPr lang="pt-BR" sz="2000" dirty="0" smtClean="0"/>
+              <a:t>”, “7801-2068”)</a:t>
+            </a:r>
+            <a:r>
+              <a:rPr lang="pt-BR" sz="2000" dirty="0" smtClean="0">
                 <a:solidFill>
                   <a:srgbClr val="FFC000"/>
                 </a:solidFill>
               </a:rPr>
-              <a:t>new</a:t>
-            </a:r>
-            <a:r>
-              <a:rPr lang="pt-BR" sz="2000" dirty="0" smtClean="0">
-                <a:solidFill>
-                  <a:srgbClr val="FFC000"/>
-                </a:solidFill>
-              </a:rPr>
-              <a:t> Cliente(“Maria”, “</a:t>
-            </a:r>
-            <a:r>
-              <a:rPr lang="pt-BR" sz="2000" dirty="0" err="1" smtClean="0">
-                <a:solidFill>
-                  <a:srgbClr val="FFC000"/>
-                </a:solidFill>
-              </a:rPr>
-              <a:t>Gold</a:t>
-            </a:r>
-            <a:r>
-              <a:rPr lang="pt-BR" sz="2000" dirty="0" smtClean="0">
-                <a:solidFill>
-                  <a:srgbClr val="FFC000"/>
-                </a:solidFill>
-              </a:rPr>
-              <a:t>”, “7801-2068”)</a:t>
-            </a:r>
-            <a:r>
-              <a:rPr lang="pt-BR" sz="2000" dirty="0" smtClean="0"/>
               <a:t>)</a:t>
             </a:r>
             <a:r>
-              <a:rPr lang="pt-BR" sz="2000" dirty="0" smtClean="0">
-                <a:solidFill>
-                  <a:srgbClr val="FFC000"/>
-                </a:solidFill>
-              </a:rPr>
+              <a:rPr lang="pt-BR" sz="2000" dirty="0" smtClean="0"/>
               <a:t>;</a:t>
             </a:r>
           </a:p>
@@ -12158,11 +12006,7 @@
               </a:spcBef>
               <a:buNone/>
             </a:pPr>
-            <a:endParaRPr lang="pt-BR" sz="2000" dirty="0" smtClean="0">
-              <a:solidFill>
-                <a:srgbClr val="FFC000"/>
-              </a:solidFill>
-            </a:endParaRPr>
+            <a:endParaRPr lang="pt-BR" sz="2000" dirty="0" smtClean="0"/>
           </a:p>
           <a:p>
             <a:pPr marL="88900" indent="0">
@@ -12172,43 +12016,47 @@
               <a:buNone/>
             </a:pPr>
             <a:r>
+              <a:rPr lang="pt-BR" sz="2000" dirty="0" smtClean="0"/>
+              <a:t>Cliente c = </a:t>
+            </a:r>
+            <a:r>
               <a:rPr lang="pt-BR" sz="2000" dirty="0" smtClean="0">
                 <a:solidFill>
                   <a:srgbClr val="FFC000"/>
                 </a:solidFill>
               </a:rPr>
-              <a:t>Cliente c = </a:t>
-            </a:r>
-            <a:r>
-              <a:rPr lang="pt-BR" sz="2000" dirty="0" smtClean="0"/>
               <a:t>lista.</a:t>
             </a:r>
             <a:r>
-              <a:rPr lang="pt-BR" sz="2000" dirty="0" err="1" smtClean="0"/>
+              <a:rPr lang="pt-BR" sz="2000" dirty="0" err="1" smtClean="0">
+                <a:solidFill>
+                  <a:srgbClr val="FFC000"/>
+                </a:solidFill>
+              </a:rPr>
               <a:t>get</a:t>
             </a:r>
             <a:r>
-              <a:rPr lang="pt-BR" sz="2000" dirty="0" smtClean="0"/>
+              <a:rPr lang="pt-BR" sz="2000" dirty="0" smtClean="0">
+                <a:solidFill>
+                  <a:srgbClr val="FFC000"/>
+                </a:solidFill>
+              </a:rPr>
               <a:t>(</a:t>
             </a:r>
             <a:r>
+              <a:rPr lang="pt-BR" sz="2000" dirty="0" smtClean="0"/>
+              <a:t>1</a:t>
+            </a:r>
+            <a:r>
               <a:rPr lang="pt-BR" sz="2000" dirty="0" smtClean="0">
                 <a:solidFill>
                   <a:srgbClr val="FFC000"/>
                 </a:solidFill>
               </a:rPr>
-              <a:t>1</a:t>
-            </a:r>
-            <a:r>
-              <a:rPr lang="pt-BR" sz="2000" dirty="0" smtClean="0"/>
               <a:t>)</a:t>
             </a:r>
             <a:r>
-              <a:rPr lang="pt-BR" sz="2000" dirty="0" smtClean="0">
-                <a:solidFill>
-                  <a:srgbClr val="FFC000"/>
-                </a:solidFill>
-              </a:rPr>
+              <a:rPr lang="pt-BR" sz="2000" dirty="0" smtClean="0"/>
               <a:t>;</a:t>
             </a:r>
           </a:p>
@@ -12220,43 +12068,23 @@
               <a:buNone/>
             </a:pPr>
             <a:r>
-              <a:rPr lang="pt-BR" sz="2000" dirty="0" smtClean="0">
-                <a:solidFill>
-                  <a:srgbClr val="FFC000"/>
-                </a:solidFill>
-              </a:rPr>
+              <a:rPr lang="pt-BR" sz="2000" dirty="0" smtClean="0"/>
               <a:t>System.</a:t>
             </a:r>
             <a:r>
-              <a:rPr lang="pt-BR" sz="2000" dirty="0" err="1" smtClean="0">
-                <a:solidFill>
-                  <a:srgbClr val="FFC000"/>
-                </a:solidFill>
-              </a:rPr>
+              <a:rPr lang="pt-BR" sz="2000" dirty="0" err="1" smtClean="0"/>
               <a:t>out.println</a:t>
             </a:r>
             <a:r>
-              <a:rPr lang="pt-BR" sz="2000" dirty="0" smtClean="0">
-                <a:solidFill>
-                  <a:srgbClr val="FFC000"/>
-                </a:solidFill>
-              </a:rPr>
+              <a:rPr lang="pt-BR" sz="2000" dirty="0" smtClean="0"/>
               <a:t>(“Cliente 1: ” + </a:t>
             </a:r>
             <a:r>
-              <a:rPr lang="pt-BR" sz="2000" dirty="0" err="1" smtClean="0">
-                <a:solidFill>
-                  <a:srgbClr val="FFC000"/>
-                </a:solidFill>
-              </a:rPr>
+              <a:rPr lang="pt-BR" sz="2000" dirty="0" err="1" smtClean="0"/>
               <a:t>c.getNome</a:t>
             </a:r>
             <a:r>
-              <a:rPr lang="pt-BR" sz="2000" dirty="0" smtClean="0">
-                <a:solidFill>
-                  <a:srgbClr val="FFC000"/>
-                </a:solidFill>
-              </a:rPr>
+              <a:rPr lang="pt-BR" sz="2000" dirty="0" smtClean="0"/>
               <a:t>());</a:t>
             </a:r>
           </a:p>
@@ -12267,11 +12095,7 @@
               </a:spcBef>
               <a:buNone/>
             </a:pPr>
-            <a:endParaRPr lang="pt-BR" sz="2000" dirty="0" smtClean="0">
-              <a:solidFill>
-                <a:srgbClr val="FFC000"/>
-              </a:solidFill>
-            </a:endParaRPr>
+            <a:endParaRPr lang="pt-BR" sz="2000" dirty="0" smtClean="0"/>
           </a:p>
           <a:p>
             <a:pPr marL="88900" indent="0">
@@ -12281,27 +12105,27 @@
               <a:buNone/>
             </a:pPr>
             <a:r>
-              <a:rPr lang="pt-BR" sz="2000" dirty="0" smtClean="0"/>
+              <a:rPr lang="pt-BR" sz="2000" dirty="0" smtClean="0">
+                <a:solidFill>
+                  <a:srgbClr val="FFC000"/>
+                </a:solidFill>
+              </a:rPr>
               <a:t>lista.remove(</a:t>
             </a:r>
             <a:r>
+              <a:rPr lang="pt-BR" sz="2000" dirty="0" smtClean="0"/>
+              <a:t>2</a:t>
+            </a:r>
+            <a:r>
               <a:rPr lang="pt-BR" sz="2000" dirty="0" smtClean="0">
                 <a:solidFill>
                   <a:srgbClr val="FFC000"/>
                 </a:solidFill>
               </a:rPr>
-              <a:t>2</a:t>
-            </a:r>
-            <a:r>
-              <a:rPr lang="pt-BR" sz="2000" dirty="0" smtClean="0"/>
               <a:t>)</a:t>
             </a:r>
             <a:r>
-              <a:rPr lang="pt-BR" sz="2000" dirty="0" smtClean="0">
-                <a:solidFill>
-                  <a:srgbClr val="FFC000"/>
-                </a:solidFill>
-              </a:rPr>
+              <a:rPr lang="pt-BR" sz="2000" dirty="0" smtClean="0"/>
               <a:t>;</a:t>
             </a:r>
           </a:p>
@@ -12313,12 +12137,24 @@
               <a:buNone/>
             </a:pPr>
             <a:r>
+              <a:rPr lang="pt-BR" sz="2000" dirty="0" smtClean="0"/>
+              <a:t>System.</a:t>
+            </a:r>
+            <a:r>
+              <a:rPr lang="pt-BR" sz="2000" dirty="0" err="1" smtClean="0"/>
+              <a:t>out.println</a:t>
+            </a:r>
+            <a:r>
+              <a:rPr lang="pt-BR" sz="2000" dirty="0" smtClean="0"/>
+              <a:t>(“Total de clientes: ” + </a:t>
+            </a:r>
+            <a:r>
               <a:rPr lang="pt-BR" sz="2000" dirty="0" smtClean="0">
                 <a:solidFill>
                   <a:srgbClr val="FFC000"/>
                 </a:solidFill>
               </a:rPr>
-              <a:t>System.</a:t>
+              <a:t>lista.</a:t>
             </a:r>
             <a:r>
               <a:rPr lang="pt-BR" sz="2000" dirty="0" err="1" smtClean="0">
@@ -12326,7 +12162,7 @@
                   <a:srgbClr val="FFC000"/>
                 </a:solidFill>
               </a:rPr>
-              <a:t>out.println</a:t>
+              <a:t>size</a:t>
             </a:r>
             <a:r>
               <a:rPr lang="pt-BR" sz="2000" dirty="0" smtClean="0">
@@ -12334,26 +12170,10 @@
                   <a:srgbClr val="FFC000"/>
                 </a:solidFill>
               </a:rPr>
-              <a:t>(“Total de clientes: ” + </a:t>
-            </a:r>
-            <a:r>
-              <a:rPr lang="pt-BR" sz="2000" dirty="0" smtClean="0"/>
-              <a:t>lista.</a:t>
-            </a:r>
-            <a:r>
-              <a:rPr lang="pt-BR" sz="2000" dirty="0" err="1" smtClean="0"/>
-              <a:t>size</a:t>
-            </a:r>
-            <a:r>
-              <a:rPr lang="pt-BR" sz="2000" dirty="0" smtClean="0"/>
               <a:t>()</a:t>
             </a:r>
             <a:r>
-              <a:rPr lang="pt-BR" sz="2000" dirty="0" smtClean="0">
-                <a:solidFill>
-                  <a:srgbClr val="FFC000"/>
-                </a:solidFill>
-              </a:rPr>
+              <a:rPr lang="pt-BR" sz="2000" dirty="0" smtClean="0"/>
               <a:t>);</a:t>
             </a:r>
           </a:p>
@@ -12854,11 +12674,7 @@
             </a:pPr>
             <a:r>
               <a:rPr lang="pt-BR" sz="2000" dirty="0" smtClean="0"/>
-              <a:t>Mais </a:t>
-            </a:r>
-            <a:r>
-              <a:rPr lang="pt-BR" sz="2000" dirty="0" smtClean="0"/>
-              <a:t>rápido para obter seus valores (</a:t>
+              <a:t>Mais rápido para obter seus valores (</a:t>
             </a:r>
             <a:r>
               <a:rPr lang="pt-BR" sz="2000" dirty="0" err="1" smtClean="0"/>
@@ -12885,11 +12701,7 @@
             </a:r>
             <a:r>
               <a:rPr lang="pt-BR" sz="2000" dirty="0" smtClean="0"/>
-              <a:t>/remove</a:t>
-            </a:r>
-            <a:r>
-              <a:rPr lang="pt-BR" sz="2000" dirty="0" smtClean="0"/>
-              <a:t>)</a:t>
+              <a:t>/remove)</a:t>
             </a:r>
           </a:p>
           <a:p>
@@ -12922,7 +12734,6 @@
               <a:rPr lang="pt-BR" sz="2000" dirty="0" smtClean="0"/>
               <a:t> que garante a integridade de seus dados quando acessado por processos concorrentes (threads)</a:t>
             </a:r>
-            <a:endParaRPr lang="pt-BR" sz="2000" dirty="0" smtClean="0"/>
           </a:p>
         </p:txBody>
       </p:sp>
@@ -13074,11 +12885,7 @@
             </a:pPr>
             <a:r>
               <a:rPr lang="pt-BR" sz="2800" dirty="0" smtClean="0"/>
-              <a:t>Alguns tipos de Set não armazenam seus objetos de forma sequencial. </a:t>
-            </a:r>
-            <a:r>
-              <a:rPr lang="pt-BR" sz="2800" dirty="0" smtClean="0"/>
-              <a:t>Assim sendo, não podemos garantir que os objetos serão coletados na mesma ordem em que foram adicionados.</a:t>
+              <a:t>Alguns tipos de Set não armazenam seus objetos de forma sequencial. Assim sendo, não podemos garantir que os objetos serão coletados na mesma ordem em que foram adicionados.</a:t>
             </a:r>
           </a:p>
           <a:p>
@@ -13250,67 +13057,59 @@
               <a:buNone/>
             </a:pPr>
             <a:r>
-              <a:rPr lang="pt-BR" sz="2000" dirty="0" smtClean="0"/>
+              <a:rPr lang="pt-BR" sz="2000" dirty="0" smtClean="0">
+                <a:solidFill>
+                  <a:srgbClr val="FFC000"/>
+                </a:solidFill>
+              </a:rPr>
               <a:t>Set&lt;</a:t>
             </a:r>
             <a:r>
+              <a:rPr lang="pt-BR" sz="2000" dirty="0" err="1" smtClean="0">
+                <a:solidFill>
+                  <a:srgbClr val="FFC000"/>
+                </a:solidFill>
+              </a:rPr>
+              <a:t>Funcionario</a:t>
+            </a:r>
+            <a:r>
+              <a:rPr lang="pt-BR" sz="2000" dirty="0" smtClean="0">
+                <a:solidFill>
+                  <a:srgbClr val="FFC000"/>
+                </a:solidFill>
+              </a:rPr>
+              <a:t>&gt; conjunto</a:t>
+            </a:r>
+            <a:r>
+              <a:rPr lang="pt-BR" sz="2000" dirty="0" smtClean="0"/>
+              <a:t> = </a:t>
+            </a:r>
+            <a:r>
               <a:rPr lang="pt-BR" sz="2000" dirty="0" err="1" smtClean="0"/>
+              <a:t>new</a:t>
+            </a:r>
+            <a:r>
+              <a:rPr lang="pt-BR" sz="2000" dirty="0" smtClean="0"/>
+              <a:t> </a:t>
+            </a:r>
+            <a:r>
+              <a:rPr lang="pt-BR" sz="2000" dirty="0" err="1" smtClean="0"/>
+              <a:t>HashSet</a:t>
+            </a:r>
+            <a:r>
+              <a:rPr lang="pt-BR" sz="2000" dirty="0" smtClean="0"/>
+              <a:t>&lt;</a:t>
+            </a:r>
+            <a:r>
+              <a:rPr lang="pt-BR" sz="2000" dirty="0" err="1" smtClean="0">
+                <a:solidFill>
+                  <a:srgbClr val="FFC000"/>
+                </a:solidFill>
+              </a:rPr>
               <a:t>Funcionario</a:t>
             </a:r>
             <a:r>
               <a:rPr lang="pt-BR" sz="2000" dirty="0" smtClean="0"/>
-              <a:t>&gt; conjunto</a:t>
-            </a:r>
-            <a:r>
-              <a:rPr lang="pt-BR" sz="2000" dirty="0" smtClean="0">
-                <a:solidFill>
-                  <a:srgbClr val="FFC000"/>
-                </a:solidFill>
-              </a:rPr>
-              <a:t> = </a:t>
-            </a:r>
-            <a:r>
-              <a:rPr lang="pt-BR" sz="2000" dirty="0" err="1" smtClean="0">
-                <a:solidFill>
-                  <a:srgbClr val="FFC000"/>
-                </a:solidFill>
-              </a:rPr>
-              <a:t>new</a:t>
-            </a:r>
-            <a:r>
-              <a:rPr lang="pt-BR" sz="2000" dirty="0" smtClean="0">
-                <a:solidFill>
-                  <a:srgbClr val="FFC000"/>
-                </a:solidFill>
-              </a:rPr>
-              <a:t> </a:t>
-            </a:r>
-            <a:r>
-              <a:rPr lang="pt-BR" sz="2000" dirty="0" err="1" smtClean="0">
-                <a:solidFill>
-                  <a:srgbClr val="FFC000"/>
-                </a:solidFill>
-              </a:rPr>
-              <a:t>HashSet</a:t>
-            </a:r>
-            <a:r>
-              <a:rPr lang="pt-BR" sz="2000" dirty="0" smtClean="0">
-                <a:solidFill>
-                  <a:srgbClr val="FFC000"/>
-                </a:solidFill>
-              </a:rPr>
-              <a:t>&lt;</a:t>
-            </a:r>
-            <a:r>
-              <a:rPr lang="pt-BR" sz="2000" dirty="0" err="1" smtClean="0"/>
-              <a:t>Funcionario</a:t>
-            </a:r>
-            <a:r>
-              <a:rPr lang="pt-BR" sz="2000" dirty="0" smtClean="0">
-                <a:solidFill>
-                  <a:srgbClr val="FFC000"/>
-                </a:solidFill>
-              </a:rPr>
               <a:t>&gt;();</a:t>
             </a:r>
           </a:p>
@@ -13321,11 +13120,7 @@
               </a:spcBef>
               <a:buNone/>
             </a:pPr>
-            <a:endParaRPr lang="pt-BR" sz="2000" dirty="0" smtClean="0">
-              <a:solidFill>
-                <a:srgbClr val="FFC000"/>
-              </a:solidFill>
-            </a:endParaRPr>
+            <a:endParaRPr lang="pt-BR" sz="2000" dirty="0" smtClean="0"/>
           </a:p>
           <a:p>
             <a:pPr marL="771525" indent="-625475">
@@ -13335,59 +13130,55 @@
               <a:buNone/>
             </a:pPr>
             <a:r>
-              <a:rPr lang="pt-BR" sz="2000" dirty="0" smtClean="0"/>
+              <a:rPr lang="pt-BR" sz="2000" dirty="0" smtClean="0">
+                <a:solidFill>
+                  <a:srgbClr val="FFC000"/>
+                </a:solidFill>
+              </a:rPr>
               <a:t>conjunto.</a:t>
             </a:r>
             <a:r>
+              <a:rPr lang="pt-BR" sz="2000" dirty="0" err="1" smtClean="0">
+                <a:solidFill>
+                  <a:srgbClr val="FFC000"/>
+                </a:solidFill>
+              </a:rPr>
+              <a:t>add</a:t>
+            </a:r>
+            <a:r>
+              <a:rPr lang="pt-BR" sz="2000" dirty="0" smtClean="0">
+                <a:solidFill>
+                  <a:srgbClr val="FFC000"/>
+                </a:solidFill>
+              </a:rPr>
+              <a:t>(</a:t>
+            </a:r>
+            <a:r>
               <a:rPr lang="pt-BR" sz="2000" dirty="0" err="1" smtClean="0"/>
-              <a:t>add</a:t>
-            </a:r>
-            <a:r>
-              <a:rPr lang="pt-BR" sz="2000" dirty="0" smtClean="0"/>
-              <a:t>(</a:t>
-            </a:r>
-            <a:r>
-              <a:rPr lang="pt-BR" sz="2000" dirty="0" err="1" smtClean="0">
+              <a:t>new</a:t>
+            </a:r>
+            <a:r>
+              <a:rPr lang="pt-BR" sz="2000" dirty="0" smtClean="0"/>
+              <a:t> </a:t>
+            </a:r>
+            <a:r>
+              <a:rPr lang="pt-BR" sz="2000" dirty="0" err="1" smtClean="0"/>
+              <a:t>Funcionario</a:t>
+            </a:r>
+            <a:r>
+              <a:rPr lang="pt-BR" sz="2000" dirty="0" smtClean="0"/>
+              <a:t>(203, “Maria”)</a:t>
+            </a:r>
+            <a:r>
+              <a:rPr lang="pt-BR" sz="2000" dirty="0" smtClean="0">
                 <a:solidFill>
                   <a:srgbClr val="FFC000"/>
                 </a:solidFill>
               </a:rPr>
-              <a:t>new</a:t>
-            </a:r>
-            <a:r>
-              <a:rPr lang="pt-BR" sz="2000" dirty="0" smtClean="0">
-                <a:solidFill>
-                  <a:srgbClr val="FFC000"/>
-                </a:solidFill>
-              </a:rPr>
-              <a:t> </a:t>
-            </a:r>
-            <a:r>
-              <a:rPr lang="pt-BR" sz="2000" dirty="0" err="1" smtClean="0">
-                <a:solidFill>
-                  <a:srgbClr val="FFC000"/>
-                </a:solidFill>
-              </a:rPr>
-              <a:t>Funcionario</a:t>
-            </a:r>
-            <a:r>
-              <a:rPr lang="pt-BR" sz="2000" dirty="0" smtClean="0">
-                <a:solidFill>
-                  <a:srgbClr val="FFC000"/>
-                </a:solidFill>
-              </a:rPr>
-              <a:t>(203, “Maria”)</a:t>
-            </a:r>
-            <a:r>
-              <a:rPr lang="pt-BR" sz="2000" dirty="0" smtClean="0"/>
               <a:t>)</a:t>
             </a:r>
             <a:r>
-              <a:rPr lang="pt-BR" sz="2000" dirty="0" smtClean="0">
-                <a:solidFill>
-                  <a:srgbClr val="FFC000"/>
-                </a:solidFill>
-              </a:rPr>
+              <a:rPr lang="pt-BR" sz="2000" dirty="0" smtClean="0"/>
               <a:t>;</a:t>
             </a:r>
           </a:p>
@@ -13399,59 +13190,55 @@
               <a:buNone/>
             </a:pPr>
             <a:r>
-              <a:rPr lang="pt-BR" sz="2000" dirty="0" smtClean="0"/>
+              <a:rPr lang="pt-BR" sz="2000" dirty="0" smtClean="0">
+                <a:solidFill>
+                  <a:srgbClr val="FFC000"/>
+                </a:solidFill>
+              </a:rPr>
               <a:t>conjunto.</a:t>
             </a:r>
             <a:r>
+              <a:rPr lang="pt-BR" sz="2000" dirty="0" err="1" smtClean="0">
+                <a:solidFill>
+                  <a:srgbClr val="FFC000"/>
+                </a:solidFill>
+              </a:rPr>
+              <a:t>add</a:t>
+            </a:r>
+            <a:r>
+              <a:rPr lang="pt-BR" sz="2000" dirty="0" smtClean="0">
+                <a:solidFill>
+                  <a:srgbClr val="FFC000"/>
+                </a:solidFill>
+              </a:rPr>
+              <a:t>(</a:t>
+            </a:r>
+            <a:r>
               <a:rPr lang="pt-BR" sz="2000" dirty="0" err="1" smtClean="0"/>
-              <a:t>add</a:t>
-            </a:r>
-            <a:r>
-              <a:rPr lang="pt-BR" sz="2000" dirty="0" smtClean="0"/>
-              <a:t>(</a:t>
-            </a:r>
-            <a:r>
-              <a:rPr lang="pt-BR" sz="2000" dirty="0" err="1" smtClean="0">
+              <a:t>new</a:t>
+            </a:r>
+            <a:r>
+              <a:rPr lang="pt-BR" sz="2000" dirty="0" smtClean="0"/>
+              <a:t> </a:t>
+            </a:r>
+            <a:r>
+              <a:rPr lang="pt-BR" sz="2000" dirty="0" err="1" smtClean="0"/>
+              <a:t>Funcionario</a:t>
+            </a:r>
+            <a:r>
+              <a:rPr lang="pt-BR" sz="2000" dirty="0" smtClean="0"/>
+              <a:t>(112, “Manuel”)</a:t>
+            </a:r>
+            <a:r>
+              <a:rPr lang="pt-BR" sz="2000" dirty="0" smtClean="0">
                 <a:solidFill>
                   <a:srgbClr val="FFC000"/>
                 </a:solidFill>
               </a:rPr>
-              <a:t>new</a:t>
-            </a:r>
-            <a:r>
-              <a:rPr lang="pt-BR" sz="2000" dirty="0" smtClean="0">
-                <a:solidFill>
-                  <a:srgbClr val="FFC000"/>
-                </a:solidFill>
-              </a:rPr>
-              <a:t> </a:t>
-            </a:r>
-            <a:r>
-              <a:rPr lang="pt-BR" sz="2000" dirty="0" err="1" smtClean="0">
-                <a:solidFill>
-                  <a:srgbClr val="FFC000"/>
-                </a:solidFill>
-              </a:rPr>
-              <a:t>Funcionario</a:t>
-            </a:r>
-            <a:r>
-              <a:rPr lang="pt-BR" sz="2000" dirty="0" smtClean="0">
-                <a:solidFill>
-                  <a:srgbClr val="FFC000"/>
-                </a:solidFill>
-              </a:rPr>
-              <a:t>(112, “Manuel”)</a:t>
-            </a:r>
-            <a:r>
-              <a:rPr lang="pt-BR" sz="2000" dirty="0" smtClean="0"/>
               <a:t>)</a:t>
             </a:r>
             <a:r>
-              <a:rPr lang="pt-BR" sz="2000" dirty="0" smtClean="0">
-                <a:solidFill>
-                  <a:srgbClr val="FFC000"/>
-                </a:solidFill>
-              </a:rPr>
+              <a:rPr lang="pt-BR" sz="2000" dirty="0" smtClean="0"/>
               <a:t>;</a:t>
             </a:r>
           </a:p>
@@ -13463,59 +13250,55 @@
               <a:buNone/>
             </a:pPr>
             <a:r>
-              <a:rPr lang="pt-BR" sz="2000" dirty="0" smtClean="0"/>
+              <a:rPr lang="pt-BR" sz="2000" dirty="0" smtClean="0">
+                <a:solidFill>
+                  <a:srgbClr val="FFC000"/>
+                </a:solidFill>
+              </a:rPr>
               <a:t>conjunto.</a:t>
             </a:r>
             <a:r>
+              <a:rPr lang="pt-BR" sz="2000" dirty="0" err="1" smtClean="0">
+                <a:solidFill>
+                  <a:srgbClr val="FFC000"/>
+                </a:solidFill>
+              </a:rPr>
+              <a:t>add</a:t>
+            </a:r>
+            <a:r>
+              <a:rPr lang="pt-BR" sz="2000" dirty="0" smtClean="0">
+                <a:solidFill>
+                  <a:srgbClr val="FFC000"/>
+                </a:solidFill>
+              </a:rPr>
+              <a:t>(</a:t>
+            </a:r>
+            <a:r>
               <a:rPr lang="pt-BR" sz="2000" dirty="0" err="1" smtClean="0"/>
-              <a:t>add</a:t>
-            </a:r>
-            <a:r>
-              <a:rPr lang="pt-BR" sz="2000" dirty="0" smtClean="0"/>
-              <a:t>(</a:t>
-            </a:r>
-            <a:r>
-              <a:rPr lang="pt-BR" sz="2000" dirty="0" err="1" smtClean="0">
+              <a:t>new</a:t>
+            </a:r>
+            <a:r>
+              <a:rPr lang="pt-BR" sz="2000" dirty="0" smtClean="0"/>
+              <a:t> </a:t>
+            </a:r>
+            <a:r>
+              <a:rPr lang="pt-BR" sz="2000" dirty="0" err="1" smtClean="0"/>
+              <a:t>Funcionario</a:t>
+            </a:r>
+            <a:r>
+              <a:rPr lang="pt-BR" sz="2000" dirty="0" smtClean="0"/>
+              <a:t>(205, “Joaquim”)</a:t>
+            </a:r>
+            <a:r>
+              <a:rPr lang="pt-BR" sz="2000" dirty="0" smtClean="0">
                 <a:solidFill>
                   <a:srgbClr val="FFC000"/>
                 </a:solidFill>
               </a:rPr>
-              <a:t>new</a:t>
-            </a:r>
-            <a:r>
-              <a:rPr lang="pt-BR" sz="2000" dirty="0" smtClean="0">
-                <a:solidFill>
-                  <a:srgbClr val="FFC000"/>
-                </a:solidFill>
-              </a:rPr>
-              <a:t> </a:t>
-            </a:r>
-            <a:r>
-              <a:rPr lang="pt-BR" sz="2000" dirty="0" err="1" smtClean="0">
-                <a:solidFill>
-                  <a:srgbClr val="FFC000"/>
-                </a:solidFill>
-              </a:rPr>
-              <a:t>Funcionario</a:t>
-            </a:r>
-            <a:r>
-              <a:rPr lang="pt-BR" sz="2000" dirty="0" smtClean="0">
-                <a:solidFill>
-                  <a:srgbClr val="FFC000"/>
-                </a:solidFill>
-              </a:rPr>
-              <a:t>(205, “Joaquim”)</a:t>
-            </a:r>
-            <a:r>
-              <a:rPr lang="pt-BR" sz="2000" dirty="0" smtClean="0"/>
               <a:t>)</a:t>
             </a:r>
             <a:r>
-              <a:rPr lang="pt-BR" sz="2000" dirty="0" smtClean="0">
-                <a:solidFill>
-                  <a:srgbClr val="FFC000"/>
-                </a:solidFill>
-              </a:rPr>
+              <a:rPr lang="pt-BR" sz="2000" dirty="0" smtClean="0"/>
               <a:t>;</a:t>
             </a:r>
           </a:p>
@@ -13527,59 +13310,55 @@
               <a:buNone/>
             </a:pPr>
             <a:r>
-              <a:rPr lang="pt-BR" sz="2000" dirty="0" smtClean="0"/>
+              <a:rPr lang="pt-BR" sz="2000" dirty="0" smtClean="0">
+                <a:solidFill>
+                  <a:srgbClr val="FFC000"/>
+                </a:solidFill>
+              </a:rPr>
               <a:t>conjunto.</a:t>
             </a:r>
             <a:r>
+              <a:rPr lang="pt-BR" sz="2000" dirty="0" err="1" smtClean="0">
+                <a:solidFill>
+                  <a:srgbClr val="FFC000"/>
+                </a:solidFill>
+              </a:rPr>
+              <a:t>add</a:t>
+            </a:r>
+            <a:r>
+              <a:rPr lang="pt-BR" sz="2000" dirty="0" smtClean="0">
+                <a:solidFill>
+                  <a:srgbClr val="FFC000"/>
+                </a:solidFill>
+              </a:rPr>
+              <a:t>(</a:t>
+            </a:r>
+            <a:r>
               <a:rPr lang="pt-BR" sz="2000" dirty="0" err="1" smtClean="0"/>
-              <a:t>add</a:t>
-            </a:r>
-            <a:r>
-              <a:rPr lang="pt-BR" sz="2000" dirty="0" smtClean="0"/>
-              <a:t>(</a:t>
-            </a:r>
-            <a:r>
-              <a:rPr lang="pt-BR" sz="2000" dirty="0" err="1" smtClean="0">
+              <a:t>new</a:t>
+            </a:r>
+            <a:r>
+              <a:rPr lang="pt-BR" sz="2000" dirty="0" smtClean="0"/>
+              <a:t> </a:t>
+            </a:r>
+            <a:r>
+              <a:rPr lang="pt-BR" sz="2000" dirty="0" err="1" smtClean="0"/>
+              <a:t>Funcionario</a:t>
+            </a:r>
+            <a:r>
+              <a:rPr lang="pt-BR" sz="2000" dirty="0" smtClean="0"/>
+              <a:t>(185, “Maria”)</a:t>
+            </a:r>
+            <a:r>
+              <a:rPr lang="pt-BR" sz="2000" dirty="0" smtClean="0">
                 <a:solidFill>
                   <a:srgbClr val="FFC000"/>
                 </a:solidFill>
               </a:rPr>
-              <a:t>new</a:t>
-            </a:r>
-            <a:r>
-              <a:rPr lang="pt-BR" sz="2000" dirty="0" smtClean="0">
-                <a:solidFill>
-                  <a:srgbClr val="FFC000"/>
-                </a:solidFill>
-              </a:rPr>
-              <a:t> </a:t>
-            </a:r>
-            <a:r>
-              <a:rPr lang="pt-BR" sz="2000" dirty="0" err="1" smtClean="0">
-                <a:solidFill>
-                  <a:srgbClr val="FFC000"/>
-                </a:solidFill>
-              </a:rPr>
-              <a:t>Funcionario</a:t>
-            </a:r>
-            <a:r>
-              <a:rPr lang="pt-BR" sz="2000" dirty="0" smtClean="0">
-                <a:solidFill>
-                  <a:srgbClr val="FFC000"/>
-                </a:solidFill>
-              </a:rPr>
-              <a:t>(185, “Maria”)</a:t>
-            </a:r>
-            <a:r>
-              <a:rPr lang="pt-BR" sz="2000" dirty="0" smtClean="0"/>
               <a:t>)</a:t>
             </a:r>
             <a:r>
-              <a:rPr lang="pt-BR" sz="2000" dirty="0" smtClean="0">
-                <a:solidFill>
-                  <a:srgbClr val="FFC000"/>
-                </a:solidFill>
-              </a:rPr>
+              <a:rPr lang="pt-BR" sz="2000" dirty="0" smtClean="0"/>
               <a:t>;</a:t>
             </a:r>
           </a:p>
@@ -13590,11 +13369,7 @@
               </a:spcBef>
               <a:buNone/>
             </a:pPr>
-            <a:endParaRPr lang="pt-BR" sz="2000" dirty="0" smtClean="0">
-              <a:solidFill>
-                <a:srgbClr val="FFC000"/>
-              </a:solidFill>
-            </a:endParaRPr>
+            <a:endParaRPr lang="pt-BR" sz="2000" dirty="0" smtClean="0"/>
           </a:p>
           <a:p>
             <a:pPr marL="771525" indent="-625475">
@@ -13604,12 +13379,32 @@
               <a:buNone/>
             </a:pPr>
             <a:r>
+              <a:rPr lang="pt-BR" sz="2000" dirty="0" smtClean="0"/>
+              <a:t>System.</a:t>
+            </a:r>
+            <a:r>
+              <a:rPr lang="pt-BR" sz="2000" dirty="0" err="1" smtClean="0"/>
+              <a:t>out.println</a:t>
+            </a:r>
+            <a:r>
+              <a:rPr lang="pt-BR" sz="2000" dirty="0" smtClean="0"/>
+              <a:t>(“Quantidade de </a:t>
+            </a:r>
+            <a:r>
+              <a:rPr lang="pt-BR" sz="2000" dirty="0" err="1" smtClean="0"/>
+              <a:t>funcionarios</a:t>
+            </a:r>
+            <a:r>
+              <a:rPr lang="pt-BR" sz="2000" dirty="0" smtClean="0"/>
+              <a:t>: ” + </a:t>
+            </a:r>
+            <a:r>
               <a:rPr lang="pt-BR" sz="2000" dirty="0" smtClean="0">
                 <a:solidFill>
                   <a:srgbClr val="FFC000"/>
                 </a:solidFill>
               </a:rPr>
-              <a:t>System.</a:t>
+              <a:t>conjunto.</a:t>
             </a:r>
             <a:r>
               <a:rPr lang="pt-BR" sz="2000" dirty="0" err="1" smtClean="0">
@@ -13617,7 +13412,7 @@
                   <a:srgbClr val="FFC000"/>
                 </a:solidFill>
               </a:rPr>
-              <a:t>out.println</a:t>
+              <a:t>size</a:t>
             </a:r>
             <a:r>
               <a:rPr lang="pt-BR" sz="2000" dirty="0" smtClean="0">
@@ -13625,42 +13420,10 @@
                   <a:srgbClr val="FFC000"/>
                 </a:solidFill>
               </a:rPr>
-              <a:t>(“Quantidade de </a:t>
-            </a:r>
-            <a:r>
-              <a:rPr lang="pt-BR" sz="2000" dirty="0" err="1" smtClean="0">
-                <a:solidFill>
-                  <a:srgbClr val="FFC000"/>
-                </a:solidFill>
-              </a:rPr>
-              <a:t>funcionarios</a:t>
-            </a:r>
-            <a:r>
-              <a:rPr lang="pt-BR" sz="2000" dirty="0" smtClean="0">
-                <a:solidFill>
-                  <a:srgbClr val="FFC000"/>
-                </a:solidFill>
-              </a:rPr>
-              <a:t>: ” + </a:t>
-            </a:r>
-            <a:r>
-              <a:rPr lang="pt-BR" sz="2000" dirty="0" smtClean="0"/>
-              <a:t>conjunto.</a:t>
-            </a:r>
-            <a:r>
-              <a:rPr lang="pt-BR" sz="2000" dirty="0" err="1" smtClean="0"/>
-              <a:t>size</a:t>
-            </a:r>
-            <a:r>
-              <a:rPr lang="pt-BR" sz="2000" dirty="0" smtClean="0"/>
               <a:t>()</a:t>
             </a:r>
             <a:r>
-              <a:rPr lang="pt-BR" sz="2000" dirty="0" smtClean="0">
-                <a:solidFill>
-                  <a:srgbClr val="FFC000"/>
-                </a:solidFill>
-              </a:rPr>
+              <a:rPr lang="pt-BR" sz="2000" dirty="0" smtClean="0"/>
               <a:t>);</a:t>
             </a:r>
           </a:p>
@@ -15130,13 +14893,8 @@
           <a:p>
             <a:r>
               <a:rPr lang="pt-BR" sz="4400" dirty="0" smtClean="0"/>
-              <a:t>Set – </a:t>
-            </a:r>
-            <a:r>
-              <a:rPr lang="pt-BR" sz="4400" dirty="0" smtClean="0"/>
-              <a:t>Principais implementações</a:t>
-            </a:r>
-            <a:endParaRPr lang="pt-BR" sz="4400" dirty="0" smtClean="0"/>
+              <a:t>Set – Principais implementações</a:t>
+            </a:r>
           </a:p>
         </p:txBody>
       </p:sp>
@@ -15162,96 +14920,83 @@
           <a:p>
             <a:pPr>
               <a:spcBef>
-                <a:spcPts val="1200"/>
+                <a:spcPts val="3000"/>
               </a:spcBef>
             </a:pPr>
             <a:r>
-              <a:rPr lang="pt-BR" sz="3200" dirty="0" err="1" smtClean="0"/>
+              <a:rPr lang="pt-BR" sz="2800" dirty="0" err="1" smtClean="0"/>
               <a:t>HashSet</a:t>
             </a:r>
-            <a:endParaRPr lang="pt-BR" sz="3200" dirty="0" smtClean="0"/>
+            <a:endParaRPr lang="pt-BR" sz="2800" dirty="0" smtClean="0"/>
           </a:p>
           <a:p>
             <a:pPr lvl="1">
               <a:spcBef>
-                <a:spcPts val="600"/>
+                <a:spcPts val="1800"/>
               </a:spcBef>
             </a:pPr>
             <a:r>
-              <a:rPr lang="pt-BR" sz="2400" dirty="0" smtClean="0"/>
-              <a:t>Armazena </a:t>
-            </a:r>
-            <a:r>
-              <a:rPr lang="pt-BR" sz="2400" dirty="0" smtClean="0"/>
-              <a:t>cada um de seus elementos em um espaço de memória sempre utilizando os métodos </a:t>
-            </a:r>
-            <a:r>
-              <a:rPr lang="pt-BR" sz="2400" u="sng" dirty="0" err="1" smtClean="0"/>
+              <a:rPr lang="pt-BR" sz="2000" dirty="0" smtClean="0"/>
+              <a:t>Armazena cada um de seus elementos em um espaço de memória sempre utilizando os métodos </a:t>
+            </a:r>
+            <a:r>
+              <a:rPr lang="pt-BR" sz="2000" u="sng" dirty="0" err="1" smtClean="0"/>
               <a:t>equals</a:t>
             </a:r>
             <a:r>
-              <a:rPr lang="pt-BR" sz="2400" u="sng" dirty="0" smtClean="0"/>
+              <a:rPr lang="pt-BR" sz="2000" u="sng" dirty="0" smtClean="0"/>
               <a:t>() </a:t>
             </a:r>
             <a:r>
-              <a:rPr lang="pt-BR" sz="2400" dirty="0" smtClean="0"/>
+              <a:rPr lang="pt-BR" sz="2000" dirty="0" smtClean="0"/>
               <a:t>e </a:t>
             </a:r>
             <a:r>
-              <a:rPr lang="pt-BR" sz="2400" u="sng" dirty="0" err="1" smtClean="0"/>
+              <a:rPr lang="pt-BR" sz="2000" u="sng" dirty="0" err="1" smtClean="0"/>
               <a:t>hashCode</a:t>
             </a:r>
             <a:r>
-              <a:rPr lang="pt-BR" sz="2400" u="sng" dirty="0" smtClean="0"/>
+              <a:rPr lang="pt-BR" sz="2000" u="sng" dirty="0" smtClean="0"/>
               <a:t>()</a:t>
             </a:r>
             <a:r>
-              <a:rPr lang="pt-BR" sz="2400" dirty="0" smtClean="0"/>
+              <a:rPr lang="pt-BR" sz="2000" dirty="0" smtClean="0"/>
               <a:t> do objeto inserido para comparação com cada um dos objetos já existentes no set.</a:t>
             </a:r>
           </a:p>
           <a:p>
             <a:pPr lvl="1">
               <a:spcBef>
-                <a:spcPts val="600"/>
+                <a:spcPts val="1800"/>
               </a:spcBef>
             </a:pPr>
             <a:r>
-              <a:rPr lang="pt-BR" sz="2400" dirty="0" smtClean="0"/>
-              <a:t>Trata-se </a:t>
-            </a:r>
-            <a:r>
-              <a:rPr lang="pt-BR" sz="2400" dirty="0" smtClean="0"/>
-              <a:t>de uma das coleções mais eficientes de todo o framework Java</a:t>
-            </a:r>
-            <a:r>
-              <a:rPr lang="pt-BR" sz="2400" dirty="0" smtClean="0"/>
-              <a:t>.</a:t>
+              <a:rPr lang="pt-BR" sz="2000" dirty="0" smtClean="0"/>
+              <a:t>Trata-se de uma das coleções mais eficientes de todo o framework Java.</a:t>
             </a:r>
           </a:p>
           <a:p>
             <a:pPr>
               <a:spcBef>
-                <a:spcPts val="1200"/>
+                <a:spcPts val="3000"/>
               </a:spcBef>
             </a:pPr>
             <a:r>
-              <a:rPr lang="pt-BR" sz="3200" dirty="0" err="1" smtClean="0"/>
+              <a:rPr lang="pt-BR" sz="2800" dirty="0" err="1" smtClean="0"/>
               <a:t>LinkedHashSet</a:t>
             </a:r>
-            <a:endParaRPr lang="pt-BR" sz="3200" dirty="0" smtClean="0"/>
+            <a:endParaRPr lang="pt-BR" sz="2800" dirty="0" smtClean="0"/>
           </a:p>
           <a:p>
             <a:pPr lvl="1">
               <a:spcBef>
-                <a:spcPts val="600"/>
+                <a:spcPts val="1800"/>
               </a:spcBef>
             </a:pPr>
             <a:r>
-              <a:rPr lang="pt-BR" sz="2400" dirty="0" smtClean="0"/>
+              <a:rPr lang="pt-BR" sz="2000" dirty="0" smtClean="0"/>
               <a:t>Implementação da interface Set que armazena seus elementos na mesma ordem em que foram inseridos.</a:t>
             </a:r>
-            <a:endParaRPr lang="pt-BR" sz="2400" dirty="0" smtClean="0"/>
           </a:p>
         </p:txBody>
       </p:sp>
@@ -15571,12 +15316,36 @@
               <a:buNone/>
             </a:pPr>
             <a:r>
+              <a:rPr lang="pt-BR" sz="2000" dirty="0" err="1" smtClean="0"/>
+              <a:t>public</a:t>
+            </a:r>
+            <a:r>
+              <a:rPr lang="pt-BR" sz="2000" dirty="0" smtClean="0"/>
+              <a:t> </a:t>
+            </a:r>
+            <a:r>
+              <a:rPr lang="pt-BR" sz="2000" dirty="0" err="1" smtClean="0"/>
+              <a:t>class</a:t>
+            </a:r>
+            <a:r>
+              <a:rPr lang="pt-BR" sz="2000" dirty="0" smtClean="0"/>
+              <a:t> </a:t>
+            </a:r>
+            <a:r>
+              <a:rPr lang="pt-BR" sz="2000" dirty="0" smtClean="0">
+                <a:solidFill>
+                  <a:srgbClr val="FFC000"/>
+                </a:solidFill>
+              </a:rPr>
+              <a:t>Cliente </a:t>
+            </a:r>
+            <a:r>
               <a:rPr lang="pt-BR" sz="2000" dirty="0" err="1" smtClean="0">
                 <a:solidFill>
                   <a:srgbClr val="FFC000"/>
                 </a:solidFill>
               </a:rPr>
-              <a:t>public</a:t>
+              <a:t>implements</a:t>
             </a:r>
             <a:r>
               <a:rPr lang="pt-BR" sz="2000" dirty="0" smtClean="0">
@@ -15592,7 +15361,7 @@
                   <a:srgbClr val="FFC000"/>
                 </a:solidFill>
               </a:rPr>
-              <a:t>class</a:t>
+              <a:t>Comparable</a:t>
             </a:r>
             <a:r>
               <a:rPr lang="pt-BR" sz="2000" dirty="0" smtClean="0">
@@ -15600,34 +15369,10 @@
                   <a:srgbClr val="FFC000"/>
                 </a:solidFill>
               </a:rPr>
-              <a:t> </a:t>
-            </a:r>
-            <a:r>
-              <a:rPr lang="pt-BR" sz="2000" dirty="0" smtClean="0"/>
-              <a:t>Cliente </a:t>
-            </a:r>
-            <a:r>
-              <a:rPr lang="pt-BR" sz="2000" dirty="0" err="1" smtClean="0"/>
-              <a:t>implements</a:t>
-            </a:r>
-            <a:r>
-              <a:rPr lang="pt-BR" sz="2000" dirty="0" smtClean="0"/>
-              <a:t> </a:t>
-            </a:r>
-            <a:r>
-              <a:rPr lang="pt-BR" sz="2000" dirty="0" err="1" smtClean="0"/>
-              <a:t>Comparable</a:t>
-            </a:r>
-            <a:r>
-              <a:rPr lang="pt-BR" sz="2000" dirty="0" smtClean="0"/>
               <a:t>&lt;Cliente&gt;</a:t>
             </a:r>
             <a:r>
-              <a:rPr lang="pt-BR" sz="2000" dirty="0" smtClean="0">
-                <a:solidFill>
-                  <a:srgbClr val="FFC000"/>
-                </a:solidFill>
-              </a:rPr>
+              <a:rPr lang="pt-BR" sz="2000" dirty="0" smtClean="0"/>
               <a:t> {</a:t>
             </a:r>
           </a:p>
@@ -15639,43 +15384,23 @@
               <a:buNone/>
             </a:pPr>
             <a:r>
-              <a:rPr lang="pt-BR" sz="2000" dirty="0" smtClean="0">
-                <a:solidFill>
-                  <a:srgbClr val="FFC000"/>
-                </a:solidFill>
-              </a:rPr>
+              <a:rPr lang="pt-BR" sz="2000" dirty="0" smtClean="0"/>
               <a:t>	</a:t>
             </a:r>
             <a:r>
-              <a:rPr lang="pt-BR" sz="2000" dirty="0" err="1" smtClean="0">
-                <a:solidFill>
-                  <a:srgbClr val="FFC000"/>
-                </a:solidFill>
-              </a:rPr>
+              <a:rPr lang="pt-BR" sz="2000" dirty="0" err="1" smtClean="0"/>
               <a:t>private</a:t>
             </a:r>
             <a:r>
-              <a:rPr lang="pt-BR" sz="2000" dirty="0" smtClean="0">
-                <a:solidFill>
-                  <a:srgbClr val="FFC000"/>
-                </a:solidFill>
-              </a:rPr>
+              <a:rPr lang="pt-BR" sz="2000" dirty="0" smtClean="0"/>
               <a:t> String </a:t>
             </a:r>
             <a:r>
-              <a:rPr lang="pt-BR" sz="2000" dirty="0" err="1" smtClean="0">
-                <a:solidFill>
-                  <a:srgbClr val="FFC000"/>
-                </a:solidFill>
-              </a:rPr>
+              <a:rPr lang="pt-BR" sz="2000" dirty="0" err="1" smtClean="0"/>
               <a:t>rg</a:t>
             </a:r>
             <a:r>
-              <a:rPr lang="pt-BR" sz="2000" dirty="0" smtClean="0">
-                <a:solidFill>
-                  <a:srgbClr val="FFC000"/>
-                </a:solidFill>
-              </a:rPr>
+              <a:rPr lang="pt-BR" sz="2000" dirty="0" smtClean="0"/>
               <a:t>;</a:t>
             </a:r>
           </a:p>
@@ -15687,27 +15412,15 @@
               <a:buNone/>
             </a:pPr>
             <a:r>
-              <a:rPr lang="pt-BR" sz="2000" dirty="0" smtClean="0">
-                <a:solidFill>
-                  <a:srgbClr val="FFC000"/>
-                </a:solidFill>
-              </a:rPr>
+              <a:rPr lang="pt-BR" sz="2000" dirty="0" smtClean="0"/>
               <a:t>	</a:t>
             </a:r>
             <a:r>
-              <a:rPr lang="pt-BR" sz="2000" dirty="0" err="1" smtClean="0">
-                <a:solidFill>
-                  <a:srgbClr val="FFC000"/>
-                </a:solidFill>
-              </a:rPr>
+              <a:rPr lang="pt-BR" sz="2000" dirty="0" err="1" smtClean="0"/>
               <a:t>private</a:t>
             </a:r>
             <a:r>
-              <a:rPr lang="pt-BR" sz="2000" dirty="0" smtClean="0">
-                <a:solidFill>
-                  <a:srgbClr val="FFC000"/>
-                </a:solidFill>
-              </a:rPr>
+              <a:rPr lang="pt-BR" sz="2000" dirty="0" smtClean="0"/>
               <a:t> String nome;</a:t>
             </a:r>
           </a:p>
@@ -15719,43 +15432,23 @@
               <a:buNone/>
             </a:pPr>
             <a:r>
-              <a:rPr lang="pt-BR" sz="2000" dirty="0" smtClean="0">
-                <a:solidFill>
-                  <a:srgbClr val="FFC000"/>
-                </a:solidFill>
-              </a:rPr>
+              <a:rPr lang="pt-BR" sz="2000" dirty="0" smtClean="0"/>
               <a:t>	</a:t>
             </a:r>
             <a:r>
-              <a:rPr lang="pt-BR" sz="2000" dirty="0" err="1" smtClean="0">
-                <a:solidFill>
-                  <a:srgbClr val="FFC000"/>
-                </a:solidFill>
-              </a:rPr>
+              <a:rPr lang="pt-BR" sz="2000" dirty="0" err="1" smtClean="0"/>
               <a:t>private</a:t>
             </a:r>
             <a:r>
-              <a:rPr lang="pt-BR" sz="2000" dirty="0" smtClean="0">
-                <a:solidFill>
-                  <a:srgbClr val="FFC000"/>
-                </a:solidFill>
-              </a:rPr>
+              <a:rPr lang="pt-BR" sz="2000" dirty="0" smtClean="0"/>
               <a:t> String </a:t>
             </a:r>
             <a:r>
-              <a:rPr lang="pt-BR" sz="2000" dirty="0" err="1" smtClean="0">
-                <a:solidFill>
-                  <a:srgbClr val="FFC000"/>
-                </a:solidFill>
-              </a:rPr>
+              <a:rPr lang="pt-BR" sz="2000" dirty="0" err="1" smtClean="0"/>
               <a:t>endereco</a:t>
             </a:r>
             <a:r>
-              <a:rPr lang="pt-BR" sz="2000" dirty="0" smtClean="0">
-                <a:solidFill>
-                  <a:srgbClr val="FFC000"/>
-                </a:solidFill>
-              </a:rPr>
+              <a:rPr lang="pt-BR" sz="2000" dirty="0" smtClean="0"/>
               <a:t>;</a:t>
             </a:r>
           </a:p>
@@ -15766,11 +15459,7 @@
               </a:spcBef>
               <a:buNone/>
             </a:pPr>
-            <a:endParaRPr lang="pt-BR" sz="2000" dirty="0" smtClean="0">
-              <a:solidFill>
-                <a:srgbClr val="FFC000"/>
-              </a:solidFill>
-            </a:endParaRPr>
+            <a:endParaRPr lang="pt-BR" sz="2000" dirty="0" smtClean="0"/>
           </a:p>
           <a:p>
             <a:pPr marL="1074738" lvl="1" indent="-625475">
@@ -15780,27 +15469,15 @@
               <a:buNone/>
             </a:pPr>
             <a:r>
-              <a:rPr lang="pt-BR" sz="2000" dirty="0" smtClean="0">
-                <a:solidFill>
-                  <a:srgbClr val="FFC000"/>
-                </a:solidFill>
-              </a:rPr>
+              <a:rPr lang="pt-BR" sz="2000" dirty="0" smtClean="0"/>
               <a:t>	// ... métodos </a:t>
             </a:r>
             <a:r>
-              <a:rPr lang="pt-BR" sz="2000" dirty="0" err="1" smtClean="0">
-                <a:solidFill>
-                  <a:srgbClr val="FFC000"/>
-                </a:solidFill>
-              </a:rPr>
+              <a:rPr lang="pt-BR" sz="2000" dirty="0" err="1" smtClean="0"/>
               <a:t>gets</a:t>
             </a:r>
             <a:r>
-              <a:rPr lang="pt-BR" sz="2000" dirty="0" smtClean="0">
-                <a:solidFill>
-                  <a:srgbClr val="FFC000"/>
-                </a:solidFill>
-              </a:rPr>
+              <a:rPr lang="pt-BR" sz="2000" dirty="0" smtClean="0"/>
               <a:t> e sets</a:t>
             </a:r>
           </a:p>
@@ -15811,11 +15488,7 @@
               </a:spcBef>
               <a:buNone/>
             </a:pPr>
-            <a:endParaRPr lang="pt-BR" sz="2000" dirty="0" smtClean="0">
-              <a:solidFill>
-                <a:srgbClr val="FFC000"/>
-              </a:solidFill>
-            </a:endParaRPr>
+            <a:endParaRPr lang="pt-BR" sz="2000" dirty="0" smtClean="0"/>
           </a:p>
           <a:p>
             <a:pPr marL="1074738" lvl="1" indent="-625475">
@@ -15825,44 +15498,16 @@
               <a:buNone/>
             </a:pPr>
             <a:r>
-              <a:rPr lang="pt-BR" sz="2000" dirty="0" smtClean="0">
+              <a:rPr lang="pt-BR" sz="2000" dirty="0" smtClean="0"/>
+              <a:t>	</a:t>
+            </a:r>
+            <a:r>
+              <a:rPr lang="pt-BR" sz="2000" dirty="0" err="1" smtClean="0">
                 <a:solidFill>
                   <a:srgbClr val="FFC000"/>
                 </a:solidFill>
               </a:rPr>
-              <a:t>	</a:t>
-            </a:r>
-            <a:r>
-              <a:rPr lang="pt-BR" sz="2000" dirty="0" err="1" smtClean="0"/>
               <a:t>public</a:t>
-            </a:r>
-            <a:r>
-              <a:rPr lang="pt-BR" sz="2000" dirty="0" smtClean="0"/>
-              <a:t> </a:t>
-            </a:r>
-            <a:r>
-              <a:rPr lang="pt-BR" sz="2000" dirty="0" err="1" smtClean="0"/>
-              <a:t>int</a:t>
-            </a:r>
-            <a:r>
-              <a:rPr lang="pt-BR" sz="2000" dirty="0" smtClean="0"/>
-              <a:t> </a:t>
-            </a:r>
-            <a:r>
-              <a:rPr lang="pt-BR" sz="2000" dirty="0" err="1" smtClean="0"/>
-              <a:t>compareTo</a:t>
-            </a:r>
-            <a:r>
-              <a:rPr lang="pt-BR" sz="2000" dirty="0" smtClean="0">
-                <a:solidFill>
-                  <a:srgbClr val="FFC000"/>
-                </a:solidFill>
-              </a:rPr>
-              <a:t>(</a:t>
-            </a:r>
-            <a:r>
-              <a:rPr lang="pt-BR" sz="2000" dirty="0" smtClean="0"/>
-              <a:t>Cliente</a:t>
             </a:r>
             <a:r>
               <a:rPr lang="pt-BR" sz="2000" dirty="0" smtClean="0">
@@ -15878,14 +15523,46 @@
                   <a:srgbClr val="FFC000"/>
                 </a:solidFill>
               </a:rPr>
+              <a:t>int</a:t>
+            </a:r>
+            <a:r>
+              <a:rPr lang="pt-BR" sz="2000" dirty="0" smtClean="0">
+                <a:solidFill>
+                  <a:srgbClr val="FFC000"/>
+                </a:solidFill>
+              </a:rPr>
+              <a:t> </a:t>
+            </a:r>
+            <a:r>
+              <a:rPr lang="pt-BR" sz="2000" dirty="0" err="1" smtClean="0">
+                <a:solidFill>
+                  <a:srgbClr val="FFC000"/>
+                </a:solidFill>
+              </a:rPr>
+              <a:t>compareTo</a:t>
+            </a:r>
+            <a:r>
+              <a:rPr lang="pt-BR" sz="2000" dirty="0" smtClean="0"/>
+              <a:t>(</a:t>
+            </a:r>
+            <a:r>
+              <a:rPr lang="pt-BR" sz="2000" dirty="0" smtClean="0">
+                <a:solidFill>
+                  <a:srgbClr val="FFC000"/>
+                </a:solidFill>
+              </a:rPr>
+              <a:t>Cliente</a:t>
+            </a:r>
+            <a:r>
+              <a:rPr lang="pt-BR" sz="2000" dirty="0" smtClean="0"/>
+              <a:t> </a:t>
+            </a:r>
+            <a:r>
+              <a:rPr lang="pt-BR" sz="2000" dirty="0" err="1" smtClean="0"/>
               <a:t>other</a:t>
             </a:r>
             <a:r>
-              <a:rPr lang="pt-BR" sz="2000" dirty="0" smtClean="0">
-                <a:solidFill>
-                  <a:srgbClr val="FFC000"/>
-                </a:solidFill>
-              </a:rPr>
+              <a:rPr lang="pt-BR" sz="2000" dirty="0" smtClean="0"/>
               <a:t>) {</a:t>
             </a:r>
           </a:p>
@@ -15897,75 +15574,39 @@
               <a:buNone/>
             </a:pPr>
             <a:r>
-              <a:rPr lang="pt-BR" sz="2000" dirty="0" smtClean="0">
-                <a:solidFill>
-                  <a:srgbClr val="FFC000"/>
-                </a:solidFill>
-              </a:rPr>
+              <a:rPr lang="pt-BR" sz="2000" dirty="0" smtClean="0"/>
               <a:t>		</a:t>
             </a:r>
             <a:r>
-              <a:rPr lang="pt-BR" sz="2000" dirty="0" err="1" smtClean="0">
-                <a:solidFill>
-                  <a:srgbClr val="FFC000"/>
-                </a:solidFill>
-              </a:rPr>
+              <a:rPr lang="pt-BR" sz="2000" dirty="0" err="1" smtClean="0"/>
               <a:t>return</a:t>
             </a:r>
             <a:r>
-              <a:rPr lang="pt-BR" sz="2000" dirty="0" smtClean="0">
-                <a:solidFill>
-                  <a:srgbClr val="FFC000"/>
-                </a:solidFill>
-              </a:rPr>
+              <a:rPr lang="pt-BR" sz="2000" dirty="0" smtClean="0"/>
               <a:t> </a:t>
             </a:r>
             <a:r>
-              <a:rPr lang="pt-BR" sz="2000" dirty="0" err="1" smtClean="0">
-                <a:solidFill>
-                  <a:srgbClr val="FFC000"/>
-                </a:solidFill>
-              </a:rPr>
+              <a:rPr lang="pt-BR" sz="2000" dirty="0" err="1" smtClean="0"/>
               <a:t>this</a:t>
             </a:r>
             <a:r>
-              <a:rPr lang="pt-BR" sz="2000" dirty="0" smtClean="0">
-                <a:solidFill>
-                  <a:srgbClr val="FFC000"/>
-                </a:solidFill>
-              </a:rPr>
+              <a:rPr lang="pt-BR" sz="2000" dirty="0" smtClean="0"/>
               <a:t>.nome.</a:t>
             </a:r>
             <a:r>
-              <a:rPr lang="pt-BR" sz="2000" dirty="0" err="1" smtClean="0">
-                <a:solidFill>
-                  <a:srgbClr val="FFC000"/>
-                </a:solidFill>
-              </a:rPr>
+              <a:rPr lang="pt-BR" sz="2000" dirty="0" err="1" smtClean="0"/>
               <a:t>compareTo</a:t>
             </a:r>
             <a:r>
-              <a:rPr lang="pt-BR" sz="2000" dirty="0" smtClean="0">
-                <a:solidFill>
-                  <a:srgbClr val="FFC000"/>
-                </a:solidFill>
-              </a:rPr>
+              <a:rPr lang="pt-BR" sz="2000" dirty="0" smtClean="0"/>
               <a:t>(</a:t>
             </a:r>
             <a:r>
-              <a:rPr lang="pt-BR" sz="2000" dirty="0" err="1" smtClean="0">
-                <a:solidFill>
-                  <a:srgbClr val="FFC000"/>
-                </a:solidFill>
-              </a:rPr>
+              <a:rPr lang="pt-BR" sz="2000" dirty="0" err="1" smtClean="0"/>
               <a:t>other</a:t>
             </a:r>
             <a:r>
-              <a:rPr lang="pt-BR" sz="2000" dirty="0" smtClean="0">
-                <a:solidFill>
-                  <a:srgbClr val="FFC000"/>
-                </a:solidFill>
-              </a:rPr>
+              <a:rPr lang="pt-BR" sz="2000" dirty="0" smtClean="0"/>
               <a:t>.nome);</a:t>
             </a:r>
           </a:p>
@@ -15977,11 +15618,7 @@
               <a:buNone/>
             </a:pPr>
             <a:r>
-              <a:rPr lang="pt-BR" sz="2000" dirty="0" smtClean="0">
-                <a:solidFill>
-                  <a:srgbClr val="FFC000"/>
-                </a:solidFill>
-              </a:rPr>
+              <a:rPr lang="pt-BR" sz="2000" dirty="0" smtClean="0"/>
               <a:t>	}</a:t>
             </a:r>
           </a:p>
@@ -15993,11 +15630,7 @@
               <a:buNone/>
             </a:pPr>
             <a:r>
-              <a:rPr lang="pt-BR" sz="2000" dirty="0" smtClean="0">
-                <a:solidFill>
-                  <a:srgbClr val="FFC000"/>
-                </a:solidFill>
-              </a:rPr>
+              <a:rPr lang="pt-BR" sz="2000" dirty="0" smtClean="0"/>
               <a:t>}</a:t>
             </a:r>
           </a:p>
@@ -16159,12 +15792,40 @@
               <a:buNone/>
             </a:pPr>
             <a:r>
+              <a:rPr lang="pt-BR" sz="2000" dirty="0" err="1" smtClean="0">
+                <a:solidFill>
+                  <a:srgbClr val="FFC000"/>
+                </a:solidFill>
+              </a:rPr>
+              <a:t>SortedSet</a:t>
+            </a:r>
+            <a:r>
+              <a:rPr lang="pt-BR" sz="2000" dirty="0" smtClean="0">
+                <a:solidFill>
+                  <a:srgbClr val="FFC000"/>
+                </a:solidFill>
+              </a:rPr>
+              <a:t>&lt;Cliente&gt;</a:t>
+            </a:r>
+            <a:r>
+              <a:rPr lang="pt-BR" sz="2000" dirty="0" smtClean="0"/>
+              <a:t> set = </a:t>
+            </a:r>
+            <a:r>
               <a:rPr lang="pt-BR" sz="2000" dirty="0" err="1" smtClean="0"/>
-              <a:t>SortedSet</a:t>
-            </a:r>
-            <a:r>
-              <a:rPr lang="pt-BR" sz="2000" dirty="0" smtClean="0"/>
-              <a:t>&lt;Cliente&gt;</a:t>
+              <a:t>new</a:t>
+            </a:r>
+            <a:r>
+              <a:rPr lang="pt-BR" sz="2000" dirty="0" smtClean="0"/>
+              <a:t> </a:t>
+            </a:r>
+            <a:r>
+              <a:rPr lang="pt-BR" sz="2000" dirty="0" err="1" smtClean="0"/>
+              <a:t>TreeSet</a:t>
+            </a:r>
+            <a:r>
+              <a:rPr lang="pt-BR" sz="2000" dirty="0" smtClean="0"/>
+              <a:t>&lt;</a:t>
             </a:r>
             <a:r>
               <a:rPr lang="pt-BR" sz="2000" dirty="0" smtClean="0">
@@ -16172,50 +15833,10 @@
                   <a:srgbClr val="FFC000"/>
                 </a:solidFill>
               </a:rPr>
-              <a:t> set = </a:t>
-            </a:r>
-            <a:r>
-              <a:rPr lang="pt-BR" sz="2000" dirty="0" err="1" smtClean="0">
-                <a:solidFill>
-                  <a:srgbClr val="FFC000"/>
-                </a:solidFill>
-              </a:rPr>
-              <a:t>new</a:t>
-            </a:r>
-            <a:r>
-              <a:rPr lang="pt-BR" sz="2000" dirty="0" smtClean="0">
-                <a:solidFill>
-                  <a:srgbClr val="FFC000"/>
-                </a:solidFill>
-              </a:rPr>
-              <a:t> </a:t>
-            </a:r>
-            <a:r>
-              <a:rPr lang="pt-BR" sz="2000" dirty="0" err="1" smtClean="0">
-                <a:solidFill>
-                  <a:srgbClr val="FFC000"/>
-                </a:solidFill>
-              </a:rPr>
-              <a:t>TreeSet</a:t>
-            </a:r>
-            <a:r>
-              <a:rPr lang="pt-BR" sz="2000" dirty="0" smtClean="0">
-                <a:solidFill>
-                  <a:srgbClr val="FFC000"/>
-                </a:solidFill>
-              </a:rPr>
-              <a:t>&lt;</a:t>
-            </a:r>
-            <a:r>
-              <a:rPr lang="pt-BR" sz="2000" dirty="0" smtClean="0"/>
               <a:t>Cliente</a:t>
             </a:r>
             <a:r>
-              <a:rPr lang="pt-BR" sz="2000" dirty="0" smtClean="0">
-                <a:solidFill>
-                  <a:srgbClr val="FFC000"/>
-                </a:solidFill>
-              </a:rPr>
+              <a:rPr lang="pt-BR" sz="2000" dirty="0" smtClean="0"/>
               <a:t>&gt;();</a:t>
             </a:r>
           </a:p>
@@ -16226,11 +15847,7 @@
               </a:spcBef>
               <a:buNone/>
             </a:pPr>
-            <a:endParaRPr lang="pt-BR" sz="2000" dirty="0" smtClean="0">
-              <a:solidFill>
-                <a:srgbClr val="FFC000"/>
-              </a:solidFill>
-            </a:endParaRPr>
+            <a:endParaRPr lang="pt-BR" sz="2000" dirty="0" smtClean="0"/>
           </a:p>
           <a:p>
             <a:pPr marL="1074738" lvl="1" indent="-625475">
@@ -16240,47 +15857,43 @@
               <a:buNone/>
             </a:pPr>
             <a:r>
+              <a:rPr lang="pt-BR" sz="2000" dirty="0" err="1" smtClean="0"/>
+              <a:t>set.</a:t>
+            </a:r>
+            <a:r>
               <a:rPr lang="pt-BR" sz="2000" dirty="0" err="1" smtClean="0">
                 <a:solidFill>
                   <a:srgbClr val="FFC000"/>
                 </a:solidFill>
               </a:rPr>
-              <a:t>set.</a:t>
+              <a:t>add</a:t>
+            </a:r>
+            <a:r>
+              <a:rPr lang="pt-BR" sz="2000" dirty="0" smtClean="0">
+                <a:solidFill>
+                  <a:srgbClr val="FFC000"/>
+                </a:solidFill>
+              </a:rPr>
+              <a:t>(</a:t>
             </a:r>
             <a:r>
               <a:rPr lang="pt-BR" sz="2000" dirty="0" err="1" smtClean="0"/>
-              <a:t>add</a:t>
-            </a:r>
-            <a:r>
-              <a:rPr lang="pt-BR" sz="2000" dirty="0" smtClean="0"/>
-              <a:t>(</a:t>
-            </a:r>
-            <a:r>
-              <a:rPr lang="pt-BR" sz="2000" dirty="0" err="1" smtClean="0">
+              <a:t>new</a:t>
+            </a:r>
+            <a:r>
+              <a:rPr lang="pt-BR" sz="2000" dirty="0" smtClean="0"/>
+              <a:t> Cliente(“897822-9”, “Manuel”, “Rua 5”)</a:t>
+            </a:r>
+            <a:r>
+              <a:rPr lang="pt-BR" sz="2000" dirty="0" smtClean="0">
                 <a:solidFill>
                   <a:srgbClr val="FFC000"/>
                 </a:solidFill>
               </a:rPr>
-              <a:t>new</a:t>
-            </a:r>
-            <a:r>
-              <a:rPr lang="pt-BR" sz="2000" dirty="0" smtClean="0">
-                <a:solidFill>
-                  <a:srgbClr val="FFC000"/>
-                </a:solidFill>
-              </a:rPr>
-              <a:t> Cliente(“897822-9”, “Manuel”, “Rua 5”)</a:t>
-            </a:r>
-            <a:r>
-              <a:rPr lang="pt-BR" sz="2000" dirty="0" smtClean="0"/>
               <a:t>)</a:t>
             </a:r>
             <a:r>
-              <a:rPr lang="pt-BR" sz="2000" dirty="0" smtClean="0">
-                <a:solidFill>
-                  <a:srgbClr val="FFC000"/>
-                </a:solidFill>
-              </a:rPr>
+              <a:rPr lang="pt-BR" sz="2000" dirty="0" smtClean="0"/>
               <a:t>;</a:t>
             </a:r>
           </a:p>
@@ -16292,47 +15905,43 @@
               <a:buNone/>
             </a:pPr>
             <a:r>
+              <a:rPr lang="pt-BR" sz="2000" dirty="0" err="1" smtClean="0"/>
+              <a:t>set.</a:t>
+            </a:r>
+            <a:r>
               <a:rPr lang="pt-BR" sz="2000" dirty="0" err="1" smtClean="0">
                 <a:solidFill>
                   <a:srgbClr val="FFC000"/>
                 </a:solidFill>
               </a:rPr>
-              <a:t>set.</a:t>
+              <a:t>add</a:t>
+            </a:r>
+            <a:r>
+              <a:rPr lang="pt-BR" sz="2000" dirty="0" smtClean="0">
+                <a:solidFill>
+                  <a:srgbClr val="FFC000"/>
+                </a:solidFill>
+              </a:rPr>
+              <a:t>(</a:t>
             </a:r>
             <a:r>
               <a:rPr lang="pt-BR" sz="2000" dirty="0" err="1" smtClean="0"/>
-              <a:t>add</a:t>
-            </a:r>
-            <a:r>
-              <a:rPr lang="pt-BR" sz="2000" dirty="0" smtClean="0"/>
-              <a:t>(</a:t>
-            </a:r>
-            <a:r>
-              <a:rPr lang="pt-BR" sz="2000" dirty="0" err="1" smtClean="0">
+              <a:t>new</a:t>
+            </a:r>
+            <a:r>
+              <a:rPr lang="pt-BR" sz="2000" dirty="0" smtClean="0"/>
+              <a:t> Cliente(“76836-7”, “Ricardo”, “Av. Central, 23”)</a:t>
+            </a:r>
+            <a:r>
+              <a:rPr lang="pt-BR" sz="2000" dirty="0" smtClean="0">
                 <a:solidFill>
                   <a:srgbClr val="FFC000"/>
                 </a:solidFill>
               </a:rPr>
-              <a:t>new</a:t>
-            </a:r>
-            <a:r>
-              <a:rPr lang="pt-BR" sz="2000" dirty="0" smtClean="0">
-                <a:solidFill>
-                  <a:srgbClr val="FFC000"/>
-                </a:solidFill>
-              </a:rPr>
-              <a:t> Cliente(“76836-7”, “Ricardo”, “Av. Central, 23”)</a:t>
-            </a:r>
-            <a:r>
-              <a:rPr lang="pt-BR" sz="2000" dirty="0" smtClean="0"/>
               <a:t>)</a:t>
             </a:r>
             <a:r>
-              <a:rPr lang="pt-BR" sz="2000" dirty="0" smtClean="0">
-                <a:solidFill>
-                  <a:srgbClr val="FFC000"/>
-                </a:solidFill>
-              </a:rPr>
+              <a:rPr lang="pt-BR" sz="2000" dirty="0" smtClean="0"/>
               <a:t>;</a:t>
             </a:r>
           </a:p>
@@ -16344,47 +15953,43 @@
               <a:buNone/>
             </a:pPr>
             <a:r>
+              <a:rPr lang="pt-BR" sz="2000" dirty="0" err="1" smtClean="0"/>
+              <a:t>set.</a:t>
+            </a:r>
+            <a:r>
               <a:rPr lang="pt-BR" sz="2000" dirty="0" err="1" smtClean="0">
                 <a:solidFill>
                   <a:srgbClr val="FFC000"/>
                 </a:solidFill>
               </a:rPr>
-              <a:t>set.</a:t>
+              <a:t>add</a:t>
+            </a:r>
+            <a:r>
+              <a:rPr lang="pt-BR" sz="2000" dirty="0" smtClean="0">
+                <a:solidFill>
+                  <a:srgbClr val="FFC000"/>
+                </a:solidFill>
+              </a:rPr>
+              <a:t>(</a:t>
             </a:r>
             <a:r>
               <a:rPr lang="pt-BR" sz="2000" dirty="0" err="1" smtClean="0"/>
-              <a:t>add</a:t>
-            </a:r>
-            <a:r>
-              <a:rPr lang="pt-BR" sz="2000" dirty="0" smtClean="0"/>
-              <a:t>(</a:t>
-            </a:r>
-            <a:r>
-              <a:rPr lang="pt-BR" sz="2000" dirty="0" err="1" smtClean="0">
+              <a:t>new</a:t>
+            </a:r>
+            <a:r>
+              <a:rPr lang="pt-BR" sz="2000" dirty="0" smtClean="0"/>
+              <a:t> Cliente(“3945651-1”, “Joaquim”, “Rua 35”)</a:t>
+            </a:r>
+            <a:r>
+              <a:rPr lang="pt-BR" sz="2000" dirty="0" smtClean="0">
                 <a:solidFill>
                   <a:srgbClr val="FFC000"/>
                 </a:solidFill>
               </a:rPr>
-              <a:t>new</a:t>
-            </a:r>
-            <a:r>
-              <a:rPr lang="pt-BR" sz="2000" dirty="0" smtClean="0">
-                <a:solidFill>
-                  <a:srgbClr val="FFC000"/>
-                </a:solidFill>
-              </a:rPr>
-              <a:t> Cliente(“3945651-1”, “Joaquim”, “Rua 35”)</a:t>
-            </a:r>
-            <a:r>
-              <a:rPr lang="pt-BR" sz="2000" dirty="0" smtClean="0"/>
               <a:t>)</a:t>
             </a:r>
             <a:r>
-              <a:rPr lang="pt-BR" sz="2000" dirty="0" smtClean="0">
-                <a:solidFill>
-                  <a:srgbClr val="FFC000"/>
-                </a:solidFill>
-              </a:rPr>
+              <a:rPr lang="pt-BR" sz="2000" dirty="0" smtClean="0"/>
               <a:t>;</a:t>
             </a:r>
           </a:p>
@@ -16396,47 +16001,43 @@
               <a:buNone/>
             </a:pPr>
             <a:r>
+              <a:rPr lang="pt-BR" sz="2000" dirty="0" err="1" smtClean="0"/>
+              <a:t>set.</a:t>
+            </a:r>
+            <a:r>
               <a:rPr lang="pt-BR" sz="2000" dirty="0" err="1" smtClean="0">
                 <a:solidFill>
                   <a:srgbClr val="FFC000"/>
                 </a:solidFill>
               </a:rPr>
-              <a:t>set.</a:t>
+              <a:t>add</a:t>
+            </a:r>
+            <a:r>
+              <a:rPr lang="pt-BR" sz="2000" dirty="0" smtClean="0">
+                <a:solidFill>
+                  <a:srgbClr val="FFC000"/>
+                </a:solidFill>
+              </a:rPr>
+              <a:t>(</a:t>
             </a:r>
             <a:r>
               <a:rPr lang="pt-BR" sz="2000" dirty="0" err="1" smtClean="0"/>
-              <a:t>add</a:t>
-            </a:r>
-            <a:r>
-              <a:rPr lang="pt-BR" sz="2000" dirty="0" smtClean="0"/>
-              <a:t>(</a:t>
-            </a:r>
-            <a:r>
-              <a:rPr lang="pt-BR" sz="2000" dirty="0" err="1" smtClean="0">
+              <a:t>new</a:t>
+            </a:r>
+            <a:r>
+              <a:rPr lang="pt-BR" sz="2000" dirty="0" smtClean="0"/>
+              <a:t> Cliente(“1874309-5”, “Maria”, “Alameda XV”)</a:t>
+            </a:r>
+            <a:r>
+              <a:rPr lang="pt-BR" sz="2000" dirty="0" smtClean="0">
                 <a:solidFill>
                   <a:srgbClr val="FFC000"/>
                 </a:solidFill>
               </a:rPr>
-              <a:t>new</a:t>
-            </a:r>
-            <a:r>
-              <a:rPr lang="pt-BR" sz="2000" dirty="0" smtClean="0">
-                <a:solidFill>
-                  <a:srgbClr val="FFC000"/>
-                </a:solidFill>
-              </a:rPr>
-              <a:t> Cliente(“1874309-5”, “Maria”, “Alameda XV”)</a:t>
-            </a:r>
-            <a:r>
-              <a:rPr lang="pt-BR" sz="2000" dirty="0" smtClean="0"/>
               <a:t>)</a:t>
             </a:r>
             <a:r>
-              <a:rPr lang="pt-BR" sz="2000" dirty="0" smtClean="0">
-                <a:solidFill>
-                  <a:srgbClr val="FFC000"/>
-                </a:solidFill>
-              </a:rPr>
+              <a:rPr lang="pt-BR" sz="2000" dirty="0" smtClean="0"/>
               <a:t>;</a:t>
             </a:r>
           </a:p>
@@ -16447,11 +16048,7 @@
               </a:spcBef>
               <a:buNone/>
             </a:pPr>
-            <a:endParaRPr lang="pt-BR" sz="2000" dirty="0" smtClean="0">
-              <a:solidFill>
-                <a:srgbClr val="FFC000"/>
-              </a:solidFill>
-            </a:endParaRPr>
+            <a:endParaRPr lang="pt-BR" sz="2000" dirty="0" smtClean="0"/>
           </a:p>
           <a:p>
             <a:pPr marL="1074738" lvl="1" indent="-625475">
@@ -16468,11 +16065,6 @@
               </a:rPr>
               <a:t>/* Exibe os elementos ordenados por nome */</a:t>
             </a:r>
-            <a:endParaRPr lang="pt-BR" sz="2000" dirty="0" smtClean="0">
-              <a:solidFill>
-                <a:schemeClr val="accent6"/>
-              </a:solidFill>
-            </a:endParaRPr>
           </a:p>
           <a:p>
             <a:pPr marL="1074738" lvl="1" indent="-625475">
@@ -16482,11 +16074,7 @@
               <a:buNone/>
             </a:pPr>
             <a:r>
-              <a:rPr lang="pt-BR" sz="2000" dirty="0" smtClean="0">
-                <a:solidFill>
-                  <a:srgbClr val="FFC000"/>
-                </a:solidFill>
-              </a:rPr>
+              <a:rPr lang="pt-BR" sz="2000" dirty="0" smtClean="0"/>
               <a:t>for (Cliente c : set) {</a:t>
             </a:r>
           </a:p>
@@ -16498,43 +16086,23 @@
               <a:buNone/>
             </a:pPr>
             <a:r>
-              <a:rPr lang="pt-BR" sz="2000" dirty="0" smtClean="0">
-                <a:solidFill>
-                  <a:srgbClr val="FFC000"/>
-                </a:solidFill>
-              </a:rPr>
+              <a:rPr lang="pt-BR" sz="2000" dirty="0" smtClean="0"/>
               <a:t>	System.</a:t>
             </a:r>
             <a:r>
-              <a:rPr lang="pt-BR" sz="2000" dirty="0" err="1" smtClean="0">
-                <a:solidFill>
-                  <a:srgbClr val="FFC000"/>
-                </a:solidFill>
-              </a:rPr>
+              <a:rPr lang="pt-BR" sz="2000" dirty="0" err="1" smtClean="0"/>
               <a:t>out.println</a:t>
             </a:r>
             <a:r>
-              <a:rPr lang="pt-BR" sz="2000" dirty="0" smtClean="0">
-                <a:solidFill>
-                  <a:srgbClr val="FFC000"/>
-                </a:solidFill>
-              </a:rPr>
+              <a:rPr lang="pt-BR" sz="2000" dirty="0" smtClean="0"/>
               <a:t>(</a:t>
             </a:r>
             <a:r>
-              <a:rPr lang="pt-BR" sz="2000" dirty="0" err="1" smtClean="0">
-                <a:solidFill>
-                  <a:srgbClr val="FFC000"/>
-                </a:solidFill>
-              </a:rPr>
+              <a:rPr lang="pt-BR" sz="2000" dirty="0" err="1" smtClean="0"/>
               <a:t>c.getNome</a:t>
             </a:r>
             <a:r>
-              <a:rPr lang="pt-BR" sz="2000" dirty="0" smtClean="0">
-                <a:solidFill>
-                  <a:srgbClr val="FFC000"/>
-                </a:solidFill>
-              </a:rPr>
+              <a:rPr lang="pt-BR" sz="2000" dirty="0" smtClean="0"/>
               <a:t>());</a:t>
             </a:r>
           </a:p>
@@ -16546,11 +16114,7 @@
               <a:buNone/>
             </a:pPr>
             <a:r>
-              <a:rPr lang="pt-BR" sz="2000" dirty="0" smtClean="0">
-                <a:solidFill>
-                  <a:srgbClr val="FFC000"/>
-                </a:solidFill>
-              </a:rPr>
+              <a:rPr lang="pt-BR" sz="2000" dirty="0" smtClean="0"/>
               <a:t>}</a:t>
             </a:r>
           </a:p>
@@ -17166,12 +16730,40 @@
               </a:tabLst>
             </a:pPr>
             <a:r>
+              <a:rPr lang="pt-BR" sz="2000" dirty="0" err="1" smtClean="0">
+                <a:solidFill>
+                  <a:srgbClr val="FFC000"/>
+                </a:solidFill>
+              </a:rPr>
+              <a:t>SortedSet</a:t>
+            </a:r>
+            <a:r>
+              <a:rPr lang="pt-BR" sz="2000" dirty="0" smtClean="0">
+                <a:solidFill>
+                  <a:srgbClr val="FFC000"/>
+                </a:solidFill>
+              </a:rPr>
+              <a:t>&lt;Cliente&gt;</a:t>
+            </a:r>
+            <a:r>
+              <a:rPr lang="pt-BR" sz="2000" dirty="0" smtClean="0"/>
+              <a:t> set = </a:t>
+            </a:r>
+            <a:r>
               <a:rPr lang="pt-BR" sz="2000" dirty="0" err="1" smtClean="0"/>
-              <a:t>SortedSet</a:t>
-            </a:r>
-            <a:r>
-              <a:rPr lang="pt-BR" sz="2000" dirty="0" smtClean="0"/>
-              <a:t>&lt;Cliente&gt;</a:t>
+              <a:t>new</a:t>
+            </a:r>
+            <a:r>
+              <a:rPr lang="pt-BR" sz="2000" dirty="0" smtClean="0"/>
+              <a:t> </a:t>
+            </a:r>
+            <a:r>
+              <a:rPr lang="pt-BR" sz="2000" dirty="0" err="1" smtClean="0"/>
+              <a:t>TreeSet</a:t>
+            </a:r>
+            <a:r>
+              <a:rPr lang="pt-BR" sz="2000" dirty="0" smtClean="0"/>
+              <a:t>&lt;</a:t>
             </a:r>
             <a:r>
               <a:rPr lang="pt-BR" sz="2000" dirty="0" smtClean="0">
@@ -17179,50 +16771,10 @@
                   <a:srgbClr val="FFC000"/>
                 </a:solidFill>
               </a:rPr>
-              <a:t> set = </a:t>
-            </a:r>
-            <a:r>
-              <a:rPr lang="pt-BR" sz="2000" dirty="0" err="1" smtClean="0">
-                <a:solidFill>
-                  <a:srgbClr val="FFC000"/>
-                </a:solidFill>
-              </a:rPr>
-              <a:t>new</a:t>
-            </a:r>
-            <a:r>
-              <a:rPr lang="pt-BR" sz="2000" dirty="0" smtClean="0">
-                <a:solidFill>
-                  <a:srgbClr val="FFC000"/>
-                </a:solidFill>
-              </a:rPr>
-              <a:t> </a:t>
-            </a:r>
-            <a:r>
-              <a:rPr lang="pt-BR" sz="2000" dirty="0" err="1" smtClean="0">
-                <a:solidFill>
-                  <a:srgbClr val="FFC000"/>
-                </a:solidFill>
-              </a:rPr>
-              <a:t>TreeSet</a:t>
-            </a:r>
-            <a:r>
-              <a:rPr lang="pt-BR" sz="2000" dirty="0" smtClean="0">
-                <a:solidFill>
-                  <a:srgbClr val="FFC000"/>
-                </a:solidFill>
-              </a:rPr>
-              <a:t>&lt;</a:t>
-            </a:r>
-            <a:r>
-              <a:rPr lang="pt-BR" sz="2000" dirty="0" smtClean="0"/>
               <a:t>Cliente</a:t>
             </a:r>
             <a:r>
-              <a:rPr lang="pt-BR" sz="2000" dirty="0" smtClean="0">
-                <a:solidFill>
-                  <a:srgbClr val="FFC000"/>
-                </a:solidFill>
-              </a:rPr>
+              <a:rPr lang="pt-BR" sz="2000" dirty="0" smtClean="0"/>
               <a:t>&gt;(</a:t>
             </a:r>
           </a:p>
@@ -17239,43 +16791,23 @@
               </a:tabLst>
             </a:pPr>
             <a:r>
-              <a:rPr lang="pt-BR" sz="2000" dirty="0" smtClean="0">
-                <a:solidFill>
-                  <a:srgbClr val="FFC000"/>
-                </a:solidFill>
-              </a:rPr>
+              <a:rPr lang="pt-BR" sz="2000" dirty="0" smtClean="0"/>
               <a:t>	</a:t>
             </a:r>
             <a:r>
-              <a:rPr lang="pt-BR" sz="2000" dirty="0" err="1" smtClean="0">
-                <a:solidFill>
-                  <a:srgbClr val="FFC000"/>
-                </a:solidFill>
-              </a:rPr>
+              <a:rPr lang="pt-BR" sz="2000" dirty="0" err="1" smtClean="0"/>
               <a:t>new</a:t>
             </a:r>
             <a:r>
-              <a:rPr lang="pt-BR" sz="2000" dirty="0" smtClean="0">
-                <a:solidFill>
-                  <a:srgbClr val="FFC000"/>
-                </a:solidFill>
-              </a:rPr>
+              <a:rPr lang="pt-BR" sz="2000" dirty="0" smtClean="0"/>
               <a:t> </a:t>
             </a:r>
             <a:r>
-              <a:rPr lang="pt-BR" sz="2000" dirty="0" err="1" smtClean="0">
-                <a:solidFill>
-                  <a:srgbClr val="FFC000"/>
-                </a:solidFill>
-              </a:rPr>
+              <a:rPr lang="pt-BR" sz="2000" dirty="0" err="1" smtClean="0"/>
               <a:t>Comparator</a:t>
             </a:r>
             <a:r>
-              <a:rPr lang="pt-BR" sz="2000" dirty="0" smtClean="0">
-                <a:solidFill>
-                  <a:srgbClr val="FFC000"/>
-                </a:solidFill>
-              </a:rPr>
+              <a:rPr lang="pt-BR" sz="2000" dirty="0" smtClean="0"/>
               <a:t>&lt;Cliente&gt;() {</a:t>
             </a:r>
           </a:p>
@@ -17292,43 +16824,23 @@
               </a:tabLst>
             </a:pPr>
             <a:r>
-              <a:rPr lang="pt-BR" sz="2000" dirty="0" smtClean="0">
-                <a:solidFill>
-                  <a:srgbClr val="FFC000"/>
-                </a:solidFill>
-              </a:rPr>
+              <a:rPr lang="pt-BR" sz="2000" dirty="0" smtClean="0"/>
               <a:t>		</a:t>
             </a:r>
             <a:r>
-              <a:rPr lang="pt-BR" sz="2000" dirty="0" err="1" smtClean="0">
-                <a:solidFill>
-                  <a:srgbClr val="FFC000"/>
-                </a:solidFill>
-              </a:rPr>
+              <a:rPr lang="pt-BR" sz="2000" dirty="0" err="1" smtClean="0"/>
               <a:t>public</a:t>
             </a:r>
             <a:r>
-              <a:rPr lang="pt-BR" sz="2000" dirty="0" smtClean="0">
-                <a:solidFill>
-                  <a:srgbClr val="FFC000"/>
-                </a:solidFill>
-              </a:rPr>
+              <a:rPr lang="pt-BR" sz="2000" dirty="0" smtClean="0"/>
               <a:t> </a:t>
             </a:r>
             <a:r>
-              <a:rPr lang="pt-BR" sz="2000" dirty="0" err="1" smtClean="0">
-                <a:solidFill>
-                  <a:srgbClr val="FFC000"/>
-                </a:solidFill>
-              </a:rPr>
+              <a:rPr lang="pt-BR" sz="2000" dirty="0" err="1" smtClean="0"/>
               <a:t>int</a:t>
             </a:r>
             <a:r>
-              <a:rPr lang="pt-BR" sz="2000" dirty="0" smtClean="0">
-                <a:solidFill>
-                  <a:srgbClr val="FFC000"/>
-                </a:solidFill>
-              </a:rPr>
+              <a:rPr lang="pt-BR" sz="2000" dirty="0" smtClean="0"/>
               <a:t> compare(Cliente c1, Cliente c2) {</a:t>
             </a:r>
           </a:p>
@@ -17345,75 +16857,39 @@
               </a:tabLst>
             </a:pPr>
             <a:r>
-              <a:rPr lang="pt-BR" sz="2000" dirty="0" smtClean="0">
-                <a:solidFill>
-                  <a:srgbClr val="FFC000"/>
-                </a:solidFill>
-              </a:rPr>
+              <a:rPr lang="pt-BR" sz="2000" dirty="0" smtClean="0"/>
               <a:t>			</a:t>
             </a:r>
             <a:r>
-              <a:rPr lang="pt-BR" sz="2000" dirty="0" err="1" smtClean="0">
-                <a:solidFill>
-                  <a:srgbClr val="FFC000"/>
-                </a:solidFill>
-              </a:rPr>
+              <a:rPr lang="pt-BR" sz="2000" dirty="0" err="1" smtClean="0"/>
               <a:t>return</a:t>
             </a:r>
             <a:r>
-              <a:rPr lang="pt-BR" sz="2000" dirty="0" smtClean="0">
-                <a:solidFill>
-                  <a:srgbClr val="FFC000"/>
-                </a:solidFill>
-              </a:rPr>
+              <a:rPr lang="pt-BR" sz="2000" dirty="0" smtClean="0"/>
               <a:t> c1.</a:t>
             </a:r>
             <a:r>
-              <a:rPr lang="pt-BR" sz="2000" dirty="0" err="1" smtClean="0">
-                <a:solidFill>
-                  <a:srgbClr val="FFC000"/>
-                </a:solidFill>
-              </a:rPr>
+              <a:rPr lang="pt-BR" sz="2000" dirty="0" err="1" smtClean="0"/>
               <a:t>getRg</a:t>
             </a:r>
             <a:r>
-              <a:rPr lang="pt-BR" sz="2000" dirty="0" smtClean="0">
-                <a:solidFill>
-                  <a:srgbClr val="FFC000"/>
-                </a:solidFill>
-              </a:rPr>
+              <a:rPr lang="pt-BR" sz="2000" dirty="0" smtClean="0"/>
               <a:t>().</a:t>
             </a:r>
             <a:r>
-              <a:rPr lang="pt-BR" sz="2000" dirty="0" err="1" smtClean="0">
-                <a:solidFill>
-                  <a:srgbClr val="FFC000"/>
-                </a:solidFill>
-              </a:rPr>
+              <a:rPr lang="pt-BR" sz="2000" dirty="0" err="1" smtClean="0"/>
               <a:t>compareTo</a:t>
             </a:r>
             <a:r>
-              <a:rPr lang="pt-BR" sz="2000" dirty="0" smtClean="0">
-                <a:solidFill>
-                  <a:srgbClr val="FFC000"/>
-                </a:solidFill>
-              </a:rPr>
+              <a:rPr lang="pt-BR" sz="2000" dirty="0" smtClean="0"/>
               <a:t>(c2.</a:t>
             </a:r>
             <a:r>
-              <a:rPr lang="pt-BR" sz="2000" dirty="0" err="1" smtClean="0">
-                <a:solidFill>
-                  <a:srgbClr val="FFC000"/>
-                </a:solidFill>
-              </a:rPr>
+              <a:rPr lang="pt-BR" sz="2000" dirty="0" err="1" smtClean="0"/>
               <a:t>getRg</a:t>
             </a:r>
             <a:r>
-              <a:rPr lang="pt-BR" sz="2000" dirty="0" smtClean="0">
-                <a:solidFill>
-                  <a:srgbClr val="FFC000"/>
-                </a:solidFill>
-              </a:rPr>
+              <a:rPr lang="pt-BR" sz="2000" dirty="0" smtClean="0"/>
               <a:t>());</a:t>
             </a:r>
           </a:p>
@@ -17430,11 +16906,7 @@
               </a:tabLst>
             </a:pPr>
             <a:r>
-              <a:rPr lang="pt-BR" sz="2000" dirty="0" smtClean="0">
-                <a:solidFill>
-                  <a:srgbClr val="FFC000"/>
-                </a:solidFill>
-              </a:rPr>
+              <a:rPr lang="pt-BR" sz="2000" dirty="0" smtClean="0"/>
               <a:t>		}</a:t>
             </a:r>
           </a:p>
@@ -17451,11 +16923,7 @@
               </a:tabLst>
             </a:pPr>
             <a:r>
-              <a:rPr lang="pt-BR" sz="2000" dirty="0" smtClean="0">
-                <a:solidFill>
-                  <a:srgbClr val="FFC000"/>
-                </a:solidFill>
-              </a:rPr>
+              <a:rPr lang="pt-BR" sz="2000" dirty="0" smtClean="0"/>
               <a:t>	});</a:t>
             </a:r>
           </a:p>
@@ -17472,47 +16940,43 @@
               </a:tabLst>
             </a:pPr>
             <a:r>
+              <a:rPr lang="pt-BR" sz="2000" dirty="0" err="1" smtClean="0"/>
+              <a:t>set.</a:t>
+            </a:r>
+            <a:r>
               <a:rPr lang="pt-BR" sz="2000" dirty="0" err="1" smtClean="0">
                 <a:solidFill>
                   <a:srgbClr val="FFC000"/>
                 </a:solidFill>
               </a:rPr>
-              <a:t>set.</a:t>
+              <a:t>add</a:t>
+            </a:r>
+            <a:r>
+              <a:rPr lang="pt-BR" sz="2000" dirty="0" smtClean="0">
+                <a:solidFill>
+                  <a:srgbClr val="FFC000"/>
+                </a:solidFill>
+              </a:rPr>
+              <a:t>(</a:t>
             </a:r>
             <a:r>
               <a:rPr lang="pt-BR" sz="2000" dirty="0" err="1" smtClean="0"/>
-              <a:t>add</a:t>
-            </a:r>
-            <a:r>
-              <a:rPr lang="pt-BR" sz="2000" dirty="0" smtClean="0"/>
-              <a:t>(</a:t>
-            </a:r>
-            <a:r>
-              <a:rPr lang="pt-BR" sz="2000" dirty="0" err="1" smtClean="0">
+              <a:t>new</a:t>
+            </a:r>
+            <a:r>
+              <a:rPr lang="pt-BR" sz="2000" dirty="0" smtClean="0"/>
+              <a:t> Cliente(“897822-9”, “Manuel”, “Rua 5”)</a:t>
+            </a:r>
+            <a:r>
+              <a:rPr lang="pt-BR" sz="2000" dirty="0" smtClean="0">
                 <a:solidFill>
                   <a:srgbClr val="FFC000"/>
                 </a:solidFill>
               </a:rPr>
-              <a:t>new</a:t>
-            </a:r>
-            <a:r>
-              <a:rPr lang="pt-BR" sz="2000" dirty="0" smtClean="0">
-                <a:solidFill>
-                  <a:srgbClr val="FFC000"/>
-                </a:solidFill>
-              </a:rPr>
-              <a:t> Cliente(“897822-9”, “Manuel”, “Rua 5”)</a:t>
-            </a:r>
-            <a:r>
-              <a:rPr lang="pt-BR" sz="2000" dirty="0" smtClean="0"/>
               <a:t>)</a:t>
             </a:r>
             <a:r>
-              <a:rPr lang="pt-BR" sz="2000" dirty="0" smtClean="0">
-                <a:solidFill>
-                  <a:srgbClr val="FFC000"/>
-                </a:solidFill>
-              </a:rPr>
+              <a:rPr lang="pt-BR" sz="2000" dirty="0" smtClean="0"/>
               <a:t>;</a:t>
             </a:r>
           </a:p>
@@ -17529,47 +16993,43 @@
               </a:tabLst>
             </a:pPr>
             <a:r>
+              <a:rPr lang="pt-BR" sz="2000" dirty="0" err="1" smtClean="0"/>
+              <a:t>set.</a:t>
+            </a:r>
+            <a:r>
               <a:rPr lang="pt-BR" sz="2000" dirty="0" err="1" smtClean="0">
                 <a:solidFill>
                   <a:srgbClr val="FFC000"/>
                 </a:solidFill>
               </a:rPr>
-              <a:t>set.</a:t>
+              <a:t>add</a:t>
+            </a:r>
+            <a:r>
+              <a:rPr lang="pt-BR" sz="2000" dirty="0" smtClean="0">
+                <a:solidFill>
+                  <a:srgbClr val="FFC000"/>
+                </a:solidFill>
+              </a:rPr>
+              <a:t>(</a:t>
             </a:r>
             <a:r>
               <a:rPr lang="pt-BR" sz="2000" dirty="0" err="1" smtClean="0"/>
-              <a:t>add</a:t>
-            </a:r>
-            <a:r>
-              <a:rPr lang="pt-BR" sz="2000" dirty="0" smtClean="0"/>
-              <a:t>(</a:t>
-            </a:r>
-            <a:r>
-              <a:rPr lang="pt-BR" sz="2000" dirty="0" err="1" smtClean="0">
+              <a:t>new</a:t>
+            </a:r>
+            <a:r>
+              <a:rPr lang="pt-BR" sz="2000" dirty="0" smtClean="0"/>
+              <a:t> Cliente(“76836-7”, “Ricardo”, “Av. Central, 23”)</a:t>
+            </a:r>
+            <a:r>
+              <a:rPr lang="pt-BR" sz="2000" dirty="0" smtClean="0">
                 <a:solidFill>
                   <a:srgbClr val="FFC000"/>
                 </a:solidFill>
               </a:rPr>
-              <a:t>new</a:t>
-            </a:r>
-            <a:r>
-              <a:rPr lang="pt-BR" sz="2000" dirty="0" smtClean="0">
-                <a:solidFill>
-                  <a:srgbClr val="FFC000"/>
-                </a:solidFill>
-              </a:rPr>
-              <a:t> Cliente(“76836-7”, “Ricardo”, “Av. Central, 23”)</a:t>
-            </a:r>
-            <a:r>
-              <a:rPr lang="pt-BR" sz="2000" dirty="0" smtClean="0"/>
               <a:t>)</a:t>
             </a:r>
             <a:r>
-              <a:rPr lang="pt-BR" sz="2000" dirty="0" smtClean="0">
-                <a:solidFill>
-                  <a:srgbClr val="FFC000"/>
-                </a:solidFill>
-              </a:rPr>
+              <a:rPr lang="pt-BR" sz="2000" dirty="0" smtClean="0"/>
               <a:t>;</a:t>
             </a:r>
           </a:p>
@@ -17586,47 +17046,43 @@
               </a:tabLst>
             </a:pPr>
             <a:r>
+              <a:rPr lang="pt-BR" sz="2000" dirty="0" err="1" smtClean="0"/>
+              <a:t>set.</a:t>
+            </a:r>
+            <a:r>
               <a:rPr lang="pt-BR" sz="2000" dirty="0" err="1" smtClean="0">
                 <a:solidFill>
                   <a:srgbClr val="FFC000"/>
                 </a:solidFill>
               </a:rPr>
-              <a:t>set.</a:t>
+              <a:t>add</a:t>
+            </a:r>
+            <a:r>
+              <a:rPr lang="pt-BR" sz="2000" dirty="0" smtClean="0">
+                <a:solidFill>
+                  <a:srgbClr val="FFC000"/>
+                </a:solidFill>
+              </a:rPr>
+              <a:t>(</a:t>
             </a:r>
             <a:r>
               <a:rPr lang="pt-BR" sz="2000" dirty="0" err="1" smtClean="0"/>
-              <a:t>add</a:t>
-            </a:r>
-            <a:r>
-              <a:rPr lang="pt-BR" sz="2000" dirty="0" smtClean="0"/>
-              <a:t>(</a:t>
-            </a:r>
-            <a:r>
-              <a:rPr lang="pt-BR" sz="2000" dirty="0" err="1" smtClean="0">
+              <a:t>new</a:t>
+            </a:r>
+            <a:r>
+              <a:rPr lang="pt-BR" sz="2000" dirty="0" smtClean="0"/>
+              <a:t> Cliente(“3945651-1”, “Joaquim”, “Rua 35”)</a:t>
+            </a:r>
+            <a:r>
+              <a:rPr lang="pt-BR" sz="2000" dirty="0" smtClean="0">
                 <a:solidFill>
                   <a:srgbClr val="FFC000"/>
                 </a:solidFill>
               </a:rPr>
-              <a:t>new</a:t>
-            </a:r>
-            <a:r>
-              <a:rPr lang="pt-BR" sz="2000" dirty="0" smtClean="0">
-                <a:solidFill>
-                  <a:srgbClr val="FFC000"/>
-                </a:solidFill>
-              </a:rPr>
-              <a:t> Cliente(“3945651-1”, “Joaquim”, “Rua 35”)</a:t>
-            </a:r>
-            <a:r>
-              <a:rPr lang="pt-BR" sz="2000" dirty="0" smtClean="0"/>
               <a:t>)</a:t>
             </a:r>
             <a:r>
-              <a:rPr lang="pt-BR" sz="2000" dirty="0" smtClean="0">
-                <a:solidFill>
-                  <a:srgbClr val="FFC000"/>
-                </a:solidFill>
-              </a:rPr>
+              <a:rPr lang="pt-BR" sz="2000" dirty="0" smtClean="0"/>
               <a:t>;</a:t>
             </a:r>
           </a:p>
@@ -17643,47 +17099,43 @@
               </a:tabLst>
             </a:pPr>
             <a:r>
+              <a:rPr lang="pt-BR" sz="2000" dirty="0" err="1" smtClean="0"/>
+              <a:t>set.</a:t>
+            </a:r>
+            <a:r>
               <a:rPr lang="pt-BR" sz="2000" dirty="0" err="1" smtClean="0">
                 <a:solidFill>
                   <a:srgbClr val="FFC000"/>
                 </a:solidFill>
               </a:rPr>
-              <a:t>set.</a:t>
+              <a:t>add</a:t>
+            </a:r>
+            <a:r>
+              <a:rPr lang="pt-BR" sz="2000" dirty="0" smtClean="0">
+                <a:solidFill>
+                  <a:srgbClr val="FFC000"/>
+                </a:solidFill>
+              </a:rPr>
+              <a:t>(</a:t>
             </a:r>
             <a:r>
               <a:rPr lang="pt-BR" sz="2000" dirty="0" err="1" smtClean="0"/>
-              <a:t>add</a:t>
-            </a:r>
-            <a:r>
-              <a:rPr lang="pt-BR" sz="2000" dirty="0" smtClean="0"/>
-              <a:t>(</a:t>
-            </a:r>
-            <a:r>
-              <a:rPr lang="pt-BR" sz="2000" dirty="0" err="1" smtClean="0">
+              <a:t>new</a:t>
+            </a:r>
+            <a:r>
+              <a:rPr lang="pt-BR" sz="2000" dirty="0" smtClean="0"/>
+              <a:t> Cliente(“1874309-5”, “Maria”, “Alameda XV”)</a:t>
+            </a:r>
+            <a:r>
+              <a:rPr lang="pt-BR" sz="2000" dirty="0" smtClean="0">
                 <a:solidFill>
                   <a:srgbClr val="FFC000"/>
                 </a:solidFill>
               </a:rPr>
-              <a:t>new</a:t>
-            </a:r>
-            <a:r>
-              <a:rPr lang="pt-BR" sz="2000" dirty="0" smtClean="0">
-                <a:solidFill>
-                  <a:srgbClr val="FFC000"/>
-                </a:solidFill>
-              </a:rPr>
-              <a:t> Cliente(“1874309-5”, “Maria”, “Alameda XV”)</a:t>
-            </a:r>
-            <a:r>
-              <a:rPr lang="pt-BR" sz="2000" dirty="0" smtClean="0"/>
               <a:t>)</a:t>
             </a:r>
             <a:r>
-              <a:rPr lang="pt-BR" sz="2000" dirty="0" smtClean="0">
-                <a:solidFill>
-                  <a:srgbClr val="FFC000"/>
-                </a:solidFill>
-              </a:rPr>
+              <a:rPr lang="pt-BR" sz="2000" dirty="0" smtClean="0"/>
               <a:t>;</a:t>
             </a:r>
           </a:p>
@@ -17699,11 +17151,7 @@
                 <a:tab pos="1800225" algn="l"/>
               </a:tabLst>
             </a:pPr>
-            <a:endParaRPr lang="pt-BR" sz="2000" dirty="0" smtClean="0">
-              <a:solidFill>
-                <a:srgbClr val="FFC000"/>
-              </a:solidFill>
-            </a:endParaRPr>
+            <a:endParaRPr lang="pt-BR" sz="2000" dirty="0" smtClean="0"/>
           </a:p>
           <a:p>
             <a:pPr marL="449263" lvl="1" indent="0" defTabSz="900113">
@@ -17723,23 +17171,7 @@
                   <a:schemeClr val="accent6"/>
                 </a:solidFill>
               </a:rPr>
-              <a:t>/* Exibe os elementos ordenados </a:t>
-            </a:r>
-            <a:r>
-              <a:rPr lang="pt-BR" sz="2000" dirty="0" smtClean="0">
-                <a:solidFill>
-                  <a:schemeClr val="accent6"/>
-                </a:solidFill>
-              </a:rPr>
-              <a:t>pelo RG </a:t>
-            </a:r>
-            <a:r>
-              <a:rPr lang="pt-BR" sz="2000" dirty="0" smtClean="0">
-                <a:solidFill>
-                  <a:schemeClr val="accent6"/>
-                </a:solidFill>
-              </a:rPr>
-              <a:t>*/</a:t>
+              <a:t>/* Exibe os elementos ordenados pelo RG */</a:t>
             </a:r>
           </a:p>
           <a:p>
@@ -17755,20 +17187,8 @@
               </a:tabLst>
             </a:pPr>
             <a:r>
-              <a:rPr lang="pt-BR" sz="2000" dirty="0" smtClean="0">
-                <a:solidFill>
-                  <a:srgbClr val="FFC000"/>
-                </a:solidFill>
-              </a:rPr>
-              <a:t>for </a:t>
-            </a:r>
-            <a:r>
-              <a:rPr lang="pt-BR" sz="2000" dirty="0" smtClean="0">
-                <a:solidFill>
-                  <a:srgbClr val="FFC000"/>
-                </a:solidFill>
-              </a:rPr>
-              <a:t>(Cliente c : set) {</a:t>
+              <a:rPr lang="pt-BR" sz="2000" dirty="0" smtClean="0"/>
+              <a:t>for (Cliente c : set) {</a:t>
             </a:r>
           </a:p>
           <a:p>
@@ -17784,43 +17204,23 @@
               </a:tabLst>
             </a:pPr>
             <a:r>
-              <a:rPr lang="pt-BR" sz="2000" dirty="0" smtClean="0">
-                <a:solidFill>
-                  <a:srgbClr val="FFC000"/>
-                </a:solidFill>
-              </a:rPr>
+              <a:rPr lang="pt-BR" sz="2000" dirty="0" smtClean="0"/>
               <a:t>	System.</a:t>
             </a:r>
             <a:r>
-              <a:rPr lang="pt-BR" sz="2000" dirty="0" err="1" smtClean="0">
-                <a:solidFill>
-                  <a:srgbClr val="FFC000"/>
-                </a:solidFill>
-              </a:rPr>
+              <a:rPr lang="pt-BR" sz="2000" dirty="0" err="1" smtClean="0"/>
               <a:t>out.println</a:t>
             </a:r>
             <a:r>
-              <a:rPr lang="pt-BR" sz="2000" dirty="0" smtClean="0">
-                <a:solidFill>
-                  <a:srgbClr val="FFC000"/>
-                </a:solidFill>
-              </a:rPr>
+              <a:rPr lang="pt-BR" sz="2000" dirty="0" smtClean="0"/>
               <a:t>(</a:t>
             </a:r>
             <a:r>
-              <a:rPr lang="pt-BR" sz="2000" dirty="0" err="1" smtClean="0">
-                <a:solidFill>
-                  <a:srgbClr val="FFC000"/>
-                </a:solidFill>
-              </a:rPr>
+              <a:rPr lang="pt-BR" sz="2000" dirty="0" err="1" smtClean="0"/>
               <a:t>c.getNome</a:t>
             </a:r>
             <a:r>
-              <a:rPr lang="pt-BR" sz="2000" dirty="0" smtClean="0">
-                <a:solidFill>
-                  <a:srgbClr val="FFC000"/>
-                </a:solidFill>
-              </a:rPr>
+              <a:rPr lang="pt-BR" sz="2000" dirty="0" smtClean="0"/>
               <a:t>());</a:t>
             </a:r>
           </a:p>
@@ -17837,11 +17237,7 @@
               </a:tabLst>
             </a:pPr>
             <a:r>
-              <a:rPr lang="pt-BR" sz="2000" dirty="0" smtClean="0">
-                <a:solidFill>
-                  <a:srgbClr val="FFC000"/>
-                </a:solidFill>
-              </a:rPr>
+              <a:rPr lang="pt-BR" sz="2000" dirty="0" smtClean="0"/>
               <a:t>}</a:t>
             </a:r>
           </a:p>
@@ -17935,11 +17331,7 @@
             </a:r>
             <a:r>
               <a:rPr lang="pt-BR" dirty="0" smtClean="0"/>
-              <a:t> </a:t>
-            </a:r>
-            <a:r>
-              <a:rPr lang="pt-BR" dirty="0" smtClean="0"/>
-              <a:t>– Principais métodos</a:t>
+              <a:t> – Principais métodos</a:t>
             </a:r>
           </a:p>
         </p:txBody>
@@ -17977,7 +17369,6 @@
               <a:rPr lang="pt-BR" sz="2000" dirty="0" smtClean="0"/>
               <a:t>()</a:t>
             </a:r>
-            <a:endParaRPr lang="pt-BR" sz="2000" dirty="0" smtClean="0"/>
           </a:p>
           <a:p>
             <a:pPr lvl="1">
@@ -17989,7 +17380,6 @@
               <a:rPr lang="pt-BR" sz="1800" dirty="0" smtClean="0"/>
               <a:t>Retorna o menor elemento do conjunto</a:t>
             </a:r>
-            <a:endParaRPr lang="pt-BR" sz="1800" dirty="0" smtClean="0"/>
           </a:p>
           <a:p>
             <a:pPr>
@@ -18005,7 +17395,6 @@
               <a:rPr lang="pt-BR" sz="2000" dirty="0" smtClean="0"/>
               <a:t>()</a:t>
             </a:r>
-            <a:endParaRPr lang="pt-BR" sz="2000" dirty="0" smtClean="0"/>
           </a:p>
           <a:p>
             <a:pPr lvl="1">
@@ -18017,7 +17406,6 @@
               <a:rPr lang="pt-BR" sz="1800" dirty="0" smtClean="0"/>
               <a:t>Retorna o maior elemento do conjunto</a:t>
             </a:r>
-            <a:endParaRPr lang="pt-BR" sz="1800" dirty="0" smtClean="0"/>
           </a:p>
           <a:p>
             <a:pPr>
@@ -18033,7 +17421,6 @@
               <a:rPr lang="pt-BR" sz="2000" dirty="0" smtClean="0"/>
               <a:t>(T)</a:t>
             </a:r>
-            <a:endParaRPr lang="pt-BR" sz="2000" dirty="0" smtClean="0"/>
           </a:p>
           <a:p>
             <a:pPr lvl="1">
@@ -18053,7 +17440,6 @@
               <a:rPr lang="pt-BR" sz="1800" dirty="0" smtClean="0"/>
               <a:t> que T</a:t>
             </a:r>
-            <a:endParaRPr lang="pt-BR" sz="1800" dirty="0" smtClean="0"/>
           </a:p>
           <a:p>
             <a:pPr>
@@ -18069,7 +17455,6 @@
               <a:rPr lang="pt-BR" sz="2000" dirty="0" smtClean="0"/>
               <a:t>(T)</a:t>
             </a:r>
-            <a:endParaRPr lang="pt-BR" sz="2000" dirty="0" smtClean="0"/>
           </a:p>
           <a:p>
             <a:pPr lvl="1">
@@ -18089,7 +17474,6 @@
               <a:rPr lang="pt-BR" sz="1800" dirty="0" smtClean="0"/>
               <a:t> que T</a:t>
             </a:r>
-            <a:endParaRPr lang="pt-BR" sz="1800" dirty="0" smtClean="0"/>
           </a:p>
           <a:p>
             <a:pPr>
@@ -18101,7 +17485,6 @@
               <a:rPr lang="pt-BR" sz="2000" dirty="0" smtClean="0"/>
               <a:t>subSet(T, T)</a:t>
             </a:r>
-            <a:endParaRPr lang="pt-BR" sz="2000" dirty="0" smtClean="0"/>
           </a:p>
           <a:p>
             <a:pPr lvl="1">
@@ -18121,7 +17504,6 @@
               <a:rPr lang="pt-BR" sz="1800" dirty="0" smtClean="0"/>
               <a:t> especificados</a:t>
             </a:r>
-            <a:endParaRPr lang="pt-BR" sz="1800" dirty="0" smtClean="0"/>
           </a:p>
         </p:txBody>
       </p:sp>
@@ -18223,11 +17605,7 @@
             </a:r>
             <a:r>
               <a:rPr lang="pt-BR" sz="4200" spc="-150" dirty="0" smtClean="0"/>
-              <a:t> </a:t>
-            </a:r>
-            <a:r>
-              <a:rPr lang="pt-BR" sz="4200" spc="-150" dirty="0" smtClean="0"/>
-              <a:t>– Principal implementação</a:t>
+              <a:t> – Principal implementação</a:t>
             </a:r>
           </a:p>
         </p:txBody>
@@ -18269,7 +17647,7 @@
           <a:p>
             <a:pPr lvl="1">
               <a:spcBef>
-                <a:spcPts val="600"/>
+                <a:spcPts val="1800"/>
               </a:spcBef>
             </a:pPr>
             <a:r>
@@ -18288,7 +17666,7 @@
           <a:p>
             <a:pPr lvl="1">
               <a:spcBef>
-                <a:spcPts val="600"/>
+                <a:spcPts val="1800"/>
               </a:spcBef>
             </a:pPr>
             <a:r>
@@ -18311,7 +17689,6 @@
               <a:rPr lang="pt-BR" sz="2400" dirty="0" smtClean="0"/>
               <a:t> para definir uma ordenação diferente da ordenação natural.</a:t>
             </a:r>
-            <a:endParaRPr lang="pt-BR" sz="2400" dirty="0" smtClean="0"/>
           </a:p>
         </p:txBody>
       </p:sp>
@@ -18717,14 +18094,27 @@
             <p:ph idx="1"/>
           </p:nvPr>
         </p:nvSpPr>
-        <p:spPr/>
+        <p:spPr>
+          <a:xfrm>
+            <a:off x="457200" y="1600200"/>
+            <a:ext cx="7859216" cy="4525963"/>
+          </a:xfrm>
+        </p:spPr>
         <p:txBody>
           <a:bodyPr/>
           <a:lstStyle/>
           <a:p>
             <a:r>
               <a:rPr lang="pt-BR" dirty="0" smtClean="0"/>
-              <a:t>Conjunto de dados semelhante a uma lista (</a:t>
+              <a:t>Conjunto de dados </a:t>
+            </a:r>
+            <a:r>
+              <a:rPr lang="pt-BR" dirty="0" smtClean="0"/>
+              <a:t>indexados semelhante </a:t>
+            </a:r>
+            <a:r>
+              <a:rPr lang="pt-BR" dirty="0" smtClean="0"/>
+              <a:t>a uma lista (</a:t>
             </a:r>
             <a:r>
               <a:rPr lang="pt-BR" dirty="0" err="1" smtClean="0"/>
@@ -18777,7 +18167,11 @@
             </a:pPr>
             <a:r>
               <a:rPr lang="pt-BR" dirty="0" smtClean="0"/>
-              <a:t>Possui índices (chaves), mas estes podem ser Strings ou quaisquer outros objetos.</a:t>
+              <a:t>Também possui </a:t>
+            </a:r>
+            <a:r>
+              <a:rPr lang="pt-BR" dirty="0" smtClean="0"/>
+              <a:t>índices (chaves), mas estes podem ser Strings ou quaisquer outros objetos.</a:t>
             </a:r>
           </a:p>
         </p:txBody>
@@ -21318,7 +20712,6 @@
               <a:rPr lang="pt-BR" sz="2000" dirty="0" smtClean="0"/>
               <a:t>()</a:t>
             </a:r>
-            <a:endParaRPr lang="pt-BR" sz="2000" dirty="0" smtClean="0"/>
           </a:p>
           <a:p>
             <a:pPr lvl="1">
@@ -21346,7 +20739,6 @@
               <a:rPr lang="pt-BR" sz="1800" dirty="0" smtClean="0"/>
               <a:t>.</a:t>
             </a:r>
-            <a:endParaRPr lang="pt-BR" sz="1800" dirty="0" smtClean="0"/>
           </a:p>
         </p:txBody>
       </p:sp>
@@ -21506,75 +20898,79 @@
               <a:buNone/>
             </a:pPr>
             <a:r>
+              <a:rPr lang="pt-BR" sz="2000" dirty="0" err="1" smtClean="0">
+                <a:solidFill>
+                  <a:srgbClr val="FFC000"/>
+                </a:solidFill>
+              </a:rPr>
+              <a:t>Map</a:t>
+            </a:r>
+            <a:r>
+              <a:rPr lang="pt-BR" sz="2000" dirty="0" smtClean="0">
+                <a:solidFill>
+                  <a:srgbClr val="FFC000"/>
+                </a:solidFill>
+              </a:rPr>
+              <a:t>&lt;String, </a:t>
+            </a:r>
+            <a:r>
+              <a:rPr lang="pt-BR" sz="2000" dirty="0" err="1" smtClean="0">
+                <a:solidFill>
+                  <a:srgbClr val="FFC000"/>
+                </a:solidFill>
+              </a:rPr>
+              <a:t>Object</a:t>
+            </a:r>
+            <a:r>
+              <a:rPr lang="pt-BR" sz="2000" dirty="0" smtClean="0">
+                <a:solidFill>
+                  <a:srgbClr val="FFC000"/>
+                </a:solidFill>
+              </a:rPr>
+              <a:t>&gt; mapa</a:t>
+            </a:r>
+            <a:r>
+              <a:rPr lang="pt-BR" sz="2000" dirty="0" smtClean="0"/>
+              <a:t> = </a:t>
+            </a:r>
+            <a:r>
               <a:rPr lang="pt-BR" sz="2000" dirty="0" err="1" smtClean="0"/>
-              <a:t>Map</a:t>
-            </a:r>
-            <a:r>
-              <a:rPr lang="pt-BR" sz="2000" dirty="0" smtClean="0"/>
-              <a:t>&lt;String, </a:t>
+              <a:t>new</a:t>
+            </a:r>
+            <a:r>
+              <a:rPr lang="pt-BR" sz="2000" dirty="0" smtClean="0"/>
+              <a:t> </a:t>
             </a:r>
             <a:r>
               <a:rPr lang="pt-BR" sz="2000" dirty="0" err="1" smtClean="0"/>
+              <a:t>HashMap</a:t>
+            </a:r>
+            <a:r>
+              <a:rPr lang="pt-BR" sz="2000" dirty="0" smtClean="0"/>
+              <a:t>&lt;</a:t>
+            </a:r>
+            <a:r>
+              <a:rPr lang="pt-BR" sz="2000" dirty="0" smtClean="0">
+                <a:solidFill>
+                  <a:srgbClr val="FFC000"/>
+                </a:solidFill>
+              </a:rPr>
+              <a:t>String</a:t>
+            </a:r>
+            <a:r>
+              <a:rPr lang="pt-BR" sz="2000" dirty="0" smtClean="0"/>
+              <a:t>, </a:t>
+            </a:r>
+            <a:r>
+              <a:rPr lang="pt-BR" sz="2000" dirty="0" err="1" smtClean="0">
+                <a:solidFill>
+                  <a:srgbClr val="FFC000"/>
+                </a:solidFill>
+              </a:rPr>
               <a:t>Object</a:t>
             </a:r>
             <a:r>
               <a:rPr lang="pt-BR" sz="2000" dirty="0" smtClean="0"/>
-              <a:t>&gt; mapa</a:t>
-            </a:r>
-            <a:r>
-              <a:rPr lang="pt-BR" sz="2000" dirty="0" smtClean="0">
-                <a:solidFill>
-                  <a:srgbClr val="FFC000"/>
-                </a:solidFill>
-              </a:rPr>
-              <a:t> = </a:t>
-            </a:r>
-            <a:r>
-              <a:rPr lang="pt-BR" sz="2000" dirty="0" err="1" smtClean="0">
-                <a:solidFill>
-                  <a:srgbClr val="FFC000"/>
-                </a:solidFill>
-              </a:rPr>
-              <a:t>new</a:t>
-            </a:r>
-            <a:r>
-              <a:rPr lang="pt-BR" sz="2000" dirty="0" smtClean="0">
-                <a:solidFill>
-                  <a:srgbClr val="FFC000"/>
-                </a:solidFill>
-              </a:rPr>
-              <a:t> </a:t>
-            </a:r>
-            <a:r>
-              <a:rPr lang="pt-BR" sz="2000" dirty="0" err="1" smtClean="0">
-                <a:solidFill>
-                  <a:srgbClr val="FFC000"/>
-                </a:solidFill>
-              </a:rPr>
-              <a:t>HashMap</a:t>
-            </a:r>
-            <a:r>
-              <a:rPr lang="pt-BR" sz="2000" dirty="0" smtClean="0">
-                <a:solidFill>
-                  <a:srgbClr val="FFC000"/>
-                </a:solidFill>
-              </a:rPr>
-              <a:t>&lt;</a:t>
-            </a:r>
-            <a:r>
-              <a:rPr lang="pt-BR" sz="2000" dirty="0" smtClean="0"/>
-              <a:t>String, </a:t>
-            </a:r>
-            <a:r>
-              <a:rPr lang="pt-BR" sz="2000" dirty="0" err="1" smtClean="0"/>
-              <a:t>Object</a:t>
-            </a:r>
-            <a:r>
-              <a:rPr lang="pt-BR" sz="2000" dirty="0" smtClean="0">
-                <a:solidFill>
-                  <a:srgbClr val="FFC000"/>
-                </a:solidFill>
-              </a:rPr>
               <a:t>&gt;();</a:t>
             </a:r>
           </a:p>
@@ -21585,11 +20981,7 @@
               </a:spcBef>
               <a:buNone/>
             </a:pPr>
-            <a:endParaRPr lang="pt-BR" sz="2000" dirty="0" smtClean="0">
-              <a:solidFill>
-                <a:srgbClr val="FFC000"/>
-              </a:solidFill>
-            </a:endParaRPr>
+            <a:endParaRPr lang="pt-BR" sz="2000" dirty="0" smtClean="0"/>
           </a:p>
           <a:p>
             <a:pPr marL="449263" indent="0">
@@ -21599,35 +20991,43 @@
               <a:buNone/>
             </a:pPr>
             <a:r>
-              <a:rPr lang="pt-BR" sz="2000" dirty="0" smtClean="0"/>
+              <a:rPr lang="pt-BR" sz="2000" dirty="0" smtClean="0">
+                <a:solidFill>
+                  <a:srgbClr val="FFC000"/>
+                </a:solidFill>
+              </a:rPr>
               <a:t>mapa.</a:t>
             </a:r>
             <a:r>
-              <a:rPr lang="pt-BR" sz="2000" dirty="0" err="1" smtClean="0"/>
+              <a:rPr lang="pt-BR" sz="2000" dirty="0" err="1" smtClean="0">
+                <a:solidFill>
+                  <a:srgbClr val="FFC000"/>
+                </a:solidFill>
+              </a:rPr>
               <a:t>put</a:t>
             </a:r>
             <a:r>
-              <a:rPr lang="pt-BR" sz="2000" dirty="0" smtClean="0"/>
+              <a:rPr lang="pt-BR" sz="2000" dirty="0" smtClean="0">
+                <a:solidFill>
+                  <a:srgbClr val="FFC000"/>
+                </a:solidFill>
+              </a:rPr>
               <a:t>(</a:t>
             </a:r>
             <a:r>
+              <a:rPr lang="pt-BR" sz="2000" dirty="0" smtClean="0"/>
+              <a:t>“nome”, “Manuel”</a:t>
+            </a:r>
+            <a:r>
               <a:rPr lang="pt-BR" sz="2000" dirty="0" smtClean="0">
                 <a:solidFill>
                   <a:srgbClr val="FFC000"/>
                 </a:solidFill>
               </a:rPr>
-              <a:t>“nome”, “Manuel”</a:t>
-            </a:r>
-            <a:r>
-              <a:rPr lang="pt-BR" sz="2000" dirty="0" smtClean="0"/>
               <a:t>)</a:t>
             </a:r>
             <a:r>
-              <a:rPr lang="pt-BR" sz="2000" dirty="0" smtClean="0">
-                <a:solidFill>
-                  <a:srgbClr val="FFC000"/>
-                </a:solidFill>
-              </a:rPr>
+              <a:rPr lang="pt-BR" sz="2000" dirty="0" smtClean="0"/>
               <a:t>;</a:t>
             </a:r>
           </a:p>
@@ -21639,35 +21039,43 @@
               <a:buNone/>
             </a:pPr>
             <a:r>
-              <a:rPr lang="pt-BR" sz="2000" dirty="0" smtClean="0"/>
+              <a:rPr lang="pt-BR" sz="2000" dirty="0" smtClean="0">
+                <a:solidFill>
+                  <a:srgbClr val="FFC000"/>
+                </a:solidFill>
+              </a:rPr>
               <a:t>mapa.</a:t>
             </a:r>
             <a:r>
-              <a:rPr lang="pt-BR" sz="2000" dirty="0" err="1" smtClean="0"/>
+              <a:rPr lang="pt-BR" sz="2000" dirty="0" err="1" smtClean="0">
+                <a:solidFill>
+                  <a:srgbClr val="FFC000"/>
+                </a:solidFill>
+              </a:rPr>
               <a:t>put</a:t>
             </a:r>
             <a:r>
-              <a:rPr lang="pt-BR" sz="2000" dirty="0" smtClean="0"/>
+              <a:rPr lang="pt-BR" sz="2000" dirty="0" smtClean="0">
+                <a:solidFill>
+                  <a:srgbClr val="FFC000"/>
+                </a:solidFill>
+              </a:rPr>
               <a:t>(</a:t>
             </a:r>
             <a:r>
+              <a:rPr lang="pt-BR" sz="2000" dirty="0" smtClean="0"/>
+              <a:t>“idade”, 27</a:t>
+            </a:r>
+            <a:r>
               <a:rPr lang="pt-BR" sz="2000" dirty="0" smtClean="0">
                 <a:solidFill>
                   <a:srgbClr val="FFC000"/>
                 </a:solidFill>
               </a:rPr>
-              <a:t>“idade”, 27</a:t>
-            </a:r>
-            <a:r>
-              <a:rPr lang="pt-BR" sz="2000" dirty="0" smtClean="0"/>
               <a:t>)</a:t>
             </a:r>
             <a:r>
-              <a:rPr lang="pt-BR" sz="2000" dirty="0" smtClean="0">
-                <a:solidFill>
-                  <a:srgbClr val="FFC000"/>
-                </a:solidFill>
-              </a:rPr>
+              <a:rPr lang="pt-BR" sz="2000" dirty="0" smtClean="0"/>
               <a:t>;</a:t>
             </a:r>
           </a:p>
@@ -21679,16 +21087,40 @@
               <a:buNone/>
             </a:pPr>
             <a:r>
-              <a:rPr lang="pt-BR" sz="2000" dirty="0" smtClean="0"/>
+              <a:rPr lang="pt-BR" sz="2000" dirty="0" smtClean="0">
+                <a:solidFill>
+                  <a:srgbClr val="FFC000"/>
+                </a:solidFill>
+              </a:rPr>
               <a:t>mapa.</a:t>
             </a:r>
             <a:r>
+              <a:rPr lang="pt-BR" sz="2000" dirty="0" err="1" smtClean="0">
+                <a:solidFill>
+                  <a:srgbClr val="FFC000"/>
+                </a:solidFill>
+              </a:rPr>
+              <a:t>put</a:t>
+            </a:r>
+            <a:r>
+              <a:rPr lang="pt-BR" sz="2000" dirty="0" smtClean="0">
+                <a:solidFill>
+                  <a:srgbClr val="FFC000"/>
+                </a:solidFill>
+              </a:rPr>
+              <a:t>(</a:t>
+            </a:r>
+            <a:r>
+              <a:rPr lang="pt-BR" sz="2000" dirty="0" smtClean="0"/>
+              <a:t>“</a:t>
+            </a:r>
+            <a:r>
               <a:rPr lang="pt-BR" sz="2000" dirty="0" err="1" smtClean="0"/>
-              <a:t>put</a:t>
-            </a:r>
-            <a:r>
-              <a:rPr lang="pt-BR" sz="2000" dirty="0" smtClean="0"/>
-              <a:t>(</a:t>
+              <a:t>salario</a:t>
+            </a:r>
+            <a:r>
+              <a:rPr lang="pt-BR" sz="2000" dirty="0" smtClean="0"/>
+              <a:t>”, 1215.5</a:t>
             </a:r>
             <a:r>
               <a:rPr lang="pt-BR" sz="2000" dirty="0" smtClean="0">
@@ -21696,34 +21128,10 @@
                   <a:srgbClr val="FFC000"/>
                 </a:solidFill>
               </a:rPr>
-              <a:t>“</a:t>
-            </a:r>
-            <a:r>
-              <a:rPr lang="pt-BR" sz="2000" dirty="0" err="1" smtClean="0">
-                <a:solidFill>
-                  <a:srgbClr val="FFC000"/>
-                </a:solidFill>
-              </a:rPr>
-              <a:t>salario</a:t>
-            </a:r>
-            <a:r>
-              <a:rPr lang="pt-BR" sz="2000" dirty="0" smtClean="0">
-                <a:solidFill>
-                  <a:srgbClr val="FFC000"/>
-                </a:solidFill>
-              </a:rPr>
-              <a:t>”, 1215.5</a:t>
-            </a:r>
-            <a:r>
-              <a:rPr lang="pt-BR" sz="2000" dirty="0" smtClean="0"/>
               <a:t>)</a:t>
             </a:r>
             <a:r>
-              <a:rPr lang="pt-BR" sz="2000" dirty="0" smtClean="0">
-                <a:solidFill>
-                  <a:srgbClr val="FFC000"/>
-                </a:solidFill>
-              </a:rPr>
+              <a:rPr lang="pt-BR" sz="2000" dirty="0" smtClean="0"/>
               <a:t>;</a:t>
             </a:r>
           </a:p>
@@ -21735,16 +21143,48 @@
               <a:buNone/>
             </a:pPr>
             <a:r>
-              <a:rPr lang="pt-BR" sz="2000" dirty="0" smtClean="0"/>
+              <a:rPr lang="pt-BR" sz="2000" dirty="0" smtClean="0">
+                <a:solidFill>
+                  <a:srgbClr val="FFC000"/>
+                </a:solidFill>
+              </a:rPr>
               <a:t>mapa.</a:t>
             </a:r>
             <a:r>
+              <a:rPr lang="pt-BR" sz="2000" dirty="0" err="1" smtClean="0">
+                <a:solidFill>
+                  <a:srgbClr val="FFC000"/>
+                </a:solidFill>
+              </a:rPr>
+              <a:t>put</a:t>
+            </a:r>
+            <a:r>
+              <a:rPr lang="pt-BR" sz="2000" dirty="0" smtClean="0">
+                <a:solidFill>
+                  <a:srgbClr val="FFC000"/>
+                </a:solidFill>
+              </a:rPr>
+              <a:t>(</a:t>
+            </a:r>
+            <a:r>
+              <a:rPr lang="pt-BR" sz="2000" dirty="0" smtClean="0"/>
+              <a:t>“nascimento”, </a:t>
+            </a:r>
+            <a:r>
               <a:rPr lang="pt-BR" sz="2000" dirty="0" err="1" smtClean="0"/>
-              <a:t>put</a:t>
-            </a:r>
-            <a:r>
-              <a:rPr lang="pt-BR" sz="2000" dirty="0" smtClean="0"/>
-              <a:t>(</a:t>
+              <a:t>new</a:t>
+            </a:r>
+            <a:r>
+              <a:rPr lang="pt-BR" sz="2000" dirty="0" smtClean="0"/>
+              <a:t> </a:t>
+            </a:r>
+            <a:r>
+              <a:rPr lang="pt-BR" sz="2000" dirty="0" err="1" smtClean="0"/>
+              <a:t>GregorianCalendar</a:t>
+            </a:r>
+            <a:r>
+              <a:rPr lang="pt-BR" sz="2000" dirty="0" smtClean="0"/>
+              <a:t>(1985, 0, 15)</a:t>
             </a:r>
             <a:r>
               <a:rPr lang="pt-BR" sz="2000" dirty="0" smtClean="0">
@@ -21752,50 +21192,10 @@
                   <a:srgbClr val="FFC000"/>
                 </a:solidFill>
               </a:rPr>
-              <a:t>“nascimento”, </a:t>
-            </a:r>
-            <a:r>
-              <a:rPr lang="pt-BR" sz="2000" dirty="0" err="1" smtClean="0">
-                <a:solidFill>
-                  <a:srgbClr val="FFC000"/>
-                </a:solidFill>
-              </a:rPr>
-              <a:t>new</a:t>
-            </a:r>
-            <a:r>
-              <a:rPr lang="pt-BR" sz="2000" dirty="0" smtClean="0">
-                <a:solidFill>
-                  <a:srgbClr val="FFC000"/>
-                </a:solidFill>
-              </a:rPr>
-              <a:t> </a:t>
-            </a:r>
-            <a:r>
-              <a:rPr lang="pt-BR" sz="2000" dirty="0" err="1" smtClean="0">
-                <a:solidFill>
-                  <a:srgbClr val="FFC000"/>
-                </a:solidFill>
-              </a:rPr>
-              <a:t>GregorianCalendar</a:t>
-            </a:r>
-            <a:r>
-              <a:rPr lang="pt-BR" sz="2000" dirty="0" smtClean="0">
-                <a:solidFill>
-                  <a:srgbClr val="FFC000"/>
-                </a:solidFill>
-              </a:rPr>
-              <a:t>(1985, 0, 15)</a:t>
-            </a:r>
-            <a:r>
-              <a:rPr lang="pt-BR" sz="2000" dirty="0" smtClean="0"/>
               <a:t>)</a:t>
             </a:r>
             <a:r>
-              <a:rPr lang="pt-BR" sz="2000" dirty="0" smtClean="0">
-                <a:solidFill>
-                  <a:srgbClr val="FFC000"/>
-                </a:solidFill>
-              </a:rPr>
+              <a:rPr lang="pt-BR" sz="2000" dirty="0" smtClean="0"/>
               <a:t>;</a:t>
             </a:r>
           </a:p>
@@ -21807,16 +21207,36 @@
               <a:buNone/>
             </a:pPr>
             <a:r>
-              <a:rPr lang="pt-BR" sz="2000" dirty="0" smtClean="0"/>
+              <a:rPr lang="pt-BR" sz="2000" dirty="0" smtClean="0">
+                <a:solidFill>
+                  <a:srgbClr val="FFC000"/>
+                </a:solidFill>
+              </a:rPr>
               <a:t>mapa.</a:t>
             </a:r>
             <a:r>
+              <a:rPr lang="pt-BR" sz="2000" dirty="0" err="1" smtClean="0">
+                <a:solidFill>
+                  <a:srgbClr val="FFC000"/>
+                </a:solidFill>
+              </a:rPr>
+              <a:t>put</a:t>
+            </a:r>
+            <a:r>
+              <a:rPr lang="pt-BR" sz="2000" dirty="0" smtClean="0">
+                <a:solidFill>
+                  <a:srgbClr val="FFC000"/>
+                </a:solidFill>
+              </a:rPr>
+              <a:t>(</a:t>
+            </a:r>
+            <a:r>
+              <a:rPr lang="pt-BR" sz="2000" dirty="0" smtClean="0"/>
+              <a:t>“casado”, </a:t>
+            </a:r>
+            <a:r>
               <a:rPr lang="pt-BR" sz="2000" dirty="0" err="1" smtClean="0"/>
-              <a:t>put</a:t>
-            </a:r>
-            <a:r>
-              <a:rPr lang="pt-BR" sz="2000" dirty="0" smtClean="0"/>
-              <a:t>(</a:t>
+              <a:t>true</a:t>
             </a:r>
             <a:r>
               <a:rPr lang="pt-BR" sz="2000" dirty="0" smtClean="0">
@@ -21824,26 +21244,10 @@
                   <a:srgbClr val="FFC000"/>
                 </a:solidFill>
               </a:rPr>
-              <a:t>“casado”, </a:t>
-            </a:r>
-            <a:r>
-              <a:rPr lang="pt-BR" sz="2000" dirty="0" err="1" smtClean="0">
-                <a:solidFill>
-                  <a:srgbClr val="FFC000"/>
-                </a:solidFill>
-              </a:rPr>
-              <a:t>true</a:t>
-            </a:r>
-            <a:r>
-              <a:rPr lang="pt-BR" sz="2000" dirty="0" smtClean="0"/>
               <a:t>)</a:t>
             </a:r>
             <a:r>
-              <a:rPr lang="pt-BR" sz="2000" dirty="0" smtClean="0">
-                <a:solidFill>
-                  <a:srgbClr val="FFC000"/>
-                </a:solidFill>
-              </a:rPr>
+              <a:rPr lang="pt-BR" sz="2000" dirty="0" smtClean="0"/>
               <a:t>;</a:t>
             </a:r>
           </a:p>
@@ -21855,16 +21259,40 @@
               <a:buNone/>
             </a:pPr>
             <a:r>
-              <a:rPr lang="pt-BR" sz="2000" dirty="0" smtClean="0"/>
+              <a:rPr lang="pt-BR" sz="2000" dirty="0" smtClean="0">
+                <a:solidFill>
+                  <a:srgbClr val="FFC000"/>
+                </a:solidFill>
+              </a:rPr>
               <a:t>mapa.</a:t>
             </a:r>
             <a:r>
+              <a:rPr lang="pt-BR" sz="2000" dirty="0" err="1" smtClean="0">
+                <a:solidFill>
+                  <a:srgbClr val="FFC000"/>
+                </a:solidFill>
+              </a:rPr>
+              <a:t>put</a:t>
+            </a:r>
+            <a:r>
+              <a:rPr lang="pt-BR" sz="2000" dirty="0" smtClean="0">
+                <a:solidFill>
+                  <a:srgbClr val="FFC000"/>
+                </a:solidFill>
+              </a:rPr>
+              <a:t>(</a:t>
+            </a:r>
+            <a:r>
+              <a:rPr lang="pt-BR" sz="2000" dirty="0" smtClean="0"/>
+              <a:t>“conta”, </a:t>
+            </a:r>
+            <a:r>
               <a:rPr lang="pt-BR" sz="2000" dirty="0" err="1" smtClean="0"/>
-              <a:t>put</a:t>
-            </a:r>
-            <a:r>
-              <a:rPr lang="pt-BR" sz="2000" dirty="0" smtClean="0"/>
-              <a:t>(</a:t>
+              <a:t>new</a:t>
+            </a:r>
+            <a:r>
+              <a:rPr lang="pt-BR" sz="2000" dirty="0" smtClean="0"/>
+              <a:t> Conta(2809, 1200.15)</a:t>
             </a:r>
             <a:r>
               <a:rPr lang="pt-BR" sz="2000" dirty="0" smtClean="0">
@@ -21872,34 +21300,10 @@
                   <a:srgbClr val="FFC000"/>
                 </a:solidFill>
               </a:rPr>
-              <a:t>“conta”, </a:t>
-            </a:r>
-            <a:r>
-              <a:rPr lang="pt-BR" sz="2000" dirty="0" err="1" smtClean="0">
-                <a:solidFill>
-                  <a:srgbClr val="FFC000"/>
-                </a:solidFill>
-              </a:rPr>
-              <a:t>new</a:t>
-            </a:r>
-            <a:r>
-              <a:rPr lang="pt-BR" sz="2000" dirty="0" smtClean="0">
-                <a:solidFill>
-                  <a:srgbClr val="FFC000"/>
-                </a:solidFill>
-              </a:rPr>
-              <a:t> Conta(2809, 1200.15)</a:t>
-            </a:r>
-            <a:r>
-              <a:rPr lang="pt-BR" sz="2000" dirty="0" smtClean="0"/>
               <a:t>)</a:t>
             </a:r>
             <a:r>
-              <a:rPr lang="pt-BR" sz="2000" dirty="0" smtClean="0">
-                <a:solidFill>
-                  <a:srgbClr val="FFC000"/>
-                </a:solidFill>
-              </a:rPr>
+              <a:rPr lang="pt-BR" sz="2000" dirty="0" smtClean="0"/>
               <a:t>;</a:t>
             </a:r>
           </a:p>
@@ -21910,11 +21314,7 @@
               </a:spcBef>
               <a:buNone/>
             </a:pPr>
-            <a:endParaRPr lang="pt-BR" sz="2000" dirty="0" smtClean="0">
-              <a:solidFill>
-                <a:srgbClr val="FFC000"/>
-              </a:solidFill>
-            </a:endParaRPr>
+            <a:endParaRPr lang="pt-BR" sz="2000" dirty="0" smtClean="0"/>
           </a:p>
           <a:p>
             <a:pPr marL="449263" indent="0">
@@ -21924,33 +21324,38 @@
               <a:buNone/>
             </a:pPr>
             <a:r>
+              <a:rPr lang="pt-BR" sz="2000" dirty="0" smtClean="0"/>
+              <a:t>System.out.println(“Quantidade de itens: ” + </a:t>
+            </a:r>
+            <a:r>
               <a:rPr lang="pt-BR" sz="2000" dirty="0" smtClean="0">
                 <a:solidFill>
                   <a:srgbClr val="FFC000"/>
                 </a:solidFill>
               </a:rPr>
-              <a:t>System.out.println(“Quantidade de itens: ” + </a:t>
-            </a:r>
-            <a:r>
-              <a:rPr lang="pt-BR" sz="2000" dirty="0" smtClean="0"/>
               <a:t>mapa.</a:t>
             </a:r>
             <a:r>
-              <a:rPr lang="pt-BR" sz="2000" dirty="0" err="1" smtClean="0"/>
+              <a:rPr lang="pt-BR" sz="2000" dirty="0" err="1" smtClean="0">
+                <a:solidFill>
+                  <a:srgbClr val="FFC000"/>
+                </a:solidFill>
+              </a:rPr>
               <a:t>size</a:t>
             </a:r>
             <a:r>
-              <a:rPr lang="pt-BR" sz="2000" dirty="0" smtClean="0"/>
+              <a:rPr lang="pt-BR" sz="2000" dirty="0" smtClean="0">
+                <a:solidFill>
+                  <a:srgbClr val="FFC000"/>
+                </a:solidFill>
+              </a:rPr>
               <a:t>()</a:t>
             </a:r>
             <a:r>
-              <a:rPr lang="pt-BR" sz="2000" dirty="0" smtClean="0">
-                <a:solidFill>
-                  <a:srgbClr val="FFC000"/>
-                </a:solidFill>
-              </a:rPr>
+              <a:rPr lang="pt-BR" sz="2000" dirty="0" smtClean="0"/>
               <a:t>);</a:t>
             </a:r>
+            <a:endParaRPr lang="pt-BR" sz="2000" dirty="0" smtClean="0"/>
           </a:p>
         </p:txBody>
       </p:sp>
@@ -22358,12 +21763,8 @@
               </a:spcBef>
             </a:pPr>
             <a:r>
-              <a:rPr lang="pt-BR" sz="2400" smtClean="0"/>
-              <a:t>Obtendo elementos </a:t>
-            </a:r>
-            <a:r>
               <a:rPr lang="pt-BR" sz="2400" dirty="0" smtClean="0"/>
-              <a:t>de um map</a:t>
+              <a:t>Obtendo elementos de um map</a:t>
             </a:r>
           </a:p>
           <a:p>
@@ -22392,43 +21793,47 @@
               <a:buNone/>
             </a:pPr>
             <a:r>
+              <a:rPr lang="pt-BR" sz="2000" dirty="0" smtClean="0"/>
+              <a:t>String nome = (String) </a:t>
+            </a:r>
+            <a:r>
               <a:rPr lang="pt-BR" sz="2000" dirty="0" smtClean="0">
                 <a:solidFill>
                   <a:srgbClr val="FFC000"/>
                 </a:solidFill>
               </a:rPr>
-              <a:t>String nome = (String) </a:t>
-            </a:r>
-            <a:r>
-              <a:rPr lang="pt-BR" sz="2000" dirty="0" smtClean="0"/>
               <a:t>mapa.</a:t>
             </a:r>
             <a:r>
-              <a:rPr lang="pt-BR" sz="2000" dirty="0" err="1" smtClean="0"/>
+              <a:rPr lang="pt-BR" sz="2000" dirty="0" err="1" smtClean="0">
+                <a:solidFill>
+                  <a:srgbClr val="FFC000"/>
+                </a:solidFill>
+              </a:rPr>
               <a:t>get</a:t>
             </a:r>
             <a:r>
-              <a:rPr lang="pt-BR" sz="2000" dirty="0" smtClean="0"/>
+              <a:rPr lang="pt-BR" sz="2000" dirty="0" smtClean="0">
+                <a:solidFill>
+                  <a:srgbClr val="FFC000"/>
+                </a:solidFill>
+              </a:rPr>
               <a:t>(</a:t>
             </a:r>
             <a:r>
+              <a:rPr lang="pt-BR" sz="2000" dirty="0" smtClean="0"/>
+              <a:t>“nome”</a:t>
+            </a:r>
+            <a:r>
               <a:rPr lang="pt-BR" sz="2000" dirty="0" smtClean="0">
                 <a:solidFill>
                   <a:srgbClr val="FFC000"/>
                 </a:solidFill>
               </a:rPr>
-              <a:t>“nome”</a:t>
-            </a:r>
-            <a:r>
-              <a:rPr lang="pt-BR" sz="2000" dirty="0" smtClean="0"/>
               <a:t>)</a:t>
             </a:r>
             <a:r>
-              <a:rPr lang="pt-BR" sz="2000" dirty="0" smtClean="0">
-                <a:solidFill>
-                  <a:srgbClr val="FFC000"/>
-                </a:solidFill>
-              </a:rPr>
+              <a:rPr lang="pt-BR" sz="2000" dirty="0" smtClean="0"/>
               <a:t>;</a:t>
             </a:r>
           </a:p>
@@ -22440,12 +21845,28 @@
               <a:buNone/>
             </a:pPr>
             <a:r>
+              <a:rPr lang="pt-BR" sz="2000" dirty="0" err="1" smtClean="0"/>
+              <a:t>Integer</a:t>
+            </a:r>
+            <a:r>
+              <a:rPr lang="pt-BR" sz="2000" dirty="0" smtClean="0"/>
+              <a:t> idade = (Idade) </a:t>
+            </a:r>
+            <a:r>
+              <a:rPr lang="pt-BR" sz="2000" dirty="0" smtClean="0">
+                <a:solidFill>
+                  <a:srgbClr val="FFC000"/>
+                </a:solidFill>
+              </a:rPr>
+              <a:t>mapa.</a:t>
+            </a:r>
+            <a:r>
               <a:rPr lang="pt-BR" sz="2000" dirty="0" err="1" smtClean="0">
                 <a:solidFill>
                   <a:srgbClr val="FFC000"/>
                 </a:solidFill>
               </a:rPr>
-              <a:t>Integer</a:t>
+              <a:t>get</a:t>
             </a:r>
             <a:r>
               <a:rPr lang="pt-BR" sz="2000" dirty="0" smtClean="0">
@@ -22453,38 +21874,22 @@
                   <a:srgbClr val="FFC000"/>
                 </a:solidFill>
               </a:rPr>
-              <a:t> idade = (Idade) </a:t>
-            </a:r>
-            <a:r>
-              <a:rPr lang="pt-BR" sz="2000" dirty="0" smtClean="0"/>
-              <a:t>mapa.</a:t>
-            </a:r>
-            <a:r>
-              <a:rPr lang="pt-BR" sz="2000" dirty="0" err="1" smtClean="0"/>
-              <a:t>get</a:t>
-            </a:r>
-            <a:r>
-              <a:rPr lang="pt-BR" sz="2000" dirty="0" smtClean="0"/>
               <a:t>(</a:t>
             </a:r>
             <a:r>
+              <a:rPr lang="pt-BR" sz="2000" dirty="0" smtClean="0"/>
+              <a:t>“idade”</a:t>
+            </a:r>
+            <a:r>
               <a:rPr lang="pt-BR" sz="2000" dirty="0" smtClean="0">
                 <a:solidFill>
                   <a:srgbClr val="FFC000"/>
                 </a:solidFill>
               </a:rPr>
-              <a:t>“idade”</a:t>
-            </a:r>
-            <a:r>
-              <a:rPr lang="pt-BR" sz="2000" dirty="0" smtClean="0"/>
               <a:t>)</a:t>
             </a:r>
             <a:r>
-              <a:rPr lang="pt-BR" sz="2000" dirty="0" smtClean="0">
-                <a:solidFill>
-                  <a:srgbClr val="FFC000"/>
-                </a:solidFill>
-              </a:rPr>
+              <a:rPr lang="pt-BR" sz="2000" dirty="0" smtClean="0"/>
               <a:t>;</a:t>
             </a:r>
           </a:p>
@@ -22496,12 +21901,24 @@
               <a:buNone/>
             </a:pPr>
             <a:r>
+              <a:rPr lang="pt-BR" sz="2000" dirty="0" smtClean="0"/>
+              <a:t>Double </a:t>
+            </a:r>
+            <a:r>
+              <a:rPr lang="pt-BR" sz="2000" dirty="0" err="1" smtClean="0"/>
+              <a:t>salario</a:t>
+            </a:r>
+            <a:r>
+              <a:rPr lang="pt-BR" sz="2000" dirty="0" smtClean="0"/>
+              <a:t> = (Double) </a:t>
+            </a:r>
+            <a:r>
               <a:rPr lang="pt-BR" sz="2000" dirty="0" smtClean="0">
                 <a:solidFill>
                   <a:srgbClr val="FFC000"/>
                 </a:solidFill>
               </a:rPr>
-              <a:t>Double </a:t>
+              <a:t>mapa.</a:t>
             </a:r>
             <a:r>
               <a:rPr lang="pt-BR" sz="2000" dirty="0" err="1" smtClean="0">
@@ -22509,62 +21926,38 @@
                   <a:srgbClr val="FFC000"/>
                 </a:solidFill>
               </a:rPr>
+              <a:t>get</a:t>
+            </a:r>
+            <a:r>
+              <a:rPr lang="pt-BR" sz="2000" dirty="0" smtClean="0">
+                <a:solidFill>
+                  <a:srgbClr val="FFC000"/>
+                </a:solidFill>
+              </a:rPr>
+              <a:t>(</a:t>
+            </a:r>
+            <a:r>
+              <a:rPr lang="pt-BR" sz="2000" dirty="0" smtClean="0"/>
+              <a:t>“</a:t>
+            </a:r>
+            <a:r>
+              <a:rPr lang="pt-BR" sz="2000" dirty="0" err="1" smtClean="0"/>
               <a:t>salario</a:t>
             </a:r>
             <a:r>
+              <a:rPr lang="pt-BR" sz="2000" dirty="0" smtClean="0"/>
+              <a:t>”</a:t>
+            </a:r>
+            <a:r>
               <a:rPr lang="pt-BR" sz="2000" dirty="0" smtClean="0">
                 <a:solidFill>
                   <a:srgbClr val="FFC000"/>
                 </a:solidFill>
               </a:rPr>
-              <a:t> = (Double) </a:t>
-            </a:r>
-            <a:r>
-              <a:rPr lang="pt-BR" sz="2000" dirty="0" smtClean="0"/>
-              <a:t>mapa.</a:t>
-            </a:r>
-            <a:r>
-              <a:rPr lang="pt-BR" sz="2000" dirty="0" err="1" smtClean="0"/>
-              <a:t>get</a:t>
-            </a:r>
-            <a:r>
-              <a:rPr lang="pt-BR" sz="2000" dirty="0" smtClean="0"/>
-              <a:t>(</a:t>
-            </a:r>
-            <a:r>
-              <a:rPr lang="pt-BR" sz="2000" dirty="0" smtClean="0">
-                <a:solidFill>
-                  <a:srgbClr val="FFC000"/>
-                </a:solidFill>
-              </a:rPr>
-              <a:t>“</a:t>
-            </a:r>
-            <a:r>
-              <a:rPr lang="pt-BR" sz="2000" dirty="0" err="1" smtClean="0">
-                <a:solidFill>
-                  <a:srgbClr val="FFC000"/>
-                </a:solidFill>
-              </a:rPr>
-              <a:t>salario</a:t>
-            </a:r>
-            <a:r>
-              <a:rPr lang="pt-BR" sz="2000" dirty="0" smtClean="0">
-                <a:solidFill>
-                  <a:srgbClr val="FFC000"/>
-                </a:solidFill>
-              </a:rPr>
-              <a:t>”</a:t>
-            </a:r>
-            <a:r>
-              <a:rPr lang="pt-BR" sz="2000" dirty="0" smtClean="0"/>
               <a:t>)</a:t>
             </a:r>
             <a:r>
-              <a:rPr lang="pt-BR" sz="2000" dirty="0" smtClean="0">
-                <a:solidFill>
-                  <a:srgbClr val="FFC000"/>
-                </a:solidFill>
-              </a:rPr>
+              <a:rPr lang="pt-BR" sz="2000" dirty="0" smtClean="0"/>
               <a:t>;</a:t>
             </a:r>
           </a:p>
@@ -22576,12 +21969,44 @@
               <a:buNone/>
             </a:pPr>
             <a:r>
+              <a:rPr lang="pt-BR" sz="2000" dirty="0" err="1" smtClean="0"/>
+              <a:t>Calendar</a:t>
+            </a:r>
+            <a:r>
+              <a:rPr lang="pt-BR" sz="2000" dirty="0" smtClean="0"/>
+              <a:t> </a:t>
+            </a:r>
+            <a:r>
+              <a:rPr lang="pt-BR" sz="2000" dirty="0" err="1" smtClean="0"/>
+              <a:t>dataNasc</a:t>
+            </a:r>
+            <a:r>
+              <a:rPr lang="pt-BR" sz="2000" dirty="0" smtClean="0"/>
+              <a:t> = (</a:t>
+            </a:r>
+            <a:r>
+              <a:rPr lang="pt-BR" sz="2000" dirty="0" err="1" smtClean="0"/>
+              <a:t>Calendar</a:t>
+            </a:r>
+            <a:r>
+              <a:rPr lang="pt-BR" sz="2000" dirty="0" smtClean="0"/>
+              <a:t>) </a:t>
+            </a:r>
+            <a:r>
+              <a:rPr lang="pt-BR" sz="2000" dirty="0" smtClean="0">
+                <a:solidFill>
+                  <a:srgbClr val="FFC000"/>
+                </a:solidFill>
+              </a:rPr>
+              <a:t>mapa.</a:t>
+            </a:r>
+            <a:r>
               <a:rPr lang="pt-BR" sz="2000" dirty="0" err="1" smtClean="0">
                 <a:solidFill>
                   <a:srgbClr val="FFC000"/>
                 </a:solidFill>
               </a:rPr>
-              <a:t>Calendar</a:t>
+              <a:t>get</a:t>
             </a:r>
             <a:r>
               <a:rPr lang="pt-BR" sz="2000" dirty="0" smtClean="0">
@@ -22589,70 +22014,22 @@
                   <a:srgbClr val="FFC000"/>
                 </a:solidFill>
               </a:rPr>
-              <a:t> </a:t>
-            </a:r>
-            <a:r>
-              <a:rPr lang="pt-BR" sz="2000" dirty="0" err="1" smtClean="0">
+              <a:t>(</a:t>
+            </a:r>
+            <a:r>
+              <a:rPr lang="pt-BR" sz="2000" dirty="0" smtClean="0"/>
+              <a:t>“nascimento”</a:t>
+            </a:r>
+            <a:r>
+              <a:rPr lang="pt-BR" sz="2000" dirty="0" smtClean="0">
                 <a:solidFill>
                   <a:srgbClr val="FFC000"/>
                 </a:solidFill>
               </a:rPr>
-              <a:t>dataNasc</a:t>
-            </a:r>
-            <a:r>
-              <a:rPr lang="pt-BR" sz="2000" dirty="0" smtClean="0">
-                <a:solidFill>
-                  <a:srgbClr val="FFC000"/>
-                </a:solidFill>
-              </a:rPr>
-              <a:t> = (</a:t>
-            </a:r>
-            <a:r>
-              <a:rPr lang="pt-BR" sz="2000" dirty="0" err="1" smtClean="0">
-                <a:solidFill>
-                  <a:srgbClr val="FFC000"/>
-                </a:solidFill>
-              </a:rPr>
-              <a:t>Calendar</a:t>
-            </a:r>
-            <a:r>
-              <a:rPr lang="pt-BR" sz="2000" dirty="0" smtClean="0">
-                <a:solidFill>
-                  <a:srgbClr val="FFC000"/>
-                </a:solidFill>
-              </a:rPr>
-              <a:t>) </a:t>
-            </a:r>
-            <a:r>
-              <a:rPr lang="pt-BR" sz="2000" dirty="0" smtClean="0"/>
-              <a:t>mapa.</a:t>
-            </a:r>
-            <a:r>
-              <a:rPr lang="pt-BR" sz="2000" dirty="0" err="1" smtClean="0"/>
-              <a:t>get</a:t>
-            </a:r>
-            <a:r>
-              <a:rPr lang="pt-BR" sz="2000" dirty="0" smtClean="0"/>
-              <a:t>(</a:t>
-            </a:r>
-            <a:r>
-              <a:rPr lang="pt-BR" sz="2000" dirty="0" smtClean="0">
-                <a:solidFill>
-                  <a:srgbClr val="FFC000"/>
-                </a:solidFill>
-              </a:rPr>
-              <a:t>“nascimento”</a:t>
-            </a:r>
-            <a:r>
-              <a:rPr lang="pt-BR" sz="2000" dirty="0" smtClean="0"/>
               <a:t>)</a:t>
             </a:r>
             <a:r>
-              <a:rPr lang="pt-BR" sz="2000" dirty="0" smtClean="0">
-                <a:solidFill>
-                  <a:srgbClr val="FFC000"/>
-                </a:solidFill>
-              </a:rPr>
+              <a:rPr lang="pt-BR" sz="2000" dirty="0" smtClean="0"/>
               <a:t>;</a:t>
             </a:r>
           </a:p>
@@ -22664,12 +22041,36 @@
               <a:buNone/>
             </a:pPr>
             <a:r>
+              <a:rPr lang="pt-BR" sz="2000" dirty="0" err="1" smtClean="0"/>
+              <a:t>Boolean</a:t>
+            </a:r>
+            <a:r>
+              <a:rPr lang="pt-BR" sz="2000" dirty="0" smtClean="0"/>
+              <a:t> casado = (</a:t>
+            </a:r>
+            <a:r>
+              <a:rPr lang="pt-BR" sz="2000" dirty="0" err="1" smtClean="0"/>
+              <a:t>Boolean</a:t>
+            </a:r>
+            <a:r>
+              <a:rPr lang="pt-BR" sz="2000" dirty="0" smtClean="0"/>
+              <a:t>) </a:t>
+            </a:r>
+            <a:r>
+              <a:rPr lang="pt-BR" sz="2000" dirty="0" smtClean="0">
+                <a:solidFill>
+                  <a:srgbClr val="FFC000"/>
+                </a:solidFill>
+              </a:rPr>
+              <a:t>mapa.</a:t>
+            </a:r>
+            <a:r>
               <a:rPr lang="pt-BR" sz="2000" dirty="0" err="1" smtClean="0">
                 <a:solidFill>
                   <a:srgbClr val="FFC000"/>
                 </a:solidFill>
               </a:rPr>
-              <a:t>Boolean</a:t>
+              <a:t>get</a:t>
             </a:r>
             <a:r>
               <a:rPr lang="pt-BR" sz="2000" dirty="0" smtClean="0">
@@ -22677,54 +22078,22 @@
                   <a:srgbClr val="FFC000"/>
                 </a:solidFill>
               </a:rPr>
-              <a:t> casado = (</a:t>
-            </a:r>
-            <a:r>
-              <a:rPr lang="pt-BR" sz="2000" dirty="0" err="1" smtClean="0">
+              <a:t>(</a:t>
+            </a:r>
+            <a:r>
+              <a:rPr lang="pt-BR" sz="2000" dirty="0" smtClean="0"/>
+              <a:t>“casado”</a:t>
+            </a:r>
+            <a:r>
+              <a:rPr lang="pt-BR" sz="2000" dirty="0" smtClean="0">
                 <a:solidFill>
                   <a:srgbClr val="FFC000"/>
                 </a:solidFill>
               </a:rPr>
-              <a:t>Boolean</a:t>
-            </a:r>
-            <a:r>
-              <a:rPr lang="pt-BR" sz="2000" dirty="0" smtClean="0">
-                <a:solidFill>
-                  <a:srgbClr val="FFC000"/>
-                </a:solidFill>
-              </a:rPr>
-              <a:t>) </a:t>
-            </a:r>
-            <a:r>
-              <a:rPr lang="pt-BR" sz="2000" dirty="0" smtClean="0"/>
-              <a:t>mapa.</a:t>
-            </a:r>
-            <a:r>
-              <a:rPr lang="pt-BR" sz="2000" dirty="0" err="1" smtClean="0"/>
-              <a:t>get</a:t>
-            </a:r>
-            <a:r>
-              <a:rPr lang="pt-BR" sz="2000" dirty="0" smtClean="0"/>
-              <a:t>(</a:t>
-            </a:r>
-            <a:r>
-              <a:rPr lang="pt-BR" sz="2000" dirty="0" smtClean="0">
-                <a:solidFill>
-                  <a:srgbClr val="FFC000"/>
-                </a:solidFill>
-              </a:rPr>
-              <a:t>“casado”</a:t>
-            </a:r>
-            <a:r>
-              <a:rPr lang="pt-BR" sz="2000" dirty="0" smtClean="0"/>
               <a:t>)</a:t>
             </a:r>
             <a:r>
-              <a:rPr lang="pt-BR" sz="2000" dirty="0" smtClean="0">
-                <a:solidFill>
-                  <a:srgbClr val="FFC000"/>
-                </a:solidFill>
-              </a:rPr>
+              <a:rPr lang="pt-BR" sz="2000" dirty="0" smtClean="0"/>
               <a:t>;</a:t>
             </a:r>
           </a:p>
@@ -22736,12 +22105,24 @@
               <a:buNone/>
             </a:pPr>
             <a:r>
+              <a:rPr lang="pt-BR" sz="2000" dirty="0" smtClean="0"/>
+              <a:t>Conta </a:t>
+            </a:r>
+            <a:r>
+              <a:rPr lang="pt-BR" sz="2000" dirty="0" err="1" smtClean="0"/>
+              <a:t>conta</a:t>
+            </a:r>
+            <a:r>
+              <a:rPr lang="pt-BR" sz="2000" dirty="0" smtClean="0"/>
+              <a:t> = (Conta) </a:t>
+            </a:r>
+            <a:r>
               <a:rPr lang="pt-BR" sz="2000" dirty="0" smtClean="0">
                 <a:solidFill>
                   <a:srgbClr val="FFC000"/>
                 </a:solidFill>
               </a:rPr>
-              <a:t>Conta </a:t>
+              <a:t>mapa.</a:t>
             </a:r>
             <a:r>
               <a:rPr lang="pt-BR" sz="2000" dirty="0" err="1" smtClean="0">
@@ -22749,7 +22130,7 @@
                   <a:srgbClr val="FFC000"/>
                 </a:solidFill>
               </a:rPr>
-              <a:t>conta</a:t>
+              <a:t>get</a:t>
             </a:r>
             <a:r>
               <a:rPr lang="pt-BR" sz="2000" dirty="0" smtClean="0">
@@ -22757,38 +22138,22 @@
                   <a:srgbClr val="FFC000"/>
                 </a:solidFill>
               </a:rPr>
-              <a:t> = (Conta) </a:t>
-            </a:r>
-            <a:r>
-              <a:rPr lang="pt-BR" sz="2000" dirty="0" smtClean="0"/>
-              <a:t>mapa.</a:t>
-            </a:r>
-            <a:r>
-              <a:rPr lang="pt-BR" sz="2000" dirty="0" err="1" smtClean="0"/>
-              <a:t>get</a:t>
-            </a:r>
-            <a:r>
-              <a:rPr lang="pt-BR" sz="2000" dirty="0" smtClean="0"/>
               <a:t>(</a:t>
             </a:r>
             <a:r>
+              <a:rPr lang="pt-BR" sz="2000" dirty="0" smtClean="0"/>
+              <a:t>“conta”</a:t>
+            </a:r>
+            <a:r>
               <a:rPr lang="pt-BR" sz="2000" dirty="0" smtClean="0">
                 <a:solidFill>
                   <a:srgbClr val="FFC000"/>
                 </a:solidFill>
               </a:rPr>
-              <a:t>“conta”</a:t>
-            </a:r>
-            <a:r>
-              <a:rPr lang="pt-BR" sz="2000" dirty="0" smtClean="0"/>
               <a:t>)</a:t>
             </a:r>
             <a:r>
-              <a:rPr lang="pt-BR" sz="2000" dirty="0" smtClean="0">
-                <a:solidFill>
-                  <a:srgbClr val="FFC000"/>
-                </a:solidFill>
-              </a:rPr>
+              <a:rPr lang="pt-BR" sz="2000" dirty="0" smtClean="0"/>
               <a:t>;</a:t>
             </a:r>
           </a:p>
@@ -22799,11 +22164,7 @@
               </a:spcBef>
               <a:buNone/>
             </a:pPr>
-            <a:endParaRPr lang="pt-BR" sz="2000" dirty="0" smtClean="0">
-              <a:solidFill>
-                <a:srgbClr val="FFC000"/>
-              </a:solidFill>
-            </a:endParaRPr>
+            <a:endParaRPr lang="pt-BR" sz="2000" dirty="0" smtClean="0"/>
           </a:p>
           <a:p>
             <a:pPr marL="449263" indent="0">
@@ -22813,43 +22174,35 @@
               <a:buNone/>
             </a:pPr>
             <a:r>
-              <a:rPr lang="pt-BR" sz="2000" dirty="0" smtClean="0"/>
+              <a:rPr lang="pt-BR" sz="2000" dirty="0" smtClean="0">
+                <a:solidFill>
+                  <a:srgbClr val="FFC000"/>
+                </a:solidFill>
+              </a:rPr>
               <a:t>mapa.remove(</a:t>
             </a:r>
             <a:r>
+              <a:rPr lang="pt-BR" sz="2000" dirty="0" smtClean="0"/>
+              <a:t>“</a:t>
+            </a:r>
+            <a:r>
+              <a:rPr lang="pt-BR" sz="2000" dirty="0" err="1" smtClean="0"/>
+              <a:t>salario</a:t>
+            </a:r>
+            <a:r>
+              <a:rPr lang="pt-BR" sz="2000" dirty="0" smtClean="0"/>
+              <a:t>”</a:t>
+            </a:r>
+            <a:r>
               <a:rPr lang="pt-BR" sz="2000" dirty="0" smtClean="0">
                 <a:solidFill>
                   <a:srgbClr val="FFC000"/>
                 </a:solidFill>
               </a:rPr>
-              <a:t>“</a:t>
-            </a:r>
-            <a:r>
-              <a:rPr lang="pt-BR" sz="2000" dirty="0" err="1" smtClean="0">
-                <a:solidFill>
-                  <a:srgbClr val="FFC000"/>
-                </a:solidFill>
-              </a:rPr>
-              <a:t>salario</a:t>
-            </a:r>
-            <a:r>
-              <a:rPr lang="pt-BR" sz="2000" dirty="0" smtClean="0">
-                <a:solidFill>
-                  <a:srgbClr val="FFC000"/>
-                </a:solidFill>
-              </a:rPr>
-              <a:t>”</a:t>
-            </a:r>
-            <a:r>
-              <a:rPr lang="pt-BR" sz="2000" dirty="0" smtClean="0"/>
               <a:t>)</a:t>
             </a:r>
             <a:r>
-              <a:rPr lang="pt-BR" sz="2000" dirty="0" smtClean="0">
-                <a:solidFill>
-                  <a:srgbClr val="FFC000"/>
-                </a:solidFill>
-              </a:rPr>
+              <a:rPr lang="pt-BR" sz="2000" dirty="0" smtClean="0"/>
               <a:t>;</a:t>
             </a:r>
           </a:p>
@@ -22861,27 +22214,27 @@
               <a:buNone/>
             </a:pPr>
             <a:r>
-              <a:rPr lang="pt-BR" sz="2000" dirty="0" smtClean="0"/>
+              <a:rPr lang="pt-BR" sz="2000" dirty="0" smtClean="0">
+                <a:solidFill>
+                  <a:srgbClr val="FFC000"/>
+                </a:solidFill>
+              </a:rPr>
               <a:t>mapa.remove(</a:t>
             </a:r>
             <a:r>
+              <a:rPr lang="pt-BR" sz="2000" dirty="0" smtClean="0"/>
+              <a:t>“casado”</a:t>
+            </a:r>
+            <a:r>
               <a:rPr lang="pt-BR" sz="2000" dirty="0" smtClean="0">
                 <a:solidFill>
                   <a:srgbClr val="FFC000"/>
                 </a:solidFill>
               </a:rPr>
-              <a:t>“casado”</a:t>
-            </a:r>
-            <a:r>
-              <a:rPr lang="pt-BR" sz="2000" dirty="0" smtClean="0"/>
               <a:t>)</a:t>
             </a:r>
             <a:r>
-              <a:rPr lang="pt-BR" sz="2000" dirty="0" smtClean="0">
-                <a:solidFill>
-                  <a:srgbClr val="FFC000"/>
-                </a:solidFill>
-              </a:rPr>
+              <a:rPr lang="pt-BR" sz="2000" dirty="0" smtClean="0"/>
               <a:t>;</a:t>
             </a:r>
           </a:p>
@@ -22892,11 +22245,7 @@
               </a:spcBef>
               <a:buNone/>
             </a:pPr>
-            <a:endParaRPr lang="pt-BR" sz="2000" dirty="0" smtClean="0">
-              <a:solidFill>
-                <a:srgbClr val="FFC000"/>
-              </a:solidFill>
-            </a:endParaRPr>
+            <a:endParaRPr lang="pt-BR" sz="2000" dirty="0" smtClean="0"/>
           </a:p>
           <a:p>
             <a:pPr marL="449263" indent="0">
@@ -22906,12 +22255,24 @@
               <a:buNone/>
             </a:pPr>
             <a:r>
+              <a:rPr lang="pt-BR" sz="2000" dirty="0" smtClean="0"/>
+              <a:t>System.</a:t>
+            </a:r>
+            <a:r>
+              <a:rPr lang="pt-BR" sz="2000" dirty="0" err="1" smtClean="0"/>
+              <a:t>out.println</a:t>
+            </a:r>
+            <a:r>
+              <a:rPr lang="pt-BR" sz="2000" dirty="0" smtClean="0"/>
+              <a:t>(“Quantidade de itens: ” + </a:t>
+            </a:r>
+            <a:r>
               <a:rPr lang="pt-BR" sz="2000" dirty="0" smtClean="0">
                 <a:solidFill>
                   <a:srgbClr val="FFC000"/>
                 </a:solidFill>
               </a:rPr>
-              <a:t>System.</a:t>
+              <a:t>mapa.</a:t>
             </a:r>
             <a:r>
               <a:rPr lang="pt-BR" sz="2000" dirty="0" err="1" smtClean="0">
@@ -22919,7 +22280,7 @@
                   <a:srgbClr val="FFC000"/>
                 </a:solidFill>
               </a:rPr>
-              <a:t>out.println</a:t>
+              <a:t>size</a:t>
             </a:r>
             <a:r>
               <a:rPr lang="pt-BR" sz="2000" dirty="0" smtClean="0">
@@ -22927,26 +22288,10 @@
                   <a:srgbClr val="FFC000"/>
                 </a:solidFill>
               </a:rPr>
-              <a:t>(“Quantidade de itens: ” + </a:t>
-            </a:r>
-            <a:r>
-              <a:rPr lang="pt-BR" sz="2000" dirty="0" smtClean="0"/>
-              <a:t>mapa.</a:t>
-            </a:r>
-            <a:r>
-              <a:rPr lang="pt-BR" sz="2000" dirty="0" err="1" smtClean="0"/>
-              <a:t>size</a:t>
-            </a:r>
-            <a:r>
-              <a:rPr lang="pt-BR" sz="2000" dirty="0" smtClean="0"/>
               <a:t>()</a:t>
             </a:r>
             <a:r>
-              <a:rPr lang="pt-BR" sz="2000" dirty="0" smtClean="0">
-                <a:solidFill>
-                  <a:srgbClr val="FFC000"/>
-                </a:solidFill>
-              </a:rPr>
+              <a:rPr lang="pt-BR" sz="2000" dirty="0" smtClean="0"/>
               <a:t>);</a:t>
             </a:r>
           </a:p>
@@ -23074,11 +22419,7 @@
             </a:pPr>
             <a:r>
               <a:rPr lang="pt-BR" sz="2400" dirty="0" smtClean="0"/>
-              <a:t>Varrendo os </a:t>
-            </a:r>
-            <a:r>
-              <a:rPr lang="pt-BR" sz="2400" dirty="0" smtClean="0"/>
-              <a:t>elementos de um map</a:t>
+              <a:t>Varrendo os elementos de um map</a:t>
             </a:r>
           </a:p>
           <a:p>
@@ -23107,12 +22448,24 @@
               <a:buNone/>
             </a:pPr>
             <a:r>
+              <a:rPr lang="pt-BR" sz="2000" dirty="0" smtClean="0"/>
+              <a:t>Set&lt;String&gt; chaves = </a:t>
+            </a:r>
+            <a:r>
               <a:rPr lang="pt-BR" sz="2000" dirty="0" smtClean="0">
                 <a:solidFill>
                   <a:srgbClr val="FFC000"/>
                 </a:solidFill>
               </a:rPr>
-              <a:t>Set&lt;</a:t>
+              <a:t>mapa.</a:t>
+            </a:r>
+            <a:r>
+              <a:rPr lang="pt-BR" sz="2000" dirty="0" err="1" smtClean="0">
+                <a:solidFill>
+                  <a:srgbClr val="FFC000"/>
+                </a:solidFill>
+              </a:rPr>
+              <a:t>keySet</a:t>
             </a:r>
             <a:r>
               <a:rPr lang="pt-BR" sz="2000" dirty="0" smtClean="0">
@@ -23120,41 +22473,12 @@
                   <a:srgbClr val="FFC000"/>
                 </a:solidFill>
               </a:rPr>
-              <a:t>String&gt; chaves </a:t>
-            </a:r>
-            <a:r>
-              <a:rPr lang="pt-BR" sz="2000" dirty="0" smtClean="0">
-                <a:solidFill>
-                  <a:srgbClr val="FFC000"/>
-                </a:solidFill>
-              </a:rPr>
-              <a:t>= </a:t>
-            </a:r>
-            <a:r>
-              <a:rPr lang="pt-BR" sz="2000" dirty="0" smtClean="0"/>
-              <a:t>mapa.</a:t>
-            </a:r>
-            <a:r>
-              <a:rPr lang="pt-BR" sz="2000" dirty="0" err="1" smtClean="0"/>
-              <a:t>keySet</a:t>
-            </a:r>
-            <a:r>
-              <a:rPr lang="pt-BR" sz="2000" dirty="0" smtClean="0"/>
               <a:t>()</a:t>
             </a:r>
             <a:r>
-              <a:rPr lang="pt-BR" sz="2000" dirty="0" smtClean="0">
-                <a:solidFill>
-                  <a:srgbClr val="FFC000"/>
-                </a:solidFill>
-              </a:rPr>
+              <a:rPr lang="pt-BR" sz="2000" dirty="0" smtClean="0"/>
               <a:t>;</a:t>
             </a:r>
-            <a:endParaRPr lang="pt-BR" sz="2000" dirty="0" smtClean="0">
-              <a:solidFill>
-                <a:srgbClr val="FFC000"/>
-              </a:solidFill>
-            </a:endParaRPr>
           </a:p>
           <a:p>
             <a:pPr marL="449263" indent="0">
@@ -23163,11 +22487,7 @@
               </a:spcBef>
               <a:buNone/>
             </a:pPr>
-            <a:endParaRPr lang="pt-BR" sz="2000" dirty="0" smtClean="0">
-              <a:solidFill>
-                <a:srgbClr val="FFC000"/>
-              </a:solidFill>
-            </a:endParaRPr>
+            <a:endParaRPr lang="pt-BR" sz="2000" dirty="0" smtClean="0"/>
           </a:p>
           <a:p>
             <a:pPr marL="449263" indent="0">
@@ -23177,23 +22497,19 @@
               <a:buNone/>
             </a:pPr>
             <a:r>
+              <a:rPr lang="pt-BR" sz="2000" dirty="0" smtClean="0"/>
+              <a:t>for (String </a:t>
+            </a:r>
+            <a:r>
               <a:rPr lang="pt-BR" sz="2000" dirty="0" smtClean="0">
                 <a:solidFill>
                   <a:srgbClr val="FFC000"/>
                 </a:solidFill>
               </a:rPr>
-              <a:t>for (String </a:t>
-            </a:r>
-            <a:r>
-              <a:rPr lang="pt-BR" sz="2000" dirty="0" smtClean="0"/>
               <a:t>chave</a:t>
             </a:r>
             <a:r>
-              <a:rPr lang="pt-BR" sz="2000" dirty="0" smtClean="0">
-                <a:solidFill>
-                  <a:srgbClr val="FFC000"/>
-                </a:solidFill>
-              </a:rPr>
+              <a:rPr lang="pt-BR" sz="2000" dirty="0" smtClean="0"/>
               <a:t> : chaves) {</a:t>
             </a:r>
           </a:p>
@@ -23205,39 +22521,27 @@
               <a:buNone/>
             </a:pPr>
             <a:r>
+              <a:rPr lang="pt-BR" sz="2000" dirty="0" smtClean="0"/>
+              <a:t>	System.</a:t>
+            </a:r>
+            <a:r>
+              <a:rPr lang="pt-BR" sz="2000" dirty="0" err="1" smtClean="0"/>
+              <a:t>out.println</a:t>
+            </a:r>
+            <a:r>
+              <a:rPr lang="pt-BR" sz="2000" dirty="0" smtClean="0"/>
+              <a:t>(“Chave: ” + </a:t>
+            </a:r>
+            <a:r>
               <a:rPr lang="pt-BR" sz="2000" dirty="0" smtClean="0">
                 <a:solidFill>
                   <a:srgbClr val="FFC000"/>
                 </a:solidFill>
               </a:rPr>
-              <a:t>	System.</a:t>
-            </a:r>
-            <a:r>
-              <a:rPr lang="pt-BR" sz="2000" dirty="0" err="1" smtClean="0">
-                <a:solidFill>
-                  <a:srgbClr val="FFC000"/>
-                </a:solidFill>
-              </a:rPr>
-              <a:t>out.println</a:t>
-            </a:r>
-            <a:r>
-              <a:rPr lang="pt-BR" sz="2000" dirty="0" smtClean="0">
-                <a:solidFill>
-                  <a:srgbClr val="FFC000"/>
-                </a:solidFill>
-              </a:rPr>
-              <a:t>(“Chave: ” + </a:t>
-            </a:r>
-            <a:r>
-              <a:rPr lang="pt-BR" sz="2000" dirty="0" smtClean="0"/>
               <a:t>chave</a:t>
             </a:r>
             <a:r>
-              <a:rPr lang="pt-BR" sz="2000" dirty="0" smtClean="0">
-                <a:solidFill>
-                  <a:srgbClr val="FFC000"/>
-                </a:solidFill>
-              </a:rPr>
+              <a:rPr lang="pt-BR" sz="2000" dirty="0" smtClean="0"/>
               <a:t>);</a:t>
             </a:r>
           </a:p>
@@ -23249,82 +22553,49 @@
               <a:buNone/>
             </a:pPr>
             <a:r>
+              <a:rPr lang="pt-BR" sz="2000" dirty="0" smtClean="0"/>
+              <a:t>	System.</a:t>
+            </a:r>
+            <a:r>
+              <a:rPr lang="pt-BR" sz="2000" dirty="0" err="1" smtClean="0"/>
+              <a:t>out.println</a:t>
+            </a:r>
+            <a:r>
+              <a:rPr lang="pt-BR" sz="2000" dirty="0" smtClean="0"/>
+              <a:t>(“Valor: ” + </a:t>
+            </a:r>
+            <a:r>
               <a:rPr lang="pt-BR" sz="2000" dirty="0" smtClean="0">
                 <a:solidFill>
                   <a:srgbClr val="FFC000"/>
                 </a:solidFill>
               </a:rPr>
-              <a:t>	System.</a:t>
-            </a:r>
-            <a:r>
-              <a:rPr lang="pt-BR" sz="2000" dirty="0" err="1" smtClean="0">
+              <a:t>mapa</a:t>
+            </a:r>
+            <a:r>
+              <a:rPr lang="pt-BR" sz="2000" dirty="0" smtClean="0"/>
+              <a:t>.</a:t>
+            </a:r>
+            <a:r>
+              <a:rPr lang="pt-BR" sz="2000" dirty="0" err="1" smtClean="0"/>
+              <a:t>get</a:t>
+            </a:r>
+            <a:r>
+              <a:rPr lang="pt-BR" sz="2000" dirty="0" smtClean="0"/>
+              <a:t>(</a:t>
+            </a:r>
+            <a:r>
+              <a:rPr lang="pt-BR" sz="2000" dirty="0" smtClean="0">
                 <a:solidFill>
                   <a:srgbClr val="FFC000"/>
                 </a:solidFill>
               </a:rPr>
-              <a:t>out.println</a:t>
-            </a:r>
-            <a:r>
-              <a:rPr lang="pt-BR" sz="2000" dirty="0" smtClean="0">
-                <a:solidFill>
-                  <a:srgbClr val="FFC000"/>
-                </a:solidFill>
-              </a:rPr>
-              <a:t>(“Valor: </a:t>
-            </a:r>
-            <a:r>
-              <a:rPr lang="pt-BR" sz="2000" dirty="0" smtClean="0">
-                <a:solidFill>
-                  <a:srgbClr val="FFC000"/>
-                </a:solidFill>
-              </a:rPr>
-              <a:t>” + </a:t>
-            </a:r>
-            <a:r>
-              <a:rPr lang="pt-BR" sz="2000" dirty="0" smtClean="0"/>
-              <a:t>mapa</a:t>
-            </a:r>
-            <a:r>
-              <a:rPr lang="pt-BR" sz="2000" dirty="0" smtClean="0">
-                <a:solidFill>
-                  <a:srgbClr val="FFC000"/>
-                </a:solidFill>
-              </a:rPr>
-              <a:t>.</a:t>
-            </a:r>
-            <a:r>
-              <a:rPr lang="pt-BR" sz="2000" dirty="0" err="1" smtClean="0">
-                <a:solidFill>
-                  <a:srgbClr val="FFC000"/>
-                </a:solidFill>
-              </a:rPr>
-              <a:t>get</a:t>
-            </a:r>
-            <a:r>
-              <a:rPr lang="pt-BR" sz="2000" dirty="0" smtClean="0">
-                <a:solidFill>
-                  <a:srgbClr val="FFC000"/>
-                </a:solidFill>
-              </a:rPr>
-              <a:t>(</a:t>
-            </a:r>
-            <a:r>
-              <a:rPr lang="pt-BR" sz="2000" dirty="0" smtClean="0"/>
               <a:t>chave</a:t>
             </a:r>
             <a:r>
-              <a:rPr lang="pt-BR" sz="2000" dirty="0" smtClean="0">
-                <a:solidFill>
-                  <a:srgbClr val="FFC000"/>
-                </a:solidFill>
-              </a:rPr>
+              <a:rPr lang="pt-BR" sz="2000" dirty="0" smtClean="0"/>
               <a:t>));</a:t>
             </a:r>
-            <a:endParaRPr lang="pt-BR" sz="2000" dirty="0" smtClean="0">
-              <a:solidFill>
-                <a:srgbClr val="FFC000"/>
-              </a:solidFill>
-            </a:endParaRPr>
           </a:p>
           <a:p>
             <a:pPr marL="449263" indent="0">
@@ -23334,18 +22605,9 @@
               <a:buNone/>
             </a:pPr>
             <a:r>
-              <a:rPr lang="pt-BR" sz="2000" dirty="0" smtClean="0">
-                <a:solidFill>
-                  <a:srgbClr val="FFC000"/>
-                </a:solidFill>
-              </a:rPr>
+              <a:rPr lang="pt-BR" sz="2000" dirty="0" smtClean="0"/>
               <a:t>}</a:t>
             </a:r>
-            <a:endParaRPr lang="pt-BR" sz="2000" dirty="0" smtClean="0">
-              <a:solidFill>
-                <a:srgbClr val="FFC000"/>
-              </a:solidFill>
-            </a:endParaRPr>
           </a:p>
         </p:txBody>
       </p:sp>
@@ -23485,19 +22747,7 @@
                 <a:rPr lang="pt-BR" sz="1600" dirty="0" smtClean="0">
                   <a:latin typeface="+mn-lt"/>
                 </a:rPr>
-                <a:t>&gt; </a:t>
-              </a:r>
-              <a:r>
-                <a:rPr lang="pt-BR" sz="1600" dirty="0" smtClean="0">
-                  <a:latin typeface="+mn-lt"/>
-                </a:rPr>
-                <a:t>previamente </a:t>
-              </a:r>
-              <a:r>
-                <a:rPr lang="pt-BR" sz="1600" dirty="0" smtClean="0">
-                  <a:latin typeface="+mn-lt"/>
-                </a:rPr>
-                <a:t>preenchido</a:t>
+                <a:t>&gt; previamente preenchido</a:t>
               </a:r>
               <a:endParaRPr lang="pt-BR" sz="1600" dirty="0">
                 <a:latin typeface="+mn-lt"/>
@@ -23753,7 +23003,6 @@
               <a:rPr lang="pt-BR" sz="4400" dirty="0" smtClean="0"/>
               <a:t> – Principais implementações</a:t>
             </a:r>
-            <a:endParaRPr lang="pt-BR" sz="4400" dirty="0" smtClean="0"/>
           </a:p>
         </p:txBody>
       </p:sp>
@@ -23847,11 +23096,7 @@
             <a:pPr lvl="1"/>
             <a:r>
               <a:rPr lang="pt-BR" sz="2000" dirty="0" smtClean="0"/>
-              <a:t>Embora menos eficiente, esta implementação garante a integridade de seus dados quando manipulados por processos concorrentes (threads) da aplicação</a:t>
-            </a:r>
-            <a:r>
-              <a:rPr lang="pt-BR" sz="2000" dirty="0" smtClean="0"/>
-              <a:t>.</a:t>
+              <a:t>Embora menos eficiente, esta implementação garante a integridade de seus dados quando manipulados por processos concorrentes (threads) da aplicação.</a:t>
             </a:r>
           </a:p>
         </p:txBody>
@@ -23937,7 +23182,6 @@
               <a:rPr lang="pt-BR" dirty="0" smtClean="0"/>
               <a:t>Exercício</a:t>
             </a:r>
-            <a:endParaRPr lang="pt-BR" dirty="0" smtClean="0"/>
           </a:p>
         </p:txBody>
       </p:sp>
@@ -25345,11 +24589,6 @@
                         </a:rPr>
                         <a:t>() : Set&lt;K&gt;</a:t>
                       </a:r>
-                      <a:endParaRPr lang="en-US" sz="1400" dirty="0" smtClean="0">
-                        <a:solidFill>
-                          <a:srgbClr val="FFC000"/>
-                        </a:solidFill>
-                      </a:endParaRPr>
                     </a:p>
                   </a:txBody>
                   <a:tcPr>
@@ -26146,16 +25385,48 @@
               <a:buNone/>
             </a:pPr>
             <a:r>
+              <a:rPr lang="pt-BR" sz="2000" dirty="0" err="1" smtClean="0">
+                <a:solidFill>
+                  <a:srgbClr val="FFC000"/>
+                </a:solidFill>
+              </a:rPr>
+              <a:t>Collection</a:t>
+            </a:r>
+            <a:r>
+              <a:rPr lang="pt-BR" sz="2000" dirty="0" smtClean="0">
+                <a:solidFill>
+                  <a:srgbClr val="FFC000"/>
+                </a:solidFill>
+              </a:rPr>
+              <a:t>&lt;Produto&gt; </a:t>
+            </a:r>
+            <a:r>
+              <a:rPr lang="pt-BR" sz="2000" dirty="0" err="1" smtClean="0">
+                <a:solidFill>
+                  <a:srgbClr val="FFC000"/>
+                </a:solidFill>
+              </a:rPr>
+              <a:t>colecaox</a:t>
+            </a:r>
+            <a:r>
+              <a:rPr lang="pt-BR" sz="2000" dirty="0" smtClean="0"/>
+              <a:t> = </a:t>
+            </a:r>
+            <a:r>
               <a:rPr lang="pt-BR" sz="2000" dirty="0" err="1" smtClean="0"/>
-              <a:t>Collection</a:t>
-            </a:r>
-            <a:r>
-              <a:rPr lang="pt-BR" sz="2000" dirty="0" smtClean="0"/>
-              <a:t>&lt;Produto&gt; </a:t>
+              <a:t>new</a:t>
+            </a:r>
+            <a:r>
+              <a:rPr lang="pt-BR" sz="2000" dirty="0" smtClean="0"/>
+              <a:t> </a:t>
             </a:r>
             <a:r>
               <a:rPr lang="pt-BR" sz="2000" dirty="0" err="1" smtClean="0"/>
-              <a:t>colecaox</a:t>
+              <a:t>HashSet</a:t>
+            </a:r>
+            <a:r>
+              <a:rPr lang="pt-BR" sz="2000" dirty="0" smtClean="0"/>
+              <a:t>&lt;</a:t>
             </a:r>
             <a:r>
               <a:rPr lang="pt-BR" sz="2000" dirty="0" smtClean="0">
@@ -26163,50 +25434,10 @@
                   <a:srgbClr val="FFC000"/>
                 </a:solidFill>
               </a:rPr>
-              <a:t> = </a:t>
-            </a:r>
-            <a:r>
-              <a:rPr lang="pt-BR" sz="2000" dirty="0" err="1" smtClean="0">
-                <a:solidFill>
-                  <a:srgbClr val="FFC000"/>
-                </a:solidFill>
-              </a:rPr>
-              <a:t>new</a:t>
-            </a:r>
-            <a:r>
-              <a:rPr lang="pt-BR" sz="2000" dirty="0" smtClean="0">
-                <a:solidFill>
-                  <a:srgbClr val="FFC000"/>
-                </a:solidFill>
-              </a:rPr>
-              <a:t> </a:t>
-            </a:r>
-            <a:r>
-              <a:rPr lang="pt-BR" sz="2000" dirty="0" err="1" smtClean="0">
-                <a:solidFill>
-                  <a:srgbClr val="FFC000"/>
-                </a:solidFill>
-              </a:rPr>
-              <a:t>HashSet</a:t>
-            </a:r>
-            <a:r>
-              <a:rPr lang="pt-BR" sz="2000" dirty="0" smtClean="0">
-                <a:solidFill>
-                  <a:srgbClr val="FFC000"/>
-                </a:solidFill>
-              </a:rPr>
-              <a:t>&lt;</a:t>
-            </a:r>
-            <a:r>
-              <a:rPr lang="pt-BR" sz="2000" dirty="0" smtClean="0"/>
               <a:t>Produto</a:t>
             </a:r>
             <a:r>
-              <a:rPr lang="pt-BR" sz="2000" dirty="0" smtClean="0">
-                <a:solidFill>
-                  <a:srgbClr val="FFC000"/>
-                </a:solidFill>
-              </a:rPr>
+              <a:rPr lang="pt-BR" sz="2000" dirty="0" smtClean="0"/>
               <a:t>&gt;();</a:t>
             </a:r>
           </a:p>
@@ -26217,11 +25448,7 @@
               </a:spcBef>
               <a:buNone/>
             </a:pPr>
-            <a:endParaRPr lang="pt-BR" sz="2000" dirty="0" smtClean="0">
-              <a:solidFill>
-                <a:srgbClr val="FFC000"/>
-              </a:solidFill>
-            </a:endParaRPr>
+            <a:endParaRPr lang="pt-BR" sz="2000" dirty="0" smtClean="0"/>
           </a:p>
           <a:p>
             <a:pPr marL="88900" indent="0">
@@ -26231,27 +25458,15 @@
               <a:buNone/>
             </a:pPr>
             <a:r>
-              <a:rPr lang="pt-BR" sz="2000" dirty="0" smtClean="0">
-                <a:solidFill>
-                  <a:srgbClr val="FFC000"/>
-                </a:solidFill>
-              </a:rPr>
+              <a:rPr lang="pt-BR" sz="2000" dirty="0" smtClean="0"/>
               <a:t>Produto p1 = </a:t>
             </a:r>
             <a:r>
-              <a:rPr lang="pt-BR" sz="2000" dirty="0" err="1" smtClean="0">
-                <a:solidFill>
-                  <a:srgbClr val="FFC000"/>
-                </a:solidFill>
-              </a:rPr>
+              <a:rPr lang="pt-BR" sz="2000" dirty="0" err="1" smtClean="0"/>
               <a:t>new</a:t>
             </a:r>
             <a:r>
-              <a:rPr lang="pt-BR" sz="2000" dirty="0" smtClean="0">
-                <a:solidFill>
-                  <a:srgbClr val="FFC000"/>
-                </a:solidFill>
-              </a:rPr>
+              <a:rPr lang="pt-BR" sz="2000" dirty="0" smtClean="0"/>
               <a:t> Produto(1012, “Cerveja em lata”);</a:t>
             </a:r>
           </a:p>
@@ -26263,39 +25478,51 @@
               <a:buNone/>
             </a:pPr>
             <a:r>
-              <a:rPr lang="pt-BR" sz="2000" dirty="0" err="1" smtClean="0"/>
+              <a:rPr lang="pt-BR" sz="2000" dirty="0" err="1" smtClean="0">
+                <a:solidFill>
+                  <a:srgbClr val="FFC000"/>
+                </a:solidFill>
+              </a:rPr>
               <a:t>colecaox</a:t>
             </a:r>
             <a:r>
-              <a:rPr lang="pt-BR" sz="2000" dirty="0" smtClean="0"/>
+              <a:rPr lang="pt-BR" sz="2000" dirty="0" smtClean="0">
+                <a:solidFill>
+                  <a:srgbClr val="FFC000"/>
+                </a:solidFill>
+              </a:rPr>
               <a:t>.</a:t>
             </a:r>
             <a:r>
-              <a:rPr lang="pt-BR" sz="2000" dirty="0" err="1" smtClean="0"/>
+              <a:rPr lang="pt-BR" sz="2000" dirty="0" err="1" smtClean="0">
+                <a:solidFill>
+                  <a:srgbClr val="FFC000"/>
+                </a:solidFill>
+              </a:rPr>
               <a:t>add</a:t>
             </a:r>
             <a:r>
-              <a:rPr lang="pt-BR" sz="2000" dirty="0" smtClean="0"/>
+              <a:rPr lang="pt-BR" sz="2000" dirty="0" smtClean="0">
+                <a:solidFill>
+                  <a:srgbClr val="FFC000"/>
+                </a:solidFill>
+              </a:rPr>
               <a:t>(</a:t>
             </a:r>
             <a:r>
+              <a:rPr lang="pt-BR" sz="2000" dirty="0" smtClean="0"/>
+              <a:t>p1</a:t>
+            </a:r>
+            <a:r>
               <a:rPr lang="pt-BR" sz="2000" dirty="0" smtClean="0">
                 <a:solidFill>
                   <a:srgbClr val="FFC000"/>
                 </a:solidFill>
               </a:rPr>
-              <a:t>p1</a:t>
-            </a:r>
-            <a:r>
-              <a:rPr lang="pt-BR" sz="2000" dirty="0" smtClean="0"/>
               <a:t>)</a:t>
             </a:r>
             <a:r>
-              <a:rPr lang="pt-BR" sz="2000" dirty="0" smtClean="0">
-                <a:solidFill>
-                  <a:srgbClr val="FFC000"/>
-                </a:solidFill>
-              </a:rPr>
+              <a:rPr lang="pt-BR" sz="2000" dirty="0" smtClean="0"/>
               <a:t>;</a:t>
             </a:r>
           </a:p>
@@ -26306,11 +25533,7 @@
               </a:spcBef>
               <a:buNone/>
             </a:pPr>
-            <a:endParaRPr lang="pt-BR" sz="2000" dirty="0" smtClean="0">
-              <a:solidFill>
-                <a:srgbClr val="FFC000"/>
-              </a:solidFill>
-            </a:endParaRPr>
+            <a:endParaRPr lang="pt-BR" sz="2000" dirty="0" smtClean="0"/>
           </a:p>
           <a:p>
             <a:pPr marL="88900" indent="0">
@@ -26320,27 +25543,15 @@
               <a:buNone/>
             </a:pPr>
             <a:r>
-              <a:rPr lang="pt-BR" sz="2000" dirty="0" smtClean="0">
-                <a:solidFill>
-                  <a:srgbClr val="FFC000"/>
-                </a:solidFill>
-              </a:rPr>
+              <a:rPr lang="pt-BR" sz="2000" dirty="0" smtClean="0"/>
               <a:t>Produto p2 = </a:t>
             </a:r>
             <a:r>
-              <a:rPr lang="pt-BR" sz="2000" dirty="0" err="1" smtClean="0">
-                <a:solidFill>
-                  <a:srgbClr val="FFC000"/>
-                </a:solidFill>
-              </a:rPr>
+              <a:rPr lang="pt-BR" sz="2000" dirty="0" err="1" smtClean="0"/>
               <a:t>new</a:t>
             </a:r>
             <a:r>
-              <a:rPr lang="pt-BR" sz="2000" dirty="0" smtClean="0">
-                <a:solidFill>
-                  <a:srgbClr val="FFC000"/>
-                </a:solidFill>
-              </a:rPr>
+              <a:rPr lang="pt-BR" sz="2000" dirty="0" smtClean="0"/>
               <a:t> Produto(1050, “Biscoito recheado”);</a:t>
             </a:r>
           </a:p>
@@ -26352,39 +25563,51 @@
               <a:buNone/>
             </a:pPr>
             <a:r>
-              <a:rPr lang="pt-BR" sz="2000" dirty="0" err="1" smtClean="0"/>
+              <a:rPr lang="pt-BR" sz="2000" dirty="0" err="1" smtClean="0">
+                <a:solidFill>
+                  <a:srgbClr val="FFC000"/>
+                </a:solidFill>
+              </a:rPr>
               <a:t>colecaox</a:t>
             </a:r>
             <a:r>
-              <a:rPr lang="pt-BR" sz="2000" dirty="0" smtClean="0"/>
+              <a:rPr lang="pt-BR" sz="2000" dirty="0" smtClean="0">
+                <a:solidFill>
+                  <a:srgbClr val="FFC000"/>
+                </a:solidFill>
+              </a:rPr>
               <a:t>.</a:t>
             </a:r>
             <a:r>
-              <a:rPr lang="pt-BR" sz="2000" dirty="0" err="1" smtClean="0"/>
+              <a:rPr lang="pt-BR" sz="2000" dirty="0" err="1" smtClean="0">
+                <a:solidFill>
+                  <a:srgbClr val="FFC000"/>
+                </a:solidFill>
+              </a:rPr>
               <a:t>add</a:t>
             </a:r>
             <a:r>
-              <a:rPr lang="pt-BR" sz="2000" dirty="0" smtClean="0"/>
+              <a:rPr lang="pt-BR" sz="2000" dirty="0" smtClean="0">
+                <a:solidFill>
+                  <a:srgbClr val="FFC000"/>
+                </a:solidFill>
+              </a:rPr>
               <a:t>(</a:t>
             </a:r>
             <a:r>
+              <a:rPr lang="pt-BR" sz="2000" dirty="0" smtClean="0"/>
+              <a:t>p2</a:t>
+            </a:r>
+            <a:r>
               <a:rPr lang="pt-BR" sz="2000" dirty="0" smtClean="0">
                 <a:solidFill>
                   <a:srgbClr val="FFC000"/>
                 </a:solidFill>
               </a:rPr>
-              <a:t>p2</a:t>
-            </a:r>
-            <a:r>
-              <a:rPr lang="pt-BR" sz="2000" dirty="0" smtClean="0"/>
               <a:t>)</a:t>
             </a:r>
             <a:r>
-              <a:rPr lang="pt-BR" sz="2000" dirty="0" smtClean="0">
-                <a:solidFill>
-                  <a:srgbClr val="FFC000"/>
-                </a:solidFill>
-              </a:rPr>
+              <a:rPr lang="pt-BR" sz="2000" dirty="0" smtClean="0"/>
               <a:t>;</a:t>
             </a:r>
           </a:p>
@@ -26395,11 +25618,7 @@
               </a:spcBef>
               <a:buNone/>
             </a:pPr>
-            <a:endParaRPr lang="pt-BR" sz="2000" dirty="0" smtClean="0">
-              <a:solidFill>
-                <a:srgbClr val="FFC000"/>
-              </a:solidFill>
-            </a:endParaRPr>
+            <a:endParaRPr lang="pt-BR" sz="2000" dirty="0" smtClean="0"/>
           </a:p>
           <a:p>
             <a:pPr marL="88900" indent="0">
@@ -26409,47 +25628,55 @@
               <a:buNone/>
             </a:pPr>
             <a:r>
+              <a:rPr lang="pt-BR" sz="2000" dirty="0" err="1" smtClean="0">
+                <a:solidFill>
+                  <a:srgbClr val="FFC000"/>
+                </a:solidFill>
+              </a:rPr>
+              <a:t>colecaox</a:t>
+            </a:r>
+            <a:r>
+              <a:rPr lang="pt-BR" sz="2000" dirty="0" smtClean="0">
+                <a:solidFill>
+                  <a:srgbClr val="FFC000"/>
+                </a:solidFill>
+              </a:rPr>
+              <a:t>.</a:t>
+            </a:r>
+            <a:r>
+              <a:rPr lang="pt-BR" sz="2000" dirty="0" err="1" smtClean="0">
+                <a:solidFill>
+                  <a:srgbClr val="FFC000"/>
+                </a:solidFill>
+              </a:rPr>
+              <a:t>add</a:t>
+            </a:r>
+            <a:r>
+              <a:rPr lang="pt-BR" sz="2000" dirty="0" smtClean="0">
+                <a:solidFill>
+                  <a:srgbClr val="FFC000"/>
+                </a:solidFill>
+              </a:rPr>
+              <a:t>(</a:t>
+            </a:r>
+            <a:r>
               <a:rPr lang="pt-BR" sz="2000" dirty="0" err="1" smtClean="0"/>
-              <a:t>colecaox</a:t>
-            </a:r>
-            <a:r>
-              <a:rPr lang="pt-BR" sz="2000" dirty="0" smtClean="0"/>
-              <a:t>.</a:t>
-            </a:r>
-            <a:r>
-              <a:rPr lang="pt-BR" sz="2000" dirty="0" err="1" smtClean="0"/>
-              <a:t>add</a:t>
-            </a:r>
-            <a:r>
-              <a:rPr lang="pt-BR" sz="2000" dirty="0" smtClean="0"/>
-              <a:t>(</a:t>
-            </a:r>
-            <a:r>
-              <a:rPr lang="pt-BR" sz="2000" dirty="0" err="1" smtClean="0">
+              <a:t>new</a:t>
+            </a:r>
+            <a:r>
+              <a:rPr lang="pt-BR" sz="2000" dirty="0" smtClean="0"/>
+              <a:t> Produto(2034, “Sabão em pó”)</a:t>
+            </a:r>
+            <a:r>
+              <a:rPr lang="pt-BR" sz="2000" dirty="0" smtClean="0">
                 <a:solidFill>
                   <a:srgbClr val="FFC000"/>
                 </a:solidFill>
               </a:rPr>
-              <a:t>new</a:t>
-            </a:r>
-            <a:r>
-              <a:rPr lang="pt-BR" sz="2000" dirty="0" smtClean="0">
-                <a:solidFill>
-                  <a:srgbClr val="FFC000"/>
-                </a:solidFill>
-              </a:rPr>
-              <a:t> Produto(2034, “Sabão em pó”)</a:t>
-            </a:r>
-            <a:r>
-              <a:rPr lang="pt-BR" sz="2000" dirty="0" smtClean="0"/>
               <a:t>)</a:t>
             </a:r>
             <a:r>
-              <a:rPr lang="pt-BR" sz="2000" dirty="0" smtClean="0">
-                <a:solidFill>
-                  <a:srgbClr val="FFC000"/>
-                </a:solidFill>
-              </a:rPr>
+              <a:rPr lang="pt-BR" sz="2000" dirty="0" smtClean="0"/>
               <a:t>;</a:t>
             </a:r>
           </a:p>
@@ -26460,11 +25687,7 @@
               </a:spcBef>
               <a:buNone/>
             </a:pPr>
-            <a:endParaRPr lang="pt-BR" sz="2000" dirty="0" smtClean="0">
-              <a:solidFill>
-                <a:srgbClr val="FFC000"/>
-              </a:solidFill>
-            </a:endParaRPr>
+            <a:endParaRPr lang="pt-BR" sz="2000" dirty="0" smtClean="0"/>
           </a:p>
           <a:p>
             <a:pPr marL="88900" indent="0">
@@ -26474,12 +25697,32 @@
               <a:buNone/>
             </a:pPr>
             <a:r>
+              <a:rPr lang="pt-BR" sz="2000" dirty="0" smtClean="0"/>
+              <a:t>System.</a:t>
+            </a:r>
+            <a:r>
+              <a:rPr lang="pt-BR" sz="2000" dirty="0" err="1" smtClean="0"/>
+              <a:t>out.println</a:t>
+            </a:r>
+            <a:r>
+              <a:rPr lang="pt-BR" sz="2000" dirty="0" smtClean="0"/>
+              <a:t>(“Quantidade: ” + </a:t>
+            </a:r>
+            <a:r>
+              <a:rPr lang="pt-BR" sz="2000" dirty="0" err="1" smtClean="0">
+                <a:solidFill>
+                  <a:srgbClr val="FFC000"/>
+                </a:solidFill>
+              </a:rPr>
+              <a:t>colecaox</a:t>
+            </a:r>
+            <a:r>
               <a:rPr lang="pt-BR" sz="2000" dirty="0" smtClean="0">
                 <a:solidFill>
                   <a:srgbClr val="FFC000"/>
                 </a:solidFill>
               </a:rPr>
-              <a:t>System.</a:t>
+              <a:t>.</a:t>
             </a:r>
             <a:r>
               <a:rPr lang="pt-BR" sz="2000" dirty="0" err="1" smtClean="0">
@@ -26487,7 +25730,7 @@
                   <a:srgbClr val="FFC000"/>
                 </a:solidFill>
               </a:rPr>
-              <a:t>out.println</a:t>
+              <a:t>size</a:t>
             </a:r>
             <a:r>
               <a:rPr lang="pt-BR" sz="2000" dirty="0" smtClean="0">
@@ -26495,30 +25738,10 @@
                   <a:srgbClr val="FFC000"/>
                 </a:solidFill>
               </a:rPr>
-              <a:t>(“Quantidade: ” + </a:t>
-            </a:r>
-            <a:r>
-              <a:rPr lang="pt-BR" sz="2000" dirty="0" err="1" smtClean="0"/>
-              <a:t>colecaox</a:t>
-            </a:r>
-            <a:r>
-              <a:rPr lang="pt-BR" sz="2000" dirty="0" smtClean="0"/>
-              <a:t>.</a:t>
-            </a:r>
-            <a:r>
-              <a:rPr lang="pt-BR" sz="2000" dirty="0" err="1" smtClean="0"/>
-              <a:t>size</a:t>
-            </a:r>
-            <a:r>
-              <a:rPr lang="pt-BR" sz="2000" dirty="0" smtClean="0"/>
               <a:t>()</a:t>
             </a:r>
             <a:r>
-              <a:rPr lang="pt-BR" sz="2000" dirty="0" smtClean="0">
-                <a:solidFill>
-                  <a:srgbClr val="FFC000"/>
-                </a:solidFill>
-              </a:rPr>
+              <a:rPr lang="pt-BR" sz="2000" dirty="0" smtClean="0"/>
               <a:t> + “ itens”);</a:t>
             </a:r>
           </a:p>
@@ -26947,56 +26170,12 @@
               <a:buNone/>
             </a:pPr>
             <a:r>
-              <a:rPr lang="pt-BR" sz="2000" dirty="0" err="1" smtClean="0"/>
+              <a:rPr lang="pt-BR" sz="2000" dirty="0" err="1" smtClean="0">
+                <a:solidFill>
+                  <a:srgbClr val="FFC000"/>
+                </a:solidFill>
+              </a:rPr>
               <a:t>Collection</a:t>
-            </a:r>
-            <a:r>
-              <a:rPr lang="pt-BR" sz="2000" dirty="0" smtClean="0"/>
-              <a:t>&lt;</a:t>
-            </a:r>
-            <a:r>
-              <a:rPr lang="pt-BR" sz="2000" dirty="0" err="1" smtClean="0"/>
-              <a:t>Object</a:t>
-            </a:r>
-            <a:r>
-              <a:rPr lang="pt-BR" sz="2000" dirty="0" smtClean="0"/>
-              <a:t>&gt; </a:t>
-            </a:r>
-            <a:r>
-              <a:rPr lang="pt-BR" sz="2000" dirty="0" err="1" smtClean="0"/>
-              <a:t>colecaoy</a:t>
-            </a:r>
-            <a:r>
-              <a:rPr lang="pt-BR" sz="2000" dirty="0" smtClean="0">
-                <a:solidFill>
-                  <a:srgbClr val="FFC000"/>
-                </a:solidFill>
-              </a:rPr>
-              <a:t> = </a:t>
-            </a:r>
-            <a:r>
-              <a:rPr lang="pt-BR" sz="2000" dirty="0" err="1" smtClean="0">
-                <a:solidFill>
-                  <a:srgbClr val="FFC000"/>
-                </a:solidFill>
-              </a:rPr>
-              <a:t>new</a:t>
-            </a:r>
-            <a:r>
-              <a:rPr lang="pt-BR" sz="2000" dirty="0" smtClean="0">
-                <a:solidFill>
-                  <a:srgbClr val="FFC000"/>
-                </a:solidFill>
-              </a:rPr>
-              <a:t> </a:t>
-            </a:r>
-            <a:r>
-              <a:rPr lang="pt-BR" sz="2000" dirty="0" err="1" smtClean="0">
-                <a:solidFill>
-                  <a:srgbClr val="FFC000"/>
-                </a:solidFill>
-              </a:rPr>
-              <a:t>ArrayList</a:t>
             </a:r>
             <a:r>
               <a:rPr lang="pt-BR" sz="2000" dirty="0" smtClean="0">
@@ -27007,15 +26186,59 @@
               <a:t>&lt;</a:t>
             </a:r>
             <a:r>
+              <a:rPr lang="pt-BR" sz="2000" dirty="0" err="1" smtClean="0">
+                <a:solidFill>
+                  <a:srgbClr val="FFC000"/>
+                </a:solidFill>
+              </a:rPr>
+              <a:t>Object</a:t>
+            </a:r>
+            <a:r>
+              <a:rPr lang="pt-BR" sz="2000" dirty="0" smtClean="0">
+                <a:solidFill>
+                  <a:srgbClr val="FFC000"/>
+                </a:solidFill>
+              </a:rPr>
+              <a:t>&gt; </a:t>
+            </a:r>
+            <a:r>
+              <a:rPr lang="pt-BR" sz="2000" dirty="0" err="1" smtClean="0">
+                <a:solidFill>
+                  <a:srgbClr val="FFC000"/>
+                </a:solidFill>
+              </a:rPr>
+              <a:t>colecaoy</a:t>
+            </a:r>
+            <a:r>
+              <a:rPr lang="pt-BR" sz="2000" dirty="0" smtClean="0"/>
+              <a:t> = </a:t>
+            </a:r>
+            <a:r>
               <a:rPr lang="pt-BR" sz="2000" dirty="0" err="1" smtClean="0"/>
+              <a:t>new</a:t>
+            </a:r>
+            <a:r>
+              <a:rPr lang="pt-BR" sz="2000" dirty="0" smtClean="0"/>
+              <a:t> </a:t>
+            </a:r>
+            <a:r>
+              <a:rPr lang="pt-BR" sz="2000" dirty="0" err="1" smtClean="0"/>
+              <a:t>ArrayList</a:t>
+            </a:r>
+            <a:r>
+              <a:rPr lang="pt-BR" sz="2000" dirty="0" smtClean="0"/>
+              <a:t>&lt;</a:t>
+            </a:r>
+            <a:r>
+              <a:rPr lang="pt-BR" sz="2000" dirty="0" err="1" smtClean="0">
+                <a:solidFill>
+                  <a:srgbClr val="FFC000"/>
+                </a:solidFill>
+              </a:rPr>
               <a:t>Object</a:t>
             </a:r>
             <a:r>
-              <a:rPr lang="pt-BR" sz="2000" dirty="0" smtClean="0">
-                <a:solidFill>
-                  <a:srgbClr val="FFC000"/>
-                </a:solidFill>
-              </a:rPr>
+              <a:rPr lang="pt-BR" sz="2000" dirty="0" smtClean="0"/>
               <a:t>&gt;();</a:t>
             </a:r>
           </a:p>
@@ -27026,11 +26249,7 @@
               </a:spcBef>
               <a:buNone/>
             </a:pPr>
-            <a:endParaRPr lang="pt-BR" sz="2000" dirty="0" smtClean="0">
-              <a:solidFill>
-                <a:srgbClr val="FFC000"/>
-              </a:solidFill>
-            </a:endParaRPr>
+            <a:endParaRPr lang="pt-BR" sz="2000" dirty="0" smtClean="0"/>
           </a:p>
           <a:p>
             <a:pPr marL="88900" indent="0">
@@ -27040,39 +26259,51 @@
               <a:buNone/>
             </a:pPr>
             <a:r>
-              <a:rPr lang="pt-BR" sz="2000" dirty="0" err="1" smtClean="0"/>
+              <a:rPr lang="pt-BR" sz="2000" dirty="0" err="1" smtClean="0">
+                <a:solidFill>
+                  <a:srgbClr val="FFC000"/>
+                </a:solidFill>
+              </a:rPr>
               <a:t>colecaoy</a:t>
             </a:r>
             <a:r>
-              <a:rPr lang="pt-BR" sz="2000" dirty="0" smtClean="0"/>
+              <a:rPr lang="pt-BR" sz="2000" dirty="0" smtClean="0">
+                <a:solidFill>
+                  <a:srgbClr val="FFC000"/>
+                </a:solidFill>
+              </a:rPr>
               <a:t>.</a:t>
             </a:r>
             <a:r>
-              <a:rPr lang="pt-BR" sz="2000" dirty="0" err="1" smtClean="0"/>
+              <a:rPr lang="pt-BR" sz="2000" dirty="0" err="1" smtClean="0">
+                <a:solidFill>
+                  <a:srgbClr val="FFC000"/>
+                </a:solidFill>
+              </a:rPr>
               <a:t>add</a:t>
             </a:r>
             <a:r>
-              <a:rPr lang="pt-BR" sz="2000" dirty="0" smtClean="0"/>
+              <a:rPr lang="pt-BR" sz="2000" dirty="0" smtClean="0">
+                <a:solidFill>
+                  <a:srgbClr val="FFC000"/>
+                </a:solidFill>
+              </a:rPr>
               <a:t>(</a:t>
             </a:r>
             <a:r>
+              <a:rPr lang="pt-BR" sz="2000" dirty="0" smtClean="0"/>
+              <a:t>“Item 1”</a:t>
+            </a:r>
+            <a:r>
               <a:rPr lang="pt-BR" sz="2000" dirty="0" smtClean="0">
                 <a:solidFill>
                   <a:srgbClr val="FFC000"/>
                 </a:solidFill>
               </a:rPr>
-              <a:t>“Item 1”</a:t>
-            </a:r>
-            <a:r>
-              <a:rPr lang="pt-BR" sz="2000" dirty="0" smtClean="0"/>
               <a:t>)</a:t>
             </a:r>
             <a:r>
-              <a:rPr lang="pt-BR" sz="2000" dirty="0" smtClean="0">
-                <a:solidFill>
-                  <a:srgbClr val="FFC000"/>
-                </a:solidFill>
-              </a:rPr>
+              <a:rPr lang="pt-BR" sz="2000" dirty="0" smtClean="0"/>
               <a:t>;</a:t>
             </a:r>
           </a:p>
@@ -27084,39 +26315,51 @@
               <a:buNone/>
             </a:pPr>
             <a:r>
-              <a:rPr lang="pt-BR" sz="2000" dirty="0" err="1" smtClean="0"/>
+              <a:rPr lang="pt-BR" sz="2000" dirty="0" err="1" smtClean="0">
+                <a:solidFill>
+                  <a:srgbClr val="FFC000"/>
+                </a:solidFill>
+              </a:rPr>
               <a:t>colecaoy</a:t>
             </a:r>
             <a:r>
-              <a:rPr lang="pt-BR" sz="2000" dirty="0" smtClean="0"/>
+              <a:rPr lang="pt-BR" sz="2000" dirty="0" smtClean="0">
+                <a:solidFill>
+                  <a:srgbClr val="FFC000"/>
+                </a:solidFill>
+              </a:rPr>
               <a:t>.</a:t>
             </a:r>
             <a:r>
-              <a:rPr lang="pt-BR" sz="2000" dirty="0" err="1" smtClean="0"/>
+              <a:rPr lang="pt-BR" sz="2000" dirty="0" err="1" smtClean="0">
+                <a:solidFill>
+                  <a:srgbClr val="FFC000"/>
+                </a:solidFill>
+              </a:rPr>
               <a:t>add</a:t>
             </a:r>
             <a:r>
-              <a:rPr lang="pt-BR" sz="2000" dirty="0" smtClean="0"/>
+              <a:rPr lang="pt-BR" sz="2000" dirty="0" smtClean="0">
+                <a:solidFill>
+                  <a:srgbClr val="FFC000"/>
+                </a:solidFill>
+              </a:rPr>
               <a:t>(</a:t>
             </a:r>
             <a:r>
+              <a:rPr lang="pt-BR" sz="2000" dirty="0" smtClean="0"/>
+              <a:t>56</a:t>
+            </a:r>
+            <a:r>
               <a:rPr lang="pt-BR" sz="2000" dirty="0" smtClean="0">
                 <a:solidFill>
                   <a:srgbClr val="FFC000"/>
                 </a:solidFill>
               </a:rPr>
-              <a:t>56</a:t>
-            </a:r>
-            <a:r>
-              <a:rPr lang="pt-BR" sz="2000" dirty="0" smtClean="0"/>
               <a:t>)</a:t>
             </a:r>
             <a:r>
-              <a:rPr lang="pt-BR" sz="2000" dirty="0" smtClean="0">
-                <a:solidFill>
-                  <a:srgbClr val="FFC000"/>
-                </a:solidFill>
-              </a:rPr>
+              <a:rPr lang="pt-BR" sz="2000" dirty="0" smtClean="0"/>
               <a:t>;</a:t>
             </a:r>
           </a:p>
@@ -27128,39 +26371,51 @@
               <a:buNone/>
             </a:pPr>
             <a:r>
+              <a:rPr lang="pt-BR" sz="2000" dirty="0" err="1" smtClean="0">
+                <a:solidFill>
+                  <a:srgbClr val="FFC000"/>
+                </a:solidFill>
+              </a:rPr>
+              <a:t>colecaoy</a:t>
+            </a:r>
+            <a:r>
+              <a:rPr lang="pt-BR" sz="2000" dirty="0" smtClean="0">
+                <a:solidFill>
+                  <a:srgbClr val="FFC000"/>
+                </a:solidFill>
+              </a:rPr>
+              <a:t>.</a:t>
+            </a:r>
+            <a:r>
+              <a:rPr lang="pt-BR" sz="2000" dirty="0" err="1" smtClean="0">
+                <a:solidFill>
+                  <a:srgbClr val="FFC000"/>
+                </a:solidFill>
+              </a:rPr>
+              <a:t>add</a:t>
+            </a:r>
+            <a:r>
+              <a:rPr lang="pt-BR" sz="2000" dirty="0" smtClean="0">
+                <a:solidFill>
+                  <a:srgbClr val="FFC000"/>
+                </a:solidFill>
+              </a:rPr>
+              <a:t>(</a:t>
+            </a:r>
+            <a:r>
               <a:rPr lang="pt-BR" sz="2000" dirty="0" err="1" smtClean="0"/>
-              <a:t>colecaoy</a:t>
-            </a:r>
-            <a:r>
-              <a:rPr lang="pt-BR" sz="2000" dirty="0" smtClean="0"/>
-              <a:t>.</a:t>
-            </a:r>
-            <a:r>
-              <a:rPr lang="pt-BR" sz="2000" dirty="0" err="1" smtClean="0"/>
-              <a:t>add</a:t>
-            </a:r>
-            <a:r>
-              <a:rPr lang="pt-BR" sz="2000" dirty="0" smtClean="0"/>
-              <a:t>(</a:t>
-            </a:r>
-            <a:r>
-              <a:rPr lang="pt-BR" sz="2000" dirty="0" err="1" smtClean="0">
+              <a:t>false</a:t>
+            </a:r>
+            <a:r>
+              <a:rPr lang="pt-BR" sz="2000" dirty="0" smtClean="0">
                 <a:solidFill>
                   <a:srgbClr val="FFC000"/>
                 </a:solidFill>
               </a:rPr>
-              <a:t>false</a:t>
-            </a:r>
-            <a:r>
-              <a:rPr lang="pt-BR" sz="2000" dirty="0" smtClean="0"/>
               <a:t>)</a:t>
             </a:r>
             <a:r>
-              <a:rPr lang="pt-BR" sz="2000" dirty="0" smtClean="0">
-                <a:solidFill>
-                  <a:srgbClr val="FFC000"/>
-                </a:solidFill>
-              </a:rPr>
+              <a:rPr lang="pt-BR" sz="2000" dirty="0" smtClean="0"/>
               <a:t>;</a:t>
             </a:r>
           </a:p>
@@ -27172,47 +26427,55 @@
               <a:buNone/>
             </a:pPr>
             <a:r>
+              <a:rPr lang="pt-BR" sz="2000" dirty="0" err="1" smtClean="0">
+                <a:solidFill>
+                  <a:srgbClr val="FFC000"/>
+                </a:solidFill>
+              </a:rPr>
+              <a:t>colecaoy</a:t>
+            </a:r>
+            <a:r>
+              <a:rPr lang="pt-BR" sz="2000" dirty="0" smtClean="0">
+                <a:solidFill>
+                  <a:srgbClr val="FFC000"/>
+                </a:solidFill>
+              </a:rPr>
+              <a:t>.</a:t>
+            </a:r>
+            <a:r>
+              <a:rPr lang="pt-BR" sz="2000" dirty="0" err="1" smtClean="0">
+                <a:solidFill>
+                  <a:srgbClr val="FFC000"/>
+                </a:solidFill>
+              </a:rPr>
+              <a:t>add</a:t>
+            </a:r>
+            <a:r>
+              <a:rPr lang="pt-BR" sz="2000" dirty="0" smtClean="0">
+                <a:solidFill>
+                  <a:srgbClr val="FFC000"/>
+                </a:solidFill>
+              </a:rPr>
+              <a:t>(</a:t>
+            </a:r>
+            <a:r>
               <a:rPr lang="pt-BR" sz="2000" dirty="0" err="1" smtClean="0"/>
-              <a:t>colecaoy</a:t>
-            </a:r>
-            <a:r>
-              <a:rPr lang="pt-BR" sz="2000" dirty="0" smtClean="0"/>
-              <a:t>.</a:t>
-            </a:r>
-            <a:r>
-              <a:rPr lang="pt-BR" sz="2000" dirty="0" err="1" smtClean="0"/>
-              <a:t>add</a:t>
-            </a:r>
-            <a:r>
-              <a:rPr lang="pt-BR" sz="2000" dirty="0" smtClean="0"/>
-              <a:t>(</a:t>
-            </a:r>
-            <a:r>
-              <a:rPr lang="pt-BR" sz="2000" dirty="0" err="1" smtClean="0">
+              <a:t>new</a:t>
+            </a:r>
+            <a:r>
+              <a:rPr lang="pt-BR" sz="2000" dirty="0" smtClean="0"/>
+              <a:t> Date()</a:t>
+            </a:r>
+            <a:r>
+              <a:rPr lang="pt-BR" sz="2000" dirty="0" smtClean="0">
                 <a:solidFill>
                   <a:srgbClr val="FFC000"/>
                 </a:solidFill>
               </a:rPr>
-              <a:t>new</a:t>
-            </a:r>
-            <a:r>
-              <a:rPr lang="pt-BR" sz="2000" dirty="0" smtClean="0">
-                <a:solidFill>
-                  <a:srgbClr val="FFC000"/>
-                </a:solidFill>
-              </a:rPr>
-              <a:t> Date()</a:t>
-            </a:r>
-            <a:r>
-              <a:rPr lang="pt-BR" sz="2000" dirty="0" smtClean="0"/>
               <a:t>)</a:t>
             </a:r>
             <a:r>
-              <a:rPr lang="pt-BR" sz="2000" dirty="0" smtClean="0">
-                <a:solidFill>
-                  <a:srgbClr val="FFC000"/>
-                </a:solidFill>
-              </a:rPr>
+              <a:rPr lang="pt-BR" sz="2000" dirty="0" smtClean="0"/>
               <a:t>;</a:t>
             </a:r>
           </a:p>
@@ -27224,47 +26487,55 @@
               <a:buNone/>
             </a:pPr>
             <a:r>
+              <a:rPr lang="pt-BR" sz="2000" dirty="0" err="1" smtClean="0">
+                <a:solidFill>
+                  <a:srgbClr val="FFC000"/>
+                </a:solidFill>
+              </a:rPr>
+              <a:t>colecaoy</a:t>
+            </a:r>
+            <a:r>
+              <a:rPr lang="pt-BR" sz="2000" dirty="0" smtClean="0">
+                <a:solidFill>
+                  <a:srgbClr val="FFC000"/>
+                </a:solidFill>
+              </a:rPr>
+              <a:t>.</a:t>
+            </a:r>
+            <a:r>
+              <a:rPr lang="pt-BR" sz="2000" dirty="0" err="1" smtClean="0">
+                <a:solidFill>
+                  <a:srgbClr val="FFC000"/>
+                </a:solidFill>
+              </a:rPr>
+              <a:t>add</a:t>
+            </a:r>
+            <a:r>
+              <a:rPr lang="pt-BR" sz="2000" dirty="0" smtClean="0">
+                <a:solidFill>
+                  <a:srgbClr val="FFC000"/>
+                </a:solidFill>
+              </a:rPr>
+              <a:t>(</a:t>
+            </a:r>
+            <a:r>
               <a:rPr lang="pt-BR" sz="2000" dirty="0" err="1" smtClean="0"/>
-              <a:t>colecaoy</a:t>
-            </a:r>
-            <a:r>
-              <a:rPr lang="pt-BR" sz="2000" dirty="0" smtClean="0"/>
-              <a:t>.</a:t>
-            </a:r>
-            <a:r>
-              <a:rPr lang="pt-BR" sz="2000" dirty="0" err="1" smtClean="0"/>
-              <a:t>add</a:t>
-            </a:r>
-            <a:r>
-              <a:rPr lang="pt-BR" sz="2000" dirty="0" smtClean="0"/>
-              <a:t>(</a:t>
-            </a:r>
-            <a:r>
-              <a:rPr lang="pt-BR" sz="2000" dirty="0" err="1" smtClean="0">
+              <a:t>new</a:t>
+            </a:r>
+            <a:r>
+              <a:rPr lang="pt-BR" sz="2000" dirty="0" smtClean="0"/>
+              <a:t> Produto(2034, “Sabão em pó”)</a:t>
+            </a:r>
+            <a:r>
+              <a:rPr lang="pt-BR" sz="2000" dirty="0" smtClean="0">
                 <a:solidFill>
                   <a:srgbClr val="FFC000"/>
                 </a:solidFill>
               </a:rPr>
-              <a:t>new</a:t>
-            </a:r>
-            <a:r>
-              <a:rPr lang="pt-BR" sz="2000" dirty="0" smtClean="0">
-                <a:solidFill>
-                  <a:srgbClr val="FFC000"/>
-                </a:solidFill>
-              </a:rPr>
-              <a:t> Produto(2034, “Sabão em pó”)</a:t>
-            </a:r>
-            <a:r>
-              <a:rPr lang="pt-BR" sz="2000" dirty="0" smtClean="0"/>
               <a:t>)</a:t>
             </a:r>
             <a:r>
-              <a:rPr lang="pt-BR" sz="2000" dirty="0" smtClean="0">
-                <a:solidFill>
-                  <a:srgbClr val="FFC000"/>
-                </a:solidFill>
-              </a:rPr>
+              <a:rPr lang="pt-BR" sz="2000" dirty="0" smtClean="0"/>
               <a:t>;</a:t>
             </a:r>
           </a:p>
@@ -27276,47 +26547,55 @@
               <a:buNone/>
             </a:pPr>
             <a:r>
+              <a:rPr lang="pt-BR" sz="2000" dirty="0" err="1" smtClean="0">
+                <a:solidFill>
+                  <a:srgbClr val="FFC000"/>
+                </a:solidFill>
+              </a:rPr>
+              <a:t>colecaoy</a:t>
+            </a:r>
+            <a:r>
+              <a:rPr lang="pt-BR" sz="2000" dirty="0" smtClean="0">
+                <a:solidFill>
+                  <a:srgbClr val="FFC000"/>
+                </a:solidFill>
+              </a:rPr>
+              <a:t>.</a:t>
+            </a:r>
+            <a:r>
+              <a:rPr lang="pt-BR" sz="2000" dirty="0" err="1" smtClean="0">
+                <a:solidFill>
+                  <a:srgbClr val="FFC000"/>
+                </a:solidFill>
+              </a:rPr>
+              <a:t>add</a:t>
+            </a:r>
+            <a:r>
+              <a:rPr lang="pt-BR" sz="2000" dirty="0" smtClean="0">
+                <a:solidFill>
+                  <a:srgbClr val="FFC000"/>
+                </a:solidFill>
+              </a:rPr>
+              <a:t>(</a:t>
+            </a:r>
+            <a:r>
               <a:rPr lang="pt-BR" sz="2000" dirty="0" err="1" smtClean="0"/>
-              <a:t>colecaoy</a:t>
-            </a:r>
-            <a:r>
-              <a:rPr lang="pt-BR" sz="2000" dirty="0" smtClean="0"/>
-              <a:t>.</a:t>
-            </a:r>
-            <a:r>
-              <a:rPr lang="pt-BR" sz="2000" dirty="0" err="1" smtClean="0"/>
-              <a:t>add</a:t>
-            </a:r>
-            <a:r>
-              <a:rPr lang="pt-BR" sz="2000" dirty="0" smtClean="0"/>
-              <a:t>(</a:t>
-            </a:r>
-            <a:r>
-              <a:rPr lang="pt-BR" sz="2000" dirty="0" err="1" smtClean="0">
+              <a:t>new</a:t>
+            </a:r>
+            <a:r>
+              <a:rPr lang="pt-BR" sz="2000" dirty="0" smtClean="0"/>
+              <a:t> Cliente(“Manuel”, “Rua 15”, “4532-7125”)</a:t>
+            </a:r>
+            <a:r>
+              <a:rPr lang="pt-BR" sz="2000" dirty="0" smtClean="0">
                 <a:solidFill>
                   <a:srgbClr val="FFC000"/>
                 </a:solidFill>
               </a:rPr>
-              <a:t>new</a:t>
-            </a:r>
-            <a:r>
-              <a:rPr lang="pt-BR" sz="2000" dirty="0" smtClean="0">
-                <a:solidFill>
-                  <a:srgbClr val="FFC000"/>
-                </a:solidFill>
-              </a:rPr>
-              <a:t> Cliente(“Manuel”, “Rua 15”, “4532-7125”)</a:t>
-            </a:r>
-            <a:r>
-              <a:rPr lang="pt-BR" sz="2000" dirty="0" smtClean="0"/>
               <a:t>)</a:t>
             </a:r>
             <a:r>
-              <a:rPr lang="pt-BR" sz="2000" dirty="0" smtClean="0">
-                <a:solidFill>
-                  <a:srgbClr val="FFC000"/>
-                </a:solidFill>
-              </a:rPr>
+              <a:rPr lang="pt-BR" sz="2000" dirty="0" smtClean="0"/>
               <a:t>;</a:t>
             </a:r>
           </a:p>
@@ -27327,11 +26606,7 @@
               </a:spcBef>
               <a:buNone/>
             </a:pPr>
-            <a:endParaRPr lang="pt-BR" sz="2000" dirty="0" smtClean="0">
-              <a:solidFill>
-                <a:srgbClr val="FFC000"/>
-              </a:solidFill>
-            </a:endParaRPr>
+            <a:endParaRPr lang="pt-BR" sz="2000" dirty="0" smtClean="0"/>
           </a:p>
           <a:p>
             <a:pPr marL="88900" indent="0">
@@ -27341,12 +26616,32 @@
               <a:buNone/>
             </a:pPr>
             <a:r>
+              <a:rPr lang="pt-BR" sz="2000" dirty="0" smtClean="0"/>
+              <a:t>System.</a:t>
+            </a:r>
+            <a:r>
+              <a:rPr lang="pt-BR" sz="2000" dirty="0" err="1" smtClean="0"/>
+              <a:t>out.println</a:t>
+            </a:r>
+            <a:r>
+              <a:rPr lang="pt-BR" sz="2000" dirty="0" smtClean="0"/>
+              <a:t>(“Quantidade: ” + </a:t>
+            </a:r>
+            <a:r>
+              <a:rPr lang="pt-BR" sz="2000" dirty="0" err="1" smtClean="0">
+                <a:solidFill>
+                  <a:srgbClr val="FFC000"/>
+                </a:solidFill>
+              </a:rPr>
+              <a:t>colecaoy</a:t>
+            </a:r>
+            <a:r>
               <a:rPr lang="pt-BR" sz="2000" dirty="0" smtClean="0">
                 <a:solidFill>
                   <a:srgbClr val="FFC000"/>
                 </a:solidFill>
               </a:rPr>
-              <a:t>System.</a:t>
+              <a:t>.</a:t>
             </a:r>
             <a:r>
               <a:rPr lang="pt-BR" sz="2000" dirty="0" err="1" smtClean="0">
@@ -27354,7 +26649,7 @@
                   <a:srgbClr val="FFC000"/>
                 </a:solidFill>
               </a:rPr>
-              <a:t>out.println</a:t>
+              <a:t>size</a:t>
             </a:r>
             <a:r>
               <a:rPr lang="pt-BR" sz="2000" dirty="0" smtClean="0">
@@ -27362,30 +26657,10 @@
                   <a:srgbClr val="FFC000"/>
                 </a:solidFill>
               </a:rPr>
-              <a:t>(“Quantidade: ” + </a:t>
-            </a:r>
-            <a:r>
-              <a:rPr lang="pt-BR" sz="2000" dirty="0" err="1" smtClean="0"/>
-              <a:t>colecaoy</a:t>
-            </a:r>
-            <a:r>
-              <a:rPr lang="pt-BR" sz="2000" dirty="0" smtClean="0"/>
-              <a:t>.</a:t>
-            </a:r>
-            <a:r>
-              <a:rPr lang="pt-BR" sz="2000" dirty="0" err="1" smtClean="0"/>
-              <a:t>size</a:t>
-            </a:r>
-            <a:r>
-              <a:rPr lang="pt-BR" sz="2000" dirty="0" smtClean="0"/>
               <a:t>()</a:t>
             </a:r>
             <a:r>
-              <a:rPr lang="pt-BR" sz="2000" dirty="0" smtClean="0">
-                <a:solidFill>
-                  <a:srgbClr val="FFC000"/>
-                </a:solidFill>
-              </a:rPr>
+              <a:rPr lang="pt-BR" sz="2000" dirty="0" smtClean="0"/>
               <a:t> + “ itens”);</a:t>
             </a:r>
           </a:p>

--- a/2-Java-Programmer-Modulo-II/10.Capitulo04.pptx
+++ b/2-Java-Programmer-Modulo-II/10.Capitulo04.pptx
@@ -5,7 +5,7 @@
     <p:sldMasterId id="2147483660" r:id="rId1"/>
   </p:sldMasterIdLst>
   <p:notesMasterIdLst>
-    <p:notesMasterId r:id="rId44"/>
+    <p:notesMasterId r:id="rId47"/>
   </p:notesMasterIdLst>
   <p:sldIdLst>
     <p:sldId id="256" r:id="rId2"/>
@@ -27,29 +27,32 @@
     <p:sldId id="287" r:id="rId18"/>
     <p:sldId id="288" r:id="rId19"/>
     <p:sldId id="315" r:id="rId20"/>
-    <p:sldId id="289" r:id="rId21"/>
-    <p:sldId id="291" r:id="rId22"/>
-    <p:sldId id="290" r:id="rId23"/>
-    <p:sldId id="294" r:id="rId24"/>
-    <p:sldId id="295" r:id="rId25"/>
-    <p:sldId id="296" r:id="rId26"/>
-    <p:sldId id="297" r:id="rId27"/>
-    <p:sldId id="298" r:id="rId28"/>
-    <p:sldId id="299" r:id="rId29"/>
-    <p:sldId id="306" r:id="rId30"/>
-    <p:sldId id="311" r:id="rId31"/>
-    <p:sldId id="300" r:id="rId32"/>
-    <p:sldId id="273" r:id="rId33"/>
-    <p:sldId id="301" r:id="rId34"/>
-    <p:sldId id="302" r:id="rId35"/>
-    <p:sldId id="312" r:id="rId36"/>
-    <p:sldId id="305" r:id="rId37"/>
-    <p:sldId id="314" r:id="rId38"/>
-    <p:sldId id="313" r:id="rId39"/>
-    <p:sldId id="274" r:id="rId40"/>
-    <p:sldId id="279" r:id="rId41"/>
-    <p:sldId id="317" r:id="rId42"/>
-    <p:sldId id="318" r:id="rId43"/>
+    <p:sldId id="319" r:id="rId21"/>
+    <p:sldId id="320" r:id="rId22"/>
+    <p:sldId id="321" r:id="rId23"/>
+    <p:sldId id="289" r:id="rId24"/>
+    <p:sldId id="290" r:id="rId25"/>
+    <p:sldId id="291" r:id="rId26"/>
+    <p:sldId id="294" r:id="rId27"/>
+    <p:sldId id="295" r:id="rId28"/>
+    <p:sldId id="296" r:id="rId29"/>
+    <p:sldId id="297" r:id="rId30"/>
+    <p:sldId id="298" r:id="rId31"/>
+    <p:sldId id="299" r:id="rId32"/>
+    <p:sldId id="306" r:id="rId33"/>
+    <p:sldId id="311" r:id="rId34"/>
+    <p:sldId id="300" r:id="rId35"/>
+    <p:sldId id="273" r:id="rId36"/>
+    <p:sldId id="301" r:id="rId37"/>
+    <p:sldId id="302" r:id="rId38"/>
+    <p:sldId id="312" r:id="rId39"/>
+    <p:sldId id="305" r:id="rId40"/>
+    <p:sldId id="314" r:id="rId41"/>
+    <p:sldId id="313" r:id="rId42"/>
+    <p:sldId id="274" r:id="rId43"/>
+    <p:sldId id="279" r:id="rId44"/>
+    <p:sldId id="317" r:id="rId45"/>
+    <p:sldId id="318" r:id="rId46"/>
   </p:sldIdLst>
   <p:sldSz cx="9144000" cy="6858000" type="screen4x3"/>
   <p:notesSz cx="6858000" cy="9144000"/>
@@ -290,7 +293,7 @@
               <a:pPr>
                 <a:defRPr/>
               </a:pPr>
-              <a:t>10/05/2012</a:t>
+              <a:t>16/05/2012</a:t>
             </a:fld>
             <a:endParaRPr lang="pt-BR"/>
           </a:p>
@@ -478,7 +481,7 @@
               <a:pPr>
                 <a:defRPr/>
               </a:pPr>
-              <a:t>‹#›</a:t>
+              <a:t>‹nº›</a:t>
             </a:fld>
             <a:endParaRPr lang="pt-BR"/>
           </a:p>
@@ -1842,29 +1845,19 @@
       </p:grpSpPr>
       <p:sp>
         <p:nvSpPr>
-          <p:cNvPr id="28674" name="Espaço Reservado para Imagem de Slide 1"/>
+          <p:cNvPr id="2" name="Slide Image Placeholder 1"/>
           <p:cNvSpPr>
-            <a:spLocks noGrp="1" noRot="1" noChangeAspect="1" noTextEdit="1"/>
+            <a:spLocks noGrp="1" noRot="1" noChangeAspect="1"/>
           </p:cNvSpPr>
           <p:nvPr>
             <p:ph type="sldImg"/>
           </p:nvPr>
         </p:nvSpPr>
-        <p:spPr bwMode="auto">
-          <a:noFill/>
-          <a:ln>
-            <a:solidFill>
-              <a:srgbClr val="000000"/>
-            </a:solidFill>
-            <a:miter lim="800000"/>
-            <a:headEnd/>
-            <a:tailEnd/>
-          </a:ln>
-        </p:spPr>
+        <p:spPr/>
       </p:sp>
       <p:sp>
         <p:nvSpPr>
-          <p:cNvPr id="28675" name="Espaço Reservado para Anotações 2"/>
+          <p:cNvPr id="3" name="Notes Placeholder 2"/>
           <p:cNvSpPr>
             <a:spLocks noGrp="1"/>
           </p:cNvSpPr>
@@ -1872,29 +1865,25 @@
             <p:ph type="body" idx="1"/>
           </p:nvPr>
         </p:nvSpPr>
-        <p:spPr bwMode="auto">
-          <a:noFill/>
-        </p:spPr>
+        <p:spPr/>
         <p:txBody>
-          <a:bodyPr wrap="square" numCol="1" anchor="t" anchorCtr="0" compatLnSpc="1">
-            <a:prstTxWarp prst="textNoShape">
-              <a:avLst/>
-            </a:prstTxWarp>
+          <a:bodyPr>
+            <a:normAutofit/>
           </a:bodyPr>
           <a:lstStyle/>
           <a:p>
-            <a:endParaRPr lang="pt-BR" smtClean="0"/>
+            <a:endParaRPr lang="pt-BR"/>
           </a:p>
         </p:txBody>
       </p:sp>
       <p:sp>
         <p:nvSpPr>
-          <p:cNvPr id="4" name="Espaço Reservado para Número de Slide 3"/>
+          <p:cNvPr id="4" name="Slide Number Placeholder 3"/>
           <p:cNvSpPr>
             <a:spLocks noGrp="1"/>
           </p:cNvSpPr>
           <p:nvPr>
-            <p:ph type="sldNum" sz="quarter" idx="5"/>
+            <p:ph type="sldNum" sz="quarter" idx="10"/>
           </p:nvPr>
         </p:nvSpPr>
         <p:spPr/>
@@ -1905,7 +1894,7 @@
             <a:pPr>
               <a:defRPr/>
             </a:pPr>
-            <a:fld id="{23075962-84F8-440B-9D32-83156AFD556B}" type="slidenum">
+            <a:fld id="{26215436-0A3F-4A01-A79E-C3B1BC371DB9}" type="slidenum">
               <a:rPr lang="pt-BR" smtClean="0"/>
               <a:pPr>
                 <a:defRPr/>
@@ -1943,29 +1932,19 @@
       </p:grpSpPr>
       <p:sp>
         <p:nvSpPr>
-          <p:cNvPr id="28674" name="Espaço Reservado para Imagem de Slide 1"/>
+          <p:cNvPr id="2" name="Espaço Reservado para Imagem de Slide 1"/>
           <p:cNvSpPr>
-            <a:spLocks noGrp="1" noRot="1" noChangeAspect="1" noTextEdit="1"/>
+            <a:spLocks noGrp="1" noRot="1" noChangeAspect="1"/>
           </p:cNvSpPr>
           <p:nvPr>
             <p:ph type="sldImg"/>
           </p:nvPr>
         </p:nvSpPr>
-        <p:spPr bwMode="auto">
-          <a:noFill/>
-          <a:ln>
-            <a:solidFill>
-              <a:srgbClr val="000000"/>
-            </a:solidFill>
-            <a:miter lim="800000"/>
-            <a:headEnd/>
-            <a:tailEnd/>
-          </a:ln>
-        </p:spPr>
+        <p:spPr/>
       </p:sp>
       <p:sp>
         <p:nvSpPr>
-          <p:cNvPr id="28675" name="Espaço Reservado para Anotações 2"/>
+          <p:cNvPr id="3" name="Espaço Reservado para Anotações 2"/>
           <p:cNvSpPr>
             <a:spLocks noGrp="1"/>
           </p:cNvSpPr>
@@ -1973,18 +1952,14 @@
             <p:ph type="body" idx="1"/>
           </p:nvPr>
         </p:nvSpPr>
-        <p:spPr bwMode="auto">
-          <a:noFill/>
-        </p:spPr>
+        <p:spPr/>
         <p:txBody>
-          <a:bodyPr wrap="square" numCol="1" anchor="t" anchorCtr="0" compatLnSpc="1">
-            <a:prstTxWarp prst="textNoShape">
-              <a:avLst/>
-            </a:prstTxWarp>
+          <a:bodyPr>
+            <a:normAutofit/>
           </a:bodyPr>
           <a:lstStyle/>
           <a:p>
-            <a:endParaRPr lang="pt-BR" smtClean="0"/>
+            <a:endParaRPr lang="pt-BR"/>
           </a:p>
         </p:txBody>
       </p:sp>
@@ -1995,7 +1970,7 @@
             <a:spLocks noGrp="1"/>
           </p:cNvSpPr>
           <p:nvPr>
-            <p:ph type="sldNum" sz="quarter" idx="5"/>
+            <p:ph type="sldNum" sz="quarter" idx="10"/>
           </p:nvPr>
         </p:nvSpPr>
         <p:spPr/>
@@ -2006,7 +1981,7 @@
             <a:pPr>
               <a:defRPr/>
             </a:pPr>
-            <a:fld id="{23075962-84F8-440B-9D32-83156AFD556B}" type="slidenum">
+            <a:fld id="{26215436-0A3F-4A01-A79E-C3B1BC371DB9}" type="slidenum">
               <a:rPr lang="pt-BR" smtClean="0"/>
               <a:pPr>
                 <a:defRPr/>
@@ -2044,29 +2019,19 @@
       </p:grpSpPr>
       <p:sp>
         <p:nvSpPr>
-          <p:cNvPr id="28674" name="Espaço Reservado para Imagem de Slide 1"/>
+          <p:cNvPr id="2" name="Espaço Reservado para Imagem de Slide 1"/>
           <p:cNvSpPr>
-            <a:spLocks noGrp="1" noRot="1" noChangeAspect="1" noTextEdit="1"/>
+            <a:spLocks noGrp="1" noRot="1" noChangeAspect="1"/>
           </p:cNvSpPr>
           <p:nvPr>
             <p:ph type="sldImg"/>
           </p:nvPr>
         </p:nvSpPr>
-        <p:spPr bwMode="auto">
-          <a:noFill/>
-          <a:ln>
-            <a:solidFill>
-              <a:srgbClr val="000000"/>
-            </a:solidFill>
-            <a:miter lim="800000"/>
-            <a:headEnd/>
-            <a:tailEnd/>
-          </a:ln>
-        </p:spPr>
+        <p:spPr/>
       </p:sp>
       <p:sp>
         <p:nvSpPr>
-          <p:cNvPr id="28675" name="Espaço Reservado para Anotações 2"/>
+          <p:cNvPr id="3" name="Espaço Reservado para Anotações 2"/>
           <p:cNvSpPr>
             <a:spLocks noGrp="1"/>
           </p:cNvSpPr>
@@ -2074,18 +2039,14 @@
             <p:ph type="body" idx="1"/>
           </p:nvPr>
         </p:nvSpPr>
-        <p:spPr bwMode="auto">
-          <a:noFill/>
-        </p:spPr>
+        <p:spPr/>
         <p:txBody>
-          <a:bodyPr wrap="square" numCol="1" anchor="t" anchorCtr="0" compatLnSpc="1">
-            <a:prstTxWarp prst="textNoShape">
-              <a:avLst/>
-            </a:prstTxWarp>
+          <a:bodyPr>
+            <a:normAutofit/>
           </a:bodyPr>
           <a:lstStyle/>
           <a:p>
-            <a:endParaRPr lang="pt-BR" smtClean="0"/>
+            <a:endParaRPr lang="pt-BR"/>
           </a:p>
         </p:txBody>
       </p:sp>
@@ -2096,7 +2057,7 @@
             <a:spLocks noGrp="1"/>
           </p:cNvSpPr>
           <p:nvPr>
-            <p:ph type="sldNum" sz="quarter" idx="5"/>
+            <p:ph type="sldNum" sz="quarter" idx="10"/>
           </p:nvPr>
         </p:nvSpPr>
         <p:spPr/>
@@ -2107,7 +2068,7 @@
             <a:pPr>
               <a:defRPr/>
             </a:pPr>
-            <a:fld id="{23075962-84F8-440B-9D32-83156AFD556B}" type="slidenum">
+            <a:fld id="{26215436-0A3F-4A01-A79E-C3B1BC371DB9}" type="slidenum">
               <a:rPr lang="pt-BR" smtClean="0"/>
               <a:pPr>
                 <a:defRPr/>
@@ -3040,19 +3001,29 @@
       </p:grpSpPr>
       <p:sp>
         <p:nvSpPr>
-          <p:cNvPr id="2" name="Espaço Reservado para Imagem de Slide 1"/>
+          <p:cNvPr id="28674" name="Espaço Reservado para Imagem de Slide 1"/>
           <p:cNvSpPr>
-            <a:spLocks noGrp="1" noRot="1" noChangeAspect="1"/>
+            <a:spLocks noGrp="1" noRot="1" noChangeAspect="1" noTextEdit="1"/>
           </p:cNvSpPr>
           <p:nvPr>
             <p:ph type="sldImg"/>
           </p:nvPr>
         </p:nvSpPr>
-        <p:spPr/>
+        <p:spPr bwMode="auto">
+          <a:noFill/>
+          <a:ln>
+            <a:solidFill>
+              <a:srgbClr val="000000"/>
+            </a:solidFill>
+            <a:miter lim="800000"/>
+            <a:headEnd/>
+            <a:tailEnd/>
+          </a:ln>
+        </p:spPr>
       </p:sp>
       <p:sp>
         <p:nvSpPr>
-          <p:cNvPr id="3" name="Espaço Reservado para Anotações 2"/>
+          <p:cNvPr id="28675" name="Espaço Reservado para Anotações 2"/>
           <p:cNvSpPr>
             <a:spLocks noGrp="1"/>
           </p:cNvSpPr>
@@ -3060,14 +3031,18 @@
             <p:ph type="body" idx="1"/>
           </p:nvPr>
         </p:nvSpPr>
-        <p:spPr/>
+        <p:spPr bwMode="auto">
+          <a:noFill/>
+        </p:spPr>
         <p:txBody>
-          <a:bodyPr>
-            <a:normAutofit/>
+          <a:bodyPr wrap="square" numCol="1" anchor="t" anchorCtr="0" compatLnSpc="1">
+            <a:prstTxWarp prst="textNoShape">
+              <a:avLst/>
+            </a:prstTxWarp>
           </a:bodyPr>
           <a:lstStyle/>
           <a:p>
-            <a:endParaRPr lang="pt-BR"/>
+            <a:endParaRPr lang="pt-BR" smtClean="0"/>
           </a:p>
         </p:txBody>
       </p:sp>
@@ -3078,7 +3053,7 @@
             <a:spLocks noGrp="1"/>
           </p:cNvSpPr>
           <p:nvPr>
-            <p:ph type="sldNum" sz="quarter" idx="10"/>
+            <p:ph type="sldNum" sz="quarter" idx="5"/>
           </p:nvPr>
         </p:nvSpPr>
         <p:spPr/>
@@ -3089,7 +3064,7 @@
             <a:pPr>
               <a:defRPr/>
             </a:pPr>
-            <a:fld id="{26215436-0A3F-4A01-A79E-C3B1BC371DB9}" type="slidenum">
+            <a:fld id="{23075962-84F8-440B-9D32-83156AFD556B}" type="slidenum">
               <a:rPr lang="pt-BR" smtClean="0"/>
               <a:pPr>
                 <a:defRPr/>
@@ -3127,7 +3102,7 @@
       </p:grpSpPr>
       <p:sp>
         <p:nvSpPr>
-          <p:cNvPr id="37890" name="Espaço Reservado para Imagem de Slide 1"/>
+          <p:cNvPr id="28674" name="Espaço Reservado para Imagem de Slide 1"/>
           <p:cNvSpPr>
             <a:spLocks noGrp="1" noRot="1" noChangeAspect="1" noTextEdit="1"/>
           </p:cNvSpPr>
@@ -3149,7 +3124,7 @@
       </p:sp>
       <p:sp>
         <p:nvSpPr>
-          <p:cNvPr id="37891" name="Espaço Reservado para Anotações 2"/>
+          <p:cNvPr id="28675" name="Espaço Reservado para Anotações 2"/>
           <p:cNvSpPr>
             <a:spLocks noGrp="1"/>
           </p:cNvSpPr>
@@ -3190,7 +3165,7 @@
             <a:pPr>
               <a:defRPr/>
             </a:pPr>
-            <a:fld id="{992775EB-D008-416C-A596-0C878C0D72AD}" type="slidenum">
+            <a:fld id="{23075962-84F8-440B-9D32-83156AFD556B}" type="slidenum">
               <a:rPr lang="pt-BR" smtClean="0"/>
               <a:pPr>
                 <a:defRPr/>
@@ -3329,29 +3304,19 @@
       </p:grpSpPr>
       <p:sp>
         <p:nvSpPr>
-          <p:cNvPr id="28674" name="Espaço Reservado para Imagem de Slide 1"/>
+          <p:cNvPr id="2" name="Espaço Reservado para Imagem de Slide 1"/>
           <p:cNvSpPr>
-            <a:spLocks noGrp="1" noRot="1" noChangeAspect="1" noTextEdit="1"/>
+            <a:spLocks noGrp="1" noRot="1" noChangeAspect="1"/>
           </p:cNvSpPr>
           <p:nvPr>
             <p:ph type="sldImg"/>
           </p:nvPr>
         </p:nvSpPr>
-        <p:spPr bwMode="auto">
-          <a:noFill/>
-          <a:ln>
-            <a:solidFill>
-              <a:srgbClr val="000000"/>
-            </a:solidFill>
-            <a:miter lim="800000"/>
-            <a:headEnd/>
-            <a:tailEnd/>
-          </a:ln>
-        </p:spPr>
+        <p:spPr/>
       </p:sp>
       <p:sp>
         <p:nvSpPr>
-          <p:cNvPr id="28675" name="Espaço Reservado para Anotações 2"/>
+          <p:cNvPr id="3" name="Espaço Reservado para Anotações 2"/>
           <p:cNvSpPr>
             <a:spLocks noGrp="1"/>
           </p:cNvSpPr>
@@ -3359,18 +3324,14 @@
             <p:ph type="body" idx="1"/>
           </p:nvPr>
         </p:nvSpPr>
-        <p:spPr bwMode="auto">
-          <a:noFill/>
-        </p:spPr>
+        <p:spPr/>
         <p:txBody>
-          <a:bodyPr wrap="square" numCol="1" anchor="t" anchorCtr="0" compatLnSpc="1">
-            <a:prstTxWarp prst="textNoShape">
-              <a:avLst/>
-            </a:prstTxWarp>
+          <a:bodyPr>
+            <a:normAutofit/>
           </a:bodyPr>
           <a:lstStyle/>
           <a:p>
-            <a:endParaRPr lang="pt-BR" smtClean="0"/>
+            <a:endParaRPr lang="pt-BR"/>
           </a:p>
         </p:txBody>
       </p:sp>
@@ -3381,7 +3342,7 @@
             <a:spLocks noGrp="1"/>
           </p:cNvSpPr>
           <p:nvPr>
-            <p:ph type="sldNum" sz="quarter" idx="5"/>
+            <p:ph type="sldNum" sz="quarter" idx="10"/>
           </p:nvPr>
         </p:nvSpPr>
         <p:spPr/>
@@ -3392,7 +3353,7 @@
             <a:pPr>
               <a:defRPr/>
             </a:pPr>
-            <a:fld id="{23075962-84F8-440B-9D32-83156AFD556B}" type="slidenum">
+            <a:fld id="{26215436-0A3F-4A01-A79E-C3B1BC371DB9}" type="slidenum">
               <a:rPr lang="pt-BR" smtClean="0"/>
               <a:pPr>
                 <a:defRPr/>
@@ -3430,7 +3391,7 @@
       </p:grpSpPr>
       <p:sp>
         <p:nvSpPr>
-          <p:cNvPr id="28674" name="Espaço Reservado para Imagem de Slide 1"/>
+          <p:cNvPr id="37890" name="Espaço Reservado para Imagem de Slide 1"/>
           <p:cNvSpPr>
             <a:spLocks noGrp="1" noRot="1" noChangeAspect="1" noTextEdit="1"/>
           </p:cNvSpPr>
@@ -3452,7 +3413,7 @@
       </p:sp>
       <p:sp>
         <p:nvSpPr>
-          <p:cNvPr id="28675" name="Espaço Reservado para Anotações 2"/>
+          <p:cNvPr id="37891" name="Espaço Reservado para Anotações 2"/>
           <p:cNvSpPr>
             <a:spLocks noGrp="1"/>
           </p:cNvSpPr>
@@ -3493,7 +3454,7 @@
             <a:pPr>
               <a:defRPr/>
             </a:pPr>
-            <a:fld id="{23075962-84F8-440B-9D32-83156AFD556B}" type="slidenum">
+            <a:fld id="{992775EB-D008-416C-A596-0C878C0D72AD}" type="slidenum">
               <a:rPr lang="pt-BR" smtClean="0"/>
               <a:pPr>
                 <a:defRPr/>
@@ -3834,7 +3795,7 @@
       </p:grpSpPr>
       <p:sp>
         <p:nvSpPr>
-          <p:cNvPr id="38914" name="Espaço Reservado para Imagem de Slide 1"/>
+          <p:cNvPr id="28674" name="Espaço Reservado para Imagem de Slide 1"/>
           <p:cNvSpPr>
             <a:spLocks noGrp="1" noRot="1" noChangeAspect="1" noTextEdit="1"/>
           </p:cNvSpPr>
@@ -3856,7 +3817,7 @@
       </p:sp>
       <p:sp>
         <p:nvSpPr>
-          <p:cNvPr id="38915" name="Espaço Reservado para Anotações 2"/>
+          <p:cNvPr id="28675" name="Espaço Reservado para Anotações 2"/>
           <p:cNvSpPr>
             <a:spLocks noGrp="1"/>
           </p:cNvSpPr>
@@ -3897,7 +3858,7 @@
             <a:pPr>
               <a:defRPr/>
             </a:pPr>
-            <a:fld id="{7D2BD56B-C6CB-4963-A738-91B502C7EFB9}" type="slidenum">
+            <a:fld id="{23075962-84F8-440B-9D32-83156AFD556B}" type="slidenum">
               <a:rPr lang="pt-BR" smtClean="0"/>
               <a:pPr>
                 <a:defRPr/>
@@ -4022,7 +3983,7 @@
       </p:grpSpPr>
       <p:sp>
         <p:nvSpPr>
-          <p:cNvPr id="44034" name="Espaço Reservado para Imagem de Slide 1"/>
+          <p:cNvPr id="28674" name="Espaço Reservado para Imagem de Slide 1"/>
           <p:cNvSpPr>
             <a:spLocks noGrp="1" noRot="1" noChangeAspect="1" noTextEdit="1"/>
           </p:cNvSpPr>
@@ -4044,7 +4005,7 @@
       </p:sp>
       <p:sp>
         <p:nvSpPr>
-          <p:cNvPr id="44035" name="Espaço Reservado para Anotações 2"/>
+          <p:cNvPr id="28675" name="Espaço Reservado para Anotações 2"/>
           <p:cNvSpPr>
             <a:spLocks noGrp="1"/>
           </p:cNvSpPr>
@@ -4085,7 +4046,7 @@
             <a:pPr>
               <a:defRPr/>
             </a:pPr>
-            <a:fld id="{7FD4FFFC-47C8-4FB0-AAE5-B9257F7D00BC}" type="slidenum">
+            <a:fld id="{23075962-84F8-440B-9D32-83156AFD556B}" type="slidenum">
               <a:rPr lang="pt-BR" smtClean="0"/>
               <a:pPr>
                 <a:defRPr/>
@@ -4224,6 +4185,208 @@
       </p:grpSpPr>
       <p:sp>
         <p:nvSpPr>
+          <p:cNvPr id="38914" name="Espaço Reservado para Imagem de Slide 1"/>
+          <p:cNvSpPr>
+            <a:spLocks noGrp="1" noRot="1" noChangeAspect="1" noTextEdit="1"/>
+          </p:cNvSpPr>
+          <p:nvPr>
+            <p:ph type="sldImg"/>
+          </p:nvPr>
+        </p:nvSpPr>
+        <p:spPr bwMode="auto">
+          <a:noFill/>
+          <a:ln>
+            <a:solidFill>
+              <a:srgbClr val="000000"/>
+            </a:solidFill>
+            <a:miter lim="800000"/>
+            <a:headEnd/>
+            <a:tailEnd/>
+          </a:ln>
+        </p:spPr>
+      </p:sp>
+      <p:sp>
+        <p:nvSpPr>
+          <p:cNvPr id="38915" name="Espaço Reservado para Anotações 2"/>
+          <p:cNvSpPr>
+            <a:spLocks noGrp="1"/>
+          </p:cNvSpPr>
+          <p:nvPr>
+            <p:ph type="body" idx="1"/>
+          </p:nvPr>
+        </p:nvSpPr>
+        <p:spPr bwMode="auto">
+          <a:noFill/>
+        </p:spPr>
+        <p:txBody>
+          <a:bodyPr wrap="square" numCol="1" anchor="t" anchorCtr="0" compatLnSpc="1">
+            <a:prstTxWarp prst="textNoShape">
+              <a:avLst/>
+            </a:prstTxWarp>
+          </a:bodyPr>
+          <a:lstStyle/>
+          <a:p>
+            <a:endParaRPr lang="pt-BR" smtClean="0"/>
+          </a:p>
+        </p:txBody>
+      </p:sp>
+      <p:sp>
+        <p:nvSpPr>
+          <p:cNvPr id="4" name="Espaço Reservado para Número de Slide 3"/>
+          <p:cNvSpPr>
+            <a:spLocks noGrp="1"/>
+          </p:cNvSpPr>
+          <p:nvPr>
+            <p:ph type="sldNum" sz="quarter" idx="5"/>
+          </p:nvPr>
+        </p:nvSpPr>
+        <p:spPr/>
+        <p:txBody>
+          <a:bodyPr/>
+          <a:lstStyle/>
+          <a:p>
+            <a:pPr>
+              <a:defRPr/>
+            </a:pPr>
+            <a:fld id="{7D2BD56B-C6CB-4963-A738-91B502C7EFB9}" type="slidenum">
+              <a:rPr lang="pt-BR" smtClean="0"/>
+              <a:pPr>
+                <a:defRPr/>
+              </a:pPr>
+              <a:t>42</a:t>
+            </a:fld>
+            <a:endParaRPr lang="pt-BR"/>
+          </a:p>
+        </p:txBody>
+      </p:sp>
+    </p:spTree>
+  </p:cSld>
+  <p:clrMapOvr>
+    <a:masterClrMapping/>
+  </p:clrMapOvr>
+</p:notes>
+</file>
+
+<file path=ppt/notesSlides/notesSlide43.xml><?xml version="1.0" encoding="utf-8"?>
+<p:notes xmlns:a="http://schemas.openxmlformats.org/drawingml/2006/main" xmlns:r="http://schemas.openxmlformats.org/officeDocument/2006/relationships" xmlns:p="http://schemas.openxmlformats.org/presentationml/2006/main">
+  <p:cSld>
+    <p:spTree>
+      <p:nvGrpSpPr>
+        <p:cNvPr id="1" name=""/>
+        <p:cNvGrpSpPr/>
+        <p:nvPr/>
+      </p:nvGrpSpPr>
+      <p:grpSpPr>
+        <a:xfrm>
+          <a:off x="0" y="0"/>
+          <a:ext cx="0" cy="0"/>
+          <a:chOff x="0" y="0"/>
+          <a:chExt cx="0" cy="0"/>
+        </a:xfrm>
+      </p:grpSpPr>
+      <p:sp>
+        <p:nvSpPr>
+          <p:cNvPr id="44034" name="Espaço Reservado para Imagem de Slide 1"/>
+          <p:cNvSpPr>
+            <a:spLocks noGrp="1" noRot="1" noChangeAspect="1" noTextEdit="1"/>
+          </p:cNvSpPr>
+          <p:nvPr>
+            <p:ph type="sldImg"/>
+          </p:nvPr>
+        </p:nvSpPr>
+        <p:spPr bwMode="auto">
+          <a:noFill/>
+          <a:ln>
+            <a:solidFill>
+              <a:srgbClr val="000000"/>
+            </a:solidFill>
+            <a:miter lim="800000"/>
+            <a:headEnd/>
+            <a:tailEnd/>
+          </a:ln>
+        </p:spPr>
+      </p:sp>
+      <p:sp>
+        <p:nvSpPr>
+          <p:cNvPr id="44035" name="Espaço Reservado para Anotações 2"/>
+          <p:cNvSpPr>
+            <a:spLocks noGrp="1"/>
+          </p:cNvSpPr>
+          <p:nvPr>
+            <p:ph type="body" idx="1"/>
+          </p:nvPr>
+        </p:nvSpPr>
+        <p:spPr bwMode="auto">
+          <a:noFill/>
+        </p:spPr>
+        <p:txBody>
+          <a:bodyPr wrap="square" numCol="1" anchor="t" anchorCtr="0" compatLnSpc="1">
+            <a:prstTxWarp prst="textNoShape">
+              <a:avLst/>
+            </a:prstTxWarp>
+          </a:bodyPr>
+          <a:lstStyle/>
+          <a:p>
+            <a:endParaRPr lang="pt-BR" smtClean="0"/>
+          </a:p>
+        </p:txBody>
+      </p:sp>
+      <p:sp>
+        <p:nvSpPr>
+          <p:cNvPr id="4" name="Espaço Reservado para Número de Slide 3"/>
+          <p:cNvSpPr>
+            <a:spLocks noGrp="1"/>
+          </p:cNvSpPr>
+          <p:nvPr>
+            <p:ph type="sldNum" sz="quarter" idx="5"/>
+          </p:nvPr>
+        </p:nvSpPr>
+        <p:spPr/>
+        <p:txBody>
+          <a:bodyPr/>
+          <a:lstStyle/>
+          <a:p>
+            <a:pPr>
+              <a:defRPr/>
+            </a:pPr>
+            <a:fld id="{7FD4FFFC-47C8-4FB0-AAE5-B9257F7D00BC}" type="slidenum">
+              <a:rPr lang="pt-BR" smtClean="0"/>
+              <a:pPr>
+                <a:defRPr/>
+              </a:pPr>
+              <a:t>43</a:t>
+            </a:fld>
+            <a:endParaRPr lang="pt-BR"/>
+          </a:p>
+        </p:txBody>
+      </p:sp>
+    </p:spTree>
+  </p:cSld>
+  <p:clrMapOvr>
+    <a:masterClrMapping/>
+  </p:clrMapOvr>
+</p:notes>
+</file>
+
+<file path=ppt/notesSlides/notesSlide44.xml><?xml version="1.0" encoding="utf-8"?>
+<p:notes xmlns:a="http://schemas.openxmlformats.org/drawingml/2006/main" xmlns:r="http://schemas.openxmlformats.org/officeDocument/2006/relationships" xmlns:p="http://schemas.openxmlformats.org/presentationml/2006/main">
+  <p:cSld>
+    <p:spTree>
+      <p:nvGrpSpPr>
+        <p:cNvPr id="1" name=""/>
+        <p:cNvGrpSpPr/>
+        <p:nvPr/>
+      </p:nvGrpSpPr>
+      <p:grpSpPr>
+        <a:xfrm>
+          <a:off x="0" y="0"/>
+          <a:ext cx="0" cy="0"/>
+          <a:chOff x="0" y="0"/>
+          <a:chExt cx="0" cy="0"/>
+        </a:xfrm>
+      </p:grpSpPr>
+      <p:sp>
+        <p:nvSpPr>
           <p:cNvPr id="28674" name="Espaço Reservado para Imagem de Slide 1"/>
           <p:cNvSpPr>
             <a:spLocks noGrp="1" noRot="1" noChangeAspect="1" noTextEdit="1"/>
@@ -4292,7 +4455,108 @@
               <a:pPr>
                 <a:defRPr/>
               </a:pPr>
-              <a:t>42</a:t>
+              <a:t>44</a:t>
+            </a:fld>
+            <a:endParaRPr lang="pt-BR"/>
+          </a:p>
+        </p:txBody>
+      </p:sp>
+    </p:spTree>
+  </p:cSld>
+  <p:clrMapOvr>
+    <a:masterClrMapping/>
+  </p:clrMapOvr>
+</p:notes>
+</file>
+
+<file path=ppt/notesSlides/notesSlide45.xml><?xml version="1.0" encoding="utf-8"?>
+<p:notes xmlns:a="http://schemas.openxmlformats.org/drawingml/2006/main" xmlns:r="http://schemas.openxmlformats.org/officeDocument/2006/relationships" xmlns:p="http://schemas.openxmlformats.org/presentationml/2006/main">
+  <p:cSld>
+    <p:spTree>
+      <p:nvGrpSpPr>
+        <p:cNvPr id="1" name=""/>
+        <p:cNvGrpSpPr/>
+        <p:nvPr/>
+      </p:nvGrpSpPr>
+      <p:grpSpPr>
+        <a:xfrm>
+          <a:off x="0" y="0"/>
+          <a:ext cx="0" cy="0"/>
+          <a:chOff x="0" y="0"/>
+          <a:chExt cx="0" cy="0"/>
+        </a:xfrm>
+      </p:grpSpPr>
+      <p:sp>
+        <p:nvSpPr>
+          <p:cNvPr id="28674" name="Espaço Reservado para Imagem de Slide 1"/>
+          <p:cNvSpPr>
+            <a:spLocks noGrp="1" noRot="1" noChangeAspect="1" noTextEdit="1"/>
+          </p:cNvSpPr>
+          <p:nvPr>
+            <p:ph type="sldImg"/>
+          </p:nvPr>
+        </p:nvSpPr>
+        <p:spPr bwMode="auto">
+          <a:noFill/>
+          <a:ln>
+            <a:solidFill>
+              <a:srgbClr val="000000"/>
+            </a:solidFill>
+            <a:miter lim="800000"/>
+            <a:headEnd/>
+            <a:tailEnd/>
+          </a:ln>
+        </p:spPr>
+      </p:sp>
+      <p:sp>
+        <p:nvSpPr>
+          <p:cNvPr id="28675" name="Espaço Reservado para Anotações 2"/>
+          <p:cNvSpPr>
+            <a:spLocks noGrp="1"/>
+          </p:cNvSpPr>
+          <p:nvPr>
+            <p:ph type="body" idx="1"/>
+          </p:nvPr>
+        </p:nvSpPr>
+        <p:spPr bwMode="auto">
+          <a:noFill/>
+        </p:spPr>
+        <p:txBody>
+          <a:bodyPr wrap="square" numCol="1" anchor="t" anchorCtr="0" compatLnSpc="1">
+            <a:prstTxWarp prst="textNoShape">
+              <a:avLst/>
+            </a:prstTxWarp>
+          </a:bodyPr>
+          <a:lstStyle/>
+          <a:p>
+            <a:endParaRPr lang="pt-BR" smtClean="0"/>
+          </a:p>
+        </p:txBody>
+      </p:sp>
+      <p:sp>
+        <p:nvSpPr>
+          <p:cNvPr id="4" name="Espaço Reservado para Número de Slide 3"/>
+          <p:cNvSpPr>
+            <a:spLocks noGrp="1"/>
+          </p:cNvSpPr>
+          <p:nvPr>
+            <p:ph type="sldNum" sz="quarter" idx="5"/>
+          </p:nvPr>
+        </p:nvSpPr>
+        <p:spPr/>
+        <p:txBody>
+          <a:bodyPr/>
+          <a:lstStyle/>
+          <a:p>
+            <a:pPr>
+              <a:defRPr/>
+            </a:pPr>
+            <a:fld id="{23075962-84F8-440B-9D32-83156AFD556B}" type="slidenum">
+              <a:rPr lang="pt-BR" smtClean="0"/>
+              <a:pPr>
+                <a:defRPr/>
+              </a:pPr>
+              <a:t>45</a:t>
             </a:fld>
             <a:endParaRPr lang="pt-BR"/>
           </a:p>
@@ -5229,7 +5493,7 @@
               <a:pPr>
                 <a:defRPr/>
               </a:pPr>
-              <a:t>10/05/2012</a:t>
+              <a:t>16/05/2012</a:t>
             </a:fld>
             <a:endParaRPr lang="pt-BR"/>
           </a:p>
@@ -5288,7 +5552,7 @@
               <a:pPr>
                 <a:defRPr/>
               </a:pPr>
-              <a:t>‹#›</a:t>
+              <a:t>‹nº›</a:t>
             </a:fld>
             <a:endParaRPr lang="pt-BR"/>
           </a:p>
@@ -5421,7 +5685,7 @@
               <a:pPr>
                 <a:defRPr/>
               </a:pPr>
-              <a:t>10/05/2012</a:t>
+              <a:t>16/05/2012</a:t>
             </a:fld>
             <a:endParaRPr lang="pt-BR"/>
           </a:p>
@@ -5480,7 +5744,7 @@
               <a:pPr>
                 <a:defRPr/>
               </a:pPr>
-              <a:t>‹#›</a:t>
+              <a:t>‹nº›</a:t>
             </a:fld>
             <a:endParaRPr lang="pt-BR"/>
           </a:p>
@@ -5623,7 +5887,7 @@
               <a:pPr>
                 <a:defRPr/>
               </a:pPr>
-              <a:t>10/05/2012</a:t>
+              <a:t>16/05/2012</a:t>
             </a:fld>
             <a:endParaRPr lang="pt-BR"/>
           </a:p>
@@ -5682,7 +5946,7 @@
               <a:pPr>
                 <a:defRPr/>
               </a:pPr>
-              <a:t>‹#›</a:t>
+              <a:t>‹nº›</a:t>
             </a:fld>
             <a:endParaRPr lang="pt-BR"/>
           </a:p>
@@ -5819,7 +6083,7 @@
               <a:pPr>
                 <a:defRPr/>
               </a:pPr>
-              <a:t>10/05/2012</a:t>
+              <a:t>16/05/2012</a:t>
             </a:fld>
             <a:endParaRPr lang="pt-BR"/>
           </a:p>
@@ -5878,7 +6142,7 @@
               <a:pPr>
                 <a:defRPr/>
               </a:pPr>
-              <a:t>‹#›</a:t>
+              <a:t>‹nº›</a:t>
             </a:fld>
             <a:endParaRPr lang="pt-BR"/>
           </a:p>
@@ -6325,7 +6589,7 @@
               <a:pPr>
                 <a:defRPr/>
               </a:pPr>
-              <a:t>10/05/2012</a:t>
+              <a:t>16/05/2012</a:t>
             </a:fld>
             <a:endParaRPr lang="pt-BR"/>
           </a:p>
@@ -6384,7 +6648,7 @@
               <a:pPr>
                 <a:defRPr/>
               </a:pPr>
-              <a:t>‹#›</a:t>
+              <a:t>‹nº›</a:t>
             </a:fld>
             <a:endParaRPr lang="pt-BR"/>
           </a:p>
@@ -6616,7 +6880,7 @@
               <a:pPr>
                 <a:defRPr/>
               </a:pPr>
-              <a:t>10/05/2012</a:t>
+              <a:t>16/05/2012</a:t>
             </a:fld>
             <a:endParaRPr lang="pt-BR"/>
           </a:p>
@@ -6675,7 +6939,7 @@
               <a:pPr>
                 <a:defRPr/>
               </a:pPr>
-              <a:t>‹#›</a:t>
+              <a:t>‹nº›</a:t>
             </a:fld>
             <a:endParaRPr lang="pt-BR"/>
           </a:p>
@@ -7017,7 +7281,7 @@
               <a:pPr>
                 <a:defRPr/>
               </a:pPr>
-              <a:t>10/05/2012</a:t>
+              <a:t>16/05/2012</a:t>
             </a:fld>
             <a:endParaRPr lang="pt-BR"/>
           </a:p>
@@ -7076,7 +7340,7 @@
               <a:pPr>
                 <a:defRPr/>
               </a:pPr>
-              <a:t>‹#›</a:t>
+              <a:t>‹nº›</a:t>
             </a:fld>
             <a:endParaRPr lang="pt-BR"/>
           </a:p>
@@ -7166,7 +7430,7 @@
               <a:pPr>
                 <a:defRPr/>
               </a:pPr>
-              <a:t>10/05/2012</a:t>
+              <a:t>16/05/2012</a:t>
             </a:fld>
             <a:endParaRPr lang="pt-BR"/>
           </a:p>
@@ -7225,7 +7489,7 @@
               <a:pPr>
                 <a:defRPr/>
               </a:pPr>
-              <a:t>‹#›</a:t>
+              <a:t>‹nº›</a:t>
             </a:fld>
             <a:endParaRPr lang="pt-BR"/>
           </a:p>
@@ -7283,7 +7547,7 @@
               <a:pPr>
                 <a:defRPr/>
               </a:pPr>
-              <a:t>10/05/2012</a:t>
+              <a:t>16/05/2012</a:t>
             </a:fld>
             <a:endParaRPr lang="pt-BR"/>
           </a:p>
@@ -7342,7 +7606,7 @@
               <a:pPr>
                 <a:defRPr/>
               </a:pPr>
-              <a:t>‹#›</a:t>
+              <a:t>‹nº›</a:t>
             </a:fld>
             <a:endParaRPr lang="pt-BR"/>
           </a:p>
@@ -7559,7 +7823,7 @@
               <a:pPr>
                 <a:defRPr/>
               </a:pPr>
-              <a:t>10/05/2012</a:t>
+              <a:t>16/05/2012</a:t>
             </a:fld>
             <a:endParaRPr lang="pt-BR"/>
           </a:p>
@@ -7623,7 +7887,7 @@
               <a:pPr>
                 <a:defRPr/>
               </a:pPr>
-              <a:t>‹#›</a:t>
+              <a:t>‹nº›</a:t>
             </a:fld>
             <a:endParaRPr lang="pt-BR"/>
           </a:p>
@@ -7843,7 +8107,7 @@
               <a:pPr>
                 <a:defRPr/>
               </a:pPr>
-              <a:t>10/05/2012</a:t>
+              <a:t>16/05/2012</a:t>
             </a:fld>
             <a:endParaRPr lang="pt-BR"/>
           </a:p>
@@ -7902,7 +8166,7 @@
               <a:pPr>
                 <a:defRPr/>
               </a:pPr>
-              <a:t>‹#›</a:t>
+              <a:t>‹nº›</a:t>
             </a:fld>
             <a:endParaRPr lang="pt-BR"/>
           </a:p>
@@ -8321,7 +8585,7 @@
               <a:pPr>
                 <a:defRPr/>
               </a:pPr>
-              <a:t>10/05/2012</a:t>
+              <a:t>16/05/2012</a:t>
             </a:fld>
             <a:endParaRPr lang="pt-BR"/>
           </a:p>
@@ -8424,7 +8688,7 @@
               <a:pPr>
                 <a:defRPr/>
               </a:pPr>
-              <a:t>‹#›</a:t>
+              <a:t>‹nº›</a:t>
             </a:fld>
             <a:endParaRPr lang="pt-BR"/>
           </a:p>
@@ -9449,19 +9713,13 @@
                 <a:rPr lang="pt-BR" sz="1600" dirty="0" smtClean="0">
                   <a:latin typeface="+mn-lt"/>
                 </a:rPr>
-                <a:t>&lt;</a:t>
-              </a:r>
-              <a:r>
-                <a:rPr lang="pt-BR" sz="1600" dirty="0" err="1" smtClean="0">
-                  <a:latin typeface="+mn-lt"/>
-                </a:rPr>
-                <a:t>Object</a:t>
+                <a:t>&lt;Produto&gt; </a:t>
               </a:r>
               <a:r>
                 <a:rPr lang="pt-BR" sz="1600" dirty="0" smtClean="0">
                   <a:latin typeface="+mn-lt"/>
                 </a:rPr>
-                <a:t>&gt; previamente preenchida</a:t>
+                <a:t>previamente preenchida</a:t>
               </a:r>
               <a:endParaRPr lang="pt-BR" sz="1600" dirty="0">
                 <a:latin typeface="+mn-lt"/>
@@ -13762,12 +14020,187 @@
             <p:ph idx="1"/>
           </p:nvPr>
         </p:nvSpPr>
-        <p:spPr/>
+        <p:spPr>
+          <a:xfrm>
+            <a:off x="457200" y="1600200"/>
+            <a:ext cx="7715200" cy="4525963"/>
+          </a:xfrm>
+        </p:spPr>
         <p:txBody>
           <a:bodyPr/>
           <a:lstStyle/>
           <a:p>
-            <a:endParaRPr lang="pt-BR"/>
+            <a:pPr>
+              <a:spcBef>
+                <a:spcPts val="1800"/>
+              </a:spcBef>
+            </a:pPr>
+            <a:r>
+              <a:rPr lang="pt-BR" sz="2000" dirty="0" smtClean="0"/>
+              <a:t>Copie para um novo projeto do eclipse as seguintes classes fornecidas pelo instrutor:</a:t>
+            </a:r>
+          </a:p>
+          <a:p>
+            <a:pPr lvl="1">
+              <a:spcBef>
+                <a:spcPts val="0"/>
+              </a:spcBef>
+            </a:pPr>
+            <a:endParaRPr lang="pt-BR" sz="1800" dirty="0" smtClean="0"/>
+          </a:p>
+          <a:p>
+            <a:pPr lvl="1">
+              <a:spcBef>
+                <a:spcPts val="0"/>
+              </a:spcBef>
+            </a:pPr>
+            <a:r>
+              <a:rPr lang="pt-BR" sz="1800" dirty="0" smtClean="0"/>
+              <a:t>br.com.impacta.</a:t>
+            </a:r>
+            <a:r>
+              <a:rPr lang="pt-BR" sz="1800" dirty="0" err="1" smtClean="0"/>
+              <a:t>funcionario</a:t>
+            </a:r>
+            <a:r>
+              <a:rPr lang="pt-BR" sz="1800" dirty="0" smtClean="0"/>
+              <a:t>.</a:t>
+            </a:r>
+            <a:r>
+              <a:rPr lang="pt-BR" sz="1800" dirty="0" err="1" smtClean="0"/>
+              <a:t>Funcionario</a:t>
+            </a:r>
+            <a:endParaRPr lang="pt-BR" sz="1800" dirty="0" smtClean="0"/>
+          </a:p>
+          <a:p>
+            <a:pPr lvl="1">
+              <a:spcBef>
+                <a:spcPts val="0"/>
+              </a:spcBef>
+            </a:pPr>
+            <a:r>
+              <a:rPr lang="pt-BR" sz="1800" dirty="0" smtClean="0"/>
+              <a:t>br.com.impacta.</a:t>
+            </a:r>
+            <a:r>
+              <a:rPr lang="pt-BR" sz="1800" dirty="0" err="1" smtClean="0"/>
+              <a:t>funcionario</a:t>
+            </a:r>
+            <a:r>
+              <a:rPr lang="pt-BR" sz="1800" dirty="0" smtClean="0"/>
+              <a:t>.</a:t>
+            </a:r>
+            <a:r>
+              <a:rPr lang="pt-BR" sz="1800" dirty="0" err="1" smtClean="0"/>
+              <a:t>FuncionarioDialog</a:t>
+            </a:r>
+            <a:endParaRPr lang="pt-BR" sz="1800" dirty="0" smtClean="0"/>
+          </a:p>
+          <a:p>
+            <a:pPr indent="1588">
+              <a:spcBef>
+                <a:spcPts val="1800"/>
+              </a:spcBef>
+              <a:buNone/>
+            </a:pPr>
+            <a:r>
+              <a:rPr lang="pt-BR" sz="2000" dirty="0" smtClean="0"/>
+              <a:t>A classe </a:t>
+            </a:r>
+            <a:r>
+              <a:rPr lang="pt-BR" sz="2000" b="1" i="1" dirty="0" err="1" smtClean="0"/>
+              <a:t>FuncionarioDialog</a:t>
+            </a:r>
+            <a:r>
+              <a:rPr lang="pt-BR" sz="2000" dirty="0" smtClean="0"/>
+              <a:t> possui um </a:t>
+            </a:r>
+            <a:r>
+              <a:rPr lang="pt-BR" sz="2000" dirty="0" smtClean="0"/>
+              <a:t>método estático </a:t>
+            </a:r>
+            <a:r>
+              <a:rPr lang="pt-BR" sz="2000" b="1" i="1" dirty="0" err="1" smtClean="0"/>
+              <a:t>showInputFuncionario</a:t>
+            </a:r>
+            <a:r>
+              <a:rPr lang="pt-BR" sz="2000" b="1" i="1" dirty="0" smtClean="0"/>
+              <a:t>()</a:t>
+            </a:r>
+            <a:r>
+              <a:rPr lang="pt-BR" sz="2000" dirty="0" smtClean="0"/>
+              <a:t> utilizado para que o usuário entre com os dados de um funcionário.</a:t>
+            </a:r>
+            <a:endParaRPr lang="pt-BR" sz="2000" dirty="0" smtClean="0"/>
+          </a:p>
+          <a:p>
+            <a:pPr marL="0" indent="0" algn="ctr">
+              <a:spcBef>
+                <a:spcPts val="1800"/>
+              </a:spcBef>
+              <a:buNone/>
+            </a:pPr>
+            <a:endParaRPr lang="pt-BR" sz="1800" dirty="0" smtClean="0">
+              <a:solidFill>
+                <a:srgbClr val="FFC000"/>
+              </a:solidFill>
+            </a:endParaRPr>
+          </a:p>
+          <a:p>
+            <a:pPr marL="0" indent="0" algn="ctr">
+              <a:spcBef>
+                <a:spcPts val="1800"/>
+              </a:spcBef>
+              <a:buNone/>
+            </a:pPr>
+            <a:r>
+              <a:rPr lang="pt-BR" sz="1800" dirty="0" err="1" smtClean="0">
+                <a:solidFill>
+                  <a:srgbClr val="FFC000"/>
+                </a:solidFill>
+              </a:rPr>
+              <a:t>Funcionario</a:t>
+            </a:r>
+            <a:r>
+              <a:rPr lang="pt-BR" sz="1800" dirty="0" smtClean="0">
+                <a:solidFill>
+                  <a:srgbClr val="FFC000"/>
+                </a:solidFill>
+              </a:rPr>
+              <a:t> f = </a:t>
+            </a:r>
+            <a:r>
+              <a:rPr lang="pt-BR" sz="1800" dirty="0" err="1" smtClean="0">
+                <a:solidFill>
+                  <a:srgbClr val="FFC000"/>
+                </a:solidFill>
+              </a:rPr>
+              <a:t>FuncionarioDialog</a:t>
+            </a:r>
+            <a:r>
+              <a:rPr lang="pt-BR" sz="1800" dirty="0" smtClean="0">
+                <a:solidFill>
+                  <a:srgbClr val="FFC000"/>
+                </a:solidFill>
+              </a:rPr>
+              <a:t>.</a:t>
+            </a:r>
+            <a:r>
+              <a:rPr lang="pt-BR" sz="1800" dirty="0" err="1" smtClean="0">
+                <a:solidFill>
+                  <a:srgbClr val="FFC000"/>
+                </a:solidFill>
+              </a:rPr>
+              <a:t>showInputFuncionario</a:t>
+            </a:r>
+            <a:r>
+              <a:rPr lang="pt-BR" sz="1800" dirty="0" smtClean="0">
+                <a:solidFill>
+                  <a:srgbClr val="FFC000"/>
+                </a:solidFill>
+              </a:rPr>
+              <a:t>();</a:t>
+            </a:r>
           </a:p>
         </p:txBody>
       </p:sp>
@@ -13805,6 +14238,13 @@
   <p:clrMapOvr>
     <a:masterClrMapping/>
   </p:clrMapOvr>
+  <p:timing>
+    <p:tnLst>
+      <p:par>
+        <p:cTn id="1" dur="indefinite" restart="never" nodeType="tmRoot"/>
+      </p:par>
+    </p:tnLst>
+  </p:timing>
 </p:sld>
 </file>
 
@@ -14100,6 +14540,722 @@
 </file>
 
 <file path=ppt/slides/slide20.xml><?xml version="1.0" encoding="utf-8"?>
+<p:sld xmlns:a="http://schemas.openxmlformats.org/drawingml/2006/main" xmlns:r="http://schemas.openxmlformats.org/officeDocument/2006/relationships" xmlns:p="http://schemas.openxmlformats.org/presentationml/2006/main">
+  <p:cSld>
+    <p:spTree>
+      <p:nvGrpSpPr>
+        <p:cNvPr id="1" name=""/>
+        <p:cNvGrpSpPr/>
+        <p:nvPr/>
+      </p:nvGrpSpPr>
+      <p:grpSpPr>
+        <a:xfrm>
+          <a:off x="0" y="0"/>
+          <a:ext cx="0" cy="0"/>
+          <a:chOff x="0" y="0"/>
+          <a:chExt cx="0" cy="0"/>
+        </a:xfrm>
+      </p:grpSpPr>
+      <p:sp>
+        <p:nvSpPr>
+          <p:cNvPr id="2" name="Title 1"/>
+          <p:cNvSpPr>
+            <a:spLocks noGrp="1"/>
+          </p:cNvSpPr>
+          <p:nvPr>
+            <p:ph type="title"/>
+          </p:nvPr>
+        </p:nvSpPr>
+        <p:spPr/>
+        <p:txBody>
+          <a:bodyPr/>
+          <a:lstStyle/>
+          <a:p>
+            <a:r>
+              <a:rPr lang="pt-BR" smtClean="0"/>
+              <a:t>Exercício (continuação)</a:t>
+            </a:r>
+            <a:endParaRPr lang="pt-BR" dirty="0"/>
+          </a:p>
+        </p:txBody>
+      </p:sp>
+      <p:sp>
+        <p:nvSpPr>
+          <p:cNvPr id="9" name="Espaço Reservado para Conteúdo 8"/>
+          <p:cNvSpPr>
+            <a:spLocks noGrp="1"/>
+          </p:cNvSpPr>
+          <p:nvPr>
+            <p:ph sz="half" idx="2"/>
+          </p:nvPr>
+        </p:nvSpPr>
+        <p:spPr>
+          <a:xfrm>
+            <a:off x="467544" y="4149080"/>
+            <a:ext cx="7920880" cy="1977083"/>
+          </a:xfrm>
+        </p:spPr>
+        <p:txBody>
+          <a:bodyPr/>
+          <a:lstStyle/>
+          <a:p>
+            <a:pPr>
+              <a:spcBef>
+                <a:spcPts val="1800"/>
+              </a:spcBef>
+            </a:pPr>
+            <a:r>
+              <a:rPr lang="pt-BR" sz="2000" dirty="0" smtClean="0"/>
+              <a:t>Após o usuário digitar os dados e clicar em </a:t>
+            </a:r>
+            <a:r>
+              <a:rPr lang="pt-BR" sz="2000" dirty="0" smtClean="0"/>
+              <a:t>Ok</a:t>
+            </a:r>
+            <a:r>
+              <a:rPr lang="pt-BR" sz="2000" dirty="0" smtClean="0"/>
+              <a:t>, o método retornará uma instância da classe </a:t>
+            </a:r>
+            <a:r>
+              <a:rPr lang="pt-BR" sz="2000" b="1" i="1" dirty="0" err="1" smtClean="0">
+                <a:solidFill>
+                  <a:srgbClr val="FFC000"/>
+                </a:solidFill>
+              </a:rPr>
+              <a:t>Funcionario</a:t>
+            </a:r>
+            <a:r>
+              <a:rPr lang="pt-BR" sz="2000" dirty="0" smtClean="0"/>
+              <a:t> devidamente preenchida.</a:t>
+            </a:r>
+          </a:p>
+          <a:p>
+            <a:pPr>
+              <a:spcBef>
+                <a:spcPts val="1800"/>
+              </a:spcBef>
+            </a:pPr>
+            <a:r>
+              <a:rPr lang="pt-BR" sz="2000" dirty="0" smtClean="0"/>
+              <a:t>Caso o usuário clique no botão Cancelar ou </a:t>
+            </a:r>
+            <a:r>
+              <a:rPr lang="pt-BR" sz="2000" dirty="0" smtClean="0"/>
+              <a:t>Fechar o método retornará </a:t>
+            </a:r>
+            <a:r>
+              <a:rPr lang="pt-BR" sz="2000" b="1" dirty="0" err="1" smtClean="0">
+                <a:solidFill>
+                  <a:srgbClr val="FFC000"/>
+                </a:solidFill>
+              </a:rPr>
+              <a:t>null</a:t>
+            </a:r>
+            <a:r>
+              <a:rPr lang="pt-BR" sz="2000" dirty="0" smtClean="0"/>
+              <a:t>.</a:t>
+            </a:r>
+            <a:endParaRPr lang="pt-BR" sz="2000" dirty="0" smtClean="0"/>
+          </a:p>
+        </p:txBody>
+      </p:sp>
+      <p:sp>
+        <p:nvSpPr>
+          <p:cNvPr id="4" name="Slide Number Placeholder 3"/>
+          <p:cNvSpPr>
+            <a:spLocks noGrp="1"/>
+          </p:cNvSpPr>
+          <p:nvPr>
+            <p:ph type="sldNum" sz="quarter" idx="12"/>
+          </p:nvPr>
+        </p:nvSpPr>
+        <p:spPr/>
+        <p:txBody>
+          <a:bodyPr/>
+          <a:lstStyle/>
+          <a:p>
+            <a:pPr>
+              <a:defRPr/>
+            </a:pPr>
+            <a:fld id="{7E263EA5-71DF-4638-BC15-81D6FFD3C7EB}" type="slidenum">
+              <a:rPr lang="pt-BR" smtClean="0"/>
+              <a:pPr>
+                <a:defRPr/>
+              </a:pPr>
+              <a:t>20</a:t>
+            </a:fld>
+            <a:endParaRPr lang="pt-BR"/>
+          </a:p>
+        </p:txBody>
+      </p:sp>
+      <p:pic>
+        <p:nvPicPr>
+          <p:cNvPr id="1027" name="Picture 3"/>
+          <p:cNvPicPr>
+            <a:picLocks noGrp="1" noChangeAspect="1" noChangeArrowheads="1"/>
+          </p:cNvPicPr>
+          <p:nvPr>
+            <p:ph sz="half" idx="1"/>
+          </p:nvPr>
+        </p:nvPicPr>
+        <p:blipFill>
+          <a:blip r:embed="rId3" cstate="print"/>
+          <a:srcRect/>
+          <a:stretch>
+            <a:fillRect/>
+          </a:stretch>
+        </p:blipFill>
+        <p:spPr bwMode="auto">
+          <a:xfrm>
+            <a:off x="3059832" y="1700808"/>
+            <a:ext cx="2952750" cy="2000250"/>
+          </a:xfrm>
+          <a:prstGeom prst="rect">
+            <a:avLst/>
+          </a:prstGeom>
+          <a:noFill/>
+          <a:ln w="9525">
+            <a:noFill/>
+            <a:miter lim="800000"/>
+            <a:headEnd/>
+            <a:tailEnd/>
+          </a:ln>
+        </p:spPr>
+      </p:pic>
+    </p:spTree>
+  </p:cSld>
+  <p:clrMapOvr>
+    <a:masterClrMapping/>
+  </p:clrMapOvr>
+  <p:timing>
+    <p:tnLst>
+      <p:par>
+        <p:cTn id="1" dur="indefinite" restart="never" nodeType="tmRoot"/>
+      </p:par>
+    </p:tnLst>
+  </p:timing>
+</p:sld>
+</file>
+
+<file path=ppt/slides/slide21.xml><?xml version="1.0" encoding="utf-8"?>
+<p:sld xmlns:a="http://schemas.openxmlformats.org/drawingml/2006/main" xmlns:r="http://schemas.openxmlformats.org/officeDocument/2006/relationships" xmlns:p="http://schemas.openxmlformats.org/presentationml/2006/main">
+  <p:cSld>
+    <p:spTree>
+      <p:nvGrpSpPr>
+        <p:cNvPr id="1" name=""/>
+        <p:cNvGrpSpPr/>
+        <p:nvPr/>
+      </p:nvGrpSpPr>
+      <p:grpSpPr>
+        <a:xfrm>
+          <a:off x="0" y="0"/>
+          <a:ext cx="0" cy="0"/>
+          <a:chOff x="0" y="0"/>
+          <a:chExt cx="0" cy="0"/>
+        </a:xfrm>
+      </p:grpSpPr>
+      <p:sp>
+        <p:nvSpPr>
+          <p:cNvPr id="2" name="Título 1"/>
+          <p:cNvSpPr>
+            <a:spLocks noGrp="1"/>
+          </p:cNvSpPr>
+          <p:nvPr>
+            <p:ph type="title"/>
+          </p:nvPr>
+        </p:nvSpPr>
+        <p:spPr/>
+        <p:txBody>
+          <a:bodyPr/>
+          <a:lstStyle/>
+          <a:p>
+            <a:r>
+              <a:rPr lang="pt-BR" dirty="0" smtClean="0"/>
+              <a:t>Exercício (continuação)</a:t>
+            </a:r>
+            <a:endParaRPr lang="pt-BR" dirty="0"/>
+          </a:p>
+        </p:txBody>
+      </p:sp>
+      <p:sp>
+        <p:nvSpPr>
+          <p:cNvPr id="3" name="Espaço Reservado para Conteúdo 2"/>
+          <p:cNvSpPr>
+            <a:spLocks noGrp="1"/>
+          </p:cNvSpPr>
+          <p:nvPr>
+            <p:ph idx="1"/>
+          </p:nvPr>
+        </p:nvSpPr>
+        <p:spPr>
+          <a:xfrm>
+            <a:off x="323528" y="1600200"/>
+            <a:ext cx="8280920" cy="4525963"/>
+          </a:xfrm>
+        </p:spPr>
+        <p:txBody>
+          <a:bodyPr/>
+          <a:lstStyle/>
+          <a:p>
+            <a:pPr>
+              <a:spcBef>
+                <a:spcPts val="2400"/>
+              </a:spcBef>
+            </a:pPr>
+            <a:r>
+              <a:rPr lang="pt-BR" sz="2200" dirty="0" smtClean="0"/>
+              <a:t>Crie no mesmo projeto o pacote </a:t>
+            </a:r>
+            <a:r>
+              <a:rPr lang="pt-BR" sz="2200" dirty="0" smtClean="0">
+                <a:solidFill>
+                  <a:srgbClr val="FFC000"/>
+                </a:solidFill>
+              </a:rPr>
+              <a:t>br.com.impacta.</a:t>
+            </a:r>
+            <a:r>
+              <a:rPr lang="pt-BR" sz="2200" dirty="0" err="1" smtClean="0">
+                <a:solidFill>
+                  <a:srgbClr val="FFC000"/>
+                </a:solidFill>
+              </a:rPr>
+              <a:t>exercicio</a:t>
+            </a:r>
+            <a:r>
+              <a:rPr lang="pt-BR" sz="2200" dirty="0" smtClean="0"/>
+              <a:t> </a:t>
+            </a:r>
+            <a:r>
+              <a:rPr lang="pt-BR" sz="2200" dirty="0" smtClean="0"/>
+              <a:t>e dentro dele a classe </a:t>
+            </a:r>
+            <a:r>
+              <a:rPr lang="pt-BR" sz="2200" dirty="0" err="1" smtClean="0">
+                <a:solidFill>
+                  <a:srgbClr val="FFC000"/>
+                </a:solidFill>
+              </a:rPr>
+              <a:t>ExercicioList</a:t>
+            </a:r>
+            <a:r>
+              <a:rPr lang="pt-BR" sz="2200" dirty="0" smtClean="0"/>
+              <a:t> contendo o método </a:t>
+            </a:r>
+            <a:r>
+              <a:rPr lang="pt-BR" sz="2200" dirty="0" err="1" smtClean="0">
+                <a:solidFill>
+                  <a:srgbClr val="FFC000"/>
+                </a:solidFill>
+              </a:rPr>
+              <a:t>main</a:t>
+            </a:r>
+            <a:r>
+              <a:rPr lang="pt-BR" sz="2200" dirty="0" smtClean="0">
+                <a:solidFill>
+                  <a:srgbClr val="FFC000"/>
+                </a:solidFill>
+              </a:rPr>
+              <a:t>()</a:t>
+            </a:r>
+          </a:p>
+          <a:p>
+            <a:pPr>
+              <a:spcBef>
+                <a:spcPts val="2400"/>
+              </a:spcBef>
+            </a:pPr>
+            <a:r>
+              <a:rPr lang="pt-BR" sz="2200" dirty="0" smtClean="0"/>
+              <a:t>Instancie uma lista de funcionários e crie um loop executando diversas vezes o método </a:t>
+            </a:r>
+            <a:r>
+              <a:rPr lang="pt-BR" sz="2200" dirty="0" err="1" smtClean="0"/>
+              <a:t>FuncionarioDialog</a:t>
+            </a:r>
+            <a:r>
+              <a:rPr lang="pt-BR" sz="2200" dirty="0" smtClean="0"/>
+              <a:t>.</a:t>
+            </a:r>
+            <a:r>
+              <a:rPr lang="pt-BR" sz="2200" dirty="0" err="1" smtClean="0"/>
+              <a:t>showInputFuncionario</a:t>
+            </a:r>
+            <a:r>
+              <a:rPr lang="pt-BR" sz="2200" dirty="0" smtClean="0"/>
+              <a:t>()</a:t>
+            </a:r>
+          </a:p>
+          <a:p>
+            <a:pPr>
+              <a:spcBef>
+                <a:spcPts val="2400"/>
+              </a:spcBef>
+            </a:pPr>
+            <a:r>
+              <a:rPr lang="pt-BR" sz="2200" dirty="0" smtClean="0"/>
+              <a:t>Cada funcionário preenchido deverá ser adicionado à lista.</a:t>
+            </a:r>
+          </a:p>
+          <a:p>
+            <a:pPr>
+              <a:spcBef>
+                <a:spcPts val="2400"/>
+              </a:spcBef>
+            </a:pPr>
+            <a:r>
+              <a:rPr lang="pt-BR" sz="2200" dirty="0" smtClean="0"/>
+              <a:t>Quando o usuário clicar em cancelar (retornando </a:t>
+            </a:r>
+            <a:r>
+              <a:rPr lang="pt-BR" sz="2200" dirty="0" err="1" smtClean="0"/>
+              <a:t>null</a:t>
+            </a:r>
+            <a:r>
+              <a:rPr lang="pt-BR" sz="2200" dirty="0" smtClean="0"/>
+              <a:t>), o loop deverá ser finalizado e a aplicação deverá exibir os dados conforme próximo slide.</a:t>
+            </a:r>
+          </a:p>
+        </p:txBody>
+      </p:sp>
+      <p:sp>
+        <p:nvSpPr>
+          <p:cNvPr id="4" name="Espaço Reservado para Número de Slide 3"/>
+          <p:cNvSpPr>
+            <a:spLocks noGrp="1"/>
+          </p:cNvSpPr>
+          <p:nvPr>
+            <p:ph type="sldNum" sz="quarter" idx="12"/>
+          </p:nvPr>
+        </p:nvSpPr>
+        <p:spPr/>
+        <p:txBody>
+          <a:bodyPr/>
+          <a:lstStyle/>
+          <a:p>
+            <a:pPr>
+              <a:defRPr/>
+            </a:pPr>
+            <a:fld id="{7E263EA5-71DF-4638-BC15-81D6FFD3C7EB}" type="slidenum">
+              <a:rPr lang="pt-BR" smtClean="0"/>
+              <a:pPr>
+                <a:defRPr/>
+              </a:pPr>
+              <a:t>21</a:t>
+            </a:fld>
+            <a:endParaRPr lang="pt-BR"/>
+          </a:p>
+        </p:txBody>
+      </p:sp>
+    </p:spTree>
+  </p:cSld>
+  <p:clrMapOvr>
+    <a:masterClrMapping/>
+  </p:clrMapOvr>
+</p:sld>
+</file>
+
+<file path=ppt/slides/slide22.xml><?xml version="1.0" encoding="utf-8"?>
+<p:sld xmlns:a="http://schemas.openxmlformats.org/drawingml/2006/main" xmlns:r="http://schemas.openxmlformats.org/officeDocument/2006/relationships" xmlns:p="http://schemas.openxmlformats.org/presentationml/2006/main">
+  <p:cSld>
+    <p:spTree>
+      <p:nvGrpSpPr>
+        <p:cNvPr id="1" name=""/>
+        <p:cNvGrpSpPr/>
+        <p:nvPr/>
+      </p:nvGrpSpPr>
+      <p:grpSpPr>
+        <a:xfrm>
+          <a:off x="0" y="0"/>
+          <a:ext cx="0" cy="0"/>
+          <a:chOff x="0" y="0"/>
+          <a:chExt cx="0" cy="0"/>
+        </a:xfrm>
+      </p:grpSpPr>
+      <p:sp>
+        <p:nvSpPr>
+          <p:cNvPr id="2" name="Título 1"/>
+          <p:cNvSpPr>
+            <a:spLocks noGrp="1"/>
+          </p:cNvSpPr>
+          <p:nvPr>
+            <p:ph type="title"/>
+          </p:nvPr>
+        </p:nvSpPr>
+        <p:spPr/>
+        <p:txBody>
+          <a:bodyPr/>
+          <a:lstStyle/>
+          <a:p>
+            <a:r>
+              <a:rPr lang="pt-BR" dirty="0" smtClean="0"/>
+              <a:t>Exercício (fim)</a:t>
+            </a:r>
+            <a:endParaRPr lang="pt-BR" dirty="0"/>
+          </a:p>
+        </p:txBody>
+      </p:sp>
+      <p:sp>
+        <p:nvSpPr>
+          <p:cNvPr id="3" name="Espaço Reservado para Conteúdo 2"/>
+          <p:cNvSpPr>
+            <a:spLocks noGrp="1"/>
+          </p:cNvSpPr>
+          <p:nvPr>
+            <p:ph idx="1"/>
+          </p:nvPr>
+        </p:nvSpPr>
+        <p:spPr>
+          <a:xfrm>
+            <a:off x="1259632" y="1600200"/>
+            <a:ext cx="6665168" cy="4525963"/>
+          </a:xfrm>
+        </p:spPr>
+        <p:txBody>
+          <a:bodyPr/>
+          <a:lstStyle/>
+          <a:p>
+            <a:pPr marL="0" indent="0">
+              <a:spcBef>
+                <a:spcPts val="0"/>
+              </a:spcBef>
+              <a:buNone/>
+            </a:pPr>
+            <a:r>
+              <a:rPr lang="pt-BR" sz="2400" b="1" dirty="0" smtClean="0">
+                <a:solidFill>
+                  <a:srgbClr val="FFC000"/>
+                </a:solidFill>
+                <a:latin typeface="Courier New" pitchFamily="49" charset="0"/>
+                <a:cs typeface="Courier New" pitchFamily="49" charset="0"/>
+              </a:rPr>
+              <a:t>Nome            Idade   Salário</a:t>
+            </a:r>
+          </a:p>
+          <a:p>
+            <a:pPr marL="0" indent="0">
+              <a:spcBef>
+                <a:spcPts val="0"/>
+              </a:spcBef>
+              <a:buNone/>
+            </a:pPr>
+            <a:r>
+              <a:rPr lang="pt-BR" sz="2400" b="1" dirty="0" smtClean="0">
+                <a:solidFill>
+                  <a:srgbClr val="FFC000"/>
+                </a:solidFill>
+                <a:latin typeface="Courier New" pitchFamily="49" charset="0"/>
+                <a:cs typeface="Courier New" pitchFamily="49" charset="0"/>
+              </a:rPr>
+              <a:t>=============== ===== =========</a:t>
+            </a:r>
+          </a:p>
+          <a:p>
+            <a:pPr marL="0" indent="0">
+              <a:spcBef>
+                <a:spcPts val="0"/>
+              </a:spcBef>
+              <a:buNone/>
+            </a:pPr>
+            <a:r>
+              <a:rPr lang="pt-BR" sz="2400" b="1" dirty="0" smtClean="0">
+                <a:solidFill>
+                  <a:srgbClr val="FFC000"/>
+                </a:solidFill>
+                <a:latin typeface="Courier New" pitchFamily="49" charset="0"/>
+                <a:cs typeface="Courier New" pitchFamily="49" charset="0"/>
+              </a:rPr>
+              <a:t>Joaquim Souza      52  8.350,45</a:t>
+            </a:r>
+          </a:p>
+          <a:p>
+            <a:pPr marL="0" indent="0">
+              <a:spcBef>
+                <a:spcPts val="0"/>
+              </a:spcBef>
+              <a:buNone/>
+            </a:pPr>
+            <a:r>
+              <a:rPr lang="pt-BR" sz="2400" b="1" dirty="0" smtClean="0">
+                <a:solidFill>
+                  <a:srgbClr val="FFC000"/>
+                </a:solidFill>
+                <a:latin typeface="Courier New" pitchFamily="49" charset="0"/>
+                <a:cs typeface="Courier New" pitchFamily="49" charset="0"/>
+              </a:rPr>
+              <a:t>Carlos Alberto     19    970,00</a:t>
+            </a:r>
+          </a:p>
+          <a:p>
+            <a:pPr marL="0" indent="0">
+              <a:spcBef>
+                <a:spcPts val="0"/>
+              </a:spcBef>
+              <a:buNone/>
+            </a:pPr>
+            <a:r>
+              <a:rPr lang="pt-BR" sz="2400" b="1" dirty="0" smtClean="0">
+                <a:solidFill>
+                  <a:srgbClr val="FFC000"/>
+                </a:solidFill>
+                <a:latin typeface="Courier New" pitchFamily="49" charset="0"/>
+                <a:cs typeface="Courier New" pitchFamily="49" charset="0"/>
+              </a:rPr>
+              <a:t>Manuel da Silva    37  3.350,00</a:t>
+            </a:r>
+          </a:p>
+          <a:p>
+            <a:pPr marL="0" indent="0">
+              <a:spcBef>
+                <a:spcPts val="0"/>
+              </a:spcBef>
+              <a:buNone/>
+            </a:pPr>
+            <a:r>
+              <a:rPr lang="pt-BR" sz="2400" b="1" dirty="0" smtClean="0">
+                <a:solidFill>
+                  <a:srgbClr val="FFC000"/>
+                </a:solidFill>
+                <a:latin typeface="Courier New" pitchFamily="49" charset="0"/>
+                <a:cs typeface="Courier New" pitchFamily="49" charset="0"/>
+              </a:rPr>
+              <a:t>Antônio Nunes      32 12.200,00</a:t>
+            </a:r>
+          </a:p>
+          <a:p>
+            <a:pPr marL="0" indent="0">
+              <a:spcBef>
+                <a:spcPts val="0"/>
+              </a:spcBef>
+              <a:buNone/>
+            </a:pPr>
+            <a:r>
+              <a:rPr lang="pt-BR" sz="2400" b="1" dirty="0" smtClean="0">
+                <a:solidFill>
+                  <a:srgbClr val="FFC000"/>
+                </a:solidFill>
+                <a:latin typeface="Courier New" pitchFamily="49" charset="0"/>
+                <a:cs typeface="Courier New" pitchFamily="49" charset="0"/>
+              </a:rPr>
+              <a:t>Maria Antunes      29  2.800,40</a:t>
+            </a:r>
+          </a:p>
+          <a:p>
+            <a:pPr marL="0" indent="0">
+              <a:spcBef>
+                <a:spcPts val="0"/>
+              </a:spcBef>
+              <a:buNone/>
+            </a:pPr>
+            <a:endParaRPr lang="pt-BR" sz="2400" b="1" dirty="0" smtClean="0">
+              <a:solidFill>
+                <a:srgbClr val="FFC000"/>
+              </a:solidFill>
+              <a:latin typeface="Courier New" pitchFamily="49" charset="0"/>
+              <a:cs typeface="Courier New" pitchFamily="49" charset="0"/>
+            </a:endParaRPr>
+          </a:p>
+          <a:p>
+            <a:pPr marL="0" indent="0">
+              <a:spcBef>
+                <a:spcPts val="0"/>
+              </a:spcBef>
+              <a:buNone/>
+            </a:pPr>
+            <a:r>
+              <a:rPr lang="pt-BR" sz="2400" b="1" dirty="0" smtClean="0">
+                <a:solidFill>
+                  <a:srgbClr val="FFC000"/>
+                </a:solidFill>
+                <a:latin typeface="Courier New" pitchFamily="49" charset="0"/>
+                <a:cs typeface="Courier New" pitchFamily="49" charset="0"/>
+              </a:rPr>
+              <a:t>Total de funcionários: 5</a:t>
+            </a:r>
+          </a:p>
+          <a:p>
+            <a:pPr marL="0" indent="0">
+              <a:spcBef>
+                <a:spcPts val="0"/>
+              </a:spcBef>
+              <a:buNone/>
+            </a:pPr>
+            <a:r>
+              <a:rPr lang="pt-BR" sz="2400" b="1" dirty="0" smtClean="0">
+                <a:solidFill>
+                  <a:srgbClr val="FFC000"/>
+                </a:solidFill>
+                <a:latin typeface="Courier New" pitchFamily="49" charset="0"/>
+                <a:cs typeface="Courier New" pitchFamily="49" charset="0"/>
+              </a:rPr>
+              <a:t>Total de salários    : 27.670,85</a:t>
+            </a:r>
+          </a:p>
+          <a:p>
+            <a:pPr marL="0" indent="0">
+              <a:spcBef>
+                <a:spcPts val="0"/>
+              </a:spcBef>
+              <a:buNone/>
+            </a:pPr>
+            <a:r>
+              <a:rPr lang="pt-BR" sz="2400" b="1" dirty="0" smtClean="0">
+                <a:solidFill>
+                  <a:srgbClr val="FFC000"/>
+                </a:solidFill>
+                <a:latin typeface="Courier New" pitchFamily="49" charset="0"/>
+                <a:cs typeface="Courier New" pitchFamily="49" charset="0"/>
+              </a:rPr>
+              <a:t>Média de idade       : 33,8</a:t>
+            </a:r>
+            <a:endParaRPr lang="pt-BR" sz="2400" b="1" dirty="0">
+              <a:solidFill>
+                <a:srgbClr val="FFC000"/>
+              </a:solidFill>
+              <a:latin typeface="Courier New" pitchFamily="49" charset="0"/>
+              <a:cs typeface="Courier New" pitchFamily="49" charset="0"/>
+            </a:endParaRPr>
+          </a:p>
+        </p:txBody>
+      </p:sp>
+      <p:sp>
+        <p:nvSpPr>
+          <p:cNvPr id="4" name="Espaço Reservado para Número de Slide 3"/>
+          <p:cNvSpPr>
+            <a:spLocks noGrp="1"/>
+          </p:cNvSpPr>
+          <p:nvPr>
+            <p:ph type="sldNum" sz="quarter" idx="12"/>
+          </p:nvPr>
+        </p:nvSpPr>
+        <p:spPr/>
+        <p:txBody>
+          <a:bodyPr/>
+          <a:lstStyle/>
+          <a:p>
+            <a:pPr>
+              <a:defRPr/>
+            </a:pPr>
+            <a:fld id="{7E263EA5-71DF-4638-BC15-81D6FFD3C7EB}" type="slidenum">
+              <a:rPr lang="pt-BR" smtClean="0"/>
+              <a:pPr>
+                <a:defRPr/>
+              </a:pPr>
+              <a:t>22</a:t>
+            </a:fld>
+            <a:endParaRPr lang="pt-BR"/>
+          </a:p>
+        </p:txBody>
+      </p:sp>
+    </p:spTree>
+  </p:cSld>
+  <p:clrMapOvr>
+    <a:masterClrMapping/>
+  </p:clrMapOvr>
+</p:sld>
+</file>
+
+<file path=ppt/slides/slide23.xml><?xml version="1.0" encoding="utf-8"?>
 <p:sld xmlns:a="http://schemas.openxmlformats.org/drawingml/2006/main" xmlns:r="http://schemas.openxmlformats.org/officeDocument/2006/relationships" xmlns:p="http://schemas.openxmlformats.org/presentationml/2006/main">
   <p:cSld>
     <p:spTree>
@@ -14259,7 +15415,7 @@
               <a:pPr>
                 <a:defRPr/>
               </a:pPr>
-              <a:t>20</a:t>
+              <a:t>23</a:t>
             </a:fld>
             <a:endParaRPr lang="pt-BR"/>
           </a:p>
@@ -14280,7 +15436,752 @@
 </p:sld>
 </file>
 
-<file path=ppt/slides/slide21.xml><?xml version="1.0" encoding="utf-8"?>
+<file path=ppt/slides/slide24.xml><?xml version="1.0" encoding="utf-8"?>
+<p:sld xmlns:a="http://schemas.openxmlformats.org/drawingml/2006/main" xmlns:r="http://schemas.openxmlformats.org/officeDocument/2006/relationships" xmlns:p="http://schemas.openxmlformats.org/presentationml/2006/main">
+  <p:cSld>
+    <p:spTree>
+      <p:nvGrpSpPr>
+        <p:cNvPr id="1" name=""/>
+        <p:cNvGrpSpPr/>
+        <p:nvPr/>
+      </p:nvGrpSpPr>
+      <p:grpSpPr>
+        <a:xfrm>
+          <a:off x="0" y="0"/>
+          <a:ext cx="0" cy="0"/>
+          <a:chOff x="0" y="0"/>
+          <a:chExt cx="0" cy="0"/>
+        </a:xfrm>
+      </p:grpSpPr>
+      <p:sp>
+        <p:nvSpPr>
+          <p:cNvPr id="9218" name="Título 1"/>
+          <p:cNvSpPr>
+            <a:spLocks noGrp="1"/>
+          </p:cNvSpPr>
+          <p:nvPr>
+            <p:ph type="title"/>
+          </p:nvPr>
+        </p:nvSpPr>
+        <p:spPr>
+          <a:noFill/>
+          <a:ln w="9525">
+            <a:noFill/>
+            <a:miter lim="800000"/>
+            <a:headEnd/>
+            <a:tailEnd/>
+          </a:ln>
+        </p:spPr>
+        <p:txBody>
+          <a:bodyPr vert="horz" wrap="square" lIns="45720" tIns="45720" rIns="45720" bIns="45720" numCol="1" anchor="ctr" anchorCtr="0" compatLnSpc="1">
+            <a:prstTxWarp prst="textNoShape">
+              <a:avLst/>
+            </a:prstTxWarp>
+          </a:bodyPr>
+          <a:lstStyle/>
+          <a:p>
+            <a:r>
+              <a:rPr lang="pt-BR" dirty="0" smtClean="0"/>
+              <a:t>Set</a:t>
+            </a:r>
+          </a:p>
+        </p:txBody>
+      </p:sp>
+      <p:sp>
+        <p:nvSpPr>
+          <p:cNvPr id="15" name="Espaço Reservado para Número de Slide 14"/>
+          <p:cNvSpPr>
+            <a:spLocks noGrp="1"/>
+          </p:cNvSpPr>
+          <p:nvPr>
+            <p:ph type="sldNum" sz="quarter" idx="12"/>
+          </p:nvPr>
+        </p:nvSpPr>
+        <p:spPr/>
+        <p:txBody>
+          <a:bodyPr/>
+          <a:lstStyle/>
+          <a:p>
+            <a:pPr>
+              <a:defRPr/>
+            </a:pPr>
+            <a:fld id="{7E263EA5-71DF-4638-BC15-81D6FFD3C7EB}" type="slidenum">
+              <a:rPr lang="pt-BR" smtClean="0"/>
+              <a:pPr>
+                <a:defRPr/>
+              </a:pPr>
+              <a:t>24</a:t>
+            </a:fld>
+            <a:endParaRPr lang="pt-BR"/>
+          </a:p>
+        </p:txBody>
+      </p:sp>
+      <p:grpSp>
+        <p:nvGrpSpPr>
+          <p:cNvPr id="39" name="Espaço Reservado para Conteúdo 38"/>
+          <p:cNvGrpSpPr>
+            <a:grpSpLocks noGrp="1"/>
+          </p:cNvGrpSpPr>
+          <p:nvPr>
+            <p:ph idx="1"/>
+          </p:nvPr>
+        </p:nvGrpSpPr>
+        <p:grpSpPr>
+          <a:xfrm>
+            <a:off x="1475656" y="1993107"/>
+            <a:ext cx="5430688" cy="3740150"/>
+            <a:chOff x="1979712" y="2420888"/>
+            <a:chExt cx="5256584" cy="3384376"/>
+          </a:xfrm>
+        </p:grpSpPr>
+        <p:sp>
+          <p:nvSpPr>
+            <p:cNvPr id="40" name="AutoShape 3"/>
+            <p:cNvSpPr>
+              <a:spLocks noChangeArrowheads="1"/>
+            </p:cNvSpPr>
+            <p:nvPr/>
+          </p:nvSpPr>
+          <p:spPr bwMode="auto">
+            <a:xfrm>
+              <a:off x="2483768" y="3356992"/>
+              <a:ext cx="774713" cy="680939"/>
+            </a:xfrm>
+            <a:prstGeom prst="cube">
+              <a:avLst>
+                <a:gd name="adj" fmla="val 25000"/>
+              </a:avLst>
+            </a:prstGeom>
+            <a:solidFill>
+              <a:srgbClr val="CC9900"/>
+            </a:solidFill>
+            <a:ln w="9360">
+              <a:solidFill>
+                <a:srgbClr val="FFFFFF"/>
+              </a:solidFill>
+              <a:miter lim="800000"/>
+              <a:headEnd/>
+              <a:tailEnd/>
+            </a:ln>
+          </p:spPr>
+          <p:txBody>
+            <a:bodyPr wrap="none" lIns="90000" tIns="46800" rIns="90000" bIns="46800" anchor="ctr"/>
+            <a:lstStyle/>
+            <a:p>
+              <a:pPr algn="ctr">
+                <a:spcBef>
+                  <a:spcPts val="750"/>
+                </a:spcBef>
+                <a:buClrTx/>
+                <a:buFontTx/>
+                <a:buNone/>
+                <a:tabLst>
+                  <a:tab pos="0" algn="l"/>
+                  <a:tab pos="914400" algn="l"/>
+                  <a:tab pos="1828800" algn="l"/>
+                  <a:tab pos="2743200" algn="l"/>
+                  <a:tab pos="3657600" algn="l"/>
+                  <a:tab pos="4572000" algn="l"/>
+                  <a:tab pos="5486400" algn="l"/>
+                  <a:tab pos="6400800" algn="l"/>
+                  <a:tab pos="7315200" algn="l"/>
+                  <a:tab pos="8229600" algn="l"/>
+                  <a:tab pos="9144000" algn="l"/>
+                  <a:tab pos="10058400" algn="l"/>
+                </a:tabLst>
+              </a:pPr>
+              <a:endParaRPr lang="pt-BR" sz="3000" dirty="0">
+                <a:solidFill>
+                  <a:srgbClr val="FFFFFF"/>
+                </a:solidFill>
+                <a:latin typeface="Arial" charset="0"/>
+              </a:endParaRPr>
+            </a:p>
+          </p:txBody>
+        </p:sp>
+        <p:sp>
+          <p:nvSpPr>
+            <p:cNvPr id="41" name="AutoShape 4"/>
+            <p:cNvSpPr>
+              <a:spLocks noChangeArrowheads="1"/>
+            </p:cNvSpPr>
+            <p:nvPr/>
+          </p:nvSpPr>
+          <p:spPr bwMode="auto">
+            <a:xfrm>
+              <a:off x="3388929" y="3933056"/>
+              <a:ext cx="774714" cy="680939"/>
+            </a:xfrm>
+            <a:prstGeom prst="cube">
+              <a:avLst>
+                <a:gd name="adj" fmla="val 25000"/>
+              </a:avLst>
+            </a:prstGeom>
+            <a:solidFill>
+              <a:srgbClr val="CC9900"/>
+            </a:solidFill>
+            <a:ln w="9360">
+              <a:solidFill>
+                <a:srgbClr val="FFFFFF"/>
+              </a:solidFill>
+              <a:miter lim="800000"/>
+              <a:headEnd/>
+              <a:tailEnd/>
+            </a:ln>
+          </p:spPr>
+          <p:txBody>
+            <a:bodyPr wrap="none" lIns="90000" tIns="46800" rIns="90000" bIns="46800" anchor="ctr"/>
+            <a:lstStyle/>
+            <a:p>
+              <a:pPr algn="ctr">
+                <a:spcBef>
+                  <a:spcPts val="750"/>
+                </a:spcBef>
+                <a:buClrTx/>
+                <a:buFontTx/>
+                <a:buNone/>
+                <a:tabLst>
+                  <a:tab pos="0" algn="l"/>
+                  <a:tab pos="914400" algn="l"/>
+                  <a:tab pos="1828800" algn="l"/>
+                  <a:tab pos="2743200" algn="l"/>
+                  <a:tab pos="3657600" algn="l"/>
+                  <a:tab pos="4572000" algn="l"/>
+                  <a:tab pos="5486400" algn="l"/>
+                  <a:tab pos="6400800" algn="l"/>
+                  <a:tab pos="7315200" algn="l"/>
+                  <a:tab pos="8229600" algn="l"/>
+                  <a:tab pos="9144000" algn="l"/>
+                  <a:tab pos="10058400" algn="l"/>
+                </a:tabLst>
+              </a:pPr>
+              <a:endParaRPr lang="pt-BR" sz="3000" dirty="0">
+                <a:solidFill>
+                  <a:srgbClr val="FFFFFF"/>
+                </a:solidFill>
+                <a:latin typeface="Arial" charset="0"/>
+              </a:endParaRPr>
+            </a:p>
+          </p:txBody>
+        </p:sp>
+        <p:sp>
+          <p:nvSpPr>
+            <p:cNvPr id="42" name="AutoShape 5"/>
+            <p:cNvSpPr>
+              <a:spLocks noChangeArrowheads="1"/>
+            </p:cNvSpPr>
+            <p:nvPr/>
+          </p:nvSpPr>
+          <p:spPr bwMode="auto">
+            <a:xfrm>
+              <a:off x="3851920" y="2852936"/>
+              <a:ext cx="774714" cy="680939"/>
+            </a:xfrm>
+            <a:prstGeom prst="cube">
+              <a:avLst>
+                <a:gd name="adj" fmla="val 25000"/>
+              </a:avLst>
+            </a:prstGeom>
+            <a:solidFill>
+              <a:srgbClr val="CC9900"/>
+            </a:solidFill>
+            <a:ln w="9360">
+              <a:solidFill>
+                <a:srgbClr val="FFFFFF"/>
+              </a:solidFill>
+              <a:miter lim="800000"/>
+              <a:headEnd/>
+              <a:tailEnd/>
+            </a:ln>
+          </p:spPr>
+          <p:txBody>
+            <a:bodyPr wrap="none" lIns="90000" tIns="46800" rIns="90000" bIns="46800" anchor="ctr"/>
+            <a:lstStyle/>
+            <a:p>
+              <a:pPr algn="ctr">
+                <a:spcBef>
+                  <a:spcPts val="750"/>
+                </a:spcBef>
+                <a:buClrTx/>
+                <a:buFontTx/>
+                <a:buNone/>
+                <a:tabLst>
+                  <a:tab pos="0" algn="l"/>
+                  <a:tab pos="914400" algn="l"/>
+                  <a:tab pos="1828800" algn="l"/>
+                  <a:tab pos="2743200" algn="l"/>
+                  <a:tab pos="3657600" algn="l"/>
+                  <a:tab pos="4572000" algn="l"/>
+                  <a:tab pos="5486400" algn="l"/>
+                  <a:tab pos="6400800" algn="l"/>
+                  <a:tab pos="7315200" algn="l"/>
+                  <a:tab pos="8229600" algn="l"/>
+                  <a:tab pos="9144000" algn="l"/>
+                  <a:tab pos="10058400" algn="l"/>
+                </a:tabLst>
+              </a:pPr>
+              <a:endParaRPr lang="pt-BR" sz="3000" dirty="0">
+                <a:solidFill>
+                  <a:srgbClr val="FFFFFF"/>
+                </a:solidFill>
+                <a:latin typeface="Arial" charset="0"/>
+              </a:endParaRPr>
+            </a:p>
+          </p:txBody>
+        </p:sp>
+        <p:sp>
+          <p:nvSpPr>
+            <p:cNvPr id="43" name="AutoShape 6"/>
+            <p:cNvSpPr>
+              <a:spLocks noChangeArrowheads="1"/>
+            </p:cNvSpPr>
+            <p:nvPr/>
+          </p:nvSpPr>
+          <p:spPr bwMode="auto">
+            <a:xfrm>
+              <a:off x="4716016" y="3645024"/>
+              <a:ext cx="774714" cy="680939"/>
+            </a:xfrm>
+            <a:prstGeom prst="cube">
+              <a:avLst>
+                <a:gd name="adj" fmla="val 25000"/>
+              </a:avLst>
+            </a:prstGeom>
+            <a:solidFill>
+              <a:srgbClr val="CC9900"/>
+            </a:solidFill>
+            <a:ln w="9360">
+              <a:solidFill>
+                <a:srgbClr val="FFFFFF"/>
+              </a:solidFill>
+              <a:miter lim="800000"/>
+              <a:headEnd/>
+              <a:tailEnd/>
+            </a:ln>
+          </p:spPr>
+          <p:txBody>
+            <a:bodyPr wrap="none" lIns="90000" tIns="46800" rIns="90000" bIns="46800" anchor="ctr"/>
+            <a:lstStyle/>
+            <a:p>
+              <a:pPr algn="ctr">
+                <a:spcBef>
+                  <a:spcPts val="750"/>
+                </a:spcBef>
+                <a:buClrTx/>
+                <a:buFontTx/>
+                <a:buNone/>
+                <a:tabLst>
+                  <a:tab pos="0" algn="l"/>
+                  <a:tab pos="914400" algn="l"/>
+                  <a:tab pos="1828800" algn="l"/>
+                  <a:tab pos="2743200" algn="l"/>
+                  <a:tab pos="3657600" algn="l"/>
+                  <a:tab pos="4572000" algn="l"/>
+                  <a:tab pos="5486400" algn="l"/>
+                  <a:tab pos="6400800" algn="l"/>
+                  <a:tab pos="7315200" algn="l"/>
+                  <a:tab pos="8229600" algn="l"/>
+                  <a:tab pos="9144000" algn="l"/>
+                  <a:tab pos="10058400" algn="l"/>
+                </a:tabLst>
+              </a:pPr>
+              <a:endParaRPr lang="pt-BR" sz="3000" dirty="0">
+                <a:solidFill>
+                  <a:srgbClr val="FFFFFF"/>
+                </a:solidFill>
+                <a:latin typeface="Arial" charset="0"/>
+              </a:endParaRPr>
+            </a:p>
+          </p:txBody>
+        </p:sp>
+        <p:sp>
+          <p:nvSpPr>
+            <p:cNvPr id="44" name="AutoShape 7"/>
+            <p:cNvSpPr>
+              <a:spLocks noChangeArrowheads="1"/>
+            </p:cNvSpPr>
+            <p:nvPr/>
+          </p:nvSpPr>
+          <p:spPr bwMode="auto">
+            <a:xfrm>
+              <a:off x="5436096" y="2708920"/>
+              <a:ext cx="774713" cy="680939"/>
+            </a:xfrm>
+            <a:prstGeom prst="cube">
+              <a:avLst>
+                <a:gd name="adj" fmla="val 25000"/>
+              </a:avLst>
+            </a:prstGeom>
+            <a:solidFill>
+              <a:srgbClr val="CC9900"/>
+            </a:solidFill>
+            <a:ln w="9360">
+              <a:solidFill>
+                <a:srgbClr val="FFFFFF"/>
+              </a:solidFill>
+              <a:miter lim="800000"/>
+              <a:headEnd/>
+              <a:tailEnd/>
+            </a:ln>
+          </p:spPr>
+          <p:txBody>
+            <a:bodyPr wrap="none" lIns="90000" tIns="46800" rIns="90000" bIns="46800" anchor="ctr"/>
+            <a:lstStyle/>
+            <a:p>
+              <a:pPr algn="ctr">
+                <a:spcBef>
+                  <a:spcPts val="750"/>
+                </a:spcBef>
+                <a:buClrTx/>
+                <a:buFontTx/>
+                <a:buNone/>
+                <a:tabLst>
+                  <a:tab pos="0" algn="l"/>
+                  <a:tab pos="914400" algn="l"/>
+                  <a:tab pos="1828800" algn="l"/>
+                  <a:tab pos="2743200" algn="l"/>
+                  <a:tab pos="3657600" algn="l"/>
+                  <a:tab pos="4572000" algn="l"/>
+                  <a:tab pos="5486400" algn="l"/>
+                  <a:tab pos="6400800" algn="l"/>
+                  <a:tab pos="7315200" algn="l"/>
+                  <a:tab pos="8229600" algn="l"/>
+                  <a:tab pos="9144000" algn="l"/>
+                  <a:tab pos="10058400" algn="l"/>
+                </a:tabLst>
+              </a:pPr>
+              <a:endParaRPr lang="pt-BR" sz="3000" dirty="0">
+                <a:solidFill>
+                  <a:srgbClr val="FFFFFF"/>
+                </a:solidFill>
+                <a:latin typeface="Arial" charset="0"/>
+              </a:endParaRPr>
+            </a:p>
+          </p:txBody>
+        </p:sp>
+        <p:sp>
+          <p:nvSpPr>
+            <p:cNvPr id="45" name="AutoShape 7"/>
+            <p:cNvSpPr>
+              <a:spLocks noChangeArrowheads="1"/>
+            </p:cNvSpPr>
+            <p:nvPr/>
+          </p:nvSpPr>
+          <p:spPr bwMode="auto">
+            <a:xfrm>
+              <a:off x="6084168" y="3540149"/>
+              <a:ext cx="774713" cy="680939"/>
+            </a:xfrm>
+            <a:prstGeom prst="cube">
+              <a:avLst>
+                <a:gd name="adj" fmla="val 25000"/>
+              </a:avLst>
+            </a:prstGeom>
+            <a:solidFill>
+              <a:srgbClr val="CC9900"/>
+            </a:solidFill>
+            <a:ln w="9360">
+              <a:solidFill>
+                <a:srgbClr val="FFFFFF"/>
+              </a:solidFill>
+              <a:miter lim="800000"/>
+              <a:headEnd/>
+              <a:tailEnd/>
+            </a:ln>
+          </p:spPr>
+          <p:txBody>
+            <a:bodyPr wrap="none" lIns="90000" tIns="46800" rIns="90000" bIns="46800" anchor="ctr"/>
+            <a:lstStyle/>
+            <a:p>
+              <a:pPr algn="ctr">
+                <a:spcBef>
+                  <a:spcPts val="750"/>
+                </a:spcBef>
+                <a:buClrTx/>
+                <a:buFontTx/>
+                <a:buNone/>
+                <a:tabLst>
+                  <a:tab pos="0" algn="l"/>
+                  <a:tab pos="914400" algn="l"/>
+                  <a:tab pos="1828800" algn="l"/>
+                  <a:tab pos="2743200" algn="l"/>
+                  <a:tab pos="3657600" algn="l"/>
+                  <a:tab pos="4572000" algn="l"/>
+                  <a:tab pos="5486400" algn="l"/>
+                  <a:tab pos="6400800" algn="l"/>
+                  <a:tab pos="7315200" algn="l"/>
+                  <a:tab pos="8229600" algn="l"/>
+                  <a:tab pos="9144000" algn="l"/>
+                  <a:tab pos="10058400" algn="l"/>
+                </a:tabLst>
+              </a:pPr>
+              <a:endParaRPr lang="pt-BR" sz="3000" dirty="0">
+                <a:solidFill>
+                  <a:srgbClr val="FFFFFF"/>
+                </a:solidFill>
+                <a:latin typeface="Arial" charset="0"/>
+              </a:endParaRPr>
+            </a:p>
+          </p:txBody>
+        </p:sp>
+        <p:sp>
+          <p:nvSpPr>
+            <p:cNvPr id="46" name="AutoShape 7"/>
+            <p:cNvSpPr>
+              <a:spLocks noChangeArrowheads="1"/>
+            </p:cNvSpPr>
+            <p:nvPr/>
+          </p:nvSpPr>
+          <p:spPr bwMode="auto">
+            <a:xfrm>
+              <a:off x="5364088" y="4581128"/>
+              <a:ext cx="774713" cy="680939"/>
+            </a:xfrm>
+            <a:prstGeom prst="cube">
+              <a:avLst>
+                <a:gd name="adj" fmla="val 25000"/>
+              </a:avLst>
+            </a:prstGeom>
+            <a:solidFill>
+              <a:srgbClr val="CC9900"/>
+            </a:solidFill>
+            <a:ln w="9360">
+              <a:solidFill>
+                <a:srgbClr val="FFFFFF"/>
+              </a:solidFill>
+              <a:miter lim="800000"/>
+              <a:headEnd/>
+              <a:tailEnd/>
+            </a:ln>
+          </p:spPr>
+          <p:txBody>
+            <a:bodyPr wrap="none" lIns="90000" tIns="46800" rIns="90000" bIns="46800" anchor="ctr"/>
+            <a:lstStyle/>
+            <a:p>
+              <a:pPr algn="ctr">
+                <a:spcBef>
+                  <a:spcPts val="750"/>
+                </a:spcBef>
+                <a:buClrTx/>
+                <a:buFontTx/>
+                <a:buNone/>
+                <a:tabLst>
+                  <a:tab pos="0" algn="l"/>
+                  <a:tab pos="914400" algn="l"/>
+                  <a:tab pos="1828800" algn="l"/>
+                  <a:tab pos="2743200" algn="l"/>
+                  <a:tab pos="3657600" algn="l"/>
+                  <a:tab pos="4572000" algn="l"/>
+                  <a:tab pos="5486400" algn="l"/>
+                  <a:tab pos="6400800" algn="l"/>
+                  <a:tab pos="7315200" algn="l"/>
+                  <a:tab pos="8229600" algn="l"/>
+                  <a:tab pos="9144000" algn="l"/>
+                  <a:tab pos="10058400" algn="l"/>
+                </a:tabLst>
+              </a:pPr>
+              <a:endParaRPr lang="pt-BR" sz="3000" dirty="0">
+                <a:solidFill>
+                  <a:srgbClr val="FFFFFF"/>
+                </a:solidFill>
+                <a:latin typeface="Arial" charset="0"/>
+              </a:endParaRPr>
+            </a:p>
+          </p:txBody>
+        </p:sp>
+        <p:sp>
+          <p:nvSpPr>
+            <p:cNvPr id="47" name="AutoShape 7"/>
+            <p:cNvSpPr>
+              <a:spLocks noChangeArrowheads="1"/>
+            </p:cNvSpPr>
+            <p:nvPr/>
+          </p:nvSpPr>
+          <p:spPr bwMode="auto">
+            <a:xfrm>
+              <a:off x="4067944" y="4725144"/>
+              <a:ext cx="774713" cy="680939"/>
+            </a:xfrm>
+            <a:prstGeom prst="cube">
+              <a:avLst>
+                <a:gd name="adj" fmla="val 25000"/>
+              </a:avLst>
+            </a:prstGeom>
+            <a:solidFill>
+              <a:srgbClr val="CC9900"/>
+            </a:solidFill>
+            <a:ln w="9360">
+              <a:solidFill>
+                <a:srgbClr val="FFFFFF"/>
+              </a:solidFill>
+              <a:miter lim="800000"/>
+              <a:headEnd/>
+              <a:tailEnd/>
+            </a:ln>
+          </p:spPr>
+          <p:txBody>
+            <a:bodyPr wrap="none" lIns="90000" tIns="46800" rIns="90000" bIns="46800" anchor="ctr"/>
+            <a:lstStyle/>
+            <a:p>
+              <a:pPr algn="ctr">
+                <a:spcBef>
+                  <a:spcPts val="750"/>
+                </a:spcBef>
+                <a:buClrTx/>
+                <a:buFontTx/>
+                <a:buNone/>
+                <a:tabLst>
+                  <a:tab pos="0" algn="l"/>
+                  <a:tab pos="914400" algn="l"/>
+                  <a:tab pos="1828800" algn="l"/>
+                  <a:tab pos="2743200" algn="l"/>
+                  <a:tab pos="3657600" algn="l"/>
+                  <a:tab pos="4572000" algn="l"/>
+                  <a:tab pos="5486400" algn="l"/>
+                  <a:tab pos="6400800" algn="l"/>
+                  <a:tab pos="7315200" algn="l"/>
+                  <a:tab pos="8229600" algn="l"/>
+                  <a:tab pos="9144000" algn="l"/>
+                  <a:tab pos="10058400" algn="l"/>
+                </a:tabLst>
+              </a:pPr>
+              <a:endParaRPr lang="pt-BR" sz="3000" dirty="0">
+                <a:solidFill>
+                  <a:srgbClr val="FFFFFF"/>
+                </a:solidFill>
+                <a:latin typeface="Arial" charset="0"/>
+              </a:endParaRPr>
+            </a:p>
+          </p:txBody>
+        </p:sp>
+        <p:sp>
+          <p:nvSpPr>
+            <p:cNvPr id="48" name="AutoShape 7"/>
+            <p:cNvSpPr>
+              <a:spLocks noChangeArrowheads="1"/>
+            </p:cNvSpPr>
+            <p:nvPr/>
+          </p:nvSpPr>
+          <p:spPr bwMode="auto">
+            <a:xfrm>
+              <a:off x="2411760" y="4653136"/>
+              <a:ext cx="774713" cy="680939"/>
+            </a:xfrm>
+            <a:prstGeom prst="cube">
+              <a:avLst>
+                <a:gd name="adj" fmla="val 25000"/>
+              </a:avLst>
+            </a:prstGeom>
+            <a:solidFill>
+              <a:srgbClr val="CC9900"/>
+            </a:solidFill>
+            <a:ln w="9360">
+              <a:solidFill>
+                <a:srgbClr val="FFFFFF"/>
+              </a:solidFill>
+              <a:miter lim="800000"/>
+              <a:headEnd/>
+              <a:tailEnd/>
+            </a:ln>
+          </p:spPr>
+          <p:txBody>
+            <a:bodyPr wrap="none" lIns="90000" tIns="46800" rIns="90000" bIns="46800" anchor="ctr"/>
+            <a:lstStyle/>
+            <a:p>
+              <a:pPr algn="ctr">
+                <a:spcBef>
+                  <a:spcPts val="750"/>
+                </a:spcBef>
+                <a:buClrTx/>
+                <a:buFontTx/>
+                <a:buNone/>
+                <a:tabLst>
+                  <a:tab pos="0" algn="l"/>
+                  <a:tab pos="914400" algn="l"/>
+                  <a:tab pos="1828800" algn="l"/>
+                  <a:tab pos="2743200" algn="l"/>
+                  <a:tab pos="3657600" algn="l"/>
+                  <a:tab pos="4572000" algn="l"/>
+                  <a:tab pos="5486400" algn="l"/>
+                  <a:tab pos="6400800" algn="l"/>
+                  <a:tab pos="7315200" algn="l"/>
+                  <a:tab pos="8229600" algn="l"/>
+                  <a:tab pos="9144000" algn="l"/>
+                  <a:tab pos="10058400" algn="l"/>
+                </a:tabLst>
+              </a:pPr>
+              <a:endParaRPr lang="pt-BR" sz="3000" dirty="0">
+                <a:solidFill>
+                  <a:srgbClr val="FFFFFF"/>
+                </a:solidFill>
+                <a:latin typeface="Arial" charset="0"/>
+              </a:endParaRPr>
+            </a:p>
+          </p:txBody>
+        </p:sp>
+        <p:sp>
+          <p:nvSpPr>
+            <p:cNvPr id="49" name="Retângulo de cantos arredondados 48"/>
+            <p:cNvSpPr/>
+            <p:nvPr/>
+          </p:nvSpPr>
+          <p:spPr>
+            <a:xfrm>
+              <a:off x="1979712" y="2420888"/>
+              <a:ext cx="5256584" cy="3384376"/>
+            </a:xfrm>
+            <a:prstGeom prst="roundRect">
+              <a:avLst/>
+            </a:prstGeom>
+            <a:noFill/>
+            <a:ln w="38100">
+              <a:solidFill>
+                <a:srgbClr val="FFC000"/>
+              </a:solidFill>
+            </a:ln>
+          </p:spPr>
+          <p:style>
+            <a:lnRef idx="2">
+              <a:schemeClr val="accent1">
+                <a:shade val="50000"/>
+              </a:schemeClr>
+            </a:lnRef>
+            <a:fillRef idx="1">
+              <a:schemeClr val="accent1"/>
+            </a:fillRef>
+            <a:effectRef idx="0">
+              <a:schemeClr val="accent1"/>
+            </a:effectRef>
+            <a:fontRef idx="minor">
+              <a:schemeClr val="lt1"/>
+            </a:fontRef>
+          </p:style>
+          <p:txBody>
+            <a:bodyPr rtlCol="0" anchor="ctr"/>
+            <a:lstStyle/>
+            <a:p>
+              <a:pPr algn="ctr"/>
+              <a:endParaRPr lang="pt-BR"/>
+            </a:p>
+          </p:txBody>
+        </p:sp>
+      </p:grpSp>
+    </p:spTree>
+  </p:cSld>
+  <p:clrMapOvr>
+    <a:masterClrMapping/>
+  </p:clrMapOvr>
+  <p:timing>
+    <p:tnLst>
+      <p:par>
+        <p:cTn id="1" dur="indefinite" restart="never" nodeType="tmRoot"/>
+      </p:par>
+    </p:tnLst>
+  </p:timing>
+</p:sld>
+</file>
+
+<file path=ppt/slides/slide25.xml><?xml version="1.0" encoding="utf-8"?>
 <p:sld xmlns:a="http://schemas.openxmlformats.org/drawingml/2006/main" xmlns:r="http://schemas.openxmlformats.org/officeDocument/2006/relationships" xmlns:p="http://schemas.openxmlformats.org/presentationml/2006/main">
   <p:cSld>
     <p:spTree>
@@ -14770,7 +16671,7 @@
               <a:pPr>
                 <a:defRPr/>
               </a:pPr>
-              <a:t>21</a:t>
+              <a:t>25</a:t>
             </a:fld>
             <a:endParaRPr lang="pt-BR"/>
           </a:p>
@@ -15068,752 +16969,7 @@
 </p:sld>
 </file>
 
-<file path=ppt/slides/slide22.xml><?xml version="1.0" encoding="utf-8"?>
-<p:sld xmlns:a="http://schemas.openxmlformats.org/drawingml/2006/main" xmlns:r="http://schemas.openxmlformats.org/officeDocument/2006/relationships" xmlns:p="http://schemas.openxmlformats.org/presentationml/2006/main">
-  <p:cSld>
-    <p:spTree>
-      <p:nvGrpSpPr>
-        <p:cNvPr id="1" name=""/>
-        <p:cNvGrpSpPr/>
-        <p:nvPr/>
-      </p:nvGrpSpPr>
-      <p:grpSpPr>
-        <a:xfrm>
-          <a:off x="0" y="0"/>
-          <a:ext cx="0" cy="0"/>
-          <a:chOff x="0" y="0"/>
-          <a:chExt cx="0" cy="0"/>
-        </a:xfrm>
-      </p:grpSpPr>
-      <p:sp>
-        <p:nvSpPr>
-          <p:cNvPr id="9218" name="Título 1"/>
-          <p:cNvSpPr>
-            <a:spLocks noGrp="1"/>
-          </p:cNvSpPr>
-          <p:nvPr>
-            <p:ph type="title"/>
-          </p:nvPr>
-        </p:nvSpPr>
-        <p:spPr>
-          <a:noFill/>
-          <a:ln w="9525">
-            <a:noFill/>
-            <a:miter lim="800000"/>
-            <a:headEnd/>
-            <a:tailEnd/>
-          </a:ln>
-        </p:spPr>
-        <p:txBody>
-          <a:bodyPr vert="horz" wrap="square" lIns="45720" tIns="45720" rIns="45720" bIns="45720" numCol="1" anchor="ctr" anchorCtr="0" compatLnSpc="1">
-            <a:prstTxWarp prst="textNoShape">
-              <a:avLst/>
-            </a:prstTxWarp>
-          </a:bodyPr>
-          <a:lstStyle/>
-          <a:p>
-            <a:r>
-              <a:rPr lang="pt-BR" dirty="0" smtClean="0"/>
-              <a:t>Set</a:t>
-            </a:r>
-          </a:p>
-        </p:txBody>
-      </p:sp>
-      <p:sp>
-        <p:nvSpPr>
-          <p:cNvPr id="15" name="Espaço Reservado para Número de Slide 14"/>
-          <p:cNvSpPr>
-            <a:spLocks noGrp="1"/>
-          </p:cNvSpPr>
-          <p:nvPr>
-            <p:ph type="sldNum" sz="quarter" idx="12"/>
-          </p:nvPr>
-        </p:nvSpPr>
-        <p:spPr/>
-        <p:txBody>
-          <a:bodyPr/>
-          <a:lstStyle/>
-          <a:p>
-            <a:pPr>
-              <a:defRPr/>
-            </a:pPr>
-            <a:fld id="{7E263EA5-71DF-4638-BC15-81D6FFD3C7EB}" type="slidenum">
-              <a:rPr lang="pt-BR" smtClean="0"/>
-              <a:pPr>
-                <a:defRPr/>
-              </a:pPr>
-              <a:t>22</a:t>
-            </a:fld>
-            <a:endParaRPr lang="pt-BR"/>
-          </a:p>
-        </p:txBody>
-      </p:sp>
-      <p:grpSp>
-        <p:nvGrpSpPr>
-          <p:cNvPr id="39" name="Espaço Reservado para Conteúdo 38"/>
-          <p:cNvGrpSpPr>
-            <a:grpSpLocks noGrp="1"/>
-          </p:cNvGrpSpPr>
-          <p:nvPr>
-            <p:ph idx="1"/>
-          </p:nvPr>
-        </p:nvGrpSpPr>
-        <p:grpSpPr>
-          <a:xfrm>
-            <a:off x="1475656" y="1993107"/>
-            <a:ext cx="5430688" cy="3740150"/>
-            <a:chOff x="1979712" y="2420888"/>
-            <a:chExt cx="5256584" cy="3384376"/>
-          </a:xfrm>
-        </p:grpSpPr>
-        <p:sp>
-          <p:nvSpPr>
-            <p:cNvPr id="40" name="AutoShape 3"/>
-            <p:cNvSpPr>
-              <a:spLocks noChangeArrowheads="1"/>
-            </p:cNvSpPr>
-            <p:nvPr/>
-          </p:nvSpPr>
-          <p:spPr bwMode="auto">
-            <a:xfrm>
-              <a:off x="2483768" y="3356992"/>
-              <a:ext cx="774713" cy="680939"/>
-            </a:xfrm>
-            <a:prstGeom prst="cube">
-              <a:avLst>
-                <a:gd name="adj" fmla="val 25000"/>
-              </a:avLst>
-            </a:prstGeom>
-            <a:solidFill>
-              <a:srgbClr val="CC9900"/>
-            </a:solidFill>
-            <a:ln w="9360">
-              <a:solidFill>
-                <a:srgbClr val="FFFFFF"/>
-              </a:solidFill>
-              <a:miter lim="800000"/>
-              <a:headEnd/>
-              <a:tailEnd/>
-            </a:ln>
-          </p:spPr>
-          <p:txBody>
-            <a:bodyPr wrap="none" lIns="90000" tIns="46800" rIns="90000" bIns="46800" anchor="ctr"/>
-            <a:lstStyle/>
-            <a:p>
-              <a:pPr algn="ctr">
-                <a:spcBef>
-                  <a:spcPts val="750"/>
-                </a:spcBef>
-                <a:buClrTx/>
-                <a:buFontTx/>
-                <a:buNone/>
-                <a:tabLst>
-                  <a:tab pos="0" algn="l"/>
-                  <a:tab pos="914400" algn="l"/>
-                  <a:tab pos="1828800" algn="l"/>
-                  <a:tab pos="2743200" algn="l"/>
-                  <a:tab pos="3657600" algn="l"/>
-                  <a:tab pos="4572000" algn="l"/>
-                  <a:tab pos="5486400" algn="l"/>
-                  <a:tab pos="6400800" algn="l"/>
-                  <a:tab pos="7315200" algn="l"/>
-                  <a:tab pos="8229600" algn="l"/>
-                  <a:tab pos="9144000" algn="l"/>
-                  <a:tab pos="10058400" algn="l"/>
-                </a:tabLst>
-              </a:pPr>
-              <a:endParaRPr lang="pt-BR" sz="3000" dirty="0">
-                <a:solidFill>
-                  <a:srgbClr val="FFFFFF"/>
-                </a:solidFill>
-                <a:latin typeface="Arial" charset="0"/>
-              </a:endParaRPr>
-            </a:p>
-          </p:txBody>
-        </p:sp>
-        <p:sp>
-          <p:nvSpPr>
-            <p:cNvPr id="41" name="AutoShape 4"/>
-            <p:cNvSpPr>
-              <a:spLocks noChangeArrowheads="1"/>
-            </p:cNvSpPr>
-            <p:nvPr/>
-          </p:nvSpPr>
-          <p:spPr bwMode="auto">
-            <a:xfrm>
-              <a:off x="3388929" y="3933056"/>
-              <a:ext cx="774714" cy="680939"/>
-            </a:xfrm>
-            <a:prstGeom prst="cube">
-              <a:avLst>
-                <a:gd name="adj" fmla="val 25000"/>
-              </a:avLst>
-            </a:prstGeom>
-            <a:solidFill>
-              <a:srgbClr val="CC9900"/>
-            </a:solidFill>
-            <a:ln w="9360">
-              <a:solidFill>
-                <a:srgbClr val="FFFFFF"/>
-              </a:solidFill>
-              <a:miter lim="800000"/>
-              <a:headEnd/>
-              <a:tailEnd/>
-            </a:ln>
-          </p:spPr>
-          <p:txBody>
-            <a:bodyPr wrap="none" lIns="90000" tIns="46800" rIns="90000" bIns="46800" anchor="ctr"/>
-            <a:lstStyle/>
-            <a:p>
-              <a:pPr algn="ctr">
-                <a:spcBef>
-                  <a:spcPts val="750"/>
-                </a:spcBef>
-                <a:buClrTx/>
-                <a:buFontTx/>
-                <a:buNone/>
-                <a:tabLst>
-                  <a:tab pos="0" algn="l"/>
-                  <a:tab pos="914400" algn="l"/>
-                  <a:tab pos="1828800" algn="l"/>
-                  <a:tab pos="2743200" algn="l"/>
-                  <a:tab pos="3657600" algn="l"/>
-                  <a:tab pos="4572000" algn="l"/>
-                  <a:tab pos="5486400" algn="l"/>
-                  <a:tab pos="6400800" algn="l"/>
-                  <a:tab pos="7315200" algn="l"/>
-                  <a:tab pos="8229600" algn="l"/>
-                  <a:tab pos="9144000" algn="l"/>
-                  <a:tab pos="10058400" algn="l"/>
-                </a:tabLst>
-              </a:pPr>
-              <a:endParaRPr lang="pt-BR" sz="3000" dirty="0">
-                <a:solidFill>
-                  <a:srgbClr val="FFFFFF"/>
-                </a:solidFill>
-                <a:latin typeface="Arial" charset="0"/>
-              </a:endParaRPr>
-            </a:p>
-          </p:txBody>
-        </p:sp>
-        <p:sp>
-          <p:nvSpPr>
-            <p:cNvPr id="42" name="AutoShape 5"/>
-            <p:cNvSpPr>
-              <a:spLocks noChangeArrowheads="1"/>
-            </p:cNvSpPr>
-            <p:nvPr/>
-          </p:nvSpPr>
-          <p:spPr bwMode="auto">
-            <a:xfrm>
-              <a:off x="3851920" y="2852936"/>
-              <a:ext cx="774714" cy="680939"/>
-            </a:xfrm>
-            <a:prstGeom prst="cube">
-              <a:avLst>
-                <a:gd name="adj" fmla="val 25000"/>
-              </a:avLst>
-            </a:prstGeom>
-            <a:solidFill>
-              <a:srgbClr val="CC9900"/>
-            </a:solidFill>
-            <a:ln w="9360">
-              <a:solidFill>
-                <a:srgbClr val="FFFFFF"/>
-              </a:solidFill>
-              <a:miter lim="800000"/>
-              <a:headEnd/>
-              <a:tailEnd/>
-            </a:ln>
-          </p:spPr>
-          <p:txBody>
-            <a:bodyPr wrap="none" lIns="90000" tIns="46800" rIns="90000" bIns="46800" anchor="ctr"/>
-            <a:lstStyle/>
-            <a:p>
-              <a:pPr algn="ctr">
-                <a:spcBef>
-                  <a:spcPts val="750"/>
-                </a:spcBef>
-                <a:buClrTx/>
-                <a:buFontTx/>
-                <a:buNone/>
-                <a:tabLst>
-                  <a:tab pos="0" algn="l"/>
-                  <a:tab pos="914400" algn="l"/>
-                  <a:tab pos="1828800" algn="l"/>
-                  <a:tab pos="2743200" algn="l"/>
-                  <a:tab pos="3657600" algn="l"/>
-                  <a:tab pos="4572000" algn="l"/>
-                  <a:tab pos="5486400" algn="l"/>
-                  <a:tab pos="6400800" algn="l"/>
-                  <a:tab pos="7315200" algn="l"/>
-                  <a:tab pos="8229600" algn="l"/>
-                  <a:tab pos="9144000" algn="l"/>
-                  <a:tab pos="10058400" algn="l"/>
-                </a:tabLst>
-              </a:pPr>
-              <a:endParaRPr lang="pt-BR" sz="3000" dirty="0">
-                <a:solidFill>
-                  <a:srgbClr val="FFFFFF"/>
-                </a:solidFill>
-                <a:latin typeface="Arial" charset="0"/>
-              </a:endParaRPr>
-            </a:p>
-          </p:txBody>
-        </p:sp>
-        <p:sp>
-          <p:nvSpPr>
-            <p:cNvPr id="43" name="AutoShape 6"/>
-            <p:cNvSpPr>
-              <a:spLocks noChangeArrowheads="1"/>
-            </p:cNvSpPr>
-            <p:nvPr/>
-          </p:nvSpPr>
-          <p:spPr bwMode="auto">
-            <a:xfrm>
-              <a:off x="4716016" y="3645024"/>
-              <a:ext cx="774714" cy="680939"/>
-            </a:xfrm>
-            <a:prstGeom prst="cube">
-              <a:avLst>
-                <a:gd name="adj" fmla="val 25000"/>
-              </a:avLst>
-            </a:prstGeom>
-            <a:solidFill>
-              <a:srgbClr val="CC9900"/>
-            </a:solidFill>
-            <a:ln w="9360">
-              <a:solidFill>
-                <a:srgbClr val="FFFFFF"/>
-              </a:solidFill>
-              <a:miter lim="800000"/>
-              <a:headEnd/>
-              <a:tailEnd/>
-            </a:ln>
-          </p:spPr>
-          <p:txBody>
-            <a:bodyPr wrap="none" lIns="90000" tIns="46800" rIns="90000" bIns="46800" anchor="ctr"/>
-            <a:lstStyle/>
-            <a:p>
-              <a:pPr algn="ctr">
-                <a:spcBef>
-                  <a:spcPts val="750"/>
-                </a:spcBef>
-                <a:buClrTx/>
-                <a:buFontTx/>
-                <a:buNone/>
-                <a:tabLst>
-                  <a:tab pos="0" algn="l"/>
-                  <a:tab pos="914400" algn="l"/>
-                  <a:tab pos="1828800" algn="l"/>
-                  <a:tab pos="2743200" algn="l"/>
-                  <a:tab pos="3657600" algn="l"/>
-                  <a:tab pos="4572000" algn="l"/>
-                  <a:tab pos="5486400" algn="l"/>
-                  <a:tab pos="6400800" algn="l"/>
-                  <a:tab pos="7315200" algn="l"/>
-                  <a:tab pos="8229600" algn="l"/>
-                  <a:tab pos="9144000" algn="l"/>
-                  <a:tab pos="10058400" algn="l"/>
-                </a:tabLst>
-              </a:pPr>
-              <a:endParaRPr lang="pt-BR" sz="3000" dirty="0">
-                <a:solidFill>
-                  <a:srgbClr val="FFFFFF"/>
-                </a:solidFill>
-                <a:latin typeface="Arial" charset="0"/>
-              </a:endParaRPr>
-            </a:p>
-          </p:txBody>
-        </p:sp>
-        <p:sp>
-          <p:nvSpPr>
-            <p:cNvPr id="44" name="AutoShape 7"/>
-            <p:cNvSpPr>
-              <a:spLocks noChangeArrowheads="1"/>
-            </p:cNvSpPr>
-            <p:nvPr/>
-          </p:nvSpPr>
-          <p:spPr bwMode="auto">
-            <a:xfrm>
-              <a:off x="5436096" y="2708920"/>
-              <a:ext cx="774713" cy="680939"/>
-            </a:xfrm>
-            <a:prstGeom prst="cube">
-              <a:avLst>
-                <a:gd name="adj" fmla="val 25000"/>
-              </a:avLst>
-            </a:prstGeom>
-            <a:solidFill>
-              <a:srgbClr val="CC9900"/>
-            </a:solidFill>
-            <a:ln w="9360">
-              <a:solidFill>
-                <a:srgbClr val="FFFFFF"/>
-              </a:solidFill>
-              <a:miter lim="800000"/>
-              <a:headEnd/>
-              <a:tailEnd/>
-            </a:ln>
-          </p:spPr>
-          <p:txBody>
-            <a:bodyPr wrap="none" lIns="90000" tIns="46800" rIns="90000" bIns="46800" anchor="ctr"/>
-            <a:lstStyle/>
-            <a:p>
-              <a:pPr algn="ctr">
-                <a:spcBef>
-                  <a:spcPts val="750"/>
-                </a:spcBef>
-                <a:buClrTx/>
-                <a:buFontTx/>
-                <a:buNone/>
-                <a:tabLst>
-                  <a:tab pos="0" algn="l"/>
-                  <a:tab pos="914400" algn="l"/>
-                  <a:tab pos="1828800" algn="l"/>
-                  <a:tab pos="2743200" algn="l"/>
-                  <a:tab pos="3657600" algn="l"/>
-                  <a:tab pos="4572000" algn="l"/>
-                  <a:tab pos="5486400" algn="l"/>
-                  <a:tab pos="6400800" algn="l"/>
-                  <a:tab pos="7315200" algn="l"/>
-                  <a:tab pos="8229600" algn="l"/>
-                  <a:tab pos="9144000" algn="l"/>
-                  <a:tab pos="10058400" algn="l"/>
-                </a:tabLst>
-              </a:pPr>
-              <a:endParaRPr lang="pt-BR" sz="3000" dirty="0">
-                <a:solidFill>
-                  <a:srgbClr val="FFFFFF"/>
-                </a:solidFill>
-                <a:latin typeface="Arial" charset="0"/>
-              </a:endParaRPr>
-            </a:p>
-          </p:txBody>
-        </p:sp>
-        <p:sp>
-          <p:nvSpPr>
-            <p:cNvPr id="45" name="AutoShape 7"/>
-            <p:cNvSpPr>
-              <a:spLocks noChangeArrowheads="1"/>
-            </p:cNvSpPr>
-            <p:nvPr/>
-          </p:nvSpPr>
-          <p:spPr bwMode="auto">
-            <a:xfrm>
-              <a:off x="6084168" y="3540149"/>
-              <a:ext cx="774713" cy="680939"/>
-            </a:xfrm>
-            <a:prstGeom prst="cube">
-              <a:avLst>
-                <a:gd name="adj" fmla="val 25000"/>
-              </a:avLst>
-            </a:prstGeom>
-            <a:solidFill>
-              <a:srgbClr val="CC9900"/>
-            </a:solidFill>
-            <a:ln w="9360">
-              <a:solidFill>
-                <a:srgbClr val="FFFFFF"/>
-              </a:solidFill>
-              <a:miter lim="800000"/>
-              <a:headEnd/>
-              <a:tailEnd/>
-            </a:ln>
-          </p:spPr>
-          <p:txBody>
-            <a:bodyPr wrap="none" lIns="90000" tIns="46800" rIns="90000" bIns="46800" anchor="ctr"/>
-            <a:lstStyle/>
-            <a:p>
-              <a:pPr algn="ctr">
-                <a:spcBef>
-                  <a:spcPts val="750"/>
-                </a:spcBef>
-                <a:buClrTx/>
-                <a:buFontTx/>
-                <a:buNone/>
-                <a:tabLst>
-                  <a:tab pos="0" algn="l"/>
-                  <a:tab pos="914400" algn="l"/>
-                  <a:tab pos="1828800" algn="l"/>
-                  <a:tab pos="2743200" algn="l"/>
-                  <a:tab pos="3657600" algn="l"/>
-                  <a:tab pos="4572000" algn="l"/>
-                  <a:tab pos="5486400" algn="l"/>
-                  <a:tab pos="6400800" algn="l"/>
-                  <a:tab pos="7315200" algn="l"/>
-                  <a:tab pos="8229600" algn="l"/>
-                  <a:tab pos="9144000" algn="l"/>
-                  <a:tab pos="10058400" algn="l"/>
-                </a:tabLst>
-              </a:pPr>
-              <a:endParaRPr lang="pt-BR" sz="3000" dirty="0">
-                <a:solidFill>
-                  <a:srgbClr val="FFFFFF"/>
-                </a:solidFill>
-                <a:latin typeface="Arial" charset="0"/>
-              </a:endParaRPr>
-            </a:p>
-          </p:txBody>
-        </p:sp>
-        <p:sp>
-          <p:nvSpPr>
-            <p:cNvPr id="46" name="AutoShape 7"/>
-            <p:cNvSpPr>
-              <a:spLocks noChangeArrowheads="1"/>
-            </p:cNvSpPr>
-            <p:nvPr/>
-          </p:nvSpPr>
-          <p:spPr bwMode="auto">
-            <a:xfrm>
-              <a:off x="5364088" y="4581128"/>
-              <a:ext cx="774713" cy="680939"/>
-            </a:xfrm>
-            <a:prstGeom prst="cube">
-              <a:avLst>
-                <a:gd name="adj" fmla="val 25000"/>
-              </a:avLst>
-            </a:prstGeom>
-            <a:solidFill>
-              <a:srgbClr val="CC9900"/>
-            </a:solidFill>
-            <a:ln w="9360">
-              <a:solidFill>
-                <a:srgbClr val="FFFFFF"/>
-              </a:solidFill>
-              <a:miter lim="800000"/>
-              <a:headEnd/>
-              <a:tailEnd/>
-            </a:ln>
-          </p:spPr>
-          <p:txBody>
-            <a:bodyPr wrap="none" lIns="90000" tIns="46800" rIns="90000" bIns="46800" anchor="ctr"/>
-            <a:lstStyle/>
-            <a:p>
-              <a:pPr algn="ctr">
-                <a:spcBef>
-                  <a:spcPts val="750"/>
-                </a:spcBef>
-                <a:buClrTx/>
-                <a:buFontTx/>
-                <a:buNone/>
-                <a:tabLst>
-                  <a:tab pos="0" algn="l"/>
-                  <a:tab pos="914400" algn="l"/>
-                  <a:tab pos="1828800" algn="l"/>
-                  <a:tab pos="2743200" algn="l"/>
-                  <a:tab pos="3657600" algn="l"/>
-                  <a:tab pos="4572000" algn="l"/>
-                  <a:tab pos="5486400" algn="l"/>
-                  <a:tab pos="6400800" algn="l"/>
-                  <a:tab pos="7315200" algn="l"/>
-                  <a:tab pos="8229600" algn="l"/>
-                  <a:tab pos="9144000" algn="l"/>
-                  <a:tab pos="10058400" algn="l"/>
-                </a:tabLst>
-              </a:pPr>
-              <a:endParaRPr lang="pt-BR" sz="3000" dirty="0">
-                <a:solidFill>
-                  <a:srgbClr val="FFFFFF"/>
-                </a:solidFill>
-                <a:latin typeface="Arial" charset="0"/>
-              </a:endParaRPr>
-            </a:p>
-          </p:txBody>
-        </p:sp>
-        <p:sp>
-          <p:nvSpPr>
-            <p:cNvPr id="47" name="AutoShape 7"/>
-            <p:cNvSpPr>
-              <a:spLocks noChangeArrowheads="1"/>
-            </p:cNvSpPr>
-            <p:nvPr/>
-          </p:nvSpPr>
-          <p:spPr bwMode="auto">
-            <a:xfrm>
-              <a:off x="4067944" y="4725144"/>
-              <a:ext cx="774713" cy="680939"/>
-            </a:xfrm>
-            <a:prstGeom prst="cube">
-              <a:avLst>
-                <a:gd name="adj" fmla="val 25000"/>
-              </a:avLst>
-            </a:prstGeom>
-            <a:solidFill>
-              <a:srgbClr val="CC9900"/>
-            </a:solidFill>
-            <a:ln w="9360">
-              <a:solidFill>
-                <a:srgbClr val="FFFFFF"/>
-              </a:solidFill>
-              <a:miter lim="800000"/>
-              <a:headEnd/>
-              <a:tailEnd/>
-            </a:ln>
-          </p:spPr>
-          <p:txBody>
-            <a:bodyPr wrap="none" lIns="90000" tIns="46800" rIns="90000" bIns="46800" anchor="ctr"/>
-            <a:lstStyle/>
-            <a:p>
-              <a:pPr algn="ctr">
-                <a:spcBef>
-                  <a:spcPts val="750"/>
-                </a:spcBef>
-                <a:buClrTx/>
-                <a:buFontTx/>
-                <a:buNone/>
-                <a:tabLst>
-                  <a:tab pos="0" algn="l"/>
-                  <a:tab pos="914400" algn="l"/>
-                  <a:tab pos="1828800" algn="l"/>
-                  <a:tab pos="2743200" algn="l"/>
-                  <a:tab pos="3657600" algn="l"/>
-                  <a:tab pos="4572000" algn="l"/>
-                  <a:tab pos="5486400" algn="l"/>
-                  <a:tab pos="6400800" algn="l"/>
-                  <a:tab pos="7315200" algn="l"/>
-                  <a:tab pos="8229600" algn="l"/>
-                  <a:tab pos="9144000" algn="l"/>
-                  <a:tab pos="10058400" algn="l"/>
-                </a:tabLst>
-              </a:pPr>
-              <a:endParaRPr lang="pt-BR" sz="3000" dirty="0">
-                <a:solidFill>
-                  <a:srgbClr val="FFFFFF"/>
-                </a:solidFill>
-                <a:latin typeface="Arial" charset="0"/>
-              </a:endParaRPr>
-            </a:p>
-          </p:txBody>
-        </p:sp>
-        <p:sp>
-          <p:nvSpPr>
-            <p:cNvPr id="48" name="AutoShape 7"/>
-            <p:cNvSpPr>
-              <a:spLocks noChangeArrowheads="1"/>
-            </p:cNvSpPr>
-            <p:nvPr/>
-          </p:nvSpPr>
-          <p:spPr bwMode="auto">
-            <a:xfrm>
-              <a:off x="2411760" y="4653136"/>
-              <a:ext cx="774713" cy="680939"/>
-            </a:xfrm>
-            <a:prstGeom prst="cube">
-              <a:avLst>
-                <a:gd name="adj" fmla="val 25000"/>
-              </a:avLst>
-            </a:prstGeom>
-            <a:solidFill>
-              <a:srgbClr val="CC9900"/>
-            </a:solidFill>
-            <a:ln w="9360">
-              <a:solidFill>
-                <a:srgbClr val="FFFFFF"/>
-              </a:solidFill>
-              <a:miter lim="800000"/>
-              <a:headEnd/>
-              <a:tailEnd/>
-            </a:ln>
-          </p:spPr>
-          <p:txBody>
-            <a:bodyPr wrap="none" lIns="90000" tIns="46800" rIns="90000" bIns="46800" anchor="ctr"/>
-            <a:lstStyle/>
-            <a:p>
-              <a:pPr algn="ctr">
-                <a:spcBef>
-                  <a:spcPts val="750"/>
-                </a:spcBef>
-                <a:buClrTx/>
-                <a:buFontTx/>
-                <a:buNone/>
-                <a:tabLst>
-                  <a:tab pos="0" algn="l"/>
-                  <a:tab pos="914400" algn="l"/>
-                  <a:tab pos="1828800" algn="l"/>
-                  <a:tab pos="2743200" algn="l"/>
-                  <a:tab pos="3657600" algn="l"/>
-                  <a:tab pos="4572000" algn="l"/>
-                  <a:tab pos="5486400" algn="l"/>
-                  <a:tab pos="6400800" algn="l"/>
-                  <a:tab pos="7315200" algn="l"/>
-                  <a:tab pos="8229600" algn="l"/>
-                  <a:tab pos="9144000" algn="l"/>
-                  <a:tab pos="10058400" algn="l"/>
-                </a:tabLst>
-              </a:pPr>
-              <a:endParaRPr lang="pt-BR" sz="3000" dirty="0">
-                <a:solidFill>
-                  <a:srgbClr val="FFFFFF"/>
-                </a:solidFill>
-                <a:latin typeface="Arial" charset="0"/>
-              </a:endParaRPr>
-            </a:p>
-          </p:txBody>
-        </p:sp>
-        <p:sp>
-          <p:nvSpPr>
-            <p:cNvPr id="49" name="Retângulo de cantos arredondados 48"/>
-            <p:cNvSpPr/>
-            <p:nvPr/>
-          </p:nvSpPr>
-          <p:spPr>
-            <a:xfrm>
-              <a:off x="1979712" y="2420888"/>
-              <a:ext cx="5256584" cy="3384376"/>
-            </a:xfrm>
-            <a:prstGeom prst="roundRect">
-              <a:avLst/>
-            </a:prstGeom>
-            <a:noFill/>
-            <a:ln w="38100">
-              <a:solidFill>
-                <a:srgbClr val="FFC000"/>
-              </a:solidFill>
-            </a:ln>
-          </p:spPr>
-          <p:style>
-            <a:lnRef idx="2">
-              <a:schemeClr val="accent1">
-                <a:shade val="50000"/>
-              </a:schemeClr>
-            </a:lnRef>
-            <a:fillRef idx="1">
-              <a:schemeClr val="accent1"/>
-            </a:fillRef>
-            <a:effectRef idx="0">
-              <a:schemeClr val="accent1"/>
-            </a:effectRef>
-            <a:fontRef idx="minor">
-              <a:schemeClr val="lt1"/>
-            </a:fontRef>
-          </p:style>
-          <p:txBody>
-            <a:bodyPr rtlCol="0" anchor="ctr"/>
-            <a:lstStyle/>
-            <a:p>
-              <a:pPr algn="ctr"/>
-              <a:endParaRPr lang="pt-BR"/>
-            </a:p>
-          </p:txBody>
-        </p:sp>
-      </p:grpSp>
-    </p:spTree>
-  </p:cSld>
-  <p:clrMapOvr>
-    <a:masterClrMapping/>
-  </p:clrMapOvr>
-  <p:timing>
-    <p:tnLst>
-      <p:par>
-        <p:cTn id="1" dur="indefinite" restart="never" nodeType="tmRoot"/>
-      </p:par>
-    </p:tnLst>
-  </p:timing>
-</p:sld>
-</file>
-
-<file path=ppt/slides/slide23.xml><?xml version="1.0" encoding="utf-8"?>
+<file path=ppt/slides/slide26.xml><?xml version="1.0" encoding="utf-8"?>
 <p:sld xmlns:a="http://schemas.openxmlformats.org/drawingml/2006/main" xmlns:r="http://schemas.openxmlformats.org/officeDocument/2006/relationships" xmlns:p="http://schemas.openxmlformats.org/presentationml/2006/main">
   <p:cSld>
     <p:spTree>
@@ -15993,7 +17149,7 @@
               <a:pPr>
                 <a:defRPr/>
               </a:pPr>
-              <a:t>23</a:t>
+              <a:t>26</a:t>
             </a:fld>
             <a:endParaRPr lang="pt-BR"/>
           </a:p>
@@ -16014,7 +17170,7 @@
 </p:sld>
 </file>
 
-<file path=ppt/slides/slide24.xml><?xml version="1.0" encoding="utf-8"?>
+<file path=ppt/slides/slide27.xml><?xml version="1.0" encoding="utf-8"?>
 <p:sld xmlns:a="http://schemas.openxmlformats.org/drawingml/2006/main" xmlns:r="http://schemas.openxmlformats.org/officeDocument/2006/relationships" xmlns:p="http://schemas.openxmlformats.org/presentationml/2006/main">
   <p:cSld>
     <p:spTree>
@@ -16162,7 +17318,7 @@
               <a:pPr>
                 <a:defRPr/>
               </a:pPr>
-              <a:t>24</a:t>
+              <a:t>27</a:t>
             </a:fld>
             <a:endParaRPr lang="pt-BR"/>
           </a:p>
@@ -16183,7 +17339,7 @@
 </p:sld>
 </file>
 
-<file path=ppt/slides/slide25.xml><?xml version="1.0" encoding="utf-8"?>
+<file path=ppt/slides/slide28.xml><?xml version="1.0" encoding="utf-8"?>
 <p:sld xmlns:a="http://schemas.openxmlformats.org/drawingml/2006/main" xmlns:r="http://schemas.openxmlformats.org/officeDocument/2006/relationships" xmlns:p="http://schemas.openxmlformats.org/presentationml/2006/main">
   <p:cSld>
     <p:spTree>
@@ -16629,7 +17785,7 @@
               <a:pPr>
                 <a:defRPr/>
               </a:pPr>
-              <a:t>25</a:t>
+              <a:t>28</a:t>
             </a:fld>
             <a:endParaRPr lang="pt-BR"/>
           </a:p>
@@ -16650,7 +17806,7 @@
 </p:sld>
 </file>
 
-<file path=ppt/slides/slide26.xml><?xml version="1.0" encoding="utf-8"?>
+<file path=ppt/slides/slide29.xml><?xml version="1.0" encoding="utf-8"?>
 <p:sld xmlns:a="http://schemas.openxmlformats.org/drawingml/2006/main" xmlns:r="http://schemas.openxmlformats.org/officeDocument/2006/relationships" xmlns:p="http://schemas.openxmlformats.org/presentationml/2006/main">
   <p:cSld>
     <p:spTree>
@@ -17113,7 +18269,7 @@
               <a:pPr>
                 <a:defRPr/>
               </a:pPr>
-              <a:t>26</a:t>
+              <a:t>29</a:t>
             </a:fld>
             <a:endParaRPr lang="pt-BR"/>
           </a:p>
@@ -17417,1110 +18573,6 @@
 </p:sld>
 </file>
 
-<file path=ppt/slides/slide27.xml><?xml version="1.0" encoding="utf-8"?>
-<p:sld xmlns:a="http://schemas.openxmlformats.org/drawingml/2006/main" xmlns:r="http://schemas.openxmlformats.org/officeDocument/2006/relationships" xmlns:p="http://schemas.openxmlformats.org/presentationml/2006/main">
-  <p:cSld>
-    <p:spTree>
-      <p:nvGrpSpPr>
-        <p:cNvPr id="1" name=""/>
-        <p:cNvGrpSpPr/>
-        <p:nvPr/>
-      </p:nvGrpSpPr>
-      <p:grpSpPr>
-        <a:xfrm>
-          <a:off x="0" y="0"/>
-          <a:ext cx="0" cy="0"/>
-          <a:chOff x="0" y="0"/>
-          <a:chExt cx="0" cy="0"/>
-        </a:xfrm>
-      </p:grpSpPr>
-      <p:sp>
-        <p:nvSpPr>
-          <p:cNvPr id="9218" name="Título 1"/>
-          <p:cNvSpPr>
-            <a:spLocks noGrp="1"/>
-          </p:cNvSpPr>
-          <p:nvPr>
-            <p:ph type="title"/>
-          </p:nvPr>
-        </p:nvSpPr>
-        <p:spPr>
-          <a:xfrm>
-            <a:off x="457200" y="274638"/>
-            <a:ext cx="8075240" cy="1143000"/>
-          </a:xfrm>
-          <a:noFill/>
-          <a:ln w="9525">
-            <a:noFill/>
-            <a:miter lim="800000"/>
-            <a:headEnd/>
-            <a:tailEnd/>
-          </a:ln>
-        </p:spPr>
-        <p:txBody>
-          <a:bodyPr vert="horz" wrap="square" lIns="45720" tIns="45720" rIns="45720" bIns="45720" numCol="1" anchor="ctr" anchorCtr="0" compatLnSpc="1">
-            <a:prstTxWarp prst="textNoShape">
-              <a:avLst/>
-            </a:prstTxWarp>
-          </a:bodyPr>
-          <a:lstStyle/>
-          <a:p>
-            <a:r>
-              <a:rPr lang="pt-BR" dirty="0" err="1" smtClean="0"/>
-              <a:t>SortedSet</a:t>
-            </a:r>
-            <a:endParaRPr lang="pt-BR" dirty="0" smtClean="0"/>
-          </a:p>
-        </p:txBody>
-      </p:sp>
-      <p:sp>
-        <p:nvSpPr>
-          <p:cNvPr id="13" name="Espaço Reservado para Conteúdo 12"/>
-          <p:cNvSpPr>
-            <a:spLocks noGrp="1"/>
-          </p:cNvSpPr>
-          <p:nvPr>
-            <p:ph idx="1"/>
-          </p:nvPr>
-        </p:nvSpPr>
-        <p:spPr/>
-        <p:txBody>
-          <a:bodyPr/>
-          <a:lstStyle/>
-          <a:p>
-            <a:pPr>
-              <a:spcBef>
-                <a:spcPts val="2400"/>
-              </a:spcBef>
-            </a:pPr>
-            <a:r>
-              <a:rPr lang="pt-BR" sz="2400" dirty="0" smtClean="0"/>
-              <a:t>Outra forma de utilizarmos um </a:t>
-            </a:r>
-            <a:r>
-              <a:rPr lang="pt-BR" sz="2400" dirty="0" err="1" smtClean="0"/>
-              <a:t>SortedSet</a:t>
-            </a:r>
-            <a:r>
-              <a:rPr lang="pt-BR" sz="2400" dirty="0" smtClean="0"/>
-              <a:t> é definir o critério de classificação em uma classe isolada que implementa a interface </a:t>
-            </a:r>
-            <a:r>
-              <a:rPr lang="pt-BR" sz="2400" u="sng" dirty="0" err="1" smtClean="0"/>
-              <a:t>Comparator</a:t>
-            </a:r>
-            <a:r>
-              <a:rPr lang="pt-BR" sz="2400" dirty="0" smtClean="0"/>
-              <a:t>.</a:t>
-            </a:r>
-          </a:p>
-          <a:p>
-            <a:pPr>
-              <a:spcBef>
-                <a:spcPts val="2400"/>
-              </a:spcBef>
-            </a:pPr>
-            <a:r>
-              <a:rPr lang="pt-BR" sz="2400" dirty="0" smtClean="0"/>
-              <a:t>Desta forma, devemos criar um </a:t>
-            </a:r>
-            <a:r>
-              <a:rPr lang="pt-BR" sz="2400" dirty="0" err="1" smtClean="0"/>
-              <a:t>Comparator</a:t>
-            </a:r>
-            <a:r>
-              <a:rPr lang="pt-BR" sz="2400" dirty="0" smtClean="0"/>
-              <a:t> específico para a classificação desejada e assinalar sua instância no </a:t>
-            </a:r>
-            <a:r>
-              <a:rPr lang="pt-BR" sz="2400" dirty="0" err="1" smtClean="0"/>
-              <a:t>SortedSet</a:t>
-            </a:r>
-            <a:r>
-              <a:rPr lang="pt-BR" sz="2400" dirty="0" smtClean="0"/>
-              <a:t> a ser utilizado antes de adicionar qualquer objeto nele.</a:t>
-            </a:r>
-          </a:p>
-        </p:txBody>
-      </p:sp>
-      <p:sp>
-        <p:nvSpPr>
-          <p:cNvPr id="15" name="Espaço Reservado para Número de Slide 14"/>
-          <p:cNvSpPr>
-            <a:spLocks noGrp="1"/>
-          </p:cNvSpPr>
-          <p:nvPr>
-            <p:ph type="sldNum" sz="quarter" idx="12"/>
-          </p:nvPr>
-        </p:nvSpPr>
-        <p:spPr/>
-        <p:txBody>
-          <a:bodyPr/>
-          <a:lstStyle/>
-          <a:p>
-            <a:pPr>
-              <a:defRPr/>
-            </a:pPr>
-            <a:fld id="{7E263EA5-71DF-4638-BC15-81D6FFD3C7EB}" type="slidenum">
-              <a:rPr lang="pt-BR" smtClean="0"/>
-              <a:pPr>
-                <a:defRPr/>
-              </a:pPr>
-              <a:t>27</a:t>
-            </a:fld>
-            <a:endParaRPr lang="pt-BR"/>
-          </a:p>
-        </p:txBody>
-      </p:sp>
-    </p:spTree>
-  </p:cSld>
-  <p:clrMapOvr>
-    <a:masterClrMapping/>
-  </p:clrMapOvr>
-  <p:timing>
-    <p:tnLst>
-      <p:par>
-        <p:cTn id="1" dur="indefinite" restart="never" nodeType="tmRoot"/>
-      </p:par>
-    </p:tnLst>
-  </p:timing>
-</p:sld>
-</file>
-
-<file path=ppt/slides/slide28.xml><?xml version="1.0" encoding="utf-8"?>
-<p:sld xmlns:a="http://schemas.openxmlformats.org/drawingml/2006/main" xmlns:r="http://schemas.openxmlformats.org/officeDocument/2006/relationships" xmlns:p="http://schemas.openxmlformats.org/presentationml/2006/main">
-  <p:cSld>
-    <p:spTree>
-      <p:nvGrpSpPr>
-        <p:cNvPr id="1" name=""/>
-        <p:cNvGrpSpPr/>
-        <p:nvPr/>
-      </p:nvGrpSpPr>
-      <p:grpSpPr>
-        <a:xfrm>
-          <a:off x="0" y="0"/>
-          <a:ext cx="0" cy="0"/>
-          <a:chOff x="0" y="0"/>
-          <a:chExt cx="0" cy="0"/>
-        </a:xfrm>
-      </p:grpSpPr>
-      <p:sp>
-        <p:nvSpPr>
-          <p:cNvPr id="9218" name="Título 1"/>
-          <p:cNvSpPr>
-            <a:spLocks noGrp="1"/>
-          </p:cNvSpPr>
-          <p:nvPr>
-            <p:ph type="title"/>
-          </p:nvPr>
-        </p:nvSpPr>
-        <p:spPr>
-          <a:noFill/>
-          <a:ln w="9525">
-            <a:noFill/>
-            <a:miter lim="800000"/>
-            <a:headEnd/>
-            <a:tailEnd/>
-          </a:ln>
-        </p:spPr>
-        <p:txBody>
-          <a:bodyPr vert="horz" wrap="square" lIns="45720" tIns="45720" rIns="45720" bIns="45720" numCol="1" anchor="ctr" anchorCtr="0" compatLnSpc="1">
-            <a:prstTxWarp prst="textNoShape">
-              <a:avLst/>
-            </a:prstTxWarp>
-          </a:bodyPr>
-          <a:lstStyle/>
-          <a:p>
-            <a:r>
-              <a:rPr lang="pt-BR" dirty="0" err="1" smtClean="0"/>
-              <a:t>SortedSet</a:t>
-            </a:r>
-            <a:endParaRPr lang="pt-BR" dirty="0" smtClean="0"/>
-          </a:p>
-        </p:txBody>
-      </p:sp>
-      <p:sp>
-        <p:nvSpPr>
-          <p:cNvPr id="13" name="Espaço Reservado para Conteúdo 12"/>
-          <p:cNvSpPr>
-            <a:spLocks noGrp="1"/>
-          </p:cNvSpPr>
-          <p:nvPr>
-            <p:ph idx="1"/>
-          </p:nvPr>
-        </p:nvSpPr>
-        <p:spPr>
-          <a:xfrm>
-            <a:off x="457200" y="1196752"/>
-            <a:ext cx="7467600" cy="4525963"/>
-          </a:xfrm>
-        </p:spPr>
-        <p:txBody>
-          <a:bodyPr/>
-          <a:lstStyle/>
-          <a:p>
-            <a:pPr>
-              <a:spcBef>
-                <a:spcPts val="2400"/>
-              </a:spcBef>
-            </a:pPr>
-            <a:r>
-              <a:rPr lang="pt-BR" sz="2400" dirty="0" err="1" smtClean="0"/>
-              <a:t>SortedSet</a:t>
-            </a:r>
-            <a:r>
-              <a:rPr lang="pt-BR" sz="2400" dirty="0" smtClean="0"/>
-              <a:t> com </a:t>
-            </a:r>
-            <a:r>
-              <a:rPr lang="pt-BR" sz="2400" dirty="0" err="1" smtClean="0"/>
-              <a:t>Comparator</a:t>
-            </a:r>
-            <a:endParaRPr lang="pt-BR" sz="2400" dirty="0" smtClean="0"/>
-          </a:p>
-          <a:p>
-            <a:pPr marL="1074738" lvl="1" indent="-625475">
-              <a:spcBef>
-                <a:spcPts val="0"/>
-              </a:spcBef>
-              <a:buNone/>
-            </a:pPr>
-            <a:endParaRPr lang="pt-BR" sz="2000" dirty="0" smtClean="0"/>
-          </a:p>
-          <a:p>
-            <a:pPr marL="449263" lvl="1" indent="0" defTabSz="900113">
-              <a:spcBef>
-                <a:spcPts val="0"/>
-              </a:spcBef>
-              <a:buNone/>
-              <a:tabLst>
-                <a:tab pos="900113" algn="l"/>
-                <a:tab pos="1349375" algn="l"/>
-                <a:tab pos="1800225" algn="l"/>
-              </a:tabLst>
-            </a:pPr>
-            <a:r>
-              <a:rPr lang="pt-BR" sz="2000" dirty="0" err="1" smtClean="0">
-                <a:solidFill>
-                  <a:srgbClr val="FFC000"/>
-                </a:solidFill>
-              </a:rPr>
-              <a:t>SortedSet</a:t>
-            </a:r>
-            <a:r>
-              <a:rPr lang="pt-BR" sz="2000" dirty="0" smtClean="0">
-                <a:solidFill>
-                  <a:srgbClr val="FFC000"/>
-                </a:solidFill>
-              </a:rPr>
-              <a:t>&lt;Cliente&gt;</a:t>
-            </a:r>
-            <a:r>
-              <a:rPr lang="pt-BR" sz="2000" dirty="0" smtClean="0"/>
-              <a:t> set = </a:t>
-            </a:r>
-            <a:r>
-              <a:rPr lang="pt-BR" sz="2000" dirty="0" err="1" smtClean="0"/>
-              <a:t>new</a:t>
-            </a:r>
-            <a:r>
-              <a:rPr lang="pt-BR" sz="2000" dirty="0" smtClean="0"/>
-              <a:t> </a:t>
-            </a:r>
-            <a:r>
-              <a:rPr lang="pt-BR" sz="2000" dirty="0" err="1" smtClean="0"/>
-              <a:t>TreeSet</a:t>
-            </a:r>
-            <a:r>
-              <a:rPr lang="pt-BR" sz="2000" dirty="0" smtClean="0"/>
-              <a:t>&lt;</a:t>
-            </a:r>
-            <a:r>
-              <a:rPr lang="pt-BR" sz="2000" dirty="0" smtClean="0">
-                <a:solidFill>
-                  <a:srgbClr val="FFC000"/>
-                </a:solidFill>
-              </a:rPr>
-              <a:t>Cliente</a:t>
-            </a:r>
-            <a:r>
-              <a:rPr lang="pt-BR" sz="2000" dirty="0" smtClean="0"/>
-              <a:t>&gt;(</a:t>
-            </a:r>
-          </a:p>
-          <a:p>
-            <a:pPr marL="449263" lvl="1" indent="0" defTabSz="900113">
-              <a:spcBef>
-                <a:spcPts val="0"/>
-              </a:spcBef>
-              <a:buNone/>
-              <a:tabLst>
-                <a:tab pos="900113" algn="l"/>
-                <a:tab pos="1349375" algn="l"/>
-                <a:tab pos="1800225" algn="l"/>
-              </a:tabLst>
-            </a:pPr>
-            <a:r>
-              <a:rPr lang="pt-BR" sz="2000" dirty="0" smtClean="0"/>
-              <a:t>	</a:t>
-            </a:r>
-            <a:r>
-              <a:rPr lang="pt-BR" sz="2000" dirty="0" err="1" smtClean="0"/>
-              <a:t>new</a:t>
-            </a:r>
-            <a:r>
-              <a:rPr lang="pt-BR" sz="2000" dirty="0" smtClean="0"/>
-              <a:t> </a:t>
-            </a:r>
-            <a:r>
-              <a:rPr lang="pt-BR" sz="2000" dirty="0" err="1" smtClean="0"/>
-              <a:t>Comparator</a:t>
-            </a:r>
-            <a:r>
-              <a:rPr lang="pt-BR" sz="2000" dirty="0" smtClean="0"/>
-              <a:t>&lt;Cliente&gt;() {</a:t>
-            </a:r>
-          </a:p>
-          <a:p>
-            <a:pPr marL="449263" lvl="1" indent="0" defTabSz="900113">
-              <a:spcBef>
-                <a:spcPts val="0"/>
-              </a:spcBef>
-              <a:buNone/>
-              <a:tabLst>
-                <a:tab pos="900113" algn="l"/>
-                <a:tab pos="1349375" algn="l"/>
-                <a:tab pos="1800225" algn="l"/>
-              </a:tabLst>
-            </a:pPr>
-            <a:r>
-              <a:rPr lang="pt-BR" sz="2000" dirty="0" smtClean="0"/>
-              <a:t>		</a:t>
-            </a:r>
-            <a:r>
-              <a:rPr lang="pt-BR" sz="2000" dirty="0" err="1" smtClean="0"/>
-              <a:t>public</a:t>
-            </a:r>
-            <a:r>
-              <a:rPr lang="pt-BR" sz="2000" dirty="0" smtClean="0"/>
-              <a:t> </a:t>
-            </a:r>
-            <a:r>
-              <a:rPr lang="pt-BR" sz="2000" dirty="0" err="1" smtClean="0"/>
-              <a:t>int</a:t>
-            </a:r>
-            <a:r>
-              <a:rPr lang="pt-BR" sz="2000" dirty="0" smtClean="0"/>
-              <a:t> compare(Cliente c1, Cliente c2) {</a:t>
-            </a:r>
-          </a:p>
-          <a:p>
-            <a:pPr marL="449263" lvl="1" indent="0" defTabSz="900113">
-              <a:spcBef>
-                <a:spcPts val="0"/>
-              </a:spcBef>
-              <a:buNone/>
-              <a:tabLst>
-                <a:tab pos="900113" algn="l"/>
-                <a:tab pos="1349375" algn="l"/>
-                <a:tab pos="1800225" algn="l"/>
-              </a:tabLst>
-            </a:pPr>
-            <a:r>
-              <a:rPr lang="pt-BR" sz="2000" dirty="0" smtClean="0"/>
-              <a:t>			</a:t>
-            </a:r>
-            <a:r>
-              <a:rPr lang="pt-BR" sz="2000" dirty="0" err="1" smtClean="0"/>
-              <a:t>return</a:t>
-            </a:r>
-            <a:r>
-              <a:rPr lang="pt-BR" sz="2000" dirty="0" smtClean="0"/>
-              <a:t> c1.</a:t>
-            </a:r>
-            <a:r>
-              <a:rPr lang="pt-BR" sz="2000" dirty="0" err="1" smtClean="0"/>
-              <a:t>getRg</a:t>
-            </a:r>
-            <a:r>
-              <a:rPr lang="pt-BR" sz="2000" dirty="0" smtClean="0"/>
-              <a:t>().</a:t>
-            </a:r>
-            <a:r>
-              <a:rPr lang="pt-BR" sz="2000" dirty="0" err="1" smtClean="0"/>
-              <a:t>compareTo</a:t>
-            </a:r>
-            <a:r>
-              <a:rPr lang="pt-BR" sz="2000" dirty="0" smtClean="0"/>
-              <a:t>(c2.</a:t>
-            </a:r>
-            <a:r>
-              <a:rPr lang="pt-BR" sz="2000" dirty="0" err="1" smtClean="0"/>
-              <a:t>getRg</a:t>
-            </a:r>
-            <a:r>
-              <a:rPr lang="pt-BR" sz="2000" dirty="0" smtClean="0"/>
-              <a:t>());</a:t>
-            </a:r>
-          </a:p>
-          <a:p>
-            <a:pPr marL="449263" lvl="1" indent="0" defTabSz="900113">
-              <a:spcBef>
-                <a:spcPts val="0"/>
-              </a:spcBef>
-              <a:buNone/>
-              <a:tabLst>
-                <a:tab pos="900113" algn="l"/>
-                <a:tab pos="1349375" algn="l"/>
-                <a:tab pos="1800225" algn="l"/>
-              </a:tabLst>
-            </a:pPr>
-            <a:r>
-              <a:rPr lang="pt-BR" sz="2000" dirty="0" smtClean="0"/>
-              <a:t>		}</a:t>
-            </a:r>
-          </a:p>
-          <a:p>
-            <a:pPr marL="449263" lvl="1" indent="0" defTabSz="900113">
-              <a:spcBef>
-                <a:spcPts val="0"/>
-              </a:spcBef>
-              <a:buNone/>
-              <a:tabLst>
-                <a:tab pos="900113" algn="l"/>
-                <a:tab pos="1349375" algn="l"/>
-                <a:tab pos="1800225" algn="l"/>
-              </a:tabLst>
-            </a:pPr>
-            <a:r>
-              <a:rPr lang="pt-BR" sz="2000" dirty="0" smtClean="0"/>
-              <a:t>	});</a:t>
-            </a:r>
-          </a:p>
-          <a:p>
-            <a:pPr marL="449263" lvl="1" indent="0" defTabSz="900113">
-              <a:spcBef>
-                <a:spcPts val="0"/>
-              </a:spcBef>
-              <a:buNone/>
-              <a:tabLst>
-                <a:tab pos="900113" algn="l"/>
-                <a:tab pos="1349375" algn="l"/>
-                <a:tab pos="1800225" algn="l"/>
-              </a:tabLst>
-            </a:pPr>
-            <a:r>
-              <a:rPr lang="pt-BR" sz="2000" dirty="0" err="1" smtClean="0"/>
-              <a:t>set.</a:t>
-            </a:r>
-            <a:r>
-              <a:rPr lang="pt-BR" sz="2000" dirty="0" err="1" smtClean="0">
-                <a:solidFill>
-                  <a:srgbClr val="FFC000"/>
-                </a:solidFill>
-              </a:rPr>
-              <a:t>add</a:t>
-            </a:r>
-            <a:r>
-              <a:rPr lang="pt-BR" sz="2000" dirty="0" smtClean="0">
-                <a:solidFill>
-                  <a:srgbClr val="FFC000"/>
-                </a:solidFill>
-              </a:rPr>
-              <a:t>(</a:t>
-            </a:r>
-            <a:r>
-              <a:rPr lang="pt-BR" sz="2000" dirty="0" err="1" smtClean="0"/>
-              <a:t>new</a:t>
-            </a:r>
-            <a:r>
-              <a:rPr lang="pt-BR" sz="2000" dirty="0" smtClean="0"/>
-              <a:t> Cliente(“897822-9”, “Manuel”, “Rua 5”)</a:t>
-            </a:r>
-            <a:r>
-              <a:rPr lang="pt-BR" sz="2000" dirty="0" smtClean="0">
-                <a:solidFill>
-                  <a:srgbClr val="FFC000"/>
-                </a:solidFill>
-              </a:rPr>
-              <a:t>)</a:t>
-            </a:r>
-            <a:r>
-              <a:rPr lang="pt-BR" sz="2000" dirty="0" smtClean="0"/>
-              <a:t>;</a:t>
-            </a:r>
-          </a:p>
-          <a:p>
-            <a:pPr marL="449263" lvl="1" indent="0" defTabSz="900113">
-              <a:spcBef>
-                <a:spcPts val="0"/>
-              </a:spcBef>
-              <a:buNone/>
-              <a:tabLst>
-                <a:tab pos="900113" algn="l"/>
-                <a:tab pos="1349375" algn="l"/>
-                <a:tab pos="1800225" algn="l"/>
-              </a:tabLst>
-            </a:pPr>
-            <a:r>
-              <a:rPr lang="pt-BR" sz="2000" dirty="0" err="1" smtClean="0"/>
-              <a:t>set.</a:t>
-            </a:r>
-            <a:r>
-              <a:rPr lang="pt-BR" sz="2000" dirty="0" err="1" smtClean="0">
-                <a:solidFill>
-                  <a:srgbClr val="FFC000"/>
-                </a:solidFill>
-              </a:rPr>
-              <a:t>add</a:t>
-            </a:r>
-            <a:r>
-              <a:rPr lang="pt-BR" sz="2000" dirty="0" smtClean="0">
-                <a:solidFill>
-                  <a:srgbClr val="FFC000"/>
-                </a:solidFill>
-              </a:rPr>
-              <a:t>(</a:t>
-            </a:r>
-            <a:r>
-              <a:rPr lang="pt-BR" sz="2000" dirty="0" err="1" smtClean="0"/>
-              <a:t>new</a:t>
-            </a:r>
-            <a:r>
-              <a:rPr lang="pt-BR" sz="2000" dirty="0" smtClean="0"/>
-              <a:t> Cliente(“76836-7”, “Ricardo”, “Av. Central, 23”)</a:t>
-            </a:r>
-            <a:r>
-              <a:rPr lang="pt-BR" sz="2000" dirty="0" smtClean="0">
-                <a:solidFill>
-                  <a:srgbClr val="FFC000"/>
-                </a:solidFill>
-              </a:rPr>
-              <a:t>)</a:t>
-            </a:r>
-            <a:r>
-              <a:rPr lang="pt-BR" sz="2000" dirty="0" smtClean="0"/>
-              <a:t>;</a:t>
-            </a:r>
-          </a:p>
-          <a:p>
-            <a:pPr marL="449263" lvl="1" indent="0" defTabSz="900113">
-              <a:spcBef>
-                <a:spcPts val="0"/>
-              </a:spcBef>
-              <a:buNone/>
-              <a:tabLst>
-                <a:tab pos="900113" algn="l"/>
-                <a:tab pos="1349375" algn="l"/>
-                <a:tab pos="1800225" algn="l"/>
-              </a:tabLst>
-            </a:pPr>
-            <a:r>
-              <a:rPr lang="pt-BR" sz="2000" dirty="0" err="1" smtClean="0"/>
-              <a:t>set.</a:t>
-            </a:r>
-            <a:r>
-              <a:rPr lang="pt-BR" sz="2000" dirty="0" err="1" smtClean="0">
-                <a:solidFill>
-                  <a:srgbClr val="FFC000"/>
-                </a:solidFill>
-              </a:rPr>
-              <a:t>add</a:t>
-            </a:r>
-            <a:r>
-              <a:rPr lang="pt-BR" sz="2000" dirty="0" smtClean="0">
-                <a:solidFill>
-                  <a:srgbClr val="FFC000"/>
-                </a:solidFill>
-              </a:rPr>
-              <a:t>(</a:t>
-            </a:r>
-            <a:r>
-              <a:rPr lang="pt-BR" sz="2000" dirty="0" err="1" smtClean="0"/>
-              <a:t>new</a:t>
-            </a:r>
-            <a:r>
-              <a:rPr lang="pt-BR" sz="2000" dirty="0" smtClean="0"/>
-              <a:t> Cliente(“3945651-1”, “Joaquim”, “Rua 35”)</a:t>
-            </a:r>
-            <a:r>
-              <a:rPr lang="pt-BR" sz="2000" dirty="0" smtClean="0">
-                <a:solidFill>
-                  <a:srgbClr val="FFC000"/>
-                </a:solidFill>
-              </a:rPr>
-              <a:t>)</a:t>
-            </a:r>
-            <a:r>
-              <a:rPr lang="pt-BR" sz="2000" dirty="0" smtClean="0"/>
-              <a:t>;</a:t>
-            </a:r>
-          </a:p>
-          <a:p>
-            <a:pPr marL="449263" lvl="1" indent="0" defTabSz="900113">
-              <a:spcBef>
-                <a:spcPts val="0"/>
-              </a:spcBef>
-              <a:buNone/>
-              <a:tabLst>
-                <a:tab pos="900113" algn="l"/>
-                <a:tab pos="1349375" algn="l"/>
-                <a:tab pos="1800225" algn="l"/>
-              </a:tabLst>
-            </a:pPr>
-            <a:r>
-              <a:rPr lang="pt-BR" sz="2000" dirty="0" err="1" smtClean="0"/>
-              <a:t>set.</a:t>
-            </a:r>
-            <a:r>
-              <a:rPr lang="pt-BR" sz="2000" dirty="0" err="1" smtClean="0">
-                <a:solidFill>
-                  <a:srgbClr val="FFC000"/>
-                </a:solidFill>
-              </a:rPr>
-              <a:t>add</a:t>
-            </a:r>
-            <a:r>
-              <a:rPr lang="pt-BR" sz="2000" dirty="0" smtClean="0">
-                <a:solidFill>
-                  <a:srgbClr val="FFC000"/>
-                </a:solidFill>
-              </a:rPr>
-              <a:t>(</a:t>
-            </a:r>
-            <a:r>
-              <a:rPr lang="pt-BR" sz="2000" dirty="0" err="1" smtClean="0"/>
-              <a:t>new</a:t>
-            </a:r>
-            <a:r>
-              <a:rPr lang="pt-BR" sz="2000" dirty="0" smtClean="0"/>
-              <a:t> Cliente(“1874309-5”, “Maria”, “Alameda XV”)</a:t>
-            </a:r>
-            <a:r>
-              <a:rPr lang="pt-BR" sz="2000" dirty="0" smtClean="0">
-                <a:solidFill>
-                  <a:srgbClr val="FFC000"/>
-                </a:solidFill>
-              </a:rPr>
-              <a:t>)</a:t>
-            </a:r>
-            <a:r>
-              <a:rPr lang="pt-BR" sz="2000" dirty="0" smtClean="0"/>
-              <a:t>;</a:t>
-            </a:r>
-          </a:p>
-          <a:p>
-            <a:pPr marL="449263" lvl="1" indent="0" defTabSz="900113">
-              <a:spcBef>
-                <a:spcPts val="0"/>
-              </a:spcBef>
-              <a:buNone/>
-              <a:tabLst>
-                <a:tab pos="900113" algn="l"/>
-                <a:tab pos="1349375" algn="l"/>
-                <a:tab pos="1800225" algn="l"/>
-              </a:tabLst>
-            </a:pPr>
-            <a:endParaRPr lang="pt-BR" sz="2000" dirty="0" smtClean="0"/>
-          </a:p>
-          <a:p>
-            <a:pPr marL="449263" lvl="1" indent="0" defTabSz="900113">
-              <a:spcBef>
-                <a:spcPts val="0"/>
-              </a:spcBef>
-              <a:buNone/>
-              <a:tabLst>
-                <a:tab pos="900113" algn="l"/>
-                <a:tab pos="1349375" algn="l"/>
-                <a:tab pos="1800225" algn="l"/>
-              </a:tabLst>
-            </a:pPr>
-            <a:r>
-              <a:rPr lang="pt-BR" sz="2000" dirty="0" smtClean="0">
-                <a:solidFill>
-                  <a:schemeClr val="accent6"/>
-                </a:solidFill>
-              </a:rPr>
-              <a:t>/* Exibe os elementos ordenados pelo RG */</a:t>
-            </a:r>
-          </a:p>
-          <a:p>
-            <a:pPr marL="449263" lvl="1" indent="0" defTabSz="900113">
-              <a:spcBef>
-                <a:spcPts val="0"/>
-              </a:spcBef>
-              <a:buNone/>
-              <a:tabLst>
-                <a:tab pos="900113" algn="l"/>
-                <a:tab pos="1349375" algn="l"/>
-                <a:tab pos="1800225" algn="l"/>
-              </a:tabLst>
-            </a:pPr>
-            <a:r>
-              <a:rPr lang="pt-BR" sz="2000" dirty="0" smtClean="0"/>
-              <a:t>for (Cliente c : set) {</a:t>
-            </a:r>
-          </a:p>
-          <a:p>
-            <a:pPr marL="449263" lvl="1" indent="0" defTabSz="900113">
-              <a:spcBef>
-                <a:spcPts val="0"/>
-              </a:spcBef>
-              <a:buNone/>
-              <a:tabLst>
-                <a:tab pos="900113" algn="l"/>
-                <a:tab pos="1349375" algn="l"/>
-                <a:tab pos="1800225" algn="l"/>
-              </a:tabLst>
-            </a:pPr>
-            <a:r>
-              <a:rPr lang="pt-BR" sz="2000" dirty="0" smtClean="0"/>
-              <a:t>	System.</a:t>
-            </a:r>
-            <a:r>
-              <a:rPr lang="pt-BR" sz="2000" dirty="0" err="1" smtClean="0"/>
-              <a:t>out.println</a:t>
-            </a:r>
-            <a:r>
-              <a:rPr lang="pt-BR" sz="2000" dirty="0" smtClean="0"/>
-              <a:t>(</a:t>
-            </a:r>
-            <a:r>
-              <a:rPr lang="pt-BR" sz="2000" dirty="0" err="1" smtClean="0"/>
-              <a:t>c.getNome</a:t>
-            </a:r>
-            <a:r>
-              <a:rPr lang="pt-BR" sz="2000" dirty="0" smtClean="0"/>
-              <a:t>());</a:t>
-            </a:r>
-          </a:p>
-          <a:p>
-            <a:pPr marL="449263" lvl="1" indent="0" defTabSz="900113">
-              <a:spcBef>
-                <a:spcPts val="0"/>
-              </a:spcBef>
-              <a:buNone/>
-              <a:tabLst>
-                <a:tab pos="900113" algn="l"/>
-                <a:tab pos="1349375" algn="l"/>
-                <a:tab pos="1800225" algn="l"/>
-              </a:tabLst>
-            </a:pPr>
-            <a:r>
-              <a:rPr lang="pt-BR" sz="2000" dirty="0" smtClean="0"/>
-              <a:t>}</a:t>
-            </a:r>
-          </a:p>
-        </p:txBody>
-      </p:sp>
-      <p:sp>
-        <p:nvSpPr>
-          <p:cNvPr id="15" name="Espaço Reservado para Número de Slide 14"/>
-          <p:cNvSpPr>
-            <a:spLocks noGrp="1"/>
-          </p:cNvSpPr>
-          <p:nvPr>
-            <p:ph type="sldNum" sz="quarter" idx="12"/>
-          </p:nvPr>
-        </p:nvSpPr>
-        <p:spPr/>
-        <p:txBody>
-          <a:bodyPr/>
-          <a:lstStyle/>
-          <a:p>
-            <a:pPr>
-              <a:defRPr/>
-            </a:pPr>
-            <a:fld id="{7E263EA5-71DF-4638-BC15-81D6FFD3C7EB}" type="slidenum">
-              <a:rPr lang="pt-BR" smtClean="0"/>
-              <a:pPr>
-                <a:defRPr/>
-              </a:pPr>
-              <a:t>28</a:t>
-            </a:fld>
-            <a:endParaRPr lang="pt-BR"/>
-          </a:p>
-        </p:txBody>
-      </p:sp>
-    </p:spTree>
-  </p:cSld>
-  <p:clrMapOvr>
-    <a:masterClrMapping/>
-  </p:clrMapOvr>
-  <p:timing>
-    <p:tnLst>
-      <p:par>
-        <p:cTn id="1" dur="indefinite" restart="never" nodeType="tmRoot"/>
-      </p:par>
-    </p:tnLst>
-  </p:timing>
-</p:sld>
-</file>
-
-<file path=ppt/slides/slide29.xml><?xml version="1.0" encoding="utf-8"?>
-<p:sld xmlns:a="http://schemas.openxmlformats.org/drawingml/2006/main" xmlns:r="http://schemas.openxmlformats.org/officeDocument/2006/relationships" xmlns:p="http://schemas.openxmlformats.org/presentationml/2006/main">
-  <p:cSld>
-    <p:spTree>
-      <p:nvGrpSpPr>
-        <p:cNvPr id="1" name=""/>
-        <p:cNvGrpSpPr/>
-        <p:nvPr/>
-      </p:nvGrpSpPr>
-      <p:grpSpPr>
-        <a:xfrm>
-          <a:off x="0" y="0"/>
-          <a:ext cx="0" cy="0"/>
-          <a:chOff x="0" y="0"/>
-          <a:chExt cx="0" cy="0"/>
-        </a:xfrm>
-      </p:grpSpPr>
-      <p:sp>
-        <p:nvSpPr>
-          <p:cNvPr id="9218" name="Título 1"/>
-          <p:cNvSpPr>
-            <a:spLocks noGrp="1"/>
-          </p:cNvSpPr>
-          <p:nvPr>
-            <p:ph type="title"/>
-          </p:nvPr>
-        </p:nvSpPr>
-        <p:spPr>
-          <a:xfrm>
-            <a:off x="457200" y="274638"/>
-            <a:ext cx="8075240" cy="1143000"/>
-          </a:xfrm>
-        </p:spPr>
-        <p:txBody>
-          <a:bodyPr/>
-          <a:lstStyle/>
-          <a:p>
-            <a:pPr eaLnBrk="1" hangingPunct="1"/>
-            <a:r>
-              <a:rPr lang="pt-BR" dirty="0" err="1" smtClean="0"/>
-              <a:t>SortedSet</a:t>
-            </a:r>
-            <a:r>
-              <a:rPr lang="pt-BR" dirty="0" smtClean="0"/>
-              <a:t> – Principais métodos</a:t>
-            </a:r>
-          </a:p>
-        </p:txBody>
-      </p:sp>
-      <p:sp>
-        <p:nvSpPr>
-          <p:cNvPr id="13" name="Espaço Reservado para Conteúdo 12"/>
-          <p:cNvSpPr>
-            <a:spLocks noGrp="1"/>
-          </p:cNvSpPr>
-          <p:nvPr>
-            <p:ph idx="1"/>
-          </p:nvPr>
-        </p:nvSpPr>
-        <p:spPr>
-          <a:xfrm>
-            <a:off x="457200" y="1600200"/>
-            <a:ext cx="7931224" cy="4525963"/>
-          </a:xfrm>
-        </p:spPr>
-        <p:txBody>
-          <a:bodyPr/>
-          <a:lstStyle/>
-          <a:p>
-            <a:pPr>
-              <a:spcBef>
-                <a:spcPts val="1200"/>
-              </a:spcBef>
-            </a:pPr>
-            <a:r>
-              <a:rPr lang="pt-BR" sz="2000" dirty="0" err="1" smtClean="0"/>
-              <a:t>first</a:t>
-            </a:r>
-            <a:r>
-              <a:rPr lang="pt-BR" sz="2000" dirty="0" smtClean="0"/>
-              <a:t>()</a:t>
-            </a:r>
-          </a:p>
-          <a:p>
-            <a:pPr lvl="1">
-              <a:spcBef>
-                <a:spcPts val="600"/>
-              </a:spcBef>
-            </a:pPr>
-            <a:r>
-              <a:rPr lang="pt-BR" sz="1800" dirty="0" smtClean="0"/>
-              <a:t>Retorna o menor elemento do conjunto</a:t>
-            </a:r>
-          </a:p>
-          <a:p>
-            <a:pPr>
-              <a:spcBef>
-                <a:spcPts val="1200"/>
-              </a:spcBef>
-            </a:pPr>
-            <a:r>
-              <a:rPr lang="pt-BR" sz="2000" dirty="0" err="1" smtClean="0"/>
-              <a:t>last</a:t>
-            </a:r>
-            <a:r>
-              <a:rPr lang="pt-BR" sz="2000" dirty="0" smtClean="0"/>
-              <a:t>()</a:t>
-            </a:r>
-          </a:p>
-          <a:p>
-            <a:pPr lvl="1">
-              <a:spcBef>
-                <a:spcPts val="600"/>
-              </a:spcBef>
-            </a:pPr>
-            <a:r>
-              <a:rPr lang="pt-BR" sz="1800" dirty="0" smtClean="0"/>
-              <a:t>Retorna o maior elemento do conjunto</a:t>
-            </a:r>
-          </a:p>
-          <a:p>
-            <a:pPr>
-              <a:spcBef>
-                <a:spcPts val="1200"/>
-              </a:spcBef>
-            </a:pPr>
-            <a:r>
-              <a:rPr lang="pt-BR" sz="2000" dirty="0" err="1" smtClean="0"/>
-              <a:t>headSet</a:t>
-            </a:r>
-            <a:r>
-              <a:rPr lang="pt-BR" sz="2000" dirty="0" smtClean="0"/>
-              <a:t>(T)</a:t>
-            </a:r>
-          </a:p>
-          <a:p>
-            <a:pPr lvl="1">
-              <a:spcBef>
-                <a:spcPts val="600"/>
-              </a:spcBef>
-            </a:pPr>
-            <a:r>
-              <a:rPr lang="pt-BR" sz="1800" dirty="0" smtClean="0"/>
-              <a:t>Retorna  um subconjunto também ordenado contendo todos os elementos </a:t>
-            </a:r>
-            <a:r>
-              <a:rPr lang="pt-BR" sz="1800" b="1" dirty="0" smtClean="0"/>
-              <a:t>menores</a:t>
-            </a:r>
-            <a:r>
-              <a:rPr lang="pt-BR" sz="1800" dirty="0" smtClean="0"/>
-              <a:t> que T</a:t>
-            </a:r>
-          </a:p>
-          <a:p>
-            <a:pPr>
-              <a:spcBef>
-                <a:spcPts val="1200"/>
-              </a:spcBef>
-            </a:pPr>
-            <a:r>
-              <a:rPr lang="pt-BR" sz="2000" dirty="0" err="1" smtClean="0"/>
-              <a:t>tailSet</a:t>
-            </a:r>
-            <a:r>
-              <a:rPr lang="pt-BR" sz="2000" dirty="0" smtClean="0"/>
-              <a:t>(T)</a:t>
-            </a:r>
-          </a:p>
-          <a:p>
-            <a:pPr lvl="1">
-              <a:spcBef>
-                <a:spcPts val="600"/>
-              </a:spcBef>
-            </a:pPr>
-            <a:r>
-              <a:rPr lang="pt-BR" sz="1800" dirty="0" smtClean="0"/>
-              <a:t>Retorna um subconjunto também ordenado contendo todos os elementos </a:t>
-            </a:r>
-            <a:r>
-              <a:rPr lang="pt-BR" sz="1800" b="1" dirty="0" smtClean="0"/>
-              <a:t>maiores</a:t>
-            </a:r>
-            <a:r>
-              <a:rPr lang="pt-BR" sz="1800" dirty="0" smtClean="0"/>
-              <a:t> que T</a:t>
-            </a:r>
-          </a:p>
-          <a:p>
-            <a:pPr>
-              <a:spcBef>
-                <a:spcPts val="1200"/>
-              </a:spcBef>
-            </a:pPr>
-            <a:r>
-              <a:rPr lang="pt-BR" sz="2000" dirty="0" smtClean="0"/>
-              <a:t>subSet(T, T)</a:t>
-            </a:r>
-          </a:p>
-          <a:p>
-            <a:pPr lvl="1">
-              <a:spcBef>
-                <a:spcPts val="600"/>
-              </a:spcBef>
-            </a:pPr>
-            <a:r>
-              <a:rPr lang="pt-BR" sz="1800" dirty="0" smtClean="0"/>
-              <a:t>Retorna um subconjunto também ordenado contendo todos os elementos </a:t>
-            </a:r>
-            <a:r>
-              <a:rPr lang="pt-BR" sz="1800" b="1" dirty="0" smtClean="0"/>
-              <a:t>entre os dois itens</a:t>
-            </a:r>
-            <a:r>
-              <a:rPr lang="pt-BR" sz="1800" dirty="0" smtClean="0"/>
-              <a:t> especificados</a:t>
-            </a:r>
-          </a:p>
-        </p:txBody>
-      </p:sp>
-      <p:sp>
-        <p:nvSpPr>
-          <p:cNvPr id="15" name="Espaço Reservado para Número de Slide 14"/>
-          <p:cNvSpPr>
-            <a:spLocks noGrp="1"/>
-          </p:cNvSpPr>
-          <p:nvPr>
-            <p:ph type="sldNum" sz="quarter" idx="12"/>
-          </p:nvPr>
-        </p:nvSpPr>
-        <p:spPr/>
-        <p:txBody>
-          <a:bodyPr/>
-          <a:lstStyle/>
-          <a:p>
-            <a:pPr>
-              <a:defRPr/>
-            </a:pPr>
-            <a:fld id="{7E263EA5-71DF-4638-BC15-81D6FFD3C7EB}" type="slidenum">
-              <a:rPr lang="pt-BR" smtClean="0"/>
-              <a:pPr>
-                <a:defRPr/>
-              </a:pPr>
-              <a:t>29</a:t>
-            </a:fld>
-            <a:endParaRPr lang="pt-BR"/>
-          </a:p>
-        </p:txBody>
-      </p:sp>
-    </p:spTree>
-  </p:cSld>
-  <p:clrMapOvr>
-    <a:masterClrMapping/>
-  </p:clrMapOvr>
-  <p:timing>
-    <p:tnLst>
-      <p:par>
-        <p:cTn id="1" dur="indefinite" restart="never" nodeType="tmRoot"/>
-      </p:par>
-    </p:tnLst>
-  </p:timing>
-</p:sld>
-</file>
-
 <file path=ppt/slides/slide3.xml><?xml version="1.0" encoding="utf-8"?>
 <p:sld xmlns:a="http://schemas.openxmlformats.org/drawingml/2006/main" xmlns:r="http://schemas.openxmlformats.org/officeDocument/2006/relationships" xmlns:p="http://schemas.openxmlformats.org/presentationml/2006/main">
   <p:cSld>
@@ -18732,7 +18784,7 @@
         <p:spPr>
           <a:xfrm>
             <a:off x="457200" y="274638"/>
-            <a:ext cx="8507288" cy="1143000"/>
+            <a:ext cx="8075240" cy="1143000"/>
           </a:xfrm>
           <a:noFill/>
           <a:ln w="9525">
@@ -18751,13 +18803,10 @@
           <a:lstStyle/>
           <a:p>
             <a:r>
-              <a:rPr lang="pt-BR" sz="4200" spc="-150" dirty="0" err="1" smtClean="0"/>
+              <a:rPr lang="pt-BR" dirty="0" err="1" smtClean="0"/>
               <a:t>SortedSet</a:t>
             </a:r>
-            <a:r>
-              <a:rPr lang="pt-BR" sz="4200" spc="-150" dirty="0" smtClean="0"/>
-              <a:t> – Principal implementação</a:t>
-            </a:r>
+            <a:endParaRPr lang="pt-BR" dirty="0" smtClean="0"/>
           </a:p>
         </p:txBody>
       </p:sp>
@@ -18778,32 +18827,12 @@
           <a:p>
             <a:pPr>
               <a:spcBef>
-                <a:spcPts val="1200"/>
+                <a:spcPts val="2400"/>
               </a:spcBef>
             </a:pPr>
             <a:r>
-              <a:rPr lang="pt-BR" sz="3200" dirty="0" err="1" smtClean="0"/>
-              <a:t>TreeSet</a:t>
-            </a:r>
-            <a:endParaRPr lang="pt-BR" sz="3200" dirty="0" smtClean="0"/>
-          </a:p>
-          <a:p>
-            <a:pPr lvl="1">
-              <a:spcBef>
-                <a:spcPts val="600"/>
-              </a:spcBef>
-            </a:pPr>
-            <a:endParaRPr lang="pt-BR" sz="2400" dirty="0" smtClean="0"/>
-          </a:p>
-          <a:p>
-            <a:pPr lvl="1">
-              <a:spcBef>
-                <a:spcPts val="1800"/>
-              </a:spcBef>
-            </a:pPr>
-            <a:r>
               <a:rPr lang="pt-BR" sz="2400" dirty="0" smtClean="0"/>
-              <a:t>Uma simples implementação da interface </a:t>
+              <a:t>Outra forma de utilizarmos um </a:t>
             </a:r>
             <a:r>
               <a:rPr lang="pt-BR" sz="2400" dirty="0" err="1" smtClean="0"/>
@@ -18811,18 +18840,34 @@
             </a:r>
             <a:r>
               <a:rPr lang="pt-BR" sz="2400" dirty="0" smtClean="0"/>
-              <a:t>. Como tal, garante a ordenação natural dos elementos adicionados ao set.</a:t>
-            </a:r>
-          </a:p>
-          <a:p>
-            <a:pPr lvl="1">
+              <a:t> é definir o critério de classificação em uma classe isolada que implementa a interface </a:t>
+            </a:r>
+            <a:r>
+              <a:rPr lang="pt-BR" sz="2400" u="sng" dirty="0" err="1" smtClean="0"/>
+              <a:t>Comparator</a:t>
+            </a:r>
+            <a:r>
+              <a:rPr lang="pt-BR" sz="2400" dirty="0" smtClean="0"/>
+              <a:t>.</a:t>
+            </a:r>
+          </a:p>
+          <a:p>
+            <a:pPr>
               <a:spcBef>
-                <a:spcPts val="1800"/>
+                <a:spcPts val="2400"/>
               </a:spcBef>
             </a:pPr>
             <a:r>
               <a:rPr lang="pt-BR" sz="2400" dirty="0" smtClean="0"/>
-              <a:t>Conforme definido pela interface </a:t>
+              <a:t>Desta forma, devemos criar um </a:t>
+            </a:r>
+            <a:r>
+              <a:rPr lang="pt-BR" sz="2400" dirty="0" err="1" smtClean="0"/>
+              <a:t>Comparator</a:t>
+            </a:r>
+            <a:r>
+              <a:rPr lang="pt-BR" sz="2400" dirty="0" smtClean="0"/>
+              <a:t> específico para a classificação desejada e assinalar sua instância no </a:t>
             </a:r>
             <a:r>
               <a:rPr lang="pt-BR" sz="2400" dirty="0" err="1" smtClean="0"/>
@@ -18830,15 +18875,7 @@
             </a:r>
             <a:r>
               <a:rPr lang="pt-BR" sz="2400" dirty="0" smtClean="0"/>
-              <a:t>, esta classe permite a utilização de um </a:t>
-            </a:r>
-            <a:r>
-              <a:rPr lang="pt-BR" sz="2400" dirty="0" err="1" smtClean="0"/>
-              <a:t>Comparator</a:t>
-            </a:r>
-            <a:r>
-              <a:rPr lang="pt-BR" sz="2400" dirty="0" smtClean="0"/>
-              <a:t> para definir uma ordenação diferente da ordenação natural.</a:t>
+              <a:t> a ser utilizado antes de adicionar qualquer objeto nele.</a:t>
             </a:r>
           </a:p>
         </p:txBody>
@@ -18906,7 +18943,7 @@
       </p:grpSpPr>
       <p:sp>
         <p:nvSpPr>
-          <p:cNvPr id="2" name="Título 1"/>
+          <p:cNvPr id="9218" name="Título 1"/>
           <p:cNvSpPr>
             <a:spLocks noGrp="1"/>
           </p:cNvSpPr>
@@ -18932,16 +18969,16 @@
           <a:lstStyle/>
           <a:p>
             <a:r>
-              <a:rPr lang="pt-BR" dirty="0" smtClean="0"/>
-              <a:t>Exercício</a:t>
-            </a:r>
-            <a:endParaRPr lang="pt-BR" dirty="0"/>
+              <a:rPr lang="pt-BR" dirty="0" err="1" smtClean="0"/>
+              <a:t>SortedSet</a:t>
+            </a:r>
+            <a:endParaRPr lang="pt-BR" dirty="0" smtClean="0"/>
           </a:p>
         </p:txBody>
       </p:sp>
       <p:sp>
         <p:nvSpPr>
-          <p:cNvPr id="3" name="Espaço Reservado para Conteúdo 2"/>
+          <p:cNvPr id="13" name="Espaço Reservado para Conteúdo 12"/>
           <p:cNvSpPr>
             <a:spLocks noGrp="1"/>
           </p:cNvSpPr>
@@ -18949,18 +18986,573 @@
             <p:ph idx="1"/>
           </p:nvPr>
         </p:nvSpPr>
-        <p:spPr/>
+        <p:spPr>
+          <a:xfrm>
+            <a:off x="457200" y="1196752"/>
+            <a:ext cx="7467600" cy="4525963"/>
+          </a:xfrm>
+        </p:spPr>
         <p:txBody>
           <a:bodyPr/>
           <a:lstStyle/>
           <a:p>
-            <a:endParaRPr lang="pt-BR"/>
+            <a:pPr>
+              <a:spcBef>
+                <a:spcPts val="2400"/>
+              </a:spcBef>
+            </a:pPr>
+            <a:r>
+              <a:rPr lang="pt-BR" sz="2400" dirty="0" err="1" smtClean="0"/>
+              <a:t>SortedSet</a:t>
+            </a:r>
+            <a:r>
+              <a:rPr lang="pt-BR" sz="2400" dirty="0" smtClean="0"/>
+              <a:t> com </a:t>
+            </a:r>
+            <a:r>
+              <a:rPr lang="pt-BR" sz="2400" dirty="0" err="1" smtClean="0"/>
+              <a:t>Comparator</a:t>
+            </a:r>
+            <a:endParaRPr lang="pt-BR" sz="2400" dirty="0" smtClean="0"/>
+          </a:p>
+          <a:p>
+            <a:pPr marL="1074738" lvl="1" indent="-625475">
+              <a:spcBef>
+                <a:spcPts val="0"/>
+              </a:spcBef>
+              <a:buNone/>
+            </a:pPr>
+            <a:endParaRPr lang="pt-BR" sz="2000" dirty="0" smtClean="0"/>
+          </a:p>
+          <a:p>
+            <a:pPr marL="449263" lvl="1" indent="0" defTabSz="900113">
+              <a:spcBef>
+                <a:spcPts val="0"/>
+              </a:spcBef>
+              <a:buNone/>
+              <a:tabLst>
+                <a:tab pos="900113" algn="l"/>
+                <a:tab pos="1349375" algn="l"/>
+                <a:tab pos="1800225" algn="l"/>
+              </a:tabLst>
+            </a:pPr>
+            <a:r>
+              <a:rPr lang="pt-BR" sz="2000" dirty="0" err="1" smtClean="0">
+                <a:solidFill>
+                  <a:srgbClr val="FFC000"/>
+                </a:solidFill>
+              </a:rPr>
+              <a:t>SortedSet</a:t>
+            </a:r>
+            <a:r>
+              <a:rPr lang="pt-BR" sz="2000" dirty="0" smtClean="0">
+                <a:solidFill>
+                  <a:srgbClr val="FFC000"/>
+                </a:solidFill>
+              </a:rPr>
+              <a:t>&lt;Cliente&gt;</a:t>
+            </a:r>
+            <a:r>
+              <a:rPr lang="pt-BR" sz="2000" dirty="0" smtClean="0"/>
+              <a:t> set = </a:t>
+            </a:r>
+            <a:r>
+              <a:rPr lang="pt-BR" sz="2000" dirty="0" err="1" smtClean="0"/>
+              <a:t>new</a:t>
+            </a:r>
+            <a:r>
+              <a:rPr lang="pt-BR" sz="2000" dirty="0" smtClean="0"/>
+              <a:t> </a:t>
+            </a:r>
+            <a:r>
+              <a:rPr lang="pt-BR" sz="2000" dirty="0" err="1" smtClean="0"/>
+              <a:t>TreeSet</a:t>
+            </a:r>
+            <a:r>
+              <a:rPr lang="pt-BR" sz="2000" dirty="0" smtClean="0"/>
+              <a:t>&lt;</a:t>
+            </a:r>
+            <a:r>
+              <a:rPr lang="pt-BR" sz="2000" dirty="0" smtClean="0">
+                <a:solidFill>
+                  <a:srgbClr val="FFC000"/>
+                </a:solidFill>
+              </a:rPr>
+              <a:t>Cliente</a:t>
+            </a:r>
+            <a:r>
+              <a:rPr lang="pt-BR" sz="2000" dirty="0" smtClean="0"/>
+              <a:t>&gt;(</a:t>
+            </a:r>
+          </a:p>
+          <a:p>
+            <a:pPr marL="449263" lvl="1" indent="0" defTabSz="900113">
+              <a:spcBef>
+                <a:spcPts val="0"/>
+              </a:spcBef>
+              <a:buNone/>
+              <a:tabLst>
+                <a:tab pos="900113" algn="l"/>
+                <a:tab pos="1349375" algn="l"/>
+                <a:tab pos="1800225" algn="l"/>
+              </a:tabLst>
+            </a:pPr>
+            <a:r>
+              <a:rPr lang="pt-BR" sz="2000" dirty="0" smtClean="0"/>
+              <a:t>	</a:t>
+            </a:r>
+            <a:r>
+              <a:rPr lang="pt-BR" sz="2000" dirty="0" err="1" smtClean="0"/>
+              <a:t>new</a:t>
+            </a:r>
+            <a:r>
+              <a:rPr lang="pt-BR" sz="2000" dirty="0" smtClean="0"/>
+              <a:t> </a:t>
+            </a:r>
+            <a:r>
+              <a:rPr lang="pt-BR" sz="2000" dirty="0" err="1" smtClean="0"/>
+              <a:t>Comparator</a:t>
+            </a:r>
+            <a:r>
+              <a:rPr lang="pt-BR" sz="2000" dirty="0" smtClean="0"/>
+              <a:t>&lt;Cliente&gt;() {</a:t>
+            </a:r>
+          </a:p>
+          <a:p>
+            <a:pPr marL="449263" lvl="1" indent="0" defTabSz="900113">
+              <a:spcBef>
+                <a:spcPts val="0"/>
+              </a:spcBef>
+              <a:buNone/>
+              <a:tabLst>
+                <a:tab pos="900113" algn="l"/>
+                <a:tab pos="1349375" algn="l"/>
+                <a:tab pos="1800225" algn="l"/>
+              </a:tabLst>
+            </a:pPr>
+            <a:r>
+              <a:rPr lang="pt-BR" sz="2000" dirty="0" smtClean="0"/>
+              <a:t>		</a:t>
+            </a:r>
+            <a:r>
+              <a:rPr lang="pt-BR" sz="2000" dirty="0" err="1" smtClean="0"/>
+              <a:t>public</a:t>
+            </a:r>
+            <a:r>
+              <a:rPr lang="pt-BR" sz="2000" dirty="0" smtClean="0"/>
+              <a:t> </a:t>
+            </a:r>
+            <a:r>
+              <a:rPr lang="pt-BR" sz="2000" dirty="0" err="1" smtClean="0"/>
+              <a:t>int</a:t>
+            </a:r>
+            <a:r>
+              <a:rPr lang="pt-BR" sz="2000" dirty="0" smtClean="0"/>
+              <a:t> compare(Cliente c1, Cliente c2) {</a:t>
+            </a:r>
+          </a:p>
+          <a:p>
+            <a:pPr marL="449263" lvl="1" indent="0" defTabSz="900113">
+              <a:spcBef>
+                <a:spcPts val="0"/>
+              </a:spcBef>
+              <a:buNone/>
+              <a:tabLst>
+                <a:tab pos="900113" algn="l"/>
+                <a:tab pos="1349375" algn="l"/>
+                <a:tab pos="1800225" algn="l"/>
+              </a:tabLst>
+            </a:pPr>
+            <a:r>
+              <a:rPr lang="pt-BR" sz="2000" dirty="0" smtClean="0"/>
+              <a:t>			</a:t>
+            </a:r>
+            <a:r>
+              <a:rPr lang="pt-BR" sz="2000" dirty="0" err="1" smtClean="0"/>
+              <a:t>return</a:t>
+            </a:r>
+            <a:r>
+              <a:rPr lang="pt-BR" sz="2000" dirty="0" smtClean="0"/>
+              <a:t> c1.</a:t>
+            </a:r>
+            <a:r>
+              <a:rPr lang="pt-BR" sz="2000" dirty="0" err="1" smtClean="0"/>
+              <a:t>getRg</a:t>
+            </a:r>
+            <a:r>
+              <a:rPr lang="pt-BR" sz="2000" dirty="0" smtClean="0"/>
+              <a:t>().</a:t>
+            </a:r>
+            <a:r>
+              <a:rPr lang="pt-BR" sz="2000" dirty="0" err="1" smtClean="0"/>
+              <a:t>compareTo</a:t>
+            </a:r>
+            <a:r>
+              <a:rPr lang="pt-BR" sz="2000" dirty="0" smtClean="0"/>
+              <a:t>(c2.</a:t>
+            </a:r>
+            <a:r>
+              <a:rPr lang="pt-BR" sz="2000" dirty="0" err="1" smtClean="0"/>
+              <a:t>getRg</a:t>
+            </a:r>
+            <a:r>
+              <a:rPr lang="pt-BR" sz="2000" dirty="0" smtClean="0"/>
+              <a:t>());</a:t>
+            </a:r>
+          </a:p>
+          <a:p>
+            <a:pPr marL="449263" lvl="1" indent="0" defTabSz="900113">
+              <a:spcBef>
+                <a:spcPts val="0"/>
+              </a:spcBef>
+              <a:buNone/>
+              <a:tabLst>
+                <a:tab pos="900113" algn="l"/>
+                <a:tab pos="1349375" algn="l"/>
+                <a:tab pos="1800225" algn="l"/>
+              </a:tabLst>
+            </a:pPr>
+            <a:r>
+              <a:rPr lang="pt-BR" sz="2000" dirty="0" smtClean="0"/>
+              <a:t>		}</a:t>
+            </a:r>
+          </a:p>
+          <a:p>
+            <a:pPr marL="449263" lvl="1" indent="0" defTabSz="900113">
+              <a:spcBef>
+                <a:spcPts val="0"/>
+              </a:spcBef>
+              <a:buNone/>
+              <a:tabLst>
+                <a:tab pos="900113" algn="l"/>
+                <a:tab pos="1349375" algn="l"/>
+                <a:tab pos="1800225" algn="l"/>
+              </a:tabLst>
+            </a:pPr>
+            <a:r>
+              <a:rPr lang="pt-BR" sz="2000" dirty="0" smtClean="0"/>
+              <a:t>	});</a:t>
+            </a:r>
+          </a:p>
+          <a:p>
+            <a:pPr marL="449263" lvl="1" indent="0" defTabSz="900113">
+              <a:spcBef>
+                <a:spcPts val="0"/>
+              </a:spcBef>
+              <a:buNone/>
+              <a:tabLst>
+                <a:tab pos="900113" algn="l"/>
+                <a:tab pos="1349375" algn="l"/>
+                <a:tab pos="1800225" algn="l"/>
+              </a:tabLst>
+            </a:pPr>
+            <a:r>
+              <a:rPr lang="pt-BR" sz="2000" dirty="0" err="1" smtClean="0"/>
+              <a:t>set.</a:t>
+            </a:r>
+            <a:r>
+              <a:rPr lang="pt-BR" sz="2000" dirty="0" err="1" smtClean="0">
+                <a:solidFill>
+                  <a:srgbClr val="FFC000"/>
+                </a:solidFill>
+              </a:rPr>
+              <a:t>add</a:t>
+            </a:r>
+            <a:r>
+              <a:rPr lang="pt-BR" sz="2000" dirty="0" smtClean="0">
+                <a:solidFill>
+                  <a:srgbClr val="FFC000"/>
+                </a:solidFill>
+              </a:rPr>
+              <a:t>(</a:t>
+            </a:r>
+            <a:r>
+              <a:rPr lang="pt-BR" sz="2000" dirty="0" err="1" smtClean="0"/>
+              <a:t>new</a:t>
+            </a:r>
+            <a:r>
+              <a:rPr lang="pt-BR" sz="2000" dirty="0" smtClean="0"/>
+              <a:t> Cliente(“897822-9”, “Manuel”, “Rua 5”)</a:t>
+            </a:r>
+            <a:r>
+              <a:rPr lang="pt-BR" sz="2000" dirty="0" smtClean="0">
+                <a:solidFill>
+                  <a:srgbClr val="FFC000"/>
+                </a:solidFill>
+              </a:rPr>
+              <a:t>)</a:t>
+            </a:r>
+            <a:r>
+              <a:rPr lang="pt-BR" sz="2000" dirty="0" smtClean="0"/>
+              <a:t>;</a:t>
+            </a:r>
+          </a:p>
+          <a:p>
+            <a:pPr marL="449263" lvl="1" indent="0" defTabSz="900113">
+              <a:spcBef>
+                <a:spcPts val="0"/>
+              </a:spcBef>
+              <a:buNone/>
+              <a:tabLst>
+                <a:tab pos="900113" algn="l"/>
+                <a:tab pos="1349375" algn="l"/>
+                <a:tab pos="1800225" algn="l"/>
+              </a:tabLst>
+            </a:pPr>
+            <a:r>
+              <a:rPr lang="pt-BR" sz="2000" dirty="0" err="1" smtClean="0"/>
+              <a:t>set.</a:t>
+            </a:r>
+            <a:r>
+              <a:rPr lang="pt-BR" sz="2000" dirty="0" err="1" smtClean="0">
+                <a:solidFill>
+                  <a:srgbClr val="FFC000"/>
+                </a:solidFill>
+              </a:rPr>
+              <a:t>add</a:t>
+            </a:r>
+            <a:r>
+              <a:rPr lang="pt-BR" sz="2000" dirty="0" smtClean="0">
+                <a:solidFill>
+                  <a:srgbClr val="FFC000"/>
+                </a:solidFill>
+              </a:rPr>
+              <a:t>(</a:t>
+            </a:r>
+            <a:r>
+              <a:rPr lang="pt-BR" sz="2000" dirty="0" err="1" smtClean="0"/>
+              <a:t>new</a:t>
+            </a:r>
+            <a:r>
+              <a:rPr lang="pt-BR" sz="2000" dirty="0" smtClean="0"/>
+              <a:t> Cliente(“76836-7”, “Ricardo”, “Av. Central, 23”)</a:t>
+            </a:r>
+            <a:r>
+              <a:rPr lang="pt-BR" sz="2000" dirty="0" smtClean="0">
+                <a:solidFill>
+                  <a:srgbClr val="FFC000"/>
+                </a:solidFill>
+              </a:rPr>
+              <a:t>)</a:t>
+            </a:r>
+            <a:r>
+              <a:rPr lang="pt-BR" sz="2000" dirty="0" smtClean="0"/>
+              <a:t>;</a:t>
+            </a:r>
+          </a:p>
+          <a:p>
+            <a:pPr marL="449263" lvl="1" indent="0" defTabSz="900113">
+              <a:spcBef>
+                <a:spcPts val="0"/>
+              </a:spcBef>
+              <a:buNone/>
+              <a:tabLst>
+                <a:tab pos="900113" algn="l"/>
+                <a:tab pos="1349375" algn="l"/>
+                <a:tab pos="1800225" algn="l"/>
+              </a:tabLst>
+            </a:pPr>
+            <a:r>
+              <a:rPr lang="pt-BR" sz="2000" dirty="0" err="1" smtClean="0"/>
+              <a:t>set.</a:t>
+            </a:r>
+            <a:r>
+              <a:rPr lang="pt-BR" sz="2000" dirty="0" err="1" smtClean="0">
+                <a:solidFill>
+                  <a:srgbClr val="FFC000"/>
+                </a:solidFill>
+              </a:rPr>
+              <a:t>add</a:t>
+            </a:r>
+            <a:r>
+              <a:rPr lang="pt-BR" sz="2000" dirty="0" smtClean="0">
+                <a:solidFill>
+                  <a:srgbClr val="FFC000"/>
+                </a:solidFill>
+              </a:rPr>
+              <a:t>(</a:t>
+            </a:r>
+            <a:r>
+              <a:rPr lang="pt-BR" sz="2000" dirty="0" err="1" smtClean="0"/>
+              <a:t>new</a:t>
+            </a:r>
+            <a:r>
+              <a:rPr lang="pt-BR" sz="2000" dirty="0" smtClean="0"/>
+              <a:t> Cliente(“3945651-1”, “Joaquim”, “Rua 35”)</a:t>
+            </a:r>
+            <a:r>
+              <a:rPr lang="pt-BR" sz="2000" dirty="0" smtClean="0">
+                <a:solidFill>
+                  <a:srgbClr val="FFC000"/>
+                </a:solidFill>
+              </a:rPr>
+              <a:t>)</a:t>
+            </a:r>
+            <a:r>
+              <a:rPr lang="pt-BR" sz="2000" dirty="0" smtClean="0"/>
+              <a:t>;</a:t>
+            </a:r>
+          </a:p>
+          <a:p>
+            <a:pPr marL="449263" lvl="1" indent="0" defTabSz="900113">
+              <a:spcBef>
+                <a:spcPts val="0"/>
+              </a:spcBef>
+              <a:buNone/>
+              <a:tabLst>
+                <a:tab pos="900113" algn="l"/>
+                <a:tab pos="1349375" algn="l"/>
+                <a:tab pos="1800225" algn="l"/>
+              </a:tabLst>
+            </a:pPr>
+            <a:r>
+              <a:rPr lang="pt-BR" sz="2000" dirty="0" err="1" smtClean="0"/>
+              <a:t>set.</a:t>
+            </a:r>
+            <a:r>
+              <a:rPr lang="pt-BR" sz="2000" dirty="0" err="1" smtClean="0">
+                <a:solidFill>
+                  <a:srgbClr val="FFC000"/>
+                </a:solidFill>
+              </a:rPr>
+              <a:t>add</a:t>
+            </a:r>
+            <a:r>
+              <a:rPr lang="pt-BR" sz="2000" dirty="0" smtClean="0">
+                <a:solidFill>
+                  <a:srgbClr val="FFC000"/>
+                </a:solidFill>
+              </a:rPr>
+              <a:t>(</a:t>
+            </a:r>
+            <a:r>
+              <a:rPr lang="pt-BR" sz="2000" dirty="0" err="1" smtClean="0"/>
+              <a:t>new</a:t>
+            </a:r>
+            <a:r>
+              <a:rPr lang="pt-BR" sz="2000" dirty="0" smtClean="0"/>
+              <a:t> Cliente(“1874309-5”, “Maria”, “Alameda XV”)</a:t>
+            </a:r>
+            <a:r>
+              <a:rPr lang="pt-BR" sz="2000" dirty="0" smtClean="0">
+                <a:solidFill>
+                  <a:srgbClr val="FFC000"/>
+                </a:solidFill>
+              </a:rPr>
+              <a:t>)</a:t>
+            </a:r>
+            <a:r>
+              <a:rPr lang="pt-BR" sz="2000" dirty="0" smtClean="0"/>
+              <a:t>;</a:t>
+            </a:r>
+          </a:p>
+          <a:p>
+            <a:pPr marL="449263" lvl="1" indent="0" defTabSz="900113">
+              <a:spcBef>
+                <a:spcPts val="0"/>
+              </a:spcBef>
+              <a:buNone/>
+              <a:tabLst>
+                <a:tab pos="900113" algn="l"/>
+                <a:tab pos="1349375" algn="l"/>
+                <a:tab pos="1800225" algn="l"/>
+              </a:tabLst>
+            </a:pPr>
+            <a:endParaRPr lang="pt-BR" sz="2000" dirty="0" smtClean="0"/>
+          </a:p>
+          <a:p>
+            <a:pPr marL="449263" lvl="1" indent="0" defTabSz="900113">
+              <a:spcBef>
+                <a:spcPts val="0"/>
+              </a:spcBef>
+              <a:buNone/>
+              <a:tabLst>
+                <a:tab pos="900113" algn="l"/>
+                <a:tab pos="1349375" algn="l"/>
+                <a:tab pos="1800225" algn="l"/>
+              </a:tabLst>
+            </a:pPr>
+            <a:r>
+              <a:rPr lang="pt-BR" sz="2000" dirty="0" smtClean="0">
+                <a:solidFill>
+                  <a:schemeClr val="accent6"/>
+                </a:solidFill>
+              </a:rPr>
+              <a:t>/* Exibe os elementos ordenados pelo RG */</a:t>
+            </a:r>
+          </a:p>
+          <a:p>
+            <a:pPr marL="449263" lvl="1" indent="0" defTabSz="900113">
+              <a:spcBef>
+                <a:spcPts val="0"/>
+              </a:spcBef>
+              <a:buNone/>
+              <a:tabLst>
+                <a:tab pos="900113" algn="l"/>
+                <a:tab pos="1349375" algn="l"/>
+                <a:tab pos="1800225" algn="l"/>
+              </a:tabLst>
+            </a:pPr>
+            <a:r>
+              <a:rPr lang="pt-BR" sz="2000" dirty="0" smtClean="0"/>
+              <a:t>for (Cliente c : set) {</a:t>
+            </a:r>
+          </a:p>
+          <a:p>
+            <a:pPr marL="449263" lvl="1" indent="0" defTabSz="900113">
+              <a:spcBef>
+                <a:spcPts val="0"/>
+              </a:spcBef>
+              <a:buNone/>
+              <a:tabLst>
+                <a:tab pos="900113" algn="l"/>
+                <a:tab pos="1349375" algn="l"/>
+                <a:tab pos="1800225" algn="l"/>
+              </a:tabLst>
+            </a:pPr>
+            <a:r>
+              <a:rPr lang="pt-BR" sz="2000" dirty="0" smtClean="0"/>
+              <a:t>	System.</a:t>
+            </a:r>
+            <a:r>
+              <a:rPr lang="pt-BR" sz="2000" dirty="0" err="1" smtClean="0"/>
+              <a:t>out.println</a:t>
+            </a:r>
+            <a:r>
+              <a:rPr lang="pt-BR" sz="2000" dirty="0" smtClean="0"/>
+              <a:t>(</a:t>
+            </a:r>
+            <a:r>
+              <a:rPr lang="pt-BR" sz="2000" dirty="0" err="1" smtClean="0"/>
+              <a:t>c.getNome</a:t>
+            </a:r>
+            <a:r>
+              <a:rPr lang="pt-BR" sz="2000" dirty="0" smtClean="0"/>
+              <a:t>());</a:t>
+            </a:r>
+          </a:p>
+          <a:p>
+            <a:pPr marL="449263" lvl="1" indent="0" defTabSz="900113">
+              <a:spcBef>
+                <a:spcPts val="0"/>
+              </a:spcBef>
+              <a:buNone/>
+              <a:tabLst>
+                <a:tab pos="900113" algn="l"/>
+                <a:tab pos="1349375" algn="l"/>
+                <a:tab pos="1800225" algn="l"/>
+              </a:tabLst>
+            </a:pPr>
+            <a:r>
+              <a:rPr lang="pt-BR" sz="2000" dirty="0" smtClean="0"/>
+              <a:t>}</a:t>
+            </a:r>
           </a:p>
         </p:txBody>
       </p:sp>
       <p:sp>
         <p:nvSpPr>
-          <p:cNvPr id="4" name="Espaço Reservado para Número de Slide 3"/>
+          <p:cNvPr id="15" name="Espaço Reservado para Número de Slide 14"/>
           <p:cNvSpPr>
             <a:spLocks noGrp="1"/>
           </p:cNvSpPr>
@@ -19021,7 +19613,7 @@
       </p:grpSpPr>
       <p:sp>
         <p:nvSpPr>
-          <p:cNvPr id="18434" name="Título 1"/>
+          <p:cNvPr id="9218" name="Título 1"/>
           <p:cNvSpPr>
             <a:spLocks noGrp="1"/>
           </p:cNvSpPr>
@@ -19030,33 +19622,30 @@
           </p:nvPr>
         </p:nvSpPr>
         <p:spPr>
-          <a:noFill/>
-          <a:ln w="9525">
-            <a:noFill/>
-            <a:miter lim="800000"/>
-            <a:headEnd/>
-            <a:tailEnd/>
-          </a:ln>
+          <a:xfrm>
+            <a:off x="457200" y="274638"/>
+            <a:ext cx="8075240" cy="1143000"/>
+          </a:xfrm>
         </p:spPr>
         <p:txBody>
-          <a:bodyPr vert="horz" wrap="square" lIns="45720" tIns="45720" rIns="45720" bIns="45720" numCol="1" anchor="ctr" anchorCtr="0" compatLnSpc="1">
-            <a:prstTxWarp prst="textNoShape">
-              <a:avLst/>
-            </a:prstTxWarp>
-          </a:bodyPr>
+          <a:bodyPr/>
           <a:lstStyle/>
           <a:p>
+            <a:pPr eaLnBrk="1" hangingPunct="1"/>
             <a:r>
               <a:rPr lang="pt-BR" dirty="0" err="1" smtClean="0"/>
-              <a:t>Map</a:t>
-            </a:r>
-            <a:endParaRPr lang="pt-BR" dirty="0" smtClean="0"/>
+              <a:t>SortedSet</a:t>
+            </a:r>
+            <a:r>
+              <a:rPr lang="pt-BR" dirty="0" smtClean="0"/>
+              <a:t> – Principais métodos</a:t>
+            </a:r>
           </a:p>
         </p:txBody>
       </p:sp>
       <p:sp>
         <p:nvSpPr>
-          <p:cNvPr id="18435" name="Espaço Reservado para Conteúdo 2"/>
+          <p:cNvPr id="13" name="Espaço Reservado para Conteúdo 12"/>
           <p:cNvSpPr>
             <a:spLocks noGrp="1"/>
           </p:cNvSpPr>
@@ -19067,76 +19656,167 @@
         <p:spPr>
           <a:xfrm>
             <a:off x="457200" y="1600200"/>
-            <a:ext cx="7859216" cy="4525963"/>
+            <a:ext cx="7931224" cy="4525963"/>
           </a:xfrm>
         </p:spPr>
         <p:txBody>
           <a:bodyPr/>
           <a:lstStyle/>
           <a:p>
-            <a:r>
-              <a:rPr lang="pt-BR" dirty="0" smtClean="0"/>
-              <a:t>Conjunto de dados indexados semelhante a uma lista (</a:t>
-            </a:r>
-            <a:r>
-              <a:rPr lang="pt-BR" dirty="0" err="1" smtClean="0"/>
-              <a:t>List</a:t>
-            </a:r>
-            <a:r>
-              <a:rPr lang="pt-BR" dirty="0" smtClean="0"/>
-              <a:t>).</a:t>
+            <a:pPr>
+              <a:spcBef>
+                <a:spcPts val="1200"/>
+              </a:spcBef>
+            </a:pPr>
+            <a:r>
+              <a:rPr lang="pt-BR" sz="2000" dirty="0" err="1" smtClean="0"/>
+              <a:t>first</a:t>
+            </a:r>
+            <a:r>
+              <a:rPr lang="pt-BR" sz="2000" dirty="0" smtClean="0"/>
+              <a:t>()</a:t>
             </a:r>
           </a:p>
           <a:p>
             <a:pPr lvl="1">
               <a:spcBef>
-                <a:spcPts val="3000"/>
+                <a:spcPts val="600"/>
               </a:spcBef>
-              <a:spcAft>
-                <a:spcPts val="3000"/>
-              </a:spcAft>
-            </a:pPr>
-            <a:r>
-              <a:rPr lang="pt-BR" dirty="0" smtClean="0"/>
-              <a:t>Assim como os outros conjuntos visto neste capítulo, o </a:t>
-            </a:r>
-            <a:r>
-              <a:rPr lang="pt-BR" dirty="0" err="1" smtClean="0"/>
-              <a:t>map</a:t>
-            </a:r>
-            <a:r>
-              <a:rPr lang="pt-BR" dirty="0" smtClean="0"/>
-              <a:t> possui tamanho dinâmico. Pode ser aumentado e diminuído</a:t>
-            </a:r>
-          </a:p>
-          <a:p>
-            <a:pPr lvl="1">
-              <a:buNone/>
-            </a:pPr>
-            <a:r>
-              <a:rPr lang="pt-BR" dirty="0" smtClean="0"/>
-              <a:t>Porém...</a:t>
+            </a:pPr>
+            <a:r>
+              <a:rPr lang="pt-BR" sz="1800" dirty="0" smtClean="0"/>
+              <a:t>Retorna o menor elemento do conjunto</a:t>
+            </a:r>
+          </a:p>
+          <a:p>
+            <a:pPr>
+              <a:spcBef>
+                <a:spcPts val="1200"/>
+              </a:spcBef>
+            </a:pPr>
+            <a:r>
+              <a:rPr lang="pt-BR" sz="2000" dirty="0" err="1" smtClean="0"/>
+              <a:t>last</a:t>
+            </a:r>
+            <a:r>
+              <a:rPr lang="pt-BR" sz="2000" dirty="0" smtClean="0"/>
+              <a:t>()</a:t>
             </a:r>
           </a:p>
           <a:p>
             <a:pPr lvl="1">
               <a:spcBef>
-                <a:spcPts val="3000"/>
+                <a:spcPts val="600"/>
               </a:spcBef>
-              <a:spcAft>
-                <a:spcPts val="3000"/>
-              </a:spcAft>
-            </a:pPr>
-            <a:r>
-              <a:rPr lang="pt-BR" dirty="0" smtClean="0"/>
-              <a:t>Também possui índices (chaves), mas estes podem ser Strings ou quaisquer outros objetos.</a:t>
+            </a:pPr>
+            <a:r>
+              <a:rPr lang="pt-BR" sz="1800" dirty="0" smtClean="0"/>
+              <a:t>Retorna o maior elemento do conjunto</a:t>
+            </a:r>
+          </a:p>
+          <a:p>
+            <a:pPr>
+              <a:spcBef>
+                <a:spcPts val="1200"/>
+              </a:spcBef>
+            </a:pPr>
+            <a:r>
+              <a:rPr lang="pt-BR" sz="2000" dirty="0" err="1" smtClean="0"/>
+              <a:t>headSet</a:t>
+            </a:r>
+            <a:r>
+              <a:rPr lang="pt-BR" sz="2000" dirty="0" smtClean="0"/>
+              <a:t>(T)</a:t>
+            </a:r>
+          </a:p>
+          <a:p>
+            <a:pPr lvl="1">
+              <a:spcBef>
+                <a:spcPts val="600"/>
+              </a:spcBef>
+            </a:pPr>
+            <a:r>
+              <a:rPr lang="pt-BR" sz="1800" dirty="0" smtClean="0"/>
+              <a:t>Retorna  um subconjunto também ordenado contendo todos os elementos </a:t>
+            </a:r>
+            <a:r>
+              <a:rPr lang="pt-BR" sz="1800" b="1" dirty="0" smtClean="0"/>
+              <a:t>menores</a:t>
+            </a:r>
+            <a:r>
+              <a:rPr lang="pt-BR" sz="1800" dirty="0" smtClean="0"/>
+              <a:t> que T</a:t>
+            </a:r>
+          </a:p>
+          <a:p>
+            <a:pPr>
+              <a:spcBef>
+                <a:spcPts val="1200"/>
+              </a:spcBef>
+            </a:pPr>
+            <a:r>
+              <a:rPr lang="pt-BR" sz="2000" dirty="0" err="1" smtClean="0"/>
+              <a:t>tailSet</a:t>
+            </a:r>
+            <a:r>
+              <a:rPr lang="pt-BR" sz="2000" dirty="0" smtClean="0"/>
+              <a:t>(T)</a:t>
+            </a:r>
+          </a:p>
+          <a:p>
+            <a:pPr lvl="1">
+              <a:spcBef>
+                <a:spcPts val="600"/>
+              </a:spcBef>
+            </a:pPr>
+            <a:r>
+              <a:rPr lang="pt-BR" sz="1800" dirty="0" smtClean="0"/>
+              <a:t>Retorna um subconjunto também ordenado contendo todos os elementos </a:t>
+            </a:r>
+            <a:r>
+              <a:rPr lang="pt-BR" sz="1800" b="1" dirty="0" smtClean="0"/>
+              <a:t>maiores</a:t>
+            </a:r>
+            <a:r>
+              <a:rPr lang="pt-BR" sz="1800" dirty="0" smtClean="0"/>
+              <a:t> que T</a:t>
+            </a:r>
+          </a:p>
+          <a:p>
+            <a:pPr>
+              <a:spcBef>
+                <a:spcPts val="1200"/>
+              </a:spcBef>
+            </a:pPr>
+            <a:r>
+              <a:rPr lang="pt-BR" sz="2000" dirty="0" smtClean="0"/>
+              <a:t>subSet(T, T)</a:t>
+            </a:r>
+          </a:p>
+          <a:p>
+            <a:pPr lvl="1">
+              <a:spcBef>
+                <a:spcPts val="600"/>
+              </a:spcBef>
+            </a:pPr>
+            <a:r>
+              <a:rPr lang="pt-BR" sz="1800" dirty="0" smtClean="0"/>
+              <a:t>Retorna um subconjunto também ordenado contendo todos os elementos </a:t>
+            </a:r>
+            <a:r>
+              <a:rPr lang="pt-BR" sz="1800" b="1" dirty="0" smtClean="0"/>
+              <a:t>entre os dois itens</a:t>
+            </a:r>
+            <a:r>
+              <a:rPr lang="pt-BR" sz="1800" dirty="0" smtClean="0"/>
+              <a:t> especificados</a:t>
             </a:r>
           </a:p>
         </p:txBody>
       </p:sp>
       <p:sp>
         <p:nvSpPr>
-          <p:cNvPr id="4" name="Espaço Reservado para Número de Slide 3"/>
+          <p:cNvPr id="15" name="Espaço Reservado para Número de Slide 14"/>
           <p:cNvSpPr>
             <a:spLocks noGrp="1"/>
           </p:cNvSpPr>
@@ -19208,6 +19888,516 @@
         <p:spPr>
           <a:xfrm>
             <a:off x="457200" y="274638"/>
+            <a:ext cx="8507288" cy="1143000"/>
+          </a:xfrm>
+          <a:noFill/>
+          <a:ln w="9525">
+            <a:noFill/>
+            <a:miter lim="800000"/>
+            <a:headEnd/>
+            <a:tailEnd/>
+          </a:ln>
+        </p:spPr>
+        <p:txBody>
+          <a:bodyPr vert="horz" wrap="square" lIns="45720" tIns="45720" rIns="45720" bIns="45720" numCol="1" anchor="ctr" anchorCtr="0" compatLnSpc="1">
+            <a:prstTxWarp prst="textNoShape">
+              <a:avLst/>
+            </a:prstTxWarp>
+          </a:bodyPr>
+          <a:lstStyle/>
+          <a:p>
+            <a:r>
+              <a:rPr lang="pt-BR" sz="4200" spc="-150" dirty="0" err="1" smtClean="0"/>
+              <a:t>SortedSet</a:t>
+            </a:r>
+            <a:r>
+              <a:rPr lang="pt-BR" sz="4200" spc="-150" dirty="0" smtClean="0"/>
+              <a:t> – Principal implementação</a:t>
+            </a:r>
+          </a:p>
+        </p:txBody>
+      </p:sp>
+      <p:sp>
+        <p:nvSpPr>
+          <p:cNvPr id="13" name="Espaço Reservado para Conteúdo 12"/>
+          <p:cNvSpPr>
+            <a:spLocks noGrp="1"/>
+          </p:cNvSpPr>
+          <p:nvPr>
+            <p:ph idx="1"/>
+          </p:nvPr>
+        </p:nvSpPr>
+        <p:spPr/>
+        <p:txBody>
+          <a:bodyPr/>
+          <a:lstStyle/>
+          <a:p>
+            <a:pPr>
+              <a:spcBef>
+                <a:spcPts val="1200"/>
+              </a:spcBef>
+            </a:pPr>
+            <a:r>
+              <a:rPr lang="pt-BR" sz="3200" dirty="0" err="1" smtClean="0"/>
+              <a:t>TreeSet</a:t>
+            </a:r>
+            <a:endParaRPr lang="pt-BR" sz="3200" dirty="0" smtClean="0"/>
+          </a:p>
+          <a:p>
+            <a:pPr lvl="1">
+              <a:spcBef>
+                <a:spcPts val="600"/>
+              </a:spcBef>
+            </a:pPr>
+            <a:endParaRPr lang="pt-BR" sz="2400" dirty="0" smtClean="0"/>
+          </a:p>
+          <a:p>
+            <a:pPr lvl="1">
+              <a:spcBef>
+                <a:spcPts val="1800"/>
+              </a:spcBef>
+            </a:pPr>
+            <a:r>
+              <a:rPr lang="pt-BR" sz="2400" dirty="0" smtClean="0"/>
+              <a:t>Uma simples implementação da interface </a:t>
+            </a:r>
+            <a:r>
+              <a:rPr lang="pt-BR" sz="2400" dirty="0" err="1" smtClean="0"/>
+              <a:t>SortedSet</a:t>
+            </a:r>
+            <a:r>
+              <a:rPr lang="pt-BR" sz="2400" dirty="0" smtClean="0"/>
+              <a:t>. Como tal, garante a ordenação natural dos elementos adicionados ao set.</a:t>
+            </a:r>
+          </a:p>
+          <a:p>
+            <a:pPr lvl="1">
+              <a:spcBef>
+                <a:spcPts val="1800"/>
+              </a:spcBef>
+            </a:pPr>
+            <a:r>
+              <a:rPr lang="pt-BR" sz="2400" dirty="0" smtClean="0"/>
+              <a:t>Conforme definido pela interface </a:t>
+            </a:r>
+            <a:r>
+              <a:rPr lang="pt-BR" sz="2400" dirty="0" err="1" smtClean="0"/>
+              <a:t>SortedSet</a:t>
+            </a:r>
+            <a:r>
+              <a:rPr lang="pt-BR" sz="2400" dirty="0" smtClean="0"/>
+              <a:t>, esta classe permite a utilização de um </a:t>
+            </a:r>
+            <a:r>
+              <a:rPr lang="pt-BR" sz="2400" dirty="0" err="1" smtClean="0"/>
+              <a:t>Comparator</a:t>
+            </a:r>
+            <a:r>
+              <a:rPr lang="pt-BR" sz="2400" dirty="0" smtClean="0"/>
+              <a:t> para definir uma ordenação diferente da ordenação natural.</a:t>
+            </a:r>
+          </a:p>
+        </p:txBody>
+      </p:sp>
+      <p:sp>
+        <p:nvSpPr>
+          <p:cNvPr id="15" name="Espaço Reservado para Número de Slide 14"/>
+          <p:cNvSpPr>
+            <a:spLocks noGrp="1"/>
+          </p:cNvSpPr>
+          <p:nvPr>
+            <p:ph type="sldNum" sz="quarter" idx="12"/>
+          </p:nvPr>
+        </p:nvSpPr>
+        <p:spPr/>
+        <p:txBody>
+          <a:bodyPr/>
+          <a:lstStyle/>
+          <a:p>
+            <a:pPr>
+              <a:defRPr/>
+            </a:pPr>
+            <a:fld id="{7E263EA5-71DF-4638-BC15-81D6FFD3C7EB}" type="slidenum">
+              <a:rPr lang="pt-BR" smtClean="0"/>
+              <a:pPr>
+                <a:defRPr/>
+              </a:pPr>
+              <a:t>33</a:t>
+            </a:fld>
+            <a:endParaRPr lang="pt-BR"/>
+          </a:p>
+        </p:txBody>
+      </p:sp>
+    </p:spTree>
+  </p:cSld>
+  <p:clrMapOvr>
+    <a:masterClrMapping/>
+  </p:clrMapOvr>
+  <p:timing>
+    <p:tnLst>
+      <p:par>
+        <p:cTn id="1" dur="indefinite" restart="never" nodeType="tmRoot"/>
+      </p:par>
+    </p:tnLst>
+  </p:timing>
+</p:sld>
+</file>
+
+<file path=ppt/slides/slide34.xml><?xml version="1.0" encoding="utf-8"?>
+<p:sld xmlns:a="http://schemas.openxmlformats.org/drawingml/2006/main" xmlns:r="http://schemas.openxmlformats.org/officeDocument/2006/relationships" xmlns:p="http://schemas.openxmlformats.org/presentationml/2006/main">
+  <p:cSld>
+    <p:spTree>
+      <p:nvGrpSpPr>
+        <p:cNvPr id="1" name=""/>
+        <p:cNvGrpSpPr/>
+        <p:nvPr/>
+      </p:nvGrpSpPr>
+      <p:grpSpPr>
+        <a:xfrm>
+          <a:off x="0" y="0"/>
+          <a:ext cx="0" cy="0"/>
+          <a:chOff x="0" y="0"/>
+          <a:chExt cx="0" cy="0"/>
+        </a:xfrm>
+      </p:grpSpPr>
+      <p:sp>
+        <p:nvSpPr>
+          <p:cNvPr id="2" name="Título 1"/>
+          <p:cNvSpPr>
+            <a:spLocks noGrp="1"/>
+          </p:cNvSpPr>
+          <p:nvPr>
+            <p:ph type="title"/>
+          </p:nvPr>
+        </p:nvSpPr>
+        <p:spPr>
+          <a:noFill/>
+          <a:ln w="9525">
+            <a:noFill/>
+            <a:miter lim="800000"/>
+            <a:headEnd/>
+            <a:tailEnd/>
+          </a:ln>
+        </p:spPr>
+        <p:txBody>
+          <a:bodyPr vert="horz" wrap="square" lIns="45720" tIns="45720" rIns="45720" bIns="45720" numCol="1" anchor="ctr" anchorCtr="0" compatLnSpc="1">
+            <a:prstTxWarp prst="textNoShape">
+              <a:avLst/>
+            </a:prstTxWarp>
+          </a:bodyPr>
+          <a:lstStyle/>
+          <a:p>
+            <a:r>
+              <a:rPr lang="pt-BR" dirty="0" smtClean="0"/>
+              <a:t>Exercício</a:t>
+            </a:r>
+            <a:endParaRPr lang="pt-BR" dirty="0"/>
+          </a:p>
+        </p:txBody>
+      </p:sp>
+      <p:sp>
+        <p:nvSpPr>
+          <p:cNvPr id="3" name="Espaço Reservado para Conteúdo 2"/>
+          <p:cNvSpPr>
+            <a:spLocks noGrp="1"/>
+          </p:cNvSpPr>
+          <p:nvPr>
+            <p:ph idx="1"/>
+          </p:nvPr>
+        </p:nvSpPr>
+        <p:spPr/>
+        <p:txBody>
+          <a:bodyPr/>
+          <a:lstStyle/>
+          <a:p>
+            <a:r>
+              <a:rPr lang="pt-BR" dirty="0" smtClean="0"/>
+              <a:t>Crie a classe </a:t>
+            </a:r>
+            <a:r>
+              <a:rPr lang="pt-BR" dirty="0" err="1" smtClean="0">
+                <a:solidFill>
+                  <a:srgbClr val="FFC000"/>
+                </a:solidFill>
+              </a:rPr>
+              <a:t>ExercicioSet</a:t>
+            </a:r>
+            <a:r>
+              <a:rPr lang="pt-BR" dirty="0" smtClean="0"/>
+              <a:t> que faz o mesmo que a classe </a:t>
+            </a:r>
+            <a:r>
+              <a:rPr lang="pt-BR" dirty="0" err="1" smtClean="0"/>
+              <a:t>ExercicioList</a:t>
+            </a:r>
+            <a:r>
+              <a:rPr lang="pt-BR" dirty="0" smtClean="0"/>
+              <a:t> do exercício anterior mas, utilize dest</a:t>
+            </a:r>
+            <a:r>
+              <a:rPr lang="pt-BR" dirty="0" smtClean="0"/>
+              <a:t>a vez um Set de funcionário.</a:t>
+            </a:r>
+          </a:p>
+          <a:p>
+            <a:r>
+              <a:rPr lang="pt-BR" dirty="0" smtClean="0"/>
+              <a:t>Perceba que ao incluir funcionários com a mesmas características a lista elimina duplicidades e o relatório final não exibe funcionários iguais.</a:t>
+            </a:r>
+            <a:endParaRPr lang="pt-BR" dirty="0" smtClean="0"/>
+          </a:p>
+        </p:txBody>
+      </p:sp>
+      <p:sp>
+        <p:nvSpPr>
+          <p:cNvPr id="4" name="Espaço Reservado para Número de Slide 3"/>
+          <p:cNvSpPr>
+            <a:spLocks noGrp="1"/>
+          </p:cNvSpPr>
+          <p:nvPr>
+            <p:ph type="sldNum" sz="quarter" idx="12"/>
+          </p:nvPr>
+        </p:nvSpPr>
+        <p:spPr/>
+        <p:txBody>
+          <a:bodyPr/>
+          <a:lstStyle/>
+          <a:p>
+            <a:pPr>
+              <a:defRPr/>
+            </a:pPr>
+            <a:fld id="{7E263EA5-71DF-4638-BC15-81D6FFD3C7EB}" type="slidenum">
+              <a:rPr lang="pt-BR" smtClean="0"/>
+              <a:pPr>
+                <a:defRPr/>
+              </a:pPr>
+              <a:t>34</a:t>
+            </a:fld>
+            <a:endParaRPr lang="pt-BR"/>
+          </a:p>
+        </p:txBody>
+      </p:sp>
+    </p:spTree>
+  </p:cSld>
+  <p:clrMapOvr>
+    <a:masterClrMapping/>
+  </p:clrMapOvr>
+  <p:timing>
+    <p:tnLst>
+      <p:par>
+        <p:cTn id="1" dur="indefinite" restart="never" nodeType="tmRoot"/>
+      </p:par>
+    </p:tnLst>
+  </p:timing>
+</p:sld>
+</file>
+
+<file path=ppt/slides/slide35.xml><?xml version="1.0" encoding="utf-8"?>
+<p:sld xmlns:a="http://schemas.openxmlformats.org/drawingml/2006/main" xmlns:r="http://schemas.openxmlformats.org/officeDocument/2006/relationships" xmlns:p="http://schemas.openxmlformats.org/presentationml/2006/main">
+  <p:cSld>
+    <p:spTree>
+      <p:nvGrpSpPr>
+        <p:cNvPr id="1" name=""/>
+        <p:cNvGrpSpPr/>
+        <p:nvPr/>
+      </p:nvGrpSpPr>
+      <p:grpSpPr>
+        <a:xfrm>
+          <a:off x="0" y="0"/>
+          <a:ext cx="0" cy="0"/>
+          <a:chOff x="0" y="0"/>
+          <a:chExt cx="0" cy="0"/>
+        </a:xfrm>
+      </p:grpSpPr>
+      <p:sp>
+        <p:nvSpPr>
+          <p:cNvPr id="18434" name="Título 1"/>
+          <p:cNvSpPr>
+            <a:spLocks noGrp="1"/>
+          </p:cNvSpPr>
+          <p:nvPr>
+            <p:ph type="title"/>
+          </p:nvPr>
+        </p:nvSpPr>
+        <p:spPr>
+          <a:noFill/>
+          <a:ln w="9525">
+            <a:noFill/>
+            <a:miter lim="800000"/>
+            <a:headEnd/>
+            <a:tailEnd/>
+          </a:ln>
+        </p:spPr>
+        <p:txBody>
+          <a:bodyPr vert="horz" wrap="square" lIns="45720" tIns="45720" rIns="45720" bIns="45720" numCol="1" anchor="ctr" anchorCtr="0" compatLnSpc="1">
+            <a:prstTxWarp prst="textNoShape">
+              <a:avLst/>
+            </a:prstTxWarp>
+          </a:bodyPr>
+          <a:lstStyle/>
+          <a:p>
+            <a:r>
+              <a:rPr lang="pt-BR" dirty="0" err="1" smtClean="0"/>
+              <a:t>Map</a:t>
+            </a:r>
+            <a:endParaRPr lang="pt-BR" dirty="0" smtClean="0"/>
+          </a:p>
+        </p:txBody>
+      </p:sp>
+      <p:sp>
+        <p:nvSpPr>
+          <p:cNvPr id="18435" name="Espaço Reservado para Conteúdo 2"/>
+          <p:cNvSpPr>
+            <a:spLocks noGrp="1"/>
+          </p:cNvSpPr>
+          <p:nvPr>
+            <p:ph idx="1"/>
+          </p:nvPr>
+        </p:nvSpPr>
+        <p:spPr>
+          <a:xfrm>
+            <a:off x="457200" y="1600200"/>
+            <a:ext cx="7859216" cy="4525963"/>
+          </a:xfrm>
+        </p:spPr>
+        <p:txBody>
+          <a:bodyPr/>
+          <a:lstStyle/>
+          <a:p>
+            <a:r>
+              <a:rPr lang="pt-BR" dirty="0" smtClean="0"/>
+              <a:t>Conjunto de dados indexados semelhante a uma lista (</a:t>
+            </a:r>
+            <a:r>
+              <a:rPr lang="pt-BR" dirty="0" err="1" smtClean="0"/>
+              <a:t>List</a:t>
+            </a:r>
+            <a:r>
+              <a:rPr lang="pt-BR" dirty="0" smtClean="0"/>
+              <a:t>).</a:t>
+            </a:r>
+          </a:p>
+          <a:p>
+            <a:pPr lvl="1">
+              <a:spcBef>
+                <a:spcPts val="3000"/>
+              </a:spcBef>
+              <a:spcAft>
+                <a:spcPts val="3000"/>
+              </a:spcAft>
+            </a:pPr>
+            <a:r>
+              <a:rPr lang="pt-BR" dirty="0" smtClean="0"/>
+              <a:t>Assim como os outros conjuntos visto neste capítulo, o </a:t>
+            </a:r>
+            <a:r>
+              <a:rPr lang="pt-BR" dirty="0" err="1" smtClean="0"/>
+              <a:t>map</a:t>
+            </a:r>
+            <a:r>
+              <a:rPr lang="pt-BR" dirty="0" smtClean="0"/>
+              <a:t> possui tamanho dinâmico. Pode ser aumentado e diminuído</a:t>
+            </a:r>
+          </a:p>
+          <a:p>
+            <a:pPr lvl="1">
+              <a:buNone/>
+            </a:pPr>
+            <a:r>
+              <a:rPr lang="pt-BR" dirty="0" smtClean="0"/>
+              <a:t>Porém...</a:t>
+            </a:r>
+          </a:p>
+          <a:p>
+            <a:pPr lvl="1">
+              <a:spcBef>
+                <a:spcPts val="3000"/>
+              </a:spcBef>
+              <a:spcAft>
+                <a:spcPts val="3000"/>
+              </a:spcAft>
+            </a:pPr>
+            <a:r>
+              <a:rPr lang="pt-BR" dirty="0" smtClean="0"/>
+              <a:t>Também possui índices (chaves), mas estes podem ser Strings ou quaisquer outros objetos.</a:t>
+            </a:r>
+          </a:p>
+        </p:txBody>
+      </p:sp>
+      <p:sp>
+        <p:nvSpPr>
+          <p:cNvPr id="4" name="Espaço Reservado para Número de Slide 3"/>
+          <p:cNvSpPr>
+            <a:spLocks noGrp="1"/>
+          </p:cNvSpPr>
+          <p:nvPr>
+            <p:ph type="sldNum" sz="quarter" idx="12"/>
+          </p:nvPr>
+        </p:nvSpPr>
+        <p:spPr/>
+        <p:txBody>
+          <a:bodyPr/>
+          <a:lstStyle/>
+          <a:p>
+            <a:pPr>
+              <a:defRPr/>
+            </a:pPr>
+            <a:fld id="{7E263EA5-71DF-4638-BC15-81D6FFD3C7EB}" type="slidenum">
+              <a:rPr lang="pt-BR" smtClean="0"/>
+              <a:pPr>
+                <a:defRPr/>
+              </a:pPr>
+              <a:t>35</a:t>
+            </a:fld>
+            <a:endParaRPr lang="pt-BR"/>
+          </a:p>
+        </p:txBody>
+      </p:sp>
+    </p:spTree>
+  </p:cSld>
+  <p:clrMapOvr>
+    <a:masterClrMapping/>
+  </p:clrMapOvr>
+  <p:timing>
+    <p:tnLst>
+      <p:par>
+        <p:cTn id="1" dur="indefinite" restart="never" nodeType="tmRoot"/>
+      </p:par>
+    </p:tnLst>
+  </p:timing>
+</p:sld>
+</file>
+
+<file path=ppt/slides/slide36.xml><?xml version="1.0" encoding="utf-8"?>
+<p:sld xmlns:a="http://schemas.openxmlformats.org/drawingml/2006/main" xmlns:r="http://schemas.openxmlformats.org/officeDocument/2006/relationships" xmlns:p="http://schemas.openxmlformats.org/presentationml/2006/main">
+  <p:cSld>
+    <p:spTree>
+      <p:nvGrpSpPr>
+        <p:cNvPr id="1" name=""/>
+        <p:cNvGrpSpPr/>
+        <p:nvPr/>
+      </p:nvGrpSpPr>
+      <p:grpSpPr>
+        <a:xfrm>
+          <a:off x="0" y="0"/>
+          <a:ext cx="0" cy="0"/>
+          <a:chOff x="0" y="0"/>
+          <a:chExt cx="0" cy="0"/>
+        </a:xfrm>
+      </p:grpSpPr>
+      <p:sp>
+        <p:nvSpPr>
+          <p:cNvPr id="9218" name="Título 1"/>
+          <p:cNvSpPr>
+            <a:spLocks noGrp="1"/>
+          </p:cNvSpPr>
+          <p:nvPr>
+            <p:ph type="title"/>
+          </p:nvPr>
+        </p:nvSpPr>
+        <p:spPr>
+          <a:xfrm>
+            <a:off x="457200" y="274638"/>
             <a:ext cx="8075240" cy="1143000"/>
           </a:xfrm>
           <a:noFill/>
@@ -19257,7 +20447,7 @@
               <a:pPr>
                 <a:defRPr/>
               </a:pPr>
-              <a:t>33</a:t>
+              <a:t>36</a:t>
             </a:fld>
             <a:endParaRPr lang="pt-BR"/>
           </a:p>
@@ -20404,7 +21594,7 @@
 </p:sld>
 </file>
 
-<file path=ppt/slides/slide34.xml><?xml version="1.0" encoding="utf-8"?>
+<file path=ppt/slides/slide37.xml><?xml version="1.0" encoding="utf-8"?>
 <p:sld xmlns:a="http://schemas.openxmlformats.org/drawingml/2006/main" xmlns:r="http://schemas.openxmlformats.org/officeDocument/2006/relationships" xmlns:p="http://schemas.openxmlformats.org/presentationml/2006/main">
   <p:cSld>
     <p:spTree>
@@ -20483,7 +21673,7 @@
               <a:pPr>
                 <a:defRPr/>
               </a:pPr>
-              <a:t>34</a:t>
+              <a:t>37</a:t>
             </a:fld>
             <a:endParaRPr lang="pt-BR"/>
           </a:p>
@@ -21433,7 +22623,7 @@
 </p:sld>
 </file>
 
-<file path=ppt/slides/slide35.xml><?xml version="1.0" encoding="utf-8"?>
+<file path=ppt/slides/slide38.xml><?xml version="1.0" encoding="utf-8"?>
 <p:sld xmlns:a="http://schemas.openxmlformats.org/drawingml/2006/main" xmlns:r="http://schemas.openxmlformats.org/officeDocument/2006/relationships" xmlns:p="http://schemas.openxmlformats.org/presentationml/2006/main">
   <p:cSld>
     <p:spTree>
@@ -21723,7 +22913,7 @@
               <a:pPr>
                 <a:defRPr/>
               </a:pPr>
-              <a:t>35</a:t>
+              <a:t>38</a:t>
             </a:fld>
             <a:endParaRPr lang="pt-BR"/>
           </a:p>
@@ -21744,7 +22934,7 @@
 </p:sld>
 </file>
 
-<file path=ppt/slides/slide36.xml><?xml version="1.0" encoding="utf-8"?>
+<file path=ppt/slides/slide39.xml><?xml version="1.0" encoding="utf-8"?>
 <p:sld xmlns:a="http://schemas.openxmlformats.org/drawingml/2006/main" xmlns:r="http://schemas.openxmlformats.org/officeDocument/2006/relationships" xmlns:p="http://schemas.openxmlformats.org/presentationml/2006/main">
   <p:cSld>
     <p:spTree>
@@ -22339,7 +23529,7 @@
               <a:pPr>
                 <a:defRPr/>
               </a:pPr>
-              <a:t>36</a:t>
+              <a:t>39</a:t>
             </a:fld>
             <a:endParaRPr lang="pt-BR"/>
           </a:p>
@@ -22643,7 +23833,164 @@
 </p:sld>
 </file>
 
-<file path=ppt/slides/slide37.xml><?xml version="1.0" encoding="utf-8"?>
+<file path=ppt/slides/slide4.xml><?xml version="1.0" encoding="utf-8"?>
+<p:sld xmlns:a="http://schemas.openxmlformats.org/drawingml/2006/main" xmlns:r="http://schemas.openxmlformats.org/officeDocument/2006/relationships" xmlns:p="http://schemas.openxmlformats.org/presentationml/2006/main">
+  <p:cSld>
+    <p:spTree>
+      <p:nvGrpSpPr>
+        <p:cNvPr id="1" name=""/>
+        <p:cNvGrpSpPr/>
+        <p:nvPr/>
+      </p:nvGrpSpPr>
+      <p:grpSpPr>
+        <a:xfrm>
+          <a:off x="0" y="0"/>
+          <a:ext cx="0" cy="0"/>
+          <a:chOff x="0" y="0"/>
+          <a:chExt cx="0" cy="0"/>
+        </a:xfrm>
+      </p:grpSpPr>
+      <p:sp>
+        <p:nvSpPr>
+          <p:cNvPr id="2" name="Título 1"/>
+          <p:cNvSpPr>
+            <a:spLocks noGrp="1"/>
+          </p:cNvSpPr>
+          <p:nvPr>
+            <p:ph type="title"/>
+          </p:nvPr>
+        </p:nvSpPr>
+        <p:spPr>
+          <a:xfrm>
+            <a:off x="457200" y="274638"/>
+            <a:ext cx="8291264" cy="1143000"/>
+          </a:xfrm>
+        </p:spPr>
+        <p:txBody>
+          <a:bodyPr/>
+          <a:lstStyle/>
+          <a:p>
+            <a:r>
+              <a:rPr lang="pt-BR" sz="4400" dirty="0" smtClean="0"/>
+              <a:t>Principais operações de conjuntos</a:t>
+            </a:r>
+            <a:endParaRPr lang="pt-BR" sz="4400" dirty="0"/>
+          </a:p>
+        </p:txBody>
+      </p:sp>
+      <p:sp>
+        <p:nvSpPr>
+          <p:cNvPr id="3" name="Espaço Reservado para Conteúdo 2"/>
+          <p:cNvSpPr>
+            <a:spLocks noGrp="1"/>
+          </p:cNvSpPr>
+          <p:nvPr>
+            <p:ph idx="1"/>
+          </p:nvPr>
+        </p:nvSpPr>
+        <p:spPr>
+          <a:xfrm>
+            <a:off x="457200" y="1600200"/>
+            <a:ext cx="7643192" cy="4525963"/>
+          </a:xfrm>
+        </p:spPr>
+        <p:txBody>
+          <a:bodyPr/>
+          <a:lstStyle/>
+          <a:p>
+            <a:pPr>
+              <a:spcAft>
+                <a:spcPts val="2400"/>
+              </a:spcAft>
+            </a:pPr>
+            <a:r>
+              <a:rPr lang="pt-BR" dirty="0" smtClean="0"/>
+              <a:t>O Java possui diversas estruturas de dados, cada qual com sua particularidade que permitem:</a:t>
+            </a:r>
+          </a:p>
+          <a:p>
+            <a:pPr lvl="1"/>
+            <a:r>
+              <a:rPr lang="pt-BR" sz="2400" dirty="0" smtClean="0"/>
+              <a:t>Adicionar novos itens</a:t>
+            </a:r>
+          </a:p>
+          <a:p>
+            <a:pPr lvl="1"/>
+            <a:r>
+              <a:rPr lang="pt-BR" sz="2400" dirty="0" smtClean="0"/>
+              <a:t>Remover itens existentes</a:t>
+            </a:r>
+          </a:p>
+          <a:p>
+            <a:pPr lvl="1"/>
+            <a:r>
+              <a:rPr lang="pt-BR" sz="2400" dirty="0" smtClean="0"/>
+              <a:t>Limpar todos os item</a:t>
+            </a:r>
+          </a:p>
+          <a:p>
+            <a:pPr lvl="1"/>
+            <a:r>
+              <a:rPr lang="pt-BR" sz="2400" dirty="0" smtClean="0"/>
+              <a:t>Classificar automaticamente um conjunto de itens</a:t>
+            </a:r>
+          </a:p>
+          <a:p>
+            <a:pPr lvl="1"/>
+            <a:r>
+              <a:rPr lang="pt-BR" sz="2400" dirty="0" smtClean="0"/>
+              <a:t>Dentre outras ações</a:t>
+            </a:r>
+            <a:endParaRPr lang="pt-BR" sz="2400" dirty="0"/>
+          </a:p>
+        </p:txBody>
+      </p:sp>
+      <p:sp>
+        <p:nvSpPr>
+          <p:cNvPr id="4" name="Espaço Reservado para Número de Slide 3"/>
+          <p:cNvSpPr>
+            <a:spLocks noGrp="1"/>
+          </p:cNvSpPr>
+          <p:nvPr>
+            <p:ph type="sldNum" sz="quarter" idx="12"/>
+          </p:nvPr>
+        </p:nvSpPr>
+        <p:spPr/>
+        <p:txBody>
+          <a:bodyPr/>
+          <a:lstStyle/>
+          <a:p>
+            <a:pPr>
+              <a:defRPr/>
+            </a:pPr>
+            <a:fld id="{7E263EA5-71DF-4638-BC15-81D6FFD3C7EB}" type="slidenum">
+              <a:rPr lang="pt-BR" smtClean="0"/>
+              <a:pPr>
+                <a:defRPr/>
+              </a:pPr>
+              <a:t>4</a:t>
+            </a:fld>
+            <a:endParaRPr lang="pt-BR"/>
+          </a:p>
+        </p:txBody>
+      </p:sp>
+    </p:spTree>
+  </p:cSld>
+  <p:clrMapOvr>
+    <a:masterClrMapping/>
+  </p:clrMapOvr>
+  <p:timing>
+    <p:tnLst>
+      <p:par>
+        <p:cTn id="1" dur="indefinite" restart="never" nodeType="tmRoot"/>
+      </p:par>
+    </p:tnLst>
+  </p:timing>
+</p:sld>
+</file>
+
+<file path=ppt/slides/slide40.xml><?xml version="1.0" encoding="utf-8"?>
 <p:sld xmlns:a="http://schemas.openxmlformats.org/drawingml/2006/main" xmlns:r="http://schemas.openxmlformats.org/officeDocument/2006/relationships" xmlns:p="http://schemas.openxmlformats.org/presentationml/2006/main">
   <p:cSld>
     <p:spTree>
@@ -23277,7 +24624,7 @@
               <a:pPr>
                 <a:defRPr/>
               </a:pPr>
-              <a:t>37</a:t>
+              <a:t>40</a:t>
             </a:fld>
             <a:endParaRPr lang="pt-BR"/>
           </a:p>
@@ -23298,7 +24645,7 @@
 </p:sld>
 </file>
 
-<file path=ppt/slides/slide38.xml><?xml version="1.0" encoding="utf-8"?>
+<file path=ppt/slides/slide41.xml><?xml version="1.0" encoding="utf-8"?>
 <p:sld xmlns:a="http://schemas.openxmlformats.org/drawingml/2006/main" xmlns:r="http://schemas.openxmlformats.org/officeDocument/2006/relationships" xmlns:p="http://schemas.openxmlformats.org/presentationml/2006/main">
   <p:cSld>
     <p:spTree>
@@ -23591,7 +24938,7 @@
               <a:pPr>
                 <a:defRPr/>
               </a:pPr>
-              <a:t>38</a:t>
+              <a:t>41</a:t>
             </a:fld>
             <a:endParaRPr lang="pt-BR"/>
           </a:p>
@@ -23914,7 +25261,7 @@
 </p:sld>
 </file>
 
-<file path=ppt/slides/slide39.xml><?xml version="1.0" encoding="utf-8"?>
+<file path=ppt/slides/slide42.xml><?xml version="1.0" encoding="utf-8"?>
 <p:sld xmlns:a="http://schemas.openxmlformats.org/drawingml/2006/main" xmlns:r="http://schemas.openxmlformats.org/officeDocument/2006/relationships" xmlns:p="http://schemas.openxmlformats.org/presentationml/2006/main">
   <p:cSld>
     <p:spTree>
@@ -24081,7 +25428,7 @@
               <a:pPr>
                 <a:defRPr/>
               </a:pPr>
-              <a:t>39</a:t>
+              <a:t>42</a:t>
             </a:fld>
             <a:endParaRPr lang="pt-BR"/>
           </a:p>
@@ -24102,164 +25449,7 @@
 </p:sld>
 </file>
 
-<file path=ppt/slides/slide4.xml><?xml version="1.0" encoding="utf-8"?>
-<p:sld xmlns:a="http://schemas.openxmlformats.org/drawingml/2006/main" xmlns:r="http://schemas.openxmlformats.org/officeDocument/2006/relationships" xmlns:p="http://schemas.openxmlformats.org/presentationml/2006/main">
-  <p:cSld>
-    <p:spTree>
-      <p:nvGrpSpPr>
-        <p:cNvPr id="1" name=""/>
-        <p:cNvGrpSpPr/>
-        <p:nvPr/>
-      </p:nvGrpSpPr>
-      <p:grpSpPr>
-        <a:xfrm>
-          <a:off x="0" y="0"/>
-          <a:ext cx="0" cy="0"/>
-          <a:chOff x="0" y="0"/>
-          <a:chExt cx="0" cy="0"/>
-        </a:xfrm>
-      </p:grpSpPr>
-      <p:sp>
-        <p:nvSpPr>
-          <p:cNvPr id="2" name="Título 1"/>
-          <p:cNvSpPr>
-            <a:spLocks noGrp="1"/>
-          </p:cNvSpPr>
-          <p:nvPr>
-            <p:ph type="title"/>
-          </p:nvPr>
-        </p:nvSpPr>
-        <p:spPr>
-          <a:xfrm>
-            <a:off x="457200" y="274638"/>
-            <a:ext cx="8291264" cy="1143000"/>
-          </a:xfrm>
-        </p:spPr>
-        <p:txBody>
-          <a:bodyPr/>
-          <a:lstStyle/>
-          <a:p>
-            <a:r>
-              <a:rPr lang="pt-BR" sz="4400" dirty="0" smtClean="0"/>
-              <a:t>Principais operações de conjuntos</a:t>
-            </a:r>
-            <a:endParaRPr lang="pt-BR" sz="4400" dirty="0"/>
-          </a:p>
-        </p:txBody>
-      </p:sp>
-      <p:sp>
-        <p:nvSpPr>
-          <p:cNvPr id="3" name="Espaço Reservado para Conteúdo 2"/>
-          <p:cNvSpPr>
-            <a:spLocks noGrp="1"/>
-          </p:cNvSpPr>
-          <p:nvPr>
-            <p:ph idx="1"/>
-          </p:nvPr>
-        </p:nvSpPr>
-        <p:spPr>
-          <a:xfrm>
-            <a:off x="457200" y="1600200"/>
-            <a:ext cx="7643192" cy="4525963"/>
-          </a:xfrm>
-        </p:spPr>
-        <p:txBody>
-          <a:bodyPr/>
-          <a:lstStyle/>
-          <a:p>
-            <a:pPr>
-              <a:spcAft>
-                <a:spcPts val="2400"/>
-              </a:spcAft>
-            </a:pPr>
-            <a:r>
-              <a:rPr lang="pt-BR" dirty="0" smtClean="0"/>
-              <a:t>O Java possui diversas estruturas de dados, cada qual com sua particularidade que permitem:</a:t>
-            </a:r>
-          </a:p>
-          <a:p>
-            <a:pPr lvl="1"/>
-            <a:r>
-              <a:rPr lang="pt-BR" sz="2400" dirty="0" smtClean="0"/>
-              <a:t>Adicionar novos itens</a:t>
-            </a:r>
-          </a:p>
-          <a:p>
-            <a:pPr lvl="1"/>
-            <a:r>
-              <a:rPr lang="pt-BR" sz="2400" dirty="0" smtClean="0"/>
-              <a:t>Remover itens existentes</a:t>
-            </a:r>
-          </a:p>
-          <a:p>
-            <a:pPr lvl="1"/>
-            <a:r>
-              <a:rPr lang="pt-BR" sz="2400" dirty="0" smtClean="0"/>
-              <a:t>Limpar todos os item</a:t>
-            </a:r>
-          </a:p>
-          <a:p>
-            <a:pPr lvl="1"/>
-            <a:r>
-              <a:rPr lang="pt-BR" sz="2400" dirty="0" smtClean="0"/>
-              <a:t>Classificar automaticamente um conjunto de itens</a:t>
-            </a:r>
-          </a:p>
-          <a:p>
-            <a:pPr lvl="1"/>
-            <a:r>
-              <a:rPr lang="pt-BR" sz="2400" dirty="0" smtClean="0"/>
-              <a:t>Dentre outras ações</a:t>
-            </a:r>
-            <a:endParaRPr lang="pt-BR" sz="2400" dirty="0"/>
-          </a:p>
-        </p:txBody>
-      </p:sp>
-      <p:sp>
-        <p:nvSpPr>
-          <p:cNvPr id="4" name="Espaço Reservado para Número de Slide 3"/>
-          <p:cNvSpPr>
-            <a:spLocks noGrp="1"/>
-          </p:cNvSpPr>
-          <p:nvPr>
-            <p:ph type="sldNum" sz="quarter" idx="12"/>
-          </p:nvPr>
-        </p:nvSpPr>
-        <p:spPr/>
-        <p:txBody>
-          <a:bodyPr/>
-          <a:lstStyle/>
-          <a:p>
-            <a:pPr>
-              <a:defRPr/>
-            </a:pPr>
-            <a:fld id="{7E263EA5-71DF-4638-BC15-81D6FFD3C7EB}" type="slidenum">
-              <a:rPr lang="pt-BR" smtClean="0"/>
-              <a:pPr>
-                <a:defRPr/>
-              </a:pPr>
-              <a:t>4</a:t>
-            </a:fld>
-            <a:endParaRPr lang="pt-BR"/>
-          </a:p>
-        </p:txBody>
-      </p:sp>
-    </p:spTree>
-  </p:cSld>
-  <p:clrMapOvr>
-    <a:masterClrMapping/>
-  </p:clrMapOvr>
-  <p:timing>
-    <p:tnLst>
-      <p:par>
-        <p:cTn id="1" dur="indefinite" restart="never" nodeType="tmRoot"/>
-      </p:par>
-    </p:tnLst>
-  </p:timing>
-</p:sld>
-</file>
-
-<file path=ppt/slides/slide40.xml><?xml version="1.0" encoding="utf-8"?>
+<file path=ppt/slides/slide43.xml><?xml version="1.0" encoding="utf-8"?>
 <p:sld xmlns:a="http://schemas.openxmlformats.org/drawingml/2006/main" xmlns:r="http://schemas.openxmlformats.org/officeDocument/2006/relationships" xmlns:p="http://schemas.openxmlformats.org/presentationml/2006/main">
   <p:cSld>
     <p:spTree>
@@ -24341,7 +25531,7 @@
               <a:pPr>
                 <a:defRPr/>
               </a:pPr>
-              <a:t>40</a:t>
+              <a:t>43</a:t>
             </a:fld>
             <a:endParaRPr lang="pt-BR"/>
           </a:p>
@@ -24355,7 +25545,7 @@
 </p:sld>
 </file>
 
-<file path=ppt/slides/slide41.xml><?xml version="1.0" encoding="utf-8"?>
+<file path=ppt/slides/slide44.xml><?xml version="1.0" encoding="utf-8"?>
 <p:sld xmlns:a="http://schemas.openxmlformats.org/drawingml/2006/main" xmlns:r="http://schemas.openxmlformats.org/officeDocument/2006/relationships" xmlns:p="http://schemas.openxmlformats.org/presentationml/2006/main">
   <p:cSld>
     <p:spTree>
@@ -24395,11 +25585,7 @@
             <a:pPr eaLnBrk="1" hangingPunct="1"/>
             <a:r>
               <a:rPr lang="pt-BR" sz="4400" dirty="0" smtClean="0"/>
-              <a:t>Collections </a:t>
-            </a:r>
-            <a:r>
-              <a:rPr lang="pt-BR" sz="4400" dirty="0" smtClean="0"/>
-              <a:t>(Visão Geral)</a:t>
+              <a:t>Collections (Visão Geral)</a:t>
             </a:r>
           </a:p>
         </p:txBody>
@@ -25222,7 +26408,7 @@
               <a:pPr>
                 <a:defRPr/>
               </a:pPr>
-              <a:t>41</a:t>
+              <a:t>44</a:t>
             </a:fld>
             <a:endParaRPr lang="pt-BR"/>
           </a:p>
@@ -26633,18 +27819,7 @@
                           <a:ea typeface="+mn-ea"/>
                           <a:cs typeface="+mn-cs"/>
                         </a:rPr>
-                        <a:t>TreeSet&lt;T</a:t>
-                      </a:r>
-                      <a:r>
-                        <a:rPr kumimoji="0" lang="pt-BR" sz="900" b="1" i="0" kern="1200" dirty="0" smtClean="0">
-                          <a:solidFill>
-                            <a:schemeClr val="tx1"/>
-                          </a:solidFill>
-                          <a:latin typeface="+mn-lt"/>
-                          <a:ea typeface="+mn-ea"/>
-                          <a:cs typeface="+mn-cs"/>
-                        </a:rPr>
-                        <a:t>&gt;</a:t>
+                        <a:t>TreeSet&lt;T&gt;</a:t>
                       </a:r>
                       <a:endParaRPr kumimoji="0" lang="pt-BR" sz="900" b="1" i="0" kern="1200" dirty="0">
                         <a:solidFill>
@@ -27557,7 +28732,7 @@
 </p:sld>
 </file>
 
-<file path=ppt/slides/slide42.xml><?xml version="1.0" encoding="utf-8"?>
+<file path=ppt/slides/slide45.xml><?xml version="1.0" encoding="utf-8"?>
 <p:sld xmlns:a="http://schemas.openxmlformats.org/drawingml/2006/main" xmlns:r="http://schemas.openxmlformats.org/officeDocument/2006/relationships" xmlns:p="http://schemas.openxmlformats.org/presentationml/2006/main">
   <p:cSld>
     <p:spTree>
@@ -27592,11 +28767,7 @@
             <a:pPr eaLnBrk="1" hangingPunct="1"/>
             <a:r>
               <a:rPr lang="pt-BR" sz="4400" dirty="0" smtClean="0"/>
-              <a:t>Maps </a:t>
-            </a:r>
-            <a:r>
-              <a:rPr lang="pt-BR" sz="4400" dirty="0" smtClean="0"/>
-              <a:t>(Visão Geral)</a:t>
+              <a:t>Maps (Visão Geral)</a:t>
             </a:r>
           </a:p>
         </p:txBody>
@@ -27624,7 +28795,7 @@
               <a:pPr>
                 <a:defRPr/>
               </a:pPr>
-              <a:t>42</a:t>
+              <a:t>45</a:t>
             </a:fld>
             <a:endParaRPr lang="pt-BR"/>
           </a:p>

--- a/2-Java-Programmer-Modulo-II/10.Capitulo04.pptx
+++ b/2-Java-Programmer-Modulo-II/10.Capitulo04.pptx
@@ -26,33 +26,33 @@
     <p:sldId id="309" r:id="rId17"/>
     <p:sldId id="287" r:id="rId18"/>
     <p:sldId id="288" r:id="rId19"/>
-    <p:sldId id="315" r:id="rId20"/>
-    <p:sldId id="319" r:id="rId21"/>
-    <p:sldId id="320" r:id="rId22"/>
-    <p:sldId id="321" r:id="rId23"/>
-    <p:sldId id="289" r:id="rId24"/>
-    <p:sldId id="290" r:id="rId25"/>
-    <p:sldId id="291" r:id="rId26"/>
-    <p:sldId id="294" r:id="rId27"/>
-    <p:sldId id="295" r:id="rId28"/>
-    <p:sldId id="296" r:id="rId29"/>
-    <p:sldId id="297" r:id="rId30"/>
-    <p:sldId id="298" r:id="rId31"/>
-    <p:sldId id="299" r:id="rId32"/>
-    <p:sldId id="306" r:id="rId33"/>
-    <p:sldId id="311" r:id="rId34"/>
-    <p:sldId id="300" r:id="rId35"/>
-    <p:sldId id="273" r:id="rId36"/>
-    <p:sldId id="301" r:id="rId37"/>
-    <p:sldId id="302" r:id="rId38"/>
-    <p:sldId id="312" r:id="rId39"/>
-    <p:sldId id="305" r:id="rId40"/>
-    <p:sldId id="314" r:id="rId41"/>
-    <p:sldId id="313" r:id="rId42"/>
-    <p:sldId id="274" r:id="rId43"/>
-    <p:sldId id="279" r:id="rId44"/>
-    <p:sldId id="317" r:id="rId45"/>
-    <p:sldId id="318" r:id="rId46"/>
+    <p:sldId id="289" r:id="rId20"/>
+    <p:sldId id="290" r:id="rId21"/>
+    <p:sldId id="291" r:id="rId22"/>
+    <p:sldId id="294" r:id="rId23"/>
+    <p:sldId id="295" r:id="rId24"/>
+    <p:sldId id="296" r:id="rId25"/>
+    <p:sldId id="297" r:id="rId26"/>
+    <p:sldId id="298" r:id="rId27"/>
+    <p:sldId id="299" r:id="rId28"/>
+    <p:sldId id="306" r:id="rId29"/>
+    <p:sldId id="311" r:id="rId30"/>
+    <p:sldId id="273" r:id="rId31"/>
+    <p:sldId id="301" r:id="rId32"/>
+    <p:sldId id="302" r:id="rId33"/>
+    <p:sldId id="322" r:id="rId34"/>
+    <p:sldId id="312" r:id="rId35"/>
+    <p:sldId id="305" r:id="rId36"/>
+    <p:sldId id="314" r:id="rId37"/>
+    <p:sldId id="313" r:id="rId38"/>
+    <p:sldId id="274" r:id="rId39"/>
+    <p:sldId id="317" r:id="rId40"/>
+    <p:sldId id="318" r:id="rId41"/>
+    <p:sldId id="323" r:id="rId42"/>
+    <p:sldId id="324" r:id="rId43"/>
+    <p:sldId id="325" r:id="rId44"/>
+    <p:sldId id="326" r:id="rId45"/>
+    <p:sldId id="327" r:id="rId46"/>
   </p:sldIdLst>
   <p:sldSz cx="9144000" cy="6858000" type="screen4x3"/>
   <p:notesSz cx="6858000" cy="9144000"/>
@@ -293,7 +293,7 @@
               <a:pPr>
                 <a:defRPr/>
               </a:pPr>
-              <a:t>16/05/2012</a:t>
+              <a:t>19/05/2012</a:t>
             </a:fld>
             <a:endParaRPr lang="pt-BR"/>
           </a:p>
@@ -1671,19 +1671,29 @@
       </p:grpSpPr>
       <p:sp>
         <p:nvSpPr>
-          <p:cNvPr id="2" name="Slide Image Placeholder 1"/>
+          <p:cNvPr id="28674" name="Espaço Reservado para Imagem de Slide 1"/>
           <p:cNvSpPr>
-            <a:spLocks noGrp="1" noRot="1" noChangeAspect="1"/>
+            <a:spLocks noGrp="1" noRot="1" noChangeAspect="1" noTextEdit="1"/>
           </p:cNvSpPr>
           <p:nvPr>
             <p:ph type="sldImg"/>
           </p:nvPr>
         </p:nvSpPr>
-        <p:spPr/>
+        <p:spPr bwMode="auto">
+          <a:noFill/>
+          <a:ln>
+            <a:solidFill>
+              <a:srgbClr val="000000"/>
+            </a:solidFill>
+            <a:miter lim="800000"/>
+            <a:headEnd/>
+            <a:tailEnd/>
+          </a:ln>
+        </p:spPr>
       </p:sp>
       <p:sp>
         <p:nvSpPr>
-          <p:cNvPr id="3" name="Notes Placeholder 2"/>
+          <p:cNvPr id="28675" name="Espaço Reservado para Anotações 2"/>
           <p:cNvSpPr>
             <a:spLocks noGrp="1"/>
           </p:cNvSpPr>
@@ -1691,25 +1701,29 @@
             <p:ph type="body" idx="1"/>
           </p:nvPr>
         </p:nvSpPr>
-        <p:spPr/>
+        <p:spPr bwMode="auto">
+          <a:noFill/>
+        </p:spPr>
         <p:txBody>
-          <a:bodyPr>
-            <a:normAutofit/>
+          <a:bodyPr wrap="square" numCol="1" anchor="t" anchorCtr="0" compatLnSpc="1">
+            <a:prstTxWarp prst="textNoShape">
+              <a:avLst/>
+            </a:prstTxWarp>
           </a:bodyPr>
           <a:lstStyle/>
           <a:p>
-            <a:endParaRPr lang="pt-BR"/>
+            <a:endParaRPr lang="pt-BR" smtClean="0"/>
           </a:p>
         </p:txBody>
       </p:sp>
       <p:sp>
         <p:nvSpPr>
-          <p:cNvPr id="4" name="Slide Number Placeholder 3"/>
+          <p:cNvPr id="4" name="Espaço Reservado para Número de Slide 3"/>
           <p:cNvSpPr>
             <a:spLocks noGrp="1"/>
           </p:cNvSpPr>
           <p:nvPr>
-            <p:ph type="sldNum" sz="quarter" idx="10"/>
+            <p:ph type="sldNum" sz="quarter" idx="5"/>
           </p:nvPr>
         </p:nvSpPr>
         <p:spPr/>
@@ -1720,7 +1734,7 @@
             <a:pPr>
               <a:defRPr/>
             </a:pPr>
-            <a:fld id="{26215436-0A3F-4A01-A79E-C3B1BC371DB9}" type="slidenum">
+            <a:fld id="{23075962-84F8-440B-9D32-83156AFD556B}" type="slidenum">
               <a:rPr lang="pt-BR" smtClean="0"/>
               <a:pPr>
                 <a:defRPr/>
@@ -1845,19 +1859,29 @@
       </p:grpSpPr>
       <p:sp>
         <p:nvSpPr>
-          <p:cNvPr id="2" name="Slide Image Placeholder 1"/>
+          <p:cNvPr id="28674" name="Espaço Reservado para Imagem de Slide 1"/>
           <p:cNvSpPr>
-            <a:spLocks noGrp="1" noRot="1" noChangeAspect="1"/>
+            <a:spLocks noGrp="1" noRot="1" noChangeAspect="1" noTextEdit="1"/>
           </p:cNvSpPr>
           <p:nvPr>
             <p:ph type="sldImg"/>
           </p:nvPr>
         </p:nvSpPr>
-        <p:spPr/>
+        <p:spPr bwMode="auto">
+          <a:noFill/>
+          <a:ln>
+            <a:solidFill>
+              <a:srgbClr val="000000"/>
+            </a:solidFill>
+            <a:miter lim="800000"/>
+            <a:headEnd/>
+            <a:tailEnd/>
+          </a:ln>
+        </p:spPr>
       </p:sp>
       <p:sp>
         <p:nvSpPr>
-          <p:cNvPr id="3" name="Notes Placeholder 2"/>
+          <p:cNvPr id="28675" name="Espaço Reservado para Anotações 2"/>
           <p:cNvSpPr>
             <a:spLocks noGrp="1"/>
           </p:cNvSpPr>
@@ -1865,25 +1889,29 @@
             <p:ph type="body" idx="1"/>
           </p:nvPr>
         </p:nvSpPr>
-        <p:spPr/>
+        <p:spPr bwMode="auto">
+          <a:noFill/>
+        </p:spPr>
         <p:txBody>
-          <a:bodyPr>
-            <a:normAutofit/>
+          <a:bodyPr wrap="square" numCol="1" anchor="t" anchorCtr="0" compatLnSpc="1">
+            <a:prstTxWarp prst="textNoShape">
+              <a:avLst/>
+            </a:prstTxWarp>
           </a:bodyPr>
           <a:lstStyle/>
           <a:p>
-            <a:endParaRPr lang="pt-BR"/>
+            <a:endParaRPr lang="pt-BR" smtClean="0"/>
           </a:p>
         </p:txBody>
       </p:sp>
       <p:sp>
         <p:nvSpPr>
-          <p:cNvPr id="4" name="Slide Number Placeholder 3"/>
+          <p:cNvPr id="4" name="Espaço Reservado para Número de Slide 3"/>
           <p:cNvSpPr>
             <a:spLocks noGrp="1"/>
           </p:cNvSpPr>
           <p:nvPr>
-            <p:ph type="sldNum" sz="quarter" idx="10"/>
+            <p:ph type="sldNum" sz="quarter" idx="5"/>
           </p:nvPr>
         </p:nvSpPr>
         <p:spPr/>
@@ -1894,7 +1922,7 @@
             <a:pPr>
               <a:defRPr/>
             </a:pPr>
-            <a:fld id="{26215436-0A3F-4A01-A79E-C3B1BC371DB9}" type="slidenum">
+            <a:fld id="{23075962-84F8-440B-9D32-83156AFD556B}" type="slidenum">
               <a:rPr lang="pt-BR" smtClean="0"/>
               <a:pPr>
                 <a:defRPr/>
@@ -1932,19 +1960,29 @@
       </p:grpSpPr>
       <p:sp>
         <p:nvSpPr>
-          <p:cNvPr id="2" name="Espaço Reservado para Imagem de Slide 1"/>
+          <p:cNvPr id="28674" name="Espaço Reservado para Imagem de Slide 1"/>
           <p:cNvSpPr>
-            <a:spLocks noGrp="1" noRot="1" noChangeAspect="1"/>
+            <a:spLocks noGrp="1" noRot="1" noChangeAspect="1" noTextEdit="1"/>
           </p:cNvSpPr>
           <p:nvPr>
             <p:ph type="sldImg"/>
           </p:nvPr>
         </p:nvSpPr>
-        <p:spPr/>
+        <p:spPr bwMode="auto">
+          <a:noFill/>
+          <a:ln>
+            <a:solidFill>
+              <a:srgbClr val="000000"/>
+            </a:solidFill>
+            <a:miter lim="800000"/>
+            <a:headEnd/>
+            <a:tailEnd/>
+          </a:ln>
+        </p:spPr>
       </p:sp>
       <p:sp>
         <p:nvSpPr>
-          <p:cNvPr id="3" name="Espaço Reservado para Anotações 2"/>
+          <p:cNvPr id="28675" name="Espaço Reservado para Anotações 2"/>
           <p:cNvSpPr>
             <a:spLocks noGrp="1"/>
           </p:cNvSpPr>
@@ -1952,14 +1990,18 @@
             <p:ph type="body" idx="1"/>
           </p:nvPr>
         </p:nvSpPr>
-        <p:spPr/>
+        <p:spPr bwMode="auto">
+          <a:noFill/>
+        </p:spPr>
         <p:txBody>
-          <a:bodyPr>
-            <a:normAutofit/>
+          <a:bodyPr wrap="square" numCol="1" anchor="t" anchorCtr="0" compatLnSpc="1">
+            <a:prstTxWarp prst="textNoShape">
+              <a:avLst/>
+            </a:prstTxWarp>
           </a:bodyPr>
           <a:lstStyle/>
           <a:p>
-            <a:endParaRPr lang="pt-BR"/>
+            <a:endParaRPr lang="pt-BR" smtClean="0"/>
           </a:p>
         </p:txBody>
       </p:sp>
@@ -1970,7 +2012,7 @@
             <a:spLocks noGrp="1"/>
           </p:cNvSpPr>
           <p:nvPr>
-            <p:ph type="sldNum" sz="quarter" idx="10"/>
+            <p:ph type="sldNum" sz="quarter" idx="5"/>
           </p:nvPr>
         </p:nvSpPr>
         <p:spPr/>
@@ -1981,7 +2023,7 @@
             <a:pPr>
               <a:defRPr/>
             </a:pPr>
-            <a:fld id="{26215436-0A3F-4A01-A79E-C3B1BC371DB9}" type="slidenum">
+            <a:fld id="{23075962-84F8-440B-9D32-83156AFD556B}" type="slidenum">
               <a:rPr lang="pt-BR" smtClean="0"/>
               <a:pPr>
                 <a:defRPr/>
@@ -2019,19 +2061,29 @@
       </p:grpSpPr>
       <p:sp>
         <p:nvSpPr>
-          <p:cNvPr id="2" name="Espaço Reservado para Imagem de Slide 1"/>
+          <p:cNvPr id="28674" name="Espaço Reservado para Imagem de Slide 1"/>
           <p:cNvSpPr>
-            <a:spLocks noGrp="1" noRot="1" noChangeAspect="1"/>
+            <a:spLocks noGrp="1" noRot="1" noChangeAspect="1" noTextEdit="1"/>
           </p:cNvSpPr>
           <p:nvPr>
             <p:ph type="sldImg"/>
           </p:nvPr>
         </p:nvSpPr>
-        <p:spPr/>
+        <p:spPr bwMode="auto">
+          <a:noFill/>
+          <a:ln>
+            <a:solidFill>
+              <a:srgbClr val="000000"/>
+            </a:solidFill>
+            <a:miter lim="800000"/>
+            <a:headEnd/>
+            <a:tailEnd/>
+          </a:ln>
+        </p:spPr>
       </p:sp>
       <p:sp>
         <p:nvSpPr>
-          <p:cNvPr id="3" name="Espaço Reservado para Anotações 2"/>
+          <p:cNvPr id="28675" name="Espaço Reservado para Anotações 2"/>
           <p:cNvSpPr>
             <a:spLocks noGrp="1"/>
           </p:cNvSpPr>
@@ -2039,14 +2091,18 @@
             <p:ph type="body" idx="1"/>
           </p:nvPr>
         </p:nvSpPr>
-        <p:spPr/>
+        <p:spPr bwMode="auto">
+          <a:noFill/>
+        </p:spPr>
         <p:txBody>
-          <a:bodyPr>
-            <a:normAutofit/>
+          <a:bodyPr wrap="square" numCol="1" anchor="t" anchorCtr="0" compatLnSpc="1">
+            <a:prstTxWarp prst="textNoShape">
+              <a:avLst/>
+            </a:prstTxWarp>
           </a:bodyPr>
           <a:lstStyle/>
           <a:p>
-            <a:endParaRPr lang="pt-BR"/>
+            <a:endParaRPr lang="pt-BR" smtClean="0"/>
           </a:p>
         </p:txBody>
       </p:sp>
@@ -2057,7 +2113,7 @@
             <a:spLocks noGrp="1"/>
           </p:cNvSpPr>
           <p:nvPr>
-            <p:ph type="sldNum" sz="quarter" idx="10"/>
+            <p:ph type="sldNum" sz="quarter" idx="5"/>
           </p:nvPr>
         </p:nvSpPr>
         <p:spPr/>
@@ -2068,7 +2124,7 @@
             <a:pPr>
               <a:defRPr/>
             </a:pPr>
-            <a:fld id="{26215436-0A3F-4A01-A79E-C3B1BC371DB9}" type="slidenum">
+            <a:fld id="{23075962-84F8-440B-9D32-83156AFD556B}" type="slidenum">
               <a:rPr lang="pt-BR" smtClean="0"/>
               <a:pPr>
                 <a:defRPr/>
@@ -2900,7 +2956,7 @@
       </p:grpSpPr>
       <p:sp>
         <p:nvSpPr>
-          <p:cNvPr id="28674" name="Espaço Reservado para Imagem de Slide 1"/>
+          <p:cNvPr id="37890" name="Espaço Reservado para Imagem de Slide 1"/>
           <p:cNvSpPr>
             <a:spLocks noGrp="1" noRot="1" noChangeAspect="1" noTextEdit="1"/>
           </p:cNvSpPr>
@@ -2922,7 +2978,7 @@
       </p:sp>
       <p:sp>
         <p:nvSpPr>
-          <p:cNvPr id="28675" name="Espaço Reservado para Anotações 2"/>
+          <p:cNvPr id="37891" name="Espaço Reservado para Anotações 2"/>
           <p:cNvSpPr>
             <a:spLocks noGrp="1"/>
           </p:cNvSpPr>
@@ -2963,7 +3019,7 @@
             <a:pPr>
               <a:defRPr/>
             </a:pPr>
-            <a:fld id="{23075962-84F8-440B-9D32-83156AFD556B}" type="slidenum">
+            <a:fld id="{992775EB-D008-416C-A596-0C878C0D72AD}" type="slidenum">
               <a:rPr lang="pt-BR" smtClean="0"/>
               <a:pPr>
                 <a:defRPr/>
@@ -3304,19 +3360,29 @@
       </p:grpSpPr>
       <p:sp>
         <p:nvSpPr>
-          <p:cNvPr id="2" name="Espaço Reservado para Imagem de Slide 1"/>
+          <p:cNvPr id="28674" name="Espaço Reservado para Imagem de Slide 1"/>
           <p:cNvSpPr>
-            <a:spLocks noGrp="1" noRot="1" noChangeAspect="1"/>
+            <a:spLocks noGrp="1" noRot="1" noChangeAspect="1" noTextEdit="1"/>
           </p:cNvSpPr>
           <p:nvPr>
             <p:ph type="sldImg"/>
           </p:nvPr>
         </p:nvSpPr>
-        <p:spPr/>
+        <p:spPr bwMode="auto">
+          <a:noFill/>
+          <a:ln>
+            <a:solidFill>
+              <a:srgbClr val="000000"/>
+            </a:solidFill>
+            <a:miter lim="800000"/>
+            <a:headEnd/>
+            <a:tailEnd/>
+          </a:ln>
+        </p:spPr>
       </p:sp>
       <p:sp>
         <p:nvSpPr>
-          <p:cNvPr id="3" name="Espaço Reservado para Anotações 2"/>
+          <p:cNvPr id="28675" name="Espaço Reservado para Anotações 2"/>
           <p:cNvSpPr>
             <a:spLocks noGrp="1"/>
           </p:cNvSpPr>
@@ -3324,14 +3390,18 @@
             <p:ph type="body" idx="1"/>
           </p:nvPr>
         </p:nvSpPr>
-        <p:spPr/>
+        <p:spPr bwMode="auto">
+          <a:noFill/>
+        </p:spPr>
         <p:txBody>
-          <a:bodyPr>
-            <a:normAutofit/>
+          <a:bodyPr wrap="square" numCol="1" anchor="t" anchorCtr="0" compatLnSpc="1">
+            <a:prstTxWarp prst="textNoShape">
+              <a:avLst/>
+            </a:prstTxWarp>
           </a:bodyPr>
           <a:lstStyle/>
           <a:p>
-            <a:endParaRPr lang="pt-BR"/>
+            <a:endParaRPr lang="pt-BR" smtClean="0"/>
           </a:p>
         </p:txBody>
       </p:sp>
@@ -3342,7 +3412,7 @@
             <a:spLocks noGrp="1"/>
           </p:cNvSpPr>
           <p:nvPr>
-            <p:ph type="sldNum" sz="quarter" idx="10"/>
+            <p:ph type="sldNum" sz="quarter" idx="5"/>
           </p:nvPr>
         </p:nvSpPr>
         <p:spPr/>
@@ -3353,7 +3423,7 @@
             <a:pPr>
               <a:defRPr/>
             </a:pPr>
-            <a:fld id="{26215436-0A3F-4A01-A79E-C3B1BC371DB9}" type="slidenum">
+            <a:fld id="{23075962-84F8-440B-9D32-83156AFD556B}" type="slidenum">
               <a:rPr lang="pt-BR" smtClean="0"/>
               <a:pPr>
                 <a:defRPr/>
@@ -3391,7 +3461,7 @@
       </p:grpSpPr>
       <p:sp>
         <p:nvSpPr>
-          <p:cNvPr id="37890" name="Espaço Reservado para Imagem de Slide 1"/>
+          <p:cNvPr id="28674" name="Espaço Reservado para Imagem de Slide 1"/>
           <p:cNvSpPr>
             <a:spLocks noGrp="1" noRot="1" noChangeAspect="1" noTextEdit="1"/>
           </p:cNvSpPr>
@@ -3413,7 +3483,7 @@
       </p:sp>
       <p:sp>
         <p:nvSpPr>
-          <p:cNvPr id="37891" name="Espaço Reservado para Anotações 2"/>
+          <p:cNvPr id="28675" name="Espaço Reservado para Anotações 2"/>
           <p:cNvSpPr>
             <a:spLocks noGrp="1"/>
           </p:cNvSpPr>
@@ -3454,7 +3524,7 @@
             <a:pPr>
               <a:defRPr/>
             </a:pPr>
-            <a:fld id="{992775EB-D008-416C-A596-0C878C0D72AD}" type="slidenum">
+            <a:fld id="{23075962-84F8-440B-9D32-83156AFD556B}" type="slidenum">
               <a:rPr lang="pt-BR" smtClean="0"/>
               <a:pPr>
                 <a:defRPr/>
@@ -3694,7 +3764,7 @@
       </p:grpSpPr>
       <p:sp>
         <p:nvSpPr>
-          <p:cNvPr id="28674" name="Espaço Reservado para Imagem de Slide 1"/>
+          <p:cNvPr id="38914" name="Espaço Reservado para Imagem de Slide 1"/>
           <p:cNvSpPr>
             <a:spLocks noGrp="1" noRot="1" noChangeAspect="1" noTextEdit="1"/>
           </p:cNvSpPr>
@@ -3716,7 +3786,7 @@
       </p:sp>
       <p:sp>
         <p:nvSpPr>
-          <p:cNvPr id="28675" name="Espaço Reservado para Anotações 2"/>
+          <p:cNvPr id="38915" name="Espaço Reservado para Anotações 2"/>
           <p:cNvSpPr>
             <a:spLocks noGrp="1"/>
           </p:cNvSpPr>
@@ -3757,7 +3827,7 @@
             <a:pPr>
               <a:defRPr/>
             </a:pPr>
-            <a:fld id="{23075962-84F8-440B-9D32-83156AFD556B}" type="slidenum">
+            <a:fld id="{7D2BD56B-C6CB-4963-A738-91B502C7EFB9}" type="slidenum">
               <a:rPr lang="pt-BR" smtClean="0"/>
               <a:pPr>
                 <a:defRPr/>
@@ -4084,29 +4154,19 @@
       </p:grpSpPr>
       <p:sp>
         <p:nvSpPr>
-          <p:cNvPr id="28674" name="Espaço Reservado para Imagem de Slide 1"/>
+          <p:cNvPr id="2" name="Slide Image Placeholder 1"/>
           <p:cNvSpPr>
-            <a:spLocks noGrp="1" noRot="1" noChangeAspect="1" noTextEdit="1"/>
+            <a:spLocks noGrp="1" noRot="1" noChangeAspect="1"/>
           </p:cNvSpPr>
           <p:nvPr>
             <p:ph type="sldImg"/>
           </p:nvPr>
         </p:nvSpPr>
-        <p:spPr bwMode="auto">
-          <a:noFill/>
-          <a:ln>
-            <a:solidFill>
-              <a:srgbClr val="000000"/>
-            </a:solidFill>
-            <a:miter lim="800000"/>
-            <a:headEnd/>
-            <a:tailEnd/>
-          </a:ln>
-        </p:spPr>
+        <p:spPr/>
       </p:sp>
       <p:sp>
         <p:nvSpPr>
-          <p:cNvPr id="28675" name="Espaço Reservado para Anotações 2"/>
+          <p:cNvPr id="3" name="Notes Placeholder 2"/>
           <p:cNvSpPr>
             <a:spLocks noGrp="1"/>
           </p:cNvSpPr>
@@ -4114,29 +4174,25 @@
             <p:ph type="body" idx="1"/>
           </p:nvPr>
         </p:nvSpPr>
-        <p:spPr bwMode="auto">
-          <a:noFill/>
-        </p:spPr>
+        <p:spPr/>
         <p:txBody>
-          <a:bodyPr wrap="square" numCol="1" anchor="t" anchorCtr="0" compatLnSpc="1">
-            <a:prstTxWarp prst="textNoShape">
-              <a:avLst/>
-            </a:prstTxWarp>
+          <a:bodyPr>
+            <a:normAutofit/>
           </a:bodyPr>
           <a:lstStyle/>
           <a:p>
-            <a:endParaRPr lang="pt-BR" smtClean="0"/>
+            <a:endParaRPr lang="pt-BR"/>
           </a:p>
         </p:txBody>
       </p:sp>
       <p:sp>
         <p:nvSpPr>
-          <p:cNvPr id="4" name="Espaço Reservado para Número de Slide 3"/>
+          <p:cNvPr id="4" name="Slide Number Placeholder 3"/>
           <p:cNvSpPr>
             <a:spLocks noGrp="1"/>
           </p:cNvSpPr>
           <p:nvPr>
-            <p:ph type="sldNum" sz="quarter" idx="5"/>
+            <p:ph type="sldNum" sz="quarter" idx="10"/>
           </p:nvPr>
         </p:nvSpPr>
         <p:spPr/>
@@ -4147,7 +4203,7 @@
             <a:pPr>
               <a:defRPr/>
             </a:pPr>
-            <a:fld id="{23075962-84F8-440B-9D32-83156AFD556B}" type="slidenum">
+            <a:fld id="{26215436-0A3F-4A01-A79E-C3B1BC371DB9}" type="slidenum">
               <a:rPr lang="pt-BR" smtClean="0"/>
               <a:pPr>
                 <a:defRPr/>
@@ -4185,29 +4241,19 @@
       </p:grpSpPr>
       <p:sp>
         <p:nvSpPr>
-          <p:cNvPr id="38914" name="Espaço Reservado para Imagem de Slide 1"/>
+          <p:cNvPr id="2" name="Slide Image Placeholder 1"/>
           <p:cNvSpPr>
-            <a:spLocks noGrp="1" noRot="1" noChangeAspect="1" noTextEdit="1"/>
+            <a:spLocks noGrp="1" noRot="1" noChangeAspect="1"/>
           </p:cNvSpPr>
           <p:nvPr>
             <p:ph type="sldImg"/>
           </p:nvPr>
         </p:nvSpPr>
-        <p:spPr bwMode="auto">
-          <a:noFill/>
-          <a:ln>
-            <a:solidFill>
-              <a:srgbClr val="000000"/>
-            </a:solidFill>
-            <a:miter lim="800000"/>
-            <a:headEnd/>
-            <a:tailEnd/>
-          </a:ln>
-        </p:spPr>
+        <p:spPr/>
       </p:sp>
       <p:sp>
         <p:nvSpPr>
-          <p:cNvPr id="38915" name="Espaço Reservado para Anotações 2"/>
+          <p:cNvPr id="3" name="Notes Placeholder 2"/>
           <p:cNvSpPr>
             <a:spLocks noGrp="1"/>
           </p:cNvSpPr>
@@ -4215,29 +4261,25 @@
             <p:ph type="body" idx="1"/>
           </p:nvPr>
         </p:nvSpPr>
-        <p:spPr bwMode="auto">
-          <a:noFill/>
-        </p:spPr>
+        <p:spPr/>
         <p:txBody>
-          <a:bodyPr wrap="square" numCol="1" anchor="t" anchorCtr="0" compatLnSpc="1">
-            <a:prstTxWarp prst="textNoShape">
-              <a:avLst/>
-            </a:prstTxWarp>
+          <a:bodyPr>
+            <a:normAutofit/>
           </a:bodyPr>
           <a:lstStyle/>
           <a:p>
-            <a:endParaRPr lang="pt-BR" smtClean="0"/>
+            <a:endParaRPr lang="pt-BR"/>
           </a:p>
         </p:txBody>
       </p:sp>
       <p:sp>
         <p:nvSpPr>
-          <p:cNvPr id="4" name="Espaço Reservado para Número de Slide 3"/>
+          <p:cNvPr id="4" name="Slide Number Placeholder 3"/>
           <p:cNvSpPr>
             <a:spLocks noGrp="1"/>
           </p:cNvSpPr>
           <p:nvPr>
-            <p:ph type="sldNum" sz="quarter" idx="5"/>
+            <p:ph type="sldNum" sz="quarter" idx="10"/>
           </p:nvPr>
         </p:nvSpPr>
         <p:spPr/>
@@ -4248,7 +4290,7 @@
             <a:pPr>
               <a:defRPr/>
             </a:pPr>
-            <a:fld id="{7D2BD56B-C6CB-4963-A738-91B502C7EFB9}" type="slidenum">
+            <a:fld id="{26215436-0A3F-4A01-A79E-C3B1BC371DB9}" type="slidenum">
               <a:rPr lang="pt-BR" smtClean="0"/>
               <a:pPr>
                 <a:defRPr/>
@@ -4286,29 +4328,19 @@
       </p:grpSpPr>
       <p:sp>
         <p:nvSpPr>
-          <p:cNvPr id="44034" name="Espaço Reservado para Imagem de Slide 1"/>
+          <p:cNvPr id="2" name="Espaço Reservado para Imagem de Slide 1"/>
           <p:cNvSpPr>
-            <a:spLocks noGrp="1" noRot="1" noChangeAspect="1" noTextEdit="1"/>
+            <a:spLocks noGrp="1" noRot="1" noChangeAspect="1"/>
           </p:cNvSpPr>
           <p:nvPr>
             <p:ph type="sldImg"/>
           </p:nvPr>
         </p:nvSpPr>
-        <p:spPr bwMode="auto">
-          <a:noFill/>
-          <a:ln>
-            <a:solidFill>
-              <a:srgbClr val="000000"/>
-            </a:solidFill>
-            <a:miter lim="800000"/>
-            <a:headEnd/>
-            <a:tailEnd/>
-          </a:ln>
-        </p:spPr>
+        <p:spPr/>
       </p:sp>
       <p:sp>
         <p:nvSpPr>
-          <p:cNvPr id="44035" name="Espaço Reservado para Anotações 2"/>
+          <p:cNvPr id="3" name="Espaço Reservado para Anotações 2"/>
           <p:cNvSpPr>
             <a:spLocks noGrp="1"/>
           </p:cNvSpPr>
@@ -4316,18 +4348,14 @@
             <p:ph type="body" idx="1"/>
           </p:nvPr>
         </p:nvSpPr>
-        <p:spPr bwMode="auto">
-          <a:noFill/>
-        </p:spPr>
+        <p:spPr/>
         <p:txBody>
-          <a:bodyPr wrap="square" numCol="1" anchor="t" anchorCtr="0" compatLnSpc="1">
-            <a:prstTxWarp prst="textNoShape">
-              <a:avLst/>
-            </a:prstTxWarp>
+          <a:bodyPr>
+            <a:normAutofit/>
           </a:bodyPr>
           <a:lstStyle/>
           <a:p>
-            <a:endParaRPr lang="pt-BR" smtClean="0"/>
+            <a:endParaRPr lang="pt-BR"/>
           </a:p>
         </p:txBody>
       </p:sp>
@@ -4338,7 +4366,7 @@
             <a:spLocks noGrp="1"/>
           </p:cNvSpPr>
           <p:nvPr>
-            <p:ph type="sldNum" sz="quarter" idx="5"/>
+            <p:ph type="sldNum" sz="quarter" idx="10"/>
           </p:nvPr>
         </p:nvSpPr>
         <p:spPr/>
@@ -4349,7 +4377,7 @@
             <a:pPr>
               <a:defRPr/>
             </a:pPr>
-            <a:fld id="{7FD4FFFC-47C8-4FB0-AAE5-B9257F7D00BC}" type="slidenum">
+            <a:fld id="{26215436-0A3F-4A01-A79E-C3B1BC371DB9}" type="slidenum">
               <a:rPr lang="pt-BR" smtClean="0"/>
               <a:pPr>
                 <a:defRPr/>
@@ -4387,29 +4415,19 @@
       </p:grpSpPr>
       <p:sp>
         <p:nvSpPr>
-          <p:cNvPr id="28674" name="Espaço Reservado para Imagem de Slide 1"/>
+          <p:cNvPr id="2" name="Espaço Reservado para Imagem de Slide 1"/>
           <p:cNvSpPr>
-            <a:spLocks noGrp="1" noRot="1" noChangeAspect="1" noTextEdit="1"/>
+            <a:spLocks noGrp="1" noRot="1" noChangeAspect="1"/>
           </p:cNvSpPr>
           <p:nvPr>
             <p:ph type="sldImg"/>
           </p:nvPr>
         </p:nvSpPr>
-        <p:spPr bwMode="auto">
-          <a:noFill/>
-          <a:ln>
-            <a:solidFill>
-              <a:srgbClr val="000000"/>
-            </a:solidFill>
-            <a:miter lim="800000"/>
-            <a:headEnd/>
-            <a:tailEnd/>
-          </a:ln>
-        </p:spPr>
+        <p:spPr/>
       </p:sp>
       <p:sp>
         <p:nvSpPr>
-          <p:cNvPr id="28675" name="Espaço Reservado para Anotações 2"/>
+          <p:cNvPr id="3" name="Espaço Reservado para Anotações 2"/>
           <p:cNvSpPr>
             <a:spLocks noGrp="1"/>
           </p:cNvSpPr>
@@ -4417,18 +4435,14 @@
             <p:ph type="body" idx="1"/>
           </p:nvPr>
         </p:nvSpPr>
-        <p:spPr bwMode="auto">
-          <a:noFill/>
-        </p:spPr>
+        <p:spPr/>
         <p:txBody>
-          <a:bodyPr wrap="square" numCol="1" anchor="t" anchorCtr="0" compatLnSpc="1">
-            <a:prstTxWarp prst="textNoShape">
-              <a:avLst/>
-            </a:prstTxWarp>
+          <a:bodyPr>
+            <a:normAutofit/>
           </a:bodyPr>
           <a:lstStyle/>
           <a:p>
-            <a:endParaRPr lang="pt-BR" smtClean="0"/>
+            <a:endParaRPr lang="pt-BR"/>
           </a:p>
         </p:txBody>
       </p:sp>
@@ -4439,7 +4453,7 @@
             <a:spLocks noGrp="1"/>
           </p:cNvSpPr>
           <p:nvPr>
-            <p:ph type="sldNum" sz="quarter" idx="5"/>
+            <p:ph type="sldNum" sz="quarter" idx="10"/>
           </p:nvPr>
         </p:nvSpPr>
         <p:spPr/>
@@ -4450,7 +4464,7 @@
             <a:pPr>
               <a:defRPr/>
             </a:pPr>
-            <a:fld id="{23075962-84F8-440B-9D32-83156AFD556B}" type="slidenum">
+            <a:fld id="{26215436-0A3F-4A01-A79E-C3B1BC371DB9}" type="slidenum">
               <a:rPr lang="pt-BR" smtClean="0"/>
               <a:pPr>
                 <a:defRPr/>
@@ -4488,29 +4502,19 @@
       </p:grpSpPr>
       <p:sp>
         <p:nvSpPr>
-          <p:cNvPr id="28674" name="Espaço Reservado para Imagem de Slide 1"/>
+          <p:cNvPr id="2" name="Espaço Reservado para Imagem de Slide 1"/>
           <p:cNvSpPr>
-            <a:spLocks noGrp="1" noRot="1" noChangeAspect="1" noTextEdit="1"/>
+            <a:spLocks noGrp="1" noRot="1" noChangeAspect="1"/>
           </p:cNvSpPr>
           <p:nvPr>
             <p:ph type="sldImg"/>
           </p:nvPr>
         </p:nvSpPr>
-        <p:spPr bwMode="auto">
-          <a:noFill/>
-          <a:ln>
-            <a:solidFill>
-              <a:srgbClr val="000000"/>
-            </a:solidFill>
-            <a:miter lim="800000"/>
-            <a:headEnd/>
-            <a:tailEnd/>
-          </a:ln>
-        </p:spPr>
+        <p:spPr/>
       </p:sp>
       <p:sp>
         <p:nvSpPr>
-          <p:cNvPr id="28675" name="Espaço Reservado para Anotações 2"/>
+          <p:cNvPr id="3" name="Espaço Reservado para Anotações 2"/>
           <p:cNvSpPr>
             <a:spLocks noGrp="1"/>
           </p:cNvSpPr>
@@ -4518,18 +4522,14 @@
             <p:ph type="body" idx="1"/>
           </p:nvPr>
         </p:nvSpPr>
-        <p:spPr bwMode="auto">
-          <a:noFill/>
-        </p:spPr>
+        <p:spPr/>
         <p:txBody>
-          <a:bodyPr wrap="square" numCol="1" anchor="t" anchorCtr="0" compatLnSpc="1">
-            <a:prstTxWarp prst="textNoShape">
-              <a:avLst/>
-            </a:prstTxWarp>
+          <a:bodyPr>
+            <a:normAutofit/>
           </a:bodyPr>
           <a:lstStyle/>
           <a:p>
-            <a:endParaRPr lang="pt-BR" smtClean="0"/>
+            <a:endParaRPr lang="pt-BR"/>
           </a:p>
         </p:txBody>
       </p:sp>
@@ -4540,7 +4540,7 @@
             <a:spLocks noGrp="1"/>
           </p:cNvSpPr>
           <p:nvPr>
-            <p:ph type="sldNum" sz="quarter" idx="5"/>
+            <p:ph type="sldNum" sz="quarter" idx="10"/>
           </p:nvPr>
         </p:nvSpPr>
         <p:spPr/>
@@ -4551,7 +4551,7 @@
             <a:pPr>
               <a:defRPr/>
             </a:pPr>
-            <a:fld id="{23075962-84F8-440B-9D32-83156AFD556B}" type="slidenum">
+            <a:fld id="{26215436-0A3F-4A01-A79E-C3B1BC371DB9}" type="slidenum">
               <a:rPr lang="pt-BR" smtClean="0"/>
               <a:pPr>
                 <a:defRPr/>
@@ -5493,7 +5493,7 @@
               <a:pPr>
                 <a:defRPr/>
               </a:pPr>
-              <a:t>16/05/2012</a:t>
+              <a:t>19/05/2012</a:t>
             </a:fld>
             <a:endParaRPr lang="pt-BR"/>
           </a:p>
@@ -5685,7 +5685,7 @@
               <a:pPr>
                 <a:defRPr/>
               </a:pPr>
-              <a:t>16/05/2012</a:t>
+              <a:t>19/05/2012</a:t>
             </a:fld>
             <a:endParaRPr lang="pt-BR"/>
           </a:p>
@@ -5887,7 +5887,7 @@
               <a:pPr>
                 <a:defRPr/>
               </a:pPr>
-              <a:t>16/05/2012</a:t>
+              <a:t>19/05/2012</a:t>
             </a:fld>
             <a:endParaRPr lang="pt-BR"/>
           </a:p>
@@ -6083,7 +6083,7 @@
               <a:pPr>
                 <a:defRPr/>
               </a:pPr>
-              <a:t>16/05/2012</a:t>
+              <a:t>19/05/2012</a:t>
             </a:fld>
             <a:endParaRPr lang="pt-BR"/>
           </a:p>
@@ -6589,7 +6589,7 @@
               <a:pPr>
                 <a:defRPr/>
               </a:pPr>
-              <a:t>16/05/2012</a:t>
+              <a:t>19/05/2012</a:t>
             </a:fld>
             <a:endParaRPr lang="pt-BR"/>
           </a:p>
@@ -6880,7 +6880,7 @@
               <a:pPr>
                 <a:defRPr/>
               </a:pPr>
-              <a:t>16/05/2012</a:t>
+              <a:t>19/05/2012</a:t>
             </a:fld>
             <a:endParaRPr lang="pt-BR"/>
           </a:p>
@@ -7281,7 +7281,7 @@
               <a:pPr>
                 <a:defRPr/>
               </a:pPr>
-              <a:t>16/05/2012</a:t>
+              <a:t>19/05/2012</a:t>
             </a:fld>
             <a:endParaRPr lang="pt-BR"/>
           </a:p>
@@ -7430,7 +7430,7 @@
               <a:pPr>
                 <a:defRPr/>
               </a:pPr>
-              <a:t>16/05/2012</a:t>
+              <a:t>19/05/2012</a:t>
             </a:fld>
             <a:endParaRPr lang="pt-BR"/>
           </a:p>
@@ -7547,7 +7547,7 @@
               <a:pPr>
                 <a:defRPr/>
               </a:pPr>
-              <a:t>16/05/2012</a:t>
+              <a:t>19/05/2012</a:t>
             </a:fld>
             <a:endParaRPr lang="pt-BR"/>
           </a:p>
@@ -7823,7 +7823,7 @@
               <a:pPr>
                 <a:defRPr/>
               </a:pPr>
-              <a:t>16/05/2012</a:t>
+              <a:t>19/05/2012</a:t>
             </a:fld>
             <a:endParaRPr lang="pt-BR"/>
           </a:p>
@@ -8107,7 +8107,7 @@
               <a:pPr>
                 <a:defRPr/>
               </a:pPr>
-              <a:t>16/05/2012</a:t>
+              <a:t>19/05/2012</a:t>
             </a:fld>
             <a:endParaRPr lang="pt-BR"/>
           </a:p>
@@ -8585,7 +8585,7 @@
               <a:pPr>
                 <a:defRPr/>
               </a:pPr>
-              <a:t>16/05/2012</a:t>
+              <a:t>19/05/2012</a:t>
             </a:fld>
             <a:endParaRPr lang="pt-BR"/>
           </a:p>
@@ -9713,13 +9713,7 @@
                 <a:rPr lang="pt-BR" sz="1600" dirty="0" smtClean="0">
                   <a:latin typeface="+mn-lt"/>
                 </a:rPr>
-                <a:t>&lt;Produto&gt; </a:t>
-              </a:r>
-              <a:r>
-                <a:rPr lang="pt-BR" sz="1600" dirty="0" smtClean="0">
-                  <a:latin typeface="+mn-lt"/>
-                </a:rPr>
-                <a:t>previamente preenchida</a:t>
+                <a:t>&lt;Produto&gt; previamente preenchida</a:t>
               </a:r>
               <a:endParaRPr lang="pt-BR" sz="1600" dirty="0">
                 <a:latin typeface="+mn-lt"/>
@@ -10835,7 +10829,15 @@
             </a:r>
             <a:r>
               <a:rPr lang="pt-BR" sz="2000" dirty="0" smtClean="0"/>
-              <a:t> it = conjunto.</a:t>
+              <a:t> it = </a:t>
+            </a:r>
+            <a:r>
+              <a:rPr lang="pt-BR" sz="2000" dirty="0" err="1" smtClean="0"/>
+              <a:t>colecao</a:t>
+            </a:r>
+            <a:r>
+              <a:rPr lang="pt-BR" sz="2000" dirty="0" smtClean="0"/>
+              <a:t>.</a:t>
             </a:r>
             <a:r>
               <a:rPr lang="pt-BR" sz="2000" dirty="0" err="1" smtClean="0">
@@ -11071,7 +11073,7 @@
           <p:spPr bwMode="auto">
             <a:xfrm>
               <a:off x="3708277" y="2348881"/>
-              <a:ext cx="1080120" cy="432048"/>
+              <a:ext cx="936104" cy="432048"/>
             </a:xfrm>
             <a:prstGeom prst="rect">
               <a:avLst/>
@@ -11493,7 +11495,19 @@
             </a:pPr>
             <a:r>
               <a:rPr lang="pt-BR" sz="2000" dirty="0" smtClean="0"/>
-              <a:t>for (Funcionario func : conjunto) {</a:t>
+              <a:t>for (Funcionario func : </a:t>
+            </a:r>
+            <a:r>
+              <a:rPr lang="pt-BR" sz="2000" dirty="0" err="1" smtClean="0"/>
+              <a:t>colecao</a:t>
+            </a:r>
+            <a:r>
+              <a:rPr lang="pt-BR" sz="2000" dirty="0" smtClean="0"/>
+              <a:t>) </a:t>
+            </a:r>
+            <a:r>
+              <a:rPr lang="pt-BR" sz="2000" dirty="0" smtClean="0"/>
+              <a:t>{</a:t>
             </a:r>
           </a:p>
           <a:p>
@@ -11608,7 +11622,7 @@
           <p:spPr bwMode="auto">
             <a:xfrm>
               <a:off x="3356787" y="2991252"/>
-              <a:ext cx="1008682" cy="432048"/>
+              <a:ext cx="927554" cy="432048"/>
             </a:xfrm>
             <a:prstGeom prst="rect">
               <a:avLst/>
@@ -13049,7 +13063,11 @@
             </a:r>
             <a:r>
               <a:rPr lang="pt-BR" sz="2000" dirty="0" smtClean="0"/>
-              <a:t> Cliente(“Manuel”, “Bronze”, “4532-7125”</a:t>
+              <a:t> Cliente(“Manuel”, “Bronze”, “4532-7125</a:t>
+            </a:r>
+            <a:r>
+              <a:rPr lang="pt-BR" sz="2000" dirty="0" smtClean="0"/>
+              <a:t>”)</a:t>
             </a:r>
             <a:r>
               <a:rPr lang="pt-BR" sz="2000" dirty="0" smtClean="0">
@@ -13063,6 +13081,7 @@
               <a:rPr lang="pt-BR" sz="2000" dirty="0" smtClean="0"/>
               <a:t>;</a:t>
             </a:r>
+            <a:endParaRPr lang="pt-BR" sz="2000" dirty="0" smtClean="0"/>
           </a:p>
           <a:p>
             <a:pPr marL="88900" indent="0">
@@ -13989,7 +14008,7 @@
       </p:grpSpPr>
       <p:sp>
         <p:nvSpPr>
-          <p:cNvPr id="2" name="Title 1"/>
+          <p:cNvPr id="9218" name="Título 1"/>
           <p:cNvSpPr>
             <a:spLocks noGrp="1"/>
           </p:cNvSpPr>
@@ -13997,22 +14016,37 @@
             <p:ph type="title"/>
           </p:nvPr>
         </p:nvSpPr>
-        <p:spPr/>
+        <p:spPr>
+          <a:xfrm>
+            <a:off x="457200" y="274638"/>
+            <a:ext cx="8075240" cy="1143000"/>
+          </a:xfrm>
+          <a:noFill/>
+          <a:ln w="9525">
+            <a:noFill/>
+            <a:miter lim="800000"/>
+            <a:headEnd/>
+            <a:tailEnd/>
+          </a:ln>
+        </p:spPr>
         <p:txBody>
-          <a:bodyPr/>
+          <a:bodyPr vert="horz" wrap="square" lIns="45720" tIns="45720" rIns="45720" bIns="45720" numCol="1" anchor="ctr" anchorCtr="0" compatLnSpc="1">
+            <a:prstTxWarp prst="textNoShape">
+              <a:avLst/>
+            </a:prstTxWarp>
+          </a:bodyPr>
           <a:lstStyle/>
           <a:p>
             <a:r>
               <a:rPr lang="pt-BR" dirty="0" smtClean="0"/>
-              <a:t>Exercício</a:t>
-            </a:r>
-            <a:endParaRPr lang="pt-BR" dirty="0"/>
+              <a:t>Set</a:t>
+            </a:r>
           </a:p>
         </p:txBody>
       </p:sp>
       <p:sp>
         <p:nvSpPr>
-          <p:cNvPr id="3" name="Content Placeholder 2"/>
+          <p:cNvPr id="13" name="Espaço Reservado para Conteúdo 12"/>
           <p:cNvSpPr>
             <a:spLocks noGrp="1"/>
           </p:cNvSpPr>
@@ -14020,193 +14054,81 @@
             <p:ph idx="1"/>
           </p:nvPr>
         </p:nvSpPr>
-        <p:spPr>
-          <a:xfrm>
-            <a:off x="457200" y="1600200"/>
-            <a:ext cx="7715200" cy="4525963"/>
-          </a:xfrm>
-        </p:spPr>
+        <p:spPr/>
         <p:txBody>
           <a:bodyPr/>
           <a:lstStyle/>
           <a:p>
             <a:pPr>
               <a:spcBef>
-                <a:spcPts val="1800"/>
+                <a:spcPts val="2400"/>
               </a:spcBef>
             </a:pPr>
             <a:r>
-              <a:rPr lang="pt-BR" sz="2000" dirty="0" smtClean="0"/>
-              <a:t>Copie para um novo projeto do eclipse as seguintes classes fornecidas pelo instrutor:</a:t>
-            </a:r>
-          </a:p>
-          <a:p>
-            <a:pPr lvl="1">
+              <a:rPr lang="pt-BR" sz="2800" dirty="0" smtClean="0"/>
+              <a:t>Subtipo de </a:t>
+            </a:r>
+            <a:r>
+              <a:rPr lang="pt-BR" sz="2800" dirty="0" err="1" smtClean="0"/>
+              <a:t>Collection</a:t>
+            </a:r>
+            <a:r>
+              <a:rPr lang="pt-BR" sz="2800" dirty="0" smtClean="0"/>
+              <a:t> que representa uma coleção </a:t>
+            </a:r>
+            <a:r>
+              <a:rPr lang="pt-BR" sz="2800" dirty="0" err="1" smtClean="0"/>
+              <a:t>não-indexada</a:t>
+            </a:r>
+            <a:r>
+              <a:rPr lang="pt-BR" sz="2800" dirty="0" smtClean="0"/>
+              <a:t> de objetos.</a:t>
+            </a:r>
+          </a:p>
+          <a:p>
+            <a:pPr>
               <a:spcBef>
-                <a:spcPts val="0"/>
+                <a:spcPts val="2400"/>
               </a:spcBef>
             </a:pPr>
-            <a:endParaRPr lang="pt-BR" sz="1800" dirty="0" smtClean="0"/>
-          </a:p>
-          <a:p>
-            <a:pPr lvl="1">
+            <a:r>
+              <a:rPr lang="pt-BR" sz="2800" dirty="0" smtClean="0"/>
+              <a:t>Alguns tipos de Set não armazenam seus objetos de forma sequencial. Assim sendo, não podemos garantir que os objetos serão coletados na mesma ordem em que foram adicionados.</a:t>
+            </a:r>
+          </a:p>
+          <a:p>
+            <a:pPr>
               <a:spcBef>
-                <a:spcPts val="0"/>
+                <a:spcPts val="2400"/>
               </a:spcBef>
             </a:pPr>
             <a:r>
-              <a:rPr lang="pt-BR" sz="1800" dirty="0" smtClean="0"/>
-              <a:t>br.com.impacta.</a:t>
-            </a:r>
-            <a:r>
-              <a:rPr lang="pt-BR" sz="1800" dirty="0" err="1" smtClean="0"/>
-              <a:t>funcionario</a:t>
-            </a:r>
-            <a:r>
-              <a:rPr lang="pt-BR" sz="1800" dirty="0" smtClean="0"/>
+              <a:rPr lang="pt-BR" sz="2800" dirty="0" smtClean="0"/>
+              <a:t>Uma </a:t>
+            </a:r>
+            <a:r>
+              <a:rPr lang="pt-BR" sz="2800" dirty="0" smtClean="0"/>
+              <a:t>coleção </a:t>
+            </a:r>
+            <a:r>
+              <a:rPr lang="pt-BR" sz="2800" dirty="0" smtClean="0"/>
+              <a:t>do tipo Set </a:t>
+            </a:r>
+            <a:r>
+              <a:rPr lang="pt-BR" sz="2800" u="sng" dirty="0" smtClean="0"/>
+              <a:t>não permite a existência de elementos duplicados</a:t>
+            </a:r>
+            <a:r>
+              <a:rPr lang="pt-BR" sz="2800" dirty="0" smtClean="0"/>
               <a:t>.</a:t>
             </a:r>
-            <a:r>
-              <a:rPr lang="pt-BR" sz="1800" dirty="0" err="1" smtClean="0"/>
-              <a:t>Funcionario</a:t>
-            </a:r>
-            <a:endParaRPr lang="pt-BR" sz="1800" dirty="0" smtClean="0"/>
-          </a:p>
-          <a:p>
-            <a:pPr lvl="1">
-              <a:spcBef>
-                <a:spcPts val="0"/>
-              </a:spcBef>
-            </a:pPr>
-            <a:r>
-              <a:rPr lang="pt-BR" sz="1800" dirty="0" smtClean="0"/>
-              <a:t>br.com.impacta.</a:t>
-            </a:r>
-            <a:r>
-              <a:rPr lang="pt-BR" sz="1800" dirty="0" err="1" smtClean="0"/>
-              <a:t>funcionario</a:t>
-            </a:r>
-            <a:r>
-              <a:rPr lang="pt-BR" sz="1800" dirty="0" smtClean="0"/>
-              <a:t>.</a:t>
-            </a:r>
-            <a:r>
-              <a:rPr lang="pt-BR" sz="1800" dirty="0" err="1" smtClean="0"/>
-              <a:t>FuncionarioDialog</a:t>
-            </a:r>
-            <a:endParaRPr lang="pt-BR" sz="1800" dirty="0" smtClean="0"/>
-          </a:p>
-          <a:p>
-            <a:pPr indent="1588">
-              <a:spcBef>
-                <a:spcPts val="1800"/>
-              </a:spcBef>
-              <a:buNone/>
-            </a:pPr>
-            <a:r>
-              <a:rPr lang="pt-BR" sz="2000" dirty="0" smtClean="0"/>
-              <a:t>A classe </a:t>
-            </a:r>
-            <a:r>
-              <a:rPr lang="pt-BR" sz="2000" b="1" i="1" dirty="0" err="1" smtClean="0"/>
-              <a:t>FuncionarioDialog</a:t>
-            </a:r>
-            <a:r>
-              <a:rPr lang="pt-BR" sz="2000" dirty="0" smtClean="0"/>
-              <a:t> possui um </a:t>
-            </a:r>
-            <a:r>
-              <a:rPr lang="pt-BR" sz="2000" dirty="0" smtClean="0"/>
-              <a:t>método estático </a:t>
-            </a:r>
-            <a:r>
-              <a:rPr lang="pt-BR" sz="2000" b="1" i="1" dirty="0" err="1" smtClean="0"/>
-              <a:t>showInputFuncionario</a:t>
-            </a:r>
-            <a:r>
-              <a:rPr lang="pt-BR" sz="2000" b="1" i="1" dirty="0" smtClean="0"/>
-              <a:t>()</a:t>
-            </a:r>
-            <a:r>
-              <a:rPr lang="pt-BR" sz="2000" dirty="0" smtClean="0"/>
-              <a:t> utilizado para que o usuário entre com os dados de um funcionário.</a:t>
-            </a:r>
-            <a:endParaRPr lang="pt-BR" sz="2000" dirty="0" smtClean="0"/>
-          </a:p>
-          <a:p>
-            <a:pPr marL="0" indent="0" algn="ctr">
-              <a:spcBef>
-                <a:spcPts val="1800"/>
-              </a:spcBef>
-              <a:buNone/>
-            </a:pPr>
-            <a:endParaRPr lang="pt-BR" sz="1800" dirty="0" smtClean="0">
-              <a:solidFill>
-                <a:srgbClr val="FFC000"/>
-              </a:solidFill>
-            </a:endParaRPr>
-          </a:p>
-          <a:p>
-            <a:pPr marL="0" indent="0" algn="ctr">
-              <a:spcBef>
-                <a:spcPts val="1800"/>
-              </a:spcBef>
-              <a:buNone/>
-            </a:pPr>
-            <a:r>
-              <a:rPr lang="pt-BR" sz="1800" dirty="0" err="1" smtClean="0">
-                <a:solidFill>
-                  <a:srgbClr val="FFC000"/>
-                </a:solidFill>
-              </a:rPr>
-              <a:t>Funcionario</a:t>
-            </a:r>
-            <a:r>
-              <a:rPr lang="pt-BR" sz="1800" dirty="0" smtClean="0">
-                <a:solidFill>
-                  <a:srgbClr val="FFC000"/>
-                </a:solidFill>
-              </a:rPr>
-              <a:t> f = </a:t>
-            </a:r>
-            <a:r>
-              <a:rPr lang="pt-BR" sz="1800" dirty="0" err="1" smtClean="0">
-                <a:solidFill>
-                  <a:srgbClr val="FFC000"/>
-                </a:solidFill>
-              </a:rPr>
-              <a:t>FuncionarioDialog</a:t>
-            </a:r>
-            <a:r>
-              <a:rPr lang="pt-BR" sz="1800" dirty="0" smtClean="0">
-                <a:solidFill>
-                  <a:srgbClr val="FFC000"/>
-                </a:solidFill>
-              </a:rPr>
-              <a:t>.</a:t>
-            </a:r>
-            <a:r>
-              <a:rPr lang="pt-BR" sz="1800" dirty="0" err="1" smtClean="0">
-                <a:solidFill>
-                  <a:srgbClr val="FFC000"/>
-                </a:solidFill>
-              </a:rPr>
-              <a:t>showInputFuncionario</a:t>
-            </a:r>
-            <a:r>
-              <a:rPr lang="pt-BR" sz="1800" dirty="0" smtClean="0">
-                <a:solidFill>
-                  <a:srgbClr val="FFC000"/>
-                </a:solidFill>
-              </a:rPr>
-              <a:t>();</a:t>
-            </a:r>
+            <a:endParaRPr lang="pt-BR" sz="2800" dirty="0"/>
           </a:p>
         </p:txBody>
       </p:sp>
       <p:sp>
         <p:nvSpPr>
-          <p:cNvPr id="4" name="Slide Number Placeholder 3"/>
+          <p:cNvPr id="15" name="Espaço Reservado para Número de Slide 14"/>
           <p:cNvSpPr>
             <a:spLocks noGrp="1"/>
           </p:cNvSpPr>
@@ -14558,903 +14480,6 @@
       </p:grpSpPr>
       <p:sp>
         <p:nvSpPr>
-          <p:cNvPr id="2" name="Title 1"/>
-          <p:cNvSpPr>
-            <a:spLocks noGrp="1"/>
-          </p:cNvSpPr>
-          <p:nvPr>
-            <p:ph type="title"/>
-          </p:nvPr>
-        </p:nvSpPr>
-        <p:spPr/>
-        <p:txBody>
-          <a:bodyPr/>
-          <a:lstStyle/>
-          <a:p>
-            <a:r>
-              <a:rPr lang="pt-BR" smtClean="0"/>
-              <a:t>Exercício (continuação)</a:t>
-            </a:r>
-            <a:endParaRPr lang="pt-BR" dirty="0"/>
-          </a:p>
-        </p:txBody>
-      </p:sp>
-      <p:sp>
-        <p:nvSpPr>
-          <p:cNvPr id="9" name="Espaço Reservado para Conteúdo 8"/>
-          <p:cNvSpPr>
-            <a:spLocks noGrp="1"/>
-          </p:cNvSpPr>
-          <p:nvPr>
-            <p:ph sz="half" idx="2"/>
-          </p:nvPr>
-        </p:nvSpPr>
-        <p:spPr>
-          <a:xfrm>
-            <a:off x="467544" y="4149080"/>
-            <a:ext cx="7920880" cy="1977083"/>
-          </a:xfrm>
-        </p:spPr>
-        <p:txBody>
-          <a:bodyPr/>
-          <a:lstStyle/>
-          <a:p>
-            <a:pPr>
-              <a:spcBef>
-                <a:spcPts val="1800"/>
-              </a:spcBef>
-            </a:pPr>
-            <a:r>
-              <a:rPr lang="pt-BR" sz="2000" dirty="0" smtClean="0"/>
-              <a:t>Após o usuário digitar os dados e clicar em </a:t>
-            </a:r>
-            <a:r>
-              <a:rPr lang="pt-BR" sz="2000" dirty="0" smtClean="0"/>
-              <a:t>Ok</a:t>
-            </a:r>
-            <a:r>
-              <a:rPr lang="pt-BR" sz="2000" dirty="0" smtClean="0"/>
-              <a:t>, o método retornará uma instância da classe </a:t>
-            </a:r>
-            <a:r>
-              <a:rPr lang="pt-BR" sz="2000" b="1" i="1" dirty="0" err="1" smtClean="0">
-                <a:solidFill>
-                  <a:srgbClr val="FFC000"/>
-                </a:solidFill>
-              </a:rPr>
-              <a:t>Funcionario</a:t>
-            </a:r>
-            <a:r>
-              <a:rPr lang="pt-BR" sz="2000" dirty="0" smtClean="0"/>
-              <a:t> devidamente preenchida.</a:t>
-            </a:r>
-          </a:p>
-          <a:p>
-            <a:pPr>
-              <a:spcBef>
-                <a:spcPts val="1800"/>
-              </a:spcBef>
-            </a:pPr>
-            <a:r>
-              <a:rPr lang="pt-BR" sz="2000" dirty="0" smtClean="0"/>
-              <a:t>Caso o usuário clique no botão Cancelar ou </a:t>
-            </a:r>
-            <a:r>
-              <a:rPr lang="pt-BR" sz="2000" dirty="0" smtClean="0"/>
-              <a:t>Fechar o método retornará </a:t>
-            </a:r>
-            <a:r>
-              <a:rPr lang="pt-BR" sz="2000" b="1" dirty="0" err="1" smtClean="0">
-                <a:solidFill>
-                  <a:srgbClr val="FFC000"/>
-                </a:solidFill>
-              </a:rPr>
-              <a:t>null</a:t>
-            </a:r>
-            <a:r>
-              <a:rPr lang="pt-BR" sz="2000" dirty="0" smtClean="0"/>
-              <a:t>.</a:t>
-            </a:r>
-            <a:endParaRPr lang="pt-BR" sz="2000" dirty="0" smtClean="0"/>
-          </a:p>
-        </p:txBody>
-      </p:sp>
-      <p:sp>
-        <p:nvSpPr>
-          <p:cNvPr id="4" name="Slide Number Placeholder 3"/>
-          <p:cNvSpPr>
-            <a:spLocks noGrp="1"/>
-          </p:cNvSpPr>
-          <p:nvPr>
-            <p:ph type="sldNum" sz="quarter" idx="12"/>
-          </p:nvPr>
-        </p:nvSpPr>
-        <p:spPr/>
-        <p:txBody>
-          <a:bodyPr/>
-          <a:lstStyle/>
-          <a:p>
-            <a:pPr>
-              <a:defRPr/>
-            </a:pPr>
-            <a:fld id="{7E263EA5-71DF-4638-BC15-81D6FFD3C7EB}" type="slidenum">
-              <a:rPr lang="pt-BR" smtClean="0"/>
-              <a:pPr>
-                <a:defRPr/>
-              </a:pPr>
-              <a:t>20</a:t>
-            </a:fld>
-            <a:endParaRPr lang="pt-BR"/>
-          </a:p>
-        </p:txBody>
-      </p:sp>
-      <p:pic>
-        <p:nvPicPr>
-          <p:cNvPr id="1027" name="Picture 3"/>
-          <p:cNvPicPr>
-            <a:picLocks noGrp="1" noChangeAspect="1" noChangeArrowheads="1"/>
-          </p:cNvPicPr>
-          <p:nvPr>
-            <p:ph sz="half" idx="1"/>
-          </p:nvPr>
-        </p:nvPicPr>
-        <p:blipFill>
-          <a:blip r:embed="rId3" cstate="print"/>
-          <a:srcRect/>
-          <a:stretch>
-            <a:fillRect/>
-          </a:stretch>
-        </p:blipFill>
-        <p:spPr bwMode="auto">
-          <a:xfrm>
-            <a:off x="3059832" y="1700808"/>
-            <a:ext cx="2952750" cy="2000250"/>
-          </a:xfrm>
-          <a:prstGeom prst="rect">
-            <a:avLst/>
-          </a:prstGeom>
-          <a:noFill/>
-          <a:ln w="9525">
-            <a:noFill/>
-            <a:miter lim="800000"/>
-            <a:headEnd/>
-            <a:tailEnd/>
-          </a:ln>
-        </p:spPr>
-      </p:pic>
-    </p:spTree>
-  </p:cSld>
-  <p:clrMapOvr>
-    <a:masterClrMapping/>
-  </p:clrMapOvr>
-  <p:timing>
-    <p:tnLst>
-      <p:par>
-        <p:cTn id="1" dur="indefinite" restart="never" nodeType="tmRoot"/>
-      </p:par>
-    </p:tnLst>
-  </p:timing>
-</p:sld>
-</file>
-
-<file path=ppt/slides/slide21.xml><?xml version="1.0" encoding="utf-8"?>
-<p:sld xmlns:a="http://schemas.openxmlformats.org/drawingml/2006/main" xmlns:r="http://schemas.openxmlformats.org/officeDocument/2006/relationships" xmlns:p="http://schemas.openxmlformats.org/presentationml/2006/main">
-  <p:cSld>
-    <p:spTree>
-      <p:nvGrpSpPr>
-        <p:cNvPr id="1" name=""/>
-        <p:cNvGrpSpPr/>
-        <p:nvPr/>
-      </p:nvGrpSpPr>
-      <p:grpSpPr>
-        <a:xfrm>
-          <a:off x="0" y="0"/>
-          <a:ext cx="0" cy="0"/>
-          <a:chOff x="0" y="0"/>
-          <a:chExt cx="0" cy="0"/>
-        </a:xfrm>
-      </p:grpSpPr>
-      <p:sp>
-        <p:nvSpPr>
-          <p:cNvPr id="2" name="Título 1"/>
-          <p:cNvSpPr>
-            <a:spLocks noGrp="1"/>
-          </p:cNvSpPr>
-          <p:nvPr>
-            <p:ph type="title"/>
-          </p:nvPr>
-        </p:nvSpPr>
-        <p:spPr/>
-        <p:txBody>
-          <a:bodyPr/>
-          <a:lstStyle/>
-          <a:p>
-            <a:r>
-              <a:rPr lang="pt-BR" dirty="0" smtClean="0"/>
-              <a:t>Exercício (continuação)</a:t>
-            </a:r>
-            <a:endParaRPr lang="pt-BR" dirty="0"/>
-          </a:p>
-        </p:txBody>
-      </p:sp>
-      <p:sp>
-        <p:nvSpPr>
-          <p:cNvPr id="3" name="Espaço Reservado para Conteúdo 2"/>
-          <p:cNvSpPr>
-            <a:spLocks noGrp="1"/>
-          </p:cNvSpPr>
-          <p:nvPr>
-            <p:ph idx="1"/>
-          </p:nvPr>
-        </p:nvSpPr>
-        <p:spPr>
-          <a:xfrm>
-            <a:off x="323528" y="1600200"/>
-            <a:ext cx="8280920" cy="4525963"/>
-          </a:xfrm>
-        </p:spPr>
-        <p:txBody>
-          <a:bodyPr/>
-          <a:lstStyle/>
-          <a:p>
-            <a:pPr>
-              <a:spcBef>
-                <a:spcPts val="2400"/>
-              </a:spcBef>
-            </a:pPr>
-            <a:r>
-              <a:rPr lang="pt-BR" sz="2200" dirty="0" smtClean="0"/>
-              <a:t>Crie no mesmo projeto o pacote </a:t>
-            </a:r>
-            <a:r>
-              <a:rPr lang="pt-BR" sz="2200" dirty="0" smtClean="0">
-                <a:solidFill>
-                  <a:srgbClr val="FFC000"/>
-                </a:solidFill>
-              </a:rPr>
-              <a:t>br.com.impacta.</a:t>
-            </a:r>
-            <a:r>
-              <a:rPr lang="pt-BR" sz="2200" dirty="0" err="1" smtClean="0">
-                <a:solidFill>
-                  <a:srgbClr val="FFC000"/>
-                </a:solidFill>
-              </a:rPr>
-              <a:t>exercicio</a:t>
-            </a:r>
-            <a:r>
-              <a:rPr lang="pt-BR" sz="2200" dirty="0" smtClean="0"/>
-              <a:t> </a:t>
-            </a:r>
-            <a:r>
-              <a:rPr lang="pt-BR" sz="2200" dirty="0" smtClean="0"/>
-              <a:t>e dentro dele a classe </a:t>
-            </a:r>
-            <a:r>
-              <a:rPr lang="pt-BR" sz="2200" dirty="0" err="1" smtClean="0">
-                <a:solidFill>
-                  <a:srgbClr val="FFC000"/>
-                </a:solidFill>
-              </a:rPr>
-              <a:t>ExercicioList</a:t>
-            </a:r>
-            <a:r>
-              <a:rPr lang="pt-BR" sz="2200" dirty="0" smtClean="0"/>
-              <a:t> contendo o método </a:t>
-            </a:r>
-            <a:r>
-              <a:rPr lang="pt-BR" sz="2200" dirty="0" err="1" smtClean="0">
-                <a:solidFill>
-                  <a:srgbClr val="FFC000"/>
-                </a:solidFill>
-              </a:rPr>
-              <a:t>main</a:t>
-            </a:r>
-            <a:r>
-              <a:rPr lang="pt-BR" sz="2200" dirty="0" smtClean="0">
-                <a:solidFill>
-                  <a:srgbClr val="FFC000"/>
-                </a:solidFill>
-              </a:rPr>
-              <a:t>()</a:t>
-            </a:r>
-          </a:p>
-          <a:p>
-            <a:pPr>
-              <a:spcBef>
-                <a:spcPts val="2400"/>
-              </a:spcBef>
-            </a:pPr>
-            <a:r>
-              <a:rPr lang="pt-BR" sz="2200" dirty="0" smtClean="0"/>
-              <a:t>Instancie uma lista de funcionários e crie um loop executando diversas vezes o método </a:t>
-            </a:r>
-            <a:r>
-              <a:rPr lang="pt-BR" sz="2200" dirty="0" err="1" smtClean="0"/>
-              <a:t>FuncionarioDialog</a:t>
-            </a:r>
-            <a:r>
-              <a:rPr lang="pt-BR" sz="2200" dirty="0" smtClean="0"/>
-              <a:t>.</a:t>
-            </a:r>
-            <a:r>
-              <a:rPr lang="pt-BR" sz="2200" dirty="0" err="1" smtClean="0"/>
-              <a:t>showInputFuncionario</a:t>
-            </a:r>
-            <a:r>
-              <a:rPr lang="pt-BR" sz="2200" dirty="0" smtClean="0"/>
-              <a:t>()</a:t>
-            </a:r>
-          </a:p>
-          <a:p>
-            <a:pPr>
-              <a:spcBef>
-                <a:spcPts val="2400"/>
-              </a:spcBef>
-            </a:pPr>
-            <a:r>
-              <a:rPr lang="pt-BR" sz="2200" dirty="0" smtClean="0"/>
-              <a:t>Cada funcionário preenchido deverá ser adicionado à lista.</a:t>
-            </a:r>
-          </a:p>
-          <a:p>
-            <a:pPr>
-              <a:spcBef>
-                <a:spcPts val="2400"/>
-              </a:spcBef>
-            </a:pPr>
-            <a:r>
-              <a:rPr lang="pt-BR" sz="2200" dirty="0" smtClean="0"/>
-              <a:t>Quando o usuário clicar em cancelar (retornando </a:t>
-            </a:r>
-            <a:r>
-              <a:rPr lang="pt-BR" sz="2200" dirty="0" err="1" smtClean="0"/>
-              <a:t>null</a:t>
-            </a:r>
-            <a:r>
-              <a:rPr lang="pt-BR" sz="2200" dirty="0" smtClean="0"/>
-              <a:t>), o loop deverá ser finalizado e a aplicação deverá exibir os dados conforme próximo slide.</a:t>
-            </a:r>
-          </a:p>
-        </p:txBody>
-      </p:sp>
-      <p:sp>
-        <p:nvSpPr>
-          <p:cNvPr id="4" name="Espaço Reservado para Número de Slide 3"/>
-          <p:cNvSpPr>
-            <a:spLocks noGrp="1"/>
-          </p:cNvSpPr>
-          <p:nvPr>
-            <p:ph type="sldNum" sz="quarter" idx="12"/>
-          </p:nvPr>
-        </p:nvSpPr>
-        <p:spPr/>
-        <p:txBody>
-          <a:bodyPr/>
-          <a:lstStyle/>
-          <a:p>
-            <a:pPr>
-              <a:defRPr/>
-            </a:pPr>
-            <a:fld id="{7E263EA5-71DF-4638-BC15-81D6FFD3C7EB}" type="slidenum">
-              <a:rPr lang="pt-BR" smtClean="0"/>
-              <a:pPr>
-                <a:defRPr/>
-              </a:pPr>
-              <a:t>21</a:t>
-            </a:fld>
-            <a:endParaRPr lang="pt-BR"/>
-          </a:p>
-        </p:txBody>
-      </p:sp>
-    </p:spTree>
-  </p:cSld>
-  <p:clrMapOvr>
-    <a:masterClrMapping/>
-  </p:clrMapOvr>
-</p:sld>
-</file>
-
-<file path=ppt/slides/slide22.xml><?xml version="1.0" encoding="utf-8"?>
-<p:sld xmlns:a="http://schemas.openxmlformats.org/drawingml/2006/main" xmlns:r="http://schemas.openxmlformats.org/officeDocument/2006/relationships" xmlns:p="http://schemas.openxmlformats.org/presentationml/2006/main">
-  <p:cSld>
-    <p:spTree>
-      <p:nvGrpSpPr>
-        <p:cNvPr id="1" name=""/>
-        <p:cNvGrpSpPr/>
-        <p:nvPr/>
-      </p:nvGrpSpPr>
-      <p:grpSpPr>
-        <a:xfrm>
-          <a:off x="0" y="0"/>
-          <a:ext cx="0" cy="0"/>
-          <a:chOff x="0" y="0"/>
-          <a:chExt cx="0" cy="0"/>
-        </a:xfrm>
-      </p:grpSpPr>
-      <p:sp>
-        <p:nvSpPr>
-          <p:cNvPr id="2" name="Título 1"/>
-          <p:cNvSpPr>
-            <a:spLocks noGrp="1"/>
-          </p:cNvSpPr>
-          <p:nvPr>
-            <p:ph type="title"/>
-          </p:nvPr>
-        </p:nvSpPr>
-        <p:spPr/>
-        <p:txBody>
-          <a:bodyPr/>
-          <a:lstStyle/>
-          <a:p>
-            <a:r>
-              <a:rPr lang="pt-BR" dirty="0" smtClean="0"/>
-              <a:t>Exercício (fim)</a:t>
-            </a:r>
-            <a:endParaRPr lang="pt-BR" dirty="0"/>
-          </a:p>
-        </p:txBody>
-      </p:sp>
-      <p:sp>
-        <p:nvSpPr>
-          <p:cNvPr id="3" name="Espaço Reservado para Conteúdo 2"/>
-          <p:cNvSpPr>
-            <a:spLocks noGrp="1"/>
-          </p:cNvSpPr>
-          <p:nvPr>
-            <p:ph idx="1"/>
-          </p:nvPr>
-        </p:nvSpPr>
-        <p:spPr>
-          <a:xfrm>
-            <a:off x="1259632" y="1600200"/>
-            <a:ext cx="6665168" cy="4525963"/>
-          </a:xfrm>
-        </p:spPr>
-        <p:txBody>
-          <a:bodyPr/>
-          <a:lstStyle/>
-          <a:p>
-            <a:pPr marL="0" indent="0">
-              <a:spcBef>
-                <a:spcPts val="0"/>
-              </a:spcBef>
-              <a:buNone/>
-            </a:pPr>
-            <a:r>
-              <a:rPr lang="pt-BR" sz="2400" b="1" dirty="0" smtClean="0">
-                <a:solidFill>
-                  <a:srgbClr val="FFC000"/>
-                </a:solidFill>
-                <a:latin typeface="Courier New" pitchFamily="49" charset="0"/>
-                <a:cs typeface="Courier New" pitchFamily="49" charset="0"/>
-              </a:rPr>
-              <a:t>Nome            Idade   Salário</a:t>
-            </a:r>
-          </a:p>
-          <a:p>
-            <a:pPr marL="0" indent="0">
-              <a:spcBef>
-                <a:spcPts val="0"/>
-              </a:spcBef>
-              <a:buNone/>
-            </a:pPr>
-            <a:r>
-              <a:rPr lang="pt-BR" sz="2400" b="1" dirty="0" smtClean="0">
-                <a:solidFill>
-                  <a:srgbClr val="FFC000"/>
-                </a:solidFill>
-                <a:latin typeface="Courier New" pitchFamily="49" charset="0"/>
-                <a:cs typeface="Courier New" pitchFamily="49" charset="0"/>
-              </a:rPr>
-              <a:t>=============== ===== =========</a:t>
-            </a:r>
-          </a:p>
-          <a:p>
-            <a:pPr marL="0" indent="0">
-              <a:spcBef>
-                <a:spcPts val="0"/>
-              </a:spcBef>
-              <a:buNone/>
-            </a:pPr>
-            <a:r>
-              <a:rPr lang="pt-BR" sz="2400" b="1" dirty="0" smtClean="0">
-                <a:solidFill>
-                  <a:srgbClr val="FFC000"/>
-                </a:solidFill>
-                <a:latin typeface="Courier New" pitchFamily="49" charset="0"/>
-                <a:cs typeface="Courier New" pitchFamily="49" charset="0"/>
-              </a:rPr>
-              <a:t>Joaquim Souza      52  8.350,45</a:t>
-            </a:r>
-          </a:p>
-          <a:p>
-            <a:pPr marL="0" indent="0">
-              <a:spcBef>
-                <a:spcPts val="0"/>
-              </a:spcBef>
-              <a:buNone/>
-            </a:pPr>
-            <a:r>
-              <a:rPr lang="pt-BR" sz="2400" b="1" dirty="0" smtClean="0">
-                <a:solidFill>
-                  <a:srgbClr val="FFC000"/>
-                </a:solidFill>
-                <a:latin typeface="Courier New" pitchFamily="49" charset="0"/>
-                <a:cs typeface="Courier New" pitchFamily="49" charset="0"/>
-              </a:rPr>
-              <a:t>Carlos Alberto     19    970,00</a:t>
-            </a:r>
-          </a:p>
-          <a:p>
-            <a:pPr marL="0" indent="0">
-              <a:spcBef>
-                <a:spcPts val="0"/>
-              </a:spcBef>
-              <a:buNone/>
-            </a:pPr>
-            <a:r>
-              <a:rPr lang="pt-BR" sz="2400" b="1" dirty="0" smtClean="0">
-                <a:solidFill>
-                  <a:srgbClr val="FFC000"/>
-                </a:solidFill>
-                <a:latin typeface="Courier New" pitchFamily="49" charset="0"/>
-                <a:cs typeface="Courier New" pitchFamily="49" charset="0"/>
-              </a:rPr>
-              <a:t>Manuel da Silva    37  3.350,00</a:t>
-            </a:r>
-          </a:p>
-          <a:p>
-            <a:pPr marL="0" indent="0">
-              <a:spcBef>
-                <a:spcPts val="0"/>
-              </a:spcBef>
-              <a:buNone/>
-            </a:pPr>
-            <a:r>
-              <a:rPr lang="pt-BR" sz="2400" b="1" dirty="0" smtClean="0">
-                <a:solidFill>
-                  <a:srgbClr val="FFC000"/>
-                </a:solidFill>
-                <a:latin typeface="Courier New" pitchFamily="49" charset="0"/>
-                <a:cs typeface="Courier New" pitchFamily="49" charset="0"/>
-              </a:rPr>
-              <a:t>Antônio Nunes      32 12.200,00</a:t>
-            </a:r>
-          </a:p>
-          <a:p>
-            <a:pPr marL="0" indent="0">
-              <a:spcBef>
-                <a:spcPts val="0"/>
-              </a:spcBef>
-              <a:buNone/>
-            </a:pPr>
-            <a:r>
-              <a:rPr lang="pt-BR" sz="2400" b="1" dirty="0" smtClean="0">
-                <a:solidFill>
-                  <a:srgbClr val="FFC000"/>
-                </a:solidFill>
-                <a:latin typeface="Courier New" pitchFamily="49" charset="0"/>
-                <a:cs typeface="Courier New" pitchFamily="49" charset="0"/>
-              </a:rPr>
-              <a:t>Maria Antunes      29  2.800,40</a:t>
-            </a:r>
-          </a:p>
-          <a:p>
-            <a:pPr marL="0" indent="0">
-              <a:spcBef>
-                <a:spcPts val="0"/>
-              </a:spcBef>
-              <a:buNone/>
-            </a:pPr>
-            <a:endParaRPr lang="pt-BR" sz="2400" b="1" dirty="0" smtClean="0">
-              <a:solidFill>
-                <a:srgbClr val="FFC000"/>
-              </a:solidFill>
-              <a:latin typeface="Courier New" pitchFamily="49" charset="0"/>
-              <a:cs typeface="Courier New" pitchFamily="49" charset="0"/>
-            </a:endParaRPr>
-          </a:p>
-          <a:p>
-            <a:pPr marL="0" indent="0">
-              <a:spcBef>
-                <a:spcPts val="0"/>
-              </a:spcBef>
-              <a:buNone/>
-            </a:pPr>
-            <a:r>
-              <a:rPr lang="pt-BR" sz="2400" b="1" dirty="0" smtClean="0">
-                <a:solidFill>
-                  <a:srgbClr val="FFC000"/>
-                </a:solidFill>
-                <a:latin typeface="Courier New" pitchFamily="49" charset="0"/>
-                <a:cs typeface="Courier New" pitchFamily="49" charset="0"/>
-              </a:rPr>
-              <a:t>Total de funcionários: 5</a:t>
-            </a:r>
-          </a:p>
-          <a:p>
-            <a:pPr marL="0" indent="0">
-              <a:spcBef>
-                <a:spcPts val="0"/>
-              </a:spcBef>
-              <a:buNone/>
-            </a:pPr>
-            <a:r>
-              <a:rPr lang="pt-BR" sz="2400" b="1" dirty="0" smtClean="0">
-                <a:solidFill>
-                  <a:srgbClr val="FFC000"/>
-                </a:solidFill>
-                <a:latin typeface="Courier New" pitchFamily="49" charset="0"/>
-                <a:cs typeface="Courier New" pitchFamily="49" charset="0"/>
-              </a:rPr>
-              <a:t>Total de salários    : 27.670,85</a:t>
-            </a:r>
-          </a:p>
-          <a:p>
-            <a:pPr marL="0" indent="0">
-              <a:spcBef>
-                <a:spcPts val="0"/>
-              </a:spcBef>
-              <a:buNone/>
-            </a:pPr>
-            <a:r>
-              <a:rPr lang="pt-BR" sz="2400" b="1" dirty="0" smtClean="0">
-                <a:solidFill>
-                  <a:srgbClr val="FFC000"/>
-                </a:solidFill>
-                <a:latin typeface="Courier New" pitchFamily="49" charset="0"/>
-                <a:cs typeface="Courier New" pitchFamily="49" charset="0"/>
-              </a:rPr>
-              <a:t>Média de idade       : 33,8</a:t>
-            </a:r>
-            <a:endParaRPr lang="pt-BR" sz="2400" b="1" dirty="0">
-              <a:solidFill>
-                <a:srgbClr val="FFC000"/>
-              </a:solidFill>
-              <a:latin typeface="Courier New" pitchFamily="49" charset="0"/>
-              <a:cs typeface="Courier New" pitchFamily="49" charset="0"/>
-            </a:endParaRPr>
-          </a:p>
-        </p:txBody>
-      </p:sp>
-      <p:sp>
-        <p:nvSpPr>
-          <p:cNvPr id="4" name="Espaço Reservado para Número de Slide 3"/>
-          <p:cNvSpPr>
-            <a:spLocks noGrp="1"/>
-          </p:cNvSpPr>
-          <p:nvPr>
-            <p:ph type="sldNum" sz="quarter" idx="12"/>
-          </p:nvPr>
-        </p:nvSpPr>
-        <p:spPr/>
-        <p:txBody>
-          <a:bodyPr/>
-          <a:lstStyle/>
-          <a:p>
-            <a:pPr>
-              <a:defRPr/>
-            </a:pPr>
-            <a:fld id="{7E263EA5-71DF-4638-BC15-81D6FFD3C7EB}" type="slidenum">
-              <a:rPr lang="pt-BR" smtClean="0"/>
-              <a:pPr>
-                <a:defRPr/>
-              </a:pPr>
-              <a:t>22</a:t>
-            </a:fld>
-            <a:endParaRPr lang="pt-BR"/>
-          </a:p>
-        </p:txBody>
-      </p:sp>
-    </p:spTree>
-  </p:cSld>
-  <p:clrMapOvr>
-    <a:masterClrMapping/>
-  </p:clrMapOvr>
-</p:sld>
-</file>
-
-<file path=ppt/slides/slide23.xml><?xml version="1.0" encoding="utf-8"?>
-<p:sld xmlns:a="http://schemas.openxmlformats.org/drawingml/2006/main" xmlns:r="http://schemas.openxmlformats.org/officeDocument/2006/relationships" xmlns:p="http://schemas.openxmlformats.org/presentationml/2006/main">
-  <p:cSld>
-    <p:spTree>
-      <p:nvGrpSpPr>
-        <p:cNvPr id="1" name=""/>
-        <p:cNvGrpSpPr/>
-        <p:nvPr/>
-      </p:nvGrpSpPr>
-      <p:grpSpPr>
-        <a:xfrm>
-          <a:off x="0" y="0"/>
-          <a:ext cx="0" cy="0"/>
-          <a:chOff x="0" y="0"/>
-          <a:chExt cx="0" cy="0"/>
-        </a:xfrm>
-      </p:grpSpPr>
-      <p:sp>
-        <p:nvSpPr>
-          <p:cNvPr id="9218" name="Título 1"/>
-          <p:cNvSpPr>
-            <a:spLocks noGrp="1"/>
-          </p:cNvSpPr>
-          <p:nvPr>
-            <p:ph type="title"/>
-          </p:nvPr>
-        </p:nvSpPr>
-        <p:spPr>
-          <a:xfrm>
-            <a:off x="457200" y="274638"/>
-            <a:ext cx="8075240" cy="1143000"/>
-          </a:xfrm>
-          <a:noFill/>
-          <a:ln w="9525">
-            <a:noFill/>
-            <a:miter lim="800000"/>
-            <a:headEnd/>
-            <a:tailEnd/>
-          </a:ln>
-        </p:spPr>
-        <p:txBody>
-          <a:bodyPr vert="horz" wrap="square" lIns="45720" tIns="45720" rIns="45720" bIns="45720" numCol="1" anchor="ctr" anchorCtr="0" compatLnSpc="1">
-            <a:prstTxWarp prst="textNoShape">
-              <a:avLst/>
-            </a:prstTxWarp>
-          </a:bodyPr>
-          <a:lstStyle/>
-          <a:p>
-            <a:r>
-              <a:rPr lang="pt-BR" dirty="0" smtClean="0"/>
-              <a:t>Set</a:t>
-            </a:r>
-          </a:p>
-        </p:txBody>
-      </p:sp>
-      <p:sp>
-        <p:nvSpPr>
-          <p:cNvPr id="13" name="Espaço Reservado para Conteúdo 12"/>
-          <p:cNvSpPr>
-            <a:spLocks noGrp="1"/>
-          </p:cNvSpPr>
-          <p:nvPr>
-            <p:ph idx="1"/>
-          </p:nvPr>
-        </p:nvSpPr>
-        <p:spPr/>
-        <p:txBody>
-          <a:bodyPr/>
-          <a:lstStyle/>
-          <a:p>
-            <a:pPr>
-              <a:spcBef>
-                <a:spcPts val="2400"/>
-              </a:spcBef>
-            </a:pPr>
-            <a:r>
-              <a:rPr lang="pt-BR" sz="2800" dirty="0" smtClean="0"/>
-              <a:t>Subtipo de </a:t>
-            </a:r>
-            <a:r>
-              <a:rPr lang="pt-BR" sz="2800" dirty="0" err="1" smtClean="0"/>
-              <a:t>Collection</a:t>
-            </a:r>
-            <a:r>
-              <a:rPr lang="pt-BR" sz="2800" dirty="0" smtClean="0"/>
-              <a:t> que representa uma coleção </a:t>
-            </a:r>
-            <a:r>
-              <a:rPr lang="pt-BR" sz="2800" dirty="0" err="1" smtClean="0"/>
-              <a:t>não-indexada</a:t>
-            </a:r>
-            <a:r>
-              <a:rPr lang="pt-BR" sz="2800" dirty="0" smtClean="0"/>
-              <a:t> de objetos.</a:t>
-            </a:r>
-          </a:p>
-          <a:p>
-            <a:pPr>
-              <a:spcBef>
-                <a:spcPts val="2400"/>
-              </a:spcBef>
-            </a:pPr>
-            <a:r>
-              <a:rPr lang="pt-BR" sz="2800" dirty="0" smtClean="0"/>
-              <a:t>Alguns tipos de Set não armazenam seus objetos de forma sequencial. Assim sendo, não podemos garantir que os objetos serão coletados na mesma ordem em que foram adicionados.</a:t>
-            </a:r>
-          </a:p>
-          <a:p>
-            <a:pPr>
-              <a:spcBef>
-                <a:spcPts val="2400"/>
-              </a:spcBef>
-            </a:pPr>
-            <a:r>
-              <a:rPr lang="pt-BR" sz="2800" dirty="0" smtClean="0"/>
-              <a:t>Uma </a:t>
-            </a:r>
-            <a:r>
-              <a:rPr lang="pt-BR" sz="2800" dirty="0" err="1" smtClean="0"/>
-              <a:t>collection</a:t>
-            </a:r>
-            <a:r>
-              <a:rPr lang="pt-BR" sz="2800" dirty="0" smtClean="0"/>
-              <a:t> do tipo Set </a:t>
-            </a:r>
-            <a:r>
-              <a:rPr lang="pt-BR" sz="2800" u="sng" dirty="0" smtClean="0"/>
-              <a:t>não permite a existência de elementos duplicados</a:t>
-            </a:r>
-            <a:r>
-              <a:rPr lang="pt-BR" sz="2800" dirty="0" smtClean="0"/>
-              <a:t>.</a:t>
-            </a:r>
-            <a:endParaRPr lang="pt-BR" sz="2800" dirty="0"/>
-          </a:p>
-        </p:txBody>
-      </p:sp>
-      <p:sp>
-        <p:nvSpPr>
-          <p:cNvPr id="15" name="Espaço Reservado para Número de Slide 14"/>
-          <p:cNvSpPr>
-            <a:spLocks noGrp="1"/>
-          </p:cNvSpPr>
-          <p:nvPr>
-            <p:ph type="sldNum" sz="quarter" idx="12"/>
-          </p:nvPr>
-        </p:nvSpPr>
-        <p:spPr/>
-        <p:txBody>
-          <a:bodyPr/>
-          <a:lstStyle/>
-          <a:p>
-            <a:pPr>
-              <a:defRPr/>
-            </a:pPr>
-            <a:fld id="{7E263EA5-71DF-4638-BC15-81D6FFD3C7EB}" type="slidenum">
-              <a:rPr lang="pt-BR" smtClean="0"/>
-              <a:pPr>
-                <a:defRPr/>
-              </a:pPr>
-              <a:t>23</a:t>
-            </a:fld>
-            <a:endParaRPr lang="pt-BR"/>
-          </a:p>
-        </p:txBody>
-      </p:sp>
-    </p:spTree>
-  </p:cSld>
-  <p:clrMapOvr>
-    <a:masterClrMapping/>
-  </p:clrMapOvr>
-  <p:timing>
-    <p:tnLst>
-      <p:par>
-        <p:cTn id="1" dur="indefinite" restart="never" nodeType="tmRoot"/>
-      </p:par>
-    </p:tnLst>
-  </p:timing>
-</p:sld>
-</file>
-
-<file path=ppt/slides/slide24.xml><?xml version="1.0" encoding="utf-8"?>
-<p:sld xmlns:a="http://schemas.openxmlformats.org/drawingml/2006/main" xmlns:r="http://schemas.openxmlformats.org/officeDocument/2006/relationships" xmlns:p="http://schemas.openxmlformats.org/presentationml/2006/main">
-  <p:cSld>
-    <p:spTree>
-      <p:nvGrpSpPr>
-        <p:cNvPr id="1" name=""/>
-        <p:cNvGrpSpPr/>
-        <p:nvPr/>
-      </p:nvGrpSpPr>
-      <p:grpSpPr>
-        <a:xfrm>
-          <a:off x="0" y="0"/>
-          <a:ext cx="0" cy="0"/>
-          <a:chOff x="0" y="0"/>
-          <a:chExt cx="0" cy="0"/>
-        </a:xfrm>
-      </p:grpSpPr>
-      <p:sp>
-        <p:nvSpPr>
           <p:cNvPr id="9218" name="Título 1"/>
           <p:cNvSpPr>
             <a:spLocks noGrp="1"/>
@@ -15510,7 +14535,7 @@
               <a:pPr>
                 <a:defRPr/>
               </a:pPr>
-              <a:t>24</a:t>
+              <a:t>20</a:t>
             </a:fld>
             <a:endParaRPr lang="pt-BR"/>
           </a:p>
@@ -16181,7 +15206,7 @@
 </p:sld>
 </file>
 
-<file path=ppt/slides/slide25.xml><?xml version="1.0" encoding="utf-8"?>
+<file path=ppt/slides/slide21.xml><?xml version="1.0" encoding="utf-8"?>
 <p:sld xmlns:a="http://schemas.openxmlformats.org/drawingml/2006/main" xmlns:r="http://schemas.openxmlformats.org/officeDocument/2006/relationships" xmlns:p="http://schemas.openxmlformats.org/presentationml/2006/main">
   <p:cSld>
     <p:spTree>
@@ -16671,7 +15696,7 @@
               <a:pPr>
                 <a:defRPr/>
               </a:pPr>
-              <a:t>25</a:t>
+              <a:t>21</a:t>
             </a:fld>
             <a:endParaRPr lang="pt-BR"/>
           </a:p>
@@ -16969,7 +15994,7 @@
 </p:sld>
 </file>
 
-<file path=ppt/slides/slide26.xml><?xml version="1.0" encoding="utf-8"?>
+<file path=ppt/slides/slide22.xml><?xml version="1.0" encoding="utf-8"?>
 <p:sld xmlns:a="http://schemas.openxmlformats.org/drawingml/2006/main" xmlns:r="http://schemas.openxmlformats.org/officeDocument/2006/relationships" xmlns:p="http://schemas.openxmlformats.org/presentationml/2006/main">
   <p:cSld>
     <p:spTree>
@@ -17149,7 +16174,7 @@
               <a:pPr>
                 <a:defRPr/>
               </a:pPr>
-              <a:t>26</a:t>
+              <a:t>22</a:t>
             </a:fld>
             <a:endParaRPr lang="pt-BR"/>
           </a:p>
@@ -17170,7 +16195,7 @@
 </p:sld>
 </file>
 
-<file path=ppt/slides/slide27.xml><?xml version="1.0" encoding="utf-8"?>
+<file path=ppt/slides/slide23.xml><?xml version="1.0" encoding="utf-8"?>
 <p:sld xmlns:a="http://schemas.openxmlformats.org/drawingml/2006/main" xmlns:r="http://schemas.openxmlformats.org/officeDocument/2006/relationships" xmlns:p="http://schemas.openxmlformats.org/presentationml/2006/main">
   <p:cSld>
     <p:spTree>
@@ -17318,7 +16343,7 @@
               <a:pPr>
                 <a:defRPr/>
               </a:pPr>
-              <a:t>27</a:t>
+              <a:t>23</a:t>
             </a:fld>
             <a:endParaRPr lang="pt-BR"/>
           </a:p>
@@ -17339,7 +16364,7 @@
 </p:sld>
 </file>
 
-<file path=ppt/slides/slide28.xml><?xml version="1.0" encoding="utf-8"?>
+<file path=ppt/slides/slide24.xml><?xml version="1.0" encoding="utf-8"?>
 <p:sld xmlns:a="http://schemas.openxmlformats.org/drawingml/2006/main" xmlns:r="http://schemas.openxmlformats.org/officeDocument/2006/relationships" xmlns:p="http://schemas.openxmlformats.org/presentationml/2006/main">
   <p:cSld>
     <p:spTree>
@@ -17785,7 +16810,7 @@
               <a:pPr>
                 <a:defRPr/>
               </a:pPr>
-              <a:t>28</a:t>
+              <a:t>24</a:t>
             </a:fld>
             <a:endParaRPr lang="pt-BR"/>
           </a:p>
@@ -17806,7 +16831,7 @@
 </p:sld>
 </file>
 
-<file path=ppt/slides/slide29.xml><?xml version="1.0" encoding="utf-8"?>
+<file path=ppt/slides/slide25.xml><?xml version="1.0" encoding="utf-8"?>
 <p:sld xmlns:a="http://schemas.openxmlformats.org/drawingml/2006/main" xmlns:r="http://schemas.openxmlformats.org/officeDocument/2006/relationships" xmlns:p="http://schemas.openxmlformats.org/presentationml/2006/main">
   <p:cSld>
     <p:spTree>
@@ -18269,7 +17294,7 @@
               <a:pPr>
                 <a:defRPr/>
               </a:pPr>
-              <a:t>29</a:t>
+              <a:t>25</a:t>
             </a:fld>
             <a:endParaRPr lang="pt-BR"/>
           </a:p>
@@ -18573,188 +17598,7 @@
 </p:sld>
 </file>
 
-<file path=ppt/slides/slide3.xml><?xml version="1.0" encoding="utf-8"?>
-<p:sld xmlns:a="http://schemas.openxmlformats.org/drawingml/2006/main" xmlns:r="http://schemas.openxmlformats.org/officeDocument/2006/relationships" xmlns:p="http://schemas.openxmlformats.org/presentationml/2006/main">
-  <p:cSld>
-    <p:spTree>
-      <p:nvGrpSpPr>
-        <p:cNvPr id="1" name=""/>
-        <p:cNvGrpSpPr/>
-        <p:nvPr/>
-      </p:nvGrpSpPr>
-      <p:grpSpPr>
-        <a:xfrm>
-          <a:off x="0" y="0"/>
-          <a:ext cx="0" cy="0"/>
-          <a:chOff x="0" y="0"/>
-          <a:chExt cx="0" cy="0"/>
-        </a:xfrm>
-      </p:grpSpPr>
-      <p:sp>
-        <p:nvSpPr>
-          <p:cNvPr id="2" name="Título 1"/>
-          <p:cNvSpPr>
-            <a:spLocks noGrp="1"/>
-          </p:cNvSpPr>
-          <p:nvPr>
-            <p:ph type="title"/>
-          </p:nvPr>
-        </p:nvSpPr>
-        <p:spPr>
-          <a:noFill/>
-          <a:ln w="9525">
-            <a:noFill/>
-            <a:miter lim="800000"/>
-            <a:headEnd/>
-            <a:tailEnd/>
-          </a:ln>
-        </p:spPr>
-        <p:txBody>
-          <a:bodyPr vert="horz" wrap="square" lIns="45720" tIns="45720" rIns="45720" bIns="45720" numCol="1" anchor="ctr" anchorCtr="0" compatLnSpc="1">
-            <a:prstTxWarp prst="textNoShape">
-              <a:avLst/>
-            </a:prstTxWarp>
-          </a:bodyPr>
-          <a:lstStyle/>
-          <a:p>
-            <a:r>
-              <a:rPr lang="pt-BR" dirty="0" smtClean="0"/>
-              <a:t>Introdução</a:t>
-            </a:r>
-            <a:endParaRPr lang="pt-BR" dirty="0"/>
-          </a:p>
-        </p:txBody>
-      </p:sp>
-      <p:sp>
-        <p:nvSpPr>
-          <p:cNvPr id="3" name="Espaço Reservado para Conteúdo 2"/>
-          <p:cNvSpPr>
-            <a:spLocks noGrp="1"/>
-          </p:cNvSpPr>
-          <p:nvPr>
-            <p:ph idx="1"/>
-          </p:nvPr>
-        </p:nvSpPr>
-        <p:spPr/>
-        <p:txBody>
-          <a:bodyPr/>
-          <a:lstStyle/>
-          <a:p>
-            <a:pPr>
-              <a:spcBef>
-                <a:spcPts val="3000"/>
-              </a:spcBef>
-            </a:pPr>
-            <a:r>
-              <a:rPr lang="pt-BR" dirty="0" smtClean="0"/>
-              <a:t>Os </a:t>
-            </a:r>
-            <a:r>
-              <a:rPr lang="pt-BR" dirty="0" err="1" smtClean="0"/>
-              <a:t>arrays</a:t>
-            </a:r>
-            <a:r>
-              <a:rPr lang="pt-BR" dirty="0" smtClean="0"/>
-              <a:t> são estruturas de dados simples para armazenamento de conjuntos de informações</a:t>
-            </a:r>
-          </a:p>
-          <a:p>
-            <a:pPr>
-              <a:spcBef>
-                <a:spcPts val="3000"/>
-              </a:spcBef>
-            </a:pPr>
-            <a:r>
-              <a:rPr lang="pt-BR" dirty="0" smtClean="0"/>
-              <a:t>São bem eficientes, porém possuem limitações:</a:t>
-            </a:r>
-          </a:p>
-          <a:p>
-            <a:pPr lvl="1">
-              <a:spcBef>
-                <a:spcPts val="1200"/>
-              </a:spcBef>
-            </a:pPr>
-            <a:r>
-              <a:rPr lang="pt-BR" dirty="0" err="1" smtClean="0"/>
-              <a:t>Arrays</a:t>
-            </a:r>
-            <a:r>
-              <a:rPr lang="pt-BR" dirty="0" smtClean="0"/>
-              <a:t> possuem tamanho fixo</a:t>
-            </a:r>
-          </a:p>
-          <a:p>
-            <a:pPr lvl="1">
-              <a:spcBef>
-                <a:spcPts val="1200"/>
-              </a:spcBef>
-            </a:pPr>
-            <a:r>
-              <a:rPr lang="pt-BR" dirty="0" err="1" smtClean="0"/>
-              <a:t>Arrays</a:t>
-            </a:r>
-            <a:r>
-              <a:rPr lang="pt-BR" dirty="0" smtClean="0"/>
-              <a:t> não possuem nenhum mecanismo automático de classificação (</a:t>
-            </a:r>
-            <a:r>
-              <a:rPr lang="pt-BR" dirty="0" err="1" smtClean="0"/>
-              <a:t>sort</a:t>
-            </a:r>
-            <a:r>
-              <a:rPr lang="pt-BR" dirty="0" smtClean="0"/>
-              <a:t>)</a:t>
-            </a:r>
-            <a:endParaRPr lang="pt-BR" dirty="0"/>
-          </a:p>
-        </p:txBody>
-      </p:sp>
-      <p:sp>
-        <p:nvSpPr>
-          <p:cNvPr id="4" name="Espaço Reservado para Número de Slide 3"/>
-          <p:cNvSpPr>
-            <a:spLocks noGrp="1"/>
-          </p:cNvSpPr>
-          <p:nvPr>
-            <p:ph type="sldNum" sz="quarter" idx="12"/>
-          </p:nvPr>
-        </p:nvSpPr>
-        <p:spPr/>
-        <p:txBody>
-          <a:bodyPr/>
-          <a:lstStyle/>
-          <a:p>
-            <a:pPr>
-              <a:defRPr/>
-            </a:pPr>
-            <a:fld id="{7E263EA5-71DF-4638-BC15-81D6FFD3C7EB}" type="slidenum">
-              <a:rPr lang="pt-BR" smtClean="0"/>
-              <a:pPr>
-                <a:defRPr/>
-              </a:pPr>
-              <a:t>3</a:t>
-            </a:fld>
-            <a:endParaRPr lang="pt-BR"/>
-          </a:p>
-        </p:txBody>
-      </p:sp>
-    </p:spTree>
-  </p:cSld>
-  <p:clrMapOvr>
-    <a:masterClrMapping/>
-  </p:clrMapOvr>
-  <p:timing>
-    <p:tnLst>
-      <p:par>
-        <p:cTn id="1" dur="indefinite" restart="never" nodeType="tmRoot"/>
-      </p:par>
-    </p:tnLst>
-  </p:timing>
-</p:sld>
-</file>
-
-<file path=ppt/slides/slide30.xml><?xml version="1.0" encoding="utf-8"?>
+<file path=ppt/slides/slide26.xml><?xml version="1.0" encoding="utf-8"?>
 <p:sld xmlns:a="http://schemas.openxmlformats.org/drawingml/2006/main" xmlns:r="http://schemas.openxmlformats.org/officeDocument/2006/relationships" xmlns:p="http://schemas.openxmlformats.org/presentationml/2006/main">
   <p:cSld>
     <p:spTree>
@@ -18903,7 +17747,7 @@
               <a:pPr>
                 <a:defRPr/>
               </a:pPr>
-              <a:t>30</a:t>
+              <a:t>26</a:t>
             </a:fld>
             <a:endParaRPr lang="pt-BR"/>
           </a:p>
@@ -18924,7 +17768,7 @@
 </p:sld>
 </file>
 
-<file path=ppt/slides/slide31.xml><?xml version="1.0" encoding="utf-8"?>
+<file path=ppt/slides/slide27.xml><?xml version="1.0" encoding="utf-8"?>
 <p:sld xmlns:a="http://schemas.openxmlformats.org/drawingml/2006/main" xmlns:r="http://schemas.openxmlformats.org/officeDocument/2006/relationships" xmlns:p="http://schemas.openxmlformats.org/presentationml/2006/main">
   <p:cSld>
     <p:spTree>
@@ -19573,7 +18417,7 @@
               <a:pPr>
                 <a:defRPr/>
               </a:pPr>
-              <a:t>31</a:t>
+              <a:t>27</a:t>
             </a:fld>
             <a:endParaRPr lang="pt-BR"/>
           </a:p>
@@ -19594,7 +18438,7 @@
 </p:sld>
 </file>
 
-<file path=ppt/slides/slide32.xml><?xml version="1.0" encoding="utf-8"?>
+<file path=ppt/slides/slide28.xml><?xml version="1.0" encoding="utf-8"?>
 <p:sld xmlns:a="http://schemas.openxmlformats.org/drawingml/2006/main" xmlns:r="http://schemas.openxmlformats.org/officeDocument/2006/relationships" xmlns:p="http://schemas.openxmlformats.org/presentationml/2006/main">
   <p:cSld>
     <p:spTree>
@@ -19837,7 +18681,7 @@
               <a:pPr>
                 <a:defRPr/>
               </a:pPr>
-              <a:t>32</a:t>
+              <a:t>28</a:t>
             </a:fld>
             <a:endParaRPr lang="pt-BR"/>
           </a:p>
@@ -19858,7 +18702,7 @@
 </p:sld>
 </file>
 
-<file path=ppt/slides/slide33.xml><?xml version="1.0" encoding="utf-8"?>
+<file path=ppt/slides/slide29.xml><?xml version="1.0" encoding="utf-8"?>
 <p:sld xmlns:a="http://schemas.openxmlformats.org/drawingml/2006/main" xmlns:r="http://schemas.openxmlformats.org/officeDocument/2006/relationships" xmlns:p="http://schemas.openxmlformats.org/presentationml/2006/main">
   <p:cSld>
     <p:spTree>
@@ -20022,7 +18866,7 @@
               <a:pPr>
                 <a:defRPr/>
               </a:pPr>
-              <a:t>33</a:t>
+              <a:t>29</a:t>
             </a:fld>
             <a:endParaRPr lang="pt-BR"/>
           </a:p>
@@ -20043,7 +18887,7 @@
 </p:sld>
 </file>
 
-<file path=ppt/slides/slide34.xml><?xml version="1.0" encoding="utf-8"?>
+<file path=ppt/slides/slide3.xml><?xml version="1.0" encoding="utf-8"?>
 <p:sld xmlns:a="http://schemas.openxmlformats.org/drawingml/2006/main" xmlns:r="http://schemas.openxmlformats.org/officeDocument/2006/relationships" xmlns:p="http://schemas.openxmlformats.org/presentationml/2006/main">
   <p:cSld>
     <p:spTree>
@@ -20089,7 +18933,7 @@
           <a:p>
             <a:r>
               <a:rPr lang="pt-BR" dirty="0" smtClean="0"/>
-              <a:t>Exercício</a:t>
+              <a:t>Introdução</a:t>
             </a:r>
             <a:endParaRPr lang="pt-BR" dirty="0"/>
           </a:p>
@@ -20110,41 +18954,73 @@
           <a:bodyPr/>
           <a:lstStyle/>
           <a:p>
+            <a:pPr>
+              <a:spcBef>
+                <a:spcPts val="3000"/>
+              </a:spcBef>
+            </a:pPr>
             <a:r>
               <a:rPr lang="pt-BR" dirty="0" smtClean="0"/>
-              <a:t>Crie a classe </a:t>
-            </a:r>
-            <a:r>
-              <a:rPr lang="pt-BR" dirty="0" err="1" smtClean="0">
-                <a:solidFill>
-                  <a:srgbClr val="FFC000"/>
-                </a:solidFill>
-              </a:rPr>
-              <a:t>ExercicioSet</a:t>
+              <a:t>Os </a:t>
+            </a:r>
+            <a:r>
+              <a:rPr lang="pt-BR" dirty="0" err="1" smtClean="0"/>
+              <a:t>arrays</a:t>
             </a:r>
             <a:r>
               <a:rPr lang="pt-BR" dirty="0" smtClean="0"/>
-              <a:t> que faz o mesmo que a classe </a:t>
-            </a:r>
+              <a:t> são estruturas de dados simples para armazenamento de conjuntos de informações</a:t>
+            </a:r>
+          </a:p>
+          <a:p>
+            <a:pPr>
+              <a:spcBef>
+                <a:spcPts val="3000"/>
+              </a:spcBef>
+            </a:pPr>
+            <a:r>
+              <a:rPr lang="pt-BR" dirty="0" smtClean="0"/>
+              <a:t>São bem eficientes, porém possuem limitações:</a:t>
+            </a:r>
+          </a:p>
+          <a:p>
+            <a:pPr lvl="1">
+              <a:spcBef>
+                <a:spcPts val="1200"/>
+              </a:spcBef>
+            </a:pPr>
             <a:r>
               <a:rPr lang="pt-BR" dirty="0" err="1" smtClean="0"/>
-              <a:t>ExercicioList</a:t>
+              <a:t>Arrays</a:t>
             </a:r>
             <a:r>
               <a:rPr lang="pt-BR" dirty="0" smtClean="0"/>
-              <a:t> do exercício anterior mas, utilize dest</a:t>
+              <a:t> possuem tamanho fixo</a:t>
+            </a:r>
+          </a:p>
+          <a:p>
+            <a:pPr lvl="1">
+              <a:spcBef>
+                <a:spcPts val="1200"/>
+              </a:spcBef>
+            </a:pPr>
+            <a:r>
+              <a:rPr lang="pt-BR" dirty="0" err="1" smtClean="0"/>
+              <a:t>Arrays</a:t>
             </a:r>
             <a:r>
               <a:rPr lang="pt-BR" dirty="0" smtClean="0"/>
-              <a:t>a vez um Set de funcionário.</a:t>
-            </a:r>
-          </a:p>
-          <a:p>
+              <a:t> não possuem nenhum mecanismo automático de classificação (</a:t>
+            </a:r>
+            <a:r>
+              <a:rPr lang="pt-BR" dirty="0" err="1" smtClean="0"/>
+              <a:t>sort</a:t>
+            </a:r>
             <a:r>
               <a:rPr lang="pt-BR" dirty="0" smtClean="0"/>
-              <a:t>Perceba que ao incluir funcionários com a mesmas características a lista elimina duplicidades e o relatório final não exibe funcionários iguais.</a:t>
-            </a:r>
-            <a:endParaRPr lang="pt-BR" dirty="0" smtClean="0"/>
+              <a:t>)</a:t>
+            </a:r>
+            <a:endParaRPr lang="pt-BR" dirty="0"/>
           </a:p>
         </p:txBody>
       </p:sp>
@@ -20171,7 +19047,7 @@
               <a:pPr>
                 <a:defRPr/>
               </a:pPr>
-              <a:t>34</a:t>
+              <a:t>3</a:t>
             </a:fld>
             <a:endParaRPr lang="pt-BR"/>
           </a:p>
@@ -20192,7 +19068,7 @@
 </p:sld>
 </file>
 
-<file path=ppt/slides/slide35.xml><?xml version="1.0" encoding="utf-8"?>
+<file path=ppt/slides/slide30.xml><?xml version="1.0" encoding="utf-8"?>
 <p:sld xmlns:a="http://schemas.openxmlformats.org/drawingml/2006/main" xmlns:r="http://schemas.openxmlformats.org/officeDocument/2006/relationships" xmlns:p="http://schemas.openxmlformats.org/presentationml/2006/main">
   <p:cSld>
     <p:spTree>
@@ -20347,7 +19223,7 @@
               <a:pPr>
                 <a:defRPr/>
               </a:pPr>
-              <a:t>35</a:t>
+              <a:t>30</a:t>
             </a:fld>
             <a:endParaRPr lang="pt-BR"/>
           </a:p>
@@ -20368,7 +19244,7 @@
 </p:sld>
 </file>
 
-<file path=ppt/slides/slide36.xml><?xml version="1.0" encoding="utf-8"?>
+<file path=ppt/slides/slide31.xml><?xml version="1.0" encoding="utf-8"?>
 <p:sld xmlns:a="http://schemas.openxmlformats.org/drawingml/2006/main" xmlns:r="http://schemas.openxmlformats.org/officeDocument/2006/relationships" xmlns:p="http://schemas.openxmlformats.org/presentationml/2006/main">
   <p:cSld>
     <p:spTree>
@@ -20447,7 +19323,7 @@
               <a:pPr>
                 <a:defRPr/>
               </a:pPr>
-              <a:t>36</a:t>
+              <a:t>31</a:t>
             </a:fld>
             <a:endParaRPr lang="pt-BR"/>
           </a:p>
@@ -21594,7 +20470,7 @@
 </p:sld>
 </file>
 
-<file path=ppt/slides/slide37.xml><?xml version="1.0" encoding="utf-8"?>
+<file path=ppt/slides/slide32.xml><?xml version="1.0" encoding="utf-8"?>
 <p:sld xmlns:a="http://schemas.openxmlformats.org/drawingml/2006/main" xmlns:r="http://schemas.openxmlformats.org/officeDocument/2006/relationships" xmlns:p="http://schemas.openxmlformats.org/presentationml/2006/main">
   <p:cSld>
     <p:spTree>
@@ -21673,7 +20549,7 @@
               <a:pPr>
                 <a:defRPr/>
               </a:pPr>
-              <a:t>37</a:t>
+              <a:t>32</a:t>
             </a:fld>
             <a:endParaRPr lang="pt-BR"/>
           </a:p>
@@ -21687,8 +20563,8 @@
         </p:nvGrpSpPr>
         <p:grpSpPr>
           <a:xfrm>
-            <a:off x="1043608" y="1916832"/>
-            <a:ext cx="6840760" cy="4177823"/>
+            <a:off x="1043608" y="2563545"/>
+            <a:ext cx="6840760" cy="3601759"/>
             <a:chOff x="1043608" y="1916832"/>
             <a:chExt cx="6840760" cy="4177823"/>
           </a:xfrm>
@@ -22608,6 +21484,142 @@
           </p:txBody>
         </p:sp>
       </p:grpSp>
+      <p:sp>
+        <p:nvSpPr>
+          <p:cNvPr id="20" name="Retângulo 19"/>
+          <p:cNvSpPr/>
+          <p:nvPr/>
+        </p:nvSpPr>
+        <p:spPr>
+          <a:xfrm>
+            <a:off x="2267744" y="1340768"/>
+            <a:ext cx="3888432" cy="576064"/>
+          </a:xfrm>
+          <a:prstGeom prst="rect">
+            <a:avLst/>
+          </a:prstGeom>
+          <a:noFill/>
+          <a:ln>
+            <a:noFill/>
+          </a:ln>
+        </p:spPr>
+        <p:style>
+          <a:lnRef idx="2">
+            <a:schemeClr val="accent1">
+              <a:shade val="50000"/>
+            </a:schemeClr>
+          </a:lnRef>
+          <a:fillRef idx="1">
+            <a:schemeClr val="accent1"/>
+          </a:fillRef>
+          <a:effectRef idx="0">
+            <a:schemeClr val="accent1"/>
+          </a:effectRef>
+          <a:fontRef idx="minor">
+            <a:schemeClr val="lt1"/>
+          </a:fontRef>
+        </p:style>
+        <p:txBody>
+          <a:bodyPr rtlCol="0" anchor="ctr"/>
+          <a:lstStyle/>
+          <a:p>
+            <a:pPr algn="ctr"/>
+            <a:r>
+              <a:rPr lang="pt-BR" sz="2800" b="1" dirty="0" err="1" smtClean="0"/>
+              <a:t>Map</a:t>
+            </a:r>
+            <a:r>
+              <a:rPr lang="pt-BR" sz="2800" b="1" dirty="0" smtClean="0"/>
+              <a:t>&lt;String, </a:t>
+            </a:r>
+            <a:r>
+              <a:rPr lang="pt-BR" sz="2800" b="1" dirty="0" err="1" smtClean="0"/>
+              <a:t>Object</a:t>
+            </a:r>
+            <a:r>
+              <a:rPr lang="pt-BR" sz="2800" b="1" dirty="0" smtClean="0"/>
+              <a:t>&gt;</a:t>
+            </a:r>
+            <a:endParaRPr lang="pt-BR" sz="2800" b="1" dirty="0"/>
+          </a:p>
+        </p:txBody>
+      </p:sp>
+      <p:cxnSp>
+        <p:nvCxnSpPr>
+          <p:cNvPr id="30" name="Conector angulado 29"/>
+          <p:cNvCxnSpPr/>
+          <p:nvPr/>
+        </p:nvCxnSpPr>
+        <p:spPr>
+          <a:xfrm rot="16200000" flipH="1" flipV="1">
+            <a:off x="2771799" y="1412775"/>
+            <a:ext cx="720080" cy="1584177"/>
+          </a:xfrm>
+          <a:prstGeom prst="bentConnector3">
+            <a:avLst>
+              <a:gd name="adj1" fmla="val 50000"/>
+            </a:avLst>
+          </a:prstGeom>
+          <a:ln w="28575">
+            <a:solidFill>
+              <a:schemeClr val="tx1"/>
+            </a:solidFill>
+            <a:tailEnd type="arrow"/>
+          </a:ln>
+        </p:spPr>
+        <p:style>
+          <a:lnRef idx="1">
+            <a:schemeClr val="accent1"/>
+          </a:lnRef>
+          <a:fillRef idx="0">
+            <a:schemeClr val="accent1"/>
+          </a:fillRef>
+          <a:effectRef idx="0">
+            <a:schemeClr val="accent1"/>
+          </a:effectRef>
+          <a:fontRef idx="minor">
+            <a:schemeClr val="tx1"/>
+          </a:fontRef>
+        </p:style>
+      </p:cxnSp>
+      <p:cxnSp>
+        <p:nvCxnSpPr>
+          <p:cNvPr id="48" name="Conector angulado 47"/>
+          <p:cNvCxnSpPr/>
+          <p:nvPr/>
+        </p:nvCxnSpPr>
+        <p:spPr>
+          <a:xfrm rot="5400000" flipV="1">
+            <a:off x="5076056" y="1916832"/>
+            <a:ext cx="720080" cy="576064"/>
+          </a:xfrm>
+          <a:prstGeom prst="bentConnector3">
+            <a:avLst>
+              <a:gd name="adj1" fmla="val 50000"/>
+            </a:avLst>
+          </a:prstGeom>
+          <a:ln w="28575">
+            <a:solidFill>
+              <a:schemeClr val="tx1"/>
+            </a:solidFill>
+            <a:tailEnd type="arrow"/>
+          </a:ln>
+        </p:spPr>
+        <p:style>
+          <a:lnRef idx="1">
+            <a:schemeClr val="accent1"/>
+          </a:lnRef>
+          <a:fillRef idx="0">
+            <a:schemeClr val="accent1"/>
+          </a:fillRef>
+          <a:effectRef idx="0">
+            <a:schemeClr val="accent1"/>
+          </a:effectRef>
+          <a:fontRef idx="minor">
+            <a:schemeClr val="tx1"/>
+          </a:fontRef>
+        </p:style>
+      </p:cxnSp>
     </p:spTree>
   </p:cSld>
   <p:clrMapOvr>
@@ -22623,318 +21635,7 @@
 </p:sld>
 </file>
 
-<file path=ppt/slides/slide38.xml><?xml version="1.0" encoding="utf-8"?>
-<p:sld xmlns:a="http://schemas.openxmlformats.org/drawingml/2006/main" xmlns:r="http://schemas.openxmlformats.org/officeDocument/2006/relationships" xmlns:p="http://schemas.openxmlformats.org/presentationml/2006/main">
-  <p:cSld>
-    <p:spTree>
-      <p:nvGrpSpPr>
-        <p:cNvPr id="1" name=""/>
-        <p:cNvGrpSpPr/>
-        <p:nvPr/>
-      </p:nvGrpSpPr>
-      <p:grpSpPr>
-        <a:xfrm>
-          <a:off x="0" y="0"/>
-          <a:ext cx="0" cy="0"/>
-          <a:chOff x="0" y="0"/>
-          <a:chExt cx="0" cy="0"/>
-        </a:xfrm>
-      </p:grpSpPr>
-      <p:sp>
-        <p:nvSpPr>
-          <p:cNvPr id="9218" name="Título 1"/>
-          <p:cNvSpPr>
-            <a:spLocks noGrp="1"/>
-          </p:cNvSpPr>
-          <p:nvPr>
-            <p:ph type="title"/>
-          </p:nvPr>
-        </p:nvSpPr>
-        <p:spPr>
-          <a:xfrm>
-            <a:off x="457200" y="274638"/>
-            <a:ext cx="8075240" cy="1143000"/>
-          </a:xfrm>
-        </p:spPr>
-        <p:txBody>
-          <a:bodyPr/>
-          <a:lstStyle/>
-          <a:p>
-            <a:pPr eaLnBrk="1" hangingPunct="1"/>
-            <a:r>
-              <a:rPr lang="pt-BR" dirty="0" err="1" smtClean="0"/>
-              <a:t>Map</a:t>
-            </a:r>
-            <a:r>
-              <a:rPr lang="pt-BR" dirty="0" smtClean="0"/>
-              <a:t> – Principais métodos</a:t>
-            </a:r>
-          </a:p>
-        </p:txBody>
-      </p:sp>
-      <p:sp>
-        <p:nvSpPr>
-          <p:cNvPr id="13" name="Espaço Reservado para Conteúdo 12"/>
-          <p:cNvSpPr>
-            <a:spLocks noGrp="1"/>
-          </p:cNvSpPr>
-          <p:nvPr>
-            <p:ph idx="1"/>
-          </p:nvPr>
-        </p:nvSpPr>
-        <p:spPr>
-          <a:xfrm>
-            <a:off x="457200" y="1495325"/>
-            <a:ext cx="7931224" cy="4525963"/>
-          </a:xfrm>
-        </p:spPr>
-        <p:txBody>
-          <a:bodyPr/>
-          <a:lstStyle/>
-          <a:p>
-            <a:pPr>
-              <a:spcBef>
-                <a:spcPts val="1200"/>
-              </a:spcBef>
-            </a:pPr>
-            <a:r>
-              <a:rPr lang="pt-BR" sz="2000" dirty="0" err="1" smtClean="0"/>
-              <a:t>put</a:t>
-            </a:r>
-            <a:r>
-              <a:rPr lang="pt-BR" sz="2000" dirty="0" smtClean="0"/>
-              <a:t>(K, V)</a:t>
-            </a:r>
-          </a:p>
-          <a:p>
-            <a:pPr lvl="1">
-              <a:spcBef>
-                <a:spcPts val="600"/>
-              </a:spcBef>
-            </a:pPr>
-            <a:r>
-              <a:rPr lang="pt-BR" sz="1800" dirty="0" smtClean="0"/>
-              <a:t>Adiciona ao </a:t>
-            </a:r>
-            <a:r>
-              <a:rPr lang="pt-BR" sz="1800" dirty="0" err="1" smtClean="0"/>
-              <a:t>map</a:t>
-            </a:r>
-            <a:r>
-              <a:rPr lang="pt-BR" sz="1800" dirty="0" smtClean="0"/>
-              <a:t> um elemento de chave K e conteúdo V</a:t>
-            </a:r>
-          </a:p>
-          <a:p>
-            <a:pPr>
-              <a:spcBef>
-                <a:spcPts val="1200"/>
-              </a:spcBef>
-            </a:pPr>
-            <a:r>
-              <a:rPr lang="pt-BR" sz="2000" dirty="0" err="1" smtClean="0"/>
-              <a:t>get</a:t>
-            </a:r>
-            <a:r>
-              <a:rPr lang="pt-BR" sz="2000" dirty="0" smtClean="0"/>
-              <a:t>(K)</a:t>
-            </a:r>
-          </a:p>
-          <a:p>
-            <a:pPr lvl="1">
-              <a:spcBef>
-                <a:spcPts val="600"/>
-              </a:spcBef>
-            </a:pPr>
-            <a:r>
-              <a:rPr lang="pt-BR" sz="1800" dirty="0" smtClean="0"/>
-              <a:t>Obtém o conteúdo do elemento que possui a chave K</a:t>
-            </a:r>
-          </a:p>
-          <a:p>
-            <a:pPr>
-              <a:spcBef>
-                <a:spcPts val="1200"/>
-              </a:spcBef>
-            </a:pPr>
-            <a:r>
-              <a:rPr lang="pt-BR" sz="2000" dirty="0" smtClean="0"/>
-              <a:t>remove(K)</a:t>
-            </a:r>
-          </a:p>
-          <a:p>
-            <a:pPr lvl="1">
-              <a:spcBef>
-                <a:spcPts val="600"/>
-              </a:spcBef>
-            </a:pPr>
-            <a:r>
-              <a:rPr lang="pt-BR" sz="1800" dirty="0" smtClean="0"/>
-              <a:t>Remove do </a:t>
-            </a:r>
-            <a:r>
-              <a:rPr lang="pt-BR" sz="1800" dirty="0" err="1" smtClean="0"/>
-              <a:t>map</a:t>
-            </a:r>
-            <a:r>
-              <a:rPr lang="pt-BR" sz="1800" dirty="0" smtClean="0"/>
-              <a:t> o elemento que possui chave K</a:t>
-            </a:r>
-          </a:p>
-          <a:p>
-            <a:pPr>
-              <a:spcBef>
-                <a:spcPts val="1200"/>
-              </a:spcBef>
-            </a:pPr>
-            <a:r>
-              <a:rPr lang="pt-BR" sz="2000" dirty="0" err="1" smtClean="0"/>
-              <a:t>clear</a:t>
-            </a:r>
-            <a:r>
-              <a:rPr lang="pt-BR" sz="2000" dirty="0" smtClean="0"/>
-              <a:t>()</a:t>
-            </a:r>
-          </a:p>
-          <a:p>
-            <a:pPr lvl="1">
-              <a:spcBef>
-                <a:spcPts val="600"/>
-              </a:spcBef>
-            </a:pPr>
-            <a:r>
-              <a:rPr lang="pt-BR" sz="1800" dirty="0" smtClean="0"/>
-              <a:t>Remove  todos os elementos do </a:t>
-            </a:r>
-            <a:r>
-              <a:rPr lang="pt-BR" sz="1800" dirty="0" err="1" smtClean="0"/>
-              <a:t>map</a:t>
-            </a:r>
-            <a:r>
-              <a:rPr lang="pt-BR" sz="1800" dirty="0" smtClean="0"/>
-              <a:t>, tornando-o vazio</a:t>
-            </a:r>
-          </a:p>
-          <a:p>
-            <a:pPr>
-              <a:spcBef>
-                <a:spcPts val="1200"/>
-              </a:spcBef>
-            </a:pPr>
-            <a:r>
-              <a:rPr lang="pt-BR" sz="2000" dirty="0" err="1" smtClean="0"/>
-              <a:t>size</a:t>
-            </a:r>
-            <a:r>
-              <a:rPr lang="pt-BR" sz="2000" dirty="0" smtClean="0"/>
-              <a:t>()</a:t>
-            </a:r>
-          </a:p>
-          <a:p>
-            <a:pPr lvl="1">
-              <a:spcBef>
-                <a:spcPts val="600"/>
-              </a:spcBef>
-            </a:pPr>
-            <a:r>
-              <a:rPr lang="pt-BR" sz="1800" dirty="0" smtClean="0"/>
-              <a:t>Retorna o número de itens contidos no </a:t>
-            </a:r>
-            <a:r>
-              <a:rPr lang="pt-BR" sz="1800" dirty="0" err="1" smtClean="0"/>
-              <a:t>map</a:t>
-            </a:r>
-            <a:endParaRPr lang="pt-BR" sz="1800" dirty="0" smtClean="0"/>
-          </a:p>
-          <a:p>
-            <a:pPr>
-              <a:spcBef>
-                <a:spcPts val="1200"/>
-              </a:spcBef>
-            </a:pPr>
-            <a:r>
-              <a:rPr lang="pt-BR" sz="2000" dirty="0" err="1" smtClean="0"/>
-              <a:t>keySet</a:t>
-            </a:r>
-            <a:r>
-              <a:rPr lang="pt-BR" sz="2000" dirty="0" smtClean="0"/>
-              <a:t>()</a:t>
-            </a:r>
-          </a:p>
-          <a:p>
-            <a:pPr lvl="1">
-              <a:spcBef>
-                <a:spcPts val="600"/>
-              </a:spcBef>
-            </a:pPr>
-            <a:r>
-              <a:rPr lang="pt-BR" sz="1800" dirty="0" smtClean="0"/>
-              <a:t>Retorna um Set contendo todas as chaves do </a:t>
-            </a:r>
-            <a:r>
-              <a:rPr lang="pt-BR" sz="1800" dirty="0" err="1" smtClean="0"/>
-              <a:t>map</a:t>
-            </a:r>
-            <a:r>
-              <a:rPr lang="pt-BR" sz="1800" dirty="0" smtClean="0"/>
-              <a:t>. Tipicamente utilizado para varrer os elementos do </a:t>
-            </a:r>
-            <a:r>
-              <a:rPr lang="pt-BR" sz="1800" dirty="0" err="1" smtClean="0"/>
-              <a:t>map</a:t>
-            </a:r>
-            <a:r>
-              <a:rPr lang="pt-BR" sz="1800" dirty="0" smtClean="0"/>
-              <a:t>.</a:t>
-            </a:r>
-          </a:p>
-        </p:txBody>
-      </p:sp>
-      <p:sp>
-        <p:nvSpPr>
-          <p:cNvPr id="15" name="Espaço Reservado para Número de Slide 14"/>
-          <p:cNvSpPr>
-            <a:spLocks noGrp="1"/>
-          </p:cNvSpPr>
-          <p:nvPr>
-            <p:ph type="sldNum" sz="quarter" idx="12"/>
-          </p:nvPr>
-        </p:nvSpPr>
-        <p:spPr/>
-        <p:txBody>
-          <a:bodyPr/>
-          <a:lstStyle/>
-          <a:p>
-            <a:pPr>
-              <a:defRPr/>
-            </a:pPr>
-            <a:fld id="{7E263EA5-71DF-4638-BC15-81D6FFD3C7EB}" type="slidenum">
-              <a:rPr lang="pt-BR" smtClean="0"/>
-              <a:pPr>
-                <a:defRPr/>
-              </a:pPr>
-              <a:t>38</a:t>
-            </a:fld>
-            <a:endParaRPr lang="pt-BR"/>
-          </a:p>
-        </p:txBody>
-      </p:sp>
-    </p:spTree>
-  </p:cSld>
-  <p:clrMapOvr>
-    <a:masterClrMapping/>
-  </p:clrMapOvr>
-  <p:timing>
-    <p:tnLst>
-      <p:par>
-        <p:cTn id="1" dur="indefinite" restart="never" nodeType="tmRoot"/>
-      </p:par>
-    </p:tnLst>
-  </p:timing>
-</p:sld>
-</file>
-
-<file path=ppt/slides/slide39.xml><?xml version="1.0" encoding="utf-8"?>
+<file path=ppt/slides/slide33.xml><?xml version="1.0" encoding="utf-8"?>
 <p:sld xmlns:a="http://schemas.openxmlformats.org/drawingml/2006/main" xmlns:r="http://schemas.openxmlformats.org/officeDocument/2006/relationships" xmlns:p="http://schemas.openxmlformats.org/presentationml/2006/main">
   <p:cSld>
     <p:spTree>
@@ -22992,6 +21693,1136 @@
       </p:sp>
       <p:sp>
         <p:nvSpPr>
+          <p:cNvPr id="15" name="Espaço Reservado para Número de Slide 14"/>
+          <p:cNvSpPr>
+            <a:spLocks noGrp="1"/>
+          </p:cNvSpPr>
+          <p:nvPr>
+            <p:ph type="sldNum" sz="quarter" idx="12"/>
+          </p:nvPr>
+        </p:nvSpPr>
+        <p:spPr/>
+        <p:txBody>
+          <a:bodyPr/>
+          <a:lstStyle/>
+          <a:p>
+            <a:pPr>
+              <a:defRPr/>
+            </a:pPr>
+            <a:fld id="{7E263EA5-71DF-4638-BC15-81D6FFD3C7EB}" type="slidenum">
+              <a:rPr lang="pt-BR" smtClean="0"/>
+              <a:pPr>
+                <a:defRPr/>
+              </a:pPr>
+              <a:t>33</a:t>
+            </a:fld>
+            <a:endParaRPr lang="pt-BR"/>
+          </a:p>
+        </p:txBody>
+      </p:sp>
+      <p:grpSp>
+        <p:nvGrpSpPr>
+          <p:cNvPr id="2" name="Grupo 30"/>
+          <p:cNvGrpSpPr/>
+          <p:nvPr/>
+        </p:nvGrpSpPr>
+        <p:grpSpPr>
+          <a:xfrm>
+            <a:off x="467544" y="2563544"/>
+            <a:ext cx="8100391" cy="2881679"/>
+            <a:chOff x="1043609" y="1916832"/>
+            <a:chExt cx="8100391" cy="2862657"/>
+          </a:xfrm>
+        </p:grpSpPr>
+        <p:sp>
+          <p:nvSpPr>
+            <p:cNvPr id="10" name="AutoShape 3"/>
+            <p:cNvSpPr>
+              <a:spLocks noChangeArrowheads="1"/>
+            </p:cNvSpPr>
+            <p:nvPr/>
+          </p:nvSpPr>
+          <p:spPr bwMode="auto">
+            <a:xfrm>
+              <a:off x="1043609" y="3914034"/>
+              <a:ext cx="1944215" cy="865455"/>
+            </a:xfrm>
+            <a:prstGeom prst="cube">
+              <a:avLst>
+                <a:gd name="adj" fmla="val 25000"/>
+              </a:avLst>
+            </a:prstGeom>
+            <a:solidFill>
+              <a:srgbClr val="CC9900"/>
+            </a:solidFill>
+            <a:ln w="9360">
+              <a:solidFill>
+                <a:srgbClr val="FFFFFF"/>
+              </a:solidFill>
+              <a:miter lim="800000"/>
+              <a:headEnd/>
+              <a:tailEnd/>
+            </a:ln>
+          </p:spPr>
+          <p:txBody>
+            <a:bodyPr wrap="none" lIns="90000" tIns="46800" rIns="90000" bIns="46800" anchor="ctr"/>
+            <a:lstStyle/>
+            <a:p>
+              <a:pPr algn="ctr">
+                <a:spcBef>
+                  <a:spcPts val="750"/>
+                </a:spcBef>
+                <a:buClrTx/>
+                <a:buFontTx/>
+                <a:buNone/>
+                <a:tabLst>
+                  <a:tab pos="0" algn="l"/>
+                  <a:tab pos="914400" algn="l"/>
+                  <a:tab pos="1828800" algn="l"/>
+                  <a:tab pos="2743200" algn="l"/>
+                  <a:tab pos="3657600" algn="l"/>
+                  <a:tab pos="4572000" algn="l"/>
+                  <a:tab pos="5486400" algn="l"/>
+                  <a:tab pos="6400800" algn="l"/>
+                  <a:tab pos="7315200" algn="l"/>
+                  <a:tab pos="8229600" algn="l"/>
+                  <a:tab pos="9144000" algn="l"/>
+                  <a:tab pos="10058400" algn="l"/>
+                </a:tabLst>
+              </a:pPr>
+              <a:r>
+                <a:rPr lang="pt-BR" sz="2400" spc="-150" dirty="0" smtClean="0"/>
+                <a:t>“1874309-5”</a:t>
+              </a:r>
+              <a:endParaRPr lang="pt-BR" sz="2400" spc="-150" dirty="0">
+                <a:solidFill>
+                  <a:srgbClr val="FFFFFF"/>
+                </a:solidFill>
+                <a:latin typeface="Arial" charset="0"/>
+              </a:endParaRPr>
+            </a:p>
+          </p:txBody>
+        </p:sp>
+        <p:sp>
+          <p:nvSpPr>
+            <p:cNvPr id="11" name="AutoShape 3"/>
+            <p:cNvSpPr>
+              <a:spLocks noChangeArrowheads="1"/>
+            </p:cNvSpPr>
+            <p:nvPr/>
+          </p:nvSpPr>
+          <p:spPr bwMode="auto">
+            <a:xfrm>
+              <a:off x="1043609" y="3248300"/>
+              <a:ext cx="1944215" cy="865455"/>
+            </a:xfrm>
+            <a:prstGeom prst="cube">
+              <a:avLst>
+                <a:gd name="adj" fmla="val 25000"/>
+              </a:avLst>
+            </a:prstGeom>
+            <a:solidFill>
+              <a:srgbClr val="CC9900"/>
+            </a:solidFill>
+            <a:ln w="9360">
+              <a:solidFill>
+                <a:srgbClr val="FFFFFF"/>
+              </a:solidFill>
+              <a:miter lim="800000"/>
+              <a:headEnd/>
+              <a:tailEnd/>
+            </a:ln>
+          </p:spPr>
+          <p:txBody>
+            <a:bodyPr wrap="none" lIns="90000" tIns="46800" rIns="90000" bIns="46800" anchor="ctr"/>
+            <a:lstStyle/>
+            <a:p>
+              <a:pPr algn="ctr">
+                <a:spcBef>
+                  <a:spcPts val="750"/>
+                </a:spcBef>
+                <a:buClrTx/>
+                <a:buFontTx/>
+                <a:buNone/>
+                <a:tabLst>
+                  <a:tab pos="0" algn="l"/>
+                  <a:tab pos="914400" algn="l"/>
+                  <a:tab pos="1828800" algn="l"/>
+                  <a:tab pos="2743200" algn="l"/>
+                  <a:tab pos="3657600" algn="l"/>
+                  <a:tab pos="4572000" algn="l"/>
+                  <a:tab pos="5486400" algn="l"/>
+                  <a:tab pos="6400800" algn="l"/>
+                  <a:tab pos="7315200" algn="l"/>
+                  <a:tab pos="8229600" algn="l"/>
+                  <a:tab pos="9144000" algn="l"/>
+                  <a:tab pos="10058400" algn="l"/>
+                </a:tabLst>
+              </a:pPr>
+              <a:r>
+                <a:rPr lang="pt-BR" sz="2400" spc="-150" dirty="0" smtClean="0"/>
+                <a:t>“3945651-1”</a:t>
+              </a:r>
+              <a:endParaRPr lang="pt-BR" sz="2400" spc="-150" dirty="0">
+                <a:solidFill>
+                  <a:srgbClr val="FFFFFF"/>
+                </a:solidFill>
+                <a:latin typeface="Arial" charset="0"/>
+              </a:endParaRPr>
+            </a:p>
+          </p:txBody>
+        </p:sp>
+        <p:sp>
+          <p:nvSpPr>
+            <p:cNvPr id="12" name="AutoShape 3"/>
+            <p:cNvSpPr>
+              <a:spLocks noChangeArrowheads="1"/>
+            </p:cNvSpPr>
+            <p:nvPr/>
+          </p:nvSpPr>
+          <p:spPr bwMode="auto">
+            <a:xfrm>
+              <a:off x="1043609" y="2582565"/>
+              <a:ext cx="1944215" cy="865455"/>
+            </a:xfrm>
+            <a:prstGeom prst="cube">
+              <a:avLst>
+                <a:gd name="adj" fmla="val 25000"/>
+              </a:avLst>
+            </a:prstGeom>
+            <a:solidFill>
+              <a:srgbClr val="CC9900"/>
+            </a:solidFill>
+            <a:ln w="9360">
+              <a:solidFill>
+                <a:srgbClr val="FFFFFF"/>
+              </a:solidFill>
+              <a:miter lim="800000"/>
+              <a:headEnd/>
+              <a:tailEnd/>
+            </a:ln>
+          </p:spPr>
+          <p:txBody>
+            <a:bodyPr wrap="none" lIns="90000" tIns="46800" rIns="90000" bIns="46800" anchor="ctr"/>
+            <a:lstStyle/>
+            <a:p>
+              <a:pPr algn="ctr">
+                <a:spcBef>
+                  <a:spcPts val="750"/>
+                </a:spcBef>
+                <a:buClrTx/>
+                <a:buFontTx/>
+                <a:buNone/>
+                <a:tabLst>
+                  <a:tab pos="0" algn="l"/>
+                  <a:tab pos="914400" algn="l"/>
+                  <a:tab pos="1828800" algn="l"/>
+                  <a:tab pos="2743200" algn="l"/>
+                  <a:tab pos="3657600" algn="l"/>
+                  <a:tab pos="4572000" algn="l"/>
+                  <a:tab pos="5486400" algn="l"/>
+                  <a:tab pos="6400800" algn="l"/>
+                  <a:tab pos="7315200" algn="l"/>
+                  <a:tab pos="8229600" algn="l"/>
+                  <a:tab pos="9144000" algn="l"/>
+                  <a:tab pos="10058400" algn="l"/>
+                </a:tabLst>
+              </a:pPr>
+              <a:r>
+                <a:rPr lang="pt-BR" sz="2400" spc="-150" dirty="0" smtClean="0"/>
+                <a:t>“76836-7”</a:t>
+              </a:r>
+              <a:endParaRPr lang="pt-BR" sz="2400" spc="-150" dirty="0">
+                <a:solidFill>
+                  <a:srgbClr val="FFFFFF"/>
+                </a:solidFill>
+                <a:latin typeface="Arial" charset="0"/>
+              </a:endParaRPr>
+            </a:p>
+          </p:txBody>
+        </p:sp>
+        <p:sp>
+          <p:nvSpPr>
+            <p:cNvPr id="14" name="AutoShape 3"/>
+            <p:cNvSpPr>
+              <a:spLocks noChangeArrowheads="1"/>
+            </p:cNvSpPr>
+            <p:nvPr/>
+          </p:nvSpPr>
+          <p:spPr bwMode="auto">
+            <a:xfrm>
+              <a:off x="2771800" y="3914034"/>
+              <a:ext cx="6372200" cy="865455"/>
+            </a:xfrm>
+            <a:prstGeom prst="cube">
+              <a:avLst>
+                <a:gd name="adj" fmla="val 25000"/>
+              </a:avLst>
+            </a:prstGeom>
+            <a:solidFill>
+              <a:srgbClr val="CC9900"/>
+            </a:solidFill>
+            <a:ln w="9360">
+              <a:solidFill>
+                <a:srgbClr val="FFFFFF"/>
+              </a:solidFill>
+              <a:miter lim="800000"/>
+              <a:headEnd/>
+              <a:tailEnd/>
+            </a:ln>
+          </p:spPr>
+          <p:txBody>
+            <a:bodyPr wrap="none" lIns="90000" tIns="46800" rIns="90000" bIns="46800" anchor="ctr"/>
+            <a:lstStyle/>
+            <a:p>
+              <a:pPr algn="ctr">
+                <a:spcBef>
+                  <a:spcPts val="750"/>
+                </a:spcBef>
+                <a:buClrTx/>
+                <a:buFontTx/>
+                <a:buNone/>
+                <a:tabLst>
+                  <a:tab pos="0" algn="l"/>
+                  <a:tab pos="914400" algn="l"/>
+                  <a:tab pos="1828800" algn="l"/>
+                  <a:tab pos="2743200" algn="l"/>
+                  <a:tab pos="3657600" algn="l"/>
+                  <a:tab pos="4572000" algn="l"/>
+                  <a:tab pos="5486400" algn="l"/>
+                  <a:tab pos="6400800" algn="l"/>
+                  <a:tab pos="7315200" algn="l"/>
+                  <a:tab pos="8229600" algn="l"/>
+                  <a:tab pos="9144000" algn="l"/>
+                  <a:tab pos="10058400" algn="l"/>
+                </a:tabLst>
+              </a:pPr>
+              <a:r>
+                <a:rPr lang="pt-BR" sz="2400" spc="-150" dirty="0" err="1" smtClean="0"/>
+                <a:t>new</a:t>
+              </a:r>
+              <a:r>
+                <a:rPr lang="pt-BR" sz="2400" spc="-150" dirty="0" smtClean="0"/>
+                <a:t> Cliente(“1874309-5”, “Maria”, “Alameda XV”)</a:t>
+              </a:r>
+              <a:endParaRPr lang="pt-BR" sz="2400" spc="-150" dirty="0">
+                <a:solidFill>
+                  <a:srgbClr val="FFFFFF"/>
+                </a:solidFill>
+                <a:latin typeface="Arial" charset="0"/>
+              </a:endParaRPr>
+            </a:p>
+          </p:txBody>
+        </p:sp>
+        <p:sp>
+          <p:nvSpPr>
+            <p:cNvPr id="16" name="AutoShape 3"/>
+            <p:cNvSpPr>
+              <a:spLocks noChangeArrowheads="1"/>
+            </p:cNvSpPr>
+            <p:nvPr/>
+          </p:nvSpPr>
+          <p:spPr bwMode="auto">
+            <a:xfrm>
+              <a:off x="2771800" y="3248300"/>
+              <a:ext cx="6372200" cy="865455"/>
+            </a:xfrm>
+            <a:prstGeom prst="cube">
+              <a:avLst>
+                <a:gd name="adj" fmla="val 25000"/>
+              </a:avLst>
+            </a:prstGeom>
+            <a:solidFill>
+              <a:srgbClr val="CC9900"/>
+            </a:solidFill>
+            <a:ln w="9360">
+              <a:solidFill>
+                <a:srgbClr val="FFFFFF"/>
+              </a:solidFill>
+              <a:miter lim="800000"/>
+              <a:headEnd/>
+              <a:tailEnd/>
+            </a:ln>
+          </p:spPr>
+          <p:txBody>
+            <a:bodyPr wrap="none" lIns="90000" tIns="46800" rIns="90000" bIns="46800" anchor="ctr"/>
+            <a:lstStyle/>
+            <a:p>
+              <a:pPr algn="ctr">
+                <a:spcBef>
+                  <a:spcPts val="750"/>
+                </a:spcBef>
+                <a:buClrTx/>
+                <a:buFontTx/>
+                <a:buNone/>
+                <a:tabLst>
+                  <a:tab pos="0" algn="l"/>
+                  <a:tab pos="914400" algn="l"/>
+                  <a:tab pos="1828800" algn="l"/>
+                  <a:tab pos="2743200" algn="l"/>
+                  <a:tab pos="3657600" algn="l"/>
+                  <a:tab pos="4572000" algn="l"/>
+                  <a:tab pos="5486400" algn="l"/>
+                  <a:tab pos="6400800" algn="l"/>
+                  <a:tab pos="7315200" algn="l"/>
+                  <a:tab pos="8229600" algn="l"/>
+                  <a:tab pos="9144000" algn="l"/>
+                  <a:tab pos="10058400" algn="l"/>
+                </a:tabLst>
+              </a:pPr>
+              <a:r>
+                <a:rPr lang="pt-BR" sz="2400" spc="-150" dirty="0" err="1" smtClean="0"/>
+                <a:t>new</a:t>
+              </a:r>
+              <a:r>
+                <a:rPr lang="pt-BR" sz="2400" spc="-150" dirty="0" smtClean="0"/>
+                <a:t> Cliente(“3945651-1”, “Joaquim”, “Rua 35”)</a:t>
+              </a:r>
+              <a:endParaRPr lang="pt-BR" sz="2400" spc="-150" dirty="0">
+                <a:solidFill>
+                  <a:srgbClr val="FFFFFF"/>
+                </a:solidFill>
+                <a:latin typeface="Arial" charset="0"/>
+              </a:endParaRPr>
+            </a:p>
+          </p:txBody>
+        </p:sp>
+        <p:sp>
+          <p:nvSpPr>
+            <p:cNvPr id="17" name="AutoShape 3"/>
+            <p:cNvSpPr>
+              <a:spLocks noChangeArrowheads="1"/>
+            </p:cNvSpPr>
+            <p:nvPr/>
+          </p:nvSpPr>
+          <p:spPr bwMode="auto">
+            <a:xfrm>
+              <a:off x="2771800" y="2582565"/>
+              <a:ext cx="6372200" cy="865455"/>
+            </a:xfrm>
+            <a:prstGeom prst="cube">
+              <a:avLst>
+                <a:gd name="adj" fmla="val 25000"/>
+              </a:avLst>
+            </a:prstGeom>
+            <a:solidFill>
+              <a:srgbClr val="CC9900"/>
+            </a:solidFill>
+            <a:ln w="9360">
+              <a:solidFill>
+                <a:srgbClr val="FFFFFF"/>
+              </a:solidFill>
+              <a:miter lim="800000"/>
+              <a:headEnd/>
+              <a:tailEnd/>
+            </a:ln>
+          </p:spPr>
+          <p:txBody>
+            <a:bodyPr wrap="none" lIns="90000" tIns="46800" rIns="90000" bIns="46800" anchor="ctr"/>
+            <a:lstStyle/>
+            <a:p>
+              <a:pPr algn="ctr">
+                <a:spcBef>
+                  <a:spcPts val="750"/>
+                </a:spcBef>
+                <a:buClrTx/>
+                <a:buFontTx/>
+                <a:buNone/>
+                <a:tabLst>
+                  <a:tab pos="0" algn="l"/>
+                  <a:tab pos="914400" algn="l"/>
+                  <a:tab pos="1828800" algn="l"/>
+                  <a:tab pos="2743200" algn="l"/>
+                  <a:tab pos="3657600" algn="l"/>
+                  <a:tab pos="4572000" algn="l"/>
+                  <a:tab pos="5486400" algn="l"/>
+                  <a:tab pos="6400800" algn="l"/>
+                  <a:tab pos="7315200" algn="l"/>
+                  <a:tab pos="8229600" algn="l"/>
+                  <a:tab pos="9144000" algn="l"/>
+                  <a:tab pos="10058400" algn="l"/>
+                </a:tabLst>
+              </a:pPr>
+              <a:r>
+                <a:rPr lang="pt-BR" sz="2400" spc="-150" dirty="0" err="1" smtClean="0"/>
+                <a:t>new</a:t>
+              </a:r>
+              <a:r>
+                <a:rPr lang="pt-BR" sz="2400" spc="-150" dirty="0" smtClean="0"/>
+                <a:t> Cliente(“76836-7”, “Ricardo”, “Av. Central, 23”)</a:t>
+              </a:r>
+              <a:endParaRPr lang="pt-BR" sz="2400" spc="-150" dirty="0">
+                <a:solidFill>
+                  <a:srgbClr val="FFFFFF"/>
+                </a:solidFill>
+                <a:latin typeface="Arial" charset="0"/>
+              </a:endParaRPr>
+            </a:p>
+          </p:txBody>
+        </p:sp>
+        <p:sp>
+          <p:nvSpPr>
+            <p:cNvPr id="18" name="AutoShape 3"/>
+            <p:cNvSpPr>
+              <a:spLocks noChangeArrowheads="1"/>
+            </p:cNvSpPr>
+            <p:nvPr/>
+          </p:nvSpPr>
+          <p:spPr bwMode="auto">
+            <a:xfrm>
+              <a:off x="1043609" y="1916832"/>
+              <a:ext cx="1944215" cy="865455"/>
+            </a:xfrm>
+            <a:prstGeom prst="cube">
+              <a:avLst>
+                <a:gd name="adj" fmla="val 25000"/>
+              </a:avLst>
+            </a:prstGeom>
+            <a:solidFill>
+              <a:srgbClr val="CC9900"/>
+            </a:solidFill>
+            <a:ln w="9360">
+              <a:solidFill>
+                <a:srgbClr val="FFFFFF"/>
+              </a:solidFill>
+              <a:miter lim="800000"/>
+              <a:headEnd/>
+              <a:tailEnd/>
+            </a:ln>
+          </p:spPr>
+          <p:txBody>
+            <a:bodyPr wrap="none" lIns="90000" tIns="46800" rIns="90000" bIns="46800" anchor="ctr"/>
+            <a:lstStyle/>
+            <a:p>
+              <a:pPr algn="ctr">
+                <a:spcBef>
+                  <a:spcPts val="750"/>
+                </a:spcBef>
+                <a:buClrTx/>
+                <a:buFontTx/>
+                <a:buNone/>
+                <a:tabLst>
+                  <a:tab pos="0" algn="l"/>
+                  <a:tab pos="914400" algn="l"/>
+                  <a:tab pos="1828800" algn="l"/>
+                  <a:tab pos="2743200" algn="l"/>
+                  <a:tab pos="3657600" algn="l"/>
+                  <a:tab pos="4572000" algn="l"/>
+                  <a:tab pos="5486400" algn="l"/>
+                  <a:tab pos="6400800" algn="l"/>
+                  <a:tab pos="7315200" algn="l"/>
+                  <a:tab pos="8229600" algn="l"/>
+                  <a:tab pos="9144000" algn="l"/>
+                  <a:tab pos="10058400" algn="l"/>
+                </a:tabLst>
+              </a:pPr>
+              <a:r>
+                <a:rPr lang="pt-BR" sz="2400" spc="-150" dirty="0" smtClean="0"/>
+                <a:t>“897822-9”</a:t>
+              </a:r>
+              <a:endParaRPr lang="pt-BR" sz="2400" spc="-150" dirty="0">
+                <a:solidFill>
+                  <a:srgbClr val="FFFFFF"/>
+                </a:solidFill>
+                <a:latin typeface="Arial" charset="0"/>
+              </a:endParaRPr>
+            </a:p>
+          </p:txBody>
+        </p:sp>
+        <p:sp>
+          <p:nvSpPr>
+            <p:cNvPr id="19" name="AutoShape 3"/>
+            <p:cNvSpPr>
+              <a:spLocks noChangeArrowheads="1"/>
+            </p:cNvSpPr>
+            <p:nvPr/>
+          </p:nvSpPr>
+          <p:spPr bwMode="auto">
+            <a:xfrm>
+              <a:off x="2771800" y="1916832"/>
+              <a:ext cx="6372200" cy="865455"/>
+            </a:xfrm>
+            <a:prstGeom prst="cube">
+              <a:avLst>
+                <a:gd name="adj" fmla="val 25000"/>
+              </a:avLst>
+            </a:prstGeom>
+            <a:solidFill>
+              <a:srgbClr val="CC9900"/>
+            </a:solidFill>
+            <a:ln w="9360">
+              <a:solidFill>
+                <a:srgbClr val="FFFFFF"/>
+              </a:solidFill>
+              <a:miter lim="800000"/>
+              <a:headEnd/>
+              <a:tailEnd/>
+            </a:ln>
+          </p:spPr>
+          <p:txBody>
+            <a:bodyPr wrap="none" lIns="90000" tIns="46800" rIns="90000" bIns="46800" anchor="ctr"/>
+            <a:lstStyle/>
+            <a:p>
+              <a:pPr algn="ctr">
+                <a:spcBef>
+                  <a:spcPts val="750"/>
+                </a:spcBef>
+                <a:buClrTx/>
+                <a:buFontTx/>
+                <a:buNone/>
+                <a:tabLst>
+                  <a:tab pos="0" algn="l"/>
+                  <a:tab pos="914400" algn="l"/>
+                  <a:tab pos="1828800" algn="l"/>
+                  <a:tab pos="2743200" algn="l"/>
+                  <a:tab pos="3657600" algn="l"/>
+                  <a:tab pos="4572000" algn="l"/>
+                  <a:tab pos="5486400" algn="l"/>
+                  <a:tab pos="6400800" algn="l"/>
+                  <a:tab pos="7315200" algn="l"/>
+                  <a:tab pos="8229600" algn="l"/>
+                  <a:tab pos="9144000" algn="l"/>
+                  <a:tab pos="10058400" algn="l"/>
+                </a:tabLst>
+              </a:pPr>
+              <a:r>
+                <a:rPr lang="pt-BR" sz="2400" spc="-150" dirty="0" err="1" smtClean="0"/>
+                <a:t>new</a:t>
+              </a:r>
+              <a:r>
+                <a:rPr lang="pt-BR" sz="2400" spc="-150" dirty="0" smtClean="0"/>
+                <a:t> Cliente</a:t>
+              </a:r>
+              <a:r>
+                <a:rPr lang="pt-BR" sz="2400" spc="-150" dirty="0" smtClean="0"/>
+                <a:t>(“897822-9”, </a:t>
+              </a:r>
+              <a:r>
+                <a:rPr lang="pt-BR" sz="2400" spc="-150" dirty="0" smtClean="0"/>
+                <a:t>“Manuel”, “Rua 5”)</a:t>
+              </a:r>
+              <a:endParaRPr lang="pt-BR" sz="2400" spc="-150" dirty="0">
+                <a:solidFill>
+                  <a:srgbClr val="FFFFFF"/>
+                </a:solidFill>
+                <a:latin typeface="Arial" charset="0"/>
+              </a:endParaRPr>
+            </a:p>
+          </p:txBody>
+        </p:sp>
+      </p:grpSp>
+      <p:sp>
+        <p:nvSpPr>
+          <p:cNvPr id="20" name="Retângulo 19"/>
+          <p:cNvSpPr/>
+          <p:nvPr/>
+        </p:nvSpPr>
+        <p:spPr>
+          <a:xfrm>
+            <a:off x="1835696" y="1340768"/>
+            <a:ext cx="4752528" cy="576064"/>
+          </a:xfrm>
+          <a:prstGeom prst="rect">
+            <a:avLst/>
+          </a:prstGeom>
+          <a:noFill/>
+          <a:ln>
+            <a:noFill/>
+          </a:ln>
+        </p:spPr>
+        <p:style>
+          <a:lnRef idx="2">
+            <a:schemeClr val="accent1">
+              <a:shade val="50000"/>
+            </a:schemeClr>
+          </a:lnRef>
+          <a:fillRef idx="1">
+            <a:schemeClr val="accent1"/>
+          </a:fillRef>
+          <a:effectRef idx="0">
+            <a:schemeClr val="accent1"/>
+          </a:effectRef>
+          <a:fontRef idx="minor">
+            <a:schemeClr val="lt1"/>
+          </a:fontRef>
+        </p:style>
+        <p:txBody>
+          <a:bodyPr rtlCol="0" anchor="ctr"/>
+          <a:lstStyle/>
+          <a:p>
+            <a:pPr algn="ctr"/>
+            <a:r>
+              <a:rPr lang="pt-BR" sz="2800" b="1" dirty="0" err="1" smtClean="0"/>
+              <a:t>Map</a:t>
+            </a:r>
+            <a:r>
+              <a:rPr lang="pt-BR" sz="2800" b="1" dirty="0" smtClean="0"/>
+              <a:t>&lt;String, Cliente&gt;</a:t>
+            </a:r>
+            <a:endParaRPr lang="pt-BR" sz="2800" b="1" dirty="0"/>
+          </a:p>
+        </p:txBody>
+      </p:sp>
+      <p:cxnSp>
+        <p:nvCxnSpPr>
+          <p:cNvPr id="48" name="Conector angulado 47"/>
+          <p:cNvCxnSpPr/>
+          <p:nvPr/>
+        </p:nvCxnSpPr>
+        <p:spPr>
+          <a:xfrm rot="5400000" flipV="1">
+            <a:off x="5076056" y="1916832"/>
+            <a:ext cx="720080" cy="576064"/>
+          </a:xfrm>
+          <a:prstGeom prst="bentConnector3">
+            <a:avLst>
+              <a:gd name="adj1" fmla="val 50000"/>
+            </a:avLst>
+          </a:prstGeom>
+          <a:ln w="28575">
+            <a:solidFill>
+              <a:schemeClr val="tx1"/>
+            </a:solidFill>
+            <a:tailEnd type="arrow"/>
+          </a:ln>
+        </p:spPr>
+        <p:style>
+          <a:lnRef idx="1">
+            <a:schemeClr val="accent1"/>
+          </a:lnRef>
+          <a:fillRef idx="0">
+            <a:schemeClr val="accent1"/>
+          </a:fillRef>
+          <a:effectRef idx="0">
+            <a:schemeClr val="accent1"/>
+          </a:effectRef>
+          <a:fontRef idx="minor">
+            <a:schemeClr val="tx1"/>
+          </a:fontRef>
+        </p:style>
+      </p:cxnSp>
+      <p:cxnSp>
+        <p:nvCxnSpPr>
+          <p:cNvPr id="30" name="Conector angulado 29"/>
+          <p:cNvCxnSpPr/>
+          <p:nvPr/>
+        </p:nvCxnSpPr>
+        <p:spPr>
+          <a:xfrm rot="16200000" flipH="1" flipV="1">
+            <a:off x="2328122" y="1064366"/>
+            <a:ext cx="720080" cy="2280994"/>
+          </a:xfrm>
+          <a:prstGeom prst="bentConnector3">
+            <a:avLst>
+              <a:gd name="adj1" fmla="val 50000"/>
+            </a:avLst>
+          </a:prstGeom>
+          <a:ln w="28575">
+            <a:solidFill>
+              <a:schemeClr val="tx1"/>
+            </a:solidFill>
+            <a:tailEnd type="arrow"/>
+          </a:ln>
+        </p:spPr>
+        <p:style>
+          <a:lnRef idx="1">
+            <a:schemeClr val="accent1"/>
+          </a:lnRef>
+          <a:fillRef idx="0">
+            <a:schemeClr val="accent1"/>
+          </a:fillRef>
+          <a:effectRef idx="0">
+            <a:schemeClr val="accent1"/>
+          </a:effectRef>
+          <a:fontRef idx="minor">
+            <a:schemeClr val="tx1"/>
+          </a:fontRef>
+        </p:style>
+      </p:cxnSp>
+    </p:spTree>
+  </p:cSld>
+  <p:clrMapOvr>
+    <a:masterClrMapping/>
+  </p:clrMapOvr>
+  <p:timing>
+    <p:tnLst>
+      <p:par>
+        <p:cTn id="1" dur="indefinite" restart="never" nodeType="tmRoot"/>
+      </p:par>
+    </p:tnLst>
+  </p:timing>
+</p:sld>
+</file>
+
+<file path=ppt/slides/slide34.xml><?xml version="1.0" encoding="utf-8"?>
+<p:sld xmlns:a="http://schemas.openxmlformats.org/drawingml/2006/main" xmlns:r="http://schemas.openxmlformats.org/officeDocument/2006/relationships" xmlns:p="http://schemas.openxmlformats.org/presentationml/2006/main">
+  <p:cSld>
+    <p:spTree>
+      <p:nvGrpSpPr>
+        <p:cNvPr id="1" name=""/>
+        <p:cNvGrpSpPr/>
+        <p:nvPr/>
+      </p:nvGrpSpPr>
+      <p:grpSpPr>
+        <a:xfrm>
+          <a:off x="0" y="0"/>
+          <a:ext cx="0" cy="0"/>
+          <a:chOff x="0" y="0"/>
+          <a:chExt cx="0" cy="0"/>
+        </a:xfrm>
+      </p:grpSpPr>
+      <p:sp>
+        <p:nvSpPr>
+          <p:cNvPr id="9218" name="Título 1"/>
+          <p:cNvSpPr>
+            <a:spLocks noGrp="1"/>
+          </p:cNvSpPr>
+          <p:nvPr>
+            <p:ph type="title"/>
+          </p:nvPr>
+        </p:nvSpPr>
+        <p:spPr>
+          <a:xfrm>
+            <a:off x="457200" y="274638"/>
+            <a:ext cx="8075240" cy="1143000"/>
+          </a:xfrm>
+        </p:spPr>
+        <p:txBody>
+          <a:bodyPr/>
+          <a:lstStyle/>
+          <a:p>
+            <a:pPr eaLnBrk="1" hangingPunct="1"/>
+            <a:r>
+              <a:rPr lang="pt-BR" dirty="0" err="1" smtClean="0"/>
+              <a:t>Map</a:t>
+            </a:r>
+            <a:r>
+              <a:rPr lang="pt-BR" dirty="0" smtClean="0"/>
+              <a:t> – Principais métodos</a:t>
+            </a:r>
+          </a:p>
+        </p:txBody>
+      </p:sp>
+      <p:sp>
+        <p:nvSpPr>
+          <p:cNvPr id="13" name="Espaço Reservado para Conteúdo 12"/>
+          <p:cNvSpPr>
+            <a:spLocks noGrp="1"/>
+          </p:cNvSpPr>
+          <p:nvPr>
+            <p:ph idx="1"/>
+          </p:nvPr>
+        </p:nvSpPr>
+        <p:spPr>
+          <a:xfrm>
+            <a:off x="457200" y="1495325"/>
+            <a:ext cx="7931224" cy="4525963"/>
+          </a:xfrm>
+        </p:spPr>
+        <p:txBody>
+          <a:bodyPr/>
+          <a:lstStyle/>
+          <a:p>
+            <a:pPr>
+              <a:spcBef>
+                <a:spcPts val="1200"/>
+              </a:spcBef>
+            </a:pPr>
+            <a:r>
+              <a:rPr lang="pt-BR" sz="2000" dirty="0" err="1" smtClean="0"/>
+              <a:t>put</a:t>
+            </a:r>
+            <a:r>
+              <a:rPr lang="pt-BR" sz="2000" dirty="0" smtClean="0"/>
+              <a:t>(K, V)</a:t>
+            </a:r>
+          </a:p>
+          <a:p>
+            <a:pPr lvl="1">
+              <a:spcBef>
+                <a:spcPts val="600"/>
+              </a:spcBef>
+            </a:pPr>
+            <a:r>
+              <a:rPr lang="pt-BR" sz="1800" dirty="0" smtClean="0"/>
+              <a:t>Adiciona ao </a:t>
+            </a:r>
+            <a:r>
+              <a:rPr lang="pt-BR" sz="1800" dirty="0" err="1" smtClean="0"/>
+              <a:t>map</a:t>
+            </a:r>
+            <a:r>
+              <a:rPr lang="pt-BR" sz="1800" dirty="0" smtClean="0"/>
+              <a:t> um elemento de chave K e conteúdo V</a:t>
+            </a:r>
+          </a:p>
+          <a:p>
+            <a:pPr>
+              <a:spcBef>
+                <a:spcPts val="1200"/>
+              </a:spcBef>
+            </a:pPr>
+            <a:r>
+              <a:rPr lang="pt-BR" sz="2000" dirty="0" err="1" smtClean="0"/>
+              <a:t>get</a:t>
+            </a:r>
+            <a:r>
+              <a:rPr lang="pt-BR" sz="2000" dirty="0" smtClean="0"/>
+              <a:t>(K)</a:t>
+            </a:r>
+          </a:p>
+          <a:p>
+            <a:pPr lvl="1">
+              <a:spcBef>
+                <a:spcPts val="600"/>
+              </a:spcBef>
+            </a:pPr>
+            <a:r>
+              <a:rPr lang="pt-BR" sz="1800" dirty="0" smtClean="0"/>
+              <a:t>Obtém o conteúdo do elemento que possui a chave K</a:t>
+            </a:r>
+          </a:p>
+          <a:p>
+            <a:pPr>
+              <a:spcBef>
+                <a:spcPts val="1200"/>
+              </a:spcBef>
+            </a:pPr>
+            <a:r>
+              <a:rPr lang="pt-BR" sz="2000" dirty="0" smtClean="0"/>
+              <a:t>remove(K)</a:t>
+            </a:r>
+          </a:p>
+          <a:p>
+            <a:pPr lvl="1">
+              <a:spcBef>
+                <a:spcPts val="600"/>
+              </a:spcBef>
+            </a:pPr>
+            <a:r>
+              <a:rPr lang="pt-BR" sz="1800" dirty="0" smtClean="0"/>
+              <a:t>Remove do </a:t>
+            </a:r>
+            <a:r>
+              <a:rPr lang="pt-BR" sz="1800" dirty="0" err="1" smtClean="0"/>
+              <a:t>map</a:t>
+            </a:r>
+            <a:r>
+              <a:rPr lang="pt-BR" sz="1800" dirty="0" smtClean="0"/>
+              <a:t> o elemento que possui chave K</a:t>
+            </a:r>
+          </a:p>
+          <a:p>
+            <a:pPr>
+              <a:spcBef>
+                <a:spcPts val="1200"/>
+              </a:spcBef>
+            </a:pPr>
+            <a:r>
+              <a:rPr lang="pt-BR" sz="2000" dirty="0" err="1" smtClean="0"/>
+              <a:t>clear</a:t>
+            </a:r>
+            <a:r>
+              <a:rPr lang="pt-BR" sz="2000" dirty="0" smtClean="0"/>
+              <a:t>()</a:t>
+            </a:r>
+          </a:p>
+          <a:p>
+            <a:pPr lvl="1">
+              <a:spcBef>
+                <a:spcPts val="600"/>
+              </a:spcBef>
+            </a:pPr>
+            <a:r>
+              <a:rPr lang="pt-BR" sz="1800" dirty="0" smtClean="0"/>
+              <a:t>Remove  todos os elementos do </a:t>
+            </a:r>
+            <a:r>
+              <a:rPr lang="pt-BR" sz="1800" dirty="0" err="1" smtClean="0"/>
+              <a:t>map</a:t>
+            </a:r>
+            <a:r>
+              <a:rPr lang="pt-BR" sz="1800" dirty="0" smtClean="0"/>
+              <a:t>, tornando-o vazio</a:t>
+            </a:r>
+          </a:p>
+          <a:p>
+            <a:pPr>
+              <a:spcBef>
+                <a:spcPts val="1200"/>
+              </a:spcBef>
+            </a:pPr>
+            <a:r>
+              <a:rPr lang="pt-BR" sz="2000" dirty="0" err="1" smtClean="0"/>
+              <a:t>size</a:t>
+            </a:r>
+            <a:r>
+              <a:rPr lang="pt-BR" sz="2000" dirty="0" smtClean="0"/>
+              <a:t>()</a:t>
+            </a:r>
+          </a:p>
+          <a:p>
+            <a:pPr lvl="1">
+              <a:spcBef>
+                <a:spcPts val="600"/>
+              </a:spcBef>
+            </a:pPr>
+            <a:r>
+              <a:rPr lang="pt-BR" sz="1800" dirty="0" smtClean="0"/>
+              <a:t>Retorna o número de itens contidos no </a:t>
+            </a:r>
+            <a:r>
+              <a:rPr lang="pt-BR" sz="1800" dirty="0" err="1" smtClean="0"/>
+              <a:t>map</a:t>
+            </a:r>
+            <a:endParaRPr lang="pt-BR" sz="1800" dirty="0" smtClean="0"/>
+          </a:p>
+          <a:p>
+            <a:pPr>
+              <a:spcBef>
+                <a:spcPts val="1200"/>
+              </a:spcBef>
+            </a:pPr>
+            <a:r>
+              <a:rPr lang="pt-BR" sz="2000" dirty="0" err="1" smtClean="0"/>
+              <a:t>keySet</a:t>
+            </a:r>
+            <a:r>
+              <a:rPr lang="pt-BR" sz="2000" dirty="0" smtClean="0"/>
+              <a:t>()</a:t>
+            </a:r>
+          </a:p>
+          <a:p>
+            <a:pPr lvl="1">
+              <a:spcBef>
+                <a:spcPts val="600"/>
+              </a:spcBef>
+            </a:pPr>
+            <a:r>
+              <a:rPr lang="pt-BR" sz="1800" dirty="0" smtClean="0"/>
+              <a:t>Retorna um Set contendo todas as chaves do </a:t>
+            </a:r>
+            <a:r>
+              <a:rPr lang="pt-BR" sz="1800" dirty="0" err="1" smtClean="0"/>
+              <a:t>map</a:t>
+            </a:r>
+            <a:r>
+              <a:rPr lang="pt-BR" sz="1800" dirty="0" smtClean="0"/>
+              <a:t>. Tipicamente utilizado para varrer os elementos do </a:t>
+            </a:r>
+            <a:r>
+              <a:rPr lang="pt-BR" sz="1800" dirty="0" err="1" smtClean="0"/>
+              <a:t>map</a:t>
+            </a:r>
+            <a:r>
+              <a:rPr lang="pt-BR" sz="1800" dirty="0" smtClean="0"/>
+              <a:t>.</a:t>
+            </a:r>
+          </a:p>
+        </p:txBody>
+      </p:sp>
+      <p:sp>
+        <p:nvSpPr>
+          <p:cNvPr id="15" name="Espaço Reservado para Número de Slide 14"/>
+          <p:cNvSpPr>
+            <a:spLocks noGrp="1"/>
+          </p:cNvSpPr>
+          <p:nvPr>
+            <p:ph type="sldNum" sz="quarter" idx="12"/>
+          </p:nvPr>
+        </p:nvSpPr>
+        <p:spPr/>
+        <p:txBody>
+          <a:bodyPr/>
+          <a:lstStyle/>
+          <a:p>
+            <a:pPr>
+              <a:defRPr/>
+            </a:pPr>
+            <a:fld id="{7E263EA5-71DF-4638-BC15-81D6FFD3C7EB}" type="slidenum">
+              <a:rPr lang="pt-BR" smtClean="0"/>
+              <a:pPr>
+                <a:defRPr/>
+              </a:pPr>
+              <a:t>34</a:t>
+            </a:fld>
+            <a:endParaRPr lang="pt-BR"/>
+          </a:p>
+        </p:txBody>
+      </p:sp>
+    </p:spTree>
+  </p:cSld>
+  <p:clrMapOvr>
+    <a:masterClrMapping/>
+  </p:clrMapOvr>
+  <p:timing>
+    <p:tnLst>
+      <p:par>
+        <p:cTn id="1" dur="indefinite" restart="never" nodeType="tmRoot"/>
+      </p:par>
+    </p:tnLst>
+  </p:timing>
+</p:sld>
+</file>
+
+<file path=ppt/slides/slide35.xml><?xml version="1.0" encoding="utf-8"?>
+<p:sld xmlns:a="http://schemas.openxmlformats.org/drawingml/2006/main" xmlns:r="http://schemas.openxmlformats.org/officeDocument/2006/relationships" xmlns:p="http://schemas.openxmlformats.org/presentationml/2006/main">
+  <p:cSld>
+    <p:spTree>
+      <p:nvGrpSpPr>
+        <p:cNvPr id="1" name=""/>
+        <p:cNvGrpSpPr/>
+        <p:nvPr/>
+      </p:nvGrpSpPr>
+      <p:grpSpPr>
+        <a:xfrm>
+          <a:off x="0" y="0"/>
+          <a:ext cx="0" cy="0"/>
+          <a:chOff x="0" y="0"/>
+          <a:chExt cx="0" cy="0"/>
+        </a:xfrm>
+      </p:grpSpPr>
+      <p:sp>
+        <p:nvSpPr>
+          <p:cNvPr id="9218" name="Título 1"/>
+          <p:cNvSpPr>
+            <a:spLocks noGrp="1"/>
+          </p:cNvSpPr>
+          <p:nvPr>
+            <p:ph type="title"/>
+          </p:nvPr>
+        </p:nvSpPr>
+        <p:spPr>
+          <a:xfrm>
+            <a:off x="457200" y="274638"/>
+            <a:ext cx="8075240" cy="1143000"/>
+          </a:xfrm>
+          <a:noFill/>
+          <a:ln w="9525">
+            <a:noFill/>
+            <a:miter lim="800000"/>
+            <a:headEnd/>
+            <a:tailEnd/>
+          </a:ln>
+        </p:spPr>
+        <p:txBody>
+          <a:bodyPr vert="horz" wrap="square" lIns="45720" tIns="45720" rIns="45720" bIns="45720" numCol="1" anchor="ctr" anchorCtr="0" compatLnSpc="1">
+            <a:prstTxWarp prst="textNoShape">
+              <a:avLst/>
+            </a:prstTxWarp>
+          </a:bodyPr>
+          <a:lstStyle/>
+          <a:p>
+            <a:r>
+              <a:rPr lang="pt-BR" dirty="0" err="1" smtClean="0"/>
+              <a:t>Map</a:t>
+            </a:r>
+            <a:endParaRPr lang="pt-BR" dirty="0" smtClean="0"/>
+          </a:p>
+        </p:txBody>
+      </p:sp>
+      <p:sp>
+        <p:nvSpPr>
           <p:cNvPr id="13" name="Espaço Reservado para Conteúdo 12"/>
           <p:cNvSpPr>
             <a:spLocks noGrp="1"/>
@@ -23529,7 +23360,7 @@
               <a:pPr>
                 <a:defRPr/>
               </a:pPr>
-              <a:t>39</a:t>
+              <a:t>35</a:t>
             </a:fld>
             <a:endParaRPr lang="pt-BR"/>
           </a:p>
@@ -23833,164 +23664,7 @@
 </p:sld>
 </file>
 
-<file path=ppt/slides/slide4.xml><?xml version="1.0" encoding="utf-8"?>
-<p:sld xmlns:a="http://schemas.openxmlformats.org/drawingml/2006/main" xmlns:r="http://schemas.openxmlformats.org/officeDocument/2006/relationships" xmlns:p="http://schemas.openxmlformats.org/presentationml/2006/main">
-  <p:cSld>
-    <p:spTree>
-      <p:nvGrpSpPr>
-        <p:cNvPr id="1" name=""/>
-        <p:cNvGrpSpPr/>
-        <p:nvPr/>
-      </p:nvGrpSpPr>
-      <p:grpSpPr>
-        <a:xfrm>
-          <a:off x="0" y="0"/>
-          <a:ext cx="0" cy="0"/>
-          <a:chOff x="0" y="0"/>
-          <a:chExt cx="0" cy="0"/>
-        </a:xfrm>
-      </p:grpSpPr>
-      <p:sp>
-        <p:nvSpPr>
-          <p:cNvPr id="2" name="Título 1"/>
-          <p:cNvSpPr>
-            <a:spLocks noGrp="1"/>
-          </p:cNvSpPr>
-          <p:nvPr>
-            <p:ph type="title"/>
-          </p:nvPr>
-        </p:nvSpPr>
-        <p:spPr>
-          <a:xfrm>
-            <a:off x="457200" y="274638"/>
-            <a:ext cx="8291264" cy="1143000"/>
-          </a:xfrm>
-        </p:spPr>
-        <p:txBody>
-          <a:bodyPr/>
-          <a:lstStyle/>
-          <a:p>
-            <a:r>
-              <a:rPr lang="pt-BR" sz="4400" dirty="0" smtClean="0"/>
-              <a:t>Principais operações de conjuntos</a:t>
-            </a:r>
-            <a:endParaRPr lang="pt-BR" sz="4400" dirty="0"/>
-          </a:p>
-        </p:txBody>
-      </p:sp>
-      <p:sp>
-        <p:nvSpPr>
-          <p:cNvPr id="3" name="Espaço Reservado para Conteúdo 2"/>
-          <p:cNvSpPr>
-            <a:spLocks noGrp="1"/>
-          </p:cNvSpPr>
-          <p:nvPr>
-            <p:ph idx="1"/>
-          </p:nvPr>
-        </p:nvSpPr>
-        <p:spPr>
-          <a:xfrm>
-            <a:off x="457200" y="1600200"/>
-            <a:ext cx="7643192" cy="4525963"/>
-          </a:xfrm>
-        </p:spPr>
-        <p:txBody>
-          <a:bodyPr/>
-          <a:lstStyle/>
-          <a:p>
-            <a:pPr>
-              <a:spcAft>
-                <a:spcPts val="2400"/>
-              </a:spcAft>
-            </a:pPr>
-            <a:r>
-              <a:rPr lang="pt-BR" dirty="0" smtClean="0"/>
-              <a:t>O Java possui diversas estruturas de dados, cada qual com sua particularidade que permitem:</a:t>
-            </a:r>
-          </a:p>
-          <a:p>
-            <a:pPr lvl="1"/>
-            <a:r>
-              <a:rPr lang="pt-BR" sz="2400" dirty="0" smtClean="0"/>
-              <a:t>Adicionar novos itens</a:t>
-            </a:r>
-          </a:p>
-          <a:p>
-            <a:pPr lvl="1"/>
-            <a:r>
-              <a:rPr lang="pt-BR" sz="2400" dirty="0" smtClean="0"/>
-              <a:t>Remover itens existentes</a:t>
-            </a:r>
-          </a:p>
-          <a:p>
-            <a:pPr lvl="1"/>
-            <a:r>
-              <a:rPr lang="pt-BR" sz="2400" dirty="0" smtClean="0"/>
-              <a:t>Limpar todos os item</a:t>
-            </a:r>
-          </a:p>
-          <a:p>
-            <a:pPr lvl="1"/>
-            <a:r>
-              <a:rPr lang="pt-BR" sz="2400" dirty="0" smtClean="0"/>
-              <a:t>Classificar automaticamente um conjunto de itens</a:t>
-            </a:r>
-          </a:p>
-          <a:p>
-            <a:pPr lvl="1"/>
-            <a:r>
-              <a:rPr lang="pt-BR" sz="2400" dirty="0" smtClean="0"/>
-              <a:t>Dentre outras ações</a:t>
-            </a:r>
-            <a:endParaRPr lang="pt-BR" sz="2400" dirty="0"/>
-          </a:p>
-        </p:txBody>
-      </p:sp>
-      <p:sp>
-        <p:nvSpPr>
-          <p:cNvPr id="4" name="Espaço Reservado para Número de Slide 3"/>
-          <p:cNvSpPr>
-            <a:spLocks noGrp="1"/>
-          </p:cNvSpPr>
-          <p:nvPr>
-            <p:ph type="sldNum" sz="quarter" idx="12"/>
-          </p:nvPr>
-        </p:nvSpPr>
-        <p:spPr/>
-        <p:txBody>
-          <a:bodyPr/>
-          <a:lstStyle/>
-          <a:p>
-            <a:pPr>
-              <a:defRPr/>
-            </a:pPr>
-            <a:fld id="{7E263EA5-71DF-4638-BC15-81D6FFD3C7EB}" type="slidenum">
-              <a:rPr lang="pt-BR" smtClean="0"/>
-              <a:pPr>
-                <a:defRPr/>
-              </a:pPr>
-              <a:t>4</a:t>
-            </a:fld>
-            <a:endParaRPr lang="pt-BR"/>
-          </a:p>
-        </p:txBody>
-      </p:sp>
-    </p:spTree>
-  </p:cSld>
-  <p:clrMapOvr>
-    <a:masterClrMapping/>
-  </p:clrMapOvr>
-  <p:timing>
-    <p:tnLst>
-      <p:par>
-        <p:cTn id="1" dur="indefinite" restart="never" nodeType="tmRoot"/>
-      </p:par>
-    </p:tnLst>
-  </p:timing>
-</p:sld>
-</file>
-
-<file path=ppt/slides/slide40.xml><?xml version="1.0" encoding="utf-8"?>
+<file path=ppt/slides/slide36.xml><?xml version="1.0" encoding="utf-8"?>
 <p:sld xmlns:a="http://schemas.openxmlformats.org/drawingml/2006/main" xmlns:r="http://schemas.openxmlformats.org/officeDocument/2006/relationships" xmlns:p="http://schemas.openxmlformats.org/presentationml/2006/main">
   <p:cSld>
     <p:spTree>
@@ -24624,7 +24298,7 @@
               <a:pPr>
                 <a:defRPr/>
               </a:pPr>
-              <a:t>40</a:t>
+              <a:t>36</a:t>
             </a:fld>
             <a:endParaRPr lang="pt-BR"/>
           </a:p>
@@ -24645,7 +24319,7 @@
 </p:sld>
 </file>
 
-<file path=ppt/slides/slide41.xml><?xml version="1.0" encoding="utf-8"?>
+<file path=ppt/slides/slide37.xml><?xml version="1.0" encoding="utf-8"?>
 <p:sld xmlns:a="http://schemas.openxmlformats.org/drawingml/2006/main" xmlns:r="http://schemas.openxmlformats.org/officeDocument/2006/relationships" xmlns:p="http://schemas.openxmlformats.org/presentationml/2006/main">
   <p:cSld>
     <p:spTree>
@@ -24938,7 +24612,7 @@
               <a:pPr>
                 <a:defRPr/>
               </a:pPr>
-              <a:t>41</a:t>
+              <a:t>37</a:t>
             </a:fld>
             <a:endParaRPr lang="pt-BR"/>
           </a:p>
@@ -25261,7 +24935,7 @@
 </p:sld>
 </file>
 
-<file path=ppt/slides/slide42.xml><?xml version="1.0" encoding="utf-8"?>
+<file path=ppt/slides/slide38.xml><?xml version="1.0" encoding="utf-8"?>
 <p:sld xmlns:a="http://schemas.openxmlformats.org/drawingml/2006/main" xmlns:r="http://schemas.openxmlformats.org/officeDocument/2006/relationships" xmlns:p="http://schemas.openxmlformats.org/presentationml/2006/main">
   <p:cSld>
     <p:spTree>
@@ -25428,7 +25102,7 @@
               <a:pPr>
                 <a:defRPr/>
               </a:pPr>
-              <a:t>42</a:t>
+              <a:t>38</a:t>
             </a:fld>
             <a:endParaRPr lang="pt-BR"/>
           </a:p>
@@ -25449,103 +25123,7 @@
 </p:sld>
 </file>
 
-<file path=ppt/slides/slide43.xml><?xml version="1.0" encoding="utf-8"?>
-<p:sld xmlns:a="http://schemas.openxmlformats.org/drawingml/2006/main" xmlns:r="http://schemas.openxmlformats.org/officeDocument/2006/relationships" xmlns:p="http://schemas.openxmlformats.org/presentationml/2006/main">
-  <p:cSld>
-    <p:spTree>
-      <p:nvGrpSpPr>
-        <p:cNvPr id="1" name=""/>
-        <p:cNvGrpSpPr/>
-        <p:nvPr/>
-      </p:nvGrpSpPr>
-      <p:grpSpPr>
-        <a:xfrm>
-          <a:off x="0" y="0"/>
-          <a:ext cx="0" cy="0"/>
-          <a:chOff x="0" y="0"/>
-          <a:chExt cx="0" cy="0"/>
-        </a:xfrm>
-      </p:grpSpPr>
-      <p:sp>
-        <p:nvSpPr>
-          <p:cNvPr id="24578" name="Título 1"/>
-          <p:cNvSpPr>
-            <a:spLocks noGrp="1"/>
-          </p:cNvSpPr>
-          <p:nvPr>
-            <p:ph type="title"/>
-          </p:nvPr>
-        </p:nvSpPr>
-        <p:spPr/>
-        <p:txBody>
-          <a:bodyPr/>
-          <a:lstStyle/>
-          <a:p>
-            <a:pPr eaLnBrk="1" hangingPunct="1"/>
-            <a:r>
-              <a:rPr lang="pt-BR" dirty="0" smtClean="0"/>
-              <a:t>Exercício</a:t>
-            </a:r>
-          </a:p>
-        </p:txBody>
-      </p:sp>
-      <p:sp>
-        <p:nvSpPr>
-          <p:cNvPr id="24579" name="Espaço Reservado para Conteúdo 2"/>
-          <p:cNvSpPr>
-            <a:spLocks noGrp="1"/>
-          </p:cNvSpPr>
-          <p:nvPr>
-            <p:ph idx="1"/>
-          </p:nvPr>
-        </p:nvSpPr>
-        <p:spPr/>
-        <p:txBody>
-          <a:bodyPr/>
-          <a:lstStyle/>
-          <a:p>
-            <a:endParaRPr lang="pt-BR" smtClean="0"/>
-          </a:p>
-        </p:txBody>
-      </p:sp>
-      <p:sp>
-        <p:nvSpPr>
-          <p:cNvPr id="4" name="Espaço Reservado para Número de Slide 3"/>
-          <p:cNvSpPr>
-            <a:spLocks noGrp="1"/>
-          </p:cNvSpPr>
-          <p:nvPr>
-            <p:ph type="sldNum" sz="quarter" idx="12"/>
-          </p:nvPr>
-        </p:nvSpPr>
-        <p:spPr/>
-        <p:txBody>
-          <a:bodyPr/>
-          <a:lstStyle/>
-          <a:p>
-            <a:pPr>
-              <a:defRPr/>
-            </a:pPr>
-            <a:fld id="{7E263EA5-71DF-4638-BC15-81D6FFD3C7EB}" type="slidenum">
-              <a:rPr lang="pt-BR" smtClean="0"/>
-              <a:pPr>
-                <a:defRPr/>
-              </a:pPr>
-              <a:t>43</a:t>
-            </a:fld>
-            <a:endParaRPr lang="pt-BR"/>
-          </a:p>
-        </p:txBody>
-      </p:sp>
-    </p:spTree>
-  </p:cSld>
-  <p:clrMapOvr>
-    <a:masterClrMapping/>
-  </p:clrMapOvr>
-</p:sld>
-</file>
-
-<file path=ppt/slides/slide44.xml><?xml version="1.0" encoding="utf-8"?>
+<file path=ppt/slides/slide39.xml><?xml version="1.0" encoding="utf-8"?>
 <p:sld xmlns:a="http://schemas.openxmlformats.org/drawingml/2006/main" xmlns:r="http://schemas.openxmlformats.org/officeDocument/2006/relationships" xmlns:p="http://schemas.openxmlformats.org/presentationml/2006/main">
   <p:cSld>
     <p:spTree>
@@ -25602,7 +25180,7 @@
         </p:nvGraphicFramePr>
         <p:xfrm>
           <a:off x="3643306" y="1714488"/>
-          <a:ext cx="1275624" cy="868680"/>
+          <a:ext cx="1275624" cy="1005840"/>
         </p:xfrm>
         <a:graphic>
           <a:graphicData uri="http://schemas.openxmlformats.org/drawingml/2006/table">
@@ -25706,6 +25284,29 @@
                           </a:solidFill>
                         </a:rPr>
                         <a:t>add(T) : </a:t>
+                      </a:r>
+                      <a:r>
+                        <a:rPr lang="en-US" sz="900" dirty="0" err="1" smtClean="0">
+                          <a:solidFill>
+                            <a:srgbClr val="FFC000"/>
+                          </a:solidFill>
+                        </a:rPr>
+                        <a:t>boolean</a:t>
+                      </a:r>
+                      <a:endParaRPr lang="en-US" sz="900" dirty="0" smtClean="0">
+                        <a:solidFill>
+                          <a:srgbClr val="FFC000"/>
+                        </a:solidFill>
+                      </a:endParaRPr>
+                    </a:p>
+                    <a:p>
+                      <a:r>
+                        <a:rPr lang="en-US" sz="900" dirty="0" smtClean="0">
+                          <a:solidFill>
+                            <a:srgbClr val="FFC000"/>
+                          </a:solidFill>
+                        </a:rPr>
+                        <a:t>remove(T) : </a:t>
                       </a:r>
                       <a:r>
                         <a:rPr lang="en-US" sz="900" dirty="0" err="1" smtClean="0">
@@ -26408,7 +26009,7 @@
               <a:pPr>
                 <a:defRPr/>
               </a:pPr>
-              <a:t>44</a:t>
+              <a:t>39</a:t>
             </a:fld>
             <a:endParaRPr lang="pt-BR"/>
           </a:p>
@@ -27220,7 +26821,7 @@
         </p:nvGraphicFramePr>
         <p:xfrm>
           <a:off x="6929454" y="3214686"/>
-          <a:ext cx="1357322" cy="989700"/>
+          <a:ext cx="1357322" cy="1126860"/>
         </p:xfrm>
         <a:graphic>
           <a:graphicData uri="http://schemas.openxmlformats.org/drawingml/2006/table">
@@ -27389,6 +26990,29 @@
                             <a:schemeClr val="tx1"/>
                           </a:solidFill>
                         </a:rPr>
+                        <a:t>remove(T) : </a:t>
+                      </a:r>
+                      <a:r>
+                        <a:rPr lang="en-US" sz="900" dirty="0" err="1" smtClean="0">
+                          <a:solidFill>
+                            <a:schemeClr val="tx1"/>
+                          </a:solidFill>
+                        </a:rPr>
+                        <a:t>boolean</a:t>
+                      </a:r>
+                      <a:endParaRPr lang="en-US" sz="900" dirty="0" smtClean="0">
+                        <a:solidFill>
+                          <a:schemeClr val="tx1"/>
+                        </a:solidFill>
+                      </a:endParaRPr>
+                    </a:p>
+                    <a:p>
+                      <a:r>
+                        <a:rPr lang="en-US" sz="900" dirty="0" smtClean="0">
+                          <a:solidFill>
+                            <a:schemeClr val="tx1"/>
+                          </a:solidFill>
+                        </a:rPr>
                         <a:t>size() : </a:t>
                       </a:r>
                       <a:r>
@@ -27506,8 +27130,8 @@
           </p:nvPr>
         </p:nvGraphicFramePr>
         <p:xfrm>
-          <a:off x="6929454" y="4643446"/>
-          <a:ext cx="1357322" cy="985520"/>
+          <a:off x="6929454" y="4905856"/>
+          <a:ext cx="1357322" cy="467360"/>
         </p:xfrm>
         <a:graphic>
           <a:graphicData uri="http://schemas.openxmlformats.org/drawingml/2006/table">
@@ -27518,7 +27142,7 @@
               <a:tblGrid>
                 <a:gridCol w="1357322"/>
               </a:tblGrid>
-              <a:tr h="126202">
+              <a:tr h="175913">
                 <a:tc>
                   <a:txBody>
                     <a:bodyPr/>
@@ -27641,100 +27265,17 @@
                   </a:tcPr>
                 </a:tc>
               </a:tr>
-              <a:tr h="370840">
+              <a:tr h="0">
                 <a:tc>
                   <a:txBody>
                     <a:bodyPr/>
                     <a:lstStyle/>
                     <a:p>
-                      <a:r>
-                        <a:rPr lang="en-US" sz="900" dirty="0" smtClean="0">
-                          <a:solidFill>
-                            <a:schemeClr val="tx1"/>
-                          </a:solidFill>
-                        </a:rPr>
-                        <a:t>add(T) : </a:t>
-                      </a:r>
-                      <a:r>
-                        <a:rPr lang="en-US" sz="900" dirty="0" err="1" smtClean="0">
-                          <a:solidFill>
-                            <a:schemeClr val="tx1"/>
-                          </a:solidFill>
-                        </a:rPr>
-                        <a:t>boolean</a:t>
-                      </a:r>
-                      <a:endParaRPr lang="en-US" sz="900" dirty="0" smtClean="0">
+                      <a:endParaRPr lang="en-US" sz="200" dirty="0" smtClean="0">
                         <a:solidFill>
                           <a:schemeClr val="tx1"/>
                         </a:solidFill>
                       </a:endParaRPr>
-                    </a:p>
-                    <a:p>
-                      <a:r>
-                        <a:rPr lang="en-US" sz="900" dirty="0" smtClean="0">
-                          <a:solidFill>
-                            <a:schemeClr val="tx1"/>
-                          </a:solidFill>
-                        </a:rPr>
-                        <a:t>size() : </a:t>
-                      </a:r>
-                      <a:r>
-                        <a:rPr lang="en-US" sz="900" dirty="0" err="1" smtClean="0">
-                          <a:solidFill>
-                            <a:schemeClr val="tx1"/>
-                          </a:solidFill>
-                        </a:rPr>
-                        <a:t>int</a:t>
-                      </a:r>
-                      <a:endParaRPr lang="en-US" sz="900" dirty="0" smtClean="0">
-                        <a:solidFill>
-                          <a:schemeClr val="tx1"/>
-                        </a:solidFill>
-                      </a:endParaRPr>
-                    </a:p>
-                    <a:p>
-                      <a:r>
-                        <a:rPr lang="en-US" sz="900" dirty="0" smtClean="0">
-                          <a:solidFill>
-                            <a:schemeClr val="tx1"/>
-                          </a:solidFill>
-                        </a:rPr>
-                        <a:t>clear() : void</a:t>
-                      </a:r>
-                    </a:p>
-                    <a:p>
-                      <a:r>
-                        <a:rPr lang="en-US" sz="900" dirty="0" err="1" smtClean="0">
-                          <a:solidFill>
-                            <a:schemeClr val="tx1"/>
-                          </a:solidFill>
-                        </a:rPr>
-                        <a:t>iterator</a:t>
-                      </a:r>
-                      <a:r>
-                        <a:rPr lang="en-US" sz="900" dirty="0" smtClean="0">
-                          <a:solidFill>
-                            <a:schemeClr val="tx1"/>
-                          </a:solidFill>
-                        </a:rPr>
-                        <a:t>() : </a:t>
-                      </a:r>
-                      <a:r>
-                        <a:rPr lang="en-US" sz="900" dirty="0" err="1" smtClean="0">
-                          <a:solidFill>
-                            <a:schemeClr val="tx1"/>
-                          </a:solidFill>
-                        </a:rPr>
-                        <a:t>Iterator</a:t>
-                      </a:r>
-                      <a:r>
-                        <a:rPr lang="en-US" sz="900" dirty="0" smtClean="0">
-                          <a:solidFill>
-                            <a:schemeClr val="tx1"/>
-                          </a:solidFill>
-                        </a:rPr>
-                        <a:t>&lt;T&gt;</a:t>
-                      </a:r>
                     </a:p>
                   </a:txBody>
                   <a:tcPr>
@@ -28698,9 +28239,9 @@
           <p:nvPr/>
         </p:nvCxnSpPr>
         <p:spPr bwMode="auto">
-          <a:xfrm rot="5400000" flipH="1" flipV="1">
-            <a:off x="7358479" y="4428735"/>
-            <a:ext cx="428628" cy="794"/>
+          <a:xfrm flipV="1">
+            <a:off x="7573190" y="4365104"/>
+            <a:ext cx="0" cy="543446"/>
           </a:xfrm>
           <a:prstGeom prst="straightConnector1">
             <a:avLst/>
@@ -28732,7 +28273,164 @@
 </p:sld>
 </file>
 
-<file path=ppt/slides/slide45.xml><?xml version="1.0" encoding="utf-8"?>
+<file path=ppt/slides/slide4.xml><?xml version="1.0" encoding="utf-8"?>
+<p:sld xmlns:a="http://schemas.openxmlformats.org/drawingml/2006/main" xmlns:r="http://schemas.openxmlformats.org/officeDocument/2006/relationships" xmlns:p="http://schemas.openxmlformats.org/presentationml/2006/main">
+  <p:cSld>
+    <p:spTree>
+      <p:nvGrpSpPr>
+        <p:cNvPr id="1" name=""/>
+        <p:cNvGrpSpPr/>
+        <p:nvPr/>
+      </p:nvGrpSpPr>
+      <p:grpSpPr>
+        <a:xfrm>
+          <a:off x="0" y="0"/>
+          <a:ext cx="0" cy="0"/>
+          <a:chOff x="0" y="0"/>
+          <a:chExt cx="0" cy="0"/>
+        </a:xfrm>
+      </p:grpSpPr>
+      <p:sp>
+        <p:nvSpPr>
+          <p:cNvPr id="2" name="Título 1"/>
+          <p:cNvSpPr>
+            <a:spLocks noGrp="1"/>
+          </p:cNvSpPr>
+          <p:nvPr>
+            <p:ph type="title"/>
+          </p:nvPr>
+        </p:nvSpPr>
+        <p:spPr>
+          <a:xfrm>
+            <a:off x="457200" y="274638"/>
+            <a:ext cx="8291264" cy="1143000"/>
+          </a:xfrm>
+        </p:spPr>
+        <p:txBody>
+          <a:bodyPr/>
+          <a:lstStyle/>
+          <a:p>
+            <a:r>
+              <a:rPr lang="pt-BR" sz="4400" dirty="0" smtClean="0"/>
+              <a:t>Principais operações de conjuntos</a:t>
+            </a:r>
+            <a:endParaRPr lang="pt-BR" sz="4400" dirty="0"/>
+          </a:p>
+        </p:txBody>
+      </p:sp>
+      <p:sp>
+        <p:nvSpPr>
+          <p:cNvPr id="3" name="Espaço Reservado para Conteúdo 2"/>
+          <p:cNvSpPr>
+            <a:spLocks noGrp="1"/>
+          </p:cNvSpPr>
+          <p:nvPr>
+            <p:ph idx="1"/>
+          </p:nvPr>
+        </p:nvSpPr>
+        <p:spPr>
+          <a:xfrm>
+            <a:off x="457200" y="1600200"/>
+            <a:ext cx="7643192" cy="4525963"/>
+          </a:xfrm>
+        </p:spPr>
+        <p:txBody>
+          <a:bodyPr/>
+          <a:lstStyle/>
+          <a:p>
+            <a:pPr>
+              <a:spcAft>
+                <a:spcPts val="2400"/>
+              </a:spcAft>
+            </a:pPr>
+            <a:r>
+              <a:rPr lang="pt-BR" dirty="0" smtClean="0"/>
+              <a:t>O Java possui diversas estruturas de dados, cada qual com sua particularidade que permitem:</a:t>
+            </a:r>
+          </a:p>
+          <a:p>
+            <a:pPr lvl="1"/>
+            <a:r>
+              <a:rPr lang="pt-BR" sz="2400" dirty="0" smtClean="0"/>
+              <a:t>Adicionar novos itens</a:t>
+            </a:r>
+          </a:p>
+          <a:p>
+            <a:pPr lvl="1"/>
+            <a:r>
+              <a:rPr lang="pt-BR" sz="2400" dirty="0" smtClean="0"/>
+              <a:t>Remover itens existentes</a:t>
+            </a:r>
+          </a:p>
+          <a:p>
+            <a:pPr lvl="1"/>
+            <a:r>
+              <a:rPr lang="pt-BR" sz="2400" dirty="0" smtClean="0"/>
+              <a:t>Limpar todos os item</a:t>
+            </a:r>
+          </a:p>
+          <a:p>
+            <a:pPr lvl="1"/>
+            <a:r>
+              <a:rPr lang="pt-BR" sz="2400" dirty="0" smtClean="0"/>
+              <a:t>Classificar automaticamente um conjunto de itens</a:t>
+            </a:r>
+          </a:p>
+          <a:p>
+            <a:pPr lvl="1"/>
+            <a:r>
+              <a:rPr lang="pt-BR" sz="2400" dirty="0" smtClean="0"/>
+              <a:t>Dentre outras ações</a:t>
+            </a:r>
+            <a:endParaRPr lang="pt-BR" sz="2400" dirty="0"/>
+          </a:p>
+        </p:txBody>
+      </p:sp>
+      <p:sp>
+        <p:nvSpPr>
+          <p:cNvPr id="4" name="Espaço Reservado para Número de Slide 3"/>
+          <p:cNvSpPr>
+            <a:spLocks noGrp="1"/>
+          </p:cNvSpPr>
+          <p:nvPr>
+            <p:ph type="sldNum" sz="quarter" idx="12"/>
+          </p:nvPr>
+        </p:nvSpPr>
+        <p:spPr/>
+        <p:txBody>
+          <a:bodyPr/>
+          <a:lstStyle/>
+          <a:p>
+            <a:pPr>
+              <a:defRPr/>
+            </a:pPr>
+            <a:fld id="{7E263EA5-71DF-4638-BC15-81D6FFD3C7EB}" type="slidenum">
+              <a:rPr lang="pt-BR" smtClean="0"/>
+              <a:pPr>
+                <a:defRPr/>
+              </a:pPr>
+              <a:t>4</a:t>
+            </a:fld>
+            <a:endParaRPr lang="pt-BR"/>
+          </a:p>
+        </p:txBody>
+      </p:sp>
+    </p:spTree>
+  </p:cSld>
+  <p:clrMapOvr>
+    <a:masterClrMapping/>
+  </p:clrMapOvr>
+  <p:timing>
+    <p:tnLst>
+      <p:par>
+        <p:cTn id="1" dur="indefinite" restart="never" nodeType="tmRoot"/>
+      </p:par>
+    </p:tnLst>
+  </p:timing>
+</p:sld>
+</file>
+
+<file path=ppt/slides/slide40.xml><?xml version="1.0" encoding="utf-8"?>
 <p:sld xmlns:a="http://schemas.openxmlformats.org/drawingml/2006/main" xmlns:r="http://schemas.openxmlformats.org/officeDocument/2006/relationships" xmlns:p="http://schemas.openxmlformats.org/presentationml/2006/main">
   <p:cSld>
     <p:spTree>
@@ -28795,7 +28493,7 @@
               <a:pPr>
                 <a:defRPr/>
               </a:pPr>
-              <a:t>45</a:t>
+              <a:t>40</a:t>
             </a:fld>
             <a:endParaRPr lang="pt-BR"/>
           </a:p>
@@ -31165,6 +30863,1184 @@
 </p:sld>
 </file>
 
+<file path=ppt/slides/slide41.xml><?xml version="1.0" encoding="utf-8"?>
+<p:sld xmlns:a="http://schemas.openxmlformats.org/drawingml/2006/main" xmlns:r="http://schemas.openxmlformats.org/officeDocument/2006/relationships" xmlns:p="http://schemas.openxmlformats.org/presentationml/2006/main">
+  <p:cSld>
+    <p:spTree>
+      <p:nvGrpSpPr>
+        <p:cNvPr id="1" name=""/>
+        <p:cNvGrpSpPr/>
+        <p:nvPr/>
+      </p:nvGrpSpPr>
+      <p:grpSpPr>
+        <a:xfrm>
+          <a:off x="0" y="0"/>
+          <a:ext cx="0" cy="0"/>
+          <a:chOff x="0" y="0"/>
+          <a:chExt cx="0" cy="0"/>
+        </a:xfrm>
+      </p:grpSpPr>
+      <p:sp>
+        <p:nvSpPr>
+          <p:cNvPr id="2" name="Title 1"/>
+          <p:cNvSpPr>
+            <a:spLocks noGrp="1"/>
+          </p:cNvSpPr>
+          <p:nvPr>
+            <p:ph type="title"/>
+          </p:nvPr>
+        </p:nvSpPr>
+        <p:spPr/>
+        <p:txBody>
+          <a:bodyPr/>
+          <a:lstStyle/>
+          <a:p>
+            <a:r>
+              <a:rPr lang="pt-BR" dirty="0" smtClean="0"/>
+              <a:t>Exercício 1</a:t>
+            </a:r>
+            <a:endParaRPr lang="pt-BR" dirty="0"/>
+          </a:p>
+        </p:txBody>
+      </p:sp>
+      <p:sp>
+        <p:nvSpPr>
+          <p:cNvPr id="3" name="Content Placeholder 2"/>
+          <p:cNvSpPr>
+            <a:spLocks noGrp="1"/>
+          </p:cNvSpPr>
+          <p:nvPr>
+            <p:ph idx="1"/>
+          </p:nvPr>
+        </p:nvSpPr>
+        <p:spPr>
+          <a:xfrm>
+            <a:off x="457200" y="1600200"/>
+            <a:ext cx="7715200" cy="4525963"/>
+          </a:xfrm>
+        </p:spPr>
+        <p:txBody>
+          <a:bodyPr/>
+          <a:lstStyle/>
+          <a:p>
+            <a:pPr>
+              <a:spcBef>
+                <a:spcPts val="1800"/>
+              </a:spcBef>
+            </a:pPr>
+            <a:r>
+              <a:rPr lang="pt-BR" sz="2000" dirty="0" smtClean="0"/>
+              <a:t>Copie para um novo projeto do eclipse as seguintes classes fornecidas pelo instrutor:</a:t>
+            </a:r>
+          </a:p>
+          <a:p>
+            <a:pPr lvl="1">
+              <a:spcBef>
+                <a:spcPts val="0"/>
+              </a:spcBef>
+            </a:pPr>
+            <a:endParaRPr lang="pt-BR" sz="1800" dirty="0" smtClean="0"/>
+          </a:p>
+          <a:p>
+            <a:pPr lvl="1">
+              <a:spcBef>
+                <a:spcPts val="0"/>
+              </a:spcBef>
+            </a:pPr>
+            <a:r>
+              <a:rPr lang="pt-BR" sz="1800" dirty="0" smtClean="0"/>
+              <a:t>br.com.impacta.</a:t>
+            </a:r>
+            <a:r>
+              <a:rPr lang="pt-BR" sz="1800" dirty="0" err="1" smtClean="0"/>
+              <a:t>funcionario</a:t>
+            </a:r>
+            <a:r>
+              <a:rPr lang="pt-BR" sz="1800" dirty="0" smtClean="0"/>
+              <a:t>.</a:t>
+            </a:r>
+            <a:r>
+              <a:rPr lang="pt-BR" sz="1800" dirty="0" err="1" smtClean="0"/>
+              <a:t>Funcionario</a:t>
+            </a:r>
+            <a:endParaRPr lang="pt-BR" sz="1800" dirty="0" smtClean="0"/>
+          </a:p>
+          <a:p>
+            <a:pPr lvl="1">
+              <a:spcBef>
+                <a:spcPts val="0"/>
+              </a:spcBef>
+            </a:pPr>
+            <a:r>
+              <a:rPr lang="pt-BR" sz="1800" dirty="0" smtClean="0"/>
+              <a:t>br.com.impacta.</a:t>
+            </a:r>
+            <a:r>
+              <a:rPr lang="pt-BR" sz="1800" dirty="0" err="1" smtClean="0"/>
+              <a:t>funcionario</a:t>
+            </a:r>
+            <a:r>
+              <a:rPr lang="pt-BR" sz="1800" dirty="0" smtClean="0"/>
+              <a:t>.</a:t>
+            </a:r>
+            <a:r>
+              <a:rPr lang="pt-BR" sz="1800" dirty="0" err="1" smtClean="0"/>
+              <a:t>FuncionarioDialog</a:t>
+            </a:r>
+            <a:endParaRPr lang="pt-BR" sz="1800" dirty="0" smtClean="0"/>
+          </a:p>
+          <a:p>
+            <a:pPr indent="1588">
+              <a:spcBef>
+                <a:spcPts val="1800"/>
+              </a:spcBef>
+              <a:buNone/>
+            </a:pPr>
+            <a:r>
+              <a:rPr lang="pt-BR" sz="2000" dirty="0" smtClean="0"/>
+              <a:t>A classe </a:t>
+            </a:r>
+            <a:r>
+              <a:rPr lang="pt-BR" sz="2000" b="1" i="1" dirty="0" err="1" smtClean="0"/>
+              <a:t>FuncionarioDialog</a:t>
+            </a:r>
+            <a:r>
+              <a:rPr lang="pt-BR" sz="2000" dirty="0" smtClean="0"/>
+              <a:t> possui um método estático </a:t>
+            </a:r>
+            <a:r>
+              <a:rPr lang="pt-BR" sz="2000" b="1" i="1" dirty="0" err="1" smtClean="0"/>
+              <a:t>showInputFuncionario</a:t>
+            </a:r>
+            <a:r>
+              <a:rPr lang="pt-BR" sz="2000" b="1" i="1" dirty="0" smtClean="0"/>
+              <a:t>()</a:t>
+            </a:r>
+            <a:r>
+              <a:rPr lang="pt-BR" sz="2000" dirty="0" smtClean="0"/>
+              <a:t> utilizado para que o usuário entre com os dados de um funcionário.</a:t>
+            </a:r>
+          </a:p>
+          <a:p>
+            <a:pPr marL="0" indent="0" algn="ctr">
+              <a:spcBef>
+                <a:spcPts val="1800"/>
+              </a:spcBef>
+              <a:buNone/>
+            </a:pPr>
+            <a:endParaRPr lang="pt-BR" sz="1800" dirty="0" smtClean="0">
+              <a:solidFill>
+                <a:srgbClr val="FFC000"/>
+              </a:solidFill>
+            </a:endParaRPr>
+          </a:p>
+          <a:p>
+            <a:pPr marL="0" indent="0" algn="ctr">
+              <a:spcBef>
+                <a:spcPts val="1800"/>
+              </a:spcBef>
+              <a:buNone/>
+            </a:pPr>
+            <a:r>
+              <a:rPr lang="pt-BR" sz="1800" dirty="0" err="1" smtClean="0">
+                <a:solidFill>
+                  <a:srgbClr val="FFC000"/>
+                </a:solidFill>
+              </a:rPr>
+              <a:t>Funcionario</a:t>
+            </a:r>
+            <a:r>
+              <a:rPr lang="pt-BR" sz="1800" dirty="0" smtClean="0">
+                <a:solidFill>
+                  <a:srgbClr val="FFC000"/>
+                </a:solidFill>
+              </a:rPr>
+              <a:t> f = </a:t>
+            </a:r>
+            <a:r>
+              <a:rPr lang="pt-BR" sz="1800" dirty="0" err="1" smtClean="0">
+                <a:solidFill>
+                  <a:srgbClr val="FFC000"/>
+                </a:solidFill>
+              </a:rPr>
+              <a:t>FuncionarioDialog</a:t>
+            </a:r>
+            <a:r>
+              <a:rPr lang="pt-BR" sz="1800" dirty="0" smtClean="0">
+                <a:solidFill>
+                  <a:srgbClr val="FFC000"/>
+                </a:solidFill>
+              </a:rPr>
+              <a:t>.</a:t>
+            </a:r>
+            <a:r>
+              <a:rPr lang="pt-BR" sz="1800" dirty="0" err="1" smtClean="0">
+                <a:solidFill>
+                  <a:srgbClr val="FFC000"/>
+                </a:solidFill>
+              </a:rPr>
+              <a:t>showInputFuncionario</a:t>
+            </a:r>
+            <a:r>
+              <a:rPr lang="pt-BR" sz="1800" dirty="0" smtClean="0">
+                <a:solidFill>
+                  <a:srgbClr val="FFC000"/>
+                </a:solidFill>
+              </a:rPr>
+              <a:t>();</a:t>
+            </a:r>
+          </a:p>
+        </p:txBody>
+      </p:sp>
+      <p:sp>
+        <p:nvSpPr>
+          <p:cNvPr id="4" name="Slide Number Placeholder 3"/>
+          <p:cNvSpPr>
+            <a:spLocks noGrp="1"/>
+          </p:cNvSpPr>
+          <p:nvPr>
+            <p:ph type="sldNum" sz="quarter" idx="12"/>
+          </p:nvPr>
+        </p:nvSpPr>
+        <p:spPr/>
+        <p:txBody>
+          <a:bodyPr/>
+          <a:lstStyle/>
+          <a:p>
+            <a:pPr>
+              <a:defRPr/>
+            </a:pPr>
+            <a:fld id="{7E263EA5-71DF-4638-BC15-81D6FFD3C7EB}" type="slidenum">
+              <a:rPr lang="pt-BR" smtClean="0"/>
+              <a:pPr>
+                <a:defRPr/>
+              </a:pPr>
+              <a:t>41</a:t>
+            </a:fld>
+            <a:endParaRPr lang="pt-BR"/>
+          </a:p>
+        </p:txBody>
+      </p:sp>
+    </p:spTree>
+  </p:cSld>
+  <p:clrMapOvr>
+    <a:masterClrMapping/>
+  </p:clrMapOvr>
+  <p:timing>
+    <p:tnLst>
+      <p:par>
+        <p:cTn id="1" dur="indefinite" restart="never" nodeType="tmRoot"/>
+      </p:par>
+    </p:tnLst>
+  </p:timing>
+</p:sld>
+</file>
+
+<file path=ppt/slides/slide42.xml><?xml version="1.0" encoding="utf-8"?>
+<p:sld xmlns:a="http://schemas.openxmlformats.org/drawingml/2006/main" xmlns:r="http://schemas.openxmlformats.org/officeDocument/2006/relationships" xmlns:p="http://schemas.openxmlformats.org/presentationml/2006/main">
+  <p:cSld>
+    <p:spTree>
+      <p:nvGrpSpPr>
+        <p:cNvPr id="1" name=""/>
+        <p:cNvGrpSpPr/>
+        <p:nvPr/>
+      </p:nvGrpSpPr>
+      <p:grpSpPr>
+        <a:xfrm>
+          <a:off x="0" y="0"/>
+          <a:ext cx="0" cy="0"/>
+          <a:chOff x="0" y="0"/>
+          <a:chExt cx="0" cy="0"/>
+        </a:xfrm>
+      </p:grpSpPr>
+      <p:sp>
+        <p:nvSpPr>
+          <p:cNvPr id="2" name="Title 1"/>
+          <p:cNvSpPr>
+            <a:spLocks noGrp="1"/>
+          </p:cNvSpPr>
+          <p:nvPr>
+            <p:ph type="title"/>
+          </p:nvPr>
+        </p:nvSpPr>
+        <p:spPr/>
+        <p:txBody>
+          <a:bodyPr/>
+          <a:lstStyle/>
+          <a:p>
+            <a:r>
+              <a:rPr lang="pt-BR" dirty="0" smtClean="0"/>
+              <a:t>Exercício 1 </a:t>
+            </a:r>
+            <a:r>
+              <a:rPr lang="pt-BR" dirty="0" smtClean="0"/>
+              <a:t>(continuação)</a:t>
+            </a:r>
+            <a:endParaRPr lang="pt-BR" dirty="0"/>
+          </a:p>
+        </p:txBody>
+      </p:sp>
+      <p:sp>
+        <p:nvSpPr>
+          <p:cNvPr id="9" name="Espaço Reservado para Conteúdo 8"/>
+          <p:cNvSpPr>
+            <a:spLocks noGrp="1"/>
+          </p:cNvSpPr>
+          <p:nvPr>
+            <p:ph sz="half" idx="2"/>
+          </p:nvPr>
+        </p:nvSpPr>
+        <p:spPr>
+          <a:xfrm>
+            <a:off x="467544" y="4149080"/>
+            <a:ext cx="7920880" cy="1977083"/>
+          </a:xfrm>
+        </p:spPr>
+        <p:txBody>
+          <a:bodyPr/>
+          <a:lstStyle/>
+          <a:p>
+            <a:pPr>
+              <a:spcBef>
+                <a:spcPts val="1800"/>
+              </a:spcBef>
+            </a:pPr>
+            <a:r>
+              <a:rPr lang="pt-BR" sz="2000" dirty="0" smtClean="0"/>
+              <a:t>Após o usuário digitar os dados e clicar em Ok, o método retornará uma instância da classe </a:t>
+            </a:r>
+            <a:r>
+              <a:rPr lang="pt-BR" sz="2000" b="1" i="1" dirty="0" err="1" smtClean="0">
+                <a:solidFill>
+                  <a:srgbClr val="FFC000"/>
+                </a:solidFill>
+              </a:rPr>
+              <a:t>Funcionario</a:t>
+            </a:r>
+            <a:r>
+              <a:rPr lang="pt-BR" sz="2000" dirty="0" smtClean="0"/>
+              <a:t> devidamente preenchida.</a:t>
+            </a:r>
+          </a:p>
+          <a:p>
+            <a:pPr>
+              <a:spcBef>
+                <a:spcPts val="1800"/>
+              </a:spcBef>
+            </a:pPr>
+            <a:r>
+              <a:rPr lang="pt-BR" sz="2000" dirty="0" smtClean="0"/>
+              <a:t>Caso o usuário clique no botão Cancelar ou Fechar o método retornará </a:t>
+            </a:r>
+            <a:r>
+              <a:rPr lang="pt-BR" sz="2000" b="1" dirty="0" err="1" smtClean="0">
+                <a:solidFill>
+                  <a:srgbClr val="FFC000"/>
+                </a:solidFill>
+              </a:rPr>
+              <a:t>null</a:t>
+            </a:r>
+            <a:r>
+              <a:rPr lang="pt-BR" sz="2000" dirty="0" smtClean="0"/>
+              <a:t>.</a:t>
+            </a:r>
+          </a:p>
+        </p:txBody>
+      </p:sp>
+      <p:sp>
+        <p:nvSpPr>
+          <p:cNvPr id="4" name="Slide Number Placeholder 3"/>
+          <p:cNvSpPr>
+            <a:spLocks noGrp="1"/>
+          </p:cNvSpPr>
+          <p:nvPr>
+            <p:ph type="sldNum" sz="quarter" idx="12"/>
+          </p:nvPr>
+        </p:nvSpPr>
+        <p:spPr/>
+        <p:txBody>
+          <a:bodyPr/>
+          <a:lstStyle/>
+          <a:p>
+            <a:pPr>
+              <a:defRPr/>
+            </a:pPr>
+            <a:fld id="{7E263EA5-71DF-4638-BC15-81D6FFD3C7EB}" type="slidenum">
+              <a:rPr lang="pt-BR" smtClean="0"/>
+              <a:pPr>
+                <a:defRPr/>
+              </a:pPr>
+              <a:t>42</a:t>
+            </a:fld>
+            <a:endParaRPr lang="pt-BR"/>
+          </a:p>
+        </p:txBody>
+      </p:sp>
+      <p:pic>
+        <p:nvPicPr>
+          <p:cNvPr id="1027" name="Picture 3"/>
+          <p:cNvPicPr>
+            <a:picLocks noGrp="1" noChangeAspect="1" noChangeArrowheads="1"/>
+          </p:cNvPicPr>
+          <p:nvPr>
+            <p:ph sz="half" idx="1"/>
+          </p:nvPr>
+        </p:nvPicPr>
+        <p:blipFill>
+          <a:blip r:embed="rId3" cstate="print"/>
+          <a:srcRect/>
+          <a:stretch>
+            <a:fillRect/>
+          </a:stretch>
+        </p:blipFill>
+        <p:spPr bwMode="auto">
+          <a:xfrm>
+            <a:off x="3059832" y="1700808"/>
+            <a:ext cx="2952750" cy="2000250"/>
+          </a:xfrm>
+          <a:prstGeom prst="rect">
+            <a:avLst/>
+          </a:prstGeom>
+          <a:noFill/>
+          <a:ln w="9525">
+            <a:noFill/>
+            <a:miter lim="800000"/>
+            <a:headEnd/>
+            <a:tailEnd/>
+          </a:ln>
+        </p:spPr>
+      </p:pic>
+    </p:spTree>
+  </p:cSld>
+  <p:clrMapOvr>
+    <a:masterClrMapping/>
+  </p:clrMapOvr>
+  <p:timing>
+    <p:tnLst>
+      <p:par>
+        <p:cTn id="1" dur="indefinite" restart="never" nodeType="tmRoot"/>
+      </p:par>
+    </p:tnLst>
+  </p:timing>
+</p:sld>
+</file>
+
+<file path=ppt/slides/slide43.xml><?xml version="1.0" encoding="utf-8"?>
+<p:sld xmlns:a="http://schemas.openxmlformats.org/drawingml/2006/main" xmlns:r="http://schemas.openxmlformats.org/officeDocument/2006/relationships" xmlns:p="http://schemas.openxmlformats.org/presentationml/2006/main">
+  <p:cSld>
+    <p:spTree>
+      <p:nvGrpSpPr>
+        <p:cNvPr id="1" name=""/>
+        <p:cNvGrpSpPr/>
+        <p:nvPr/>
+      </p:nvGrpSpPr>
+      <p:grpSpPr>
+        <a:xfrm>
+          <a:off x="0" y="0"/>
+          <a:ext cx="0" cy="0"/>
+          <a:chOff x="0" y="0"/>
+          <a:chExt cx="0" cy="0"/>
+        </a:xfrm>
+      </p:grpSpPr>
+      <p:sp>
+        <p:nvSpPr>
+          <p:cNvPr id="2" name="Título 1"/>
+          <p:cNvSpPr>
+            <a:spLocks noGrp="1"/>
+          </p:cNvSpPr>
+          <p:nvPr>
+            <p:ph type="title"/>
+          </p:nvPr>
+        </p:nvSpPr>
+        <p:spPr/>
+        <p:txBody>
+          <a:bodyPr/>
+          <a:lstStyle/>
+          <a:p>
+            <a:r>
+              <a:rPr lang="pt-BR" dirty="0" smtClean="0"/>
+              <a:t>Exercício 1 </a:t>
+            </a:r>
+            <a:r>
+              <a:rPr lang="pt-BR" dirty="0" smtClean="0"/>
+              <a:t>(continuação)</a:t>
+            </a:r>
+            <a:endParaRPr lang="pt-BR" dirty="0"/>
+          </a:p>
+        </p:txBody>
+      </p:sp>
+      <p:sp>
+        <p:nvSpPr>
+          <p:cNvPr id="3" name="Espaço Reservado para Conteúdo 2"/>
+          <p:cNvSpPr>
+            <a:spLocks noGrp="1"/>
+          </p:cNvSpPr>
+          <p:nvPr>
+            <p:ph idx="1"/>
+          </p:nvPr>
+        </p:nvSpPr>
+        <p:spPr>
+          <a:xfrm>
+            <a:off x="323528" y="1600200"/>
+            <a:ext cx="8280920" cy="4525963"/>
+          </a:xfrm>
+        </p:spPr>
+        <p:txBody>
+          <a:bodyPr/>
+          <a:lstStyle/>
+          <a:p>
+            <a:pPr>
+              <a:spcBef>
+                <a:spcPts val="2400"/>
+              </a:spcBef>
+            </a:pPr>
+            <a:r>
+              <a:rPr lang="pt-BR" sz="2200" dirty="0" smtClean="0"/>
+              <a:t>Crie no mesmo projeto o pacote </a:t>
+            </a:r>
+            <a:r>
+              <a:rPr lang="pt-BR" sz="2200" dirty="0" smtClean="0">
+                <a:solidFill>
+                  <a:srgbClr val="FFC000"/>
+                </a:solidFill>
+              </a:rPr>
+              <a:t>br.com.impacta.</a:t>
+            </a:r>
+            <a:r>
+              <a:rPr lang="pt-BR" sz="2200" dirty="0" err="1" smtClean="0">
+                <a:solidFill>
+                  <a:srgbClr val="FFC000"/>
+                </a:solidFill>
+              </a:rPr>
+              <a:t>exercicio</a:t>
+            </a:r>
+            <a:r>
+              <a:rPr lang="pt-BR" sz="2200" dirty="0" smtClean="0"/>
+              <a:t> e dentro dele a classe </a:t>
+            </a:r>
+            <a:r>
+              <a:rPr lang="pt-BR" sz="2200" dirty="0" err="1" smtClean="0">
+                <a:solidFill>
+                  <a:srgbClr val="FFC000"/>
+                </a:solidFill>
+              </a:rPr>
+              <a:t>ExercicioList</a:t>
+            </a:r>
+            <a:r>
+              <a:rPr lang="pt-BR" sz="2200" dirty="0" smtClean="0"/>
+              <a:t> contendo o método </a:t>
+            </a:r>
+            <a:r>
+              <a:rPr lang="pt-BR" sz="2200" dirty="0" err="1" smtClean="0">
+                <a:solidFill>
+                  <a:srgbClr val="FFC000"/>
+                </a:solidFill>
+              </a:rPr>
+              <a:t>main</a:t>
+            </a:r>
+            <a:r>
+              <a:rPr lang="pt-BR" sz="2200" dirty="0" smtClean="0">
+                <a:solidFill>
+                  <a:srgbClr val="FFC000"/>
+                </a:solidFill>
+              </a:rPr>
+              <a:t>()</a:t>
+            </a:r>
+          </a:p>
+          <a:p>
+            <a:pPr>
+              <a:spcBef>
+                <a:spcPts val="2400"/>
+              </a:spcBef>
+            </a:pPr>
+            <a:r>
+              <a:rPr lang="pt-BR" sz="2200" dirty="0" smtClean="0"/>
+              <a:t>Crie uma variável do tipo </a:t>
+            </a:r>
+            <a:r>
+              <a:rPr lang="pt-BR" sz="2200" dirty="0" err="1" smtClean="0"/>
+              <a:t>List</a:t>
+            </a:r>
+            <a:r>
+              <a:rPr lang="pt-BR" sz="2200" dirty="0" smtClean="0"/>
+              <a:t>&lt;</a:t>
+            </a:r>
+            <a:r>
+              <a:rPr lang="pt-BR" sz="2200" dirty="0" err="1" smtClean="0"/>
+              <a:t>Funcionario</a:t>
+            </a:r>
+            <a:r>
+              <a:rPr lang="pt-BR" sz="2200" dirty="0" smtClean="0"/>
+              <a:t>&gt; e instancie alguma implementação da interface </a:t>
+            </a:r>
+            <a:r>
+              <a:rPr lang="pt-BR" sz="2200" dirty="0" err="1" smtClean="0"/>
+              <a:t>List</a:t>
+            </a:r>
+            <a:endParaRPr lang="pt-BR" sz="2200" dirty="0" smtClean="0"/>
+          </a:p>
+          <a:p>
+            <a:pPr>
+              <a:spcBef>
+                <a:spcPts val="2400"/>
+              </a:spcBef>
+            </a:pPr>
+            <a:r>
+              <a:rPr lang="pt-BR" sz="2200" dirty="0" smtClean="0"/>
+              <a:t>Crie </a:t>
+            </a:r>
+            <a:r>
+              <a:rPr lang="pt-BR" sz="2200" dirty="0" smtClean="0"/>
+              <a:t>um loop executando diversas vezes o método </a:t>
+            </a:r>
+            <a:r>
+              <a:rPr lang="pt-BR" sz="2200" dirty="0" err="1" smtClean="0"/>
+              <a:t>FuncionarioDialog</a:t>
+            </a:r>
+            <a:r>
+              <a:rPr lang="pt-BR" sz="2200" dirty="0" smtClean="0"/>
+              <a:t>.</a:t>
+            </a:r>
+            <a:r>
+              <a:rPr lang="pt-BR" sz="2200" dirty="0" err="1" smtClean="0"/>
+              <a:t>showInputFuncionario</a:t>
+            </a:r>
+            <a:r>
+              <a:rPr lang="pt-BR" sz="2200" dirty="0" smtClean="0"/>
+              <a:t>()</a:t>
+            </a:r>
+          </a:p>
+          <a:p>
+            <a:pPr>
+              <a:spcBef>
+                <a:spcPts val="2400"/>
+              </a:spcBef>
+            </a:pPr>
+            <a:r>
+              <a:rPr lang="pt-BR" sz="2200" dirty="0" smtClean="0"/>
+              <a:t>Cada funcionário preenchido deverá ser adicionado à lista.</a:t>
+            </a:r>
+          </a:p>
+          <a:p>
+            <a:pPr>
+              <a:spcBef>
+                <a:spcPts val="2400"/>
+              </a:spcBef>
+            </a:pPr>
+            <a:r>
+              <a:rPr lang="pt-BR" sz="2200" dirty="0" smtClean="0"/>
+              <a:t>Quando o usuário clicar em cancelar (retornando </a:t>
+            </a:r>
+            <a:r>
+              <a:rPr lang="pt-BR" sz="2200" dirty="0" err="1" smtClean="0"/>
+              <a:t>null</a:t>
+            </a:r>
+            <a:r>
+              <a:rPr lang="pt-BR" sz="2200" dirty="0" smtClean="0"/>
+              <a:t>), o loop deverá ser finalizado e a aplicação deverá exibir os dados conforme próximo slide.</a:t>
+            </a:r>
+          </a:p>
+        </p:txBody>
+      </p:sp>
+      <p:sp>
+        <p:nvSpPr>
+          <p:cNvPr id="4" name="Espaço Reservado para Número de Slide 3"/>
+          <p:cNvSpPr>
+            <a:spLocks noGrp="1"/>
+          </p:cNvSpPr>
+          <p:nvPr>
+            <p:ph type="sldNum" sz="quarter" idx="12"/>
+          </p:nvPr>
+        </p:nvSpPr>
+        <p:spPr/>
+        <p:txBody>
+          <a:bodyPr/>
+          <a:lstStyle/>
+          <a:p>
+            <a:pPr>
+              <a:defRPr/>
+            </a:pPr>
+            <a:fld id="{7E263EA5-71DF-4638-BC15-81D6FFD3C7EB}" type="slidenum">
+              <a:rPr lang="pt-BR" smtClean="0"/>
+              <a:pPr>
+                <a:defRPr/>
+              </a:pPr>
+              <a:t>43</a:t>
+            </a:fld>
+            <a:endParaRPr lang="pt-BR"/>
+          </a:p>
+        </p:txBody>
+      </p:sp>
+    </p:spTree>
+  </p:cSld>
+  <p:clrMapOvr>
+    <a:masterClrMapping/>
+  </p:clrMapOvr>
+  <p:timing>
+    <p:tnLst>
+      <p:par>
+        <p:cTn id="1" dur="indefinite" restart="never" nodeType="tmRoot"/>
+      </p:par>
+    </p:tnLst>
+  </p:timing>
+</p:sld>
+</file>
+
+<file path=ppt/slides/slide44.xml><?xml version="1.0" encoding="utf-8"?>
+<p:sld xmlns:a="http://schemas.openxmlformats.org/drawingml/2006/main" xmlns:r="http://schemas.openxmlformats.org/officeDocument/2006/relationships" xmlns:p="http://schemas.openxmlformats.org/presentationml/2006/main">
+  <p:cSld>
+    <p:spTree>
+      <p:nvGrpSpPr>
+        <p:cNvPr id="1" name=""/>
+        <p:cNvGrpSpPr/>
+        <p:nvPr/>
+      </p:nvGrpSpPr>
+      <p:grpSpPr>
+        <a:xfrm>
+          <a:off x="0" y="0"/>
+          <a:ext cx="0" cy="0"/>
+          <a:chOff x="0" y="0"/>
+          <a:chExt cx="0" cy="0"/>
+        </a:xfrm>
+      </p:grpSpPr>
+      <p:sp>
+        <p:nvSpPr>
+          <p:cNvPr id="2" name="Título 1"/>
+          <p:cNvSpPr>
+            <a:spLocks noGrp="1"/>
+          </p:cNvSpPr>
+          <p:nvPr>
+            <p:ph type="title"/>
+          </p:nvPr>
+        </p:nvSpPr>
+        <p:spPr/>
+        <p:txBody>
+          <a:bodyPr/>
+          <a:lstStyle/>
+          <a:p>
+            <a:r>
+              <a:rPr lang="pt-BR" dirty="0" smtClean="0"/>
+              <a:t>Exercício 1 </a:t>
+            </a:r>
+            <a:r>
+              <a:rPr lang="pt-BR" dirty="0" smtClean="0"/>
+              <a:t>(fim)</a:t>
+            </a:r>
+            <a:endParaRPr lang="pt-BR" dirty="0"/>
+          </a:p>
+        </p:txBody>
+      </p:sp>
+      <p:sp>
+        <p:nvSpPr>
+          <p:cNvPr id="3" name="Espaço Reservado para Conteúdo 2"/>
+          <p:cNvSpPr>
+            <a:spLocks noGrp="1"/>
+          </p:cNvSpPr>
+          <p:nvPr>
+            <p:ph idx="1"/>
+          </p:nvPr>
+        </p:nvSpPr>
+        <p:spPr>
+          <a:xfrm>
+            <a:off x="1259632" y="1600200"/>
+            <a:ext cx="6665168" cy="4525963"/>
+          </a:xfrm>
+        </p:spPr>
+        <p:txBody>
+          <a:bodyPr/>
+          <a:lstStyle/>
+          <a:p>
+            <a:pPr marL="0" indent="0">
+              <a:spcBef>
+                <a:spcPts val="0"/>
+              </a:spcBef>
+              <a:buNone/>
+            </a:pPr>
+            <a:r>
+              <a:rPr lang="pt-BR" sz="2400" b="1" dirty="0" smtClean="0">
+                <a:solidFill>
+                  <a:srgbClr val="FFC000"/>
+                </a:solidFill>
+                <a:latin typeface="Courier New" pitchFamily="49" charset="0"/>
+                <a:cs typeface="Courier New" pitchFamily="49" charset="0"/>
+              </a:rPr>
+              <a:t>Nome            Idade   Salário</a:t>
+            </a:r>
+          </a:p>
+          <a:p>
+            <a:pPr marL="0" indent="0">
+              <a:spcBef>
+                <a:spcPts val="0"/>
+              </a:spcBef>
+              <a:buNone/>
+            </a:pPr>
+            <a:r>
+              <a:rPr lang="pt-BR" sz="2400" b="1" dirty="0" smtClean="0">
+                <a:solidFill>
+                  <a:srgbClr val="FFC000"/>
+                </a:solidFill>
+                <a:latin typeface="Courier New" pitchFamily="49" charset="0"/>
+                <a:cs typeface="Courier New" pitchFamily="49" charset="0"/>
+              </a:rPr>
+              <a:t>=============== ===== =========</a:t>
+            </a:r>
+          </a:p>
+          <a:p>
+            <a:pPr marL="0" indent="0">
+              <a:spcBef>
+                <a:spcPts val="0"/>
+              </a:spcBef>
+              <a:buNone/>
+            </a:pPr>
+            <a:r>
+              <a:rPr lang="pt-BR" sz="2400" b="1" dirty="0" smtClean="0">
+                <a:solidFill>
+                  <a:srgbClr val="FFC000"/>
+                </a:solidFill>
+                <a:latin typeface="Courier New" pitchFamily="49" charset="0"/>
+                <a:cs typeface="Courier New" pitchFamily="49" charset="0"/>
+              </a:rPr>
+              <a:t>Joaquim Souza      52  8.350,45</a:t>
+            </a:r>
+          </a:p>
+          <a:p>
+            <a:pPr marL="0" indent="0">
+              <a:spcBef>
+                <a:spcPts val="0"/>
+              </a:spcBef>
+              <a:buNone/>
+            </a:pPr>
+            <a:r>
+              <a:rPr lang="pt-BR" sz="2400" b="1" dirty="0" smtClean="0">
+                <a:solidFill>
+                  <a:srgbClr val="FFC000"/>
+                </a:solidFill>
+                <a:latin typeface="Courier New" pitchFamily="49" charset="0"/>
+                <a:cs typeface="Courier New" pitchFamily="49" charset="0"/>
+              </a:rPr>
+              <a:t>Carlos Alberto     19    970,00</a:t>
+            </a:r>
+          </a:p>
+          <a:p>
+            <a:pPr marL="0" indent="0">
+              <a:spcBef>
+                <a:spcPts val="0"/>
+              </a:spcBef>
+              <a:buNone/>
+            </a:pPr>
+            <a:r>
+              <a:rPr lang="pt-BR" sz="2400" b="1" dirty="0" smtClean="0">
+                <a:solidFill>
+                  <a:srgbClr val="FFC000"/>
+                </a:solidFill>
+                <a:latin typeface="Courier New" pitchFamily="49" charset="0"/>
+                <a:cs typeface="Courier New" pitchFamily="49" charset="0"/>
+              </a:rPr>
+              <a:t>Manuel da Silva    37  3.350,00</a:t>
+            </a:r>
+          </a:p>
+          <a:p>
+            <a:pPr marL="0" indent="0">
+              <a:spcBef>
+                <a:spcPts val="0"/>
+              </a:spcBef>
+              <a:buNone/>
+            </a:pPr>
+            <a:r>
+              <a:rPr lang="pt-BR" sz="2400" b="1" dirty="0" smtClean="0">
+                <a:solidFill>
+                  <a:srgbClr val="FFC000"/>
+                </a:solidFill>
+                <a:latin typeface="Courier New" pitchFamily="49" charset="0"/>
+                <a:cs typeface="Courier New" pitchFamily="49" charset="0"/>
+              </a:rPr>
+              <a:t>Antônio Nunes      32 12.200,00</a:t>
+            </a:r>
+          </a:p>
+          <a:p>
+            <a:pPr marL="0" indent="0">
+              <a:spcBef>
+                <a:spcPts val="0"/>
+              </a:spcBef>
+              <a:buNone/>
+            </a:pPr>
+            <a:r>
+              <a:rPr lang="pt-BR" sz="2400" b="1" dirty="0" smtClean="0">
+                <a:solidFill>
+                  <a:srgbClr val="FFC000"/>
+                </a:solidFill>
+                <a:latin typeface="Courier New" pitchFamily="49" charset="0"/>
+                <a:cs typeface="Courier New" pitchFamily="49" charset="0"/>
+              </a:rPr>
+              <a:t>Maria Antunes      29  2.800,40</a:t>
+            </a:r>
+          </a:p>
+          <a:p>
+            <a:pPr marL="0" indent="0">
+              <a:spcBef>
+                <a:spcPts val="0"/>
+              </a:spcBef>
+              <a:buNone/>
+            </a:pPr>
+            <a:endParaRPr lang="pt-BR" sz="2400" b="1" dirty="0" smtClean="0">
+              <a:solidFill>
+                <a:srgbClr val="FFC000"/>
+              </a:solidFill>
+              <a:latin typeface="Courier New" pitchFamily="49" charset="0"/>
+              <a:cs typeface="Courier New" pitchFamily="49" charset="0"/>
+            </a:endParaRPr>
+          </a:p>
+          <a:p>
+            <a:pPr marL="0" indent="0">
+              <a:spcBef>
+                <a:spcPts val="0"/>
+              </a:spcBef>
+              <a:buNone/>
+            </a:pPr>
+            <a:r>
+              <a:rPr lang="pt-BR" sz="2400" b="1" dirty="0" smtClean="0">
+                <a:solidFill>
+                  <a:srgbClr val="FFC000"/>
+                </a:solidFill>
+                <a:latin typeface="Courier New" pitchFamily="49" charset="0"/>
+                <a:cs typeface="Courier New" pitchFamily="49" charset="0"/>
+              </a:rPr>
+              <a:t>Total de funcionários: 5</a:t>
+            </a:r>
+          </a:p>
+          <a:p>
+            <a:pPr marL="0" indent="0">
+              <a:spcBef>
+                <a:spcPts val="0"/>
+              </a:spcBef>
+              <a:buNone/>
+            </a:pPr>
+            <a:r>
+              <a:rPr lang="pt-BR" sz="2400" b="1" dirty="0" smtClean="0">
+                <a:solidFill>
+                  <a:srgbClr val="FFC000"/>
+                </a:solidFill>
+                <a:latin typeface="Courier New" pitchFamily="49" charset="0"/>
+                <a:cs typeface="Courier New" pitchFamily="49" charset="0"/>
+              </a:rPr>
+              <a:t>Total de salários    : 27.670,85</a:t>
+            </a:r>
+          </a:p>
+          <a:p>
+            <a:pPr marL="0" indent="0">
+              <a:spcBef>
+                <a:spcPts val="0"/>
+              </a:spcBef>
+              <a:buNone/>
+            </a:pPr>
+            <a:r>
+              <a:rPr lang="pt-BR" sz="2400" b="1" dirty="0" smtClean="0">
+                <a:solidFill>
+                  <a:srgbClr val="FFC000"/>
+                </a:solidFill>
+                <a:latin typeface="Courier New" pitchFamily="49" charset="0"/>
+                <a:cs typeface="Courier New" pitchFamily="49" charset="0"/>
+              </a:rPr>
+              <a:t>Média de idade       : 33,8</a:t>
+            </a:r>
+            <a:endParaRPr lang="pt-BR" sz="2400" b="1" dirty="0">
+              <a:solidFill>
+                <a:srgbClr val="FFC000"/>
+              </a:solidFill>
+              <a:latin typeface="Courier New" pitchFamily="49" charset="0"/>
+              <a:cs typeface="Courier New" pitchFamily="49" charset="0"/>
+            </a:endParaRPr>
+          </a:p>
+        </p:txBody>
+      </p:sp>
+      <p:sp>
+        <p:nvSpPr>
+          <p:cNvPr id="4" name="Espaço Reservado para Número de Slide 3"/>
+          <p:cNvSpPr>
+            <a:spLocks noGrp="1"/>
+          </p:cNvSpPr>
+          <p:nvPr>
+            <p:ph type="sldNum" sz="quarter" idx="12"/>
+          </p:nvPr>
+        </p:nvSpPr>
+        <p:spPr/>
+        <p:txBody>
+          <a:bodyPr/>
+          <a:lstStyle/>
+          <a:p>
+            <a:pPr>
+              <a:defRPr/>
+            </a:pPr>
+            <a:fld id="{7E263EA5-71DF-4638-BC15-81D6FFD3C7EB}" type="slidenum">
+              <a:rPr lang="pt-BR" smtClean="0"/>
+              <a:pPr>
+                <a:defRPr/>
+              </a:pPr>
+              <a:t>44</a:t>
+            </a:fld>
+            <a:endParaRPr lang="pt-BR"/>
+          </a:p>
+        </p:txBody>
+      </p:sp>
+    </p:spTree>
+  </p:cSld>
+  <p:clrMapOvr>
+    <a:masterClrMapping/>
+  </p:clrMapOvr>
+  <p:timing>
+    <p:tnLst>
+      <p:par>
+        <p:cTn id="1" dur="indefinite" restart="never" nodeType="tmRoot"/>
+      </p:par>
+    </p:tnLst>
+  </p:timing>
+</p:sld>
+</file>
+
+<file path=ppt/slides/slide45.xml><?xml version="1.0" encoding="utf-8"?>
+<p:sld xmlns:a="http://schemas.openxmlformats.org/drawingml/2006/main" xmlns:r="http://schemas.openxmlformats.org/officeDocument/2006/relationships" xmlns:p="http://schemas.openxmlformats.org/presentationml/2006/main">
+  <p:cSld>
+    <p:spTree>
+      <p:nvGrpSpPr>
+        <p:cNvPr id="1" name=""/>
+        <p:cNvGrpSpPr/>
+        <p:nvPr/>
+      </p:nvGrpSpPr>
+      <p:grpSpPr>
+        <a:xfrm>
+          <a:off x="0" y="0"/>
+          <a:ext cx="0" cy="0"/>
+          <a:chOff x="0" y="0"/>
+          <a:chExt cx="0" cy="0"/>
+        </a:xfrm>
+      </p:grpSpPr>
+      <p:sp>
+        <p:nvSpPr>
+          <p:cNvPr id="2" name="Título 1"/>
+          <p:cNvSpPr>
+            <a:spLocks noGrp="1"/>
+          </p:cNvSpPr>
+          <p:nvPr>
+            <p:ph type="title"/>
+          </p:nvPr>
+        </p:nvSpPr>
+        <p:spPr>
+          <a:noFill/>
+          <a:ln w="9525">
+            <a:noFill/>
+            <a:miter lim="800000"/>
+            <a:headEnd/>
+            <a:tailEnd/>
+          </a:ln>
+        </p:spPr>
+        <p:txBody>
+          <a:bodyPr vert="horz" wrap="square" lIns="45720" tIns="45720" rIns="45720" bIns="45720" numCol="1" anchor="ctr" anchorCtr="0" compatLnSpc="1">
+            <a:prstTxWarp prst="textNoShape">
+              <a:avLst/>
+            </a:prstTxWarp>
+          </a:bodyPr>
+          <a:lstStyle/>
+          <a:p>
+            <a:r>
+              <a:rPr lang="pt-BR" dirty="0" smtClean="0"/>
+              <a:t>Exercício 2</a:t>
+            </a:r>
+            <a:endParaRPr lang="pt-BR" dirty="0"/>
+          </a:p>
+        </p:txBody>
+      </p:sp>
+      <p:sp>
+        <p:nvSpPr>
+          <p:cNvPr id="3" name="Espaço Reservado para Conteúdo 2"/>
+          <p:cNvSpPr>
+            <a:spLocks noGrp="1"/>
+          </p:cNvSpPr>
+          <p:nvPr>
+            <p:ph idx="1"/>
+          </p:nvPr>
+        </p:nvSpPr>
+        <p:spPr/>
+        <p:txBody>
+          <a:bodyPr/>
+          <a:lstStyle/>
+          <a:p>
+            <a:r>
+              <a:rPr lang="pt-BR" dirty="0" smtClean="0"/>
+              <a:t>Crie a classe </a:t>
+            </a:r>
+            <a:r>
+              <a:rPr lang="pt-BR" dirty="0" err="1" smtClean="0">
+                <a:solidFill>
+                  <a:srgbClr val="FFC000"/>
+                </a:solidFill>
+              </a:rPr>
+              <a:t>ExercicioSet</a:t>
+            </a:r>
+            <a:r>
+              <a:rPr lang="pt-BR" dirty="0" smtClean="0"/>
+              <a:t> que faz o mesmo que a classe </a:t>
+            </a:r>
+            <a:r>
+              <a:rPr lang="pt-BR" dirty="0" err="1" smtClean="0"/>
+              <a:t>ExercicioList</a:t>
+            </a:r>
+            <a:r>
+              <a:rPr lang="pt-BR" dirty="0" smtClean="0"/>
+              <a:t> do exercício anterior mas, utilize desta vez um Set de funcionário.</a:t>
+            </a:r>
+          </a:p>
+          <a:p>
+            <a:r>
+              <a:rPr lang="pt-BR" dirty="0" smtClean="0"/>
+              <a:t>Perceba que ao incluir funcionários com a mesmas características a lista elimina duplicidades e o relatório final não exibe funcionários iguais.</a:t>
+            </a:r>
+          </a:p>
+        </p:txBody>
+      </p:sp>
+      <p:sp>
+        <p:nvSpPr>
+          <p:cNvPr id="4" name="Espaço Reservado para Número de Slide 3"/>
+          <p:cNvSpPr>
+            <a:spLocks noGrp="1"/>
+          </p:cNvSpPr>
+          <p:nvPr>
+            <p:ph type="sldNum" sz="quarter" idx="12"/>
+          </p:nvPr>
+        </p:nvSpPr>
+        <p:spPr/>
+        <p:txBody>
+          <a:bodyPr/>
+          <a:lstStyle/>
+          <a:p>
+            <a:pPr>
+              <a:defRPr/>
+            </a:pPr>
+            <a:fld id="{7E263EA5-71DF-4638-BC15-81D6FFD3C7EB}" type="slidenum">
+              <a:rPr lang="pt-BR" smtClean="0"/>
+              <a:pPr>
+                <a:defRPr/>
+              </a:pPr>
+              <a:t>45</a:t>
+            </a:fld>
+            <a:endParaRPr lang="pt-BR"/>
+          </a:p>
+        </p:txBody>
+      </p:sp>
+    </p:spTree>
+  </p:cSld>
+  <p:clrMapOvr>
+    <a:masterClrMapping/>
+  </p:clrMapOvr>
+  <p:timing>
+    <p:tnLst>
+      <p:par>
+        <p:cTn id="1" dur="indefinite" restart="never" nodeType="tmRoot"/>
+      </p:par>
+    </p:tnLst>
+  </p:timing>
+</p:sld>
+</file>
+
 <file path=ppt/slides/slide5.xml><?xml version="1.0" encoding="utf-8"?>
 <p:sld xmlns:a="http://schemas.openxmlformats.org/drawingml/2006/main" xmlns:r="http://schemas.openxmlformats.org/officeDocument/2006/relationships" xmlns:p="http://schemas.openxmlformats.org/presentationml/2006/main">
   <p:cSld>
@@ -31222,7 +32098,7 @@
         </p:nvGraphicFramePr>
         <p:xfrm>
           <a:off x="1724740" y="1672456"/>
-          <a:ext cx="1944216" cy="1252488"/>
+          <a:ext cx="1944216" cy="1465848"/>
         </p:xfrm>
         <a:graphic>
           <a:graphicData uri="http://schemas.openxmlformats.org/drawingml/2006/table">
@@ -31326,6 +32202,29 @@
                           </a:solidFill>
                         </a:rPr>
                         <a:t>add(T) : </a:t>
+                      </a:r>
+                      <a:r>
+                        <a:rPr lang="en-US" sz="1400" dirty="0" err="1" smtClean="0">
+                          <a:solidFill>
+                            <a:srgbClr val="FFC000"/>
+                          </a:solidFill>
+                        </a:rPr>
+                        <a:t>boolean</a:t>
+                      </a:r>
+                      <a:endParaRPr lang="en-US" sz="1400" dirty="0" smtClean="0">
+                        <a:solidFill>
+                          <a:srgbClr val="FFC000"/>
+                        </a:solidFill>
+                      </a:endParaRPr>
+                    </a:p>
+                    <a:p>
+                      <a:r>
+                        <a:rPr lang="en-US" sz="1400" dirty="0" smtClean="0">
+                          <a:solidFill>
+                            <a:srgbClr val="FFC000"/>
+                          </a:solidFill>
+                        </a:rPr>
+                        <a:t>remove(T) : </a:t>
                       </a:r>
                       <a:r>
                         <a:rPr lang="en-US" sz="1400" dirty="0" err="1" smtClean="0">
@@ -31463,7 +32362,7 @@
           <p:nvPr/>
         </p:nvGraphicFramePr>
         <p:xfrm>
-          <a:off x="3092892" y="3356992"/>
+          <a:off x="3092892" y="3552800"/>
           <a:ext cx="1944216" cy="609600"/>
         </p:xfrm>
         <a:graphic>
@@ -31610,7 +32509,7 @@
           </p:nvPr>
         </p:nvGraphicFramePr>
         <p:xfrm>
-          <a:off x="428596" y="3356992"/>
+          <a:off x="428596" y="3552800"/>
           <a:ext cx="1944216" cy="1249680"/>
         </p:xfrm>
         <a:graphic>
@@ -31802,7 +32701,7 @@
           <p:nvPr/>
         </p:nvGraphicFramePr>
         <p:xfrm>
-          <a:off x="2732852" y="4509120"/>
+          <a:off x="2732852" y="4704928"/>
           <a:ext cx="2664296" cy="1676400"/>
         </p:xfrm>
         <a:graphic>
@@ -32013,7 +32912,7 @@
         </p:nvSpPr>
         <p:spPr>
           <a:xfrm rot="19368902">
-            <a:off x="1432693" y="3058358"/>
+            <a:off x="1432693" y="3254166"/>
             <a:ext cx="632999" cy="199648"/>
           </a:xfrm>
           <a:prstGeom prst="rightArrow">
@@ -32068,7 +32967,7 @@
         </p:nvSpPr>
         <p:spPr>
           <a:xfrm rot="13018434">
-            <a:off x="3393134" y="3039721"/>
+            <a:off x="3393134" y="3235529"/>
             <a:ext cx="632999" cy="221156"/>
           </a:xfrm>
           <a:prstGeom prst="rightArrow">
@@ -32123,7 +33022,7 @@
         </p:nvSpPr>
         <p:spPr>
           <a:xfrm rot="16200000">
-            <a:off x="3812322" y="4164805"/>
+            <a:off x="3812322" y="4360613"/>
             <a:ext cx="488981" cy="199648"/>
           </a:xfrm>
           <a:prstGeom prst="rightArrow">
@@ -33066,11 +33965,11 @@
               </a:spcBef>
             </a:pPr>
             <a:r>
-              <a:rPr lang="pt-BR" sz="2800" dirty="0" err="1" smtClean="0"/>
+              <a:rPr lang="pt-BR" sz="2400" dirty="0" err="1" smtClean="0"/>
               <a:t>add</a:t>
             </a:r>
             <a:r>
-              <a:rPr lang="pt-BR" sz="2800" dirty="0" smtClean="0"/>
+              <a:rPr lang="pt-BR" sz="2400" dirty="0" smtClean="0"/>
               <a:t>(T)</a:t>
             </a:r>
           </a:p>
@@ -33081,7 +33980,7 @@
               </a:spcBef>
             </a:pPr>
             <a:r>
-              <a:rPr lang="pt-BR" sz="2200" dirty="0" smtClean="0"/>
+              <a:rPr lang="pt-BR" sz="2000" dirty="0" smtClean="0"/>
               <a:t>Adiciona o elemento T à coleção</a:t>
             </a:r>
           </a:p>
@@ -33092,12 +33991,12 @@
               </a:spcBef>
             </a:pPr>
             <a:r>
-              <a:rPr lang="pt-BR" sz="2800" dirty="0" err="1" smtClean="0"/>
-              <a:t>size</a:t>
-            </a:r>
-            <a:r>
-              <a:rPr lang="pt-BR" sz="2800" dirty="0" smtClean="0"/>
-              <a:t>()</a:t>
+              <a:rPr lang="pt-BR" sz="2400" dirty="0" smtClean="0"/>
+              <a:t>remove(T</a:t>
+            </a:r>
+            <a:r>
+              <a:rPr lang="pt-BR" sz="2400" dirty="0" smtClean="0"/>
+              <a:t>)</a:t>
             </a:r>
           </a:p>
           <a:p>
@@ -33107,8 +34006,20 @@
               </a:spcBef>
             </a:pPr>
             <a:r>
-              <a:rPr lang="pt-BR" sz="2200" dirty="0" smtClean="0"/>
-              <a:t>Retorna o número de itens contidos na coleção</a:t>
+              <a:rPr lang="pt-BR" sz="2000" dirty="0" smtClean="0"/>
+              <a:t>Remove </a:t>
+            </a:r>
+            <a:r>
+              <a:rPr lang="pt-BR" sz="2000" dirty="0" smtClean="0"/>
+              <a:t>o elemento T </a:t>
+            </a:r>
+            <a:r>
+              <a:rPr lang="pt-BR" sz="2000" dirty="0" smtClean="0"/>
+              <a:t>da </a:t>
+            </a:r>
+            <a:r>
+              <a:rPr lang="pt-BR" sz="2000" dirty="0" smtClean="0"/>
+              <a:t>coleção</a:t>
             </a:r>
           </a:p>
           <a:p>
@@ -33118,11 +34029,11 @@
               </a:spcBef>
             </a:pPr>
             <a:r>
-              <a:rPr lang="pt-BR" sz="2800" dirty="0" err="1" smtClean="0"/>
-              <a:t>clear</a:t>
-            </a:r>
-            <a:r>
-              <a:rPr lang="pt-BR" sz="2800" dirty="0" smtClean="0"/>
+              <a:rPr lang="pt-BR" sz="2400" dirty="0" err="1" smtClean="0"/>
+              <a:t>size</a:t>
+            </a:r>
+            <a:r>
+              <a:rPr lang="pt-BR" sz="2400" dirty="0" smtClean="0"/>
               <a:t>()</a:t>
             </a:r>
           </a:p>
@@ -33133,8 +34044,8 @@
               </a:spcBef>
             </a:pPr>
             <a:r>
-              <a:rPr lang="pt-BR" sz="2200" dirty="0" smtClean="0"/>
-              <a:t>Remove  todos os elementos da coleção, tornando-a vazia</a:t>
+              <a:rPr lang="pt-BR" sz="2000" dirty="0" smtClean="0"/>
+              <a:t>Retorna o número de itens contidos na coleção</a:t>
             </a:r>
           </a:p>
           <a:p>
@@ -33144,11 +34055,11 @@
               </a:spcBef>
             </a:pPr>
             <a:r>
-              <a:rPr lang="pt-BR" sz="2800" dirty="0" err="1" smtClean="0"/>
-              <a:t>iterator</a:t>
-            </a:r>
-            <a:r>
-              <a:rPr lang="pt-BR" sz="2800" dirty="0" smtClean="0"/>
+              <a:rPr lang="pt-BR" sz="2400" dirty="0" err="1" smtClean="0"/>
+              <a:t>clear</a:t>
+            </a:r>
+            <a:r>
+              <a:rPr lang="pt-BR" sz="2400" dirty="0" smtClean="0"/>
               <a:t>()</a:t>
             </a:r>
           </a:p>
@@ -33159,7 +34070,33 @@
               </a:spcBef>
             </a:pPr>
             <a:r>
-              <a:rPr lang="pt-BR" sz="2200" dirty="0" smtClean="0"/>
+              <a:rPr lang="pt-BR" sz="2000" dirty="0" smtClean="0"/>
+              <a:t>Remove  todos os elementos da coleção, tornando-a vazia</a:t>
+            </a:r>
+          </a:p>
+          <a:p>
+            <a:pPr>
+              <a:spcBef>
+                <a:spcPts val="1200"/>
+              </a:spcBef>
+            </a:pPr>
+            <a:r>
+              <a:rPr lang="pt-BR" sz="2400" dirty="0" err="1" smtClean="0"/>
+              <a:t>iterator</a:t>
+            </a:r>
+            <a:r>
+              <a:rPr lang="pt-BR" sz="2400" dirty="0" smtClean="0"/>
+              <a:t>()</a:t>
+            </a:r>
+          </a:p>
+          <a:p>
+            <a:pPr lvl="1">
+              <a:spcBef>
+                <a:spcPts val="600"/>
+              </a:spcBef>
+            </a:pPr>
+            <a:r>
+              <a:rPr lang="pt-BR" sz="2000" dirty="0" smtClean="0"/>
               <a:t>Retorna um objeto “varredor” que nos permite navegar pelos elementos contidos pela coleção</a:t>
             </a:r>
           </a:p>

--- a/2-Java-Programmer-Modulo-II/10.Capitulo04.pptx
+++ b/2-Java-Programmer-Modulo-II/10.Capitulo04.pptx
@@ -293,7 +293,7 @@
               <a:pPr>
                 <a:defRPr/>
               </a:pPr>
-              <a:t>19/05/2012</a:t>
+              <a:t>20/5/2012</a:t>
             </a:fld>
             <a:endParaRPr lang="pt-BR"/>
           </a:p>
@@ -5493,7 +5493,7 @@
               <a:pPr>
                 <a:defRPr/>
               </a:pPr>
-              <a:t>19/05/2012</a:t>
+              <a:t>20/5/2012</a:t>
             </a:fld>
             <a:endParaRPr lang="pt-BR"/>
           </a:p>
@@ -5685,7 +5685,7 @@
               <a:pPr>
                 <a:defRPr/>
               </a:pPr>
-              <a:t>19/05/2012</a:t>
+              <a:t>20/5/2012</a:t>
             </a:fld>
             <a:endParaRPr lang="pt-BR"/>
           </a:p>
@@ -5887,7 +5887,7 @@
               <a:pPr>
                 <a:defRPr/>
               </a:pPr>
-              <a:t>19/05/2012</a:t>
+              <a:t>20/5/2012</a:t>
             </a:fld>
             <a:endParaRPr lang="pt-BR"/>
           </a:p>
@@ -6083,7 +6083,7 @@
               <a:pPr>
                 <a:defRPr/>
               </a:pPr>
-              <a:t>19/05/2012</a:t>
+              <a:t>20/5/2012</a:t>
             </a:fld>
             <a:endParaRPr lang="pt-BR"/>
           </a:p>
@@ -6589,7 +6589,7 @@
               <a:pPr>
                 <a:defRPr/>
               </a:pPr>
-              <a:t>19/05/2012</a:t>
+              <a:t>20/5/2012</a:t>
             </a:fld>
             <a:endParaRPr lang="pt-BR"/>
           </a:p>
@@ -6880,7 +6880,7 @@
               <a:pPr>
                 <a:defRPr/>
               </a:pPr>
-              <a:t>19/05/2012</a:t>
+              <a:t>20/5/2012</a:t>
             </a:fld>
             <a:endParaRPr lang="pt-BR"/>
           </a:p>
@@ -7281,7 +7281,7 @@
               <a:pPr>
                 <a:defRPr/>
               </a:pPr>
-              <a:t>19/05/2012</a:t>
+              <a:t>20/5/2012</a:t>
             </a:fld>
             <a:endParaRPr lang="pt-BR"/>
           </a:p>
@@ -7430,7 +7430,7 @@
               <a:pPr>
                 <a:defRPr/>
               </a:pPr>
-              <a:t>19/05/2012</a:t>
+              <a:t>20/5/2012</a:t>
             </a:fld>
             <a:endParaRPr lang="pt-BR"/>
           </a:p>
@@ -7547,7 +7547,7 @@
               <a:pPr>
                 <a:defRPr/>
               </a:pPr>
-              <a:t>19/05/2012</a:t>
+              <a:t>20/5/2012</a:t>
             </a:fld>
             <a:endParaRPr lang="pt-BR"/>
           </a:p>
@@ -7823,7 +7823,7 @@
               <a:pPr>
                 <a:defRPr/>
               </a:pPr>
-              <a:t>19/05/2012</a:t>
+              <a:t>20/5/2012</a:t>
             </a:fld>
             <a:endParaRPr lang="pt-BR"/>
           </a:p>
@@ -8107,7 +8107,7 @@
               <a:pPr>
                 <a:defRPr/>
               </a:pPr>
-              <a:t>19/05/2012</a:t>
+              <a:t>20/5/2012</a:t>
             </a:fld>
             <a:endParaRPr lang="pt-BR"/>
           </a:p>
@@ -8585,7 +8585,7 @@
               <a:pPr>
                 <a:defRPr/>
               </a:pPr>
-              <a:t>19/05/2012</a:t>
+              <a:t>20/5/2012</a:t>
             </a:fld>
             <a:endParaRPr lang="pt-BR"/>
           </a:p>
@@ -11503,11 +11503,7 @@
             </a:r>
             <a:r>
               <a:rPr lang="pt-BR" sz="2000" dirty="0" smtClean="0"/>
-              <a:t>) </a:t>
-            </a:r>
-            <a:r>
-              <a:rPr lang="pt-BR" sz="2000" dirty="0" smtClean="0"/>
-              <a:t>{</a:t>
+              <a:t>) {</a:t>
             </a:r>
           </a:p>
           <a:p>
@@ -13063,11 +13059,7 @@
             </a:r>
             <a:r>
               <a:rPr lang="pt-BR" sz="2000" dirty="0" smtClean="0"/>
-              <a:t> Cliente(“Manuel”, “Bronze”, “4532-7125</a:t>
-            </a:r>
-            <a:r>
-              <a:rPr lang="pt-BR" sz="2000" dirty="0" smtClean="0"/>
-              <a:t>”)</a:t>
+              <a:t> Cliente(“Manuel”, “Bronze”, “4532-7125”)</a:t>
             </a:r>
             <a:r>
               <a:rPr lang="pt-BR" sz="2000" dirty="0" smtClean="0">
@@ -13081,7 +13073,6 @@
               <a:rPr lang="pt-BR" sz="2000" dirty="0" smtClean="0"/>
               <a:t>;</a:t>
             </a:r>
-            <a:endParaRPr lang="pt-BR" sz="2000" dirty="0" smtClean="0"/>
           </a:p>
           <a:p>
             <a:pPr marL="88900" indent="0">
@@ -13753,11 +13744,11 @@
           <a:p>
             <a:pPr eaLnBrk="1" hangingPunct="1"/>
             <a:r>
-              <a:rPr lang="pt-BR" sz="4400" dirty="0" err="1" smtClean="0"/>
+              <a:rPr lang="pt-BR" sz="4000" dirty="0" err="1" smtClean="0"/>
               <a:t>List</a:t>
             </a:r>
             <a:r>
-              <a:rPr lang="pt-BR" sz="4400" dirty="0" smtClean="0"/>
+              <a:rPr lang="pt-BR" sz="4000" dirty="0" smtClean="0"/>
               <a:t> – Principais implementações</a:t>
             </a:r>
           </a:p>
@@ -14104,15 +14095,7 @@
             </a:pPr>
             <a:r>
               <a:rPr lang="pt-BR" sz="2800" dirty="0" smtClean="0"/>
-              <a:t>Uma </a:t>
-            </a:r>
-            <a:r>
-              <a:rPr lang="pt-BR" sz="2800" dirty="0" smtClean="0"/>
-              <a:t>coleção </a:t>
-            </a:r>
-            <a:r>
-              <a:rPr lang="pt-BR" sz="2800" dirty="0" smtClean="0"/>
-              <a:t>do tipo Set </a:t>
+              <a:t>Uma coleção do tipo Set </a:t>
             </a:r>
             <a:r>
               <a:rPr lang="pt-BR" sz="2800" u="sng" dirty="0" smtClean="0"/>
@@ -16043,7 +16026,7 @@
           <a:lstStyle/>
           <a:p>
             <a:r>
-              <a:rPr lang="pt-BR" sz="4400" dirty="0" smtClean="0"/>
+              <a:rPr lang="pt-BR" sz="4000" dirty="0" smtClean="0"/>
               <a:t>Set – Principais implementações</a:t>
             </a:r>
           </a:p>
@@ -18477,11 +18460,11 @@
           <a:p>
             <a:pPr eaLnBrk="1" hangingPunct="1"/>
             <a:r>
-              <a:rPr lang="pt-BR" dirty="0" err="1" smtClean="0"/>
+              <a:rPr lang="pt-BR" sz="4400" dirty="0" err="1" smtClean="0"/>
               <a:t>SortedSet</a:t>
             </a:r>
             <a:r>
-              <a:rPr lang="pt-BR" dirty="0" smtClean="0"/>
+              <a:rPr lang="pt-BR" sz="4400" dirty="0" smtClean="0"/>
               <a:t> – Principais métodos</a:t>
             </a:r>
           </a:p>
@@ -22291,15 +22274,7 @@
               </a:r>
               <a:r>
                 <a:rPr lang="pt-BR" sz="2400" spc="-150" dirty="0" smtClean="0"/>
-                <a:t> Cliente</a:t>
-              </a:r>
-              <a:r>
-                <a:rPr lang="pt-BR" sz="2400" spc="-150" dirty="0" smtClean="0"/>
-                <a:t>(“897822-9”, </a:t>
-              </a:r>
-              <a:r>
-                <a:rPr lang="pt-BR" sz="2400" spc="-150" dirty="0" smtClean="0"/>
-                <a:t>“Manuel”, “Rua 5”)</a:t>
+                <a:t> Cliente(“897822-9”, “Manuel”, “Rua 5”)</a:t>
               </a:r>
               <a:endParaRPr lang="pt-BR" sz="2400" spc="-150" dirty="0">
                 <a:solidFill>
@@ -24974,11 +24949,11 @@
           <a:p>
             <a:pPr eaLnBrk="1" hangingPunct="1"/>
             <a:r>
-              <a:rPr lang="pt-BR" sz="4400" dirty="0" err="1" smtClean="0"/>
+              <a:rPr lang="pt-BR" sz="4000" dirty="0" err="1" smtClean="0"/>
               <a:t>Map</a:t>
             </a:r>
             <a:r>
-              <a:rPr lang="pt-BR" sz="4400" dirty="0" smtClean="0"/>
+              <a:rPr lang="pt-BR" sz="4000" dirty="0" smtClean="0"/>
               <a:t> – Principais implementações</a:t>
             </a:r>
           </a:p>
@@ -28311,10 +28286,10 @@
           <a:lstStyle/>
           <a:p>
             <a:r>
-              <a:rPr lang="pt-BR" sz="4400" dirty="0" smtClean="0"/>
+              <a:rPr lang="pt-BR" sz="4000" dirty="0" smtClean="0"/>
               <a:t>Principais operações de conjuntos</a:t>
             </a:r>
-            <a:endParaRPr lang="pt-BR" sz="4400" dirty="0"/>
+            <a:endParaRPr lang="pt-BR" sz="4000" dirty="0"/>
           </a:p>
         </p:txBody>
       </p:sp>
@@ -31170,11 +31145,7 @@
           <a:p>
             <a:r>
               <a:rPr lang="pt-BR" dirty="0" smtClean="0"/>
-              <a:t>Exercício 1 </a:t>
-            </a:r>
-            <a:r>
-              <a:rPr lang="pt-BR" dirty="0" smtClean="0"/>
-              <a:t>(continuação)</a:t>
+              <a:t>Exercício 1 (continuação)</a:t>
             </a:r>
             <a:endParaRPr lang="pt-BR" dirty="0"/>
           </a:p>
@@ -31359,11 +31330,7 @@
           <a:p>
             <a:r>
               <a:rPr lang="pt-BR" dirty="0" smtClean="0"/>
-              <a:t>Exercício 1 </a:t>
-            </a:r>
-            <a:r>
-              <a:rPr lang="pt-BR" dirty="0" smtClean="0"/>
-              <a:t>(continuação)</a:t>
+              <a:t>Exercício 1 (continuação)</a:t>
             </a:r>
             <a:endParaRPr lang="pt-BR" dirty="0"/>
           </a:p>
@@ -31487,11 +31454,7 @@
             </a:pPr>
             <a:r>
               <a:rPr lang="pt-BR" sz="2200" dirty="0" smtClean="0"/>
-              <a:t>Crie </a:t>
-            </a:r>
-            <a:r>
-              <a:rPr lang="pt-BR" sz="2200" dirty="0" smtClean="0"/>
-              <a:t>um loop executando diversas vezes o método </a:t>
+              <a:t>Crie um loop executando diversas vezes o método </a:t>
             </a:r>
             <a:r>
               <a:rPr lang="pt-BR" sz="2200" dirty="0" err="1" smtClean="0"/>
@@ -31620,11 +31583,7 @@
           <a:p>
             <a:r>
               <a:rPr lang="pt-BR" dirty="0" smtClean="0"/>
-              <a:t>Exercício 1 </a:t>
-            </a:r>
-            <a:r>
-              <a:rPr lang="pt-BR" dirty="0" smtClean="0"/>
-              <a:t>(fim)</a:t>
+              <a:t>Exercício 1 (fim)</a:t>
             </a:r>
             <a:endParaRPr lang="pt-BR" dirty="0"/>
           </a:p>
@@ -32080,7 +32039,7 @@
           <a:p>
             <a:pPr eaLnBrk="1" hangingPunct="1"/>
             <a:r>
-              <a:rPr lang="pt-BR" sz="4400" dirty="0" smtClean="0"/>
+              <a:rPr lang="pt-BR" sz="4000" dirty="0" smtClean="0"/>
               <a:t>Principais interfaces de conjuntos</a:t>
             </a:r>
           </a:p>
@@ -33929,11 +33888,11 @@
           <a:p>
             <a:pPr eaLnBrk="1" hangingPunct="1"/>
             <a:r>
-              <a:rPr lang="pt-BR" dirty="0" err="1" smtClean="0"/>
+              <a:rPr lang="pt-BR" sz="4400" dirty="0" err="1" smtClean="0"/>
               <a:t>Collection</a:t>
             </a:r>
             <a:r>
-              <a:rPr lang="pt-BR" dirty="0" smtClean="0"/>
+              <a:rPr lang="pt-BR" sz="4400" dirty="0" smtClean="0"/>
               <a:t> – Principais métodos</a:t>
             </a:r>
           </a:p>
@@ -33992,11 +33951,7 @@
             </a:pPr>
             <a:r>
               <a:rPr lang="pt-BR" sz="2400" dirty="0" smtClean="0"/>
-              <a:t>remove(T</a:t>
-            </a:r>
-            <a:r>
-              <a:rPr lang="pt-BR" sz="2400" dirty="0" smtClean="0"/>
-              <a:t>)</a:t>
+              <a:t>remove(T)</a:t>
             </a:r>
           </a:p>
           <a:p>
@@ -34007,19 +33962,7 @@
             </a:pPr>
             <a:r>
               <a:rPr lang="pt-BR" sz="2000" dirty="0" smtClean="0"/>
-              <a:t>Remove </a:t>
-            </a:r>
-            <a:r>
-              <a:rPr lang="pt-BR" sz="2000" dirty="0" smtClean="0"/>
-              <a:t>o elemento T </a:t>
-            </a:r>
-            <a:r>
-              <a:rPr lang="pt-BR" sz="2000" dirty="0" smtClean="0"/>
-              <a:t>da </a:t>
-            </a:r>
-            <a:r>
-              <a:rPr lang="pt-BR" sz="2000" dirty="0" smtClean="0"/>
-              <a:t>coleção</a:t>
+              <a:t>Remove o elemento T da coleção</a:t>
             </a:r>
           </a:p>
           <a:p>

--- a/2-Java-Programmer-Modulo-II/10.Capitulo04.pptx
+++ b/2-Java-Programmer-Modulo-II/10.Capitulo04.pptx
@@ -5,7 +5,7 @@
     <p:sldMasterId id="2147483660" r:id="rId1"/>
   </p:sldMasterIdLst>
   <p:notesMasterIdLst>
-    <p:notesMasterId r:id="rId47"/>
+    <p:notesMasterId r:id="rId40"/>
   </p:notesMasterIdLst>
   <p:sldIdLst>
     <p:sldId id="256" r:id="rId2"/>
@@ -30,29 +30,22 @@
     <p:sldId id="290" r:id="rId21"/>
     <p:sldId id="291" r:id="rId22"/>
     <p:sldId id="294" r:id="rId23"/>
-    <p:sldId id="295" r:id="rId24"/>
-    <p:sldId id="296" r:id="rId25"/>
-    <p:sldId id="297" r:id="rId26"/>
-    <p:sldId id="298" r:id="rId27"/>
-    <p:sldId id="299" r:id="rId28"/>
-    <p:sldId id="306" r:id="rId29"/>
-    <p:sldId id="311" r:id="rId30"/>
-    <p:sldId id="273" r:id="rId31"/>
-    <p:sldId id="301" r:id="rId32"/>
-    <p:sldId id="302" r:id="rId33"/>
-    <p:sldId id="322" r:id="rId34"/>
-    <p:sldId id="312" r:id="rId35"/>
-    <p:sldId id="305" r:id="rId36"/>
-    <p:sldId id="314" r:id="rId37"/>
-    <p:sldId id="313" r:id="rId38"/>
-    <p:sldId id="274" r:id="rId39"/>
-    <p:sldId id="317" r:id="rId40"/>
-    <p:sldId id="318" r:id="rId41"/>
-    <p:sldId id="323" r:id="rId42"/>
-    <p:sldId id="324" r:id="rId43"/>
-    <p:sldId id="325" r:id="rId44"/>
-    <p:sldId id="326" r:id="rId45"/>
-    <p:sldId id="327" r:id="rId46"/>
+    <p:sldId id="273" r:id="rId24"/>
+    <p:sldId id="301" r:id="rId25"/>
+    <p:sldId id="302" r:id="rId26"/>
+    <p:sldId id="322" r:id="rId27"/>
+    <p:sldId id="312" r:id="rId28"/>
+    <p:sldId id="305" r:id="rId29"/>
+    <p:sldId id="314" r:id="rId30"/>
+    <p:sldId id="313" r:id="rId31"/>
+    <p:sldId id="274" r:id="rId32"/>
+    <p:sldId id="317" r:id="rId33"/>
+    <p:sldId id="318" r:id="rId34"/>
+    <p:sldId id="323" r:id="rId35"/>
+    <p:sldId id="324" r:id="rId36"/>
+    <p:sldId id="325" r:id="rId37"/>
+    <p:sldId id="326" r:id="rId38"/>
+    <p:sldId id="327" r:id="rId39"/>
   </p:sldIdLst>
   <p:sldSz cx="9144000" cy="6858000" type="screen4x3"/>
   <p:notesSz cx="6858000" cy="9144000"/>
@@ -293,7 +286,7 @@
               <a:pPr>
                 <a:defRPr/>
               </a:pPr>
-              <a:t>20/5/2012</a:t>
+              <a:t>28/06/2012</a:t>
             </a:fld>
             <a:endParaRPr lang="pt-BR"/>
           </a:p>
@@ -2162,7 +2155,7 @@
       </p:grpSpPr>
       <p:sp>
         <p:nvSpPr>
-          <p:cNvPr id="28674" name="Espaço Reservado para Imagem de Slide 1"/>
+          <p:cNvPr id="37890" name="Espaço Reservado para Imagem de Slide 1"/>
           <p:cNvSpPr>
             <a:spLocks noGrp="1" noRot="1" noChangeAspect="1" noTextEdit="1"/>
           </p:cNvSpPr>
@@ -2184,7 +2177,7 @@
       </p:sp>
       <p:sp>
         <p:nvSpPr>
-          <p:cNvPr id="28675" name="Espaço Reservado para Anotações 2"/>
+          <p:cNvPr id="37891" name="Espaço Reservado para Anotações 2"/>
           <p:cNvSpPr>
             <a:spLocks noGrp="1"/>
           </p:cNvSpPr>
@@ -2225,7 +2218,7 @@
             <a:pPr>
               <a:defRPr/>
             </a:pPr>
-            <a:fld id="{23075962-84F8-440B-9D32-83156AFD556B}" type="slidenum">
+            <a:fld id="{992775EB-D008-416C-A596-0C878C0D72AD}" type="slidenum">
               <a:rPr lang="pt-BR" smtClean="0"/>
               <a:pPr>
                 <a:defRPr/>
@@ -2956,107 +2949,6 @@
       </p:grpSpPr>
       <p:sp>
         <p:nvSpPr>
-          <p:cNvPr id="37890" name="Espaço Reservado para Imagem de Slide 1"/>
-          <p:cNvSpPr>
-            <a:spLocks noGrp="1" noRot="1" noChangeAspect="1" noTextEdit="1"/>
-          </p:cNvSpPr>
-          <p:nvPr>
-            <p:ph type="sldImg"/>
-          </p:nvPr>
-        </p:nvSpPr>
-        <p:spPr bwMode="auto">
-          <a:noFill/>
-          <a:ln>
-            <a:solidFill>
-              <a:srgbClr val="000000"/>
-            </a:solidFill>
-            <a:miter lim="800000"/>
-            <a:headEnd/>
-            <a:tailEnd/>
-          </a:ln>
-        </p:spPr>
-      </p:sp>
-      <p:sp>
-        <p:nvSpPr>
-          <p:cNvPr id="37891" name="Espaço Reservado para Anotações 2"/>
-          <p:cNvSpPr>
-            <a:spLocks noGrp="1"/>
-          </p:cNvSpPr>
-          <p:nvPr>
-            <p:ph type="body" idx="1"/>
-          </p:nvPr>
-        </p:nvSpPr>
-        <p:spPr bwMode="auto">
-          <a:noFill/>
-        </p:spPr>
-        <p:txBody>
-          <a:bodyPr wrap="square" numCol="1" anchor="t" anchorCtr="0" compatLnSpc="1">
-            <a:prstTxWarp prst="textNoShape">
-              <a:avLst/>
-            </a:prstTxWarp>
-          </a:bodyPr>
-          <a:lstStyle/>
-          <a:p>
-            <a:endParaRPr lang="pt-BR" smtClean="0"/>
-          </a:p>
-        </p:txBody>
-      </p:sp>
-      <p:sp>
-        <p:nvSpPr>
-          <p:cNvPr id="4" name="Espaço Reservado para Número de Slide 3"/>
-          <p:cNvSpPr>
-            <a:spLocks noGrp="1"/>
-          </p:cNvSpPr>
-          <p:nvPr>
-            <p:ph type="sldNum" sz="quarter" idx="5"/>
-          </p:nvPr>
-        </p:nvSpPr>
-        <p:spPr/>
-        <p:txBody>
-          <a:bodyPr/>
-          <a:lstStyle/>
-          <a:p>
-            <a:pPr>
-              <a:defRPr/>
-            </a:pPr>
-            <a:fld id="{992775EB-D008-416C-A596-0C878C0D72AD}" type="slidenum">
-              <a:rPr lang="pt-BR" smtClean="0"/>
-              <a:pPr>
-                <a:defRPr/>
-              </a:pPr>
-              <a:t>30</a:t>
-            </a:fld>
-            <a:endParaRPr lang="pt-BR"/>
-          </a:p>
-        </p:txBody>
-      </p:sp>
-    </p:spTree>
-  </p:cSld>
-  <p:clrMapOvr>
-    <a:masterClrMapping/>
-  </p:clrMapOvr>
-</p:notes>
-</file>
-
-<file path=ppt/notesSlides/notesSlide31.xml><?xml version="1.0" encoding="utf-8"?>
-<p:notes xmlns:a="http://schemas.openxmlformats.org/drawingml/2006/main" xmlns:r="http://schemas.openxmlformats.org/officeDocument/2006/relationships" xmlns:p="http://schemas.openxmlformats.org/presentationml/2006/main">
-  <p:cSld>
-    <p:spTree>
-      <p:nvGrpSpPr>
-        <p:cNvPr id="1" name=""/>
-        <p:cNvGrpSpPr/>
-        <p:nvPr/>
-      </p:nvGrpSpPr>
-      <p:grpSpPr>
-        <a:xfrm>
-          <a:off x="0" y="0"/>
-          <a:ext cx="0" cy="0"/>
-          <a:chOff x="0" y="0"/>
-          <a:chExt cx="0" cy="0"/>
-        </a:xfrm>
-      </p:grpSpPr>
-      <p:sp>
-        <p:nvSpPr>
           <p:cNvPr id="28674" name="Espaço Reservado para Imagem de Slide 1"/>
           <p:cNvSpPr>
             <a:spLocks noGrp="1" noRot="1" noChangeAspect="1" noTextEdit="1"/>
@@ -3121,6 +3013,107 @@
               <a:defRPr/>
             </a:pPr>
             <a:fld id="{23075962-84F8-440B-9D32-83156AFD556B}" type="slidenum">
+              <a:rPr lang="pt-BR" smtClean="0"/>
+              <a:pPr>
+                <a:defRPr/>
+              </a:pPr>
+              <a:t>30</a:t>
+            </a:fld>
+            <a:endParaRPr lang="pt-BR"/>
+          </a:p>
+        </p:txBody>
+      </p:sp>
+    </p:spTree>
+  </p:cSld>
+  <p:clrMapOvr>
+    <a:masterClrMapping/>
+  </p:clrMapOvr>
+</p:notes>
+</file>
+
+<file path=ppt/notesSlides/notesSlide31.xml><?xml version="1.0" encoding="utf-8"?>
+<p:notes xmlns:a="http://schemas.openxmlformats.org/drawingml/2006/main" xmlns:r="http://schemas.openxmlformats.org/officeDocument/2006/relationships" xmlns:p="http://schemas.openxmlformats.org/presentationml/2006/main">
+  <p:cSld>
+    <p:spTree>
+      <p:nvGrpSpPr>
+        <p:cNvPr id="1" name=""/>
+        <p:cNvGrpSpPr/>
+        <p:nvPr/>
+      </p:nvGrpSpPr>
+      <p:grpSpPr>
+        <a:xfrm>
+          <a:off x="0" y="0"/>
+          <a:ext cx="0" cy="0"/>
+          <a:chOff x="0" y="0"/>
+          <a:chExt cx="0" cy="0"/>
+        </a:xfrm>
+      </p:grpSpPr>
+      <p:sp>
+        <p:nvSpPr>
+          <p:cNvPr id="38914" name="Espaço Reservado para Imagem de Slide 1"/>
+          <p:cNvSpPr>
+            <a:spLocks noGrp="1" noRot="1" noChangeAspect="1" noTextEdit="1"/>
+          </p:cNvSpPr>
+          <p:nvPr>
+            <p:ph type="sldImg"/>
+          </p:nvPr>
+        </p:nvSpPr>
+        <p:spPr bwMode="auto">
+          <a:noFill/>
+          <a:ln>
+            <a:solidFill>
+              <a:srgbClr val="000000"/>
+            </a:solidFill>
+            <a:miter lim="800000"/>
+            <a:headEnd/>
+            <a:tailEnd/>
+          </a:ln>
+        </p:spPr>
+      </p:sp>
+      <p:sp>
+        <p:nvSpPr>
+          <p:cNvPr id="38915" name="Espaço Reservado para Anotações 2"/>
+          <p:cNvSpPr>
+            <a:spLocks noGrp="1"/>
+          </p:cNvSpPr>
+          <p:nvPr>
+            <p:ph type="body" idx="1"/>
+          </p:nvPr>
+        </p:nvSpPr>
+        <p:spPr bwMode="auto">
+          <a:noFill/>
+        </p:spPr>
+        <p:txBody>
+          <a:bodyPr wrap="square" numCol="1" anchor="t" anchorCtr="0" compatLnSpc="1">
+            <a:prstTxWarp prst="textNoShape">
+              <a:avLst/>
+            </a:prstTxWarp>
+          </a:bodyPr>
+          <a:lstStyle/>
+          <a:p>
+            <a:endParaRPr lang="pt-BR" smtClean="0"/>
+          </a:p>
+        </p:txBody>
+      </p:sp>
+      <p:sp>
+        <p:nvSpPr>
+          <p:cNvPr id="4" name="Espaço Reservado para Número de Slide 3"/>
+          <p:cNvSpPr>
+            <a:spLocks noGrp="1"/>
+          </p:cNvSpPr>
+          <p:nvPr>
+            <p:ph type="sldNum" sz="quarter" idx="5"/>
+          </p:nvPr>
+        </p:nvSpPr>
+        <p:spPr/>
+        <p:txBody>
+          <a:bodyPr/>
+          <a:lstStyle/>
+          <a:p>
+            <a:pPr>
+              <a:defRPr/>
+            </a:pPr>
+            <a:fld id="{7D2BD56B-C6CB-4963-A738-91B502C7EFB9}" type="slidenum">
               <a:rPr lang="pt-BR" smtClean="0"/>
               <a:pPr>
                 <a:defRPr/>
@@ -3360,29 +3353,19 @@
       </p:grpSpPr>
       <p:sp>
         <p:nvSpPr>
-          <p:cNvPr id="28674" name="Espaço Reservado para Imagem de Slide 1"/>
+          <p:cNvPr id="2" name="Slide Image Placeholder 1"/>
           <p:cNvSpPr>
-            <a:spLocks noGrp="1" noRot="1" noChangeAspect="1" noTextEdit="1"/>
+            <a:spLocks noGrp="1" noRot="1" noChangeAspect="1"/>
           </p:cNvSpPr>
           <p:nvPr>
             <p:ph type="sldImg"/>
           </p:nvPr>
         </p:nvSpPr>
-        <p:spPr bwMode="auto">
-          <a:noFill/>
-          <a:ln>
-            <a:solidFill>
-              <a:srgbClr val="000000"/>
-            </a:solidFill>
-            <a:miter lim="800000"/>
-            <a:headEnd/>
-            <a:tailEnd/>
-          </a:ln>
-        </p:spPr>
+        <p:spPr/>
       </p:sp>
       <p:sp>
         <p:nvSpPr>
-          <p:cNvPr id="28675" name="Espaço Reservado para Anotações 2"/>
+          <p:cNvPr id="3" name="Notes Placeholder 2"/>
           <p:cNvSpPr>
             <a:spLocks noGrp="1"/>
           </p:cNvSpPr>
@@ -3390,29 +3373,25 @@
             <p:ph type="body" idx="1"/>
           </p:nvPr>
         </p:nvSpPr>
-        <p:spPr bwMode="auto">
-          <a:noFill/>
-        </p:spPr>
+        <p:spPr/>
         <p:txBody>
-          <a:bodyPr wrap="square" numCol="1" anchor="t" anchorCtr="0" compatLnSpc="1">
-            <a:prstTxWarp prst="textNoShape">
-              <a:avLst/>
-            </a:prstTxWarp>
+          <a:bodyPr>
+            <a:normAutofit/>
           </a:bodyPr>
           <a:lstStyle/>
           <a:p>
-            <a:endParaRPr lang="pt-BR" smtClean="0"/>
+            <a:endParaRPr lang="pt-BR"/>
           </a:p>
         </p:txBody>
       </p:sp>
       <p:sp>
         <p:nvSpPr>
-          <p:cNvPr id="4" name="Espaço Reservado para Número de Slide 3"/>
+          <p:cNvPr id="4" name="Slide Number Placeholder 3"/>
           <p:cNvSpPr>
             <a:spLocks noGrp="1"/>
           </p:cNvSpPr>
           <p:nvPr>
-            <p:ph type="sldNum" sz="quarter" idx="5"/>
+            <p:ph type="sldNum" sz="quarter" idx="10"/>
           </p:nvPr>
         </p:nvSpPr>
         <p:spPr/>
@@ -3423,7 +3402,7 @@
             <a:pPr>
               <a:defRPr/>
             </a:pPr>
-            <a:fld id="{23075962-84F8-440B-9D32-83156AFD556B}" type="slidenum">
+            <a:fld id="{26215436-0A3F-4A01-A79E-C3B1BC371DB9}" type="slidenum">
               <a:rPr lang="pt-BR" smtClean="0"/>
               <a:pPr>
                 <a:defRPr/>
@@ -3461,29 +3440,19 @@
       </p:grpSpPr>
       <p:sp>
         <p:nvSpPr>
-          <p:cNvPr id="28674" name="Espaço Reservado para Imagem de Slide 1"/>
+          <p:cNvPr id="2" name="Slide Image Placeholder 1"/>
           <p:cNvSpPr>
-            <a:spLocks noGrp="1" noRot="1" noChangeAspect="1" noTextEdit="1"/>
+            <a:spLocks noGrp="1" noRot="1" noChangeAspect="1"/>
           </p:cNvSpPr>
           <p:nvPr>
             <p:ph type="sldImg"/>
           </p:nvPr>
         </p:nvSpPr>
-        <p:spPr bwMode="auto">
-          <a:noFill/>
-          <a:ln>
-            <a:solidFill>
-              <a:srgbClr val="000000"/>
-            </a:solidFill>
-            <a:miter lim="800000"/>
-            <a:headEnd/>
-            <a:tailEnd/>
-          </a:ln>
-        </p:spPr>
+        <p:spPr/>
       </p:sp>
       <p:sp>
         <p:nvSpPr>
-          <p:cNvPr id="28675" name="Espaço Reservado para Anotações 2"/>
+          <p:cNvPr id="3" name="Notes Placeholder 2"/>
           <p:cNvSpPr>
             <a:spLocks noGrp="1"/>
           </p:cNvSpPr>
@@ -3491,29 +3460,25 @@
             <p:ph type="body" idx="1"/>
           </p:nvPr>
         </p:nvSpPr>
-        <p:spPr bwMode="auto">
-          <a:noFill/>
-        </p:spPr>
+        <p:spPr/>
         <p:txBody>
-          <a:bodyPr wrap="square" numCol="1" anchor="t" anchorCtr="0" compatLnSpc="1">
-            <a:prstTxWarp prst="textNoShape">
-              <a:avLst/>
-            </a:prstTxWarp>
+          <a:bodyPr>
+            <a:normAutofit/>
           </a:bodyPr>
           <a:lstStyle/>
           <a:p>
-            <a:endParaRPr lang="pt-BR" smtClean="0"/>
+            <a:endParaRPr lang="pt-BR"/>
           </a:p>
         </p:txBody>
       </p:sp>
       <p:sp>
         <p:nvSpPr>
-          <p:cNvPr id="4" name="Espaço Reservado para Número de Slide 3"/>
+          <p:cNvPr id="4" name="Slide Number Placeholder 3"/>
           <p:cNvSpPr>
             <a:spLocks noGrp="1"/>
           </p:cNvSpPr>
           <p:nvPr>
-            <p:ph type="sldNum" sz="quarter" idx="5"/>
+            <p:ph type="sldNum" sz="quarter" idx="10"/>
           </p:nvPr>
         </p:nvSpPr>
         <p:spPr/>
@@ -3524,7 +3489,7 @@
             <a:pPr>
               <a:defRPr/>
             </a:pPr>
-            <a:fld id="{23075962-84F8-440B-9D32-83156AFD556B}" type="slidenum">
+            <a:fld id="{26215436-0A3F-4A01-A79E-C3B1BC371DB9}" type="slidenum">
               <a:rPr lang="pt-BR" smtClean="0"/>
               <a:pPr>
                 <a:defRPr/>
@@ -3562,29 +3527,19 @@
       </p:grpSpPr>
       <p:sp>
         <p:nvSpPr>
-          <p:cNvPr id="28674" name="Espaço Reservado para Imagem de Slide 1"/>
+          <p:cNvPr id="2" name="Espaço Reservado para Imagem de Slide 1"/>
           <p:cNvSpPr>
-            <a:spLocks noGrp="1" noRot="1" noChangeAspect="1" noTextEdit="1"/>
+            <a:spLocks noGrp="1" noRot="1" noChangeAspect="1"/>
           </p:cNvSpPr>
           <p:nvPr>
             <p:ph type="sldImg"/>
           </p:nvPr>
         </p:nvSpPr>
-        <p:spPr bwMode="auto">
-          <a:noFill/>
-          <a:ln>
-            <a:solidFill>
-              <a:srgbClr val="000000"/>
-            </a:solidFill>
-            <a:miter lim="800000"/>
-            <a:headEnd/>
-            <a:tailEnd/>
-          </a:ln>
-        </p:spPr>
+        <p:spPr/>
       </p:sp>
       <p:sp>
         <p:nvSpPr>
-          <p:cNvPr id="28675" name="Espaço Reservado para Anotações 2"/>
+          <p:cNvPr id="3" name="Espaço Reservado para Anotações 2"/>
           <p:cNvSpPr>
             <a:spLocks noGrp="1"/>
           </p:cNvSpPr>
@@ -3592,18 +3547,14 @@
             <p:ph type="body" idx="1"/>
           </p:nvPr>
         </p:nvSpPr>
-        <p:spPr bwMode="auto">
-          <a:noFill/>
-        </p:spPr>
+        <p:spPr/>
         <p:txBody>
-          <a:bodyPr wrap="square" numCol="1" anchor="t" anchorCtr="0" compatLnSpc="1">
-            <a:prstTxWarp prst="textNoShape">
-              <a:avLst/>
-            </a:prstTxWarp>
+          <a:bodyPr>
+            <a:normAutofit/>
           </a:bodyPr>
           <a:lstStyle/>
           <a:p>
-            <a:endParaRPr lang="pt-BR" smtClean="0"/>
+            <a:endParaRPr lang="pt-BR"/>
           </a:p>
         </p:txBody>
       </p:sp>
@@ -3614,7 +3565,7 @@
             <a:spLocks noGrp="1"/>
           </p:cNvSpPr>
           <p:nvPr>
-            <p:ph type="sldNum" sz="quarter" idx="5"/>
+            <p:ph type="sldNum" sz="quarter" idx="10"/>
           </p:nvPr>
         </p:nvSpPr>
         <p:spPr/>
@@ -3625,7 +3576,7 @@
             <a:pPr>
               <a:defRPr/>
             </a:pPr>
-            <a:fld id="{23075962-84F8-440B-9D32-83156AFD556B}" type="slidenum">
+            <a:fld id="{26215436-0A3F-4A01-A79E-C3B1BC371DB9}" type="slidenum">
               <a:rPr lang="pt-BR" smtClean="0"/>
               <a:pPr>
                 <a:defRPr/>
@@ -3663,29 +3614,19 @@
       </p:grpSpPr>
       <p:sp>
         <p:nvSpPr>
-          <p:cNvPr id="28674" name="Espaço Reservado para Imagem de Slide 1"/>
+          <p:cNvPr id="2" name="Espaço Reservado para Imagem de Slide 1"/>
           <p:cNvSpPr>
-            <a:spLocks noGrp="1" noRot="1" noChangeAspect="1" noTextEdit="1"/>
+            <a:spLocks noGrp="1" noRot="1" noChangeAspect="1"/>
           </p:cNvSpPr>
           <p:nvPr>
             <p:ph type="sldImg"/>
           </p:nvPr>
         </p:nvSpPr>
-        <p:spPr bwMode="auto">
-          <a:noFill/>
-          <a:ln>
-            <a:solidFill>
-              <a:srgbClr val="000000"/>
-            </a:solidFill>
-            <a:miter lim="800000"/>
-            <a:headEnd/>
-            <a:tailEnd/>
-          </a:ln>
-        </p:spPr>
+        <p:spPr/>
       </p:sp>
       <p:sp>
         <p:nvSpPr>
-          <p:cNvPr id="28675" name="Espaço Reservado para Anotações 2"/>
+          <p:cNvPr id="3" name="Espaço Reservado para Anotações 2"/>
           <p:cNvSpPr>
             <a:spLocks noGrp="1"/>
           </p:cNvSpPr>
@@ -3693,18 +3634,14 @@
             <p:ph type="body" idx="1"/>
           </p:nvPr>
         </p:nvSpPr>
-        <p:spPr bwMode="auto">
-          <a:noFill/>
-        </p:spPr>
+        <p:spPr/>
         <p:txBody>
-          <a:bodyPr wrap="square" numCol="1" anchor="t" anchorCtr="0" compatLnSpc="1">
-            <a:prstTxWarp prst="textNoShape">
-              <a:avLst/>
-            </a:prstTxWarp>
+          <a:bodyPr>
+            <a:normAutofit/>
           </a:bodyPr>
           <a:lstStyle/>
           <a:p>
-            <a:endParaRPr lang="pt-BR" smtClean="0"/>
+            <a:endParaRPr lang="pt-BR"/>
           </a:p>
         </p:txBody>
       </p:sp>
@@ -3715,7 +3652,7 @@
             <a:spLocks noGrp="1"/>
           </p:cNvSpPr>
           <p:nvPr>
-            <p:ph type="sldNum" sz="quarter" idx="5"/>
+            <p:ph type="sldNum" sz="quarter" idx="10"/>
           </p:nvPr>
         </p:nvSpPr>
         <p:spPr/>
@@ -3726,7 +3663,7 @@
             <a:pPr>
               <a:defRPr/>
             </a:pPr>
-            <a:fld id="{23075962-84F8-440B-9D32-83156AFD556B}" type="slidenum">
+            <a:fld id="{26215436-0A3F-4A01-A79E-C3B1BC371DB9}" type="slidenum">
               <a:rPr lang="pt-BR" smtClean="0"/>
               <a:pPr>
                 <a:defRPr/>
@@ -3764,29 +3701,19 @@
       </p:grpSpPr>
       <p:sp>
         <p:nvSpPr>
-          <p:cNvPr id="38914" name="Espaço Reservado para Imagem de Slide 1"/>
+          <p:cNvPr id="2" name="Espaço Reservado para Imagem de Slide 1"/>
           <p:cNvSpPr>
-            <a:spLocks noGrp="1" noRot="1" noChangeAspect="1" noTextEdit="1"/>
+            <a:spLocks noGrp="1" noRot="1" noChangeAspect="1"/>
           </p:cNvSpPr>
           <p:nvPr>
             <p:ph type="sldImg"/>
           </p:nvPr>
         </p:nvSpPr>
-        <p:spPr bwMode="auto">
-          <a:noFill/>
-          <a:ln>
-            <a:solidFill>
-              <a:srgbClr val="000000"/>
-            </a:solidFill>
-            <a:miter lim="800000"/>
-            <a:headEnd/>
-            <a:tailEnd/>
-          </a:ln>
-        </p:spPr>
+        <p:spPr/>
       </p:sp>
       <p:sp>
         <p:nvSpPr>
-          <p:cNvPr id="38915" name="Espaço Reservado para Anotações 2"/>
+          <p:cNvPr id="3" name="Espaço Reservado para Anotações 2"/>
           <p:cNvSpPr>
             <a:spLocks noGrp="1"/>
           </p:cNvSpPr>
@@ -3794,18 +3721,14 @@
             <p:ph type="body" idx="1"/>
           </p:nvPr>
         </p:nvSpPr>
-        <p:spPr bwMode="auto">
-          <a:noFill/>
-        </p:spPr>
+        <p:spPr/>
         <p:txBody>
-          <a:bodyPr wrap="square" numCol="1" anchor="t" anchorCtr="0" compatLnSpc="1">
-            <a:prstTxWarp prst="textNoShape">
-              <a:avLst/>
-            </a:prstTxWarp>
+          <a:bodyPr>
+            <a:normAutofit/>
           </a:bodyPr>
           <a:lstStyle/>
           <a:p>
-            <a:endParaRPr lang="pt-BR" smtClean="0"/>
+            <a:endParaRPr lang="pt-BR"/>
           </a:p>
         </p:txBody>
       </p:sp>
@@ -3816,7 +3739,7 @@
             <a:spLocks noGrp="1"/>
           </p:cNvSpPr>
           <p:nvPr>
-            <p:ph type="sldNum" sz="quarter" idx="5"/>
+            <p:ph type="sldNum" sz="quarter" idx="10"/>
           </p:nvPr>
         </p:nvSpPr>
         <p:spPr/>
@@ -3827,113 +3750,12 @@
             <a:pPr>
               <a:defRPr/>
             </a:pPr>
-            <a:fld id="{7D2BD56B-C6CB-4963-A738-91B502C7EFB9}" type="slidenum">
+            <a:fld id="{26215436-0A3F-4A01-A79E-C3B1BC371DB9}" type="slidenum">
               <a:rPr lang="pt-BR" smtClean="0"/>
               <a:pPr>
                 <a:defRPr/>
               </a:pPr>
               <a:t>38</a:t>
-            </a:fld>
-            <a:endParaRPr lang="pt-BR"/>
-          </a:p>
-        </p:txBody>
-      </p:sp>
-    </p:spTree>
-  </p:cSld>
-  <p:clrMapOvr>
-    <a:masterClrMapping/>
-  </p:clrMapOvr>
-</p:notes>
-</file>
-
-<file path=ppt/notesSlides/notesSlide39.xml><?xml version="1.0" encoding="utf-8"?>
-<p:notes xmlns:a="http://schemas.openxmlformats.org/drawingml/2006/main" xmlns:r="http://schemas.openxmlformats.org/officeDocument/2006/relationships" xmlns:p="http://schemas.openxmlformats.org/presentationml/2006/main">
-  <p:cSld>
-    <p:spTree>
-      <p:nvGrpSpPr>
-        <p:cNvPr id="1" name=""/>
-        <p:cNvGrpSpPr/>
-        <p:nvPr/>
-      </p:nvGrpSpPr>
-      <p:grpSpPr>
-        <a:xfrm>
-          <a:off x="0" y="0"/>
-          <a:ext cx="0" cy="0"/>
-          <a:chOff x="0" y="0"/>
-          <a:chExt cx="0" cy="0"/>
-        </a:xfrm>
-      </p:grpSpPr>
-      <p:sp>
-        <p:nvSpPr>
-          <p:cNvPr id="28674" name="Espaço Reservado para Imagem de Slide 1"/>
-          <p:cNvSpPr>
-            <a:spLocks noGrp="1" noRot="1" noChangeAspect="1" noTextEdit="1"/>
-          </p:cNvSpPr>
-          <p:nvPr>
-            <p:ph type="sldImg"/>
-          </p:nvPr>
-        </p:nvSpPr>
-        <p:spPr bwMode="auto">
-          <a:noFill/>
-          <a:ln>
-            <a:solidFill>
-              <a:srgbClr val="000000"/>
-            </a:solidFill>
-            <a:miter lim="800000"/>
-            <a:headEnd/>
-            <a:tailEnd/>
-          </a:ln>
-        </p:spPr>
-      </p:sp>
-      <p:sp>
-        <p:nvSpPr>
-          <p:cNvPr id="28675" name="Espaço Reservado para Anotações 2"/>
-          <p:cNvSpPr>
-            <a:spLocks noGrp="1"/>
-          </p:cNvSpPr>
-          <p:nvPr>
-            <p:ph type="body" idx="1"/>
-          </p:nvPr>
-        </p:nvSpPr>
-        <p:spPr bwMode="auto">
-          <a:noFill/>
-        </p:spPr>
-        <p:txBody>
-          <a:bodyPr wrap="square" numCol="1" anchor="t" anchorCtr="0" compatLnSpc="1">
-            <a:prstTxWarp prst="textNoShape">
-              <a:avLst/>
-            </a:prstTxWarp>
-          </a:bodyPr>
-          <a:lstStyle/>
-          <a:p>
-            <a:endParaRPr lang="pt-BR" smtClean="0"/>
-          </a:p>
-        </p:txBody>
-      </p:sp>
-      <p:sp>
-        <p:nvSpPr>
-          <p:cNvPr id="4" name="Espaço Reservado para Número de Slide 3"/>
-          <p:cNvSpPr>
-            <a:spLocks noGrp="1"/>
-          </p:cNvSpPr>
-          <p:nvPr>
-            <p:ph type="sldNum" sz="quarter" idx="5"/>
-          </p:nvPr>
-        </p:nvSpPr>
-        <p:spPr/>
-        <p:txBody>
-          <a:bodyPr/>
-          <a:lstStyle/>
-          <a:p>
-            <a:pPr>
-              <a:defRPr/>
-            </a:pPr>
-            <a:fld id="{23075962-84F8-440B-9D32-83156AFD556B}" type="slidenum">
-              <a:rPr lang="pt-BR" smtClean="0"/>
-              <a:pPr>
-                <a:defRPr/>
-              </a:pPr>
-              <a:t>39</a:t>
             </a:fld>
             <a:endParaRPr lang="pt-BR"/>
           </a:p>
@@ -4021,542 +3843,6 @@
                 <a:defRPr/>
               </a:pPr>
               <a:t>4</a:t>
-            </a:fld>
-            <a:endParaRPr lang="pt-BR"/>
-          </a:p>
-        </p:txBody>
-      </p:sp>
-    </p:spTree>
-  </p:cSld>
-  <p:clrMapOvr>
-    <a:masterClrMapping/>
-  </p:clrMapOvr>
-</p:notes>
-</file>
-
-<file path=ppt/notesSlides/notesSlide40.xml><?xml version="1.0" encoding="utf-8"?>
-<p:notes xmlns:a="http://schemas.openxmlformats.org/drawingml/2006/main" xmlns:r="http://schemas.openxmlformats.org/officeDocument/2006/relationships" xmlns:p="http://schemas.openxmlformats.org/presentationml/2006/main">
-  <p:cSld>
-    <p:spTree>
-      <p:nvGrpSpPr>
-        <p:cNvPr id="1" name=""/>
-        <p:cNvGrpSpPr/>
-        <p:nvPr/>
-      </p:nvGrpSpPr>
-      <p:grpSpPr>
-        <a:xfrm>
-          <a:off x="0" y="0"/>
-          <a:ext cx="0" cy="0"/>
-          <a:chOff x="0" y="0"/>
-          <a:chExt cx="0" cy="0"/>
-        </a:xfrm>
-      </p:grpSpPr>
-      <p:sp>
-        <p:nvSpPr>
-          <p:cNvPr id="28674" name="Espaço Reservado para Imagem de Slide 1"/>
-          <p:cNvSpPr>
-            <a:spLocks noGrp="1" noRot="1" noChangeAspect="1" noTextEdit="1"/>
-          </p:cNvSpPr>
-          <p:nvPr>
-            <p:ph type="sldImg"/>
-          </p:nvPr>
-        </p:nvSpPr>
-        <p:spPr bwMode="auto">
-          <a:noFill/>
-          <a:ln>
-            <a:solidFill>
-              <a:srgbClr val="000000"/>
-            </a:solidFill>
-            <a:miter lim="800000"/>
-            <a:headEnd/>
-            <a:tailEnd/>
-          </a:ln>
-        </p:spPr>
-      </p:sp>
-      <p:sp>
-        <p:nvSpPr>
-          <p:cNvPr id="28675" name="Espaço Reservado para Anotações 2"/>
-          <p:cNvSpPr>
-            <a:spLocks noGrp="1"/>
-          </p:cNvSpPr>
-          <p:nvPr>
-            <p:ph type="body" idx="1"/>
-          </p:nvPr>
-        </p:nvSpPr>
-        <p:spPr bwMode="auto">
-          <a:noFill/>
-        </p:spPr>
-        <p:txBody>
-          <a:bodyPr wrap="square" numCol="1" anchor="t" anchorCtr="0" compatLnSpc="1">
-            <a:prstTxWarp prst="textNoShape">
-              <a:avLst/>
-            </a:prstTxWarp>
-          </a:bodyPr>
-          <a:lstStyle/>
-          <a:p>
-            <a:endParaRPr lang="pt-BR" smtClean="0"/>
-          </a:p>
-        </p:txBody>
-      </p:sp>
-      <p:sp>
-        <p:nvSpPr>
-          <p:cNvPr id="4" name="Espaço Reservado para Número de Slide 3"/>
-          <p:cNvSpPr>
-            <a:spLocks noGrp="1"/>
-          </p:cNvSpPr>
-          <p:nvPr>
-            <p:ph type="sldNum" sz="quarter" idx="5"/>
-          </p:nvPr>
-        </p:nvSpPr>
-        <p:spPr/>
-        <p:txBody>
-          <a:bodyPr/>
-          <a:lstStyle/>
-          <a:p>
-            <a:pPr>
-              <a:defRPr/>
-            </a:pPr>
-            <a:fld id="{23075962-84F8-440B-9D32-83156AFD556B}" type="slidenum">
-              <a:rPr lang="pt-BR" smtClean="0"/>
-              <a:pPr>
-                <a:defRPr/>
-              </a:pPr>
-              <a:t>40</a:t>
-            </a:fld>
-            <a:endParaRPr lang="pt-BR"/>
-          </a:p>
-        </p:txBody>
-      </p:sp>
-    </p:spTree>
-  </p:cSld>
-  <p:clrMapOvr>
-    <a:masterClrMapping/>
-  </p:clrMapOvr>
-</p:notes>
-</file>
-
-<file path=ppt/notesSlides/notesSlide41.xml><?xml version="1.0" encoding="utf-8"?>
-<p:notes xmlns:a="http://schemas.openxmlformats.org/drawingml/2006/main" xmlns:r="http://schemas.openxmlformats.org/officeDocument/2006/relationships" xmlns:p="http://schemas.openxmlformats.org/presentationml/2006/main">
-  <p:cSld>
-    <p:spTree>
-      <p:nvGrpSpPr>
-        <p:cNvPr id="1" name=""/>
-        <p:cNvGrpSpPr/>
-        <p:nvPr/>
-      </p:nvGrpSpPr>
-      <p:grpSpPr>
-        <a:xfrm>
-          <a:off x="0" y="0"/>
-          <a:ext cx="0" cy="0"/>
-          <a:chOff x="0" y="0"/>
-          <a:chExt cx="0" cy="0"/>
-        </a:xfrm>
-      </p:grpSpPr>
-      <p:sp>
-        <p:nvSpPr>
-          <p:cNvPr id="2" name="Slide Image Placeholder 1"/>
-          <p:cNvSpPr>
-            <a:spLocks noGrp="1" noRot="1" noChangeAspect="1"/>
-          </p:cNvSpPr>
-          <p:nvPr>
-            <p:ph type="sldImg"/>
-          </p:nvPr>
-        </p:nvSpPr>
-        <p:spPr/>
-      </p:sp>
-      <p:sp>
-        <p:nvSpPr>
-          <p:cNvPr id="3" name="Notes Placeholder 2"/>
-          <p:cNvSpPr>
-            <a:spLocks noGrp="1"/>
-          </p:cNvSpPr>
-          <p:nvPr>
-            <p:ph type="body" idx="1"/>
-          </p:nvPr>
-        </p:nvSpPr>
-        <p:spPr/>
-        <p:txBody>
-          <a:bodyPr>
-            <a:normAutofit/>
-          </a:bodyPr>
-          <a:lstStyle/>
-          <a:p>
-            <a:endParaRPr lang="pt-BR"/>
-          </a:p>
-        </p:txBody>
-      </p:sp>
-      <p:sp>
-        <p:nvSpPr>
-          <p:cNvPr id="4" name="Slide Number Placeholder 3"/>
-          <p:cNvSpPr>
-            <a:spLocks noGrp="1"/>
-          </p:cNvSpPr>
-          <p:nvPr>
-            <p:ph type="sldNum" sz="quarter" idx="10"/>
-          </p:nvPr>
-        </p:nvSpPr>
-        <p:spPr/>
-        <p:txBody>
-          <a:bodyPr/>
-          <a:lstStyle/>
-          <a:p>
-            <a:pPr>
-              <a:defRPr/>
-            </a:pPr>
-            <a:fld id="{26215436-0A3F-4A01-A79E-C3B1BC371DB9}" type="slidenum">
-              <a:rPr lang="pt-BR" smtClean="0"/>
-              <a:pPr>
-                <a:defRPr/>
-              </a:pPr>
-              <a:t>41</a:t>
-            </a:fld>
-            <a:endParaRPr lang="pt-BR"/>
-          </a:p>
-        </p:txBody>
-      </p:sp>
-    </p:spTree>
-  </p:cSld>
-  <p:clrMapOvr>
-    <a:masterClrMapping/>
-  </p:clrMapOvr>
-</p:notes>
-</file>
-
-<file path=ppt/notesSlides/notesSlide42.xml><?xml version="1.0" encoding="utf-8"?>
-<p:notes xmlns:a="http://schemas.openxmlformats.org/drawingml/2006/main" xmlns:r="http://schemas.openxmlformats.org/officeDocument/2006/relationships" xmlns:p="http://schemas.openxmlformats.org/presentationml/2006/main">
-  <p:cSld>
-    <p:spTree>
-      <p:nvGrpSpPr>
-        <p:cNvPr id="1" name=""/>
-        <p:cNvGrpSpPr/>
-        <p:nvPr/>
-      </p:nvGrpSpPr>
-      <p:grpSpPr>
-        <a:xfrm>
-          <a:off x="0" y="0"/>
-          <a:ext cx="0" cy="0"/>
-          <a:chOff x="0" y="0"/>
-          <a:chExt cx="0" cy="0"/>
-        </a:xfrm>
-      </p:grpSpPr>
-      <p:sp>
-        <p:nvSpPr>
-          <p:cNvPr id="2" name="Slide Image Placeholder 1"/>
-          <p:cNvSpPr>
-            <a:spLocks noGrp="1" noRot="1" noChangeAspect="1"/>
-          </p:cNvSpPr>
-          <p:nvPr>
-            <p:ph type="sldImg"/>
-          </p:nvPr>
-        </p:nvSpPr>
-        <p:spPr/>
-      </p:sp>
-      <p:sp>
-        <p:nvSpPr>
-          <p:cNvPr id="3" name="Notes Placeholder 2"/>
-          <p:cNvSpPr>
-            <a:spLocks noGrp="1"/>
-          </p:cNvSpPr>
-          <p:nvPr>
-            <p:ph type="body" idx="1"/>
-          </p:nvPr>
-        </p:nvSpPr>
-        <p:spPr/>
-        <p:txBody>
-          <a:bodyPr>
-            <a:normAutofit/>
-          </a:bodyPr>
-          <a:lstStyle/>
-          <a:p>
-            <a:endParaRPr lang="pt-BR"/>
-          </a:p>
-        </p:txBody>
-      </p:sp>
-      <p:sp>
-        <p:nvSpPr>
-          <p:cNvPr id="4" name="Slide Number Placeholder 3"/>
-          <p:cNvSpPr>
-            <a:spLocks noGrp="1"/>
-          </p:cNvSpPr>
-          <p:nvPr>
-            <p:ph type="sldNum" sz="quarter" idx="10"/>
-          </p:nvPr>
-        </p:nvSpPr>
-        <p:spPr/>
-        <p:txBody>
-          <a:bodyPr/>
-          <a:lstStyle/>
-          <a:p>
-            <a:pPr>
-              <a:defRPr/>
-            </a:pPr>
-            <a:fld id="{26215436-0A3F-4A01-A79E-C3B1BC371DB9}" type="slidenum">
-              <a:rPr lang="pt-BR" smtClean="0"/>
-              <a:pPr>
-                <a:defRPr/>
-              </a:pPr>
-              <a:t>42</a:t>
-            </a:fld>
-            <a:endParaRPr lang="pt-BR"/>
-          </a:p>
-        </p:txBody>
-      </p:sp>
-    </p:spTree>
-  </p:cSld>
-  <p:clrMapOvr>
-    <a:masterClrMapping/>
-  </p:clrMapOvr>
-</p:notes>
-</file>
-
-<file path=ppt/notesSlides/notesSlide43.xml><?xml version="1.0" encoding="utf-8"?>
-<p:notes xmlns:a="http://schemas.openxmlformats.org/drawingml/2006/main" xmlns:r="http://schemas.openxmlformats.org/officeDocument/2006/relationships" xmlns:p="http://schemas.openxmlformats.org/presentationml/2006/main">
-  <p:cSld>
-    <p:spTree>
-      <p:nvGrpSpPr>
-        <p:cNvPr id="1" name=""/>
-        <p:cNvGrpSpPr/>
-        <p:nvPr/>
-      </p:nvGrpSpPr>
-      <p:grpSpPr>
-        <a:xfrm>
-          <a:off x="0" y="0"/>
-          <a:ext cx="0" cy="0"/>
-          <a:chOff x="0" y="0"/>
-          <a:chExt cx="0" cy="0"/>
-        </a:xfrm>
-      </p:grpSpPr>
-      <p:sp>
-        <p:nvSpPr>
-          <p:cNvPr id="2" name="Espaço Reservado para Imagem de Slide 1"/>
-          <p:cNvSpPr>
-            <a:spLocks noGrp="1" noRot="1" noChangeAspect="1"/>
-          </p:cNvSpPr>
-          <p:nvPr>
-            <p:ph type="sldImg"/>
-          </p:nvPr>
-        </p:nvSpPr>
-        <p:spPr/>
-      </p:sp>
-      <p:sp>
-        <p:nvSpPr>
-          <p:cNvPr id="3" name="Espaço Reservado para Anotações 2"/>
-          <p:cNvSpPr>
-            <a:spLocks noGrp="1"/>
-          </p:cNvSpPr>
-          <p:nvPr>
-            <p:ph type="body" idx="1"/>
-          </p:nvPr>
-        </p:nvSpPr>
-        <p:spPr/>
-        <p:txBody>
-          <a:bodyPr>
-            <a:normAutofit/>
-          </a:bodyPr>
-          <a:lstStyle/>
-          <a:p>
-            <a:endParaRPr lang="pt-BR"/>
-          </a:p>
-        </p:txBody>
-      </p:sp>
-      <p:sp>
-        <p:nvSpPr>
-          <p:cNvPr id="4" name="Espaço Reservado para Número de Slide 3"/>
-          <p:cNvSpPr>
-            <a:spLocks noGrp="1"/>
-          </p:cNvSpPr>
-          <p:nvPr>
-            <p:ph type="sldNum" sz="quarter" idx="10"/>
-          </p:nvPr>
-        </p:nvSpPr>
-        <p:spPr/>
-        <p:txBody>
-          <a:bodyPr/>
-          <a:lstStyle/>
-          <a:p>
-            <a:pPr>
-              <a:defRPr/>
-            </a:pPr>
-            <a:fld id="{26215436-0A3F-4A01-A79E-C3B1BC371DB9}" type="slidenum">
-              <a:rPr lang="pt-BR" smtClean="0"/>
-              <a:pPr>
-                <a:defRPr/>
-              </a:pPr>
-              <a:t>43</a:t>
-            </a:fld>
-            <a:endParaRPr lang="pt-BR"/>
-          </a:p>
-        </p:txBody>
-      </p:sp>
-    </p:spTree>
-  </p:cSld>
-  <p:clrMapOvr>
-    <a:masterClrMapping/>
-  </p:clrMapOvr>
-</p:notes>
-</file>
-
-<file path=ppt/notesSlides/notesSlide44.xml><?xml version="1.0" encoding="utf-8"?>
-<p:notes xmlns:a="http://schemas.openxmlformats.org/drawingml/2006/main" xmlns:r="http://schemas.openxmlformats.org/officeDocument/2006/relationships" xmlns:p="http://schemas.openxmlformats.org/presentationml/2006/main">
-  <p:cSld>
-    <p:spTree>
-      <p:nvGrpSpPr>
-        <p:cNvPr id="1" name=""/>
-        <p:cNvGrpSpPr/>
-        <p:nvPr/>
-      </p:nvGrpSpPr>
-      <p:grpSpPr>
-        <a:xfrm>
-          <a:off x="0" y="0"/>
-          <a:ext cx="0" cy="0"/>
-          <a:chOff x="0" y="0"/>
-          <a:chExt cx="0" cy="0"/>
-        </a:xfrm>
-      </p:grpSpPr>
-      <p:sp>
-        <p:nvSpPr>
-          <p:cNvPr id="2" name="Espaço Reservado para Imagem de Slide 1"/>
-          <p:cNvSpPr>
-            <a:spLocks noGrp="1" noRot="1" noChangeAspect="1"/>
-          </p:cNvSpPr>
-          <p:nvPr>
-            <p:ph type="sldImg"/>
-          </p:nvPr>
-        </p:nvSpPr>
-        <p:spPr/>
-      </p:sp>
-      <p:sp>
-        <p:nvSpPr>
-          <p:cNvPr id="3" name="Espaço Reservado para Anotações 2"/>
-          <p:cNvSpPr>
-            <a:spLocks noGrp="1"/>
-          </p:cNvSpPr>
-          <p:nvPr>
-            <p:ph type="body" idx="1"/>
-          </p:nvPr>
-        </p:nvSpPr>
-        <p:spPr/>
-        <p:txBody>
-          <a:bodyPr>
-            <a:normAutofit/>
-          </a:bodyPr>
-          <a:lstStyle/>
-          <a:p>
-            <a:endParaRPr lang="pt-BR"/>
-          </a:p>
-        </p:txBody>
-      </p:sp>
-      <p:sp>
-        <p:nvSpPr>
-          <p:cNvPr id="4" name="Espaço Reservado para Número de Slide 3"/>
-          <p:cNvSpPr>
-            <a:spLocks noGrp="1"/>
-          </p:cNvSpPr>
-          <p:nvPr>
-            <p:ph type="sldNum" sz="quarter" idx="10"/>
-          </p:nvPr>
-        </p:nvSpPr>
-        <p:spPr/>
-        <p:txBody>
-          <a:bodyPr/>
-          <a:lstStyle/>
-          <a:p>
-            <a:pPr>
-              <a:defRPr/>
-            </a:pPr>
-            <a:fld id="{26215436-0A3F-4A01-A79E-C3B1BC371DB9}" type="slidenum">
-              <a:rPr lang="pt-BR" smtClean="0"/>
-              <a:pPr>
-                <a:defRPr/>
-              </a:pPr>
-              <a:t>44</a:t>
-            </a:fld>
-            <a:endParaRPr lang="pt-BR"/>
-          </a:p>
-        </p:txBody>
-      </p:sp>
-    </p:spTree>
-  </p:cSld>
-  <p:clrMapOvr>
-    <a:masterClrMapping/>
-  </p:clrMapOvr>
-</p:notes>
-</file>
-
-<file path=ppt/notesSlides/notesSlide45.xml><?xml version="1.0" encoding="utf-8"?>
-<p:notes xmlns:a="http://schemas.openxmlformats.org/drawingml/2006/main" xmlns:r="http://schemas.openxmlformats.org/officeDocument/2006/relationships" xmlns:p="http://schemas.openxmlformats.org/presentationml/2006/main">
-  <p:cSld>
-    <p:spTree>
-      <p:nvGrpSpPr>
-        <p:cNvPr id="1" name=""/>
-        <p:cNvGrpSpPr/>
-        <p:nvPr/>
-      </p:nvGrpSpPr>
-      <p:grpSpPr>
-        <a:xfrm>
-          <a:off x="0" y="0"/>
-          <a:ext cx="0" cy="0"/>
-          <a:chOff x="0" y="0"/>
-          <a:chExt cx="0" cy="0"/>
-        </a:xfrm>
-      </p:grpSpPr>
-      <p:sp>
-        <p:nvSpPr>
-          <p:cNvPr id="2" name="Espaço Reservado para Imagem de Slide 1"/>
-          <p:cNvSpPr>
-            <a:spLocks noGrp="1" noRot="1" noChangeAspect="1"/>
-          </p:cNvSpPr>
-          <p:nvPr>
-            <p:ph type="sldImg"/>
-          </p:nvPr>
-        </p:nvSpPr>
-        <p:spPr/>
-      </p:sp>
-      <p:sp>
-        <p:nvSpPr>
-          <p:cNvPr id="3" name="Espaço Reservado para Anotações 2"/>
-          <p:cNvSpPr>
-            <a:spLocks noGrp="1"/>
-          </p:cNvSpPr>
-          <p:nvPr>
-            <p:ph type="body" idx="1"/>
-          </p:nvPr>
-        </p:nvSpPr>
-        <p:spPr/>
-        <p:txBody>
-          <a:bodyPr>
-            <a:normAutofit/>
-          </a:bodyPr>
-          <a:lstStyle/>
-          <a:p>
-            <a:endParaRPr lang="pt-BR"/>
-          </a:p>
-        </p:txBody>
-      </p:sp>
-      <p:sp>
-        <p:nvSpPr>
-          <p:cNvPr id="4" name="Espaço Reservado para Número de Slide 3"/>
-          <p:cNvSpPr>
-            <a:spLocks noGrp="1"/>
-          </p:cNvSpPr>
-          <p:nvPr>
-            <p:ph type="sldNum" sz="quarter" idx="10"/>
-          </p:nvPr>
-        </p:nvSpPr>
-        <p:spPr/>
-        <p:txBody>
-          <a:bodyPr/>
-          <a:lstStyle/>
-          <a:p>
-            <a:pPr>
-              <a:defRPr/>
-            </a:pPr>
-            <a:fld id="{26215436-0A3F-4A01-A79E-C3B1BC371DB9}" type="slidenum">
-              <a:rPr lang="pt-BR" smtClean="0"/>
-              <a:pPr>
-                <a:defRPr/>
-              </a:pPr>
-              <a:t>45</a:t>
             </a:fld>
             <a:endParaRPr lang="pt-BR"/>
           </a:p>
@@ -5493,7 +4779,7 @@
               <a:pPr>
                 <a:defRPr/>
               </a:pPr>
-              <a:t>20/5/2012</a:t>
+              <a:t>28/06/2012</a:t>
             </a:fld>
             <a:endParaRPr lang="pt-BR"/>
           </a:p>
@@ -5685,7 +4971,7 @@
               <a:pPr>
                 <a:defRPr/>
               </a:pPr>
-              <a:t>20/5/2012</a:t>
+              <a:t>28/06/2012</a:t>
             </a:fld>
             <a:endParaRPr lang="pt-BR"/>
           </a:p>
@@ -5887,7 +5173,7 @@
               <a:pPr>
                 <a:defRPr/>
               </a:pPr>
-              <a:t>20/5/2012</a:t>
+              <a:t>28/06/2012</a:t>
             </a:fld>
             <a:endParaRPr lang="pt-BR"/>
           </a:p>
@@ -6083,7 +5369,7 @@
               <a:pPr>
                 <a:defRPr/>
               </a:pPr>
-              <a:t>20/5/2012</a:t>
+              <a:t>28/06/2012</a:t>
             </a:fld>
             <a:endParaRPr lang="pt-BR"/>
           </a:p>
@@ -6589,7 +5875,7 @@
               <a:pPr>
                 <a:defRPr/>
               </a:pPr>
-              <a:t>20/5/2012</a:t>
+              <a:t>28/06/2012</a:t>
             </a:fld>
             <a:endParaRPr lang="pt-BR"/>
           </a:p>
@@ -6880,7 +6166,7 @@
               <a:pPr>
                 <a:defRPr/>
               </a:pPr>
-              <a:t>20/5/2012</a:t>
+              <a:t>28/06/2012</a:t>
             </a:fld>
             <a:endParaRPr lang="pt-BR"/>
           </a:p>
@@ -7281,7 +6567,7 @@
               <a:pPr>
                 <a:defRPr/>
               </a:pPr>
-              <a:t>20/5/2012</a:t>
+              <a:t>28/06/2012</a:t>
             </a:fld>
             <a:endParaRPr lang="pt-BR"/>
           </a:p>
@@ -7430,7 +6716,7 @@
               <a:pPr>
                 <a:defRPr/>
               </a:pPr>
-              <a:t>20/5/2012</a:t>
+              <a:t>28/06/2012</a:t>
             </a:fld>
             <a:endParaRPr lang="pt-BR"/>
           </a:p>
@@ -7547,7 +6833,7 @@
               <a:pPr>
                 <a:defRPr/>
               </a:pPr>
-              <a:t>20/5/2012</a:t>
+              <a:t>28/06/2012</a:t>
             </a:fld>
             <a:endParaRPr lang="pt-BR"/>
           </a:p>
@@ -7823,7 +7109,7 @@
               <a:pPr>
                 <a:defRPr/>
               </a:pPr>
-              <a:t>20/5/2012</a:t>
+              <a:t>28/06/2012</a:t>
             </a:fld>
             <a:endParaRPr lang="pt-BR"/>
           </a:p>
@@ -8107,7 +7393,7 @@
               <a:pPr>
                 <a:defRPr/>
               </a:pPr>
-              <a:t>20/5/2012</a:t>
+              <a:t>28/06/2012</a:t>
             </a:fld>
             <a:endParaRPr lang="pt-BR"/>
           </a:p>
@@ -8585,7 +7871,7 @@
               <a:pPr>
                 <a:defRPr/>
               </a:pPr>
-              <a:t>20/5/2012</a:t>
+              <a:t>28/06/2012</a:t>
             </a:fld>
             <a:endParaRPr lang="pt-BR"/>
           </a:p>
@@ -14210,75 +13496,54 @@
           <a:p>
             <a:pPr eaLnBrk="1" hangingPunct="1"/>
             <a:r>
-              <a:rPr lang="pt-BR" sz="2200" dirty="0" smtClean="0"/>
+              <a:rPr lang="pt-BR" sz="2400" dirty="0" smtClean="0"/>
               <a:t>Introdução</a:t>
             </a:r>
           </a:p>
           <a:p>
             <a:pPr eaLnBrk="1" hangingPunct="1"/>
             <a:r>
-              <a:rPr lang="pt-BR" sz="2200" dirty="0" smtClean="0"/>
+              <a:rPr lang="pt-BR" sz="2400" dirty="0" smtClean="0"/>
               <a:t>Principais operações de conjuntos</a:t>
             </a:r>
           </a:p>
           <a:p>
             <a:pPr eaLnBrk="1" hangingPunct="1"/>
             <a:r>
-              <a:rPr lang="pt-BR" sz="2200" dirty="0" smtClean="0"/>
+              <a:rPr lang="pt-BR" sz="2400" dirty="0" smtClean="0"/>
               <a:t>Principais interfaces de conjuntos</a:t>
             </a:r>
           </a:p>
           <a:p>
             <a:pPr eaLnBrk="1" hangingPunct="1"/>
             <a:r>
-              <a:rPr lang="pt-BR" sz="2200" dirty="0" smtClean="0"/>
+              <a:rPr lang="pt-BR" sz="2400" dirty="0" smtClean="0"/>
               <a:t>A interface Collection</a:t>
             </a:r>
           </a:p>
           <a:p>
             <a:pPr eaLnBrk="1" hangingPunct="1"/>
             <a:r>
-              <a:rPr lang="pt-BR" sz="2200" dirty="0" smtClean="0"/>
-              <a:t>A interface Iterator</a:t>
-            </a:r>
+              <a:rPr lang="pt-BR" sz="2400" dirty="0" smtClean="0"/>
+              <a:t>A interface </a:t>
+            </a:r>
+            <a:r>
+              <a:rPr lang="pt-BR" sz="2400" dirty="0" err="1" smtClean="0"/>
+              <a:t>Iterator</a:t>
+            </a:r>
+            <a:endParaRPr lang="pt-BR" sz="2400" dirty="0" smtClean="0"/>
           </a:p>
           <a:p>
             <a:pPr eaLnBrk="1" hangingPunct="1"/>
             <a:r>
-              <a:rPr lang="pt-BR" sz="2200" dirty="0" smtClean="0"/>
-              <a:t>Ordenação e classificação</a:t>
-            </a:r>
-          </a:p>
-          <a:p>
-            <a:pPr eaLnBrk="1" hangingPunct="1"/>
-            <a:r>
-              <a:rPr lang="pt-BR" sz="2200" dirty="0" smtClean="0"/>
+              <a:rPr lang="pt-BR" sz="2400" dirty="0" smtClean="0"/>
               <a:t>A interface </a:t>
             </a:r>
             <a:r>
-              <a:rPr lang="pt-BR" sz="2200" dirty="0" err="1" smtClean="0"/>
+              <a:rPr lang="pt-BR" sz="2400" dirty="0" err="1" smtClean="0"/>
               <a:t>List</a:t>
             </a:r>
-            <a:endParaRPr lang="pt-BR" sz="2200" dirty="0" smtClean="0"/>
-          </a:p>
-          <a:p>
-            <a:pPr eaLnBrk="1" hangingPunct="1"/>
-            <a:r>
-              <a:rPr lang="pt-BR" sz="2200" dirty="0" smtClean="0"/>
-              <a:t>A classe </a:t>
-            </a:r>
-            <a:r>
-              <a:rPr lang="pt-BR" sz="2200" dirty="0" err="1" smtClean="0"/>
-              <a:t>ArrayList</a:t>
-            </a:r>
-            <a:endParaRPr lang="pt-BR" sz="2200" dirty="0" smtClean="0"/>
-          </a:p>
-          <a:p>
-            <a:pPr eaLnBrk="1" hangingPunct="1"/>
-            <a:r>
-              <a:rPr lang="pt-BR" sz="2200" dirty="0" smtClean="0"/>
-              <a:t>A classe LinkedList</a:t>
-            </a:r>
+            <a:endParaRPr lang="pt-BR" sz="2400" dirty="0" smtClean="0"/>
           </a:p>
         </p:txBody>
       </p:sp>
@@ -14299,104 +13564,88 @@
           <a:p>
             <a:pPr eaLnBrk="1" hangingPunct="1"/>
             <a:r>
-              <a:rPr lang="pt-BR" sz="2200" dirty="0" smtClean="0"/>
-              <a:t>A interface Set</a:t>
-            </a:r>
+              <a:rPr lang="pt-BR" sz="2400" dirty="0" smtClean="0"/>
+              <a:t>A </a:t>
+            </a:r>
+            <a:r>
+              <a:rPr lang="pt-BR" sz="2400" dirty="0" smtClean="0"/>
+              <a:t>classe </a:t>
+            </a:r>
+            <a:r>
+              <a:rPr lang="pt-BR" sz="2400" dirty="0" err="1" smtClean="0"/>
+              <a:t>ArrayList</a:t>
+            </a:r>
+            <a:endParaRPr lang="pt-BR" sz="2400" dirty="0" smtClean="0"/>
           </a:p>
           <a:p>
             <a:pPr eaLnBrk="1" hangingPunct="1"/>
             <a:r>
-              <a:rPr lang="pt-BR" sz="2200" dirty="0" smtClean="0"/>
+              <a:rPr lang="pt-BR" sz="2400" dirty="0" smtClean="0"/>
+              <a:t>A classe </a:t>
+            </a:r>
+            <a:r>
+              <a:rPr lang="pt-BR" sz="2400" dirty="0" err="1" smtClean="0"/>
+              <a:t>LinkedList</a:t>
+            </a:r>
+            <a:endParaRPr lang="pt-BR" sz="2400" dirty="0" smtClean="0"/>
+          </a:p>
+          <a:p>
+            <a:pPr eaLnBrk="1" hangingPunct="1"/>
+            <a:r>
+              <a:rPr lang="pt-BR" sz="2400" dirty="0" smtClean="0"/>
+              <a:t>A </a:t>
+            </a:r>
+            <a:r>
+              <a:rPr lang="pt-BR" sz="2400" dirty="0" smtClean="0"/>
+              <a:t>interface Set</a:t>
+            </a:r>
+          </a:p>
+          <a:p>
+            <a:pPr eaLnBrk="1" hangingPunct="1"/>
+            <a:r>
+              <a:rPr lang="pt-BR" sz="2400" dirty="0" smtClean="0"/>
               <a:t>A classe HashSet</a:t>
             </a:r>
           </a:p>
           <a:p>
             <a:pPr eaLnBrk="1" hangingPunct="1"/>
             <a:r>
-              <a:rPr lang="pt-BR" sz="2200" dirty="0" smtClean="0"/>
-              <a:t>A interface SortedSet</a:t>
-            </a:r>
+              <a:rPr lang="pt-BR" sz="2400" dirty="0" smtClean="0"/>
+              <a:t>A </a:t>
+            </a:r>
+            <a:r>
+              <a:rPr lang="pt-BR" sz="2400" dirty="0" smtClean="0"/>
+              <a:t>interface </a:t>
+            </a:r>
+            <a:r>
+              <a:rPr lang="pt-BR" sz="2400" dirty="0" err="1" smtClean="0"/>
+              <a:t>Map</a:t>
+            </a:r>
+            <a:endParaRPr lang="pt-BR" sz="2400" dirty="0" smtClean="0"/>
           </a:p>
           <a:p>
             <a:pPr eaLnBrk="1" hangingPunct="1"/>
             <a:r>
-              <a:rPr lang="pt-BR" sz="2200" dirty="0" smtClean="0"/>
+              <a:rPr lang="pt-BR" sz="2400" dirty="0" smtClean="0"/>
               <a:t>A classe </a:t>
             </a:r>
             <a:r>
-              <a:rPr lang="pt-BR" sz="2200" dirty="0" err="1" smtClean="0"/>
-              <a:t>TreeSet</a:t>
-            </a:r>
-            <a:endParaRPr lang="pt-BR" sz="2200" dirty="0" smtClean="0"/>
+              <a:rPr lang="pt-BR" sz="2400" dirty="0" err="1" smtClean="0"/>
+              <a:t>HashMap</a:t>
+            </a:r>
+            <a:endParaRPr lang="pt-BR" sz="2400" dirty="0" smtClean="0"/>
           </a:p>
           <a:p>
             <a:pPr eaLnBrk="1" hangingPunct="1"/>
             <a:r>
-              <a:rPr lang="pt-BR" sz="2200" dirty="0" smtClean="0"/>
-              <a:t>A interface Comparable</a:t>
-            </a:r>
-          </a:p>
-          <a:p>
-            <a:pPr eaLnBrk="1" hangingPunct="1"/>
-            <a:r>
-              <a:rPr lang="pt-BR" sz="2200" dirty="0" smtClean="0"/>
-              <a:t>A interface </a:t>
-            </a:r>
-            <a:r>
-              <a:rPr lang="pt-BR" sz="2200" dirty="0" err="1" smtClean="0"/>
-              <a:t>Comparator</a:t>
-            </a:r>
-            <a:endParaRPr lang="pt-BR" sz="2200" dirty="0" smtClean="0"/>
-          </a:p>
-          <a:p>
-            <a:pPr eaLnBrk="1" hangingPunct="1"/>
-            <a:r>
-              <a:rPr lang="pt-BR" sz="2200" dirty="0" smtClean="0"/>
-              <a:t>A interface </a:t>
-            </a:r>
-            <a:r>
-              <a:rPr lang="pt-BR" sz="2200" dirty="0" err="1" smtClean="0"/>
-              <a:t>Map</a:t>
-            </a:r>
-            <a:endParaRPr lang="pt-BR" sz="2200" dirty="0" smtClean="0"/>
-          </a:p>
-          <a:p>
-            <a:pPr eaLnBrk="1" hangingPunct="1"/>
-            <a:r>
-              <a:rPr lang="pt-BR" sz="2200" dirty="0" smtClean="0"/>
+              <a:rPr lang="pt-BR" sz="2400" dirty="0" smtClean="0"/>
               <a:t>A classe </a:t>
             </a:r>
             <a:r>
-              <a:rPr lang="pt-BR" sz="2200" dirty="0" err="1" smtClean="0"/>
-              <a:t>HashMap</a:t>
-            </a:r>
-            <a:endParaRPr lang="pt-BR" sz="2200" dirty="0" smtClean="0"/>
-          </a:p>
-          <a:p>
-            <a:pPr eaLnBrk="1" hangingPunct="1"/>
-            <a:r>
-              <a:rPr lang="pt-BR" sz="2200" dirty="0" smtClean="0"/>
-              <a:t>A classe </a:t>
-            </a:r>
-            <a:r>
-              <a:rPr lang="pt-BR" sz="2200" dirty="0" err="1" smtClean="0"/>
+              <a:rPr lang="pt-BR" sz="2400" dirty="0" err="1" smtClean="0"/>
               <a:t>Hashtable</a:t>
             </a:r>
-            <a:endParaRPr lang="pt-BR" sz="2200" dirty="0" smtClean="0"/>
-          </a:p>
-          <a:p>
-            <a:pPr eaLnBrk="1" hangingPunct="1"/>
-            <a:r>
-              <a:rPr lang="pt-BR" sz="2200" dirty="0" smtClean="0"/>
-              <a:t>A interface SortedMap</a:t>
-            </a:r>
-          </a:p>
-          <a:p>
-            <a:pPr eaLnBrk="1" hangingPunct="1"/>
-            <a:r>
-              <a:rPr lang="pt-BR" sz="2200" dirty="0" smtClean="0"/>
-              <a:t>A classe TreeMap</a:t>
-            </a:r>
+            <a:endParaRPr lang="pt-BR" sz="2400" dirty="0" smtClean="0"/>
           </a:p>
         </p:txBody>
       </p:sp>
@@ -16197,176 +15446,7 @@
       </p:grpSpPr>
       <p:sp>
         <p:nvSpPr>
-          <p:cNvPr id="9218" name="Título 1"/>
-          <p:cNvSpPr>
-            <a:spLocks noGrp="1"/>
-          </p:cNvSpPr>
-          <p:nvPr>
-            <p:ph type="title"/>
-          </p:nvPr>
-        </p:nvSpPr>
-        <p:spPr>
-          <a:xfrm>
-            <a:off x="457200" y="274638"/>
-            <a:ext cx="8075240" cy="1143000"/>
-          </a:xfrm>
-          <a:noFill/>
-          <a:ln w="9525">
-            <a:noFill/>
-            <a:miter lim="800000"/>
-            <a:headEnd/>
-            <a:tailEnd/>
-          </a:ln>
-        </p:spPr>
-        <p:txBody>
-          <a:bodyPr vert="horz" wrap="square" lIns="45720" tIns="45720" rIns="45720" bIns="45720" numCol="1" anchor="ctr" anchorCtr="0" compatLnSpc="1">
-            <a:prstTxWarp prst="textNoShape">
-              <a:avLst/>
-            </a:prstTxWarp>
-          </a:bodyPr>
-          <a:lstStyle/>
-          <a:p>
-            <a:r>
-              <a:rPr lang="pt-BR" dirty="0" err="1" smtClean="0"/>
-              <a:t>SortedSet</a:t>
-            </a:r>
-            <a:endParaRPr lang="pt-BR" dirty="0" smtClean="0"/>
-          </a:p>
-        </p:txBody>
-      </p:sp>
-      <p:sp>
-        <p:nvSpPr>
-          <p:cNvPr id="13" name="Espaço Reservado para Conteúdo 12"/>
-          <p:cNvSpPr>
-            <a:spLocks noGrp="1"/>
-          </p:cNvSpPr>
-          <p:nvPr>
-            <p:ph idx="1"/>
-          </p:nvPr>
-        </p:nvSpPr>
-        <p:spPr/>
-        <p:txBody>
-          <a:bodyPr/>
-          <a:lstStyle/>
-          <a:p>
-            <a:pPr>
-              <a:spcBef>
-                <a:spcPts val="2400"/>
-              </a:spcBef>
-            </a:pPr>
-            <a:r>
-              <a:rPr lang="pt-BR" sz="2400" dirty="0" smtClean="0"/>
-              <a:t>Subtipo de Set que representa uma coleção classificada de objetos.</a:t>
-            </a:r>
-          </a:p>
-          <a:p>
-            <a:pPr>
-              <a:spcBef>
-                <a:spcPts val="2400"/>
-              </a:spcBef>
-            </a:pPr>
-            <a:r>
-              <a:rPr lang="pt-BR" sz="2400" dirty="0" smtClean="0"/>
-              <a:t>Cada novo objeto incluído neste set é colocado em sua posição correta conforme o critério de classificação especificado.</a:t>
-            </a:r>
-          </a:p>
-          <a:p>
-            <a:pPr>
-              <a:spcBef>
-                <a:spcPts val="2400"/>
-              </a:spcBef>
-            </a:pPr>
-            <a:r>
-              <a:rPr lang="pt-BR" sz="2400" dirty="0" smtClean="0"/>
-              <a:t>Os objetos a serem adicionados neste tipo de coleção devem implementar a interface </a:t>
-            </a:r>
-            <a:r>
-              <a:rPr lang="pt-BR" sz="2400" u="sng" dirty="0" err="1" smtClean="0"/>
-              <a:t>Comparable</a:t>
-            </a:r>
-            <a:r>
-              <a:rPr lang="pt-BR" sz="2400" dirty="0" smtClean="0"/>
-              <a:t> e seu método </a:t>
-            </a:r>
-            <a:r>
-              <a:rPr lang="pt-BR" sz="2400" u="sng" dirty="0" err="1" smtClean="0"/>
-              <a:t>compareTo</a:t>
-            </a:r>
-            <a:r>
-              <a:rPr lang="pt-BR" sz="2400" u="sng" dirty="0" smtClean="0"/>
-              <a:t>()</a:t>
-            </a:r>
-            <a:r>
-              <a:rPr lang="pt-BR" sz="2400" dirty="0" smtClean="0"/>
-              <a:t> onde é definido o critério de comparação/classificação entre eles.</a:t>
-            </a:r>
-          </a:p>
-        </p:txBody>
-      </p:sp>
-      <p:sp>
-        <p:nvSpPr>
-          <p:cNvPr id="15" name="Espaço Reservado para Número de Slide 14"/>
-          <p:cNvSpPr>
-            <a:spLocks noGrp="1"/>
-          </p:cNvSpPr>
-          <p:nvPr>
-            <p:ph type="sldNum" sz="quarter" idx="12"/>
-          </p:nvPr>
-        </p:nvSpPr>
-        <p:spPr/>
-        <p:txBody>
-          <a:bodyPr/>
-          <a:lstStyle/>
-          <a:p>
-            <a:pPr>
-              <a:defRPr/>
-            </a:pPr>
-            <a:fld id="{7E263EA5-71DF-4638-BC15-81D6FFD3C7EB}" type="slidenum">
-              <a:rPr lang="pt-BR" smtClean="0"/>
-              <a:pPr>
-                <a:defRPr/>
-              </a:pPr>
-              <a:t>23</a:t>
-            </a:fld>
-            <a:endParaRPr lang="pt-BR"/>
-          </a:p>
-        </p:txBody>
-      </p:sp>
-    </p:spTree>
-  </p:cSld>
-  <p:clrMapOvr>
-    <a:masterClrMapping/>
-  </p:clrMapOvr>
-  <p:timing>
-    <p:tnLst>
-      <p:par>
-        <p:cTn id="1" dur="indefinite" restart="never" nodeType="tmRoot"/>
-      </p:par>
-    </p:tnLst>
-  </p:timing>
-</p:sld>
-</file>
-
-<file path=ppt/slides/slide24.xml><?xml version="1.0" encoding="utf-8"?>
-<p:sld xmlns:a="http://schemas.openxmlformats.org/drawingml/2006/main" xmlns:r="http://schemas.openxmlformats.org/officeDocument/2006/relationships" xmlns:p="http://schemas.openxmlformats.org/presentationml/2006/main">
-  <p:cSld>
-    <p:spTree>
-      <p:nvGrpSpPr>
-        <p:cNvPr id="1" name=""/>
-        <p:cNvGrpSpPr/>
-        <p:nvPr/>
-      </p:nvGrpSpPr>
-      <p:grpSpPr>
-        <a:xfrm>
-          <a:off x="0" y="0"/>
-          <a:ext cx="0" cy="0"/>
-          <a:chOff x="0" y="0"/>
-          <a:chExt cx="0" cy="0"/>
-        </a:xfrm>
-      </p:grpSpPr>
-      <p:sp>
-        <p:nvSpPr>
-          <p:cNvPr id="9218" name="Título 1"/>
+          <p:cNvPr id="18434" name="Título 1"/>
           <p:cNvSpPr>
             <a:spLocks noGrp="1"/>
           </p:cNvSpPr>
@@ -16393,7 +15473,7 @@
           <a:p>
             <a:r>
               <a:rPr lang="pt-BR" dirty="0" err="1" smtClean="0"/>
-              <a:t>SortedSet</a:t>
+              <a:t>Map</a:t>
             </a:r>
             <a:endParaRPr lang="pt-BR" dirty="0" smtClean="0"/>
           </a:p>
@@ -16401,7 +15481,7 @@
       </p:sp>
       <p:sp>
         <p:nvSpPr>
-          <p:cNvPr id="13" name="Espaço Reservado para Conteúdo 12"/>
+          <p:cNvPr id="18435" name="Espaço Reservado para Conteúdo 2"/>
           <p:cNvSpPr>
             <a:spLocks noGrp="1"/>
           </p:cNvSpPr>
@@ -16409,370 +15489,79 @@
             <p:ph idx="1"/>
           </p:nvPr>
         </p:nvSpPr>
-        <p:spPr/>
+        <p:spPr>
+          <a:xfrm>
+            <a:off x="457200" y="1600200"/>
+            <a:ext cx="7859216" cy="4525963"/>
+          </a:xfrm>
+        </p:spPr>
         <p:txBody>
           <a:bodyPr/>
           <a:lstStyle/>
           <a:p>
-            <a:pPr>
+            <a:r>
+              <a:rPr lang="pt-BR" dirty="0" smtClean="0"/>
+              <a:t>Conjunto de dados indexados semelhante a uma lista (</a:t>
+            </a:r>
+            <a:r>
+              <a:rPr lang="pt-BR" dirty="0" err="1" smtClean="0"/>
+              <a:t>List</a:t>
+            </a:r>
+            <a:r>
+              <a:rPr lang="pt-BR" dirty="0" smtClean="0"/>
+              <a:t>).</a:t>
+            </a:r>
+          </a:p>
+          <a:p>
+            <a:pPr lvl="1">
               <a:spcBef>
-                <a:spcPts val="2400"/>
+                <a:spcPts val="3000"/>
               </a:spcBef>
-            </a:pPr>
-            <a:r>
-              <a:rPr lang="pt-BR" sz="2400" u="sng" dirty="0" smtClean="0"/>
-              <a:t>Passo 1</a:t>
-            </a:r>
-            <a:r>
-              <a:rPr lang="pt-BR" sz="2400" dirty="0" smtClean="0"/>
-              <a:t>: Preparando uma classe para colocar suas instâncias em um </a:t>
-            </a:r>
-            <a:r>
-              <a:rPr lang="pt-BR" sz="2400" dirty="0" err="1" smtClean="0"/>
-              <a:t>SortedSet</a:t>
-            </a:r>
-            <a:endParaRPr lang="pt-BR" sz="2400" dirty="0" smtClean="0"/>
-          </a:p>
-          <a:p>
-            <a:pPr marL="1074738" lvl="1" indent="-625475">
+              <a:spcAft>
+                <a:spcPts val="3000"/>
+              </a:spcAft>
+            </a:pPr>
+            <a:r>
+              <a:rPr lang="pt-BR" dirty="0" smtClean="0"/>
+              <a:t>Assim como os outros conjuntos visto neste capítulo, o </a:t>
+            </a:r>
+            <a:r>
+              <a:rPr lang="pt-BR" dirty="0" err="1" smtClean="0"/>
+              <a:t>map</a:t>
+            </a:r>
+            <a:r>
+              <a:rPr lang="pt-BR" dirty="0" smtClean="0"/>
+              <a:t> possui tamanho dinâmico. Pode ser aumentado e diminuído</a:t>
+            </a:r>
+          </a:p>
+          <a:p>
+            <a:pPr lvl="1">
+              <a:buNone/>
+            </a:pPr>
+            <a:r>
+              <a:rPr lang="pt-BR" dirty="0" smtClean="0"/>
+              <a:t>Porém...</a:t>
+            </a:r>
+          </a:p>
+          <a:p>
+            <a:pPr lvl="1">
               <a:spcBef>
-                <a:spcPts val="0"/>
+                <a:spcPts val="3000"/>
               </a:spcBef>
-              <a:buNone/>
-            </a:pPr>
-            <a:endParaRPr lang="pt-BR" sz="2000" dirty="0" smtClean="0"/>
-          </a:p>
-          <a:p>
-            <a:pPr marL="1074738" lvl="1" indent="-625475">
-              <a:spcBef>
-                <a:spcPts val="0"/>
-              </a:spcBef>
-              <a:buNone/>
-            </a:pPr>
-            <a:r>
-              <a:rPr lang="pt-BR" sz="2000" dirty="0" err="1" smtClean="0"/>
-              <a:t>public</a:t>
-            </a:r>
-            <a:r>
-              <a:rPr lang="pt-BR" sz="2000" dirty="0" smtClean="0"/>
-              <a:t> </a:t>
-            </a:r>
-            <a:r>
-              <a:rPr lang="pt-BR" sz="2000" dirty="0" err="1" smtClean="0"/>
-              <a:t>class</a:t>
-            </a:r>
-            <a:r>
-              <a:rPr lang="pt-BR" sz="2000" dirty="0" smtClean="0"/>
-              <a:t> </a:t>
-            </a:r>
-            <a:r>
-              <a:rPr lang="pt-BR" sz="2000" dirty="0" smtClean="0">
-                <a:solidFill>
-                  <a:srgbClr val="FFC000"/>
-                </a:solidFill>
-              </a:rPr>
-              <a:t>Cliente </a:t>
-            </a:r>
-            <a:r>
-              <a:rPr lang="pt-BR" sz="2000" dirty="0" err="1" smtClean="0">
-                <a:solidFill>
-                  <a:srgbClr val="FFC000"/>
-                </a:solidFill>
-              </a:rPr>
-              <a:t>implements</a:t>
-            </a:r>
-            <a:r>
-              <a:rPr lang="pt-BR" sz="2000" dirty="0" smtClean="0">
-                <a:solidFill>
-                  <a:srgbClr val="FFC000"/>
-                </a:solidFill>
-              </a:rPr>
-              <a:t> </a:t>
-            </a:r>
-            <a:r>
-              <a:rPr lang="pt-BR" sz="2000" dirty="0" err="1" smtClean="0">
-                <a:solidFill>
-                  <a:srgbClr val="FFC000"/>
-                </a:solidFill>
-              </a:rPr>
-              <a:t>Comparable</a:t>
-            </a:r>
-            <a:r>
-              <a:rPr lang="pt-BR" sz="2000" dirty="0" smtClean="0">
-                <a:solidFill>
-                  <a:srgbClr val="FFC000"/>
-                </a:solidFill>
-              </a:rPr>
-              <a:t>&lt;Cliente&gt;</a:t>
-            </a:r>
-            <a:r>
-              <a:rPr lang="pt-BR" sz="2000" dirty="0" smtClean="0"/>
-              <a:t> {</a:t>
-            </a:r>
-          </a:p>
-          <a:p>
-            <a:pPr marL="1074738" lvl="1" indent="-625475">
-              <a:spcBef>
-                <a:spcPts val="0"/>
-              </a:spcBef>
-              <a:buNone/>
-            </a:pPr>
-            <a:r>
-              <a:rPr lang="pt-BR" sz="2000" dirty="0" smtClean="0"/>
-              <a:t>	</a:t>
-            </a:r>
-            <a:r>
-              <a:rPr lang="pt-BR" sz="2000" dirty="0" err="1" smtClean="0"/>
-              <a:t>private</a:t>
-            </a:r>
-            <a:r>
-              <a:rPr lang="pt-BR" sz="2000" dirty="0" smtClean="0"/>
-              <a:t> String </a:t>
-            </a:r>
-            <a:r>
-              <a:rPr lang="pt-BR" sz="2000" dirty="0" err="1" smtClean="0"/>
-              <a:t>rg</a:t>
-            </a:r>
-            <a:r>
-              <a:rPr lang="pt-BR" sz="2000" dirty="0" smtClean="0"/>
-              <a:t>;</a:t>
-            </a:r>
-          </a:p>
-          <a:p>
-            <a:pPr marL="1074738" lvl="1" indent="-625475">
-              <a:spcBef>
-                <a:spcPts val="0"/>
-              </a:spcBef>
-              <a:buNone/>
-            </a:pPr>
-            <a:r>
-              <a:rPr lang="pt-BR" sz="2000" dirty="0" smtClean="0"/>
-              <a:t>	</a:t>
-            </a:r>
-            <a:r>
-              <a:rPr lang="pt-BR" sz="2000" dirty="0" err="1" smtClean="0"/>
-              <a:t>private</a:t>
-            </a:r>
-            <a:r>
-              <a:rPr lang="pt-BR" sz="2000" dirty="0" smtClean="0"/>
-              <a:t> String nome;</a:t>
-            </a:r>
-          </a:p>
-          <a:p>
-            <a:pPr marL="1074738" lvl="1" indent="-625475">
-              <a:spcBef>
-                <a:spcPts val="0"/>
-              </a:spcBef>
-              <a:buNone/>
-            </a:pPr>
-            <a:r>
-              <a:rPr lang="pt-BR" sz="2000" dirty="0" smtClean="0"/>
-              <a:t>	</a:t>
-            </a:r>
-            <a:r>
-              <a:rPr lang="pt-BR" sz="2000" dirty="0" err="1" smtClean="0"/>
-              <a:t>private</a:t>
-            </a:r>
-            <a:r>
-              <a:rPr lang="pt-BR" sz="2000" dirty="0" smtClean="0"/>
-              <a:t> String </a:t>
-            </a:r>
-            <a:r>
-              <a:rPr lang="pt-BR" sz="2000" dirty="0" err="1" smtClean="0"/>
-              <a:t>endereco</a:t>
-            </a:r>
-            <a:r>
-              <a:rPr lang="pt-BR" sz="2000" dirty="0" smtClean="0"/>
-              <a:t>;</a:t>
-            </a:r>
-          </a:p>
-          <a:p>
-            <a:pPr marL="1074738" lvl="1" indent="-625475">
-              <a:spcBef>
-                <a:spcPts val="0"/>
-              </a:spcBef>
-              <a:buNone/>
-            </a:pPr>
-            <a:endParaRPr lang="pt-BR" sz="2000" dirty="0" smtClean="0"/>
-          </a:p>
-          <a:p>
-            <a:pPr marL="1074738" lvl="1" indent="-625475">
-              <a:spcBef>
-                <a:spcPts val="0"/>
-              </a:spcBef>
-              <a:buNone/>
-            </a:pPr>
-            <a:r>
-              <a:rPr lang="pt-BR" sz="2000" dirty="0" smtClean="0"/>
-              <a:t>	// ... métodos </a:t>
-            </a:r>
-            <a:r>
-              <a:rPr lang="pt-BR" sz="2000" dirty="0" err="1" smtClean="0"/>
-              <a:t>gets</a:t>
-            </a:r>
-            <a:r>
-              <a:rPr lang="pt-BR" sz="2000" dirty="0" smtClean="0"/>
-              <a:t> e sets</a:t>
-            </a:r>
-          </a:p>
-          <a:p>
-            <a:pPr marL="1074738" lvl="1" indent="-625475">
-              <a:spcBef>
-                <a:spcPts val="0"/>
-              </a:spcBef>
-              <a:buNone/>
-            </a:pPr>
-            <a:endParaRPr lang="pt-BR" sz="2000" dirty="0" smtClean="0"/>
-          </a:p>
-          <a:p>
-            <a:pPr marL="1074738" lvl="1" indent="-625475">
-              <a:spcBef>
-                <a:spcPts val="0"/>
-              </a:spcBef>
-              <a:buNone/>
-            </a:pPr>
-            <a:r>
-              <a:rPr lang="pt-BR" sz="2000" dirty="0" smtClean="0"/>
-              <a:t>	</a:t>
-            </a:r>
-            <a:r>
-              <a:rPr lang="pt-BR" sz="2000" dirty="0" err="1" smtClean="0">
-                <a:solidFill>
-                  <a:srgbClr val="FFC000"/>
-                </a:solidFill>
-              </a:rPr>
-              <a:t>public</a:t>
-            </a:r>
-            <a:r>
-              <a:rPr lang="pt-BR" sz="2000" dirty="0" smtClean="0">
-                <a:solidFill>
-                  <a:srgbClr val="FFC000"/>
-                </a:solidFill>
-              </a:rPr>
-              <a:t> </a:t>
-            </a:r>
-            <a:r>
-              <a:rPr lang="pt-BR" sz="2000" dirty="0" err="1" smtClean="0">
-                <a:solidFill>
-                  <a:srgbClr val="FFC000"/>
-                </a:solidFill>
-              </a:rPr>
-              <a:t>int</a:t>
-            </a:r>
-            <a:r>
-              <a:rPr lang="pt-BR" sz="2000" dirty="0" smtClean="0">
-                <a:solidFill>
-                  <a:srgbClr val="FFC000"/>
-                </a:solidFill>
-              </a:rPr>
-              <a:t> </a:t>
-            </a:r>
-            <a:r>
-              <a:rPr lang="pt-BR" sz="2000" dirty="0" err="1" smtClean="0">
-                <a:solidFill>
-                  <a:srgbClr val="FFC000"/>
-                </a:solidFill>
-              </a:rPr>
-              <a:t>compareTo</a:t>
-            </a:r>
-            <a:r>
-              <a:rPr lang="pt-BR" sz="2000" dirty="0" smtClean="0"/>
-              <a:t>(</a:t>
-            </a:r>
-            <a:r>
-              <a:rPr lang="pt-BR" sz="2000" dirty="0" smtClean="0">
-                <a:solidFill>
-                  <a:srgbClr val="FFC000"/>
-                </a:solidFill>
-              </a:rPr>
-              <a:t>Cliente</a:t>
-            </a:r>
-            <a:r>
-              <a:rPr lang="pt-BR" sz="2000" dirty="0" smtClean="0"/>
-              <a:t> </a:t>
-            </a:r>
-            <a:r>
-              <a:rPr lang="pt-BR" sz="2000" dirty="0" err="1" smtClean="0"/>
-              <a:t>other</a:t>
-            </a:r>
-            <a:r>
-              <a:rPr lang="pt-BR" sz="2000" dirty="0" smtClean="0"/>
-              <a:t>) {</a:t>
-            </a:r>
-          </a:p>
-          <a:p>
-            <a:pPr marL="1074738" lvl="1" indent="-625475">
-              <a:spcBef>
-                <a:spcPts val="0"/>
-              </a:spcBef>
-              <a:buNone/>
-            </a:pPr>
-            <a:r>
-              <a:rPr lang="pt-BR" sz="2000" dirty="0" smtClean="0"/>
-              <a:t>		</a:t>
-            </a:r>
-            <a:r>
-              <a:rPr lang="pt-BR" sz="2000" dirty="0" err="1" smtClean="0"/>
-              <a:t>return</a:t>
-            </a:r>
-            <a:r>
-              <a:rPr lang="pt-BR" sz="2000" dirty="0" smtClean="0"/>
-              <a:t> </a:t>
-            </a:r>
-            <a:r>
-              <a:rPr lang="pt-BR" sz="2000" dirty="0" err="1" smtClean="0"/>
-              <a:t>this</a:t>
-            </a:r>
-            <a:r>
-              <a:rPr lang="pt-BR" sz="2000" dirty="0" smtClean="0"/>
-              <a:t>.nome.</a:t>
-            </a:r>
-            <a:r>
-              <a:rPr lang="pt-BR" sz="2000" dirty="0" err="1" smtClean="0"/>
-              <a:t>compareTo</a:t>
-            </a:r>
-            <a:r>
-              <a:rPr lang="pt-BR" sz="2000" dirty="0" smtClean="0"/>
-              <a:t>(</a:t>
-            </a:r>
-            <a:r>
-              <a:rPr lang="pt-BR" sz="2000" dirty="0" err="1" smtClean="0"/>
-              <a:t>other</a:t>
-            </a:r>
-            <a:r>
-              <a:rPr lang="pt-BR" sz="2000" dirty="0" smtClean="0"/>
-              <a:t>.nome);</a:t>
-            </a:r>
-          </a:p>
-          <a:p>
-            <a:pPr marL="1074738" lvl="1" indent="-625475">
-              <a:spcBef>
-                <a:spcPts val="0"/>
-              </a:spcBef>
-              <a:buNone/>
-            </a:pPr>
-            <a:r>
-              <a:rPr lang="pt-BR" sz="2000" dirty="0" smtClean="0"/>
-              <a:t>	}</a:t>
-            </a:r>
-          </a:p>
-          <a:p>
-            <a:pPr marL="1074738" lvl="1" indent="-625475">
-              <a:spcBef>
-                <a:spcPts val="0"/>
-              </a:spcBef>
-              <a:buNone/>
-            </a:pPr>
-            <a:r>
-              <a:rPr lang="pt-BR" sz="2000" dirty="0" smtClean="0"/>
-              <a:t>}</a:t>
+              <a:spcAft>
+                <a:spcPts val="3000"/>
+              </a:spcAft>
+            </a:pPr>
+            <a:r>
+              <a:rPr lang="pt-BR" dirty="0" smtClean="0"/>
+              <a:t>Também possui índices (chaves), mas estes podem ser Strings ou quaisquer outros objetos.</a:t>
             </a:r>
           </a:p>
         </p:txBody>
       </p:sp>
       <p:sp>
         <p:nvSpPr>
-          <p:cNvPr id="15" name="Espaço Reservado para Número de Slide 14"/>
+          <p:cNvPr id="4" name="Espaço Reservado para Número de Slide 3"/>
           <p:cNvSpPr>
             <a:spLocks noGrp="1"/>
           </p:cNvSpPr>
@@ -16793,7 +15582,7 @@
               <a:pPr>
                 <a:defRPr/>
               </a:pPr>
-              <a:t>24</a:t>
+              <a:t>23</a:t>
             </a:fld>
             <a:endParaRPr lang="pt-BR"/>
           </a:p>
@@ -16814,774 +15603,7 @@
 </p:sld>
 </file>
 
-<file path=ppt/slides/slide25.xml><?xml version="1.0" encoding="utf-8"?>
-<p:sld xmlns:a="http://schemas.openxmlformats.org/drawingml/2006/main" xmlns:r="http://schemas.openxmlformats.org/officeDocument/2006/relationships" xmlns:p="http://schemas.openxmlformats.org/presentationml/2006/main">
-  <p:cSld>
-    <p:spTree>
-      <p:nvGrpSpPr>
-        <p:cNvPr id="1" name=""/>
-        <p:cNvGrpSpPr/>
-        <p:nvPr/>
-      </p:nvGrpSpPr>
-      <p:grpSpPr>
-        <a:xfrm>
-          <a:off x="0" y="0"/>
-          <a:ext cx="0" cy="0"/>
-          <a:chOff x="0" y="0"/>
-          <a:chExt cx="0" cy="0"/>
-        </a:xfrm>
-      </p:grpSpPr>
-      <p:sp>
-        <p:nvSpPr>
-          <p:cNvPr id="9218" name="Título 1"/>
-          <p:cNvSpPr>
-            <a:spLocks noGrp="1"/>
-          </p:cNvSpPr>
-          <p:nvPr>
-            <p:ph type="title"/>
-          </p:nvPr>
-        </p:nvSpPr>
-        <p:spPr>
-          <a:noFill/>
-          <a:ln w="9525">
-            <a:noFill/>
-            <a:miter lim="800000"/>
-            <a:headEnd/>
-            <a:tailEnd/>
-          </a:ln>
-        </p:spPr>
-        <p:txBody>
-          <a:bodyPr vert="horz" wrap="square" lIns="45720" tIns="45720" rIns="45720" bIns="45720" numCol="1" anchor="ctr" anchorCtr="0" compatLnSpc="1">
-            <a:prstTxWarp prst="textNoShape">
-              <a:avLst/>
-            </a:prstTxWarp>
-          </a:bodyPr>
-          <a:lstStyle/>
-          <a:p>
-            <a:r>
-              <a:rPr lang="pt-BR" dirty="0" err="1" smtClean="0"/>
-              <a:t>SortedSet</a:t>
-            </a:r>
-            <a:endParaRPr lang="pt-BR" dirty="0" smtClean="0"/>
-          </a:p>
-        </p:txBody>
-      </p:sp>
-      <p:sp>
-        <p:nvSpPr>
-          <p:cNvPr id="13" name="Espaço Reservado para Conteúdo 12"/>
-          <p:cNvSpPr>
-            <a:spLocks noGrp="1"/>
-          </p:cNvSpPr>
-          <p:nvPr>
-            <p:ph idx="1"/>
-          </p:nvPr>
-        </p:nvSpPr>
-        <p:spPr/>
-        <p:txBody>
-          <a:bodyPr/>
-          <a:lstStyle/>
-          <a:p>
-            <a:pPr>
-              <a:spcBef>
-                <a:spcPts val="2400"/>
-              </a:spcBef>
-            </a:pPr>
-            <a:r>
-              <a:rPr lang="pt-BR" sz="2400" u="sng" dirty="0" smtClean="0"/>
-              <a:t>Passo 2</a:t>
-            </a:r>
-            <a:r>
-              <a:rPr lang="pt-BR" sz="2400" dirty="0" smtClean="0"/>
-              <a:t>: Usando um </a:t>
-            </a:r>
-            <a:r>
-              <a:rPr lang="pt-BR" sz="2400" dirty="0" err="1" smtClean="0"/>
-              <a:t>SortedSet</a:t>
-            </a:r>
-            <a:endParaRPr lang="pt-BR" sz="2400" dirty="0" smtClean="0"/>
-          </a:p>
-          <a:p>
-            <a:pPr marL="1074738" lvl="1" indent="-625475">
-              <a:spcBef>
-                <a:spcPts val="0"/>
-              </a:spcBef>
-              <a:buNone/>
-            </a:pPr>
-            <a:endParaRPr lang="pt-BR" sz="2000" dirty="0" smtClean="0"/>
-          </a:p>
-          <a:p>
-            <a:pPr marL="1074738" lvl="1" indent="-625475">
-              <a:spcBef>
-                <a:spcPts val="0"/>
-              </a:spcBef>
-              <a:buNone/>
-            </a:pPr>
-            <a:endParaRPr lang="pt-BR" sz="2000" dirty="0" smtClean="0"/>
-          </a:p>
-          <a:p>
-            <a:pPr marL="1074738" lvl="1" indent="-625475">
-              <a:spcBef>
-                <a:spcPts val="0"/>
-              </a:spcBef>
-              <a:buNone/>
-            </a:pPr>
-            <a:r>
-              <a:rPr lang="pt-BR" sz="2000" dirty="0" err="1" smtClean="0">
-                <a:solidFill>
-                  <a:srgbClr val="FFC000"/>
-                </a:solidFill>
-              </a:rPr>
-              <a:t>SortedSet</a:t>
-            </a:r>
-            <a:r>
-              <a:rPr lang="pt-BR" sz="2000" dirty="0" smtClean="0">
-                <a:solidFill>
-                  <a:srgbClr val="FFC000"/>
-                </a:solidFill>
-              </a:rPr>
-              <a:t>&lt;Cliente&gt;</a:t>
-            </a:r>
-            <a:r>
-              <a:rPr lang="pt-BR" sz="2000" dirty="0" smtClean="0"/>
-              <a:t> set = </a:t>
-            </a:r>
-            <a:r>
-              <a:rPr lang="pt-BR" sz="2000" dirty="0" err="1" smtClean="0"/>
-              <a:t>new</a:t>
-            </a:r>
-            <a:r>
-              <a:rPr lang="pt-BR" sz="2000" dirty="0" smtClean="0"/>
-              <a:t> </a:t>
-            </a:r>
-            <a:r>
-              <a:rPr lang="pt-BR" sz="2000" dirty="0" err="1" smtClean="0"/>
-              <a:t>TreeSet</a:t>
-            </a:r>
-            <a:r>
-              <a:rPr lang="pt-BR" sz="2000" dirty="0" smtClean="0"/>
-              <a:t>&lt;</a:t>
-            </a:r>
-            <a:r>
-              <a:rPr lang="pt-BR" sz="2000" dirty="0" smtClean="0">
-                <a:solidFill>
-                  <a:srgbClr val="FFC000"/>
-                </a:solidFill>
-              </a:rPr>
-              <a:t>Cliente</a:t>
-            </a:r>
-            <a:r>
-              <a:rPr lang="pt-BR" sz="2000" dirty="0" smtClean="0"/>
-              <a:t>&gt;();</a:t>
-            </a:r>
-          </a:p>
-          <a:p>
-            <a:pPr marL="1074738" lvl="1" indent="-625475">
-              <a:spcBef>
-                <a:spcPts val="0"/>
-              </a:spcBef>
-              <a:buNone/>
-            </a:pPr>
-            <a:endParaRPr lang="pt-BR" sz="2000" dirty="0" smtClean="0"/>
-          </a:p>
-          <a:p>
-            <a:pPr marL="1074738" lvl="1" indent="-625475">
-              <a:spcBef>
-                <a:spcPts val="0"/>
-              </a:spcBef>
-              <a:buNone/>
-            </a:pPr>
-            <a:r>
-              <a:rPr lang="pt-BR" sz="2000" dirty="0" err="1" smtClean="0"/>
-              <a:t>set.</a:t>
-            </a:r>
-            <a:r>
-              <a:rPr lang="pt-BR" sz="2000" dirty="0" err="1" smtClean="0">
-                <a:solidFill>
-                  <a:srgbClr val="FFC000"/>
-                </a:solidFill>
-              </a:rPr>
-              <a:t>add</a:t>
-            </a:r>
-            <a:r>
-              <a:rPr lang="pt-BR" sz="2000" dirty="0" smtClean="0">
-                <a:solidFill>
-                  <a:srgbClr val="FFC000"/>
-                </a:solidFill>
-              </a:rPr>
-              <a:t>(</a:t>
-            </a:r>
-            <a:r>
-              <a:rPr lang="pt-BR" sz="2000" dirty="0" err="1" smtClean="0"/>
-              <a:t>new</a:t>
-            </a:r>
-            <a:r>
-              <a:rPr lang="pt-BR" sz="2000" dirty="0" smtClean="0"/>
-              <a:t> Cliente(“897822-9”, “Manuel”, “Rua 5”)</a:t>
-            </a:r>
-            <a:r>
-              <a:rPr lang="pt-BR" sz="2000" dirty="0" smtClean="0">
-                <a:solidFill>
-                  <a:srgbClr val="FFC000"/>
-                </a:solidFill>
-              </a:rPr>
-              <a:t>)</a:t>
-            </a:r>
-            <a:r>
-              <a:rPr lang="pt-BR" sz="2000" dirty="0" smtClean="0"/>
-              <a:t>;</a:t>
-            </a:r>
-          </a:p>
-          <a:p>
-            <a:pPr marL="1074738" lvl="1" indent="-625475">
-              <a:spcBef>
-                <a:spcPts val="0"/>
-              </a:spcBef>
-              <a:buNone/>
-            </a:pPr>
-            <a:r>
-              <a:rPr lang="pt-BR" sz="2000" dirty="0" err="1" smtClean="0"/>
-              <a:t>set.</a:t>
-            </a:r>
-            <a:r>
-              <a:rPr lang="pt-BR" sz="2000" dirty="0" err="1" smtClean="0">
-                <a:solidFill>
-                  <a:srgbClr val="FFC000"/>
-                </a:solidFill>
-              </a:rPr>
-              <a:t>add</a:t>
-            </a:r>
-            <a:r>
-              <a:rPr lang="pt-BR" sz="2000" dirty="0" smtClean="0">
-                <a:solidFill>
-                  <a:srgbClr val="FFC000"/>
-                </a:solidFill>
-              </a:rPr>
-              <a:t>(</a:t>
-            </a:r>
-            <a:r>
-              <a:rPr lang="pt-BR" sz="2000" dirty="0" err="1" smtClean="0"/>
-              <a:t>new</a:t>
-            </a:r>
-            <a:r>
-              <a:rPr lang="pt-BR" sz="2000" dirty="0" smtClean="0"/>
-              <a:t> Cliente(“76836-7”, “Ricardo”, “Av. Central, 23”)</a:t>
-            </a:r>
-            <a:r>
-              <a:rPr lang="pt-BR" sz="2000" dirty="0" smtClean="0">
-                <a:solidFill>
-                  <a:srgbClr val="FFC000"/>
-                </a:solidFill>
-              </a:rPr>
-              <a:t>)</a:t>
-            </a:r>
-            <a:r>
-              <a:rPr lang="pt-BR" sz="2000" dirty="0" smtClean="0"/>
-              <a:t>;</a:t>
-            </a:r>
-          </a:p>
-          <a:p>
-            <a:pPr marL="1074738" lvl="1" indent="-625475">
-              <a:spcBef>
-                <a:spcPts val="0"/>
-              </a:spcBef>
-              <a:buNone/>
-            </a:pPr>
-            <a:r>
-              <a:rPr lang="pt-BR" sz="2000" dirty="0" err="1" smtClean="0"/>
-              <a:t>set.</a:t>
-            </a:r>
-            <a:r>
-              <a:rPr lang="pt-BR" sz="2000" dirty="0" err="1" smtClean="0">
-                <a:solidFill>
-                  <a:srgbClr val="FFC000"/>
-                </a:solidFill>
-              </a:rPr>
-              <a:t>add</a:t>
-            </a:r>
-            <a:r>
-              <a:rPr lang="pt-BR" sz="2000" dirty="0" smtClean="0">
-                <a:solidFill>
-                  <a:srgbClr val="FFC000"/>
-                </a:solidFill>
-              </a:rPr>
-              <a:t>(</a:t>
-            </a:r>
-            <a:r>
-              <a:rPr lang="pt-BR" sz="2000" dirty="0" err="1" smtClean="0"/>
-              <a:t>new</a:t>
-            </a:r>
-            <a:r>
-              <a:rPr lang="pt-BR" sz="2000" dirty="0" smtClean="0"/>
-              <a:t> Cliente(“3945651-1”, “Joaquim”, “Rua 35”)</a:t>
-            </a:r>
-            <a:r>
-              <a:rPr lang="pt-BR" sz="2000" dirty="0" smtClean="0">
-                <a:solidFill>
-                  <a:srgbClr val="FFC000"/>
-                </a:solidFill>
-              </a:rPr>
-              <a:t>)</a:t>
-            </a:r>
-            <a:r>
-              <a:rPr lang="pt-BR" sz="2000" dirty="0" smtClean="0"/>
-              <a:t>;</a:t>
-            </a:r>
-          </a:p>
-          <a:p>
-            <a:pPr marL="1074738" lvl="1" indent="-625475">
-              <a:spcBef>
-                <a:spcPts val="0"/>
-              </a:spcBef>
-              <a:buNone/>
-            </a:pPr>
-            <a:r>
-              <a:rPr lang="pt-BR" sz="2000" dirty="0" err="1" smtClean="0"/>
-              <a:t>set.</a:t>
-            </a:r>
-            <a:r>
-              <a:rPr lang="pt-BR" sz="2000" dirty="0" err="1" smtClean="0">
-                <a:solidFill>
-                  <a:srgbClr val="FFC000"/>
-                </a:solidFill>
-              </a:rPr>
-              <a:t>add</a:t>
-            </a:r>
-            <a:r>
-              <a:rPr lang="pt-BR" sz="2000" dirty="0" smtClean="0">
-                <a:solidFill>
-                  <a:srgbClr val="FFC000"/>
-                </a:solidFill>
-              </a:rPr>
-              <a:t>(</a:t>
-            </a:r>
-            <a:r>
-              <a:rPr lang="pt-BR" sz="2000" dirty="0" err="1" smtClean="0"/>
-              <a:t>new</a:t>
-            </a:r>
-            <a:r>
-              <a:rPr lang="pt-BR" sz="2000" dirty="0" smtClean="0"/>
-              <a:t> Cliente(“1874309-5”, “Maria”, “Alameda XV”)</a:t>
-            </a:r>
-            <a:r>
-              <a:rPr lang="pt-BR" sz="2000" dirty="0" smtClean="0">
-                <a:solidFill>
-                  <a:srgbClr val="FFC000"/>
-                </a:solidFill>
-              </a:rPr>
-              <a:t>)</a:t>
-            </a:r>
-            <a:r>
-              <a:rPr lang="pt-BR" sz="2000" dirty="0" smtClean="0"/>
-              <a:t>;</a:t>
-            </a:r>
-          </a:p>
-          <a:p>
-            <a:pPr marL="1074738" lvl="1" indent="-625475">
-              <a:spcBef>
-                <a:spcPts val="0"/>
-              </a:spcBef>
-              <a:buNone/>
-            </a:pPr>
-            <a:endParaRPr lang="pt-BR" sz="2000" dirty="0" smtClean="0"/>
-          </a:p>
-          <a:p>
-            <a:pPr marL="1074738" lvl="1" indent="-625475">
-              <a:spcBef>
-                <a:spcPts val="0"/>
-              </a:spcBef>
-              <a:buNone/>
-            </a:pPr>
-            <a:r>
-              <a:rPr lang="pt-BR" sz="2000" dirty="0" smtClean="0">
-                <a:solidFill>
-                  <a:schemeClr val="accent6"/>
-                </a:solidFill>
-              </a:rPr>
-              <a:t>/* Exibe os elementos ordenados por nome */</a:t>
-            </a:r>
-          </a:p>
-          <a:p>
-            <a:pPr marL="1074738" lvl="1" indent="-625475">
-              <a:spcBef>
-                <a:spcPts val="0"/>
-              </a:spcBef>
-              <a:buNone/>
-            </a:pPr>
-            <a:r>
-              <a:rPr lang="pt-BR" sz="2000" dirty="0" smtClean="0"/>
-              <a:t>for (Cliente c : set) {</a:t>
-            </a:r>
-          </a:p>
-          <a:p>
-            <a:pPr marL="1074738" lvl="1" indent="-625475">
-              <a:spcBef>
-                <a:spcPts val="0"/>
-              </a:spcBef>
-              <a:buNone/>
-            </a:pPr>
-            <a:r>
-              <a:rPr lang="pt-BR" sz="2000" dirty="0" smtClean="0"/>
-              <a:t>	System.</a:t>
-            </a:r>
-            <a:r>
-              <a:rPr lang="pt-BR" sz="2000" dirty="0" err="1" smtClean="0"/>
-              <a:t>out.println</a:t>
-            </a:r>
-            <a:r>
-              <a:rPr lang="pt-BR" sz="2000" dirty="0" smtClean="0"/>
-              <a:t>(</a:t>
-            </a:r>
-            <a:r>
-              <a:rPr lang="pt-BR" sz="2000" dirty="0" err="1" smtClean="0"/>
-              <a:t>c.getNome</a:t>
-            </a:r>
-            <a:r>
-              <a:rPr lang="pt-BR" sz="2000" dirty="0" smtClean="0"/>
-              <a:t>());</a:t>
-            </a:r>
-          </a:p>
-          <a:p>
-            <a:pPr marL="1074738" lvl="1" indent="-625475">
-              <a:spcBef>
-                <a:spcPts val="0"/>
-              </a:spcBef>
-              <a:buNone/>
-            </a:pPr>
-            <a:r>
-              <a:rPr lang="pt-BR" sz="2000" dirty="0" smtClean="0"/>
-              <a:t>}</a:t>
-            </a:r>
-          </a:p>
-        </p:txBody>
-      </p:sp>
-      <p:sp>
-        <p:nvSpPr>
-          <p:cNvPr id="15" name="Espaço Reservado para Número de Slide 14"/>
-          <p:cNvSpPr>
-            <a:spLocks noGrp="1"/>
-          </p:cNvSpPr>
-          <p:nvPr>
-            <p:ph type="sldNum" sz="quarter" idx="12"/>
-          </p:nvPr>
-        </p:nvSpPr>
-        <p:spPr/>
-        <p:txBody>
-          <a:bodyPr/>
-          <a:lstStyle/>
-          <a:p>
-            <a:pPr>
-              <a:defRPr/>
-            </a:pPr>
-            <a:fld id="{7E263EA5-71DF-4638-BC15-81D6FFD3C7EB}" type="slidenum">
-              <a:rPr lang="pt-BR" smtClean="0"/>
-              <a:pPr>
-                <a:defRPr/>
-              </a:pPr>
-              <a:t>25</a:t>
-            </a:fld>
-            <a:endParaRPr lang="pt-BR"/>
-          </a:p>
-        </p:txBody>
-      </p:sp>
-      <p:grpSp>
-        <p:nvGrpSpPr>
-          <p:cNvPr id="5" name="Grupo 9"/>
-          <p:cNvGrpSpPr/>
-          <p:nvPr/>
-        </p:nvGrpSpPr>
-        <p:grpSpPr>
-          <a:xfrm>
-            <a:off x="3851920" y="1700808"/>
-            <a:ext cx="4536877" cy="1296343"/>
-            <a:chOff x="4211960" y="1556792"/>
-            <a:chExt cx="4536877" cy="1296343"/>
-          </a:xfrm>
-        </p:grpSpPr>
-        <p:sp>
-          <p:nvSpPr>
-            <p:cNvPr id="6" name="Rectangle 7"/>
-            <p:cNvSpPr>
-              <a:spLocks noChangeArrowheads="1"/>
-            </p:cNvSpPr>
-            <p:nvPr/>
-          </p:nvSpPr>
-          <p:spPr bwMode="auto">
-            <a:xfrm>
-              <a:off x="4211960" y="2348880"/>
-              <a:ext cx="2880320" cy="504255"/>
-            </a:xfrm>
-            <a:prstGeom prst="rect">
-              <a:avLst/>
-            </a:prstGeom>
-            <a:noFill/>
-            <a:ln w="38160">
-              <a:solidFill>
-                <a:srgbClr val="FFC000"/>
-              </a:solidFill>
-              <a:prstDash val="sysDot"/>
-              <a:miter lim="800000"/>
-              <a:headEnd/>
-              <a:tailEnd/>
-            </a:ln>
-          </p:spPr>
-          <p:txBody>
-            <a:bodyPr wrap="none" anchor="ctr"/>
-            <a:lstStyle/>
-            <a:p>
-              <a:endParaRPr lang="pt-BR"/>
-            </a:p>
-          </p:txBody>
-        </p:sp>
-        <p:sp>
-          <p:nvSpPr>
-            <p:cNvPr id="7" name="CaixaDeTexto 6"/>
-            <p:cNvSpPr txBox="1"/>
-            <p:nvPr/>
-          </p:nvSpPr>
-          <p:spPr bwMode="auto">
-            <a:xfrm>
-              <a:off x="6444208" y="1556792"/>
-              <a:ext cx="2304629" cy="584775"/>
-            </a:xfrm>
-            <a:prstGeom prst="rect">
-              <a:avLst/>
-            </a:prstGeom>
-            <a:noFill/>
-            <a:ln w="28575">
-              <a:solidFill>
-                <a:schemeClr val="tx1"/>
-              </a:solidFill>
-            </a:ln>
-          </p:spPr>
-          <p:txBody>
-            <a:bodyPr wrap="square">
-              <a:spAutoFit/>
-            </a:bodyPr>
-            <a:lstStyle/>
-            <a:p>
-              <a:pPr algn="ctr">
-                <a:defRPr/>
-              </a:pPr>
-              <a:r>
-                <a:rPr lang="pt-BR" sz="1600" dirty="0" smtClean="0">
-                  <a:latin typeface="+mn-lt"/>
-                </a:rPr>
-                <a:t>Alguma implementação de </a:t>
-              </a:r>
-              <a:r>
-                <a:rPr lang="pt-BR" sz="1600" dirty="0" err="1" smtClean="0">
-                  <a:latin typeface="+mn-lt"/>
-                </a:rPr>
-                <a:t>SortedSet</a:t>
-              </a:r>
-              <a:endParaRPr lang="pt-BR" sz="1600" dirty="0">
-                <a:latin typeface="+mn-lt"/>
-              </a:endParaRPr>
-            </a:p>
-          </p:txBody>
-        </p:sp>
-        <p:grpSp>
-          <p:nvGrpSpPr>
-            <p:cNvPr id="8" name="Grupo 19"/>
-            <p:cNvGrpSpPr>
-              <a:grpSpLocks/>
-            </p:cNvGrpSpPr>
-            <p:nvPr/>
-          </p:nvGrpSpPr>
-          <p:grpSpPr bwMode="auto">
-            <a:xfrm flipV="1">
-              <a:off x="5796136" y="1844822"/>
-              <a:ext cx="646906" cy="504057"/>
-              <a:chOff x="2195736" y="5229200"/>
-              <a:chExt cx="648072" cy="505644"/>
-            </a:xfrm>
-          </p:grpSpPr>
-          <p:cxnSp>
-            <p:nvCxnSpPr>
-              <p:cNvPr id="9" name="Conector de seta reta 10"/>
-              <p:cNvCxnSpPr>
-                <a:cxnSpLocks noChangeShapeType="1"/>
-              </p:cNvCxnSpPr>
-              <p:nvPr/>
-            </p:nvCxnSpPr>
-            <p:spPr bwMode="auto">
-              <a:xfrm rot="5400000" flipH="1" flipV="1">
-                <a:off x="1943708" y="5481228"/>
-                <a:ext cx="505644" cy="1588"/>
-              </a:xfrm>
-              <a:prstGeom prst="straightConnector1">
-                <a:avLst/>
-              </a:prstGeom>
-              <a:noFill/>
-              <a:ln w="31750" algn="ctr">
-                <a:solidFill>
-                  <a:schemeClr val="tx1"/>
-                </a:solidFill>
-                <a:round/>
-                <a:headEnd/>
-                <a:tailEnd type="arrow" w="med" len="med"/>
-              </a:ln>
-            </p:spPr>
-          </p:cxnSp>
-          <p:cxnSp>
-            <p:nvCxnSpPr>
-              <p:cNvPr id="10" name="Conector de seta reta 15"/>
-              <p:cNvCxnSpPr>
-                <a:cxnSpLocks noChangeShapeType="1"/>
-              </p:cNvCxnSpPr>
-              <p:nvPr/>
-            </p:nvCxnSpPr>
-            <p:spPr bwMode="auto">
-              <a:xfrm rot="10800000">
-                <a:off x="2195736" y="5733256"/>
-                <a:ext cx="648072" cy="1588"/>
-              </a:xfrm>
-              <a:prstGeom prst="straightConnector1">
-                <a:avLst/>
-              </a:prstGeom>
-              <a:noFill/>
-              <a:ln w="31750" algn="ctr">
-                <a:solidFill>
-                  <a:schemeClr val="tx1"/>
-                </a:solidFill>
-                <a:round/>
-                <a:headEnd/>
-                <a:tailEnd/>
-              </a:ln>
-            </p:spPr>
-          </p:cxnSp>
-        </p:grpSp>
-      </p:grpSp>
-    </p:spTree>
-  </p:cSld>
-  <p:clrMapOvr>
-    <a:masterClrMapping/>
-  </p:clrMapOvr>
-  <p:timing>
-    <p:tnLst>
-      <p:par>
-        <p:cTn id="1" dur="indefinite" restart="never" nodeType="tmRoot">
-          <p:childTnLst>
-            <p:seq concurrent="1" nextAc="seek">
-              <p:cTn id="2" dur="indefinite" nodeType="mainSeq">
-                <p:childTnLst>
-                  <p:par>
-                    <p:cTn id="3" fill="hold">
-                      <p:stCondLst>
-                        <p:cond delay="indefinite"/>
-                      </p:stCondLst>
-                      <p:childTnLst>
-                        <p:par>
-                          <p:cTn id="4" fill="hold">
-                            <p:stCondLst>
-                              <p:cond delay="0"/>
-                            </p:stCondLst>
-                            <p:childTnLst>
-                              <p:par>
-                                <p:cTn id="5" presetID="2" presetClass="entr" presetSubtype="2" fill="hold" nodeType="clickEffect">
-                                  <p:stCondLst>
-                                    <p:cond delay="0"/>
-                                  </p:stCondLst>
-                                  <p:childTnLst>
-                                    <p:set>
-                                      <p:cBhvr>
-                                        <p:cTn id="6" dur="1" fill="hold">
-                                          <p:stCondLst>
-                                            <p:cond delay="0"/>
-                                          </p:stCondLst>
-                                        </p:cTn>
-                                        <p:tgtEl>
-                                          <p:spTgt spid="5"/>
-                                        </p:tgtEl>
-                                        <p:attrNameLst>
-                                          <p:attrName>style.visibility</p:attrName>
-                                        </p:attrNameLst>
-                                      </p:cBhvr>
-                                      <p:to>
-                                        <p:strVal val="visible"/>
-                                      </p:to>
-                                    </p:set>
-                                    <p:anim calcmode="lin" valueType="num">
-                                      <p:cBhvr additive="base">
-                                        <p:cTn id="7" dur="500" fill="hold"/>
-                                        <p:tgtEl>
-                                          <p:spTgt spid="5"/>
-                                        </p:tgtEl>
-                                        <p:attrNameLst>
-                                          <p:attrName>ppt_x</p:attrName>
-                                        </p:attrNameLst>
-                                      </p:cBhvr>
-                                      <p:tavLst>
-                                        <p:tav tm="0">
-                                          <p:val>
-                                            <p:strVal val="1+#ppt_w/2"/>
-                                          </p:val>
-                                        </p:tav>
-                                        <p:tav tm="100000">
-                                          <p:val>
-                                            <p:strVal val="#ppt_x"/>
-                                          </p:val>
-                                        </p:tav>
-                                      </p:tavLst>
-                                    </p:anim>
-                                    <p:anim calcmode="lin" valueType="num">
-                                      <p:cBhvr additive="base">
-                                        <p:cTn id="8" dur="500" fill="hold"/>
-                                        <p:tgtEl>
-                                          <p:spTgt spid="5"/>
-                                        </p:tgtEl>
-                                        <p:attrNameLst>
-                                          <p:attrName>ppt_y</p:attrName>
-                                        </p:attrNameLst>
-                                      </p:cBhvr>
-                                      <p:tavLst>
-                                        <p:tav tm="0">
-                                          <p:val>
-                                            <p:strVal val="#ppt_y"/>
-                                          </p:val>
-                                        </p:tav>
-                                        <p:tav tm="100000">
-                                          <p:val>
-                                            <p:strVal val="#ppt_y"/>
-                                          </p:val>
-                                        </p:tav>
-                                      </p:tavLst>
-                                    </p:anim>
-                                  </p:childTnLst>
-                                </p:cTn>
-                              </p:par>
-                            </p:childTnLst>
-                          </p:cTn>
-                        </p:par>
-                      </p:childTnLst>
-                    </p:cTn>
-                  </p:par>
-                </p:childTnLst>
-              </p:cTn>
-              <p:prevCondLst>
-                <p:cond evt="onPrev" delay="0">
-                  <p:tgtEl>
-                    <p:sldTgt/>
-                  </p:tgtEl>
-                </p:cond>
-              </p:prevCondLst>
-              <p:nextCondLst>
-                <p:cond evt="onNext" delay="0">
-                  <p:tgtEl>
-                    <p:sldTgt/>
-                  </p:tgtEl>
-                </p:cond>
-              </p:nextCondLst>
-            </p:seq>
-          </p:childTnLst>
-        </p:cTn>
-      </p:par>
-    </p:tnLst>
-  </p:timing>
-</p:sld>
-</file>
-
-<file path=ppt/slides/slide26.xml><?xml version="1.0" encoding="utf-8"?>
+<file path=ppt/slides/slide24.xml><?xml version="1.0" encoding="utf-8"?>
 <p:sld xmlns:a="http://schemas.openxmlformats.org/drawingml/2006/main" xmlns:r="http://schemas.openxmlformats.org/officeDocument/2006/relationships" xmlns:p="http://schemas.openxmlformats.org/presentationml/2006/main">
   <p:cSld>
     <p:spTree>
@@ -17631,79 +15653,9 @@
           <a:p>
             <a:r>
               <a:rPr lang="pt-BR" dirty="0" err="1" smtClean="0"/>
-              <a:t>SortedSet</a:t>
+              <a:t>Map</a:t>
             </a:r>
             <a:endParaRPr lang="pt-BR" dirty="0" smtClean="0"/>
-          </a:p>
-        </p:txBody>
-      </p:sp>
-      <p:sp>
-        <p:nvSpPr>
-          <p:cNvPr id="13" name="Espaço Reservado para Conteúdo 12"/>
-          <p:cNvSpPr>
-            <a:spLocks noGrp="1"/>
-          </p:cNvSpPr>
-          <p:nvPr>
-            <p:ph idx="1"/>
-          </p:nvPr>
-        </p:nvSpPr>
-        <p:spPr/>
-        <p:txBody>
-          <a:bodyPr/>
-          <a:lstStyle/>
-          <a:p>
-            <a:pPr>
-              <a:spcBef>
-                <a:spcPts val="2400"/>
-              </a:spcBef>
-            </a:pPr>
-            <a:r>
-              <a:rPr lang="pt-BR" sz="2400" dirty="0" smtClean="0"/>
-              <a:t>Outra forma de utilizarmos um </a:t>
-            </a:r>
-            <a:r>
-              <a:rPr lang="pt-BR" sz="2400" dirty="0" err="1" smtClean="0"/>
-              <a:t>SortedSet</a:t>
-            </a:r>
-            <a:r>
-              <a:rPr lang="pt-BR" sz="2400" dirty="0" smtClean="0"/>
-              <a:t> é definir o critério de classificação em uma classe isolada que implementa a interface </a:t>
-            </a:r>
-            <a:r>
-              <a:rPr lang="pt-BR" sz="2400" u="sng" dirty="0" err="1" smtClean="0"/>
-              <a:t>Comparator</a:t>
-            </a:r>
-            <a:r>
-              <a:rPr lang="pt-BR" sz="2400" dirty="0" smtClean="0"/>
-              <a:t>.</a:t>
-            </a:r>
-          </a:p>
-          <a:p>
-            <a:pPr>
-              <a:spcBef>
-                <a:spcPts val="2400"/>
-              </a:spcBef>
-            </a:pPr>
-            <a:r>
-              <a:rPr lang="pt-BR" sz="2400" dirty="0" smtClean="0"/>
-              <a:t>Desta forma, devemos criar um </a:t>
-            </a:r>
-            <a:r>
-              <a:rPr lang="pt-BR" sz="2400" dirty="0" err="1" smtClean="0"/>
-              <a:t>Comparator</a:t>
-            </a:r>
-            <a:r>
-              <a:rPr lang="pt-BR" sz="2400" dirty="0" smtClean="0"/>
-              <a:t> específico para a classificação desejada e assinalar sua instância no </a:t>
-            </a:r>
-            <a:r>
-              <a:rPr lang="pt-BR" sz="2400" dirty="0" err="1" smtClean="0"/>
-              <a:t>SortedSet</a:t>
-            </a:r>
-            <a:r>
-              <a:rPr lang="pt-BR" sz="2400" dirty="0" smtClean="0"/>
-              <a:t> a ser utilizado antes de adicionar qualquer objeto nele.</a:t>
-            </a:r>
           </a:p>
         </p:txBody>
       </p:sp>
@@ -17730,1583 +15682,7 @@
               <a:pPr>
                 <a:defRPr/>
               </a:pPr>
-              <a:t>26</a:t>
-            </a:fld>
-            <a:endParaRPr lang="pt-BR"/>
-          </a:p>
-        </p:txBody>
-      </p:sp>
-    </p:spTree>
-  </p:cSld>
-  <p:clrMapOvr>
-    <a:masterClrMapping/>
-  </p:clrMapOvr>
-  <p:timing>
-    <p:tnLst>
-      <p:par>
-        <p:cTn id="1" dur="indefinite" restart="never" nodeType="tmRoot"/>
-      </p:par>
-    </p:tnLst>
-  </p:timing>
-</p:sld>
-</file>
-
-<file path=ppt/slides/slide27.xml><?xml version="1.0" encoding="utf-8"?>
-<p:sld xmlns:a="http://schemas.openxmlformats.org/drawingml/2006/main" xmlns:r="http://schemas.openxmlformats.org/officeDocument/2006/relationships" xmlns:p="http://schemas.openxmlformats.org/presentationml/2006/main">
-  <p:cSld>
-    <p:spTree>
-      <p:nvGrpSpPr>
-        <p:cNvPr id="1" name=""/>
-        <p:cNvGrpSpPr/>
-        <p:nvPr/>
-      </p:nvGrpSpPr>
-      <p:grpSpPr>
-        <a:xfrm>
-          <a:off x="0" y="0"/>
-          <a:ext cx="0" cy="0"/>
-          <a:chOff x="0" y="0"/>
-          <a:chExt cx="0" cy="0"/>
-        </a:xfrm>
-      </p:grpSpPr>
-      <p:sp>
-        <p:nvSpPr>
-          <p:cNvPr id="9218" name="Título 1"/>
-          <p:cNvSpPr>
-            <a:spLocks noGrp="1"/>
-          </p:cNvSpPr>
-          <p:nvPr>
-            <p:ph type="title"/>
-          </p:nvPr>
-        </p:nvSpPr>
-        <p:spPr>
-          <a:noFill/>
-          <a:ln w="9525">
-            <a:noFill/>
-            <a:miter lim="800000"/>
-            <a:headEnd/>
-            <a:tailEnd/>
-          </a:ln>
-        </p:spPr>
-        <p:txBody>
-          <a:bodyPr vert="horz" wrap="square" lIns="45720" tIns="45720" rIns="45720" bIns="45720" numCol="1" anchor="ctr" anchorCtr="0" compatLnSpc="1">
-            <a:prstTxWarp prst="textNoShape">
-              <a:avLst/>
-            </a:prstTxWarp>
-          </a:bodyPr>
-          <a:lstStyle/>
-          <a:p>
-            <a:r>
-              <a:rPr lang="pt-BR" dirty="0" err="1" smtClean="0"/>
-              <a:t>SortedSet</a:t>
-            </a:r>
-            <a:endParaRPr lang="pt-BR" dirty="0" smtClean="0"/>
-          </a:p>
-        </p:txBody>
-      </p:sp>
-      <p:sp>
-        <p:nvSpPr>
-          <p:cNvPr id="13" name="Espaço Reservado para Conteúdo 12"/>
-          <p:cNvSpPr>
-            <a:spLocks noGrp="1"/>
-          </p:cNvSpPr>
-          <p:nvPr>
-            <p:ph idx="1"/>
-          </p:nvPr>
-        </p:nvSpPr>
-        <p:spPr>
-          <a:xfrm>
-            <a:off x="457200" y="1196752"/>
-            <a:ext cx="7467600" cy="4525963"/>
-          </a:xfrm>
-        </p:spPr>
-        <p:txBody>
-          <a:bodyPr/>
-          <a:lstStyle/>
-          <a:p>
-            <a:pPr>
-              <a:spcBef>
-                <a:spcPts val="2400"/>
-              </a:spcBef>
-            </a:pPr>
-            <a:r>
-              <a:rPr lang="pt-BR" sz="2400" dirty="0" err="1" smtClean="0"/>
-              <a:t>SortedSet</a:t>
-            </a:r>
-            <a:r>
-              <a:rPr lang="pt-BR" sz="2400" dirty="0" smtClean="0"/>
-              <a:t> com </a:t>
-            </a:r>
-            <a:r>
-              <a:rPr lang="pt-BR" sz="2400" dirty="0" err="1" smtClean="0"/>
-              <a:t>Comparator</a:t>
-            </a:r>
-            <a:endParaRPr lang="pt-BR" sz="2400" dirty="0" smtClean="0"/>
-          </a:p>
-          <a:p>
-            <a:pPr marL="1074738" lvl="1" indent="-625475">
-              <a:spcBef>
-                <a:spcPts val="0"/>
-              </a:spcBef>
-              <a:buNone/>
-            </a:pPr>
-            <a:endParaRPr lang="pt-BR" sz="2000" dirty="0" smtClean="0"/>
-          </a:p>
-          <a:p>
-            <a:pPr marL="449263" lvl="1" indent="0" defTabSz="900113">
-              <a:spcBef>
-                <a:spcPts val="0"/>
-              </a:spcBef>
-              <a:buNone/>
-              <a:tabLst>
-                <a:tab pos="900113" algn="l"/>
-                <a:tab pos="1349375" algn="l"/>
-                <a:tab pos="1800225" algn="l"/>
-              </a:tabLst>
-            </a:pPr>
-            <a:r>
-              <a:rPr lang="pt-BR" sz="2000" dirty="0" err="1" smtClean="0">
-                <a:solidFill>
-                  <a:srgbClr val="FFC000"/>
-                </a:solidFill>
-              </a:rPr>
-              <a:t>SortedSet</a:t>
-            </a:r>
-            <a:r>
-              <a:rPr lang="pt-BR" sz="2000" dirty="0" smtClean="0">
-                <a:solidFill>
-                  <a:srgbClr val="FFC000"/>
-                </a:solidFill>
-              </a:rPr>
-              <a:t>&lt;Cliente&gt;</a:t>
-            </a:r>
-            <a:r>
-              <a:rPr lang="pt-BR" sz="2000" dirty="0" smtClean="0"/>
-              <a:t> set = </a:t>
-            </a:r>
-            <a:r>
-              <a:rPr lang="pt-BR" sz="2000" dirty="0" err="1" smtClean="0"/>
-              <a:t>new</a:t>
-            </a:r>
-            <a:r>
-              <a:rPr lang="pt-BR" sz="2000" dirty="0" smtClean="0"/>
-              <a:t> </a:t>
-            </a:r>
-            <a:r>
-              <a:rPr lang="pt-BR" sz="2000" dirty="0" err="1" smtClean="0"/>
-              <a:t>TreeSet</a:t>
-            </a:r>
-            <a:r>
-              <a:rPr lang="pt-BR" sz="2000" dirty="0" smtClean="0"/>
-              <a:t>&lt;</a:t>
-            </a:r>
-            <a:r>
-              <a:rPr lang="pt-BR" sz="2000" dirty="0" smtClean="0">
-                <a:solidFill>
-                  <a:srgbClr val="FFC000"/>
-                </a:solidFill>
-              </a:rPr>
-              <a:t>Cliente</a:t>
-            </a:r>
-            <a:r>
-              <a:rPr lang="pt-BR" sz="2000" dirty="0" smtClean="0"/>
-              <a:t>&gt;(</a:t>
-            </a:r>
-          </a:p>
-          <a:p>
-            <a:pPr marL="449263" lvl="1" indent="0" defTabSz="900113">
-              <a:spcBef>
-                <a:spcPts val="0"/>
-              </a:spcBef>
-              <a:buNone/>
-              <a:tabLst>
-                <a:tab pos="900113" algn="l"/>
-                <a:tab pos="1349375" algn="l"/>
-                <a:tab pos="1800225" algn="l"/>
-              </a:tabLst>
-            </a:pPr>
-            <a:r>
-              <a:rPr lang="pt-BR" sz="2000" dirty="0" smtClean="0"/>
-              <a:t>	</a:t>
-            </a:r>
-            <a:r>
-              <a:rPr lang="pt-BR" sz="2000" dirty="0" err="1" smtClean="0"/>
-              <a:t>new</a:t>
-            </a:r>
-            <a:r>
-              <a:rPr lang="pt-BR" sz="2000" dirty="0" smtClean="0"/>
-              <a:t> </a:t>
-            </a:r>
-            <a:r>
-              <a:rPr lang="pt-BR" sz="2000" dirty="0" err="1" smtClean="0"/>
-              <a:t>Comparator</a:t>
-            </a:r>
-            <a:r>
-              <a:rPr lang="pt-BR" sz="2000" dirty="0" smtClean="0"/>
-              <a:t>&lt;Cliente&gt;() {</a:t>
-            </a:r>
-          </a:p>
-          <a:p>
-            <a:pPr marL="449263" lvl="1" indent="0" defTabSz="900113">
-              <a:spcBef>
-                <a:spcPts val="0"/>
-              </a:spcBef>
-              <a:buNone/>
-              <a:tabLst>
-                <a:tab pos="900113" algn="l"/>
-                <a:tab pos="1349375" algn="l"/>
-                <a:tab pos="1800225" algn="l"/>
-              </a:tabLst>
-            </a:pPr>
-            <a:r>
-              <a:rPr lang="pt-BR" sz="2000" dirty="0" smtClean="0"/>
-              <a:t>		</a:t>
-            </a:r>
-            <a:r>
-              <a:rPr lang="pt-BR" sz="2000" dirty="0" err="1" smtClean="0"/>
-              <a:t>public</a:t>
-            </a:r>
-            <a:r>
-              <a:rPr lang="pt-BR" sz="2000" dirty="0" smtClean="0"/>
-              <a:t> </a:t>
-            </a:r>
-            <a:r>
-              <a:rPr lang="pt-BR" sz="2000" dirty="0" err="1" smtClean="0"/>
-              <a:t>int</a:t>
-            </a:r>
-            <a:r>
-              <a:rPr lang="pt-BR" sz="2000" dirty="0" smtClean="0"/>
-              <a:t> compare(Cliente c1, Cliente c2) {</a:t>
-            </a:r>
-          </a:p>
-          <a:p>
-            <a:pPr marL="449263" lvl="1" indent="0" defTabSz="900113">
-              <a:spcBef>
-                <a:spcPts val="0"/>
-              </a:spcBef>
-              <a:buNone/>
-              <a:tabLst>
-                <a:tab pos="900113" algn="l"/>
-                <a:tab pos="1349375" algn="l"/>
-                <a:tab pos="1800225" algn="l"/>
-              </a:tabLst>
-            </a:pPr>
-            <a:r>
-              <a:rPr lang="pt-BR" sz="2000" dirty="0" smtClean="0"/>
-              <a:t>			</a:t>
-            </a:r>
-            <a:r>
-              <a:rPr lang="pt-BR" sz="2000" dirty="0" err="1" smtClean="0"/>
-              <a:t>return</a:t>
-            </a:r>
-            <a:r>
-              <a:rPr lang="pt-BR" sz="2000" dirty="0" smtClean="0"/>
-              <a:t> c1.</a:t>
-            </a:r>
-            <a:r>
-              <a:rPr lang="pt-BR" sz="2000" dirty="0" err="1" smtClean="0"/>
-              <a:t>getRg</a:t>
-            </a:r>
-            <a:r>
-              <a:rPr lang="pt-BR" sz="2000" dirty="0" smtClean="0"/>
-              <a:t>().</a:t>
-            </a:r>
-            <a:r>
-              <a:rPr lang="pt-BR" sz="2000" dirty="0" err="1" smtClean="0"/>
-              <a:t>compareTo</a:t>
-            </a:r>
-            <a:r>
-              <a:rPr lang="pt-BR" sz="2000" dirty="0" smtClean="0"/>
-              <a:t>(c2.</a:t>
-            </a:r>
-            <a:r>
-              <a:rPr lang="pt-BR" sz="2000" dirty="0" err="1" smtClean="0"/>
-              <a:t>getRg</a:t>
-            </a:r>
-            <a:r>
-              <a:rPr lang="pt-BR" sz="2000" dirty="0" smtClean="0"/>
-              <a:t>());</a:t>
-            </a:r>
-          </a:p>
-          <a:p>
-            <a:pPr marL="449263" lvl="1" indent="0" defTabSz="900113">
-              <a:spcBef>
-                <a:spcPts val="0"/>
-              </a:spcBef>
-              <a:buNone/>
-              <a:tabLst>
-                <a:tab pos="900113" algn="l"/>
-                <a:tab pos="1349375" algn="l"/>
-                <a:tab pos="1800225" algn="l"/>
-              </a:tabLst>
-            </a:pPr>
-            <a:r>
-              <a:rPr lang="pt-BR" sz="2000" dirty="0" smtClean="0"/>
-              <a:t>		}</a:t>
-            </a:r>
-          </a:p>
-          <a:p>
-            <a:pPr marL="449263" lvl="1" indent="0" defTabSz="900113">
-              <a:spcBef>
-                <a:spcPts val="0"/>
-              </a:spcBef>
-              <a:buNone/>
-              <a:tabLst>
-                <a:tab pos="900113" algn="l"/>
-                <a:tab pos="1349375" algn="l"/>
-                <a:tab pos="1800225" algn="l"/>
-              </a:tabLst>
-            </a:pPr>
-            <a:r>
-              <a:rPr lang="pt-BR" sz="2000" dirty="0" smtClean="0"/>
-              <a:t>	});</a:t>
-            </a:r>
-          </a:p>
-          <a:p>
-            <a:pPr marL="449263" lvl="1" indent="0" defTabSz="900113">
-              <a:spcBef>
-                <a:spcPts val="0"/>
-              </a:spcBef>
-              <a:buNone/>
-              <a:tabLst>
-                <a:tab pos="900113" algn="l"/>
-                <a:tab pos="1349375" algn="l"/>
-                <a:tab pos="1800225" algn="l"/>
-              </a:tabLst>
-            </a:pPr>
-            <a:r>
-              <a:rPr lang="pt-BR" sz="2000" dirty="0" err="1" smtClean="0"/>
-              <a:t>set.</a:t>
-            </a:r>
-            <a:r>
-              <a:rPr lang="pt-BR" sz="2000" dirty="0" err="1" smtClean="0">
-                <a:solidFill>
-                  <a:srgbClr val="FFC000"/>
-                </a:solidFill>
-              </a:rPr>
-              <a:t>add</a:t>
-            </a:r>
-            <a:r>
-              <a:rPr lang="pt-BR" sz="2000" dirty="0" smtClean="0">
-                <a:solidFill>
-                  <a:srgbClr val="FFC000"/>
-                </a:solidFill>
-              </a:rPr>
-              <a:t>(</a:t>
-            </a:r>
-            <a:r>
-              <a:rPr lang="pt-BR" sz="2000" dirty="0" err="1" smtClean="0"/>
-              <a:t>new</a:t>
-            </a:r>
-            <a:r>
-              <a:rPr lang="pt-BR" sz="2000" dirty="0" smtClean="0"/>
-              <a:t> Cliente(“897822-9”, “Manuel”, “Rua 5”)</a:t>
-            </a:r>
-            <a:r>
-              <a:rPr lang="pt-BR" sz="2000" dirty="0" smtClean="0">
-                <a:solidFill>
-                  <a:srgbClr val="FFC000"/>
-                </a:solidFill>
-              </a:rPr>
-              <a:t>)</a:t>
-            </a:r>
-            <a:r>
-              <a:rPr lang="pt-BR" sz="2000" dirty="0" smtClean="0"/>
-              <a:t>;</a:t>
-            </a:r>
-          </a:p>
-          <a:p>
-            <a:pPr marL="449263" lvl="1" indent="0" defTabSz="900113">
-              <a:spcBef>
-                <a:spcPts val="0"/>
-              </a:spcBef>
-              <a:buNone/>
-              <a:tabLst>
-                <a:tab pos="900113" algn="l"/>
-                <a:tab pos="1349375" algn="l"/>
-                <a:tab pos="1800225" algn="l"/>
-              </a:tabLst>
-            </a:pPr>
-            <a:r>
-              <a:rPr lang="pt-BR" sz="2000" dirty="0" err="1" smtClean="0"/>
-              <a:t>set.</a:t>
-            </a:r>
-            <a:r>
-              <a:rPr lang="pt-BR" sz="2000" dirty="0" err="1" smtClean="0">
-                <a:solidFill>
-                  <a:srgbClr val="FFC000"/>
-                </a:solidFill>
-              </a:rPr>
-              <a:t>add</a:t>
-            </a:r>
-            <a:r>
-              <a:rPr lang="pt-BR" sz="2000" dirty="0" smtClean="0">
-                <a:solidFill>
-                  <a:srgbClr val="FFC000"/>
-                </a:solidFill>
-              </a:rPr>
-              <a:t>(</a:t>
-            </a:r>
-            <a:r>
-              <a:rPr lang="pt-BR" sz="2000" dirty="0" err="1" smtClean="0"/>
-              <a:t>new</a:t>
-            </a:r>
-            <a:r>
-              <a:rPr lang="pt-BR" sz="2000" dirty="0" smtClean="0"/>
-              <a:t> Cliente(“76836-7”, “Ricardo”, “Av. Central, 23”)</a:t>
-            </a:r>
-            <a:r>
-              <a:rPr lang="pt-BR" sz="2000" dirty="0" smtClean="0">
-                <a:solidFill>
-                  <a:srgbClr val="FFC000"/>
-                </a:solidFill>
-              </a:rPr>
-              <a:t>)</a:t>
-            </a:r>
-            <a:r>
-              <a:rPr lang="pt-BR" sz="2000" dirty="0" smtClean="0"/>
-              <a:t>;</a:t>
-            </a:r>
-          </a:p>
-          <a:p>
-            <a:pPr marL="449263" lvl="1" indent="0" defTabSz="900113">
-              <a:spcBef>
-                <a:spcPts val="0"/>
-              </a:spcBef>
-              <a:buNone/>
-              <a:tabLst>
-                <a:tab pos="900113" algn="l"/>
-                <a:tab pos="1349375" algn="l"/>
-                <a:tab pos="1800225" algn="l"/>
-              </a:tabLst>
-            </a:pPr>
-            <a:r>
-              <a:rPr lang="pt-BR" sz="2000" dirty="0" err="1" smtClean="0"/>
-              <a:t>set.</a:t>
-            </a:r>
-            <a:r>
-              <a:rPr lang="pt-BR" sz="2000" dirty="0" err="1" smtClean="0">
-                <a:solidFill>
-                  <a:srgbClr val="FFC000"/>
-                </a:solidFill>
-              </a:rPr>
-              <a:t>add</a:t>
-            </a:r>
-            <a:r>
-              <a:rPr lang="pt-BR" sz="2000" dirty="0" smtClean="0">
-                <a:solidFill>
-                  <a:srgbClr val="FFC000"/>
-                </a:solidFill>
-              </a:rPr>
-              <a:t>(</a:t>
-            </a:r>
-            <a:r>
-              <a:rPr lang="pt-BR" sz="2000" dirty="0" err="1" smtClean="0"/>
-              <a:t>new</a:t>
-            </a:r>
-            <a:r>
-              <a:rPr lang="pt-BR" sz="2000" dirty="0" smtClean="0"/>
-              <a:t> Cliente(“3945651-1”, “Joaquim”, “Rua 35”)</a:t>
-            </a:r>
-            <a:r>
-              <a:rPr lang="pt-BR" sz="2000" dirty="0" smtClean="0">
-                <a:solidFill>
-                  <a:srgbClr val="FFC000"/>
-                </a:solidFill>
-              </a:rPr>
-              <a:t>)</a:t>
-            </a:r>
-            <a:r>
-              <a:rPr lang="pt-BR" sz="2000" dirty="0" smtClean="0"/>
-              <a:t>;</a:t>
-            </a:r>
-          </a:p>
-          <a:p>
-            <a:pPr marL="449263" lvl="1" indent="0" defTabSz="900113">
-              <a:spcBef>
-                <a:spcPts val="0"/>
-              </a:spcBef>
-              <a:buNone/>
-              <a:tabLst>
-                <a:tab pos="900113" algn="l"/>
-                <a:tab pos="1349375" algn="l"/>
-                <a:tab pos="1800225" algn="l"/>
-              </a:tabLst>
-            </a:pPr>
-            <a:r>
-              <a:rPr lang="pt-BR" sz="2000" dirty="0" err="1" smtClean="0"/>
-              <a:t>set.</a:t>
-            </a:r>
-            <a:r>
-              <a:rPr lang="pt-BR" sz="2000" dirty="0" err="1" smtClean="0">
-                <a:solidFill>
-                  <a:srgbClr val="FFC000"/>
-                </a:solidFill>
-              </a:rPr>
-              <a:t>add</a:t>
-            </a:r>
-            <a:r>
-              <a:rPr lang="pt-BR" sz="2000" dirty="0" smtClean="0">
-                <a:solidFill>
-                  <a:srgbClr val="FFC000"/>
-                </a:solidFill>
-              </a:rPr>
-              <a:t>(</a:t>
-            </a:r>
-            <a:r>
-              <a:rPr lang="pt-BR" sz="2000" dirty="0" err="1" smtClean="0"/>
-              <a:t>new</a:t>
-            </a:r>
-            <a:r>
-              <a:rPr lang="pt-BR" sz="2000" dirty="0" smtClean="0"/>
-              <a:t> Cliente(“1874309-5”, “Maria”, “Alameda XV”)</a:t>
-            </a:r>
-            <a:r>
-              <a:rPr lang="pt-BR" sz="2000" dirty="0" smtClean="0">
-                <a:solidFill>
-                  <a:srgbClr val="FFC000"/>
-                </a:solidFill>
-              </a:rPr>
-              <a:t>)</a:t>
-            </a:r>
-            <a:r>
-              <a:rPr lang="pt-BR" sz="2000" dirty="0" smtClean="0"/>
-              <a:t>;</a:t>
-            </a:r>
-          </a:p>
-          <a:p>
-            <a:pPr marL="449263" lvl="1" indent="0" defTabSz="900113">
-              <a:spcBef>
-                <a:spcPts val="0"/>
-              </a:spcBef>
-              <a:buNone/>
-              <a:tabLst>
-                <a:tab pos="900113" algn="l"/>
-                <a:tab pos="1349375" algn="l"/>
-                <a:tab pos="1800225" algn="l"/>
-              </a:tabLst>
-            </a:pPr>
-            <a:endParaRPr lang="pt-BR" sz="2000" dirty="0" smtClean="0"/>
-          </a:p>
-          <a:p>
-            <a:pPr marL="449263" lvl="1" indent="0" defTabSz="900113">
-              <a:spcBef>
-                <a:spcPts val="0"/>
-              </a:spcBef>
-              <a:buNone/>
-              <a:tabLst>
-                <a:tab pos="900113" algn="l"/>
-                <a:tab pos="1349375" algn="l"/>
-                <a:tab pos="1800225" algn="l"/>
-              </a:tabLst>
-            </a:pPr>
-            <a:r>
-              <a:rPr lang="pt-BR" sz="2000" dirty="0" smtClean="0">
-                <a:solidFill>
-                  <a:schemeClr val="accent6"/>
-                </a:solidFill>
-              </a:rPr>
-              <a:t>/* Exibe os elementos ordenados pelo RG */</a:t>
-            </a:r>
-          </a:p>
-          <a:p>
-            <a:pPr marL="449263" lvl="1" indent="0" defTabSz="900113">
-              <a:spcBef>
-                <a:spcPts val="0"/>
-              </a:spcBef>
-              <a:buNone/>
-              <a:tabLst>
-                <a:tab pos="900113" algn="l"/>
-                <a:tab pos="1349375" algn="l"/>
-                <a:tab pos="1800225" algn="l"/>
-              </a:tabLst>
-            </a:pPr>
-            <a:r>
-              <a:rPr lang="pt-BR" sz="2000" dirty="0" smtClean="0"/>
-              <a:t>for (Cliente c : set) {</a:t>
-            </a:r>
-          </a:p>
-          <a:p>
-            <a:pPr marL="449263" lvl="1" indent="0" defTabSz="900113">
-              <a:spcBef>
-                <a:spcPts val="0"/>
-              </a:spcBef>
-              <a:buNone/>
-              <a:tabLst>
-                <a:tab pos="900113" algn="l"/>
-                <a:tab pos="1349375" algn="l"/>
-                <a:tab pos="1800225" algn="l"/>
-              </a:tabLst>
-            </a:pPr>
-            <a:r>
-              <a:rPr lang="pt-BR" sz="2000" dirty="0" smtClean="0"/>
-              <a:t>	System.</a:t>
-            </a:r>
-            <a:r>
-              <a:rPr lang="pt-BR" sz="2000" dirty="0" err="1" smtClean="0"/>
-              <a:t>out.println</a:t>
-            </a:r>
-            <a:r>
-              <a:rPr lang="pt-BR" sz="2000" dirty="0" smtClean="0"/>
-              <a:t>(</a:t>
-            </a:r>
-            <a:r>
-              <a:rPr lang="pt-BR" sz="2000" dirty="0" err="1" smtClean="0"/>
-              <a:t>c.getNome</a:t>
-            </a:r>
-            <a:r>
-              <a:rPr lang="pt-BR" sz="2000" dirty="0" smtClean="0"/>
-              <a:t>());</a:t>
-            </a:r>
-          </a:p>
-          <a:p>
-            <a:pPr marL="449263" lvl="1" indent="0" defTabSz="900113">
-              <a:spcBef>
-                <a:spcPts val="0"/>
-              </a:spcBef>
-              <a:buNone/>
-              <a:tabLst>
-                <a:tab pos="900113" algn="l"/>
-                <a:tab pos="1349375" algn="l"/>
-                <a:tab pos="1800225" algn="l"/>
-              </a:tabLst>
-            </a:pPr>
-            <a:r>
-              <a:rPr lang="pt-BR" sz="2000" dirty="0" smtClean="0"/>
-              <a:t>}</a:t>
-            </a:r>
-          </a:p>
-        </p:txBody>
-      </p:sp>
-      <p:sp>
-        <p:nvSpPr>
-          <p:cNvPr id="15" name="Espaço Reservado para Número de Slide 14"/>
-          <p:cNvSpPr>
-            <a:spLocks noGrp="1"/>
-          </p:cNvSpPr>
-          <p:nvPr>
-            <p:ph type="sldNum" sz="quarter" idx="12"/>
-          </p:nvPr>
-        </p:nvSpPr>
-        <p:spPr/>
-        <p:txBody>
-          <a:bodyPr/>
-          <a:lstStyle/>
-          <a:p>
-            <a:pPr>
-              <a:defRPr/>
-            </a:pPr>
-            <a:fld id="{7E263EA5-71DF-4638-BC15-81D6FFD3C7EB}" type="slidenum">
-              <a:rPr lang="pt-BR" smtClean="0"/>
-              <a:pPr>
-                <a:defRPr/>
-              </a:pPr>
-              <a:t>27</a:t>
-            </a:fld>
-            <a:endParaRPr lang="pt-BR"/>
-          </a:p>
-        </p:txBody>
-      </p:sp>
-    </p:spTree>
-  </p:cSld>
-  <p:clrMapOvr>
-    <a:masterClrMapping/>
-  </p:clrMapOvr>
-  <p:timing>
-    <p:tnLst>
-      <p:par>
-        <p:cTn id="1" dur="indefinite" restart="never" nodeType="tmRoot"/>
-      </p:par>
-    </p:tnLst>
-  </p:timing>
-</p:sld>
-</file>
-
-<file path=ppt/slides/slide28.xml><?xml version="1.0" encoding="utf-8"?>
-<p:sld xmlns:a="http://schemas.openxmlformats.org/drawingml/2006/main" xmlns:r="http://schemas.openxmlformats.org/officeDocument/2006/relationships" xmlns:p="http://schemas.openxmlformats.org/presentationml/2006/main">
-  <p:cSld>
-    <p:spTree>
-      <p:nvGrpSpPr>
-        <p:cNvPr id="1" name=""/>
-        <p:cNvGrpSpPr/>
-        <p:nvPr/>
-      </p:nvGrpSpPr>
-      <p:grpSpPr>
-        <a:xfrm>
-          <a:off x="0" y="0"/>
-          <a:ext cx="0" cy="0"/>
-          <a:chOff x="0" y="0"/>
-          <a:chExt cx="0" cy="0"/>
-        </a:xfrm>
-      </p:grpSpPr>
-      <p:sp>
-        <p:nvSpPr>
-          <p:cNvPr id="9218" name="Título 1"/>
-          <p:cNvSpPr>
-            <a:spLocks noGrp="1"/>
-          </p:cNvSpPr>
-          <p:nvPr>
-            <p:ph type="title"/>
-          </p:nvPr>
-        </p:nvSpPr>
-        <p:spPr>
-          <a:xfrm>
-            <a:off x="457200" y="274638"/>
-            <a:ext cx="8075240" cy="1143000"/>
-          </a:xfrm>
-        </p:spPr>
-        <p:txBody>
-          <a:bodyPr/>
-          <a:lstStyle/>
-          <a:p>
-            <a:pPr eaLnBrk="1" hangingPunct="1"/>
-            <a:r>
-              <a:rPr lang="pt-BR" sz="4400" dirty="0" err="1" smtClean="0"/>
-              <a:t>SortedSet</a:t>
-            </a:r>
-            <a:r>
-              <a:rPr lang="pt-BR" sz="4400" dirty="0" smtClean="0"/>
-              <a:t> – Principais métodos</a:t>
-            </a:r>
-          </a:p>
-        </p:txBody>
-      </p:sp>
-      <p:sp>
-        <p:nvSpPr>
-          <p:cNvPr id="13" name="Espaço Reservado para Conteúdo 12"/>
-          <p:cNvSpPr>
-            <a:spLocks noGrp="1"/>
-          </p:cNvSpPr>
-          <p:nvPr>
-            <p:ph idx="1"/>
-          </p:nvPr>
-        </p:nvSpPr>
-        <p:spPr>
-          <a:xfrm>
-            <a:off x="457200" y="1600200"/>
-            <a:ext cx="7931224" cy="4525963"/>
-          </a:xfrm>
-        </p:spPr>
-        <p:txBody>
-          <a:bodyPr/>
-          <a:lstStyle/>
-          <a:p>
-            <a:pPr>
-              <a:spcBef>
-                <a:spcPts val="1200"/>
-              </a:spcBef>
-            </a:pPr>
-            <a:r>
-              <a:rPr lang="pt-BR" sz="2000" dirty="0" err="1" smtClean="0"/>
-              <a:t>first</a:t>
-            </a:r>
-            <a:r>
-              <a:rPr lang="pt-BR" sz="2000" dirty="0" smtClean="0"/>
-              <a:t>()</a:t>
-            </a:r>
-          </a:p>
-          <a:p>
-            <a:pPr lvl="1">
-              <a:spcBef>
-                <a:spcPts val="600"/>
-              </a:spcBef>
-            </a:pPr>
-            <a:r>
-              <a:rPr lang="pt-BR" sz="1800" dirty="0" smtClean="0"/>
-              <a:t>Retorna o menor elemento do conjunto</a:t>
-            </a:r>
-          </a:p>
-          <a:p>
-            <a:pPr>
-              <a:spcBef>
-                <a:spcPts val="1200"/>
-              </a:spcBef>
-            </a:pPr>
-            <a:r>
-              <a:rPr lang="pt-BR" sz="2000" dirty="0" err="1" smtClean="0"/>
-              <a:t>last</a:t>
-            </a:r>
-            <a:r>
-              <a:rPr lang="pt-BR" sz="2000" dirty="0" smtClean="0"/>
-              <a:t>()</a:t>
-            </a:r>
-          </a:p>
-          <a:p>
-            <a:pPr lvl="1">
-              <a:spcBef>
-                <a:spcPts val="600"/>
-              </a:spcBef>
-            </a:pPr>
-            <a:r>
-              <a:rPr lang="pt-BR" sz="1800" dirty="0" smtClean="0"/>
-              <a:t>Retorna o maior elemento do conjunto</a:t>
-            </a:r>
-          </a:p>
-          <a:p>
-            <a:pPr>
-              <a:spcBef>
-                <a:spcPts val="1200"/>
-              </a:spcBef>
-            </a:pPr>
-            <a:r>
-              <a:rPr lang="pt-BR" sz="2000" dirty="0" err="1" smtClean="0"/>
-              <a:t>headSet</a:t>
-            </a:r>
-            <a:r>
-              <a:rPr lang="pt-BR" sz="2000" dirty="0" smtClean="0"/>
-              <a:t>(T)</a:t>
-            </a:r>
-          </a:p>
-          <a:p>
-            <a:pPr lvl="1">
-              <a:spcBef>
-                <a:spcPts val="600"/>
-              </a:spcBef>
-            </a:pPr>
-            <a:r>
-              <a:rPr lang="pt-BR" sz="1800" dirty="0" smtClean="0"/>
-              <a:t>Retorna  um subconjunto também ordenado contendo todos os elementos </a:t>
-            </a:r>
-            <a:r>
-              <a:rPr lang="pt-BR" sz="1800" b="1" dirty="0" smtClean="0"/>
-              <a:t>menores</a:t>
-            </a:r>
-            <a:r>
-              <a:rPr lang="pt-BR" sz="1800" dirty="0" smtClean="0"/>
-              <a:t> que T</a:t>
-            </a:r>
-          </a:p>
-          <a:p>
-            <a:pPr>
-              <a:spcBef>
-                <a:spcPts val="1200"/>
-              </a:spcBef>
-            </a:pPr>
-            <a:r>
-              <a:rPr lang="pt-BR" sz="2000" dirty="0" err="1" smtClean="0"/>
-              <a:t>tailSet</a:t>
-            </a:r>
-            <a:r>
-              <a:rPr lang="pt-BR" sz="2000" dirty="0" smtClean="0"/>
-              <a:t>(T)</a:t>
-            </a:r>
-          </a:p>
-          <a:p>
-            <a:pPr lvl="1">
-              <a:spcBef>
-                <a:spcPts val="600"/>
-              </a:spcBef>
-            </a:pPr>
-            <a:r>
-              <a:rPr lang="pt-BR" sz="1800" dirty="0" smtClean="0"/>
-              <a:t>Retorna um subconjunto também ordenado contendo todos os elementos </a:t>
-            </a:r>
-            <a:r>
-              <a:rPr lang="pt-BR" sz="1800" b="1" dirty="0" smtClean="0"/>
-              <a:t>maiores</a:t>
-            </a:r>
-            <a:r>
-              <a:rPr lang="pt-BR" sz="1800" dirty="0" smtClean="0"/>
-              <a:t> que T</a:t>
-            </a:r>
-          </a:p>
-          <a:p>
-            <a:pPr>
-              <a:spcBef>
-                <a:spcPts val="1200"/>
-              </a:spcBef>
-            </a:pPr>
-            <a:r>
-              <a:rPr lang="pt-BR" sz="2000" dirty="0" smtClean="0"/>
-              <a:t>subSet(T, T)</a:t>
-            </a:r>
-          </a:p>
-          <a:p>
-            <a:pPr lvl="1">
-              <a:spcBef>
-                <a:spcPts val="600"/>
-              </a:spcBef>
-            </a:pPr>
-            <a:r>
-              <a:rPr lang="pt-BR" sz="1800" dirty="0" smtClean="0"/>
-              <a:t>Retorna um subconjunto também ordenado contendo todos os elementos </a:t>
-            </a:r>
-            <a:r>
-              <a:rPr lang="pt-BR" sz="1800" b="1" dirty="0" smtClean="0"/>
-              <a:t>entre os dois itens</a:t>
-            </a:r>
-            <a:r>
-              <a:rPr lang="pt-BR" sz="1800" dirty="0" smtClean="0"/>
-              <a:t> especificados</a:t>
-            </a:r>
-          </a:p>
-        </p:txBody>
-      </p:sp>
-      <p:sp>
-        <p:nvSpPr>
-          <p:cNvPr id="15" name="Espaço Reservado para Número de Slide 14"/>
-          <p:cNvSpPr>
-            <a:spLocks noGrp="1"/>
-          </p:cNvSpPr>
-          <p:nvPr>
-            <p:ph type="sldNum" sz="quarter" idx="12"/>
-          </p:nvPr>
-        </p:nvSpPr>
-        <p:spPr/>
-        <p:txBody>
-          <a:bodyPr/>
-          <a:lstStyle/>
-          <a:p>
-            <a:pPr>
-              <a:defRPr/>
-            </a:pPr>
-            <a:fld id="{7E263EA5-71DF-4638-BC15-81D6FFD3C7EB}" type="slidenum">
-              <a:rPr lang="pt-BR" smtClean="0"/>
-              <a:pPr>
-                <a:defRPr/>
-              </a:pPr>
-              <a:t>28</a:t>
-            </a:fld>
-            <a:endParaRPr lang="pt-BR"/>
-          </a:p>
-        </p:txBody>
-      </p:sp>
-    </p:spTree>
-  </p:cSld>
-  <p:clrMapOvr>
-    <a:masterClrMapping/>
-  </p:clrMapOvr>
-  <p:timing>
-    <p:tnLst>
-      <p:par>
-        <p:cTn id="1" dur="indefinite" restart="never" nodeType="tmRoot"/>
-      </p:par>
-    </p:tnLst>
-  </p:timing>
-</p:sld>
-</file>
-
-<file path=ppt/slides/slide29.xml><?xml version="1.0" encoding="utf-8"?>
-<p:sld xmlns:a="http://schemas.openxmlformats.org/drawingml/2006/main" xmlns:r="http://schemas.openxmlformats.org/officeDocument/2006/relationships" xmlns:p="http://schemas.openxmlformats.org/presentationml/2006/main">
-  <p:cSld>
-    <p:spTree>
-      <p:nvGrpSpPr>
-        <p:cNvPr id="1" name=""/>
-        <p:cNvGrpSpPr/>
-        <p:nvPr/>
-      </p:nvGrpSpPr>
-      <p:grpSpPr>
-        <a:xfrm>
-          <a:off x="0" y="0"/>
-          <a:ext cx="0" cy="0"/>
-          <a:chOff x="0" y="0"/>
-          <a:chExt cx="0" cy="0"/>
-        </a:xfrm>
-      </p:grpSpPr>
-      <p:sp>
-        <p:nvSpPr>
-          <p:cNvPr id="9218" name="Título 1"/>
-          <p:cNvSpPr>
-            <a:spLocks noGrp="1"/>
-          </p:cNvSpPr>
-          <p:nvPr>
-            <p:ph type="title"/>
-          </p:nvPr>
-        </p:nvSpPr>
-        <p:spPr>
-          <a:xfrm>
-            <a:off x="457200" y="274638"/>
-            <a:ext cx="8507288" cy="1143000"/>
-          </a:xfrm>
-          <a:noFill/>
-          <a:ln w="9525">
-            <a:noFill/>
-            <a:miter lim="800000"/>
-            <a:headEnd/>
-            <a:tailEnd/>
-          </a:ln>
-        </p:spPr>
-        <p:txBody>
-          <a:bodyPr vert="horz" wrap="square" lIns="45720" tIns="45720" rIns="45720" bIns="45720" numCol="1" anchor="ctr" anchorCtr="0" compatLnSpc="1">
-            <a:prstTxWarp prst="textNoShape">
-              <a:avLst/>
-            </a:prstTxWarp>
-          </a:bodyPr>
-          <a:lstStyle/>
-          <a:p>
-            <a:r>
-              <a:rPr lang="pt-BR" sz="4200" spc="-150" dirty="0" err="1" smtClean="0"/>
-              <a:t>SortedSet</a:t>
-            </a:r>
-            <a:r>
-              <a:rPr lang="pt-BR" sz="4200" spc="-150" dirty="0" smtClean="0"/>
-              <a:t> – Principal implementação</a:t>
-            </a:r>
-          </a:p>
-        </p:txBody>
-      </p:sp>
-      <p:sp>
-        <p:nvSpPr>
-          <p:cNvPr id="13" name="Espaço Reservado para Conteúdo 12"/>
-          <p:cNvSpPr>
-            <a:spLocks noGrp="1"/>
-          </p:cNvSpPr>
-          <p:nvPr>
-            <p:ph idx="1"/>
-          </p:nvPr>
-        </p:nvSpPr>
-        <p:spPr/>
-        <p:txBody>
-          <a:bodyPr/>
-          <a:lstStyle/>
-          <a:p>
-            <a:pPr>
-              <a:spcBef>
-                <a:spcPts val="1200"/>
-              </a:spcBef>
-            </a:pPr>
-            <a:r>
-              <a:rPr lang="pt-BR" sz="3200" dirty="0" err="1" smtClean="0"/>
-              <a:t>TreeSet</a:t>
-            </a:r>
-            <a:endParaRPr lang="pt-BR" sz="3200" dirty="0" smtClean="0"/>
-          </a:p>
-          <a:p>
-            <a:pPr lvl="1">
-              <a:spcBef>
-                <a:spcPts val="600"/>
-              </a:spcBef>
-            </a:pPr>
-            <a:endParaRPr lang="pt-BR" sz="2400" dirty="0" smtClean="0"/>
-          </a:p>
-          <a:p>
-            <a:pPr lvl="1">
-              <a:spcBef>
-                <a:spcPts val="1800"/>
-              </a:spcBef>
-            </a:pPr>
-            <a:r>
-              <a:rPr lang="pt-BR" sz="2400" dirty="0" smtClean="0"/>
-              <a:t>Uma simples implementação da interface </a:t>
-            </a:r>
-            <a:r>
-              <a:rPr lang="pt-BR" sz="2400" dirty="0" err="1" smtClean="0"/>
-              <a:t>SortedSet</a:t>
-            </a:r>
-            <a:r>
-              <a:rPr lang="pt-BR" sz="2400" dirty="0" smtClean="0"/>
-              <a:t>. Como tal, garante a ordenação natural dos elementos adicionados ao set.</a:t>
-            </a:r>
-          </a:p>
-          <a:p>
-            <a:pPr lvl="1">
-              <a:spcBef>
-                <a:spcPts val="1800"/>
-              </a:spcBef>
-            </a:pPr>
-            <a:r>
-              <a:rPr lang="pt-BR" sz="2400" dirty="0" smtClean="0"/>
-              <a:t>Conforme definido pela interface </a:t>
-            </a:r>
-            <a:r>
-              <a:rPr lang="pt-BR" sz="2400" dirty="0" err="1" smtClean="0"/>
-              <a:t>SortedSet</a:t>
-            </a:r>
-            <a:r>
-              <a:rPr lang="pt-BR" sz="2400" dirty="0" smtClean="0"/>
-              <a:t>, esta classe permite a utilização de um </a:t>
-            </a:r>
-            <a:r>
-              <a:rPr lang="pt-BR" sz="2400" dirty="0" err="1" smtClean="0"/>
-              <a:t>Comparator</a:t>
-            </a:r>
-            <a:r>
-              <a:rPr lang="pt-BR" sz="2400" dirty="0" smtClean="0"/>
-              <a:t> para definir uma ordenação diferente da ordenação natural.</a:t>
-            </a:r>
-          </a:p>
-        </p:txBody>
-      </p:sp>
-      <p:sp>
-        <p:nvSpPr>
-          <p:cNvPr id="15" name="Espaço Reservado para Número de Slide 14"/>
-          <p:cNvSpPr>
-            <a:spLocks noGrp="1"/>
-          </p:cNvSpPr>
-          <p:nvPr>
-            <p:ph type="sldNum" sz="quarter" idx="12"/>
-          </p:nvPr>
-        </p:nvSpPr>
-        <p:spPr/>
-        <p:txBody>
-          <a:bodyPr/>
-          <a:lstStyle/>
-          <a:p>
-            <a:pPr>
-              <a:defRPr/>
-            </a:pPr>
-            <a:fld id="{7E263EA5-71DF-4638-BC15-81D6FFD3C7EB}" type="slidenum">
-              <a:rPr lang="pt-BR" smtClean="0"/>
-              <a:pPr>
-                <a:defRPr/>
-              </a:pPr>
-              <a:t>29</a:t>
-            </a:fld>
-            <a:endParaRPr lang="pt-BR"/>
-          </a:p>
-        </p:txBody>
-      </p:sp>
-    </p:spTree>
-  </p:cSld>
-  <p:clrMapOvr>
-    <a:masterClrMapping/>
-  </p:clrMapOvr>
-  <p:timing>
-    <p:tnLst>
-      <p:par>
-        <p:cTn id="1" dur="indefinite" restart="never" nodeType="tmRoot"/>
-      </p:par>
-    </p:tnLst>
-  </p:timing>
-</p:sld>
-</file>
-
-<file path=ppt/slides/slide3.xml><?xml version="1.0" encoding="utf-8"?>
-<p:sld xmlns:a="http://schemas.openxmlformats.org/drawingml/2006/main" xmlns:r="http://schemas.openxmlformats.org/officeDocument/2006/relationships" xmlns:p="http://schemas.openxmlformats.org/presentationml/2006/main">
-  <p:cSld>
-    <p:spTree>
-      <p:nvGrpSpPr>
-        <p:cNvPr id="1" name=""/>
-        <p:cNvGrpSpPr/>
-        <p:nvPr/>
-      </p:nvGrpSpPr>
-      <p:grpSpPr>
-        <a:xfrm>
-          <a:off x="0" y="0"/>
-          <a:ext cx="0" cy="0"/>
-          <a:chOff x="0" y="0"/>
-          <a:chExt cx="0" cy="0"/>
-        </a:xfrm>
-      </p:grpSpPr>
-      <p:sp>
-        <p:nvSpPr>
-          <p:cNvPr id="2" name="Título 1"/>
-          <p:cNvSpPr>
-            <a:spLocks noGrp="1"/>
-          </p:cNvSpPr>
-          <p:nvPr>
-            <p:ph type="title"/>
-          </p:nvPr>
-        </p:nvSpPr>
-        <p:spPr>
-          <a:noFill/>
-          <a:ln w="9525">
-            <a:noFill/>
-            <a:miter lim="800000"/>
-            <a:headEnd/>
-            <a:tailEnd/>
-          </a:ln>
-        </p:spPr>
-        <p:txBody>
-          <a:bodyPr vert="horz" wrap="square" lIns="45720" tIns="45720" rIns="45720" bIns="45720" numCol="1" anchor="ctr" anchorCtr="0" compatLnSpc="1">
-            <a:prstTxWarp prst="textNoShape">
-              <a:avLst/>
-            </a:prstTxWarp>
-          </a:bodyPr>
-          <a:lstStyle/>
-          <a:p>
-            <a:r>
-              <a:rPr lang="pt-BR" dirty="0" smtClean="0"/>
-              <a:t>Introdução</a:t>
-            </a:r>
-            <a:endParaRPr lang="pt-BR" dirty="0"/>
-          </a:p>
-        </p:txBody>
-      </p:sp>
-      <p:sp>
-        <p:nvSpPr>
-          <p:cNvPr id="3" name="Espaço Reservado para Conteúdo 2"/>
-          <p:cNvSpPr>
-            <a:spLocks noGrp="1"/>
-          </p:cNvSpPr>
-          <p:nvPr>
-            <p:ph idx="1"/>
-          </p:nvPr>
-        </p:nvSpPr>
-        <p:spPr/>
-        <p:txBody>
-          <a:bodyPr/>
-          <a:lstStyle/>
-          <a:p>
-            <a:pPr>
-              <a:spcBef>
-                <a:spcPts val="3000"/>
-              </a:spcBef>
-            </a:pPr>
-            <a:r>
-              <a:rPr lang="pt-BR" dirty="0" smtClean="0"/>
-              <a:t>Os </a:t>
-            </a:r>
-            <a:r>
-              <a:rPr lang="pt-BR" dirty="0" err="1" smtClean="0"/>
-              <a:t>arrays</a:t>
-            </a:r>
-            <a:r>
-              <a:rPr lang="pt-BR" dirty="0" smtClean="0"/>
-              <a:t> são estruturas de dados simples para armazenamento de conjuntos de informações</a:t>
-            </a:r>
-          </a:p>
-          <a:p>
-            <a:pPr>
-              <a:spcBef>
-                <a:spcPts val="3000"/>
-              </a:spcBef>
-            </a:pPr>
-            <a:r>
-              <a:rPr lang="pt-BR" dirty="0" smtClean="0"/>
-              <a:t>São bem eficientes, porém possuem limitações:</a:t>
-            </a:r>
-          </a:p>
-          <a:p>
-            <a:pPr lvl="1">
-              <a:spcBef>
-                <a:spcPts val="1200"/>
-              </a:spcBef>
-            </a:pPr>
-            <a:r>
-              <a:rPr lang="pt-BR" dirty="0" err="1" smtClean="0"/>
-              <a:t>Arrays</a:t>
-            </a:r>
-            <a:r>
-              <a:rPr lang="pt-BR" dirty="0" smtClean="0"/>
-              <a:t> possuem tamanho fixo</a:t>
-            </a:r>
-          </a:p>
-          <a:p>
-            <a:pPr lvl="1">
-              <a:spcBef>
-                <a:spcPts val="1200"/>
-              </a:spcBef>
-            </a:pPr>
-            <a:r>
-              <a:rPr lang="pt-BR" dirty="0" err="1" smtClean="0"/>
-              <a:t>Arrays</a:t>
-            </a:r>
-            <a:r>
-              <a:rPr lang="pt-BR" dirty="0" smtClean="0"/>
-              <a:t> não possuem nenhum mecanismo automático de classificação (</a:t>
-            </a:r>
-            <a:r>
-              <a:rPr lang="pt-BR" dirty="0" err="1" smtClean="0"/>
-              <a:t>sort</a:t>
-            </a:r>
-            <a:r>
-              <a:rPr lang="pt-BR" dirty="0" smtClean="0"/>
-              <a:t>)</a:t>
-            </a:r>
-            <a:endParaRPr lang="pt-BR" dirty="0"/>
-          </a:p>
-        </p:txBody>
-      </p:sp>
-      <p:sp>
-        <p:nvSpPr>
-          <p:cNvPr id="4" name="Espaço Reservado para Número de Slide 3"/>
-          <p:cNvSpPr>
-            <a:spLocks noGrp="1"/>
-          </p:cNvSpPr>
-          <p:nvPr>
-            <p:ph type="sldNum" sz="quarter" idx="12"/>
-          </p:nvPr>
-        </p:nvSpPr>
-        <p:spPr/>
-        <p:txBody>
-          <a:bodyPr/>
-          <a:lstStyle/>
-          <a:p>
-            <a:pPr>
-              <a:defRPr/>
-            </a:pPr>
-            <a:fld id="{7E263EA5-71DF-4638-BC15-81D6FFD3C7EB}" type="slidenum">
-              <a:rPr lang="pt-BR" smtClean="0"/>
-              <a:pPr>
-                <a:defRPr/>
-              </a:pPr>
-              <a:t>3</a:t>
-            </a:fld>
-            <a:endParaRPr lang="pt-BR"/>
-          </a:p>
-        </p:txBody>
-      </p:sp>
-    </p:spTree>
-  </p:cSld>
-  <p:clrMapOvr>
-    <a:masterClrMapping/>
-  </p:clrMapOvr>
-  <p:timing>
-    <p:tnLst>
-      <p:par>
-        <p:cTn id="1" dur="indefinite" restart="never" nodeType="tmRoot"/>
-      </p:par>
-    </p:tnLst>
-  </p:timing>
-</p:sld>
-</file>
-
-<file path=ppt/slides/slide30.xml><?xml version="1.0" encoding="utf-8"?>
-<p:sld xmlns:a="http://schemas.openxmlformats.org/drawingml/2006/main" xmlns:r="http://schemas.openxmlformats.org/officeDocument/2006/relationships" xmlns:p="http://schemas.openxmlformats.org/presentationml/2006/main">
-  <p:cSld>
-    <p:spTree>
-      <p:nvGrpSpPr>
-        <p:cNvPr id="1" name=""/>
-        <p:cNvGrpSpPr/>
-        <p:nvPr/>
-      </p:nvGrpSpPr>
-      <p:grpSpPr>
-        <a:xfrm>
-          <a:off x="0" y="0"/>
-          <a:ext cx="0" cy="0"/>
-          <a:chOff x="0" y="0"/>
-          <a:chExt cx="0" cy="0"/>
-        </a:xfrm>
-      </p:grpSpPr>
-      <p:sp>
-        <p:nvSpPr>
-          <p:cNvPr id="18434" name="Título 1"/>
-          <p:cNvSpPr>
-            <a:spLocks noGrp="1"/>
-          </p:cNvSpPr>
-          <p:nvPr>
-            <p:ph type="title"/>
-          </p:nvPr>
-        </p:nvSpPr>
-        <p:spPr>
-          <a:noFill/>
-          <a:ln w="9525">
-            <a:noFill/>
-            <a:miter lim="800000"/>
-            <a:headEnd/>
-            <a:tailEnd/>
-          </a:ln>
-        </p:spPr>
-        <p:txBody>
-          <a:bodyPr vert="horz" wrap="square" lIns="45720" tIns="45720" rIns="45720" bIns="45720" numCol="1" anchor="ctr" anchorCtr="0" compatLnSpc="1">
-            <a:prstTxWarp prst="textNoShape">
-              <a:avLst/>
-            </a:prstTxWarp>
-          </a:bodyPr>
-          <a:lstStyle/>
-          <a:p>
-            <a:r>
-              <a:rPr lang="pt-BR" dirty="0" err="1" smtClean="0"/>
-              <a:t>Map</a:t>
-            </a:r>
-            <a:endParaRPr lang="pt-BR" dirty="0" smtClean="0"/>
-          </a:p>
-        </p:txBody>
-      </p:sp>
-      <p:sp>
-        <p:nvSpPr>
-          <p:cNvPr id="18435" name="Espaço Reservado para Conteúdo 2"/>
-          <p:cNvSpPr>
-            <a:spLocks noGrp="1"/>
-          </p:cNvSpPr>
-          <p:nvPr>
-            <p:ph idx="1"/>
-          </p:nvPr>
-        </p:nvSpPr>
-        <p:spPr>
-          <a:xfrm>
-            <a:off x="457200" y="1600200"/>
-            <a:ext cx="7859216" cy="4525963"/>
-          </a:xfrm>
-        </p:spPr>
-        <p:txBody>
-          <a:bodyPr/>
-          <a:lstStyle/>
-          <a:p>
-            <a:r>
-              <a:rPr lang="pt-BR" dirty="0" smtClean="0"/>
-              <a:t>Conjunto de dados indexados semelhante a uma lista (</a:t>
-            </a:r>
-            <a:r>
-              <a:rPr lang="pt-BR" dirty="0" err="1" smtClean="0"/>
-              <a:t>List</a:t>
-            </a:r>
-            <a:r>
-              <a:rPr lang="pt-BR" dirty="0" smtClean="0"/>
-              <a:t>).</a:t>
-            </a:r>
-          </a:p>
-          <a:p>
-            <a:pPr lvl="1">
-              <a:spcBef>
-                <a:spcPts val="3000"/>
-              </a:spcBef>
-              <a:spcAft>
-                <a:spcPts val="3000"/>
-              </a:spcAft>
-            </a:pPr>
-            <a:r>
-              <a:rPr lang="pt-BR" dirty="0" smtClean="0"/>
-              <a:t>Assim como os outros conjuntos visto neste capítulo, o </a:t>
-            </a:r>
-            <a:r>
-              <a:rPr lang="pt-BR" dirty="0" err="1" smtClean="0"/>
-              <a:t>map</a:t>
-            </a:r>
-            <a:r>
-              <a:rPr lang="pt-BR" dirty="0" smtClean="0"/>
-              <a:t> possui tamanho dinâmico. Pode ser aumentado e diminuído</a:t>
-            </a:r>
-          </a:p>
-          <a:p>
-            <a:pPr lvl="1">
-              <a:buNone/>
-            </a:pPr>
-            <a:r>
-              <a:rPr lang="pt-BR" dirty="0" smtClean="0"/>
-              <a:t>Porém...</a:t>
-            </a:r>
-          </a:p>
-          <a:p>
-            <a:pPr lvl="1">
-              <a:spcBef>
-                <a:spcPts val="3000"/>
-              </a:spcBef>
-              <a:spcAft>
-                <a:spcPts val="3000"/>
-              </a:spcAft>
-            </a:pPr>
-            <a:r>
-              <a:rPr lang="pt-BR" dirty="0" smtClean="0"/>
-              <a:t>Também possui índices (chaves), mas estes podem ser Strings ou quaisquer outros objetos.</a:t>
-            </a:r>
-          </a:p>
-        </p:txBody>
-      </p:sp>
-      <p:sp>
-        <p:nvSpPr>
-          <p:cNvPr id="4" name="Espaço Reservado para Número de Slide 3"/>
-          <p:cNvSpPr>
-            <a:spLocks noGrp="1"/>
-          </p:cNvSpPr>
-          <p:nvPr>
-            <p:ph type="sldNum" sz="quarter" idx="12"/>
-          </p:nvPr>
-        </p:nvSpPr>
-        <p:spPr/>
-        <p:txBody>
-          <a:bodyPr/>
-          <a:lstStyle/>
-          <a:p>
-            <a:pPr>
-              <a:defRPr/>
-            </a:pPr>
-            <a:fld id="{7E263EA5-71DF-4638-BC15-81D6FFD3C7EB}" type="slidenum">
-              <a:rPr lang="pt-BR" smtClean="0"/>
-              <a:pPr>
-                <a:defRPr/>
-              </a:pPr>
-              <a:t>30</a:t>
-            </a:fld>
-            <a:endParaRPr lang="pt-BR"/>
-          </a:p>
-        </p:txBody>
-      </p:sp>
-    </p:spTree>
-  </p:cSld>
-  <p:clrMapOvr>
-    <a:masterClrMapping/>
-  </p:clrMapOvr>
-  <p:timing>
-    <p:tnLst>
-      <p:par>
-        <p:cTn id="1" dur="indefinite" restart="never" nodeType="tmRoot"/>
-      </p:par>
-    </p:tnLst>
-  </p:timing>
-</p:sld>
-</file>
-
-<file path=ppt/slides/slide31.xml><?xml version="1.0" encoding="utf-8"?>
-<p:sld xmlns:a="http://schemas.openxmlformats.org/drawingml/2006/main" xmlns:r="http://schemas.openxmlformats.org/officeDocument/2006/relationships" xmlns:p="http://schemas.openxmlformats.org/presentationml/2006/main">
-  <p:cSld>
-    <p:spTree>
-      <p:nvGrpSpPr>
-        <p:cNvPr id="1" name=""/>
-        <p:cNvGrpSpPr/>
-        <p:nvPr/>
-      </p:nvGrpSpPr>
-      <p:grpSpPr>
-        <a:xfrm>
-          <a:off x="0" y="0"/>
-          <a:ext cx="0" cy="0"/>
-          <a:chOff x="0" y="0"/>
-          <a:chExt cx="0" cy="0"/>
-        </a:xfrm>
-      </p:grpSpPr>
-      <p:sp>
-        <p:nvSpPr>
-          <p:cNvPr id="9218" name="Título 1"/>
-          <p:cNvSpPr>
-            <a:spLocks noGrp="1"/>
-          </p:cNvSpPr>
-          <p:nvPr>
-            <p:ph type="title"/>
-          </p:nvPr>
-        </p:nvSpPr>
-        <p:spPr>
-          <a:xfrm>
-            <a:off x="457200" y="274638"/>
-            <a:ext cx="8075240" cy="1143000"/>
-          </a:xfrm>
-          <a:noFill/>
-          <a:ln w="9525">
-            <a:noFill/>
-            <a:miter lim="800000"/>
-            <a:headEnd/>
-            <a:tailEnd/>
-          </a:ln>
-        </p:spPr>
-        <p:txBody>
-          <a:bodyPr vert="horz" wrap="square" lIns="45720" tIns="45720" rIns="45720" bIns="45720" numCol="1" anchor="ctr" anchorCtr="0" compatLnSpc="1">
-            <a:prstTxWarp prst="textNoShape">
-              <a:avLst/>
-            </a:prstTxWarp>
-          </a:bodyPr>
-          <a:lstStyle/>
-          <a:p>
-            <a:r>
-              <a:rPr lang="pt-BR" dirty="0" err="1" smtClean="0"/>
-              <a:t>Map</a:t>
-            </a:r>
-            <a:endParaRPr lang="pt-BR" dirty="0" smtClean="0"/>
-          </a:p>
-        </p:txBody>
-      </p:sp>
-      <p:sp>
-        <p:nvSpPr>
-          <p:cNvPr id="15" name="Espaço Reservado para Número de Slide 14"/>
-          <p:cNvSpPr>
-            <a:spLocks noGrp="1"/>
-          </p:cNvSpPr>
-          <p:nvPr>
-            <p:ph type="sldNum" sz="quarter" idx="12"/>
-          </p:nvPr>
-        </p:nvSpPr>
-        <p:spPr/>
-        <p:txBody>
-          <a:bodyPr/>
-          <a:lstStyle/>
-          <a:p>
-            <a:pPr>
-              <a:defRPr/>
-            </a:pPr>
-            <a:fld id="{7E263EA5-71DF-4638-BC15-81D6FFD3C7EB}" type="slidenum">
-              <a:rPr lang="pt-BR" smtClean="0"/>
-              <a:pPr>
-                <a:defRPr/>
-              </a:pPr>
-              <a:t>31</a:t>
+              <a:t>24</a:t>
             </a:fld>
             <a:endParaRPr lang="pt-BR"/>
           </a:p>
@@ -20453,7 +16829,7 @@
 </p:sld>
 </file>
 
-<file path=ppt/slides/slide32.xml><?xml version="1.0" encoding="utf-8"?>
+<file path=ppt/slides/slide25.xml><?xml version="1.0" encoding="utf-8"?>
 <p:sld xmlns:a="http://schemas.openxmlformats.org/drawingml/2006/main" xmlns:r="http://schemas.openxmlformats.org/officeDocument/2006/relationships" xmlns:p="http://schemas.openxmlformats.org/presentationml/2006/main">
   <p:cSld>
     <p:spTree>
@@ -20532,7 +16908,7 @@
               <a:pPr>
                 <a:defRPr/>
               </a:pPr>
-              <a:t>32</a:t>
+              <a:t>25</a:t>
             </a:fld>
             <a:endParaRPr lang="pt-BR"/>
           </a:p>
@@ -21618,7 +17994,7 @@
 </p:sld>
 </file>
 
-<file path=ppt/slides/slide33.xml><?xml version="1.0" encoding="utf-8"?>
+<file path=ppt/slides/slide26.xml><?xml version="1.0" encoding="utf-8"?>
 <p:sld xmlns:a="http://schemas.openxmlformats.org/drawingml/2006/main" xmlns:r="http://schemas.openxmlformats.org/officeDocument/2006/relationships" xmlns:p="http://schemas.openxmlformats.org/presentationml/2006/main">
   <p:cSld>
     <p:spTree>
@@ -21697,7 +18073,7 @@
               <a:pPr>
                 <a:defRPr/>
               </a:pPr>
-              <a:t>33</a:t>
+              <a:t>26</a:t>
             </a:fld>
             <a:endParaRPr lang="pt-BR"/>
           </a:p>
@@ -22429,7 +18805,7 @@
 </p:sld>
 </file>
 
-<file path=ppt/slides/slide34.xml><?xml version="1.0" encoding="utf-8"?>
+<file path=ppt/slides/slide27.xml><?xml version="1.0" encoding="utf-8"?>
 <p:sld xmlns:a="http://schemas.openxmlformats.org/drawingml/2006/main" xmlns:r="http://schemas.openxmlformats.org/officeDocument/2006/relationships" xmlns:p="http://schemas.openxmlformats.org/presentationml/2006/main">
   <p:cSld>
     <p:spTree>
@@ -22719,7 +19095,7 @@
               <a:pPr>
                 <a:defRPr/>
               </a:pPr>
-              <a:t>34</a:t>
+              <a:t>27</a:t>
             </a:fld>
             <a:endParaRPr lang="pt-BR"/>
           </a:p>
@@ -22740,7 +19116,7 @@
 </p:sld>
 </file>
 
-<file path=ppt/slides/slide35.xml><?xml version="1.0" encoding="utf-8"?>
+<file path=ppt/slides/slide28.xml><?xml version="1.0" encoding="utf-8"?>
 <p:sld xmlns:a="http://schemas.openxmlformats.org/drawingml/2006/main" xmlns:r="http://schemas.openxmlformats.org/officeDocument/2006/relationships" xmlns:p="http://schemas.openxmlformats.org/presentationml/2006/main">
   <p:cSld>
     <p:spTree>
@@ -23335,7 +19711,7 @@
               <a:pPr>
                 <a:defRPr/>
               </a:pPr>
-              <a:t>35</a:t>
+              <a:t>28</a:t>
             </a:fld>
             <a:endParaRPr lang="pt-BR"/>
           </a:p>
@@ -23639,7 +20015,7 @@
 </p:sld>
 </file>
 
-<file path=ppt/slides/slide36.xml><?xml version="1.0" encoding="utf-8"?>
+<file path=ppt/slides/slide29.xml><?xml version="1.0" encoding="utf-8"?>
 <p:sld xmlns:a="http://schemas.openxmlformats.org/drawingml/2006/main" xmlns:r="http://schemas.openxmlformats.org/officeDocument/2006/relationships" xmlns:p="http://schemas.openxmlformats.org/presentationml/2006/main">
   <p:cSld>
     <p:spTree>
@@ -24273,7 +20649,7 @@
               <a:pPr>
                 <a:defRPr/>
               </a:pPr>
-              <a:t>36</a:t>
+              <a:t>29</a:t>
             </a:fld>
             <a:endParaRPr lang="pt-BR"/>
           </a:p>
@@ -24294,7 +20670,189 @@
 </p:sld>
 </file>
 
-<file path=ppt/slides/slide37.xml><?xml version="1.0" encoding="utf-8"?>
+<file path=ppt/slides/slide3.xml><?xml version="1.0" encoding="utf-8"?>
+<p:sld xmlns:a="http://schemas.openxmlformats.org/drawingml/2006/main" xmlns:r="http://schemas.openxmlformats.org/officeDocument/2006/relationships" xmlns:p="http://schemas.openxmlformats.org/presentationml/2006/main">
+  <p:cSld>
+    <p:spTree>
+      <p:nvGrpSpPr>
+        <p:cNvPr id="1" name=""/>
+        <p:cNvGrpSpPr/>
+        <p:nvPr/>
+      </p:nvGrpSpPr>
+      <p:grpSpPr>
+        <a:xfrm>
+          <a:off x="0" y="0"/>
+          <a:ext cx="0" cy="0"/>
+          <a:chOff x="0" y="0"/>
+          <a:chExt cx="0" cy="0"/>
+        </a:xfrm>
+      </p:grpSpPr>
+      <p:sp>
+        <p:nvSpPr>
+          <p:cNvPr id="2" name="Título 1"/>
+          <p:cNvSpPr>
+            <a:spLocks noGrp="1"/>
+          </p:cNvSpPr>
+          <p:nvPr>
+            <p:ph type="title"/>
+          </p:nvPr>
+        </p:nvSpPr>
+        <p:spPr>
+          <a:noFill/>
+          <a:ln w="9525">
+            <a:noFill/>
+            <a:miter lim="800000"/>
+            <a:headEnd/>
+            <a:tailEnd/>
+          </a:ln>
+        </p:spPr>
+        <p:txBody>
+          <a:bodyPr vert="horz" wrap="square" lIns="45720" tIns="45720" rIns="45720" bIns="45720" numCol="1" anchor="ctr" anchorCtr="0" compatLnSpc="1">
+            <a:prstTxWarp prst="textNoShape">
+              <a:avLst/>
+            </a:prstTxWarp>
+          </a:bodyPr>
+          <a:lstStyle/>
+          <a:p>
+            <a:r>
+              <a:rPr lang="pt-BR" dirty="0" smtClean="0"/>
+              <a:t>Introdução</a:t>
+            </a:r>
+            <a:endParaRPr lang="pt-BR" dirty="0"/>
+          </a:p>
+        </p:txBody>
+      </p:sp>
+      <p:sp>
+        <p:nvSpPr>
+          <p:cNvPr id="3" name="Espaço Reservado para Conteúdo 2"/>
+          <p:cNvSpPr>
+            <a:spLocks noGrp="1"/>
+          </p:cNvSpPr>
+          <p:nvPr>
+            <p:ph idx="1"/>
+          </p:nvPr>
+        </p:nvSpPr>
+        <p:spPr/>
+        <p:txBody>
+          <a:bodyPr/>
+          <a:lstStyle/>
+          <a:p>
+            <a:pPr>
+              <a:spcBef>
+                <a:spcPts val="3000"/>
+              </a:spcBef>
+            </a:pPr>
+            <a:r>
+              <a:rPr lang="pt-BR" dirty="0" smtClean="0"/>
+              <a:t>Os </a:t>
+            </a:r>
+            <a:r>
+              <a:rPr lang="pt-BR" dirty="0" err="1" smtClean="0"/>
+              <a:t>arrays</a:t>
+            </a:r>
+            <a:r>
+              <a:rPr lang="pt-BR" dirty="0" smtClean="0"/>
+              <a:t> são estruturas de dados simples para armazenamento de conjuntos de informações</a:t>
+            </a:r>
+          </a:p>
+          <a:p>
+            <a:pPr>
+              <a:spcBef>
+                <a:spcPts val="3000"/>
+              </a:spcBef>
+            </a:pPr>
+            <a:r>
+              <a:rPr lang="pt-BR" dirty="0" smtClean="0"/>
+              <a:t>São bem eficientes, porém possuem limitações:</a:t>
+            </a:r>
+          </a:p>
+          <a:p>
+            <a:pPr lvl="1">
+              <a:spcBef>
+                <a:spcPts val="1200"/>
+              </a:spcBef>
+            </a:pPr>
+            <a:r>
+              <a:rPr lang="pt-BR" dirty="0" err="1" smtClean="0"/>
+              <a:t>Arrays</a:t>
+            </a:r>
+            <a:r>
+              <a:rPr lang="pt-BR" dirty="0" smtClean="0"/>
+              <a:t> possuem tamanho </a:t>
+            </a:r>
+            <a:r>
+              <a:rPr lang="pt-BR" dirty="0" smtClean="0"/>
+              <a:t>fixo. Não podem ser aumentados nem diminuídos.</a:t>
+            </a:r>
+            <a:endParaRPr lang="pt-BR" dirty="0" smtClean="0"/>
+          </a:p>
+          <a:p>
+            <a:pPr lvl="1">
+              <a:spcBef>
+                <a:spcPts val="1200"/>
+              </a:spcBef>
+            </a:pPr>
+            <a:r>
+              <a:rPr lang="pt-BR" dirty="0" err="1" smtClean="0"/>
+              <a:t>Arrays</a:t>
+            </a:r>
+            <a:r>
+              <a:rPr lang="pt-BR" dirty="0" smtClean="0"/>
+              <a:t> não possuem nenhum mecanismo </a:t>
+            </a:r>
+            <a:r>
+              <a:rPr lang="pt-BR" dirty="0" smtClean="0"/>
+              <a:t>que evitam duplicidade.</a:t>
+            </a:r>
+            <a:endParaRPr lang="pt-BR" dirty="0"/>
+          </a:p>
+        </p:txBody>
+      </p:sp>
+      <p:sp>
+        <p:nvSpPr>
+          <p:cNvPr id="4" name="Espaço Reservado para Número de Slide 3"/>
+          <p:cNvSpPr>
+            <a:spLocks noGrp="1"/>
+          </p:cNvSpPr>
+          <p:nvPr>
+            <p:ph type="sldNum" sz="quarter" idx="12"/>
+          </p:nvPr>
+        </p:nvSpPr>
+        <p:spPr/>
+        <p:txBody>
+          <a:bodyPr/>
+          <a:lstStyle/>
+          <a:p>
+            <a:pPr>
+              <a:defRPr/>
+            </a:pPr>
+            <a:fld id="{7E263EA5-71DF-4638-BC15-81D6FFD3C7EB}" type="slidenum">
+              <a:rPr lang="pt-BR" smtClean="0"/>
+              <a:pPr>
+                <a:defRPr/>
+              </a:pPr>
+              <a:t>3</a:t>
+            </a:fld>
+            <a:endParaRPr lang="pt-BR"/>
+          </a:p>
+        </p:txBody>
+      </p:sp>
+    </p:spTree>
+  </p:cSld>
+  <p:clrMapOvr>
+    <a:masterClrMapping/>
+  </p:clrMapOvr>
+  <p:timing>
+    <p:tnLst>
+      <p:par>
+        <p:cTn id="1" dur="indefinite" restart="never" nodeType="tmRoot"/>
+      </p:par>
+    </p:tnLst>
+  </p:timing>
+</p:sld>
+</file>
+
+<file path=ppt/slides/slide30.xml><?xml version="1.0" encoding="utf-8"?>
 <p:sld xmlns:a="http://schemas.openxmlformats.org/drawingml/2006/main" xmlns:r="http://schemas.openxmlformats.org/officeDocument/2006/relationships" xmlns:p="http://schemas.openxmlformats.org/presentationml/2006/main">
   <p:cSld>
     <p:spTree>
@@ -24587,7 +21145,7 @@
               <a:pPr>
                 <a:defRPr/>
               </a:pPr>
-              <a:t>37</a:t>
+              <a:t>30</a:t>
             </a:fld>
             <a:endParaRPr lang="pt-BR"/>
           </a:p>
@@ -24910,7 +21468,7 @@
 </p:sld>
 </file>
 
-<file path=ppt/slides/slide38.xml><?xml version="1.0" encoding="utf-8"?>
+<file path=ppt/slides/slide31.xml><?xml version="1.0" encoding="utf-8"?>
 <p:sld xmlns:a="http://schemas.openxmlformats.org/drawingml/2006/main" xmlns:r="http://schemas.openxmlformats.org/officeDocument/2006/relationships" xmlns:p="http://schemas.openxmlformats.org/presentationml/2006/main">
   <p:cSld>
     <p:spTree>
@@ -25077,7 +21635,7 @@
               <a:pPr>
                 <a:defRPr/>
               </a:pPr>
-              <a:t>38</a:t>
+              <a:t>31</a:t>
             </a:fld>
             <a:endParaRPr lang="pt-BR"/>
           </a:p>
@@ -25098,7 +21656,7 @@
 </p:sld>
 </file>
 
-<file path=ppt/slides/slide39.xml><?xml version="1.0" encoding="utf-8"?>
+<file path=ppt/slides/slide32.xml><?xml version="1.0" encoding="utf-8"?>
 <p:sld xmlns:a="http://schemas.openxmlformats.org/drawingml/2006/main" xmlns:r="http://schemas.openxmlformats.org/officeDocument/2006/relationships" xmlns:p="http://schemas.openxmlformats.org/presentationml/2006/main">
   <p:cSld>
     <p:spTree>
@@ -25154,7 +21712,7 @@
           </p:nvPr>
         </p:nvGraphicFramePr>
         <p:xfrm>
-          <a:off x="3643306" y="1714488"/>
+          <a:off x="4044574" y="1714488"/>
           <a:ext cx="1275624" cy="1005840"/>
         </p:xfrm>
         <a:graphic>
@@ -25419,7 +21977,7 @@
           <p:nvPr/>
         </p:nvGraphicFramePr>
         <p:xfrm>
-          <a:off x="5429256" y="2428868"/>
+          <a:off x="5830524" y="2428868"/>
           <a:ext cx="1000132" cy="457200"/>
         </p:xfrm>
         <a:graphic>
@@ -25566,7 +22124,7 @@
           </p:nvPr>
         </p:nvGraphicFramePr>
         <p:xfrm>
-          <a:off x="2071670" y="2428868"/>
+          <a:off x="2472938" y="2428868"/>
           <a:ext cx="1071570" cy="868680"/>
         </p:xfrm>
         <a:graphic>
@@ -25749,218 +22307,6 @@
           </a:graphicData>
         </a:graphic>
       </p:graphicFrame>
-      <p:graphicFrame>
-        <p:nvGraphicFramePr>
-          <p:cNvPr id="8" name="Espaço Reservado para Conteúdo 4"/>
-          <p:cNvGraphicFramePr>
-            <a:graphicFrameLocks/>
-          </p:cNvGraphicFramePr>
-          <p:nvPr/>
-        </p:nvGraphicFramePr>
-        <p:xfrm>
-          <a:off x="4214810" y="3357562"/>
-          <a:ext cx="1767710" cy="1202432"/>
-        </p:xfrm>
-        <a:graphic>
-          <a:graphicData uri="http://schemas.openxmlformats.org/drawingml/2006/table">
-            <a:tbl>
-              <a:tblPr firstRow="1" bandRow="1">
-                <a:tableStyleId>{5C22544A-7EE6-4342-B048-85BDC9FD1C3A}</a:tableStyleId>
-              </a:tblPr>
-              <a:tblGrid>
-                <a:gridCol w="1767710"/>
-              </a:tblGrid>
-              <a:tr h="288032">
-                <a:tc>
-                  <a:txBody>
-                    <a:bodyPr/>
-                    <a:lstStyle/>
-                    <a:p>
-                      <a:pPr marL="0" algn="ctr" rtl="0" eaLnBrk="1" latinLnBrk="0" hangingPunct="1"/>
-                      <a:r>
-                        <a:rPr kumimoji="0" lang="pt-BR" sz="900" b="1" i="1" kern="1200" dirty="0" err="1" smtClean="0">
-                          <a:solidFill>
-                            <a:srgbClr val="FFC000"/>
-                          </a:solidFill>
-                          <a:latin typeface="+mn-lt"/>
-                          <a:ea typeface="+mn-ea"/>
-                          <a:cs typeface="+mn-cs"/>
-                        </a:rPr>
-                        <a:t>SortedSet</a:t>
-                      </a:r>
-                      <a:r>
-                        <a:rPr kumimoji="0" lang="pt-BR" sz="900" b="1" i="1" kern="1200" dirty="0" smtClean="0">
-                          <a:solidFill>
-                            <a:srgbClr val="FFC000"/>
-                          </a:solidFill>
-                          <a:latin typeface="+mn-lt"/>
-                          <a:ea typeface="+mn-ea"/>
-                          <a:cs typeface="+mn-cs"/>
-                        </a:rPr>
-                        <a:t>&lt;T&gt;</a:t>
-                      </a:r>
-                      <a:endParaRPr kumimoji="0" lang="pt-BR" sz="900" b="1" i="1" kern="1200" dirty="0">
-                        <a:solidFill>
-                          <a:srgbClr val="FFC000"/>
-                        </a:solidFill>
-                        <a:latin typeface="+mn-lt"/>
-                        <a:ea typeface="+mn-ea"/>
-                        <a:cs typeface="+mn-cs"/>
-                      </a:endParaRPr>
-                    </a:p>
-                  </a:txBody>
-                  <a:tcPr>
-                    <a:lnL w="28575" cap="flat" cmpd="sng" algn="ctr">
-                      <a:solidFill>
-                        <a:srgbClr val="FFC000"/>
-                      </a:solidFill>
-                      <a:prstDash val="solid"/>
-                      <a:round/>
-                      <a:headEnd type="none" w="med" len="med"/>
-                      <a:tailEnd type="none" w="med" len="med"/>
-                    </a:lnL>
-                    <a:lnR w="28575" cap="flat" cmpd="sng" algn="ctr">
-                      <a:solidFill>
-                        <a:srgbClr val="FFC000"/>
-                      </a:solidFill>
-                      <a:prstDash val="solid"/>
-                      <a:round/>
-                      <a:headEnd type="none" w="med" len="med"/>
-                      <a:tailEnd type="none" w="med" len="med"/>
-                    </a:lnR>
-                    <a:lnT w="28575" cap="flat" cmpd="sng" algn="ctr">
-                      <a:solidFill>
-                        <a:srgbClr val="FFC000"/>
-                      </a:solidFill>
-                      <a:prstDash val="solid"/>
-                      <a:round/>
-                      <a:headEnd type="none" w="med" len="med"/>
-                      <a:tailEnd type="none" w="med" len="med"/>
-                    </a:lnT>
-                    <a:lnB w="28575" cap="flat" cmpd="sng" algn="ctr">
-                      <a:solidFill>
-                        <a:srgbClr val="FFC000"/>
-                      </a:solidFill>
-                      <a:prstDash val="solid"/>
-                      <a:round/>
-                      <a:headEnd type="none" w="med" len="med"/>
-                      <a:tailEnd type="none" w="med" len="med"/>
-                    </a:lnB>
-                    <a:noFill/>
-                  </a:tcPr>
-                </a:tc>
-              </a:tr>
-              <a:tr h="370840">
-                <a:tc>
-                  <a:txBody>
-                    <a:bodyPr/>
-                    <a:lstStyle/>
-                    <a:p>
-                      <a:r>
-                        <a:rPr lang="fr-FR" sz="900" dirty="0" smtClean="0">
-                          <a:solidFill>
-                            <a:srgbClr val="FFC000"/>
-                          </a:solidFill>
-                        </a:rPr>
-                        <a:t>comparator() : Comparator&lt;T&gt;</a:t>
-                      </a:r>
-                    </a:p>
-                    <a:p>
-                      <a:r>
-                        <a:rPr lang="fr-FR" sz="900" dirty="0" smtClean="0">
-                          <a:solidFill>
-                            <a:srgbClr val="FFC000"/>
-                          </a:solidFill>
-                        </a:rPr>
-                        <a:t>first() : T</a:t>
-                      </a:r>
-                    </a:p>
-                    <a:p>
-                      <a:r>
-                        <a:rPr lang="fr-FR" sz="900" dirty="0" smtClean="0">
-                          <a:solidFill>
-                            <a:srgbClr val="FFC000"/>
-                          </a:solidFill>
-                        </a:rPr>
-                        <a:t>last() : T</a:t>
-                      </a:r>
-                    </a:p>
-                    <a:p>
-                      <a:r>
-                        <a:rPr lang="fr-FR" sz="900" dirty="0" smtClean="0">
-                          <a:solidFill>
-                            <a:srgbClr val="FFC000"/>
-                          </a:solidFill>
-                        </a:rPr>
-                        <a:t>headSet(T) : SortedSet&lt;T&gt;</a:t>
-                      </a:r>
-                    </a:p>
-                    <a:p>
-                      <a:r>
-                        <a:rPr lang="fr-FR" sz="900" dirty="0" smtClean="0">
-                          <a:solidFill>
-                            <a:srgbClr val="FFC000"/>
-                          </a:solidFill>
-                        </a:rPr>
-                        <a:t>tailSet(T) : SortedSet&lt;T&gt;</a:t>
-                      </a:r>
-                    </a:p>
-                    <a:p>
-                      <a:r>
-                        <a:rPr lang="fr-FR" sz="900" dirty="0" smtClean="0">
-                          <a:solidFill>
-                            <a:srgbClr val="FFC000"/>
-                          </a:solidFill>
-                        </a:rPr>
-                        <a:t>subSet(T, T) : SortedSet&lt;T&gt;</a:t>
-                      </a:r>
-                    </a:p>
-                  </a:txBody>
-                  <a:tcPr>
-                    <a:lnL w="28575" cap="flat" cmpd="sng" algn="ctr">
-                      <a:solidFill>
-                        <a:srgbClr val="FFC000"/>
-                      </a:solidFill>
-                      <a:prstDash val="solid"/>
-                      <a:round/>
-                      <a:headEnd type="none" w="med" len="med"/>
-                      <a:tailEnd type="none" w="med" len="med"/>
-                    </a:lnL>
-                    <a:lnR w="28575" cap="flat" cmpd="sng" algn="ctr">
-                      <a:solidFill>
-                        <a:srgbClr val="FFC000"/>
-                      </a:solidFill>
-                      <a:prstDash val="solid"/>
-                      <a:round/>
-                      <a:headEnd type="none" w="med" len="med"/>
-                      <a:tailEnd type="none" w="med" len="med"/>
-                    </a:lnR>
-                    <a:lnT w="28575" cap="flat" cmpd="sng" algn="ctr">
-                      <a:solidFill>
-                        <a:srgbClr val="FFC000"/>
-                      </a:solidFill>
-                      <a:prstDash val="solid"/>
-                      <a:round/>
-                      <a:headEnd type="none" w="med" len="med"/>
-                      <a:tailEnd type="none" w="med" len="med"/>
-                    </a:lnT>
-                    <a:lnB w="28575" cap="flat" cmpd="sng" algn="ctr">
-                      <a:solidFill>
-                        <a:srgbClr val="FFC000"/>
-                      </a:solidFill>
-                      <a:prstDash val="solid"/>
-                      <a:round/>
-                      <a:headEnd type="none" w="med" len="med"/>
-                      <a:tailEnd type="none" w="med" len="med"/>
-                    </a:lnB>
-                    <a:noFill/>
-                  </a:tcPr>
-                </a:tc>
-              </a:tr>
-            </a:tbl>
-          </a:graphicData>
-        </a:graphic>
-      </p:graphicFrame>
       <p:sp>
         <p:nvSpPr>
           <p:cNvPr id="13" name="Espaço Reservado para Número de Slide 12"/>
@@ -25984,7 +22330,7 @@
               <a:pPr>
                 <a:defRPr/>
               </a:pPr>
-              <a:t>39</a:t>
+              <a:t>32</a:t>
             </a:fld>
             <a:endParaRPr lang="pt-BR"/>
           </a:p>
@@ -26001,7 +22347,7 @@
           </p:nvPr>
         </p:nvGraphicFramePr>
         <p:xfrm>
-          <a:off x="714348" y="3286124"/>
+          <a:off x="1115616" y="3286124"/>
           <a:ext cx="1071570" cy="992508"/>
         </p:xfrm>
         <a:graphic>
@@ -26262,7 +22608,7 @@
           </p:nvPr>
         </p:nvGraphicFramePr>
         <p:xfrm>
-          <a:off x="714348" y="4572008"/>
+          <a:off x="1115616" y="4572008"/>
           <a:ext cx="1071570" cy="997270"/>
         </p:xfrm>
         <a:graphic>
@@ -26523,7 +22869,7 @@
           </p:nvPr>
         </p:nvGraphicFramePr>
         <p:xfrm>
-          <a:off x="2571736" y="4643446"/>
+          <a:off x="2973004" y="4643446"/>
           <a:ext cx="1071570" cy="1000760"/>
         </p:xfrm>
         <a:graphic>
@@ -26795,7 +23141,7 @@
           </p:nvPr>
         </p:nvGraphicFramePr>
         <p:xfrm>
-          <a:off x="6929454" y="3214686"/>
+          <a:off x="5704178" y="3502718"/>
           <a:ext cx="1357322" cy="1126860"/>
         </p:xfrm>
         <a:graphic>
@@ -27105,7 +23451,7 @@
           </p:nvPr>
         </p:nvGraphicFramePr>
         <p:xfrm>
-          <a:off x="6929454" y="4905856"/>
+          <a:off x="5704178" y="5193888"/>
           <a:ext cx="1357322" cy="467360"/>
         </p:xfrm>
         <a:graphic>
@@ -27298,261 +23644,6 @@
           </a:graphicData>
         </a:graphic>
       </p:graphicFrame>
-      <p:graphicFrame>
-        <p:nvGraphicFramePr>
-          <p:cNvPr id="25" name="Espaço Reservado para Conteúdo 4"/>
-          <p:cNvGraphicFramePr>
-            <a:graphicFrameLocks/>
-          </p:cNvGraphicFramePr>
-          <p:nvPr/>
-        </p:nvGraphicFramePr>
-        <p:xfrm>
-          <a:off x="4214810" y="5072074"/>
-          <a:ext cx="1785950" cy="1266828"/>
-        </p:xfrm>
-        <a:graphic>
-          <a:graphicData uri="http://schemas.openxmlformats.org/drawingml/2006/table">
-            <a:tbl>
-              <a:tblPr firstRow="1" bandRow="1">
-                <a:tableStyleId>{5C22544A-7EE6-4342-B048-85BDC9FD1C3A}</a:tableStyleId>
-              </a:tblPr>
-              <a:tblGrid>
-                <a:gridCol w="1785950"/>
-              </a:tblGrid>
-              <a:tr h="142876">
-                <a:tc>
-                  <a:txBody>
-                    <a:bodyPr/>
-                    <a:lstStyle/>
-                    <a:p>
-                      <a:pPr marL="0" algn="ctr" rtl="0" eaLnBrk="1" latinLnBrk="0" hangingPunct="1"/>
-                      <a:r>
-                        <a:rPr kumimoji="0" lang="pt-BR" sz="900" b="1" i="0" kern="1200" dirty="0" smtClean="0">
-                          <a:solidFill>
-                            <a:schemeClr val="tx1"/>
-                          </a:solidFill>
-                          <a:latin typeface="+mn-lt"/>
-                          <a:ea typeface="+mn-ea"/>
-                          <a:cs typeface="+mn-cs"/>
-                        </a:rPr>
-                        <a:t>TreeSet&lt;T&gt;</a:t>
-                      </a:r>
-                      <a:endParaRPr kumimoji="0" lang="pt-BR" sz="900" b="1" i="0" kern="1200" dirty="0">
-                        <a:solidFill>
-                          <a:schemeClr val="tx1"/>
-                        </a:solidFill>
-                        <a:latin typeface="+mn-lt"/>
-                        <a:ea typeface="+mn-ea"/>
-                        <a:cs typeface="+mn-cs"/>
-                      </a:endParaRPr>
-                    </a:p>
-                  </a:txBody>
-                  <a:tcPr>
-                    <a:lnL w="28575" cap="flat" cmpd="sng" algn="ctr">
-                      <a:solidFill>
-                        <a:schemeClr val="tx1"/>
-                      </a:solidFill>
-                      <a:prstDash val="solid"/>
-                      <a:round/>
-                      <a:headEnd type="none" w="med" len="med"/>
-                      <a:tailEnd type="none" w="med" len="med"/>
-                    </a:lnL>
-                    <a:lnR w="28575" cap="flat" cmpd="sng" algn="ctr">
-                      <a:solidFill>
-                        <a:schemeClr val="tx1"/>
-                      </a:solidFill>
-                      <a:prstDash val="solid"/>
-                      <a:round/>
-                      <a:headEnd type="none" w="med" len="med"/>
-                      <a:tailEnd type="none" w="med" len="med"/>
-                    </a:lnR>
-                    <a:lnT w="28575" cap="flat" cmpd="sng" algn="ctr">
-                      <a:solidFill>
-                        <a:schemeClr val="tx1"/>
-                      </a:solidFill>
-                      <a:prstDash val="solid"/>
-                      <a:round/>
-                      <a:headEnd type="none" w="med" len="med"/>
-                      <a:tailEnd type="none" w="med" len="med"/>
-                    </a:lnT>
-                    <a:lnB w="28575" cap="flat" cmpd="sng" algn="ctr">
-                      <a:solidFill>
-                        <a:schemeClr val="tx1"/>
-                      </a:solidFill>
-                      <a:prstDash val="solid"/>
-                      <a:round/>
-                      <a:headEnd type="none" w="med" len="med"/>
-                      <a:tailEnd type="none" w="med" len="med"/>
-                    </a:lnB>
-                    <a:noFill/>
-                  </a:tcPr>
-                </a:tc>
-              </a:tr>
-              <a:tr h="123828">
-                <a:tc>
-                  <a:txBody>
-                    <a:bodyPr/>
-                    <a:lstStyle/>
-                    <a:p>
-                      <a:endParaRPr lang="fr-FR" sz="100" dirty="0" smtClean="0">
-                        <a:solidFill>
-                          <a:schemeClr val="tx1"/>
-                        </a:solidFill>
-                      </a:endParaRPr>
-                    </a:p>
-                  </a:txBody>
-                  <a:tcPr>
-                    <a:lnL w="28575" cap="flat" cmpd="sng" algn="ctr">
-                      <a:solidFill>
-                        <a:schemeClr val="tx1"/>
-                      </a:solidFill>
-                      <a:prstDash val="solid"/>
-                      <a:round/>
-                      <a:headEnd type="none" w="med" len="med"/>
-                      <a:tailEnd type="none" w="med" len="med"/>
-                    </a:lnL>
-                    <a:lnR w="28575" cap="flat" cmpd="sng" algn="ctr">
-                      <a:solidFill>
-                        <a:schemeClr val="tx1"/>
-                      </a:solidFill>
-                      <a:prstDash val="solid"/>
-                      <a:round/>
-                      <a:headEnd type="none" w="med" len="med"/>
-                      <a:tailEnd type="none" w="med" len="med"/>
-                    </a:lnR>
-                    <a:lnT w="28575" cap="flat" cmpd="sng" algn="ctr">
-                      <a:solidFill>
-                        <a:schemeClr val="tx1"/>
-                      </a:solidFill>
-                      <a:prstDash val="solid"/>
-                      <a:round/>
-                      <a:headEnd type="none" w="med" len="med"/>
-                      <a:tailEnd type="none" w="med" len="med"/>
-                    </a:lnT>
-                    <a:lnB w="28575" cap="flat" cmpd="sng" algn="ctr">
-                      <a:solidFill>
-                        <a:schemeClr val="tx1"/>
-                      </a:solidFill>
-                      <a:prstDash val="solid"/>
-                      <a:round/>
-                      <a:headEnd type="none" w="med" len="med"/>
-                      <a:tailEnd type="none" w="med" len="med"/>
-                    </a:lnB>
-                    <a:noFill/>
-                  </a:tcPr>
-                </a:tc>
-              </a:tr>
-              <a:tr h="370840">
-                <a:tc>
-                  <a:txBody>
-                    <a:bodyPr/>
-                    <a:lstStyle/>
-                    <a:p>
-                      <a:r>
-                        <a:rPr lang="fr-FR" sz="900" dirty="0" smtClean="0">
-                          <a:solidFill>
-                            <a:schemeClr val="tx1"/>
-                          </a:solidFill>
-                        </a:rPr>
-                        <a:t>comparator() : Comparator&lt;T&gt;</a:t>
-                      </a:r>
-                    </a:p>
-                    <a:p>
-                      <a:r>
-                        <a:rPr lang="fr-FR" sz="900" dirty="0" smtClean="0">
-                          <a:solidFill>
-                            <a:schemeClr val="tx1"/>
-                          </a:solidFill>
-                        </a:rPr>
-                        <a:t>first() : T</a:t>
-                      </a:r>
-                    </a:p>
-                    <a:p>
-                      <a:r>
-                        <a:rPr lang="fr-FR" sz="900" dirty="0" smtClean="0">
-                          <a:solidFill>
-                            <a:schemeClr val="tx1"/>
-                          </a:solidFill>
-                        </a:rPr>
-                        <a:t>last() : T</a:t>
-                      </a:r>
-                    </a:p>
-                    <a:p>
-                      <a:r>
-                        <a:rPr lang="fr-FR" sz="900" dirty="0" smtClean="0">
-                          <a:solidFill>
-                            <a:schemeClr val="tx1"/>
-                          </a:solidFill>
-                        </a:rPr>
-                        <a:t>headSet(T) : SortedSet&lt;T&gt;</a:t>
-                      </a:r>
-                    </a:p>
-                    <a:p>
-                      <a:r>
-                        <a:rPr lang="fr-FR" sz="900" dirty="0" smtClean="0">
-                          <a:solidFill>
-                            <a:schemeClr val="tx1"/>
-                          </a:solidFill>
-                        </a:rPr>
-                        <a:t>tailSet(T) : SortedSet&lt;T&gt;</a:t>
-                      </a:r>
-                    </a:p>
-                    <a:p>
-                      <a:r>
-                        <a:rPr lang="fr-FR" sz="900" dirty="0" smtClean="0">
-                          <a:solidFill>
-                            <a:schemeClr val="tx1"/>
-                          </a:solidFill>
-                        </a:rPr>
-                        <a:t>subSet(T, T) : SortedSet&lt;T&gt;</a:t>
-                      </a:r>
-                    </a:p>
-                  </a:txBody>
-                  <a:tcPr>
-                    <a:lnL w="28575" cap="flat" cmpd="sng" algn="ctr">
-                      <a:solidFill>
-                        <a:schemeClr val="tx1"/>
-                      </a:solidFill>
-                      <a:prstDash val="solid"/>
-                      <a:round/>
-                      <a:headEnd type="none" w="med" len="med"/>
-                      <a:tailEnd type="none" w="med" len="med"/>
-                    </a:lnL>
-                    <a:lnR w="28575" cap="flat" cmpd="sng" algn="ctr">
-                      <a:solidFill>
-                        <a:schemeClr val="tx1"/>
-                      </a:solidFill>
-                      <a:prstDash val="solid"/>
-                      <a:round/>
-                      <a:headEnd type="none" w="med" len="med"/>
-                      <a:tailEnd type="none" w="med" len="med"/>
-                    </a:lnR>
-                    <a:lnT w="28575" cap="flat" cmpd="sng" algn="ctr">
-                      <a:solidFill>
-                        <a:schemeClr val="tx1"/>
-                      </a:solidFill>
-                      <a:prstDash val="solid"/>
-                      <a:round/>
-                      <a:headEnd type="none" w="med" len="med"/>
-                      <a:tailEnd type="none" w="med" len="med"/>
-                    </a:lnT>
-                    <a:lnB w="28575" cap="flat" cmpd="sng" algn="ctr">
-                      <a:solidFill>
-                        <a:schemeClr val="tx1"/>
-                      </a:solidFill>
-                      <a:prstDash val="solid"/>
-                      <a:round/>
-                      <a:headEnd type="none" w="med" len="med"/>
-                      <a:tailEnd type="none" w="med" len="med"/>
-                    </a:lnB>
-                    <a:noFill/>
-                  </a:tcPr>
-                </a:tc>
-              </a:tr>
-            </a:tbl>
-          </a:graphicData>
-        </a:graphic>
-      </p:graphicFrame>
       <p:grpSp>
         <p:nvGrpSpPr>
           <p:cNvPr id="44" name="Group 43"/>
@@ -27561,7 +23652,7 @@
         </p:nvGrpSpPr>
         <p:grpSpPr>
           <a:xfrm>
-            <a:off x="2571736" y="2143116"/>
+            <a:off x="2973004" y="2143116"/>
             <a:ext cx="1071570" cy="285752"/>
             <a:chOff x="857224" y="2143116"/>
             <a:chExt cx="714379" cy="428628"/>
@@ -27632,7 +23723,7 @@
         </p:nvGrpSpPr>
         <p:grpSpPr>
           <a:xfrm flipH="1">
-            <a:off x="4929190" y="2143116"/>
+            <a:off x="5330458" y="2143116"/>
             <a:ext cx="1000132" cy="285752"/>
             <a:chOff x="857224" y="2143116"/>
             <a:chExt cx="714379" cy="428628"/>
@@ -27703,7 +23794,7 @@
         </p:nvGrpSpPr>
         <p:grpSpPr>
           <a:xfrm>
-            <a:off x="1285852" y="2857496"/>
+            <a:off x="1687120" y="2857496"/>
             <a:ext cx="785818" cy="428628"/>
             <a:chOff x="857224" y="2143116"/>
             <a:chExt cx="714379" cy="428628"/>
@@ -27774,7 +23865,7 @@
         </p:nvGrpSpPr>
         <p:grpSpPr>
           <a:xfrm rot="5400000" flipH="1">
-            <a:off x="1173933" y="3969547"/>
+            <a:off x="1575201" y="3969547"/>
             <a:ext cx="1795474" cy="428628"/>
             <a:chOff x="857224" y="2143116"/>
             <a:chExt cx="714379" cy="428628"/>
@@ -27845,7 +23936,7 @@
         </p:nvGrpSpPr>
         <p:grpSpPr>
           <a:xfrm>
-            <a:off x="2857487" y="3286125"/>
+            <a:off x="3258755" y="3286125"/>
             <a:ext cx="214317" cy="1347797"/>
             <a:chOff x="2857487" y="3286125"/>
             <a:chExt cx="214317" cy="1347797"/>
@@ -27936,117 +24027,46 @@
           </p:spPr>
         </p:cxnSp>
       </p:grpSp>
-      <p:grpSp>
-        <p:nvGrpSpPr>
-          <p:cNvPr id="63" name="Group 62"/>
-          <p:cNvGrpSpPr/>
-          <p:nvPr/>
-        </p:nvGrpSpPr>
-        <p:grpSpPr>
-          <a:xfrm flipH="1">
-            <a:off x="5072066" y="2928934"/>
-            <a:ext cx="714380" cy="428627"/>
-            <a:chOff x="2857487" y="3286125"/>
-            <a:chExt cx="214317" cy="1347797"/>
-          </a:xfrm>
-        </p:grpSpPr>
-        <p:cxnSp>
-          <p:nvCxnSpPr>
-            <p:cNvPr id="64" name="Conector de seta reta 22"/>
-            <p:cNvCxnSpPr>
-              <a:cxnSpLocks noChangeShapeType="1"/>
-            </p:cNvCxnSpPr>
-            <p:nvPr/>
-          </p:nvCxnSpPr>
-          <p:spPr bwMode="auto">
-            <a:xfrm rot="5400000" flipH="1" flipV="1">
-              <a:off x="2505060" y="3638552"/>
-              <a:ext cx="704856" cy="1"/>
-            </a:xfrm>
-            <a:prstGeom prst="straightConnector1">
-              <a:avLst/>
-            </a:prstGeom>
-            <a:noFill/>
-            <a:ln w="28575" algn="ctr">
-              <a:solidFill>
-                <a:srgbClr val="FFC000"/>
-              </a:solidFill>
-              <a:prstDash val="solid"/>
-              <a:round/>
-              <a:headEnd/>
-              <a:tailEnd type="triangle" w="lg" len="lg"/>
-            </a:ln>
-          </p:spPr>
-        </p:cxnSp>
-        <p:cxnSp>
-          <p:nvCxnSpPr>
-            <p:cNvPr id="65" name="Conector de seta reta 22"/>
-            <p:cNvCxnSpPr>
-              <a:cxnSpLocks noChangeShapeType="1"/>
-            </p:cNvCxnSpPr>
-            <p:nvPr/>
-          </p:nvCxnSpPr>
-          <p:spPr bwMode="auto">
-            <a:xfrm rot="10800000">
-              <a:off x="2857488" y="3989413"/>
-              <a:ext cx="214314" cy="1567"/>
-            </a:xfrm>
-            <a:prstGeom prst="straightConnector1">
-              <a:avLst/>
-            </a:prstGeom>
-            <a:noFill/>
-            <a:ln w="28575" algn="ctr">
-              <a:solidFill>
-                <a:srgbClr val="FFC000"/>
-              </a:solidFill>
-              <a:prstDash val="solid"/>
-              <a:round/>
-              <a:headEnd type="none" w="med" len="med"/>
-              <a:tailEnd type="none" w="med" len="med"/>
-            </a:ln>
-          </p:spPr>
-        </p:cxnSp>
-        <p:cxnSp>
-          <p:nvCxnSpPr>
-            <p:cNvPr id="66" name="Conector de seta reta 22"/>
-            <p:cNvCxnSpPr>
-              <a:cxnSpLocks noChangeShapeType="1"/>
-            </p:cNvCxnSpPr>
-            <p:nvPr/>
-          </p:nvCxnSpPr>
-          <p:spPr bwMode="auto">
-            <a:xfrm rot="5400000" flipH="1" flipV="1">
-              <a:off x="2755094" y="4317212"/>
-              <a:ext cx="633418" cy="2"/>
-            </a:xfrm>
-            <a:prstGeom prst="straightConnector1">
-              <a:avLst/>
-            </a:prstGeom>
-            <a:noFill/>
-            <a:ln w="28575" algn="ctr">
-              <a:solidFill>
-                <a:srgbClr val="FFC000"/>
-              </a:solidFill>
-              <a:prstDash val="solid"/>
-              <a:round/>
-              <a:headEnd type="none" w="med" len="med"/>
-              <a:tailEnd type="none" w="med" len="med"/>
-            </a:ln>
-          </p:spPr>
-        </p:cxnSp>
-      </p:grpSp>
       <p:cxnSp>
         <p:nvCxnSpPr>
-          <p:cNvPr id="67" name="Conector de seta reta 22"/>
+          <p:cNvPr id="76" name="Conector de seta reta 22"/>
           <p:cNvCxnSpPr>
             <a:cxnSpLocks noChangeShapeType="1"/>
           </p:cNvCxnSpPr>
           <p:nvPr/>
         </p:nvCxnSpPr>
         <p:spPr bwMode="auto">
-          <a:xfrm rot="5400000" flipH="1" flipV="1">
-            <a:off x="4822033" y="4822041"/>
-            <a:ext cx="500067" cy="3"/>
+          <a:xfrm flipV="1">
+            <a:off x="6347914" y="4653136"/>
+            <a:ext cx="0" cy="543446"/>
+          </a:xfrm>
+          <a:prstGeom prst="straightConnector1">
+            <a:avLst/>
+          </a:prstGeom>
+          <a:noFill/>
+          <a:ln w="28575" algn="ctr">
+            <a:solidFill>
+              <a:schemeClr val="tx1"/>
+            </a:solidFill>
+            <a:prstDash val="solid"/>
+            <a:round/>
+            <a:headEnd/>
+            <a:tailEnd type="triangle" w="lg" len="lg"/>
+          </a:ln>
+        </p:spPr>
+      </p:cxnSp>
+      <p:cxnSp>
+        <p:nvCxnSpPr>
+          <p:cNvPr id="42" name="Conector de seta reta 22"/>
+          <p:cNvCxnSpPr>
+            <a:cxnSpLocks noChangeShapeType="1"/>
+          </p:cNvCxnSpPr>
+          <p:nvPr/>
+        </p:nvCxnSpPr>
+        <p:spPr bwMode="auto">
+          <a:xfrm flipV="1">
+            <a:off x="6341420" y="2924944"/>
+            <a:ext cx="0" cy="567680"/>
           </a:xfrm>
           <a:prstGeom prst="straightConnector1">
             <a:avLst/>
@@ -28065,30 +24085,86 @@
       </p:cxnSp>
       <p:grpSp>
         <p:nvGrpSpPr>
-          <p:cNvPr id="70" name="Group 69"/>
+          <p:cNvPr id="61" name="Grupo 60"/>
           <p:cNvGrpSpPr/>
           <p:nvPr/>
         </p:nvGrpSpPr>
         <p:grpSpPr>
-          <a:xfrm flipH="1">
-            <a:off x="6429388" y="2643182"/>
-            <a:ext cx="1143008" cy="571504"/>
-            <a:chOff x="857224" y="2143116"/>
-            <a:chExt cx="714379" cy="428628"/>
+          <a:xfrm>
+            <a:off x="6845476" y="2636912"/>
+            <a:ext cx="576064" cy="2790643"/>
+            <a:chOff x="6444208" y="2636912"/>
+            <a:chExt cx="576064" cy="2790643"/>
           </a:xfrm>
         </p:grpSpPr>
         <p:cxnSp>
           <p:nvCxnSpPr>
-            <p:cNvPr id="71" name="Conector de seta reta 22"/>
+            <p:cNvPr id="74" name="Conector de seta reta 22"/>
             <p:cNvCxnSpPr>
               <a:cxnSpLocks noChangeShapeType="1"/>
             </p:cNvCxnSpPr>
             <p:nvPr/>
           </p:nvCxnSpPr>
           <p:spPr bwMode="auto">
-            <a:xfrm>
-              <a:off x="857224" y="2143116"/>
-              <a:ext cx="714379" cy="1"/>
+            <a:xfrm rot="5400000" flipH="1">
+              <a:off x="5624951" y="4032233"/>
+              <a:ext cx="2790642" cy="1"/>
+            </a:xfrm>
+            <a:prstGeom prst="straightConnector1">
+              <a:avLst/>
+            </a:prstGeom>
+            <a:noFill/>
+            <a:ln w="28575" algn="ctr">
+              <a:solidFill>
+                <a:schemeClr val="tx1"/>
+              </a:solidFill>
+              <a:prstDash val="dash"/>
+              <a:round/>
+              <a:headEnd type="none" w="med" len="med"/>
+              <a:tailEnd type="none" w="med" len="med"/>
+            </a:ln>
+          </p:spPr>
+        </p:cxnSp>
+        <p:cxnSp>
+          <p:nvCxnSpPr>
+            <p:cNvPr id="75" name="Conector de seta reta 22"/>
+            <p:cNvCxnSpPr>
+              <a:cxnSpLocks noChangeShapeType="1"/>
+            </p:cNvCxnSpPr>
+            <p:nvPr/>
+          </p:nvCxnSpPr>
+          <p:spPr bwMode="auto">
+            <a:xfrm flipV="1">
+              <a:off x="6660232" y="5421351"/>
+              <a:ext cx="360040" cy="6203"/>
+            </a:xfrm>
+            <a:prstGeom prst="straightConnector1">
+              <a:avLst/>
+            </a:prstGeom>
+            <a:noFill/>
+            <a:ln w="28575" algn="ctr">
+              <a:solidFill>
+                <a:schemeClr val="tx1"/>
+              </a:solidFill>
+              <a:prstDash val="dash"/>
+              <a:round/>
+              <a:headEnd type="none" w="med" len="med"/>
+              <a:tailEnd type="none" w="med" len="med"/>
+            </a:ln>
+          </p:spPr>
+        </p:cxnSp>
+        <p:cxnSp>
+          <p:nvCxnSpPr>
+            <p:cNvPr id="50" name="Conector de seta reta 22"/>
+            <p:cNvCxnSpPr>
+              <a:cxnSpLocks noChangeShapeType="1"/>
+            </p:cNvCxnSpPr>
+            <p:nvPr/>
+          </p:nvCxnSpPr>
+          <p:spPr bwMode="auto">
+            <a:xfrm flipH="1">
+              <a:off x="6444208" y="2636912"/>
+              <a:ext cx="576064" cy="1"/>
             </a:xfrm>
             <a:prstGeom prst="straightConnector1">
               <a:avLst/>
@@ -28105,134 +24181,7 @@
             </a:ln>
           </p:spPr>
         </p:cxnSp>
-        <p:cxnSp>
-          <p:nvCxnSpPr>
-            <p:cNvPr id="72" name="Conector de seta reta 22"/>
-            <p:cNvCxnSpPr>
-              <a:cxnSpLocks noChangeShapeType="1"/>
-            </p:cNvCxnSpPr>
-            <p:nvPr/>
-          </p:nvCxnSpPr>
-          <p:spPr bwMode="auto">
-            <a:xfrm rot="5400000" flipH="1" flipV="1">
-              <a:off x="643704" y="2356636"/>
-              <a:ext cx="428628" cy="1588"/>
-            </a:xfrm>
-            <a:prstGeom prst="straightConnector1">
-              <a:avLst/>
-            </a:prstGeom>
-            <a:noFill/>
-            <a:ln w="28575" algn="ctr">
-              <a:solidFill>
-                <a:schemeClr val="tx1"/>
-              </a:solidFill>
-              <a:prstDash val="dash"/>
-              <a:round/>
-              <a:headEnd type="none" w="med" len="med"/>
-              <a:tailEnd type="none" w="med" len="med"/>
-            </a:ln>
-          </p:spPr>
-        </p:cxnSp>
       </p:grpSp>
-      <p:grpSp>
-        <p:nvGrpSpPr>
-          <p:cNvPr id="73" name="Group 72"/>
-          <p:cNvGrpSpPr/>
-          <p:nvPr/>
-        </p:nvGrpSpPr>
-        <p:grpSpPr>
-          <a:xfrm rot="5400000" flipH="1" flipV="1">
-            <a:off x="5429256" y="3643314"/>
-            <a:ext cx="2214578" cy="785818"/>
-            <a:chOff x="857224" y="2143116"/>
-            <a:chExt cx="714379" cy="428628"/>
-          </a:xfrm>
-        </p:grpSpPr>
-        <p:cxnSp>
-          <p:nvCxnSpPr>
-            <p:cNvPr id="74" name="Conector de seta reta 22"/>
-            <p:cNvCxnSpPr>
-              <a:cxnSpLocks noChangeShapeType="1"/>
-            </p:cNvCxnSpPr>
-            <p:nvPr/>
-          </p:nvCxnSpPr>
-          <p:spPr bwMode="auto">
-            <a:xfrm>
-              <a:off x="857224" y="2143116"/>
-              <a:ext cx="714379" cy="1"/>
-            </a:xfrm>
-            <a:prstGeom prst="straightConnector1">
-              <a:avLst/>
-            </a:prstGeom>
-            <a:noFill/>
-            <a:ln w="28575" algn="ctr">
-              <a:solidFill>
-                <a:schemeClr val="tx1"/>
-              </a:solidFill>
-              <a:prstDash val="dash"/>
-              <a:round/>
-              <a:headEnd type="none" w="med" len="med"/>
-              <a:tailEnd type="arrow" w="med" len="med"/>
-            </a:ln>
-          </p:spPr>
-        </p:cxnSp>
-        <p:cxnSp>
-          <p:nvCxnSpPr>
-            <p:cNvPr id="75" name="Conector de seta reta 22"/>
-            <p:cNvCxnSpPr>
-              <a:cxnSpLocks noChangeShapeType="1"/>
-            </p:cNvCxnSpPr>
-            <p:nvPr/>
-          </p:nvCxnSpPr>
-          <p:spPr bwMode="auto">
-            <a:xfrm rot="5400000" flipH="1" flipV="1">
-              <a:off x="643704" y="2356636"/>
-              <a:ext cx="428628" cy="1588"/>
-            </a:xfrm>
-            <a:prstGeom prst="straightConnector1">
-              <a:avLst/>
-            </a:prstGeom>
-            <a:noFill/>
-            <a:ln w="28575" algn="ctr">
-              <a:solidFill>
-                <a:schemeClr val="tx1"/>
-              </a:solidFill>
-              <a:prstDash val="dash"/>
-              <a:round/>
-              <a:headEnd type="none" w="med" len="med"/>
-              <a:tailEnd type="none" w="med" len="med"/>
-            </a:ln>
-          </p:spPr>
-        </p:cxnSp>
-      </p:grpSp>
-      <p:cxnSp>
-        <p:nvCxnSpPr>
-          <p:cNvPr id="76" name="Conector de seta reta 22"/>
-          <p:cNvCxnSpPr>
-            <a:cxnSpLocks noChangeShapeType="1"/>
-          </p:cNvCxnSpPr>
-          <p:nvPr/>
-        </p:nvCxnSpPr>
-        <p:spPr bwMode="auto">
-          <a:xfrm flipV="1">
-            <a:off x="7573190" y="4365104"/>
-            <a:ext cx="0" cy="543446"/>
-          </a:xfrm>
-          <a:prstGeom prst="straightConnector1">
-            <a:avLst/>
-          </a:prstGeom>
-          <a:noFill/>
-          <a:ln w="28575" algn="ctr">
-            <a:solidFill>
-              <a:schemeClr val="tx1"/>
-            </a:solidFill>
-            <a:prstDash val="solid"/>
-            <a:round/>
-            <a:headEnd/>
-            <a:tailEnd type="triangle" w="lg" len="lg"/>
-          </a:ln>
-        </p:spPr>
-      </p:cxnSp>
     </p:spTree>
   </p:cSld>
   <p:clrMapOvr>
@@ -28248,164 +24197,7 @@
 </p:sld>
 </file>
 
-<file path=ppt/slides/slide4.xml><?xml version="1.0" encoding="utf-8"?>
-<p:sld xmlns:a="http://schemas.openxmlformats.org/drawingml/2006/main" xmlns:r="http://schemas.openxmlformats.org/officeDocument/2006/relationships" xmlns:p="http://schemas.openxmlformats.org/presentationml/2006/main">
-  <p:cSld>
-    <p:spTree>
-      <p:nvGrpSpPr>
-        <p:cNvPr id="1" name=""/>
-        <p:cNvGrpSpPr/>
-        <p:nvPr/>
-      </p:nvGrpSpPr>
-      <p:grpSpPr>
-        <a:xfrm>
-          <a:off x="0" y="0"/>
-          <a:ext cx="0" cy="0"/>
-          <a:chOff x="0" y="0"/>
-          <a:chExt cx="0" cy="0"/>
-        </a:xfrm>
-      </p:grpSpPr>
-      <p:sp>
-        <p:nvSpPr>
-          <p:cNvPr id="2" name="Título 1"/>
-          <p:cNvSpPr>
-            <a:spLocks noGrp="1"/>
-          </p:cNvSpPr>
-          <p:nvPr>
-            <p:ph type="title"/>
-          </p:nvPr>
-        </p:nvSpPr>
-        <p:spPr>
-          <a:xfrm>
-            <a:off x="457200" y="274638"/>
-            <a:ext cx="8291264" cy="1143000"/>
-          </a:xfrm>
-        </p:spPr>
-        <p:txBody>
-          <a:bodyPr/>
-          <a:lstStyle/>
-          <a:p>
-            <a:r>
-              <a:rPr lang="pt-BR" sz="4000" dirty="0" smtClean="0"/>
-              <a:t>Principais operações de conjuntos</a:t>
-            </a:r>
-            <a:endParaRPr lang="pt-BR" sz="4000" dirty="0"/>
-          </a:p>
-        </p:txBody>
-      </p:sp>
-      <p:sp>
-        <p:nvSpPr>
-          <p:cNvPr id="3" name="Espaço Reservado para Conteúdo 2"/>
-          <p:cNvSpPr>
-            <a:spLocks noGrp="1"/>
-          </p:cNvSpPr>
-          <p:nvPr>
-            <p:ph idx="1"/>
-          </p:nvPr>
-        </p:nvSpPr>
-        <p:spPr>
-          <a:xfrm>
-            <a:off x="457200" y="1600200"/>
-            <a:ext cx="7643192" cy="4525963"/>
-          </a:xfrm>
-        </p:spPr>
-        <p:txBody>
-          <a:bodyPr/>
-          <a:lstStyle/>
-          <a:p>
-            <a:pPr>
-              <a:spcAft>
-                <a:spcPts val="2400"/>
-              </a:spcAft>
-            </a:pPr>
-            <a:r>
-              <a:rPr lang="pt-BR" dirty="0" smtClean="0"/>
-              <a:t>O Java possui diversas estruturas de dados, cada qual com sua particularidade que permitem:</a:t>
-            </a:r>
-          </a:p>
-          <a:p>
-            <a:pPr lvl="1"/>
-            <a:r>
-              <a:rPr lang="pt-BR" sz="2400" dirty="0" smtClean="0"/>
-              <a:t>Adicionar novos itens</a:t>
-            </a:r>
-          </a:p>
-          <a:p>
-            <a:pPr lvl="1"/>
-            <a:r>
-              <a:rPr lang="pt-BR" sz="2400" dirty="0" smtClean="0"/>
-              <a:t>Remover itens existentes</a:t>
-            </a:r>
-          </a:p>
-          <a:p>
-            <a:pPr lvl="1"/>
-            <a:r>
-              <a:rPr lang="pt-BR" sz="2400" dirty="0" smtClean="0"/>
-              <a:t>Limpar todos os item</a:t>
-            </a:r>
-          </a:p>
-          <a:p>
-            <a:pPr lvl="1"/>
-            <a:r>
-              <a:rPr lang="pt-BR" sz="2400" dirty="0" smtClean="0"/>
-              <a:t>Classificar automaticamente um conjunto de itens</a:t>
-            </a:r>
-          </a:p>
-          <a:p>
-            <a:pPr lvl="1"/>
-            <a:r>
-              <a:rPr lang="pt-BR" sz="2400" dirty="0" smtClean="0"/>
-              <a:t>Dentre outras ações</a:t>
-            </a:r>
-            <a:endParaRPr lang="pt-BR" sz="2400" dirty="0"/>
-          </a:p>
-        </p:txBody>
-      </p:sp>
-      <p:sp>
-        <p:nvSpPr>
-          <p:cNvPr id="4" name="Espaço Reservado para Número de Slide 3"/>
-          <p:cNvSpPr>
-            <a:spLocks noGrp="1"/>
-          </p:cNvSpPr>
-          <p:nvPr>
-            <p:ph type="sldNum" sz="quarter" idx="12"/>
-          </p:nvPr>
-        </p:nvSpPr>
-        <p:spPr/>
-        <p:txBody>
-          <a:bodyPr/>
-          <a:lstStyle/>
-          <a:p>
-            <a:pPr>
-              <a:defRPr/>
-            </a:pPr>
-            <a:fld id="{7E263EA5-71DF-4638-BC15-81D6FFD3C7EB}" type="slidenum">
-              <a:rPr lang="pt-BR" smtClean="0"/>
-              <a:pPr>
-                <a:defRPr/>
-              </a:pPr>
-              <a:t>4</a:t>
-            </a:fld>
-            <a:endParaRPr lang="pt-BR"/>
-          </a:p>
-        </p:txBody>
-      </p:sp>
-    </p:spTree>
-  </p:cSld>
-  <p:clrMapOvr>
-    <a:masterClrMapping/>
-  </p:clrMapOvr>
-  <p:timing>
-    <p:tnLst>
-      <p:par>
-        <p:cTn id="1" dur="indefinite" restart="never" nodeType="tmRoot"/>
-      </p:par>
-    </p:tnLst>
-  </p:timing>
-</p:sld>
-</file>
-
-<file path=ppt/slides/slide40.xml><?xml version="1.0" encoding="utf-8"?>
+<file path=ppt/slides/slide33.xml><?xml version="1.0" encoding="utf-8"?>
 <p:sld xmlns:a="http://schemas.openxmlformats.org/drawingml/2006/main" xmlns:r="http://schemas.openxmlformats.org/officeDocument/2006/relationships" xmlns:p="http://schemas.openxmlformats.org/presentationml/2006/main">
   <p:cSld>
     <p:spTree>
@@ -28468,7 +24260,7 @@
               <a:pPr>
                 <a:defRPr/>
               </a:pPr>
-              <a:t>40</a:t>
+              <a:t>33</a:t>
             </a:fld>
             <a:endParaRPr lang="pt-BR"/>
           </a:p>
@@ -28483,7 +24275,7 @@
           <p:nvPr/>
         </p:nvGraphicFramePr>
         <p:xfrm>
-          <a:off x="3500430" y="1714488"/>
+          <a:off x="3942168" y="1887820"/>
           <a:ext cx="1158398" cy="1202432"/>
         </p:xfrm>
         <a:graphic>
@@ -28709,321 +24501,6 @@
       </p:graphicFrame>
       <p:graphicFrame>
         <p:nvGraphicFramePr>
-          <p:cNvPr id="22" name="Espaço Reservado para Conteúdo 4"/>
-          <p:cNvGraphicFramePr>
-            <a:graphicFrameLocks/>
-          </p:cNvGraphicFramePr>
-          <p:nvPr/>
-        </p:nvGraphicFramePr>
-        <p:xfrm>
-          <a:off x="5929322" y="1714488"/>
-          <a:ext cx="1928826" cy="1143000"/>
-        </p:xfrm>
-        <a:graphic>
-          <a:graphicData uri="http://schemas.openxmlformats.org/drawingml/2006/table">
-            <a:tbl>
-              <a:tblPr firstRow="1" bandRow="1">
-                <a:tableStyleId>{5C22544A-7EE6-4342-B048-85BDC9FD1C3A}</a:tableStyleId>
-              </a:tblPr>
-              <a:tblGrid>
-                <a:gridCol w="1928826"/>
-              </a:tblGrid>
-              <a:tr h="218987">
-                <a:tc>
-                  <a:txBody>
-                    <a:bodyPr/>
-                    <a:lstStyle/>
-                    <a:p>
-                      <a:pPr marL="0" algn="ctr" rtl="0" eaLnBrk="1" latinLnBrk="0" hangingPunct="1"/>
-                      <a:r>
-                        <a:rPr kumimoji="0" lang="pt-BR" sz="900" b="1" i="1" kern="1200" dirty="0" err="1" smtClean="0">
-                          <a:solidFill>
-                            <a:srgbClr val="FFC000"/>
-                          </a:solidFill>
-                          <a:latin typeface="+mn-lt"/>
-                          <a:ea typeface="+mn-ea"/>
-                          <a:cs typeface="+mn-cs"/>
-                        </a:rPr>
-                        <a:t>SortedMap</a:t>
-                      </a:r>
-                      <a:r>
-                        <a:rPr kumimoji="0" lang="pt-BR" sz="900" b="1" i="1" kern="1200" dirty="0" smtClean="0">
-                          <a:solidFill>
-                            <a:srgbClr val="FFC000"/>
-                          </a:solidFill>
-                          <a:latin typeface="+mn-lt"/>
-                          <a:ea typeface="+mn-ea"/>
-                          <a:cs typeface="+mn-cs"/>
-                        </a:rPr>
-                        <a:t>&lt;K, V&gt;</a:t>
-                      </a:r>
-                      <a:endParaRPr kumimoji="0" lang="pt-BR" sz="900" b="1" i="1" kern="1200" dirty="0">
-                        <a:solidFill>
-                          <a:srgbClr val="FFC000"/>
-                        </a:solidFill>
-                        <a:latin typeface="+mn-lt"/>
-                        <a:ea typeface="+mn-ea"/>
-                        <a:cs typeface="+mn-cs"/>
-                      </a:endParaRPr>
-                    </a:p>
-                  </a:txBody>
-                  <a:tcPr>
-                    <a:lnL w="28575" cap="flat" cmpd="sng" algn="ctr">
-                      <a:solidFill>
-                        <a:srgbClr val="FFC000"/>
-                      </a:solidFill>
-                      <a:prstDash val="solid"/>
-                      <a:round/>
-                      <a:headEnd type="none" w="med" len="med"/>
-                      <a:tailEnd type="none" w="med" len="med"/>
-                    </a:lnL>
-                    <a:lnR w="28575" cap="flat" cmpd="sng" algn="ctr">
-                      <a:solidFill>
-                        <a:srgbClr val="FFC000"/>
-                      </a:solidFill>
-                      <a:prstDash val="solid"/>
-                      <a:round/>
-                      <a:headEnd type="none" w="med" len="med"/>
-                      <a:tailEnd type="none" w="med" len="med"/>
-                    </a:lnR>
-                    <a:lnT w="28575" cap="flat" cmpd="sng" algn="ctr">
-                      <a:solidFill>
-                        <a:srgbClr val="FFC000"/>
-                      </a:solidFill>
-                      <a:prstDash val="solid"/>
-                      <a:round/>
-                      <a:headEnd type="none" w="med" len="med"/>
-                      <a:tailEnd type="none" w="med" len="med"/>
-                    </a:lnT>
-                    <a:lnB w="28575" cap="flat" cmpd="sng" algn="ctr">
-                      <a:solidFill>
-                        <a:srgbClr val="FFC000"/>
-                      </a:solidFill>
-                      <a:prstDash val="solid"/>
-                      <a:round/>
-                      <a:headEnd type="none" w="med" len="med"/>
-                      <a:tailEnd type="none" w="med" len="med"/>
-                    </a:lnB>
-                    <a:noFill/>
-                  </a:tcPr>
-                </a:tc>
-              </a:tr>
-              <a:tr h="201123">
-                <a:tc>
-                  <a:txBody>
-                    <a:bodyPr/>
-                    <a:lstStyle/>
-                    <a:p>
-                      <a:r>
-                        <a:rPr kumimoji="0" lang="pt-BR" sz="900" kern="1200" dirty="0" smtClean="0">
-                          <a:solidFill>
-                            <a:srgbClr val="FFC000"/>
-                          </a:solidFill>
-                          <a:latin typeface="+mn-lt"/>
-                          <a:ea typeface="+mn-ea"/>
-                          <a:cs typeface="+mn-cs"/>
-                        </a:rPr>
-                        <a:t>comparator() : Comparator&lt;K&gt;</a:t>
-                      </a:r>
-                    </a:p>
-                    <a:p>
-                      <a:pPr marL="0" marR="0" indent="0" algn="l" defTabSz="914400" rtl="0" eaLnBrk="1" fontAlgn="auto" latinLnBrk="0" hangingPunct="1">
-                        <a:lnSpc>
-                          <a:spcPct val="100000"/>
-                        </a:lnSpc>
-                        <a:spcBef>
-                          <a:spcPts val="0"/>
-                        </a:spcBef>
-                        <a:spcAft>
-                          <a:spcPts val="0"/>
-                        </a:spcAft>
-                        <a:buClrTx/>
-                        <a:buSzTx/>
-                        <a:buFontTx/>
-                        <a:buNone/>
-                        <a:tabLst/>
-                        <a:defRPr/>
-                      </a:pPr>
-                      <a:r>
-                        <a:rPr kumimoji="0" lang="pt-BR" sz="900" kern="1200" dirty="0" smtClean="0">
-                          <a:solidFill>
-                            <a:srgbClr val="FFC000"/>
-                          </a:solidFill>
-                          <a:latin typeface="+mn-lt"/>
-                          <a:ea typeface="+mn-ea"/>
-                          <a:cs typeface="+mn-cs"/>
-                        </a:rPr>
-                        <a:t>firstKey() : K</a:t>
-                      </a:r>
-                    </a:p>
-                    <a:p>
-                      <a:pPr marL="0" marR="0" indent="0" algn="l" defTabSz="914400" rtl="0" eaLnBrk="1" fontAlgn="auto" latinLnBrk="0" hangingPunct="1">
-                        <a:lnSpc>
-                          <a:spcPct val="100000"/>
-                        </a:lnSpc>
-                        <a:spcBef>
-                          <a:spcPts val="0"/>
-                        </a:spcBef>
-                        <a:spcAft>
-                          <a:spcPts val="0"/>
-                        </a:spcAft>
-                        <a:buClrTx/>
-                        <a:buSzTx/>
-                        <a:buFontTx/>
-                        <a:buNone/>
-                        <a:tabLst/>
-                        <a:defRPr/>
-                      </a:pPr>
-                      <a:r>
-                        <a:rPr kumimoji="0" lang="pt-BR" sz="900" kern="1200" dirty="0" smtClean="0">
-                          <a:solidFill>
-                            <a:srgbClr val="FFC000"/>
-                          </a:solidFill>
-                          <a:latin typeface="+mn-lt"/>
-                          <a:ea typeface="+mn-ea"/>
-                          <a:cs typeface="+mn-cs"/>
-                        </a:rPr>
-                        <a:t>lastKey() : K</a:t>
-                      </a:r>
-                    </a:p>
-                    <a:p>
-                      <a:pPr marL="0" marR="0" indent="0" algn="l" defTabSz="914400" rtl="0" eaLnBrk="1" fontAlgn="auto" latinLnBrk="0" hangingPunct="1">
-                        <a:lnSpc>
-                          <a:spcPct val="100000"/>
-                        </a:lnSpc>
-                        <a:spcBef>
-                          <a:spcPts val="0"/>
-                        </a:spcBef>
-                        <a:spcAft>
-                          <a:spcPts val="0"/>
-                        </a:spcAft>
-                        <a:buClrTx/>
-                        <a:buSzTx/>
-                        <a:buFontTx/>
-                        <a:buNone/>
-                        <a:tabLst/>
-                        <a:defRPr/>
-                      </a:pPr>
-                      <a:r>
-                        <a:rPr kumimoji="0" lang="pt-BR" sz="900" kern="1200" dirty="0" smtClean="0">
-                          <a:solidFill>
-                            <a:srgbClr val="FFC000"/>
-                          </a:solidFill>
-                          <a:latin typeface="+mn-lt"/>
-                          <a:ea typeface="+mn-ea"/>
-                          <a:cs typeface="+mn-cs"/>
-                        </a:rPr>
-                        <a:t>headMap(K) : SortedMap&lt;K, V&gt;</a:t>
-                      </a:r>
-                    </a:p>
-                    <a:p>
-                      <a:pPr marL="0" marR="0" indent="0" algn="l" defTabSz="914400" rtl="0" eaLnBrk="1" fontAlgn="auto" latinLnBrk="0" hangingPunct="1">
-                        <a:lnSpc>
-                          <a:spcPct val="100000"/>
-                        </a:lnSpc>
-                        <a:spcBef>
-                          <a:spcPts val="0"/>
-                        </a:spcBef>
-                        <a:spcAft>
-                          <a:spcPts val="0"/>
-                        </a:spcAft>
-                        <a:buClrTx/>
-                        <a:buSzTx/>
-                        <a:buFontTx/>
-                        <a:buNone/>
-                        <a:tabLst/>
-                        <a:defRPr/>
-                      </a:pPr>
-                      <a:r>
-                        <a:rPr kumimoji="0" lang="pt-BR" sz="900" kern="1200" dirty="0" smtClean="0">
-                          <a:solidFill>
-                            <a:srgbClr val="FFC000"/>
-                          </a:solidFill>
-                          <a:latin typeface="+mn-lt"/>
-                          <a:ea typeface="+mn-ea"/>
-                          <a:cs typeface="+mn-cs"/>
-                        </a:rPr>
-                        <a:t>tailMap(K) : SortedMap&lt;K, V&gt;</a:t>
-                      </a:r>
-                    </a:p>
-                    <a:p>
-                      <a:pPr marL="0" marR="0" indent="0" algn="l" defTabSz="914400" rtl="0" eaLnBrk="1" fontAlgn="auto" latinLnBrk="0" hangingPunct="1">
-                        <a:lnSpc>
-                          <a:spcPct val="100000"/>
-                        </a:lnSpc>
-                        <a:spcBef>
-                          <a:spcPts val="0"/>
-                        </a:spcBef>
-                        <a:spcAft>
-                          <a:spcPts val="0"/>
-                        </a:spcAft>
-                        <a:buClrTx/>
-                        <a:buSzTx/>
-                        <a:buFontTx/>
-                        <a:buNone/>
-                        <a:tabLst/>
-                        <a:defRPr/>
-                      </a:pPr>
-                      <a:r>
-                        <a:rPr kumimoji="0" lang="pt-BR" sz="900" kern="1200" dirty="0" smtClean="0">
-                          <a:solidFill>
-                            <a:srgbClr val="FFC000"/>
-                          </a:solidFill>
-                          <a:latin typeface="+mn-lt"/>
-                          <a:ea typeface="+mn-ea"/>
-                          <a:cs typeface="+mn-cs"/>
-                        </a:rPr>
-                        <a:t>subMap(K, K) : SortedMap&lt;K, V&gt;</a:t>
-                      </a:r>
-                    </a:p>
-                  </a:txBody>
-                  <a:tcPr>
-                    <a:lnL w="28575" cap="flat" cmpd="sng" algn="ctr">
-                      <a:solidFill>
-                        <a:srgbClr val="FFC000"/>
-                      </a:solidFill>
-                      <a:prstDash val="solid"/>
-                      <a:round/>
-                      <a:headEnd type="none" w="med" len="med"/>
-                      <a:tailEnd type="none" w="med" len="med"/>
-                    </a:lnL>
-                    <a:lnR w="28575" cap="flat" cmpd="sng" algn="ctr">
-                      <a:solidFill>
-                        <a:srgbClr val="FFC000"/>
-                      </a:solidFill>
-                      <a:prstDash val="solid"/>
-                      <a:round/>
-                      <a:headEnd type="none" w="med" len="med"/>
-                      <a:tailEnd type="none" w="med" len="med"/>
-                    </a:lnR>
-                    <a:lnT w="28575" cap="flat" cmpd="sng" algn="ctr">
-                      <a:solidFill>
-                        <a:srgbClr val="FFC000"/>
-                      </a:solidFill>
-                      <a:prstDash val="solid"/>
-                      <a:round/>
-                      <a:headEnd type="none" w="med" len="med"/>
-                      <a:tailEnd type="none" w="med" len="med"/>
-                    </a:lnT>
-                    <a:lnB w="28575" cap="flat" cmpd="sng" algn="ctr">
-                      <a:solidFill>
-                        <a:srgbClr val="FFC000"/>
-                      </a:solidFill>
-                      <a:prstDash val="solid"/>
-                      <a:round/>
-                      <a:headEnd type="none" w="med" len="med"/>
-                      <a:tailEnd type="none" w="med" len="med"/>
-                    </a:lnB>
-                    <a:noFill/>
-                  </a:tcPr>
-                </a:tc>
-              </a:tr>
-            </a:tbl>
-          </a:graphicData>
-        </a:graphic>
-      </p:graphicFrame>
-      <p:graphicFrame>
-        <p:nvGraphicFramePr>
           <p:cNvPr id="26" name="Espaço Reservado para Conteúdo 4"/>
           <p:cNvGraphicFramePr>
             <a:graphicFrameLocks/>
@@ -29031,7 +24508,7 @@
           <p:nvPr/>
         </p:nvGraphicFramePr>
         <p:xfrm>
-          <a:off x="1285852" y="2428868"/>
+          <a:off x="1727590" y="2602200"/>
           <a:ext cx="1214446" cy="1271590"/>
         </p:xfrm>
         <a:graphic>
@@ -29307,7 +24784,7 @@
           <p:nvPr/>
         </p:nvGraphicFramePr>
         <p:xfrm>
-          <a:off x="1071538" y="4214818"/>
+          <a:off x="3717594" y="4394420"/>
           <a:ext cx="1643074" cy="1266828"/>
         </p:xfrm>
         <a:graphic>
@@ -29583,7 +25060,7 @@
           <p:nvPr/>
         </p:nvGraphicFramePr>
         <p:xfrm>
-          <a:off x="3500430" y="3500438"/>
+          <a:off x="6021850" y="2594220"/>
           <a:ext cx="1214446" cy="1266828"/>
         </p:xfrm>
         <a:graphic>
@@ -29850,740 +25327,6 @@
           </a:graphicData>
         </a:graphic>
       </p:graphicFrame>
-      <p:graphicFrame>
-        <p:nvGraphicFramePr>
-          <p:cNvPr id="29" name="Espaço Reservado para Conteúdo 4"/>
-          <p:cNvGraphicFramePr>
-            <a:graphicFrameLocks/>
-          </p:cNvGraphicFramePr>
-          <p:nvPr/>
-        </p:nvGraphicFramePr>
-        <p:xfrm>
-          <a:off x="5929322" y="3643314"/>
-          <a:ext cx="1928826" cy="2180099"/>
-        </p:xfrm>
-        <a:graphic>
-          <a:graphicData uri="http://schemas.openxmlformats.org/drawingml/2006/table">
-            <a:tbl>
-              <a:tblPr firstRow="1" bandRow="1">
-                <a:tableStyleId>{5C22544A-7EE6-4342-B048-85BDC9FD1C3A}</a:tableStyleId>
-              </a:tblPr>
-              <a:tblGrid>
-                <a:gridCol w="1928826"/>
-              </a:tblGrid>
-              <a:tr h="156866">
-                <a:tc>
-                  <a:txBody>
-                    <a:bodyPr/>
-                    <a:lstStyle/>
-                    <a:p>
-                      <a:pPr marL="0" algn="ctr" rtl="0" eaLnBrk="1" latinLnBrk="0" hangingPunct="1"/>
-                      <a:r>
-                        <a:rPr kumimoji="0" lang="pt-BR" sz="900" b="1" i="0" kern="1200" dirty="0" smtClean="0">
-                          <a:solidFill>
-                            <a:schemeClr val="tx1"/>
-                          </a:solidFill>
-                          <a:latin typeface="+mn-lt"/>
-                          <a:ea typeface="+mn-ea"/>
-                          <a:cs typeface="+mn-cs"/>
-                        </a:rPr>
-                        <a:t>TreeMap&lt;K, V&gt;</a:t>
-                      </a:r>
-                      <a:endParaRPr kumimoji="0" lang="pt-BR" sz="900" b="1" i="0" kern="1200" dirty="0">
-                        <a:solidFill>
-                          <a:schemeClr val="tx1"/>
-                        </a:solidFill>
-                        <a:latin typeface="+mn-lt"/>
-                        <a:ea typeface="+mn-ea"/>
-                        <a:cs typeface="+mn-cs"/>
-                      </a:endParaRPr>
-                    </a:p>
-                  </a:txBody>
-                  <a:tcPr>
-                    <a:lnL w="28575" cap="flat" cmpd="sng" algn="ctr">
-                      <a:solidFill>
-                        <a:schemeClr val="tx1"/>
-                      </a:solidFill>
-                      <a:prstDash val="solid"/>
-                      <a:round/>
-                      <a:headEnd type="none" w="med" len="med"/>
-                      <a:tailEnd type="none" w="med" len="med"/>
-                    </a:lnL>
-                    <a:lnR w="28575" cap="flat" cmpd="sng" algn="ctr">
-                      <a:solidFill>
-                        <a:schemeClr val="tx1"/>
-                      </a:solidFill>
-                      <a:prstDash val="solid"/>
-                      <a:round/>
-                      <a:headEnd type="none" w="med" len="med"/>
-                      <a:tailEnd type="none" w="med" len="med"/>
-                    </a:lnR>
-                    <a:lnT w="28575" cap="flat" cmpd="sng" algn="ctr">
-                      <a:solidFill>
-                        <a:schemeClr val="tx1"/>
-                      </a:solidFill>
-                      <a:prstDash val="solid"/>
-                      <a:round/>
-                      <a:headEnd type="none" w="med" len="med"/>
-                      <a:tailEnd type="none" w="med" len="med"/>
-                    </a:lnT>
-                    <a:lnB w="28575" cap="flat" cmpd="sng" algn="ctr">
-                      <a:solidFill>
-                        <a:schemeClr val="tx1"/>
-                      </a:solidFill>
-                      <a:prstDash val="solid"/>
-                      <a:round/>
-                      <a:headEnd type="none" w="med" len="med"/>
-                      <a:tailEnd type="none" w="med" len="med"/>
-                    </a:lnB>
-                    <a:noFill/>
-                  </a:tcPr>
-                </a:tc>
-              </a:tr>
-              <a:tr h="0">
-                <a:tc>
-                  <a:txBody>
-                    <a:bodyPr/>
-                    <a:lstStyle/>
-                    <a:p>
-                      <a:endParaRPr lang="en-US" sz="100" dirty="0" smtClean="0">
-                        <a:solidFill>
-                          <a:schemeClr val="tx1"/>
-                        </a:solidFill>
-                      </a:endParaRPr>
-                    </a:p>
-                  </a:txBody>
-                  <a:tcPr>
-                    <a:lnL w="28575" cap="flat" cmpd="sng" algn="ctr">
-                      <a:solidFill>
-                        <a:schemeClr val="tx1"/>
-                      </a:solidFill>
-                      <a:prstDash val="solid"/>
-                      <a:round/>
-                      <a:headEnd type="none" w="med" len="med"/>
-                      <a:tailEnd type="none" w="med" len="med"/>
-                    </a:lnL>
-                    <a:lnR w="28575" cap="flat" cmpd="sng" algn="ctr">
-                      <a:solidFill>
-                        <a:schemeClr val="tx1"/>
-                      </a:solidFill>
-                      <a:prstDash val="solid"/>
-                      <a:round/>
-                      <a:headEnd type="none" w="med" len="med"/>
-                      <a:tailEnd type="none" w="med" len="med"/>
-                    </a:lnR>
-                    <a:lnT w="28575" cap="flat" cmpd="sng" algn="ctr">
-                      <a:solidFill>
-                        <a:schemeClr val="tx1"/>
-                      </a:solidFill>
-                      <a:prstDash val="solid"/>
-                      <a:round/>
-                      <a:headEnd type="none" w="med" len="med"/>
-                      <a:tailEnd type="none" w="med" len="med"/>
-                    </a:lnT>
-                    <a:lnB w="28575" cap="flat" cmpd="sng" algn="ctr">
-                      <a:solidFill>
-                        <a:schemeClr val="tx1"/>
-                      </a:solidFill>
-                      <a:prstDash val="solid"/>
-                      <a:round/>
-                      <a:headEnd type="none" w="med" len="med"/>
-                      <a:tailEnd type="none" w="med" len="med"/>
-                    </a:lnB>
-                    <a:noFill/>
-                  </a:tcPr>
-                </a:tc>
-              </a:tr>
-              <a:tr h="1834659">
-                <a:tc>
-                  <a:txBody>
-                    <a:bodyPr/>
-                    <a:lstStyle/>
-                    <a:p>
-                      <a:r>
-                        <a:rPr lang="en-US" sz="900" dirty="0" smtClean="0">
-                          <a:solidFill>
-                            <a:schemeClr val="tx1"/>
-                          </a:solidFill>
-                        </a:rPr>
-                        <a:t>put(K, V) : V</a:t>
-                      </a:r>
-                    </a:p>
-                    <a:p>
-                      <a:r>
-                        <a:rPr lang="en-US" sz="900" dirty="0" smtClean="0">
-                          <a:solidFill>
-                            <a:schemeClr val="tx1"/>
-                          </a:solidFill>
-                        </a:rPr>
-                        <a:t>get(K) : V</a:t>
-                      </a:r>
-                    </a:p>
-                    <a:p>
-                      <a:r>
-                        <a:rPr lang="en-US" sz="900" dirty="0" smtClean="0">
-                          <a:solidFill>
-                            <a:schemeClr val="tx1"/>
-                          </a:solidFill>
-                        </a:rPr>
-                        <a:t>remove(K) : V</a:t>
-                      </a:r>
-                    </a:p>
-                    <a:p>
-                      <a:r>
-                        <a:rPr lang="en-US" sz="900" dirty="0" smtClean="0">
-                          <a:solidFill>
-                            <a:schemeClr val="tx1"/>
-                          </a:solidFill>
-                        </a:rPr>
-                        <a:t>clear() : void</a:t>
-                      </a:r>
-                    </a:p>
-                    <a:p>
-                      <a:r>
-                        <a:rPr lang="en-US" sz="900" dirty="0" smtClean="0">
-                          <a:solidFill>
-                            <a:schemeClr val="tx1"/>
-                          </a:solidFill>
-                        </a:rPr>
-                        <a:t>size() : </a:t>
-                      </a:r>
-                      <a:r>
-                        <a:rPr lang="en-US" sz="900" dirty="0" err="1" smtClean="0">
-                          <a:solidFill>
-                            <a:schemeClr val="tx1"/>
-                          </a:solidFill>
-                        </a:rPr>
-                        <a:t>int</a:t>
-                      </a:r>
-                      <a:endParaRPr lang="en-US" sz="900" dirty="0" smtClean="0">
-                        <a:solidFill>
-                          <a:schemeClr val="tx1"/>
-                        </a:solidFill>
-                      </a:endParaRPr>
-                    </a:p>
-                    <a:p>
-                      <a:r>
-                        <a:rPr lang="en-US" sz="900" dirty="0" err="1" smtClean="0">
-                          <a:solidFill>
-                            <a:schemeClr val="tx1"/>
-                          </a:solidFill>
-                        </a:rPr>
-                        <a:t>keySet</a:t>
-                      </a:r>
-                      <a:r>
-                        <a:rPr lang="en-US" sz="900" dirty="0" smtClean="0">
-                          <a:solidFill>
-                            <a:schemeClr val="tx1"/>
-                          </a:solidFill>
-                        </a:rPr>
-                        <a:t>() : Set&lt;K&gt;</a:t>
-                      </a:r>
-                    </a:p>
-                    <a:p>
-                      <a:r>
-                        <a:rPr kumimoji="0" lang="pt-BR" sz="900" kern="1200" dirty="0" smtClean="0">
-                          <a:solidFill>
-                            <a:schemeClr val="tx1"/>
-                          </a:solidFill>
-                          <a:latin typeface="+mn-lt"/>
-                          <a:ea typeface="+mn-ea"/>
-                          <a:cs typeface="+mn-cs"/>
-                        </a:rPr>
-                        <a:t>comparator() : Comparator&lt;K&gt;</a:t>
-                      </a:r>
-                    </a:p>
-                    <a:p>
-                      <a:pPr marL="0" marR="0" indent="0" algn="l" defTabSz="914400" rtl="0" eaLnBrk="1" fontAlgn="auto" latinLnBrk="0" hangingPunct="1">
-                        <a:lnSpc>
-                          <a:spcPct val="100000"/>
-                        </a:lnSpc>
-                        <a:spcBef>
-                          <a:spcPts val="0"/>
-                        </a:spcBef>
-                        <a:spcAft>
-                          <a:spcPts val="0"/>
-                        </a:spcAft>
-                        <a:buClrTx/>
-                        <a:buSzTx/>
-                        <a:buFontTx/>
-                        <a:buNone/>
-                        <a:tabLst/>
-                        <a:defRPr/>
-                      </a:pPr>
-                      <a:r>
-                        <a:rPr kumimoji="0" lang="pt-BR" sz="900" kern="1200" dirty="0" smtClean="0">
-                          <a:solidFill>
-                            <a:schemeClr val="tx1"/>
-                          </a:solidFill>
-                          <a:latin typeface="+mn-lt"/>
-                          <a:ea typeface="+mn-ea"/>
-                          <a:cs typeface="+mn-cs"/>
-                        </a:rPr>
-                        <a:t>firstKey() : K</a:t>
-                      </a:r>
-                    </a:p>
-                    <a:p>
-                      <a:pPr marL="0" marR="0" indent="0" algn="l" defTabSz="914400" rtl="0" eaLnBrk="1" fontAlgn="auto" latinLnBrk="0" hangingPunct="1">
-                        <a:lnSpc>
-                          <a:spcPct val="100000"/>
-                        </a:lnSpc>
-                        <a:spcBef>
-                          <a:spcPts val="0"/>
-                        </a:spcBef>
-                        <a:spcAft>
-                          <a:spcPts val="0"/>
-                        </a:spcAft>
-                        <a:buClrTx/>
-                        <a:buSzTx/>
-                        <a:buFontTx/>
-                        <a:buNone/>
-                        <a:tabLst/>
-                        <a:defRPr/>
-                      </a:pPr>
-                      <a:r>
-                        <a:rPr kumimoji="0" lang="pt-BR" sz="900" kern="1200" dirty="0" smtClean="0">
-                          <a:solidFill>
-                            <a:schemeClr val="tx1"/>
-                          </a:solidFill>
-                          <a:latin typeface="+mn-lt"/>
-                          <a:ea typeface="+mn-ea"/>
-                          <a:cs typeface="+mn-cs"/>
-                        </a:rPr>
-                        <a:t>lastKey() : K</a:t>
-                      </a:r>
-                    </a:p>
-                    <a:p>
-                      <a:pPr marL="0" marR="0" indent="0" algn="l" defTabSz="914400" rtl="0" eaLnBrk="1" fontAlgn="auto" latinLnBrk="0" hangingPunct="1">
-                        <a:lnSpc>
-                          <a:spcPct val="100000"/>
-                        </a:lnSpc>
-                        <a:spcBef>
-                          <a:spcPts val="0"/>
-                        </a:spcBef>
-                        <a:spcAft>
-                          <a:spcPts val="0"/>
-                        </a:spcAft>
-                        <a:buClrTx/>
-                        <a:buSzTx/>
-                        <a:buFontTx/>
-                        <a:buNone/>
-                        <a:tabLst/>
-                        <a:defRPr/>
-                      </a:pPr>
-                      <a:r>
-                        <a:rPr kumimoji="0" lang="pt-BR" sz="900" kern="1200" dirty="0" smtClean="0">
-                          <a:solidFill>
-                            <a:schemeClr val="tx1"/>
-                          </a:solidFill>
-                          <a:latin typeface="+mn-lt"/>
-                          <a:ea typeface="+mn-ea"/>
-                          <a:cs typeface="+mn-cs"/>
-                        </a:rPr>
-                        <a:t>headMap(K) : SortedMap&lt;K, V&gt;</a:t>
-                      </a:r>
-                    </a:p>
-                    <a:p>
-                      <a:pPr marL="0" marR="0" indent="0" algn="l" defTabSz="914400" rtl="0" eaLnBrk="1" fontAlgn="auto" latinLnBrk="0" hangingPunct="1">
-                        <a:lnSpc>
-                          <a:spcPct val="100000"/>
-                        </a:lnSpc>
-                        <a:spcBef>
-                          <a:spcPts val="0"/>
-                        </a:spcBef>
-                        <a:spcAft>
-                          <a:spcPts val="0"/>
-                        </a:spcAft>
-                        <a:buClrTx/>
-                        <a:buSzTx/>
-                        <a:buFontTx/>
-                        <a:buNone/>
-                        <a:tabLst/>
-                        <a:defRPr/>
-                      </a:pPr>
-                      <a:r>
-                        <a:rPr kumimoji="0" lang="pt-BR" sz="900" kern="1200" dirty="0" smtClean="0">
-                          <a:solidFill>
-                            <a:schemeClr val="tx1"/>
-                          </a:solidFill>
-                          <a:latin typeface="+mn-lt"/>
-                          <a:ea typeface="+mn-ea"/>
-                          <a:cs typeface="+mn-cs"/>
-                        </a:rPr>
-                        <a:t>tailMap(K) : SortedMap&lt;K, V&gt;</a:t>
-                      </a:r>
-                    </a:p>
-                    <a:p>
-                      <a:pPr marL="0" marR="0" indent="0" algn="l" defTabSz="914400" rtl="0" eaLnBrk="1" fontAlgn="auto" latinLnBrk="0" hangingPunct="1">
-                        <a:lnSpc>
-                          <a:spcPct val="100000"/>
-                        </a:lnSpc>
-                        <a:spcBef>
-                          <a:spcPts val="0"/>
-                        </a:spcBef>
-                        <a:spcAft>
-                          <a:spcPts val="0"/>
-                        </a:spcAft>
-                        <a:buClrTx/>
-                        <a:buSzTx/>
-                        <a:buFontTx/>
-                        <a:buNone/>
-                        <a:tabLst/>
-                        <a:defRPr/>
-                      </a:pPr>
-                      <a:r>
-                        <a:rPr kumimoji="0" lang="pt-BR" sz="900" kern="1200" dirty="0" smtClean="0">
-                          <a:solidFill>
-                            <a:schemeClr val="tx1"/>
-                          </a:solidFill>
-                          <a:latin typeface="+mn-lt"/>
-                          <a:ea typeface="+mn-ea"/>
-                          <a:cs typeface="+mn-cs"/>
-                        </a:rPr>
-                        <a:t>subMap(K, K) : SortedMap&lt;K, V&gt;</a:t>
-                      </a:r>
-                    </a:p>
-                  </a:txBody>
-                  <a:tcPr>
-                    <a:lnL w="28575" cap="flat" cmpd="sng" algn="ctr">
-                      <a:solidFill>
-                        <a:schemeClr val="tx1"/>
-                      </a:solidFill>
-                      <a:prstDash val="solid"/>
-                      <a:round/>
-                      <a:headEnd type="none" w="med" len="med"/>
-                      <a:tailEnd type="none" w="med" len="med"/>
-                    </a:lnL>
-                    <a:lnR w="28575" cap="flat" cmpd="sng" algn="ctr">
-                      <a:solidFill>
-                        <a:schemeClr val="tx1"/>
-                      </a:solidFill>
-                      <a:prstDash val="solid"/>
-                      <a:round/>
-                      <a:headEnd type="none" w="med" len="med"/>
-                      <a:tailEnd type="none" w="med" len="med"/>
-                    </a:lnR>
-                    <a:lnT w="28575" cap="flat" cmpd="sng" algn="ctr">
-                      <a:solidFill>
-                        <a:schemeClr val="tx1"/>
-                      </a:solidFill>
-                      <a:prstDash val="solid"/>
-                      <a:round/>
-                      <a:headEnd type="none" w="med" len="med"/>
-                      <a:tailEnd type="none" w="med" len="med"/>
-                    </a:lnT>
-                    <a:lnB w="28575" cap="flat" cmpd="sng" algn="ctr">
-                      <a:solidFill>
-                        <a:schemeClr val="tx1"/>
-                      </a:solidFill>
-                      <a:prstDash val="solid"/>
-                      <a:round/>
-                      <a:headEnd type="none" w="med" len="med"/>
-                      <a:tailEnd type="none" w="med" len="med"/>
-                    </a:lnB>
-                    <a:noFill/>
-                  </a:tcPr>
-                </a:tc>
-              </a:tr>
-            </a:tbl>
-          </a:graphicData>
-        </a:graphic>
-      </p:graphicFrame>
-      <p:graphicFrame>
-        <p:nvGraphicFramePr>
-          <p:cNvPr id="30" name="Espaço Reservado para Conteúdo 4"/>
-          <p:cNvGraphicFramePr>
-            <a:graphicFrameLocks/>
-          </p:cNvGraphicFramePr>
-          <p:nvPr/>
-        </p:nvGraphicFramePr>
-        <p:xfrm>
-          <a:off x="3143240" y="5357826"/>
-          <a:ext cx="2000264" cy="992508"/>
-        </p:xfrm>
-        <a:graphic>
-          <a:graphicData uri="http://schemas.openxmlformats.org/drawingml/2006/table">
-            <a:tbl>
-              <a:tblPr firstRow="1" bandRow="1">
-                <a:tableStyleId>{5C22544A-7EE6-4342-B048-85BDC9FD1C3A}</a:tableStyleId>
-              </a:tblPr>
-              <a:tblGrid>
-                <a:gridCol w="2000264"/>
-              </a:tblGrid>
-              <a:tr h="142876">
-                <a:tc>
-                  <a:txBody>
-                    <a:bodyPr/>
-                    <a:lstStyle/>
-                    <a:p>
-                      <a:pPr marL="0" algn="ctr" rtl="0" eaLnBrk="1" latinLnBrk="0" hangingPunct="1"/>
-                      <a:r>
-                        <a:rPr kumimoji="0" lang="pt-BR" sz="900" b="1" i="0" kern="1200" dirty="0" smtClean="0">
-                          <a:solidFill>
-                            <a:schemeClr val="tx1"/>
-                          </a:solidFill>
-                          <a:latin typeface="+mn-lt"/>
-                          <a:ea typeface="+mn-ea"/>
-                          <a:cs typeface="+mn-cs"/>
-                        </a:rPr>
-                        <a:t>Properties</a:t>
-                      </a:r>
-                      <a:endParaRPr kumimoji="0" lang="pt-BR" sz="900" b="1" i="0" kern="1200" dirty="0">
-                        <a:solidFill>
-                          <a:schemeClr val="tx1"/>
-                        </a:solidFill>
-                        <a:latin typeface="+mn-lt"/>
-                        <a:ea typeface="+mn-ea"/>
-                        <a:cs typeface="+mn-cs"/>
-                      </a:endParaRPr>
-                    </a:p>
-                  </a:txBody>
-                  <a:tcPr>
-                    <a:lnL w="28575" cap="flat" cmpd="sng" algn="ctr">
-                      <a:solidFill>
-                        <a:schemeClr val="tx1"/>
-                      </a:solidFill>
-                      <a:prstDash val="solid"/>
-                      <a:round/>
-                      <a:headEnd type="none" w="med" len="med"/>
-                      <a:tailEnd type="none" w="med" len="med"/>
-                    </a:lnL>
-                    <a:lnR w="28575" cap="flat" cmpd="sng" algn="ctr">
-                      <a:solidFill>
-                        <a:schemeClr val="tx1"/>
-                      </a:solidFill>
-                      <a:prstDash val="solid"/>
-                      <a:round/>
-                      <a:headEnd type="none" w="med" len="med"/>
-                      <a:tailEnd type="none" w="med" len="med"/>
-                    </a:lnR>
-                    <a:lnT w="28575" cap="flat" cmpd="sng" algn="ctr">
-                      <a:solidFill>
-                        <a:schemeClr val="tx1"/>
-                      </a:solidFill>
-                      <a:prstDash val="solid"/>
-                      <a:round/>
-                      <a:headEnd type="none" w="med" len="med"/>
-                      <a:tailEnd type="none" w="med" len="med"/>
-                    </a:lnT>
-                    <a:lnB w="28575" cap="flat" cmpd="sng" algn="ctr">
-                      <a:solidFill>
-                        <a:schemeClr val="tx1"/>
-                      </a:solidFill>
-                      <a:prstDash val="solid"/>
-                      <a:round/>
-                      <a:headEnd type="none" w="med" len="med"/>
-                      <a:tailEnd type="none" w="med" len="med"/>
-                    </a:lnB>
-                    <a:noFill/>
-                  </a:tcPr>
-                </a:tc>
-              </a:tr>
-              <a:tr h="123828">
-                <a:tc>
-                  <a:txBody>
-                    <a:bodyPr/>
-                    <a:lstStyle/>
-                    <a:p>
-                      <a:endParaRPr lang="en-US" sz="100" dirty="0" smtClean="0">
-                        <a:solidFill>
-                          <a:schemeClr val="tx1"/>
-                        </a:solidFill>
-                      </a:endParaRPr>
-                    </a:p>
-                  </a:txBody>
-                  <a:tcPr>
-                    <a:lnL w="28575" cap="flat" cmpd="sng" algn="ctr">
-                      <a:solidFill>
-                        <a:schemeClr val="tx1"/>
-                      </a:solidFill>
-                      <a:prstDash val="solid"/>
-                      <a:round/>
-                      <a:headEnd type="none" w="med" len="med"/>
-                      <a:tailEnd type="none" w="med" len="med"/>
-                    </a:lnL>
-                    <a:lnR w="28575" cap="flat" cmpd="sng" algn="ctr">
-                      <a:solidFill>
-                        <a:schemeClr val="tx1"/>
-                      </a:solidFill>
-                      <a:prstDash val="solid"/>
-                      <a:round/>
-                      <a:headEnd type="none" w="med" len="med"/>
-                      <a:tailEnd type="none" w="med" len="med"/>
-                    </a:lnR>
-                    <a:lnT w="28575" cap="flat" cmpd="sng" algn="ctr">
-                      <a:solidFill>
-                        <a:schemeClr val="tx1"/>
-                      </a:solidFill>
-                      <a:prstDash val="solid"/>
-                      <a:round/>
-                      <a:headEnd type="none" w="med" len="med"/>
-                      <a:tailEnd type="none" w="med" len="med"/>
-                    </a:lnT>
-                    <a:lnB w="28575" cap="flat" cmpd="sng" algn="ctr">
-                      <a:solidFill>
-                        <a:schemeClr val="tx1"/>
-                      </a:solidFill>
-                      <a:prstDash val="solid"/>
-                      <a:round/>
-                      <a:headEnd type="none" w="med" len="med"/>
-                      <a:tailEnd type="none" w="med" len="med"/>
-                    </a:lnB>
-                    <a:noFill/>
-                  </a:tcPr>
-                </a:tc>
-              </a:tr>
-              <a:tr h="370840">
-                <a:tc>
-                  <a:txBody>
-                    <a:bodyPr/>
-                    <a:lstStyle/>
-                    <a:p>
-                      <a:r>
-                        <a:rPr lang="en-US" sz="900" dirty="0" smtClean="0">
-                          <a:solidFill>
-                            <a:schemeClr val="tx1"/>
-                          </a:solidFill>
-                        </a:rPr>
-                        <a:t>load(</a:t>
-                      </a:r>
-                      <a:r>
-                        <a:rPr lang="en-US" sz="900" dirty="0" err="1" smtClean="0">
-                          <a:solidFill>
-                            <a:schemeClr val="tx1"/>
-                          </a:solidFill>
-                        </a:rPr>
-                        <a:t>InputStream</a:t>
-                      </a:r>
-                      <a:r>
-                        <a:rPr lang="en-US" sz="900" dirty="0" smtClean="0">
-                          <a:solidFill>
-                            <a:schemeClr val="tx1"/>
-                          </a:solidFill>
-                        </a:rPr>
-                        <a:t>) : void</a:t>
-                      </a:r>
-                    </a:p>
-                    <a:p>
-                      <a:r>
-                        <a:rPr lang="en-US" sz="900" dirty="0" smtClean="0">
-                          <a:solidFill>
-                            <a:schemeClr val="tx1"/>
-                          </a:solidFill>
-                        </a:rPr>
-                        <a:t>load(Reader) : void</a:t>
-                      </a:r>
-                    </a:p>
-                    <a:p>
-                      <a:r>
-                        <a:rPr lang="en-US" sz="900" dirty="0" err="1" smtClean="0">
-                          <a:solidFill>
-                            <a:schemeClr val="tx1"/>
-                          </a:solidFill>
-                        </a:rPr>
-                        <a:t>getProperty</a:t>
-                      </a:r>
-                      <a:r>
-                        <a:rPr lang="en-US" sz="900" dirty="0" smtClean="0">
-                          <a:solidFill>
-                            <a:schemeClr val="tx1"/>
-                          </a:solidFill>
-                        </a:rPr>
-                        <a:t>(String) : String</a:t>
-                      </a:r>
-                    </a:p>
-                    <a:p>
-                      <a:r>
-                        <a:rPr lang="en-US" sz="900" dirty="0" err="1" smtClean="0">
-                          <a:solidFill>
-                            <a:schemeClr val="tx1"/>
-                          </a:solidFill>
-                        </a:rPr>
-                        <a:t>setProperty</a:t>
-                      </a:r>
-                      <a:r>
-                        <a:rPr lang="en-US" sz="900" dirty="0" smtClean="0">
-                          <a:solidFill>
-                            <a:schemeClr val="tx1"/>
-                          </a:solidFill>
-                        </a:rPr>
-                        <a:t>(String, String) : void</a:t>
-                      </a:r>
-                    </a:p>
-                  </a:txBody>
-                  <a:tcPr>
-                    <a:lnL w="28575" cap="flat" cmpd="sng" algn="ctr">
-                      <a:solidFill>
-                        <a:schemeClr val="tx1"/>
-                      </a:solidFill>
-                      <a:prstDash val="solid"/>
-                      <a:round/>
-                      <a:headEnd type="none" w="med" len="med"/>
-                      <a:tailEnd type="none" w="med" len="med"/>
-                    </a:lnL>
-                    <a:lnR w="28575" cap="flat" cmpd="sng" algn="ctr">
-                      <a:solidFill>
-                        <a:schemeClr val="tx1"/>
-                      </a:solidFill>
-                      <a:prstDash val="solid"/>
-                      <a:round/>
-                      <a:headEnd type="none" w="med" len="med"/>
-                      <a:tailEnd type="none" w="med" len="med"/>
-                    </a:lnR>
-                    <a:lnT w="28575" cap="flat" cmpd="sng" algn="ctr">
-                      <a:solidFill>
-                        <a:schemeClr val="tx1"/>
-                      </a:solidFill>
-                      <a:prstDash val="solid"/>
-                      <a:round/>
-                      <a:headEnd type="none" w="med" len="med"/>
-                      <a:tailEnd type="none" w="med" len="med"/>
-                    </a:lnT>
-                    <a:lnB w="28575" cap="flat" cmpd="sng" algn="ctr">
-                      <a:solidFill>
-                        <a:schemeClr val="tx1"/>
-                      </a:solidFill>
-                      <a:prstDash val="solid"/>
-                      <a:round/>
-                      <a:headEnd type="none" w="med" len="med"/>
-                      <a:tailEnd type="none" w="med" len="med"/>
-                    </a:lnB>
-                    <a:noFill/>
-                  </a:tcPr>
-                </a:tc>
-              </a:tr>
-            </a:tbl>
-          </a:graphicData>
-        </a:graphic>
-      </p:graphicFrame>
-      <p:cxnSp>
-        <p:nvCxnSpPr>
-          <p:cNvPr id="37" name="Conector de seta reta 22"/>
-          <p:cNvCxnSpPr>
-            <a:cxnSpLocks noChangeShapeType="1"/>
-          </p:cNvCxnSpPr>
-          <p:nvPr/>
-        </p:nvCxnSpPr>
-        <p:spPr bwMode="auto">
-          <a:xfrm rot="10800000" flipV="1">
-            <a:off x="4643438" y="2285991"/>
-            <a:ext cx="1285884" cy="1"/>
-          </a:xfrm>
-          <a:prstGeom prst="straightConnector1">
-            <a:avLst/>
-          </a:prstGeom>
-          <a:noFill/>
-          <a:ln w="28575" algn="ctr">
-            <a:solidFill>
-              <a:srgbClr val="FFC000"/>
-            </a:solidFill>
-            <a:prstDash val="solid"/>
-            <a:round/>
-            <a:headEnd/>
-            <a:tailEnd type="triangle" w="lg" len="lg"/>
-          </a:ln>
-        </p:spPr>
-      </p:cxnSp>
       <p:cxnSp>
         <p:nvCxnSpPr>
           <p:cNvPr id="42" name="Conector de seta reta 22"/>
@@ -30594,8 +25337,64 @@
         </p:nvCxnSpPr>
         <p:spPr bwMode="auto">
           <a:xfrm>
-            <a:off x="2500298" y="2643182"/>
+            <a:off x="2942036" y="2816514"/>
             <a:ext cx="1000132" cy="1"/>
+          </a:xfrm>
+          <a:prstGeom prst="straightConnector1">
+            <a:avLst/>
+          </a:prstGeom>
+          <a:noFill/>
+          <a:ln w="28575" algn="ctr">
+            <a:solidFill>
+              <a:schemeClr val="tx1"/>
+            </a:solidFill>
+            <a:prstDash val="dash"/>
+            <a:round/>
+            <a:headEnd type="none" w="med" len="med"/>
+            <a:tailEnd type="arrow" w="med" len="med"/>
+          </a:ln>
+        </p:spPr>
+      </p:cxnSp>
+      <p:cxnSp>
+        <p:nvCxnSpPr>
+          <p:cNvPr id="48" name="Conector de seta reta 22"/>
+          <p:cNvCxnSpPr>
+            <a:cxnSpLocks noChangeShapeType="1"/>
+          </p:cNvCxnSpPr>
+          <p:nvPr/>
+        </p:nvCxnSpPr>
+        <p:spPr bwMode="auto">
+          <a:xfrm flipH="1">
+            <a:off x="5095268" y="2810244"/>
+            <a:ext cx="926582" cy="0"/>
+          </a:xfrm>
+          <a:prstGeom prst="straightConnector1">
+            <a:avLst/>
+          </a:prstGeom>
+          <a:noFill/>
+          <a:ln w="28575" algn="ctr">
+            <a:solidFill>
+              <a:schemeClr val="tx1"/>
+            </a:solidFill>
+            <a:prstDash val="dash"/>
+            <a:round/>
+            <a:headEnd type="none" w="med" len="med"/>
+            <a:tailEnd type="arrow" w="med" len="med"/>
+          </a:ln>
+        </p:spPr>
+      </p:cxnSp>
+      <p:cxnSp>
+        <p:nvCxnSpPr>
+          <p:cNvPr id="24" name="Conector de seta reta 22"/>
+          <p:cNvCxnSpPr>
+            <a:cxnSpLocks noChangeShapeType="1"/>
+          </p:cNvCxnSpPr>
+          <p:nvPr/>
+        </p:nvCxnSpPr>
+        <p:spPr bwMode="auto">
+          <a:xfrm flipV="1">
+            <a:off x="4509682" y="3098277"/>
+            <a:ext cx="0" cy="1296143"/>
           </a:xfrm>
           <a:prstGeom prst="straightConnector1">
             <a:avLst/>
@@ -30614,30 +25413,30 @@
       </p:cxnSp>
       <p:grpSp>
         <p:nvGrpSpPr>
-          <p:cNvPr id="44" name="Group 43"/>
+          <p:cNvPr id="40" name="Grupo 39"/>
           <p:cNvGrpSpPr/>
           <p:nvPr/>
         </p:nvGrpSpPr>
         <p:grpSpPr>
-          <a:xfrm rot="5400000">
-            <a:off x="2143108" y="3429003"/>
-            <a:ext cx="1928826" cy="785818"/>
-            <a:chOff x="2857487" y="3286125"/>
-            <a:chExt cx="214317" cy="1347797"/>
+          <a:xfrm>
+            <a:off x="2349442" y="3890364"/>
+            <a:ext cx="1368152" cy="1080120"/>
+            <a:chOff x="1907704" y="3717032"/>
+            <a:chExt cx="1368152" cy="1080120"/>
           </a:xfrm>
         </p:grpSpPr>
         <p:cxnSp>
           <p:nvCxnSpPr>
-            <p:cNvPr id="45" name="Conector de seta reta 22"/>
+            <p:cNvPr id="60" name="Conector de seta reta 22"/>
             <p:cNvCxnSpPr>
               <a:cxnSpLocks noChangeShapeType="1"/>
             </p:cNvCxnSpPr>
             <p:nvPr/>
           </p:nvCxnSpPr>
           <p:spPr bwMode="auto">
-            <a:xfrm rot="5400000" flipH="1" flipV="1">
-              <a:off x="2505060" y="3638552"/>
-              <a:ext cx="704856" cy="1"/>
+            <a:xfrm flipV="1">
+              <a:off x="1907704" y="3717032"/>
+              <a:ext cx="0" cy="1080120"/>
             </a:xfrm>
             <a:prstGeom prst="straightConnector1">
               <a:avLst/>
@@ -30647,25 +25446,25 @@
               <a:solidFill>
                 <a:schemeClr val="tx1"/>
               </a:solidFill>
-              <a:prstDash val="dash"/>
+              <a:prstDash val="solid"/>
               <a:round/>
-              <a:headEnd type="none" w="med" len="med"/>
-              <a:tailEnd type="arrow" w="med" len="med"/>
+              <a:headEnd/>
+              <a:tailEnd type="triangle" w="lg" len="lg"/>
             </a:ln>
           </p:spPr>
         </p:cxnSp>
         <p:cxnSp>
           <p:nvCxnSpPr>
-            <p:cNvPr id="46" name="Conector de seta reta 22"/>
+            <p:cNvPr id="36" name="Conector de seta reta 22"/>
             <p:cNvCxnSpPr>
               <a:cxnSpLocks noChangeShapeType="1"/>
             </p:cNvCxnSpPr>
             <p:nvPr/>
           </p:nvCxnSpPr>
           <p:spPr bwMode="auto">
-            <a:xfrm rot="10800000">
-              <a:off x="2857488" y="3989413"/>
-              <a:ext cx="214314" cy="1567"/>
+            <a:xfrm flipH="1">
+              <a:off x="1907704" y="4797152"/>
+              <a:ext cx="1368152" cy="0"/>
             </a:xfrm>
             <a:prstGeom prst="straightConnector1">
               <a:avLst/>
@@ -30675,35 +25474,7 @@
               <a:solidFill>
                 <a:schemeClr val="tx1"/>
               </a:solidFill>
-              <a:prstDash val="dash"/>
-              <a:round/>
-              <a:headEnd type="none" w="med" len="med"/>
-              <a:tailEnd type="none" w="med" len="med"/>
-            </a:ln>
-          </p:spPr>
-        </p:cxnSp>
-        <p:cxnSp>
-          <p:nvCxnSpPr>
-            <p:cNvPr id="47" name="Conector de seta reta 22"/>
-            <p:cNvCxnSpPr>
-              <a:cxnSpLocks noChangeShapeType="1"/>
-            </p:cNvCxnSpPr>
-            <p:nvPr/>
-          </p:nvCxnSpPr>
-          <p:spPr bwMode="auto">
-            <a:xfrm rot="5400000" flipH="1" flipV="1">
-              <a:off x="2755094" y="4317212"/>
-              <a:ext cx="633418" cy="2"/>
-            </a:xfrm>
-            <a:prstGeom prst="straightConnector1">
-              <a:avLst/>
-            </a:prstGeom>
-            <a:noFill/>
-            <a:ln w="28575" algn="ctr">
-              <a:solidFill>
-                <a:schemeClr val="tx1"/>
-              </a:solidFill>
-              <a:prstDash val="dash"/>
+              <a:prstDash val="solid"/>
               <a:round/>
               <a:headEnd type="none" w="med" len="med"/>
               <a:tailEnd type="none" w="med" len="med"/>
@@ -30711,118 +25482,6 @@
           </p:spPr>
         </p:cxnSp>
       </p:grpSp>
-      <p:cxnSp>
-        <p:nvCxnSpPr>
-          <p:cNvPr id="48" name="Conector de seta reta 22"/>
-          <p:cNvCxnSpPr>
-            <a:cxnSpLocks noChangeShapeType="1"/>
-          </p:cNvCxnSpPr>
-          <p:nvPr/>
-        </p:nvCxnSpPr>
-        <p:spPr bwMode="auto">
-          <a:xfrm rot="5400000" flipH="1" flipV="1">
-            <a:off x="3790945" y="3209925"/>
-            <a:ext cx="571504" cy="9522"/>
-          </a:xfrm>
-          <a:prstGeom prst="straightConnector1">
-            <a:avLst/>
-          </a:prstGeom>
-          <a:noFill/>
-          <a:ln w="28575" algn="ctr">
-            <a:solidFill>
-              <a:schemeClr val="tx1"/>
-            </a:solidFill>
-            <a:prstDash val="dash"/>
-            <a:round/>
-            <a:headEnd type="none" w="med" len="med"/>
-            <a:tailEnd type="arrow" w="med" len="med"/>
-          </a:ln>
-        </p:spPr>
-      </p:cxnSp>
-      <p:cxnSp>
-        <p:nvCxnSpPr>
-          <p:cNvPr id="53" name="Conector de seta reta 22"/>
-          <p:cNvCxnSpPr>
-            <a:cxnSpLocks noChangeShapeType="1"/>
-          </p:cNvCxnSpPr>
-          <p:nvPr/>
-        </p:nvCxnSpPr>
-        <p:spPr bwMode="auto">
-          <a:xfrm rot="5400000" flipH="1" flipV="1">
-            <a:off x="6465504" y="3250008"/>
-            <a:ext cx="785818" cy="794"/>
-          </a:xfrm>
-          <a:prstGeom prst="straightConnector1">
-            <a:avLst/>
-          </a:prstGeom>
-          <a:noFill/>
-          <a:ln w="28575" algn="ctr">
-            <a:solidFill>
-              <a:schemeClr val="tx1"/>
-            </a:solidFill>
-            <a:prstDash val="dash"/>
-            <a:round/>
-            <a:headEnd type="none" w="med" len="med"/>
-            <a:tailEnd type="arrow" w="med" len="med"/>
-          </a:ln>
-        </p:spPr>
-      </p:cxnSp>
-      <p:cxnSp>
-        <p:nvCxnSpPr>
-          <p:cNvPr id="58" name="Conector de seta reta 22"/>
-          <p:cNvCxnSpPr>
-            <a:cxnSpLocks noChangeShapeType="1"/>
-          </p:cNvCxnSpPr>
-          <p:nvPr/>
-        </p:nvCxnSpPr>
-        <p:spPr bwMode="auto">
-          <a:xfrm rot="5400000" flipH="1" flipV="1">
-            <a:off x="3786579" y="5071677"/>
-            <a:ext cx="571504" cy="794"/>
-          </a:xfrm>
-          <a:prstGeom prst="straightConnector1">
-            <a:avLst/>
-          </a:prstGeom>
-          <a:noFill/>
-          <a:ln w="28575" algn="ctr">
-            <a:solidFill>
-              <a:schemeClr val="tx1"/>
-            </a:solidFill>
-            <a:prstDash val="solid"/>
-            <a:round/>
-            <a:headEnd/>
-            <a:tailEnd type="triangle" w="lg" len="lg"/>
-          </a:ln>
-        </p:spPr>
-      </p:cxnSp>
-      <p:cxnSp>
-        <p:nvCxnSpPr>
-          <p:cNvPr id="60" name="Conector de seta reta 22"/>
-          <p:cNvCxnSpPr>
-            <a:cxnSpLocks noChangeShapeType="1"/>
-          </p:cNvCxnSpPr>
-          <p:nvPr/>
-        </p:nvCxnSpPr>
-        <p:spPr bwMode="auto">
-          <a:xfrm rot="5400000" flipH="1" flipV="1">
-            <a:off x="1679158" y="3964388"/>
-            <a:ext cx="500066" cy="794"/>
-          </a:xfrm>
-          <a:prstGeom prst="straightConnector1">
-            <a:avLst/>
-          </a:prstGeom>
-          <a:noFill/>
-          <a:ln w="28575" algn="ctr">
-            <a:solidFill>
-              <a:schemeClr val="tx1"/>
-            </a:solidFill>
-            <a:prstDash val="solid"/>
-            <a:round/>
-            <a:headEnd/>
-            <a:tailEnd type="triangle" w="lg" len="lg"/>
-          </a:ln>
-        </p:spPr>
-      </p:cxnSp>
     </p:spTree>
   </p:cSld>
   <p:clrMapOvr>
@@ -30838,7 +25497,7 @@
 </p:sld>
 </file>
 
-<file path=ppt/slides/slide41.xml><?xml version="1.0" encoding="utf-8"?>
+<file path=ppt/slides/slide34.xml><?xml version="1.0" encoding="utf-8"?>
 <p:sld xmlns:a="http://schemas.openxmlformats.org/drawingml/2006/main" xmlns:r="http://schemas.openxmlformats.org/officeDocument/2006/relationships" xmlns:p="http://schemas.openxmlformats.org/presentationml/2006/main">
   <p:cSld>
     <p:spTree>
@@ -31090,7 +25749,7 @@
               <a:pPr>
                 <a:defRPr/>
               </a:pPr>
-              <a:t>41</a:t>
+              <a:t>34</a:t>
             </a:fld>
             <a:endParaRPr lang="pt-BR"/>
           </a:p>
@@ -31111,7 +25770,7 @@
 </p:sld>
 </file>
 
-<file path=ppt/slides/slide42.xml><?xml version="1.0" encoding="utf-8"?>
+<file path=ppt/slides/slide35.xml><?xml version="1.0" encoding="utf-8"?>
 <p:sld xmlns:a="http://schemas.openxmlformats.org/drawingml/2006/main" xmlns:r="http://schemas.openxmlformats.org/officeDocument/2006/relationships" xmlns:p="http://schemas.openxmlformats.org/presentationml/2006/main">
   <p:cSld>
     <p:spTree>
@@ -31241,7 +25900,7 @@
               <a:pPr>
                 <a:defRPr/>
               </a:pPr>
-              <a:t>42</a:t>
+              <a:t>35</a:t>
             </a:fld>
             <a:endParaRPr lang="pt-BR"/>
           </a:p>
@@ -31296,7 +25955,7 @@
 </p:sld>
 </file>
 
-<file path=ppt/slides/slide43.xml><?xml version="1.0" encoding="utf-8"?>
+<file path=ppt/slides/slide36.xml><?xml version="1.0" encoding="utf-8"?>
 <p:sld xmlns:a="http://schemas.openxmlformats.org/drawingml/2006/main" xmlns:r="http://schemas.openxmlformats.org/officeDocument/2006/relationships" xmlns:p="http://schemas.openxmlformats.org/presentationml/2006/main">
   <p:cSld>
     <p:spTree>
@@ -31528,7 +26187,7 @@
               <a:pPr>
                 <a:defRPr/>
               </a:pPr>
-              <a:t>43</a:t>
+              <a:t>36</a:t>
             </a:fld>
             <a:endParaRPr lang="pt-BR"/>
           </a:p>
@@ -31549,7 +26208,7 @@
 </p:sld>
 </file>
 
-<file path=ppt/slides/slide44.xml><?xml version="1.0" encoding="utf-8"?>
+<file path=ppt/slides/slide37.xml><?xml version="1.0" encoding="utf-8"?>
 <p:sld xmlns:a="http://schemas.openxmlformats.org/drawingml/2006/main" xmlns:r="http://schemas.openxmlformats.org/officeDocument/2006/relationships" xmlns:p="http://schemas.openxmlformats.org/presentationml/2006/main">
   <p:cSld>
     <p:spTree>
@@ -31835,7 +26494,7 @@
               <a:pPr>
                 <a:defRPr/>
               </a:pPr>
-              <a:t>44</a:t>
+              <a:t>37</a:t>
             </a:fld>
             <a:endParaRPr lang="pt-BR"/>
           </a:p>
@@ -31856,7 +26515,7 @@
 </p:sld>
 </file>
 
-<file path=ppt/slides/slide45.xml><?xml version="1.0" encoding="utf-8"?>
+<file path=ppt/slides/slide38.xml><?xml version="1.0" encoding="utf-8"?>
 <p:sld xmlns:a="http://schemas.openxmlformats.org/drawingml/2006/main" xmlns:r="http://schemas.openxmlformats.org/officeDocument/2006/relationships" xmlns:p="http://schemas.openxmlformats.org/presentationml/2006/main">
   <p:cSld>
     <p:spTree>
@@ -31979,7 +26638,161 @@
               <a:pPr>
                 <a:defRPr/>
               </a:pPr>
-              <a:t>45</a:t>
+              <a:t>38</a:t>
+            </a:fld>
+            <a:endParaRPr lang="pt-BR"/>
+          </a:p>
+        </p:txBody>
+      </p:sp>
+    </p:spTree>
+  </p:cSld>
+  <p:clrMapOvr>
+    <a:masterClrMapping/>
+  </p:clrMapOvr>
+  <p:timing>
+    <p:tnLst>
+      <p:par>
+        <p:cTn id="1" dur="indefinite" restart="never" nodeType="tmRoot"/>
+      </p:par>
+    </p:tnLst>
+  </p:timing>
+</p:sld>
+</file>
+
+<file path=ppt/slides/slide4.xml><?xml version="1.0" encoding="utf-8"?>
+<p:sld xmlns:a="http://schemas.openxmlformats.org/drawingml/2006/main" xmlns:r="http://schemas.openxmlformats.org/officeDocument/2006/relationships" xmlns:p="http://schemas.openxmlformats.org/presentationml/2006/main">
+  <p:cSld>
+    <p:spTree>
+      <p:nvGrpSpPr>
+        <p:cNvPr id="1" name=""/>
+        <p:cNvGrpSpPr/>
+        <p:nvPr/>
+      </p:nvGrpSpPr>
+      <p:grpSpPr>
+        <a:xfrm>
+          <a:off x="0" y="0"/>
+          <a:ext cx="0" cy="0"/>
+          <a:chOff x="0" y="0"/>
+          <a:chExt cx="0" cy="0"/>
+        </a:xfrm>
+      </p:grpSpPr>
+      <p:sp>
+        <p:nvSpPr>
+          <p:cNvPr id="2" name="Título 1"/>
+          <p:cNvSpPr>
+            <a:spLocks noGrp="1"/>
+          </p:cNvSpPr>
+          <p:nvPr>
+            <p:ph type="title"/>
+          </p:nvPr>
+        </p:nvSpPr>
+        <p:spPr>
+          <a:xfrm>
+            <a:off x="457200" y="274638"/>
+            <a:ext cx="8291264" cy="1143000"/>
+          </a:xfrm>
+        </p:spPr>
+        <p:txBody>
+          <a:bodyPr/>
+          <a:lstStyle/>
+          <a:p>
+            <a:r>
+              <a:rPr lang="pt-BR" sz="4000" dirty="0" smtClean="0"/>
+              <a:t>Principais operações de conjuntos</a:t>
+            </a:r>
+            <a:endParaRPr lang="pt-BR" sz="4000" dirty="0"/>
+          </a:p>
+        </p:txBody>
+      </p:sp>
+      <p:sp>
+        <p:nvSpPr>
+          <p:cNvPr id="3" name="Espaço Reservado para Conteúdo 2"/>
+          <p:cNvSpPr>
+            <a:spLocks noGrp="1"/>
+          </p:cNvSpPr>
+          <p:nvPr>
+            <p:ph idx="1"/>
+          </p:nvPr>
+        </p:nvSpPr>
+        <p:spPr>
+          <a:xfrm>
+            <a:off x="457200" y="1600200"/>
+            <a:ext cx="7643192" cy="4525963"/>
+          </a:xfrm>
+        </p:spPr>
+        <p:txBody>
+          <a:bodyPr/>
+          <a:lstStyle/>
+          <a:p>
+            <a:pPr>
+              <a:spcAft>
+                <a:spcPts val="2400"/>
+              </a:spcAft>
+            </a:pPr>
+            <a:r>
+              <a:rPr lang="pt-BR" dirty="0" smtClean="0"/>
+              <a:t>O Java possui diversas estruturas de dados, cada qual com sua particularidade que permitem:</a:t>
+            </a:r>
+          </a:p>
+          <a:p>
+            <a:pPr lvl="1"/>
+            <a:r>
+              <a:rPr lang="pt-BR" sz="2400" dirty="0" smtClean="0"/>
+              <a:t>Adicionar novos itens</a:t>
+            </a:r>
+          </a:p>
+          <a:p>
+            <a:pPr lvl="1"/>
+            <a:r>
+              <a:rPr lang="pt-BR" sz="2400" dirty="0" smtClean="0"/>
+              <a:t>Remover itens existentes</a:t>
+            </a:r>
+          </a:p>
+          <a:p>
+            <a:pPr lvl="1"/>
+            <a:r>
+              <a:rPr lang="pt-BR" sz="2400" dirty="0" smtClean="0"/>
+              <a:t>Limpar todos os item</a:t>
+            </a:r>
+          </a:p>
+          <a:p>
+            <a:pPr lvl="1"/>
+            <a:r>
+              <a:rPr lang="pt-BR" sz="2400" dirty="0" smtClean="0"/>
+              <a:t>Dentre </a:t>
+            </a:r>
+            <a:r>
+              <a:rPr lang="pt-BR" sz="2400" dirty="0" smtClean="0"/>
+              <a:t>outras ações</a:t>
+            </a:r>
+            <a:endParaRPr lang="pt-BR" sz="2400" dirty="0"/>
+          </a:p>
+        </p:txBody>
+      </p:sp>
+      <p:sp>
+        <p:nvSpPr>
+          <p:cNvPr id="4" name="Espaço Reservado para Número de Slide 3"/>
+          <p:cNvSpPr>
+            <a:spLocks noGrp="1"/>
+          </p:cNvSpPr>
+          <p:nvPr>
+            <p:ph type="sldNum" sz="quarter" idx="12"/>
+          </p:nvPr>
+        </p:nvSpPr>
+        <p:spPr/>
+        <p:txBody>
+          <a:bodyPr/>
+          <a:lstStyle/>
+          <a:p>
+            <a:pPr>
+              <a:defRPr/>
+            </a:pPr>
+            <a:fld id="{7E263EA5-71DF-4638-BC15-81D6FFD3C7EB}" type="slidenum">
+              <a:rPr lang="pt-BR" smtClean="0"/>
+              <a:pPr>
+                <a:defRPr/>
+              </a:pPr>
+              <a:t>4</a:t>
             </a:fld>
             <a:endParaRPr lang="pt-BR"/>
           </a:p>
@@ -32056,7 +26869,7 @@
           </p:nvPr>
         </p:nvGraphicFramePr>
         <p:xfrm>
-          <a:off x="1724740" y="1672456"/>
+          <a:off x="1979712" y="2348880"/>
           <a:ext cx="1944216" cy="1465848"/>
         </p:xfrm>
         <a:graphic>
@@ -32321,7 +27134,7 @@
           <p:nvPr/>
         </p:nvGraphicFramePr>
         <p:xfrm>
-          <a:off x="3092892" y="3552800"/>
+          <a:off x="3347864" y="4229224"/>
           <a:ext cx="1944216" cy="609600"/>
         </p:xfrm>
         <a:graphic>
@@ -32468,7 +27281,7 @@
           </p:nvPr>
         </p:nvGraphicFramePr>
         <p:xfrm>
-          <a:off x="428596" y="3552800"/>
+          <a:off x="683568" y="4229224"/>
           <a:ext cx="1944216" cy="1249680"/>
         </p:xfrm>
         <a:graphic>
@@ -32651,218 +27464,6 @@
           </a:graphicData>
         </a:graphic>
       </p:graphicFrame>
-      <p:graphicFrame>
-        <p:nvGraphicFramePr>
-          <p:cNvPr id="8" name="Espaço Reservado para Conteúdo 4"/>
-          <p:cNvGraphicFramePr>
-            <a:graphicFrameLocks/>
-          </p:cNvGraphicFramePr>
-          <p:nvPr/>
-        </p:nvGraphicFramePr>
-        <p:xfrm>
-          <a:off x="2732852" y="4704928"/>
-          <a:ext cx="2664296" cy="1676400"/>
-        </p:xfrm>
-        <a:graphic>
-          <a:graphicData uri="http://schemas.openxmlformats.org/drawingml/2006/table">
-            <a:tbl>
-              <a:tblPr firstRow="1" bandRow="1">
-                <a:tableStyleId>{5C22544A-7EE6-4342-B048-85BDC9FD1C3A}</a:tableStyleId>
-              </a:tblPr>
-              <a:tblGrid>
-                <a:gridCol w="2664296"/>
-              </a:tblGrid>
-              <a:tr h="288032">
-                <a:tc>
-                  <a:txBody>
-                    <a:bodyPr/>
-                    <a:lstStyle/>
-                    <a:p>
-                      <a:pPr marL="0" algn="ctr" rtl="0" eaLnBrk="1" latinLnBrk="0" hangingPunct="1"/>
-                      <a:r>
-                        <a:rPr kumimoji="0" lang="pt-BR" sz="1400" b="1" i="1" kern="1200" dirty="0" err="1" smtClean="0">
-                          <a:solidFill>
-                            <a:srgbClr val="FFC000"/>
-                          </a:solidFill>
-                          <a:latin typeface="+mn-lt"/>
-                          <a:ea typeface="+mn-ea"/>
-                          <a:cs typeface="+mn-cs"/>
-                        </a:rPr>
-                        <a:t>SortedSet</a:t>
-                      </a:r>
-                      <a:r>
-                        <a:rPr kumimoji="0" lang="pt-BR" sz="1400" b="1" i="1" kern="1200" dirty="0" smtClean="0">
-                          <a:solidFill>
-                            <a:srgbClr val="FFC000"/>
-                          </a:solidFill>
-                          <a:latin typeface="+mn-lt"/>
-                          <a:ea typeface="+mn-ea"/>
-                          <a:cs typeface="+mn-cs"/>
-                        </a:rPr>
-                        <a:t>&lt;T&gt;</a:t>
-                      </a:r>
-                      <a:endParaRPr kumimoji="0" lang="pt-BR" sz="1400" b="1" i="1" kern="1200" dirty="0">
-                        <a:solidFill>
-                          <a:srgbClr val="FFC000"/>
-                        </a:solidFill>
-                        <a:latin typeface="+mn-lt"/>
-                        <a:ea typeface="+mn-ea"/>
-                        <a:cs typeface="+mn-cs"/>
-                      </a:endParaRPr>
-                    </a:p>
-                  </a:txBody>
-                  <a:tcPr>
-                    <a:lnL w="28575" cap="flat" cmpd="sng" algn="ctr">
-                      <a:solidFill>
-                        <a:srgbClr val="FFC000"/>
-                      </a:solidFill>
-                      <a:prstDash val="solid"/>
-                      <a:round/>
-                      <a:headEnd type="none" w="med" len="med"/>
-                      <a:tailEnd type="none" w="med" len="med"/>
-                    </a:lnL>
-                    <a:lnR w="28575" cap="flat" cmpd="sng" algn="ctr">
-                      <a:solidFill>
-                        <a:srgbClr val="FFC000"/>
-                      </a:solidFill>
-                      <a:prstDash val="solid"/>
-                      <a:round/>
-                      <a:headEnd type="none" w="med" len="med"/>
-                      <a:tailEnd type="none" w="med" len="med"/>
-                    </a:lnR>
-                    <a:lnT w="28575" cap="flat" cmpd="sng" algn="ctr">
-                      <a:solidFill>
-                        <a:srgbClr val="FFC000"/>
-                      </a:solidFill>
-                      <a:prstDash val="solid"/>
-                      <a:round/>
-                      <a:headEnd type="none" w="med" len="med"/>
-                      <a:tailEnd type="none" w="med" len="med"/>
-                    </a:lnT>
-                    <a:lnB w="28575" cap="flat" cmpd="sng" algn="ctr">
-                      <a:solidFill>
-                        <a:srgbClr val="FFC000"/>
-                      </a:solidFill>
-                      <a:prstDash val="solid"/>
-                      <a:round/>
-                      <a:headEnd type="none" w="med" len="med"/>
-                      <a:tailEnd type="none" w="med" len="med"/>
-                    </a:lnB>
-                    <a:noFill/>
-                  </a:tcPr>
-                </a:tc>
-              </a:tr>
-              <a:tr h="370840">
-                <a:tc>
-                  <a:txBody>
-                    <a:bodyPr/>
-                    <a:lstStyle/>
-                    <a:p>
-                      <a:r>
-                        <a:rPr lang="fr-FR" sz="1400" dirty="0" smtClean="0">
-                          <a:solidFill>
-                            <a:srgbClr val="FFC000"/>
-                          </a:solidFill>
-                        </a:rPr>
-                        <a:t>comparator() : Comparator&lt;T&gt;</a:t>
-                      </a:r>
-                    </a:p>
-                    <a:p>
-                      <a:r>
-                        <a:rPr lang="fr-FR" sz="1400" dirty="0" smtClean="0">
-                          <a:solidFill>
-                            <a:srgbClr val="FFC000"/>
-                          </a:solidFill>
-                        </a:rPr>
-                        <a:t>first() : T</a:t>
-                      </a:r>
-                    </a:p>
-                    <a:p>
-                      <a:r>
-                        <a:rPr lang="fr-FR" sz="1400" dirty="0" smtClean="0">
-                          <a:solidFill>
-                            <a:srgbClr val="FFC000"/>
-                          </a:solidFill>
-                        </a:rPr>
-                        <a:t>last() : T</a:t>
-                      </a:r>
-                    </a:p>
-                    <a:p>
-                      <a:r>
-                        <a:rPr lang="fr-FR" sz="1400" dirty="0" smtClean="0">
-                          <a:solidFill>
-                            <a:srgbClr val="FFC000"/>
-                          </a:solidFill>
-                        </a:rPr>
-                        <a:t>headSet(T) : SortedSet&lt;T&gt;</a:t>
-                      </a:r>
-                    </a:p>
-                    <a:p>
-                      <a:r>
-                        <a:rPr lang="fr-FR" sz="1400" dirty="0" smtClean="0">
-                          <a:solidFill>
-                            <a:srgbClr val="FFC000"/>
-                          </a:solidFill>
-                        </a:rPr>
-                        <a:t>tailSet(T) : SortedSet&lt;T&gt;</a:t>
-                      </a:r>
-                    </a:p>
-                    <a:p>
-                      <a:r>
-                        <a:rPr lang="fr-FR" sz="1400" dirty="0" smtClean="0">
-                          <a:solidFill>
-                            <a:srgbClr val="FFC000"/>
-                          </a:solidFill>
-                        </a:rPr>
-                        <a:t>subSet(T, T) : SortedSet&lt;T&gt;</a:t>
-                      </a:r>
-                    </a:p>
-                  </a:txBody>
-                  <a:tcPr>
-                    <a:lnL w="28575" cap="flat" cmpd="sng" algn="ctr">
-                      <a:solidFill>
-                        <a:srgbClr val="FFC000"/>
-                      </a:solidFill>
-                      <a:prstDash val="solid"/>
-                      <a:round/>
-                      <a:headEnd type="none" w="med" len="med"/>
-                      <a:tailEnd type="none" w="med" len="med"/>
-                    </a:lnL>
-                    <a:lnR w="28575" cap="flat" cmpd="sng" algn="ctr">
-                      <a:solidFill>
-                        <a:srgbClr val="FFC000"/>
-                      </a:solidFill>
-                      <a:prstDash val="solid"/>
-                      <a:round/>
-                      <a:headEnd type="none" w="med" len="med"/>
-                      <a:tailEnd type="none" w="med" len="med"/>
-                    </a:lnR>
-                    <a:lnT w="28575" cap="flat" cmpd="sng" algn="ctr">
-                      <a:solidFill>
-                        <a:srgbClr val="FFC000"/>
-                      </a:solidFill>
-                      <a:prstDash val="solid"/>
-                      <a:round/>
-                      <a:headEnd type="none" w="med" len="med"/>
-                      <a:tailEnd type="none" w="med" len="med"/>
-                    </a:lnT>
-                    <a:lnB w="28575" cap="flat" cmpd="sng" algn="ctr">
-                      <a:solidFill>
-                        <a:srgbClr val="FFC000"/>
-                      </a:solidFill>
-                      <a:prstDash val="solid"/>
-                      <a:round/>
-                      <a:headEnd type="none" w="med" len="med"/>
-                      <a:tailEnd type="none" w="med" len="med"/>
-                    </a:lnB>
-                    <a:noFill/>
-                  </a:tcPr>
-                </a:tc>
-              </a:tr>
-            </a:tbl>
-          </a:graphicData>
-        </a:graphic>
-      </p:graphicFrame>
       <p:sp>
         <p:nvSpPr>
           <p:cNvPr id="18" name="Seta para a direita 17"/>
@@ -32871,7 +27472,7 @@
         </p:nvSpPr>
         <p:spPr>
           <a:xfrm rot="19368902">
-            <a:off x="1432693" y="3254166"/>
+            <a:off x="1687665" y="3930590"/>
             <a:ext cx="632999" cy="199648"/>
           </a:xfrm>
           <a:prstGeom prst="rightArrow">
@@ -32926,7 +27527,7 @@
         </p:nvSpPr>
         <p:spPr>
           <a:xfrm rot="13018434">
-            <a:off x="3393134" y="3235529"/>
+            <a:off x="3648106" y="3911953"/>
             <a:ext cx="632999" cy="221156"/>
           </a:xfrm>
           <a:prstGeom prst="rightArrow">
@@ -32973,61 +27574,6 @@
           </a:p>
         </p:txBody>
       </p:sp>
-      <p:sp>
-        <p:nvSpPr>
-          <p:cNvPr id="20" name="Seta para a direita 19"/>
-          <p:cNvSpPr/>
-          <p:nvPr/>
-        </p:nvSpPr>
-        <p:spPr>
-          <a:xfrm rot="16200000">
-            <a:off x="3812322" y="4360613"/>
-            <a:ext cx="488981" cy="199648"/>
-          </a:xfrm>
-          <a:prstGeom prst="rightArrow">
-            <a:avLst>
-              <a:gd name="adj1" fmla="val 0"/>
-              <a:gd name="adj2" fmla="val 110469"/>
-            </a:avLst>
-          </a:prstGeom>
-          <a:solidFill>
-            <a:srgbClr val="FFC000"/>
-          </a:solidFill>
-          <a:ln>
-            <a:solidFill>
-              <a:srgbClr val="FFC000"/>
-            </a:solidFill>
-          </a:ln>
-        </p:spPr>
-        <p:style>
-          <a:lnRef idx="2">
-            <a:schemeClr val="accent1">
-              <a:shade val="50000"/>
-            </a:schemeClr>
-          </a:lnRef>
-          <a:fillRef idx="1">
-            <a:schemeClr val="accent1"/>
-          </a:fillRef>
-          <a:effectRef idx="0">
-            <a:schemeClr val="accent1"/>
-          </a:effectRef>
-          <a:fontRef idx="minor">
-            <a:schemeClr val="lt1"/>
-          </a:fontRef>
-        </p:style>
-        <p:txBody>
-          <a:bodyPr rtlCol="0" anchor="ctr"/>
-          <a:lstStyle/>
-          <a:p>
-            <a:pPr algn="ctr"/>
-            <a:endParaRPr lang="pt-BR" dirty="0">
-              <a:solidFill>
-                <a:srgbClr val="FFC000"/>
-              </a:solidFill>
-            </a:endParaRPr>
-          </a:p>
-        </p:txBody>
-      </p:sp>
       <p:graphicFrame>
         <p:nvGraphicFramePr>
           <p:cNvPr id="21" name="Espaço Reservado para Conteúdo 4"/>
@@ -33037,7 +27583,7 @@
           <p:nvPr/>
         </p:nvGraphicFramePr>
         <p:xfrm>
-          <a:off x="6258012" y="1674148"/>
+          <a:off x="6051108" y="2350572"/>
           <a:ext cx="1944216" cy="1676400"/>
         </p:xfrm>
         <a:graphic>
@@ -33261,376 +27807,6 @@
           </a:graphicData>
         </a:graphic>
       </p:graphicFrame>
-      <p:graphicFrame>
-        <p:nvGraphicFramePr>
-          <p:cNvPr id="22" name="Espaço Reservado para Conteúdo 4"/>
-          <p:cNvGraphicFramePr>
-            <a:graphicFrameLocks/>
-          </p:cNvGraphicFramePr>
-          <p:nvPr/>
-        </p:nvGraphicFramePr>
-        <p:xfrm>
-          <a:off x="5786446" y="3895740"/>
-          <a:ext cx="2928958" cy="1676400"/>
-        </p:xfrm>
-        <a:graphic>
-          <a:graphicData uri="http://schemas.openxmlformats.org/drawingml/2006/table">
-            <a:tbl>
-              <a:tblPr firstRow="1" bandRow="1">
-                <a:tableStyleId>{5C22544A-7EE6-4342-B048-85BDC9FD1C3A}</a:tableStyleId>
-              </a:tblPr>
-              <a:tblGrid>
-                <a:gridCol w="2928958"/>
-              </a:tblGrid>
-              <a:tr h="218987">
-                <a:tc>
-                  <a:txBody>
-                    <a:bodyPr/>
-                    <a:lstStyle/>
-                    <a:p>
-                      <a:pPr marL="0" algn="ctr" rtl="0" eaLnBrk="1" latinLnBrk="0" hangingPunct="1"/>
-                      <a:r>
-                        <a:rPr kumimoji="0" lang="pt-BR" sz="1400" b="1" i="1" kern="1200" dirty="0" err="1" smtClean="0">
-                          <a:solidFill>
-                            <a:srgbClr val="FFC000"/>
-                          </a:solidFill>
-                          <a:latin typeface="+mn-lt"/>
-                          <a:ea typeface="+mn-ea"/>
-                          <a:cs typeface="+mn-cs"/>
-                        </a:rPr>
-                        <a:t>SortedMap</a:t>
-                      </a:r>
-                      <a:r>
-                        <a:rPr kumimoji="0" lang="pt-BR" sz="1400" b="1" i="1" kern="1200" dirty="0" smtClean="0">
-                          <a:solidFill>
-                            <a:srgbClr val="FFC000"/>
-                          </a:solidFill>
-                          <a:latin typeface="+mn-lt"/>
-                          <a:ea typeface="+mn-ea"/>
-                          <a:cs typeface="+mn-cs"/>
-                        </a:rPr>
-                        <a:t>&lt;K, V&gt;</a:t>
-                      </a:r>
-                      <a:endParaRPr kumimoji="0" lang="pt-BR" sz="1400" b="1" i="1" kern="1200" dirty="0">
-                        <a:solidFill>
-                          <a:srgbClr val="FFC000"/>
-                        </a:solidFill>
-                        <a:latin typeface="+mn-lt"/>
-                        <a:ea typeface="+mn-ea"/>
-                        <a:cs typeface="+mn-cs"/>
-                      </a:endParaRPr>
-                    </a:p>
-                  </a:txBody>
-                  <a:tcPr>
-                    <a:lnL w="28575" cap="flat" cmpd="sng" algn="ctr">
-                      <a:solidFill>
-                        <a:srgbClr val="FFC000"/>
-                      </a:solidFill>
-                      <a:prstDash val="solid"/>
-                      <a:round/>
-                      <a:headEnd type="none" w="med" len="med"/>
-                      <a:tailEnd type="none" w="med" len="med"/>
-                    </a:lnL>
-                    <a:lnR w="28575" cap="flat" cmpd="sng" algn="ctr">
-                      <a:solidFill>
-                        <a:srgbClr val="FFC000"/>
-                      </a:solidFill>
-                      <a:prstDash val="solid"/>
-                      <a:round/>
-                      <a:headEnd type="none" w="med" len="med"/>
-                      <a:tailEnd type="none" w="med" len="med"/>
-                    </a:lnR>
-                    <a:lnT w="28575" cap="flat" cmpd="sng" algn="ctr">
-                      <a:solidFill>
-                        <a:srgbClr val="FFC000"/>
-                      </a:solidFill>
-                      <a:prstDash val="solid"/>
-                      <a:round/>
-                      <a:headEnd type="none" w="med" len="med"/>
-                      <a:tailEnd type="none" w="med" len="med"/>
-                    </a:lnT>
-                    <a:lnB w="28575" cap="flat" cmpd="sng" algn="ctr">
-                      <a:solidFill>
-                        <a:srgbClr val="FFC000"/>
-                      </a:solidFill>
-                      <a:prstDash val="solid"/>
-                      <a:round/>
-                      <a:headEnd type="none" w="med" len="med"/>
-                      <a:tailEnd type="none" w="med" len="med"/>
-                    </a:lnB>
-                    <a:noFill/>
-                  </a:tcPr>
-                </a:tc>
-              </a:tr>
-              <a:tr h="201123">
-                <a:tc>
-                  <a:txBody>
-                    <a:bodyPr/>
-                    <a:lstStyle/>
-                    <a:p>
-                      <a:r>
-                        <a:rPr kumimoji="0" lang="pt-BR" sz="1400" kern="1200" dirty="0" smtClean="0">
-                          <a:solidFill>
-                            <a:srgbClr val="FFC000"/>
-                          </a:solidFill>
-                          <a:latin typeface="+mn-lt"/>
-                          <a:ea typeface="+mn-ea"/>
-                          <a:cs typeface="+mn-cs"/>
-                        </a:rPr>
-                        <a:t>comparator() : Comparator&lt;K&gt;</a:t>
-                      </a:r>
-                    </a:p>
-                    <a:p>
-                      <a:pPr marL="0" marR="0" indent="0" algn="l" defTabSz="914400" rtl="0" eaLnBrk="1" fontAlgn="auto" latinLnBrk="0" hangingPunct="1">
-                        <a:lnSpc>
-                          <a:spcPct val="100000"/>
-                        </a:lnSpc>
-                        <a:spcBef>
-                          <a:spcPts val="0"/>
-                        </a:spcBef>
-                        <a:spcAft>
-                          <a:spcPts val="0"/>
-                        </a:spcAft>
-                        <a:buClrTx/>
-                        <a:buSzTx/>
-                        <a:buFontTx/>
-                        <a:buNone/>
-                        <a:tabLst/>
-                        <a:defRPr/>
-                      </a:pPr>
-                      <a:r>
-                        <a:rPr kumimoji="0" lang="pt-BR" sz="1400" kern="1200" dirty="0" smtClean="0">
-                          <a:solidFill>
-                            <a:srgbClr val="FFC000"/>
-                          </a:solidFill>
-                          <a:latin typeface="+mn-lt"/>
-                          <a:ea typeface="+mn-ea"/>
-                          <a:cs typeface="+mn-cs"/>
-                        </a:rPr>
-                        <a:t>firstKey() : K</a:t>
-                      </a:r>
-                    </a:p>
-                    <a:p>
-                      <a:pPr marL="0" marR="0" indent="0" algn="l" defTabSz="914400" rtl="0" eaLnBrk="1" fontAlgn="auto" latinLnBrk="0" hangingPunct="1">
-                        <a:lnSpc>
-                          <a:spcPct val="100000"/>
-                        </a:lnSpc>
-                        <a:spcBef>
-                          <a:spcPts val="0"/>
-                        </a:spcBef>
-                        <a:spcAft>
-                          <a:spcPts val="0"/>
-                        </a:spcAft>
-                        <a:buClrTx/>
-                        <a:buSzTx/>
-                        <a:buFontTx/>
-                        <a:buNone/>
-                        <a:tabLst/>
-                        <a:defRPr/>
-                      </a:pPr>
-                      <a:r>
-                        <a:rPr kumimoji="0" lang="pt-BR" sz="1400" kern="1200" dirty="0" smtClean="0">
-                          <a:solidFill>
-                            <a:srgbClr val="FFC000"/>
-                          </a:solidFill>
-                          <a:latin typeface="+mn-lt"/>
-                          <a:ea typeface="+mn-ea"/>
-                          <a:cs typeface="+mn-cs"/>
-                        </a:rPr>
-                        <a:t>lastKey() : K</a:t>
-                      </a:r>
-                    </a:p>
-                    <a:p>
-                      <a:pPr marL="0" marR="0" indent="0" algn="l" defTabSz="914400" rtl="0" eaLnBrk="1" fontAlgn="auto" latinLnBrk="0" hangingPunct="1">
-                        <a:lnSpc>
-                          <a:spcPct val="100000"/>
-                        </a:lnSpc>
-                        <a:spcBef>
-                          <a:spcPts val="0"/>
-                        </a:spcBef>
-                        <a:spcAft>
-                          <a:spcPts val="0"/>
-                        </a:spcAft>
-                        <a:buClrTx/>
-                        <a:buSzTx/>
-                        <a:buFontTx/>
-                        <a:buNone/>
-                        <a:tabLst/>
-                        <a:defRPr/>
-                      </a:pPr>
-                      <a:r>
-                        <a:rPr kumimoji="0" lang="pt-BR" sz="1400" kern="1200" dirty="0" smtClean="0">
-                          <a:solidFill>
-                            <a:srgbClr val="FFC000"/>
-                          </a:solidFill>
-                          <a:latin typeface="+mn-lt"/>
-                          <a:ea typeface="+mn-ea"/>
-                          <a:cs typeface="+mn-cs"/>
-                        </a:rPr>
-                        <a:t>headMap(K) : SortedMap&lt;K, V&gt;</a:t>
-                      </a:r>
-                    </a:p>
-                    <a:p>
-                      <a:pPr marL="0" marR="0" indent="0" algn="l" defTabSz="914400" rtl="0" eaLnBrk="1" fontAlgn="auto" latinLnBrk="0" hangingPunct="1">
-                        <a:lnSpc>
-                          <a:spcPct val="100000"/>
-                        </a:lnSpc>
-                        <a:spcBef>
-                          <a:spcPts val="0"/>
-                        </a:spcBef>
-                        <a:spcAft>
-                          <a:spcPts val="0"/>
-                        </a:spcAft>
-                        <a:buClrTx/>
-                        <a:buSzTx/>
-                        <a:buFontTx/>
-                        <a:buNone/>
-                        <a:tabLst/>
-                        <a:defRPr/>
-                      </a:pPr>
-                      <a:r>
-                        <a:rPr kumimoji="0" lang="pt-BR" sz="1400" kern="1200" dirty="0" smtClean="0">
-                          <a:solidFill>
-                            <a:srgbClr val="FFC000"/>
-                          </a:solidFill>
-                          <a:latin typeface="+mn-lt"/>
-                          <a:ea typeface="+mn-ea"/>
-                          <a:cs typeface="+mn-cs"/>
-                        </a:rPr>
-                        <a:t>tailMap(K) : SortedMap&lt;K, V&gt;</a:t>
-                      </a:r>
-                    </a:p>
-                    <a:p>
-                      <a:pPr marL="0" marR="0" indent="0" algn="l" defTabSz="914400" rtl="0" eaLnBrk="1" fontAlgn="auto" latinLnBrk="0" hangingPunct="1">
-                        <a:lnSpc>
-                          <a:spcPct val="100000"/>
-                        </a:lnSpc>
-                        <a:spcBef>
-                          <a:spcPts val="0"/>
-                        </a:spcBef>
-                        <a:spcAft>
-                          <a:spcPts val="0"/>
-                        </a:spcAft>
-                        <a:buClrTx/>
-                        <a:buSzTx/>
-                        <a:buFontTx/>
-                        <a:buNone/>
-                        <a:tabLst/>
-                        <a:defRPr/>
-                      </a:pPr>
-                      <a:r>
-                        <a:rPr kumimoji="0" lang="pt-BR" sz="1400" kern="1200" dirty="0" smtClean="0">
-                          <a:solidFill>
-                            <a:srgbClr val="FFC000"/>
-                          </a:solidFill>
-                          <a:latin typeface="+mn-lt"/>
-                          <a:ea typeface="+mn-ea"/>
-                          <a:cs typeface="+mn-cs"/>
-                        </a:rPr>
-                        <a:t>subMap(K, K) : SortedMap&lt;K, V&gt;</a:t>
-                      </a:r>
-                    </a:p>
-                  </a:txBody>
-                  <a:tcPr>
-                    <a:lnL w="28575" cap="flat" cmpd="sng" algn="ctr">
-                      <a:solidFill>
-                        <a:srgbClr val="FFC000"/>
-                      </a:solidFill>
-                      <a:prstDash val="solid"/>
-                      <a:round/>
-                      <a:headEnd type="none" w="med" len="med"/>
-                      <a:tailEnd type="none" w="med" len="med"/>
-                    </a:lnL>
-                    <a:lnR w="28575" cap="flat" cmpd="sng" algn="ctr">
-                      <a:solidFill>
-                        <a:srgbClr val="FFC000"/>
-                      </a:solidFill>
-                      <a:prstDash val="solid"/>
-                      <a:round/>
-                      <a:headEnd type="none" w="med" len="med"/>
-                      <a:tailEnd type="none" w="med" len="med"/>
-                    </a:lnR>
-                    <a:lnT w="28575" cap="flat" cmpd="sng" algn="ctr">
-                      <a:solidFill>
-                        <a:srgbClr val="FFC000"/>
-                      </a:solidFill>
-                      <a:prstDash val="solid"/>
-                      <a:round/>
-                      <a:headEnd type="none" w="med" len="med"/>
-                      <a:tailEnd type="none" w="med" len="med"/>
-                    </a:lnT>
-                    <a:lnB w="28575" cap="flat" cmpd="sng" algn="ctr">
-                      <a:solidFill>
-                        <a:srgbClr val="FFC000"/>
-                      </a:solidFill>
-                      <a:prstDash val="solid"/>
-                      <a:round/>
-                      <a:headEnd type="none" w="med" len="med"/>
-                      <a:tailEnd type="none" w="med" len="med"/>
-                    </a:lnB>
-                    <a:noFill/>
-                  </a:tcPr>
-                </a:tc>
-              </a:tr>
-            </a:tbl>
-          </a:graphicData>
-        </a:graphic>
-      </p:graphicFrame>
-      <p:sp>
-        <p:nvSpPr>
-          <p:cNvPr id="23" name="Seta para a direita 22"/>
-          <p:cNvSpPr/>
-          <p:nvPr/>
-        </p:nvSpPr>
-        <p:spPr>
-          <a:xfrm rot="16200000">
-            <a:off x="6977442" y="3536351"/>
-            <a:ext cx="488982" cy="199648"/>
-          </a:xfrm>
-          <a:prstGeom prst="rightArrow">
-            <a:avLst>
-              <a:gd name="adj1" fmla="val 0"/>
-              <a:gd name="adj2" fmla="val 110469"/>
-            </a:avLst>
-          </a:prstGeom>
-          <a:solidFill>
-            <a:srgbClr val="FFC000"/>
-          </a:solidFill>
-          <a:ln>
-            <a:solidFill>
-              <a:srgbClr val="FFC000"/>
-            </a:solidFill>
-          </a:ln>
-        </p:spPr>
-        <p:style>
-          <a:lnRef idx="2">
-            <a:schemeClr val="accent1">
-              <a:shade val="50000"/>
-            </a:schemeClr>
-          </a:lnRef>
-          <a:fillRef idx="1">
-            <a:schemeClr val="accent1"/>
-          </a:fillRef>
-          <a:effectRef idx="0">
-            <a:schemeClr val="accent1"/>
-          </a:effectRef>
-          <a:fontRef idx="minor">
-            <a:schemeClr val="lt1"/>
-          </a:fontRef>
-        </p:style>
-        <p:txBody>
-          <a:bodyPr rtlCol="0" anchor="ctr"/>
-          <a:lstStyle/>
-          <a:p>
-            <a:pPr algn="ctr"/>
-            <a:endParaRPr lang="pt-BR" dirty="0">
-              <a:solidFill>
-                <a:srgbClr val="FFC000"/>
-              </a:solidFill>
-            </a:endParaRPr>
-          </a:p>
-        </p:txBody>
-      </p:sp>
       <p:sp>
         <p:nvSpPr>
           <p:cNvPr id="13" name="Espaço Reservado para Número de Slide 12"/>

--- a/2-Java-Programmer-Modulo-II/10.Capitulo04.pptx
+++ b/2-Java-Programmer-Modulo-II/10.Capitulo04.pptx
@@ -5,7 +5,7 @@
     <p:sldMasterId id="2147483660" r:id="rId1"/>
   </p:sldMasterIdLst>
   <p:notesMasterIdLst>
-    <p:notesMasterId r:id="rId40"/>
+    <p:notesMasterId r:id="rId47"/>
   </p:notesMasterIdLst>
   <p:sldIdLst>
     <p:sldId id="256" r:id="rId2"/>
@@ -30,22 +30,29 @@
     <p:sldId id="290" r:id="rId21"/>
     <p:sldId id="291" r:id="rId22"/>
     <p:sldId id="294" r:id="rId23"/>
-    <p:sldId id="273" r:id="rId24"/>
-    <p:sldId id="301" r:id="rId25"/>
-    <p:sldId id="302" r:id="rId26"/>
-    <p:sldId id="322" r:id="rId27"/>
-    <p:sldId id="312" r:id="rId28"/>
-    <p:sldId id="305" r:id="rId29"/>
-    <p:sldId id="314" r:id="rId30"/>
-    <p:sldId id="313" r:id="rId31"/>
-    <p:sldId id="274" r:id="rId32"/>
-    <p:sldId id="317" r:id="rId33"/>
-    <p:sldId id="318" r:id="rId34"/>
-    <p:sldId id="323" r:id="rId35"/>
-    <p:sldId id="324" r:id="rId36"/>
-    <p:sldId id="325" r:id="rId37"/>
-    <p:sldId id="326" r:id="rId38"/>
-    <p:sldId id="327" r:id="rId39"/>
+    <p:sldId id="295" r:id="rId24"/>
+    <p:sldId id="296" r:id="rId25"/>
+    <p:sldId id="297" r:id="rId26"/>
+    <p:sldId id="298" r:id="rId27"/>
+    <p:sldId id="299" r:id="rId28"/>
+    <p:sldId id="306" r:id="rId29"/>
+    <p:sldId id="311" r:id="rId30"/>
+    <p:sldId id="273" r:id="rId31"/>
+    <p:sldId id="301" r:id="rId32"/>
+    <p:sldId id="302" r:id="rId33"/>
+    <p:sldId id="322" r:id="rId34"/>
+    <p:sldId id="312" r:id="rId35"/>
+    <p:sldId id="305" r:id="rId36"/>
+    <p:sldId id="314" r:id="rId37"/>
+    <p:sldId id="313" r:id="rId38"/>
+    <p:sldId id="274" r:id="rId39"/>
+    <p:sldId id="317" r:id="rId40"/>
+    <p:sldId id="318" r:id="rId41"/>
+    <p:sldId id="323" r:id="rId42"/>
+    <p:sldId id="324" r:id="rId43"/>
+    <p:sldId id="325" r:id="rId44"/>
+    <p:sldId id="326" r:id="rId45"/>
+    <p:sldId id="327" r:id="rId46"/>
   </p:sldIdLst>
   <p:sldSz cx="9144000" cy="6858000" type="screen4x3"/>
   <p:notesSz cx="6858000" cy="9144000"/>
@@ -286,7 +293,7 @@
               <a:pPr>
                 <a:defRPr/>
               </a:pPr>
-              <a:t>28/06/2012</a:t>
+              <a:t>20/5/2012</a:t>
             </a:fld>
             <a:endParaRPr lang="pt-BR"/>
           </a:p>
@@ -2155,7 +2162,7 @@
       </p:grpSpPr>
       <p:sp>
         <p:nvSpPr>
-          <p:cNvPr id="37890" name="Espaço Reservado para Imagem de Slide 1"/>
+          <p:cNvPr id="28674" name="Espaço Reservado para Imagem de Slide 1"/>
           <p:cNvSpPr>
             <a:spLocks noGrp="1" noRot="1" noChangeAspect="1" noTextEdit="1"/>
           </p:cNvSpPr>
@@ -2177,7 +2184,7 @@
       </p:sp>
       <p:sp>
         <p:nvSpPr>
-          <p:cNvPr id="37891" name="Espaço Reservado para Anotações 2"/>
+          <p:cNvPr id="28675" name="Espaço Reservado para Anotações 2"/>
           <p:cNvSpPr>
             <a:spLocks noGrp="1"/>
           </p:cNvSpPr>
@@ -2218,7 +2225,7 @@
             <a:pPr>
               <a:defRPr/>
             </a:pPr>
-            <a:fld id="{992775EB-D008-416C-A596-0C878C0D72AD}" type="slidenum">
+            <a:fld id="{23075962-84F8-440B-9D32-83156AFD556B}" type="slidenum">
               <a:rPr lang="pt-BR" smtClean="0"/>
               <a:pPr>
                 <a:defRPr/>
@@ -2949,6 +2956,107 @@
       </p:grpSpPr>
       <p:sp>
         <p:nvSpPr>
+          <p:cNvPr id="37890" name="Espaço Reservado para Imagem de Slide 1"/>
+          <p:cNvSpPr>
+            <a:spLocks noGrp="1" noRot="1" noChangeAspect="1" noTextEdit="1"/>
+          </p:cNvSpPr>
+          <p:nvPr>
+            <p:ph type="sldImg"/>
+          </p:nvPr>
+        </p:nvSpPr>
+        <p:spPr bwMode="auto">
+          <a:noFill/>
+          <a:ln>
+            <a:solidFill>
+              <a:srgbClr val="000000"/>
+            </a:solidFill>
+            <a:miter lim="800000"/>
+            <a:headEnd/>
+            <a:tailEnd/>
+          </a:ln>
+        </p:spPr>
+      </p:sp>
+      <p:sp>
+        <p:nvSpPr>
+          <p:cNvPr id="37891" name="Espaço Reservado para Anotações 2"/>
+          <p:cNvSpPr>
+            <a:spLocks noGrp="1"/>
+          </p:cNvSpPr>
+          <p:nvPr>
+            <p:ph type="body" idx="1"/>
+          </p:nvPr>
+        </p:nvSpPr>
+        <p:spPr bwMode="auto">
+          <a:noFill/>
+        </p:spPr>
+        <p:txBody>
+          <a:bodyPr wrap="square" numCol="1" anchor="t" anchorCtr="0" compatLnSpc="1">
+            <a:prstTxWarp prst="textNoShape">
+              <a:avLst/>
+            </a:prstTxWarp>
+          </a:bodyPr>
+          <a:lstStyle/>
+          <a:p>
+            <a:endParaRPr lang="pt-BR" smtClean="0"/>
+          </a:p>
+        </p:txBody>
+      </p:sp>
+      <p:sp>
+        <p:nvSpPr>
+          <p:cNvPr id="4" name="Espaço Reservado para Número de Slide 3"/>
+          <p:cNvSpPr>
+            <a:spLocks noGrp="1"/>
+          </p:cNvSpPr>
+          <p:nvPr>
+            <p:ph type="sldNum" sz="quarter" idx="5"/>
+          </p:nvPr>
+        </p:nvSpPr>
+        <p:spPr/>
+        <p:txBody>
+          <a:bodyPr/>
+          <a:lstStyle/>
+          <a:p>
+            <a:pPr>
+              <a:defRPr/>
+            </a:pPr>
+            <a:fld id="{992775EB-D008-416C-A596-0C878C0D72AD}" type="slidenum">
+              <a:rPr lang="pt-BR" smtClean="0"/>
+              <a:pPr>
+                <a:defRPr/>
+              </a:pPr>
+              <a:t>30</a:t>
+            </a:fld>
+            <a:endParaRPr lang="pt-BR"/>
+          </a:p>
+        </p:txBody>
+      </p:sp>
+    </p:spTree>
+  </p:cSld>
+  <p:clrMapOvr>
+    <a:masterClrMapping/>
+  </p:clrMapOvr>
+</p:notes>
+</file>
+
+<file path=ppt/notesSlides/notesSlide31.xml><?xml version="1.0" encoding="utf-8"?>
+<p:notes xmlns:a="http://schemas.openxmlformats.org/drawingml/2006/main" xmlns:r="http://schemas.openxmlformats.org/officeDocument/2006/relationships" xmlns:p="http://schemas.openxmlformats.org/presentationml/2006/main">
+  <p:cSld>
+    <p:spTree>
+      <p:nvGrpSpPr>
+        <p:cNvPr id="1" name=""/>
+        <p:cNvGrpSpPr/>
+        <p:nvPr/>
+      </p:nvGrpSpPr>
+      <p:grpSpPr>
+        <a:xfrm>
+          <a:off x="0" y="0"/>
+          <a:ext cx="0" cy="0"/>
+          <a:chOff x="0" y="0"/>
+          <a:chExt cx="0" cy="0"/>
+        </a:xfrm>
+      </p:grpSpPr>
+      <p:sp>
+        <p:nvSpPr>
           <p:cNvPr id="28674" name="Espaço Reservado para Imagem de Slide 1"/>
           <p:cNvSpPr>
             <a:spLocks noGrp="1" noRot="1" noChangeAspect="1" noTextEdit="1"/>
@@ -3013,107 +3121,6 @@
               <a:defRPr/>
             </a:pPr>
             <a:fld id="{23075962-84F8-440B-9D32-83156AFD556B}" type="slidenum">
-              <a:rPr lang="pt-BR" smtClean="0"/>
-              <a:pPr>
-                <a:defRPr/>
-              </a:pPr>
-              <a:t>30</a:t>
-            </a:fld>
-            <a:endParaRPr lang="pt-BR"/>
-          </a:p>
-        </p:txBody>
-      </p:sp>
-    </p:spTree>
-  </p:cSld>
-  <p:clrMapOvr>
-    <a:masterClrMapping/>
-  </p:clrMapOvr>
-</p:notes>
-</file>
-
-<file path=ppt/notesSlides/notesSlide31.xml><?xml version="1.0" encoding="utf-8"?>
-<p:notes xmlns:a="http://schemas.openxmlformats.org/drawingml/2006/main" xmlns:r="http://schemas.openxmlformats.org/officeDocument/2006/relationships" xmlns:p="http://schemas.openxmlformats.org/presentationml/2006/main">
-  <p:cSld>
-    <p:spTree>
-      <p:nvGrpSpPr>
-        <p:cNvPr id="1" name=""/>
-        <p:cNvGrpSpPr/>
-        <p:nvPr/>
-      </p:nvGrpSpPr>
-      <p:grpSpPr>
-        <a:xfrm>
-          <a:off x="0" y="0"/>
-          <a:ext cx="0" cy="0"/>
-          <a:chOff x="0" y="0"/>
-          <a:chExt cx="0" cy="0"/>
-        </a:xfrm>
-      </p:grpSpPr>
-      <p:sp>
-        <p:nvSpPr>
-          <p:cNvPr id="38914" name="Espaço Reservado para Imagem de Slide 1"/>
-          <p:cNvSpPr>
-            <a:spLocks noGrp="1" noRot="1" noChangeAspect="1" noTextEdit="1"/>
-          </p:cNvSpPr>
-          <p:nvPr>
-            <p:ph type="sldImg"/>
-          </p:nvPr>
-        </p:nvSpPr>
-        <p:spPr bwMode="auto">
-          <a:noFill/>
-          <a:ln>
-            <a:solidFill>
-              <a:srgbClr val="000000"/>
-            </a:solidFill>
-            <a:miter lim="800000"/>
-            <a:headEnd/>
-            <a:tailEnd/>
-          </a:ln>
-        </p:spPr>
-      </p:sp>
-      <p:sp>
-        <p:nvSpPr>
-          <p:cNvPr id="38915" name="Espaço Reservado para Anotações 2"/>
-          <p:cNvSpPr>
-            <a:spLocks noGrp="1"/>
-          </p:cNvSpPr>
-          <p:nvPr>
-            <p:ph type="body" idx="1"/>
-          </p:nvPr>
-        </p:nvSpPr>
-        <p:spPr bwMode="auto">
-          <a:noFill/>
-        </p:spPr>
-        <p:txBody>
-          <a:bodyPr wrap="square" numCol="1" anchor="t" anchorCtr="0" compatLnSpc="1">
-            <a:prstTxWarp prst="textNoShape">
-              <a:avLst/>
-            </a:prstTxWarp>
-          </a:bodyPr>
-          <a:lstStyle/>
-          <a:p>
-            <a:endParaRPr lang="pt-BR" smtClean="0"/>
-          </a:p>
-        </p:txBody>
-      </p:sp>
-      <p:sp>
-        <p:nvSpPr>
-          <p:cNvPr id="4" name="Espaço Reservado para Número de Slide 3"/>
-          <p:cNvSpPr>
-            <a:spLocks noGrp="1"/>
-          </p:cNvSpPr>
-          <p:nvPr>
-            <p:ph type="sldNum" sz="quarter" idx="5"/>
-          </p:nvPr>
-        </p:nvSpPr>
-        <p:spPr/>
-        <p:txBody>
-          <a:bodyPr/>
-          <a:lstStyle/>
-          <a:p>
-            <a:pPr>
-              <a:defRPr/>
-            </a:pPr>
-            <a:fld id="{7D2BD56B-C6CB-4963-A738-91B502C7EFB9}" type="slidenum">
               <a:rPr lang="pt-BR" smtClean="0"/>
               <a:pPr>
                 <a:defRPr/>
@@ -3353,19 +3360,29 @@
       </p:grpSpPr>
       <p:sp>
         <p:nvSpPr>
-          <p:cNvPr id="2" name="Slide Image Placeholder 1"/>
+          <p:cNvPr id="28674" name="Espaço Reservado para Imagem de Slide 1"/>
           <p:cNvSpPr>
-            <a:spLocks noGrp="1" noRot="1" noChangeAspect="1"/>
+            <a:spLocks noGrp="1" noRot="1" noChangeAspect="1" noTextEdit="1"/>
           </p:cNvSpPr>
           <p:nvPr>
             <p:ph type="sldImg"/>
           </p:nvPr>
         </p:nvSpPr>
-        <p:spPr/>
+        <p:spPr bwMode="auto">
+          <a:noFill/>
+          <a:ln>
+            <a:solidFill>
+              <a:srgbClr val="000000"/>
+            </a:solidFill>
+            <a:miter lim="800000"/>
+            <a:headEnd/>
+            <a:tailEnd/>
+          </a:ln>
+        </p:spPr>
       </p:sp>
       <p:sp>
         <p:nvSpPr>
-          <p:cNvPr id="3" name="Notes Placeholder 2"/>
+          <p:cNvPr id="28675" name="Espaço Reservado para Anotações 2"/>
           <p:cNvSpPr>
             <a:spLocks noGrp="1"/>
           </p:cNvSpPr>
@@ -3373,25 +3390,29 @@
             <p:ph type="body" idx="1"/>
           </p:nvPr>
         </p:nvSpPr>
-        <p:spPr/>
+        <p:spPr bwMode="auto">
+          <a:noFill/>
+        </p:spPr>
         <p:txBody>
-          <a:bodyPr>
-            <a:normAutofit/>
+          <a:bodyPr wrap="square" numCol="1" anchor="t" anchorCtr="0" compatLnSpc="1">
+            <a:prstTxWarp prst="textNoShape">
+              <a:avLst/>
+            </a:prstTxWarp>
           </a:bodyPr>
           <a:lstStyle/>
           <a:p>
-            <a:endParaRPr lang="pt-BR"/>
+            <a:endParaRPr lang="pt-BR" smtClean="0"/>
           </a:p>
         </p:txBody>
       </p:sp>
       <p:sp>
         <p:nvSpPr>
-          <p:cNvPr id="4" name="Slide Number Placeholder 3"/>
+          <p:cNvPr id="4" name="Espaço Reservado para Número de Slide 3"/>
           <p:cNvSpPr>
             <a:spLocks noGrp="1"/>
           </p:cNvSpPr>
           <p:nvPr>
-            <p:ph type="sldNum" sz="quarter" idx="10"/>
+            <p:ph type="sldNum" sz="quarter" idx="5"/>
           </p:nvPr>
         </p:nvSpPr>
         <p:spPr/>
@@ -3402,7 +3423,7 @@
             <a:pPr>
               <a:defRPr/>
             </a:pPr>
-            <a:fld id="{26215436-0A3F-4A01-A79E-C3B1BC371DB9}" type="slidenum">
+            <a:fld id="{23075962-84F8-440B-9D32-83156AFD556B}" type="slidenum">
               <a:rPr lang="pt-BR" smtClean="0"/>
               <a:pPr>
                 <a:defRPr/>
@@ -3440,19 +3461,29 @@
       </p:grpSpPr>
       <p:sp>
         <p:nvSpPr>
-          <p:cNvPr id="2" name="Slide Image Placeholder 1"/>
+          <p:cNvPr id="28674" name="Espaço Reservado para Imagem de Slide 1"/>
           <p:cNvSpPr>
-            <a:spLocks noGrp="1" noRot="1" noChangeAspect="1"/>
+            <a:spLocks noGrp="1" noRot="1" noChangeAspect="1" noTextEdit="1"/>
           </p:cNvSpPr>
           <p:nvPr>
             <p:ph type="sldImg"/>
           </p:nvPr>
         </p:nvSpPr>
-        <p:spPr/>
+        <p:spPr bwMode="auto">
+          <a:noFill/>
+          <a:ln>
+            <a:solidFill>
+              <a:srgbClr val="000000"/>
+            </a:solidFill>
+            <a:miter lim="800000"/>
+            <a:headEnd/>
+            <a:tailEnd/>
+          </a:ln>
+        </p:spPr>
       </p:sp>
       <p:sp>
         <p:nvSpPr>
-          <p:cNvPr id="3" name="Notes Placeholder 2"/>
+          <p:cNvPr id="28675" name="Espaço Reservado para Anotações 2"/>
           <p:cNvSpPr>
             <a:spLocks noGrp="1"/>
           </p:cNvSpPr>
@@ -3460,25 +3491,29 @@
             <p:ph type="body" idx="1"/>
           </p:nvPr>
         </p:nvSpPr>
-        <p:spPr/>
+        <p:spPr bwMode="auto">
+          <a:noFill/>
+        </p:spPr>
         <p:txBody>
-          <a:bodyPr>
-            <a:normAutofit/>
+          <a:bodyPr wrap="square" numCol="1" anchor="t" anchorCtr="0" compatLnSpc="1">
+            <a:prstTxWarp prst="textNoShape">
+              <a:avLst/>
+            </a:prstTxWarp>
           </a:bodyPr>
           <a:lstStyle/>
           <a:p>
-            <a:endParaRPr lang="pt-BR"/>
+            <a:endParaRPr lang="pt-BR" smtClean="0"/>
           </a:p>
         </p:txBody>
       </p:sp>
       <p:sp>
         <p:nvSpPr>
-          <p:cNvPr id="4" name="Slide Number Placeholder 3"/>
+          <p:cNvPr id="4" name="Espaço Reservado para Número de Slide 3"/>
           <p:cNvSpPr>
             <a:spLocks noGrp="1"/>
           </p:cNvSpPr>
           <p:nvPr>
-            <p:ph type="sldNum" sz="quarter" idx="10"/>
+            <p:ph type="sldNum" sz="quarter" idx="5"/>
           </p:nvPr>
         </p:nvSpPr>
         <p:spPr/>
@@ -3489,7 +3524,7 @@
             <a:pPr>
               <a:defRPr/>
             </a:pPr>
-            <a:fld id="{26215436-0A3F-4A01-A79E-C3B1BC371DB9}" type="slidenum">
+            <a:fld id="{23075962-84F8-440B-9D32-83156AFD556B}" type="slidenum">
               <a:rPr lang="pt-BR" smtClean="0"/>
               <a:pPr>
                 <a:defRPr/>
@@ -3527,19 +3562,29 @@
       </p:grpSpPr>
       <p:sp>
         <p:nvSpPr>
-          <p:cNvPr id="2" name="Espaço Reservado para Imagem de Slide 1"/>
+          <p:cNvPr id="28674" name="Espaço Reservado para Imagem de Slide 1"/>
           <p:cNvSpPr>
-            <a:spLocks noGrp="1" noRot="1" noChangeAspect="1"/>
+            <a:spLocks noGrp="1" noRot="1" noChangeAspect="1" noTextEdit="1"/>
           </p:cNvSpPr>
           <p:nvPr>
             <p:ph type="sldImg"/>
           </p:nvPr>
         </p:nvSpPr>
-        <p:spPr/>
+        <p:spPr bwMode="auto">
+          <a:noFill/>
+          <a:ln>
+            <a:solidFill>
+              <a:srgbClr val="000000"/>
+            </a:solidFill>
+            <a:miter lim="800000"/>
+            <a:headEnd/>
+            <a:tailEnd/>
+          </a:ln>
+        </p:spPr>
       </p:sp>
       <p:sp>
         <p:nvSpPr>
-          <p:cNvPr id="3" name="Espaço Reservado para Anotações 2"/>
+          <p:cNvPr id="28675" name="Espaço Reservado para Anotações 2"/>
           <p:cNvSpPr>
             <a:spLocks noGrp="1"/>
           </p:cNvSpPr>
@@ -3547,14 +3592,18 @@
             <p:ph type="body" idx="1"/>
           </p:nvPr>
         </p:nvSpPr>
-        <p:spPr/>
+        <p:spPr bwMode="auto">
+          <a:noFill/>
+        </p:spPr>
         <p:txBody>
-          <a:bodyPr>
-            <a:normAutofit/>
+          <a:bodyPr wrap="square" numCol="1" anchor="t" anchorCtr="0" compatLnSpc="1">
+            <a:prstTxWarp prst="textNoShape">
+              <a:avLst/>
+            </a:prstTxWarp>
           </a:bodyPr>
           <a:lstStyle/>
           <a:p>
-            <a:endParaRPr lang="pt-BR"/>
+            <a:endParaRPr lang="pt-BR" smtClean="0"/>
           </a:p>
         </p:txBody>
       </p:sp>
@@ -3565,7 +3614,7 @@
             <a:spLocks noGrp="1"/>
           </p:cNvSpPr>
           <p:nvPr>
-            <p:ph type="sldNum" sz="quarter" idx="10"/>
+            <p:ph type="sldNum" sz="quarter" idx="5"/>
           </p:nvPr>
         </p:nvSpPr>
         <p:spPr/>
@@ -3576,7 +3625,7 @@
             <a:pPr>
               <a:defRPr/>
             </a:pPr>
-            <a:fld id="{26215436-0A3F-4A01-A79E-C3B1BC371DB9}" type="slidenum">
+            <a:fld id="{23075962-84F8-440B-9D32-83156AFD556B}" type="slidenum">
               <a:rPr lang="pt-BR" smtClean="0"/>
               <a:pPr>
                 <a:defRPr/>
@@ -3614,19 +3663,29 @@
       </p:grpSpPr>
       <p:sp>
         <p:nvSpPr>
-          <p:cNvPr id="2" name="Espaço Reservado para Imagem de Slide 1"/>
+          <p:cNvPr id="28674" name="Espaço Reservado para Imagem de Slide 1"/>
           <p:cNvSpPr>
-            <a:spLocks noGrp="1" noRot="1" noChangeAspect="1"/>
+            <a:spLocks noGrp="1" noRot="1" noChangeAspect="1" noTextEdit="1"/>
           </p:cNvSpPr>
           <p:nvPr>
             <p:ph type="sldImg"/>
           </p:nvPr>
         </p:nvSpPr>
-        <p:spPr/>
+        <p:spPr bwMode="auto">
+          <a:noFill/>
+          <a:ln>
+            <a:solidFill>
+              <a:srgbClr val="000000"/>
+            </a:solidFill>
+            <a:miter lim="800000"/>
+            <a:headEnd/>
+            <a:tailEnd/>
+          </a:ln>
+        </p:spPr>
       </p:sp>
       <p:sp>
         <p:nvSpPr>
-          <p:cNvPr id="3" name="Espaço Reservado para Anotações 2"/>
+          <p:cNvPr id="28675" name="Espaço Reservado para Anotações 2"/>
           <p:cNvSpPr>
             <a:spLocks noGrp="1"/>
           </p:cNvSpPr>
@@ -3634,14 +3693,18 @@
             <p:ph type="body" idx="1"/>
           </p:nvPr>
         </p:nvSpPr>
-        <p:spPr/>
+        <p:spPr bwMode="auto">
+          <a:noFill/>
+        </p:spPr>
         <p:txBody>
-          <a:bodyPr>
-            <a:normAutofit/>
+          <a:bodyPr wrap="square" numCol="1" anchor="t" anchorCtr="0" compatLnSpc="1">
+            <a:prstTxWarp prst="textNoShape">
+              <a:avLst/>
+            </a:prstTxWarp>
           </a:bodyPr>
           <a:lstStyle/>
           <a:p>
-            <a:endParaRPr lang="pt-BR"/>
+            <a:endParaRPr lang="pt-BR" smtClean="0"/>
           </a:p>
         </p:txBody>
       </p:sp>
@@ -3652,7 +3715,7 @@
             <a:spLocks noGrp="1"/>
           </p:cNvSpPr>
           <p:nvPr>
-            <p:ph type="sldNum" sz="quarter" idx="10"/>
+            <p:ph type="sldNum" sz="quarter" idx="5"/>
           </p:nvPr>
         </p:nvSpPr>
         <p:spPr/>
@@ -3663,7 +3726,7 @@
             <a:pPr>
               <a:defRPr/>
             </a:pPr>
-            <a:fld id="{26215436-0A3F-4A01-A79E-C3B1BC371DB9}" type="slidenum">
+            <a:fld id="{23075962-84F8-440B-9D32-83156AFD556B}" type="slidenum">
               <a:rPr lang="pt-BR" smtClean="0"/>
               <a:pPr>
                 <a:defRPr/>
@@ -3701,19 +3764,29 @@
       </p:grpSpPr>
       <p:sp>
         <p:nvSpPr>
-          <p:cNvPr id="2" name="Espaço Reservado para Imagem de Slide 1"/>
+          <p:cNvPr id="38914" name="Espaço Reservado para Imagem de Slide 1"/>
           <p:cNvSpPr>
-            <a:spLocks noGrp="1" noRot="1" noChangeAspect="1"/>
+            <a:spLocks noGrp="1" noRot="1" noChangeAspect="1" noTextEdit="1"/>
           </p:cNvSpPr>
           <p:nvPr>
             <p:ph type="sldImg"/>
           </p:nvPr>
         </p:nvSpPr>
-        <p:spPr/>
+        <p:spPr bwMode="auto">
+          <a:noFill/>
+          <a:ln>
+            <a:solidFill>
+              <a:srgbClr val="000000"/>
+            </a:solidFill>
+            <a:miter lim="800000"/>
+            <a:headEnd/>
+            <a:tailEnd/>
+          </a:ln>
+        </p:spPr>
       </p:sp>
       <p:sp>
         <p:nvSpPr>
-          <p:cNvPr id="3" name="Espaço Reservado para Anotações 2"/>
+          <p:cNvPr id="38915" name="Espaço Reservado para Anotações 2"/>
           <p:cNvSpPr>
             <a:spLocks noGrp="1"/>
           </p:cNvSpPr>
@@ -3721,14 +3794,18 @@
             <p:ph type="body" idx="1"/>
           </p:nvPr>
         </p:nvSpPr>
-        <p:spPr/>
+        <p:spPr bwMode="auto">
+          <a:noFill/>
+        </p:spPr>
         <p:txBody>
-          <a:bodyPr>
-            <a:normAutofit/>
+          <a:bodyPr wrap="square" numCol="1" anchor="t" anchorCtr="0" compatLnSpc="1">
+            <a:prstTxWarp prst="textNoShape">
+              <a:avLst/>
+            </a:prstTxWarp>
           </a:bodyPr>
           <a:lstStyle/>
           <a:p>
-            <a:endParaRPr lang="pt-BR"/>
+            <a:endParaRPr lang="pt-BR" smtClean="0"/>
           </a:p>
         </p:txBody>
       </p:sp>
@@ -3739,7 +3816,7 @@
             <a:spLocks noGrp="1"/>
           </p:cNvSpPr>
           <p:nvPr>
-            <p:ph type="sldNum" sz="quarter" idx="10"/>
+            <p:ph type="sldNum" sz="quarter" idx="5"/>
           </p:nvPr>
         </p:nvSpPr>
         <p:spPr/>
@@ -3750,12 +3827,113 @@
             <a:pPr>
               <a:defRPr/>
             </a:pPr>
-            <a:fld id="{26215436-0A3F-4A01-A79E-C3B1BC371DB9}" type="slidenum">
+            <a:fld id="{7D2BD56B-C6CB-4963-A738-91B502C7EFB9}" type="slidenum">
               <a:rPr lang="pt-BR" smtClean="0"/>
               <a:pPr>
                 <a:defRPr/>
               </a:pPr>
               <a:t>38</a:t>
+            </a:fld>
+            <a:endParaRPr lang="pt-BR"/>
+          </a:p>
+        </p:txBody>
+      </p:sp>
+    </p:spTree>
+  </p:cSld>
+  <p:clrMapOvr>
+    <a:masterClrMapping/>
+  </p:clrMapOvr>
+</p:notes>
+</file>
+
+<file path=ppt/notesSlides/notesSlide39.xml><?xml version="1.0" encoding="utf-8"?>
+<p:notes xmlns:a="http://schemas.openxmlformats.org/drawingml/2006/main" xmlns:r="http://schemas.openxmlformats.org/officeDocument/2006/relationships" xmlns:p="http://schemas.openxmlformats.org/presentationml/2006/main">
+  <p:cSld>
+    <p:spTree>
+      <p:nvGrpSpPr>
+        <p:cNvPr id="1" name=""/>
+        <p:cNvGrpSpPr/>
+        <p:nvPr/>
+      </p:nvGrpSpPr>
+      <p:grpSpPr>
+        <a:xfrm>
+          <a:off x="0" y="0"/>
+          <a:ext cx="0" cy="0"/>
+          <a:chOff x="0" y="0"/>
+          <a:chExt cx="0" cy="0"/>
+        </a:xfrm>
+      </p:grpSpPr>
+      <p:sp>
+        <p:nvSpPr>
+          <p:cNvPr id="28674" name="Espaço Reservado para Imagem de Slide 1"/>
+          <p:cNvSpPr>
+            <a:spLocks noGrp="1" noRot="1" noChangeAspect="1" noTextEdit="1"/>
+          </p:cNvSpPr>
+          <p:nvPr>
+            <p:ph type="sldImg"/>
+          </p:nvPr>
+        </p:nvSpPr>
+        <p:spPr bwMode="auto">
+          <a:noFill/>
+          <a:ln>
+            <a:solidFill>
+              <a:srgbClr val="000000"/>
+            </a:solidFill>
+            <a:miter lim="800000"/>
+            <a:headEnd/>
+            <a:tailEnd/>
+          </a:ln>
+        </p:spPr>
+      </p:sp>
+      <p:sp>
+        <p:nvSpPr>
+          <p:cNvPr id="28675" name="Espaço Reservado para Anotações 2"/>
+          <p:cNvSpPr>
+            <a:spLocks noGrp="1"/>
+          </p:cNvSpPr>
+          <p:nvPr>
+            <p:ph type="body" idx="1"/>
+          </p:nvPr>
+        </p:nvSpPr>
+        <p:spPr bwMode="auto">
+          <a:noFill/>
+        </p:spPr>
+        <p:txBody>
+          <a:bodyPr wrap="square" numCol="1" anchor="t" anchorCtr="0" compatLnSpc="1">
+            <a:prstTxWarp prst="textNoShape">
+              <a:avLst/>
+            </a:prstTxWarp>
+          </a:bodyPr>
+          <a:lstStyle/>
+          <a:p>
+            <a:endParaRPr lang="pt-BR" smtClean="0"/>
+          </a:p>
+        </p:txBody>
+      </p:sp>
+      <p:sp>
+        <p:nvSpPr>
+          <p:cNvPr id="4" name="Espaço Reservado para Número de Slide 3"/>
+          <p:cNvSpPr>
+            <a:spLocks noGrp="1"/>
+          </p:cNvSpPr>
+          <p:nvPr>
+            <p:ph type="sldNum" sz="quarter" idx="5"/>
+          </p:nvPr>
+        </p:nvSpPr>
+        <p:spPr/>
+        <p:txBody>
+          <a:bodyPr/>
+          <a:lstStyle/>
+          <a:p>
+            <a:pPr>
+              <a:defRPr/>
+            </a:pPr>
+            <a:fld id="{23075962-84F8-440B-9D32-83156AFD556B}" type="slidenum">
+              <a:rPr lang="pt-BR" smtClean="0"/>
+              <a:pPr>
+                <a:defRPr/>
+              </a:pPr>
+              <a:t>39</a:t>
             </a:fld>
             <a:endParaRPr lang="pt-BR"/>
           </a:p>
@@ -3843,6 +4021,542 @@
                 <a:defRPr/>
               </a:pPr>
               <a:t>4</a:t>
+            </a:fld>
+            <a:endParaRPr lang="pt-BR"/>
+          </a:p>
+        </p:txBody>
+      </p:sp>
+    </p:spTree>
+  </p:cSld>
+  <p:clrMapOvr>
+    <a:masterClrMapping/>
+  </p:clrMapOvr>
+</p:notes>
+</file>
+
+<file path=ppt/notesSlides/notesSlide40.xml><?xml version="1.0" encoding="utf-8"?>
+<p:notes xmlns:a="http://schemas.openxmlformats.org/drawingml/2006/main" xmlns:r="http://schemas.openxmlformats.org/officeDocument/2006/relationships" xmlns:p="http://schemas.openxmlformats.org/presentationml/2006/main">
+  <p:cSld>
+    <p:spTree>
+      <p:nvGrpSpPr>
+        <p:cNvPr id="1" name=""/>
+        <p:cNvGrpSpPr/>
+        <p:nvPr/>
+      </p:nvGrpSpPr>
+      <p:grpSpPr>
+        <a:xfrm>
+          <a:off x="0" y="0"/>
+          <a:ext cx="0" cy="0"/>
+          <a:chOff x="0" y="0"/>
+          <a:chExt cx="0" cy="0"/>
+        </a:xfrm>
+      </p:grpSpPr>
+      <p:sp>
+        <p:nvSpPr>
+          <p:cNvPr id="28674" name="Espaço Reservado para Imagem de Slide 1"/>
+          <p:cNvSpPr>
+            <a:spLocks noGrp="1" noRot="1" noChangeAspect="1" noTextEdit="1"/>
+          </p:cNvSpPr>
+          <p:nvPr>
+            <p:ph type="sldImg"/>
+          </p:nvPr>
+        </p:nvSpPr>
+        <p:spPr bwMode="auto">
+          <a:noFill/>
+          <a:ln>
+            <a:solidFill>
+              <a:srgbClr val="000000"/>
+            </a:solidFill>
+            <a:miter lim="800000"/>
+            <a:headEnd/>
+            <a:tailEnd/>
+          </a:ln>
+        </p:spPr>
+      </p:sp>
+      <p:sp>
+        <p:nvSpPr>
+          <p:cNvPr id="28675" name="Espaço Reservado para Anotações 2"/>
+          <p:cNvSpPr>
+            <a:spLocks noGrp="1"/>
+          </p:cNvSpPr>
+          <p:nvPr>
+            <p:ph type="body" idx="1"/>
+          </p:nvPr>
+        </p:nvSpPr>
+        <p:spPr bwMode="auto">
+          <a:noFill/>
+        </p:spPr>
+        <p:txBody>
+          <a:bodyPr wrap="square" numCol="1" anchor="t" anchorCtr="0" compatLnSpc="1">
+            <a:prstTxWarp prst="textNoShape">
+              <a:avLst/>
+            </a:prstTxWarp>
+          </a:bodyPr>
+          <a:lstStyle/>
+          <a:p>
+            <a:endParaRPr lang="pt-BR" smtClean="0"/>
+          </a:p>
+        </p:txBody>
+      </p:sp>
+      <p:sp>
+        <p:nvSpPr>
+          <p:cNvPr id="4" name="Espaço Reservado para Número de Slide 3"/>
+          <p:cNvSpPr>
+            <a:spLocks noGrp="1"/>
+          </p:cNvSpPr>
+          <p:nvPr>
+            <p:ph type="sldNum" sz="quarter" idx="5"/>
+          </p:nvPr>
+        </p:nvSpPr>
+        <p:spPr/>
+        <p:txBody>
+          <a:bodyPr/>
+          <a:lstStyle/>
+          <a:p>
+            <a:pPr>
+              <a:defRPr/>
+            </a:pPr>
+            <a:fld id="{23075962-84F8-440B-9D32-83156AFD556B}" type="slidenum">
+              <a:rPr lang="pt-BR" smtClean="0"/>
+              <a:pPr>
+                <a:defRPr/>
+              </a:pPr>
+              <a:t>40</a:t>
+            </a:fld>
+            <a:endParaRPr lang="pt-BR"/>
+          </a:p>
+        </p:txBody>
+      </p:sp>
+    </p:spTree>
+  </p:cSld>
+  <p:clrMapOvr>
+    <a:masterClrMapping/>
+  </p:clrMapOvr>
+</p:notes>
+</file>
+
+<file path=ppt/notesSlides/notesSlide41.xml><?xml version="1.0" encoding="utf-8"?>
+<p:notes xmlns:a="http://schemas.openxmlformats.org/drawingml/2006/main" xmlns:r="http://schemas.openxmlformats.org/officeDocument/2006/relationships" xmlns:p="http://schemas.openxmlformats.org/presentationml/2006/main">
+  <p:cSld>
+    <p:spTree>
+      <p:nvGrpSpPr>
+        <p:cNvPr id="1" name=""/>
+        <p:cNvGrpSpPr/>
+        <p:nvPr/>
+      </p:nvGrpSpPr>
+      <p:grpSpPr>
+        <a:xfrm>
+          <a:off x="0" y="0"/>
+          <a:ext cx="0" cy="0"/>
+          <a:chOff x="0" y="0"/>
+          <a:chExt cx="0" cy="0"/>
+        </a:xfrm>
+      </p:grpSpPr>
+      <p:sp>
+        <p:nvSpPr>
+          <p:cNvPr id="2" name="Slide Image Placeholder 1"/>
+          <p:cNvSpPr>
+            <a:spLocks noGrp="1" noRot="1" noChangeAspect="1"/>
+          </p:cNvSpPr>
+          <p:nvPr>
+            <p:ph type="sldImg"/>
+          </p:nvPr>
+        </p:nvSpPr>
+        <p:spPr/>
+      </p:sp>
+      <p:sp>
+        <p:nvSpPr>
+          <p:cNvPr id="3" name="Notes Placeholder 2"/>
+          <p:cNvSpPr>
+            <a:spLocks noGrp="1"/>
+          </p:cNvSpPr>
+          <p:nvPr>
+            <p:ph type="body" idx="1"/>
+          </p:nvPr>
+        </p:nvSpPr>
+        <p:spPr/>
+        <p:txBody>
+          <a:bodyPr>
+            <a:normAutofit/>
+          </a:bodyPr>
+          <a:lstStyle/>
+          <a:p>
+            <a:endParaRPr lang="pt-BR"/>
+          </a:p>
+        </p:txBody>
+      </p:sp>
+      <p:sp>
+        <p:nvSpPr>
+          <p:cNvPr id="4" name="Slide Number Placeholder 3"/>
+          <p:cNvSpPr>
+            <a:spLocks noGrp="1"/>
+          </p:cNvSpPr>
+          <p:nvPr>
+            <p:ph type="sldNum" sz="quarter" idx="10"/>
+          </p:nvPr>
+        </p:nvSpPr>
+        <p:spPr/>
+        <p:txBody>
+          <a:bodyPr/>
+          <a:lstStyle/>
+          <a:p>
+            <a:pPr>
+              <a:defRPr/>
+            </a:pPr>
+            <a:fld id="{26215436-0A3F-4A01-A79E-C3B1BC371DB9}" type="slidenum">
+              <a:rPr lang="pt-BR" smtClean="0"/>
+              <a:pPr>
+                <a:defRPr/>
+              </a:pPr>
+              <a:t>41</a:t>
+            </a:fld>
+            <a:endParaRPr lang="pt-BR"/>
+          </a:p>
+        </p:txBody>
+      </p:sp>
+    </p:spTree>
+  </p:cSld>
+  <p:clrMapOvr>
+    <a:masterClrMapping/>
+  </p:clrMapOvr>
+</p:notes>
+</file>
+
+<file path=ppt/notesSlides/notesSlide42.xml><?xml version="1.0" encoding="utf-8"?>
+<p:notes xmlns:a="http://schemas.openxmlformats.org/drawingml/2006/main" xmlns:r="http://schemas.openxmlformats.org/officeDocument/2006/relationships" xmlns:p="http://schemas.openxmlformats.org/presentationml/2006/main">
+  <p:cSld>
+    <p:spTree>
+      <p:nvGrpSpPr>
+        <p:cNvPr id="1" name=""/>
+        <p:cNvGrpSpPr/>
+        <p:nvPr/>
+      </p:nvGrpSpPr>
+      <p:grpSpPr>
+        <a:xfrm>
+          <a:off x="0" y="0"/>
+          <a:ext cx="0" cy="0"/>
+          <a:chOff x="0" y="0"/>
+          <a:chExt cx="0" cy="0"/>
+        </a:xfrm>
+      </p:grpSpPr>
+      <p:sp>
+        <p:nvSpPr>
+          <p:cNvPr id="2" name="Slide Image Placeholder 1"/>
+          <p:cNvSpPr>
+            <a:spLocks noGrp="1" noRot="1" noChangeAspect="1"/>
+          </p:cNvSpPr>
+          <p:nvPr>
+            <p:ph type="sldImg"/>
+          </p:nvPr>
+        </p:nvSpPr>
+        <p:spPr/>
+      </p:sp>
+      <p:sp>
+        <p:nvSpPr>
+          <p:cNvPr id="3" name="Notes Placeholder 2"/>
+          <p:cNvSpPr>
+            <a:spLocks noGrp="1"/>
+          </p:cNvSpPr>
+          <p:nvPr>
+            <p:ph type="body" idx="1"/>
+          </p:nvPr>
+        </p:nvSpPr>
+        <p:spPr/>
+        <p:txBody>
+          <a:bodyPr>
+            <a:normAutofit/>
+          </a:bodyPr>
+          <a:lstStyle/>
+          <a:p>
+            <a:endParaRPr lang="pt-BR"/>
+          </a:p>
+        </p:txBody>
+      </p:sp>
+      <p:sp>
+        <p:nvSpPr>
+          <p:cNvPr id="4" name="Slide Number Placeholder 3"/>
+          <p:cNvSpPr>
+            <a:spLocks noGrp="1"/>
+          </p:cNvSpPr>
+          <p:nvPr>
+            <p:ph type="sldNum" sz="quarter" idx="10"/>
+          </p:nvPr>
+        </p:nvSpPr>
+        <p:spPr/>
+        <p:txBody>
+          <a:bodyPr/>
+          <a:lstStyle/>
+          <a:p>
+            <a:pPr>
+              <a:defRPr/>
+            </a:pPr>
+            <a:fld id="{26215436-0A3F-4A01-A79E-C3B1BC371DB9}" type="slidenum">
+              <a:rPr lang="pt-BR" smtClean="0"/>
+              <a:pPr>
+                <a:defRPr/>
+              </a:pPr>
+              <a:t>42</a:t>
+            </a:fld>
+            <a:endParaRPr lang="pt-BR"/>
+          </a:p>
+        </p:txBody>
+      </p:sp>
+    </p:spTree>
+  </p:cSld>
+  <p:clrMapOvr>
+    <a:masterClrMapping/>
+  </p:clrMapOvr>
+</p:notes>
+</file>
+
+<file path=ppt/notesSlides/notesSlide43.xml><?xml version="1.0" encoding="utf-8"?>
+<p:notes xmlns:a="http://schemas.openxmlformats.org/drawingml/2006/main" xmlns:r="http://schemas.openxmlformats.org/officeDocument/2006/relationships" xmlns:p="http://schemas.openxmlformats.org/presentationml/2006/main">
+  <p:cSld>
+    <p:spTree>
+      <p:nvGrpSpPr>
+        <p:cNvPr id="1" name=""/>
+        <p:cNvGrpSpPr/>
+        <p:nvPr/>
+      </p:nvGrpSpPr>
+      <p:grpSpPr>
+        <a:xfrm>
+          <a:off x="0" y="0"/>
+          <a:ext cx="0" cy="0"/>
+          <a:chOff x="0" y="0"/>
+          <a:chExt cx="0" cy="0"/>
+        </a:xfrm>
+      </p:grpSpPr>
+      <p:sp>
+        <p:nvSpPr>
+          <p:cNvPr id="2" name="Espaço Reservado para Imagem de Slide 1"/>
+          <p:cNvSpPr>
+            <a:spLocks noGrp="1" noRot="1" noChangeAspect="1"/>
+          </p:cNvSpPr>
+          <p:nvPr>
+            <p:ph type="sldImg"/>
+          </p:nvPr>
+        </p:nvSpPr>
+        <p:spPr/>
+      </p:sp>
+      <p:sp>
+        <p:nvSpPr>
+          <p:cNvPr id="3" name="Espaço Reservado para Anotações 2"/>
+          <p:cNvSpPr>
+            <a:spLocks noGrp="1"/>
+          </p:cNvSpPr>
+          <p:nvPr>
+            <p:ph type="body" idx="1"/>
+          </p:nvPr>
+        </p:nvSpPr>
+        <p:spPr/>
+        <p:txBody>
+          <a:bodyPr>
+            <a:normAutofit/>
+          </a:bodyPr>
+          <a:lstStyle/>
+          <a:p>
+            <a:endParaRPr lang="pt-BR"/>
+          </a:p>
+        </p:txBody>
+      </p:sp>
+      <p:sp>
+        <p:nvSpPr>
+          <p:cNvPr id="4" name="Espaço Reservado para Número de Slide 3"/>
+          <p:cNvSpPr>
+            <a:spLocks noGrp="1"/>
+          </p:cNvSpPr>
+          <p:nvPr>
+            <p:ph type="sldNum" sz="quarter" idx="10"/>
+          </p:nvPr>
+        </p:nvSpPr>
+        <p:spPr/>
+        <p:txBody>
+          <a:bodyPr/>
+          <a:lstStyle/>
+          <a:p>
+            <a:pPr>
+              <a:defRPr/>
+            </a:pPr>
+            <a:fld id="{26215436-0A3F-4A01-A79E-C3B1BC371DB9}" type="slidenum">
+              <a:rPr lang="pt-BR" smtClean="0"/>
+              <a:pPr>
+                <a:defRPr/>
+              </a:pPr>
+              <a:t>43</a:t>
+            </a:fld>
+            <a:endParaRPr lang="pt-BR"/>
+          </a:p>
+        </p:txBody>
+      </p:sp>
+    </p:spTree>
+  </p:cSld>
+  <p:clrMapOvr>
+    <a:masterClrMapping/>
+  </p:clrMapOvr>
+</p:notes>
+</file>
+
+<file path=ppt/notesSlides/notesSlide44.xml><?xml version="1.0" encoding="utf-8"?>
+<p:notes xmlns:a="http://schemas.openxmlformats.org/drawingml/2006/main" xmlns:r="http://schemas.openxmlformats.org/officeDocument/2006/relationships" xmlns:p="http://schemas.openxmlformats.org/presentationml/2006/main">
+  <p:cSld>
+    <p:spTree>
+      <p:nvGrpSpPr>
+        <p:cNvPr id="1" name=""/>
+        <p:cNvGrpSpPr/>
+        <p:nvPr/>
+      </p:nvGrpSpPr>
+      <p:grpSpPr>
+        <a:xfrm>
+          <a:off x="0" y="0"/>
+          <a:ext cx="0" cy="0"/>
+          <a:chOff x="0" y="0"/>
+          <a:chExt cx="0" cy="0"/>
+        </a:xfrm>
+      </p:grpSpPr>
+      <p:sp>
+        <p:nvSpPr>
+          <p:cNvPr id="2" name="Espaço Reservado para Imagem de Slide 1"/>
+          <p:cNvSpPr>
+            <a:spLocks noGrp="1" noRot="1" noChangeAspect="1"/>
+          </p:cNvSpPr>
+          <p:nvPr>
+            <p:ph type="sldImg"/>
+          </p:nvPr>
+        </p:nvSpPr>
+        <p:spPr/>
+      </p:sp>
+      <p:sp>
+        <p:nvSpPr>
+          <p:cNvPr id="3" name="Espaço Reservado para Anotações 2"/>
+          <p:cNvSpPr>
+            <a:spLocks noGrp="1"/>
+          </p:cNvSpPr>
+          <p:nvPr>
+            <p:ph type="body" idx="1"/>
+          </p:nvPr>
+        </p:nvSpPr>
+        <p:spPr/>
+        <p:txBody>
+          <a:bodyPr>
+            <a:normAutofit/>
+          </a:bodyPr>
+          <a:lstStyle/>
+          <a:p>
+            <a:endParaRPr lang="pt-BR"/>
+          </a:p>
+        </p:txBody>
+      </p:sp>
+      <p:sp>
+        <p:nvSpPr>
+          <p:cNvPr id="4" name="Espaço Reservado para Número de Slide 3"/>
+          <p:cNvSpPr>
+            <a:spLocks noGrp="1"/>
+          </p:cNvSpPr>
+          <p:nvPr>
+            <p:ph type="sldNum" sz="quarter" idx="10"/>
+          </p:nvPr>
+        </p:nvSpPr>
+        <p:spPr/>
+        <p:txBody>
+          <a:bodyPr/>
+          <a:lstStyle/>
+          <a:p>
+            <a:pPr>
+              <a:defRPr/>
+            </a:pPr>
+            <a:fld id="{26215436-0A3F-4A01-A79E-C3B1BC371DB9}" type="slidenum">
+              <a:rPr lang="pt-BR" smtClean="0"/>
+              <a:pPr>
+                <a:defRPr/>
+              </a:pPr>
+              <a:t>44</a:t>
+            </a:fld>
+            <a:endParaRPr lang="pt-BR"/>
+          </a:p>
+        </p:txBody>
+      </p:sp>
+    </p:spTree>
+  </p:cSld>
+  <p:clrMapOvr>
+    <a:masterClrMapping/>
+  </p:clrMapOvr>
+</p:notes>
+</file>
+
+<file path=ppt/notesSlides/notesSlide45.xml><?xml version="1.0" encoding="utf-8"?>
+<p:notes xmlns:a="http://schemas.openxmlformats.org/drawingml/2006/main" xmlns:r="http://schemas.openxmlformats.org/officeDocument/2006/relationships" xmlns:p="http://schemas.openxmlformats.org/presentationml/2006/main">
+  <p:cSld>
+    <p:spTree>
+      <p:nvGrpSpPr>
+        <p:cNvPr id="1" name=""/>
+        <p:cNvGrpSpPr/>
+        <p:nvPr/>
+      </p:nvGrpSpPr>
+      <p:grpSpPr>
+        <a:xfrm>
+          <a:off x="0" y="0"/>
+          <a:ext cx="0" cy="0"/>
+          <a:chOff x="0" y="0"/>
+          <a:chExt cx="0" cy="0"/>
+        </a:xfrm>
+      </p:grpSpPr>
+      <p:sp>
+        <p:nvSpPr>
+          <p:cNvPr id="2" name="Espaço Reservado para Imagem de Slide 1"/>
+          <p:cNvSpPr>
+            <a:spLocks noGrp="1" noRot="1" noChangeAspect="1"/>
+          </p:cNvSpPr>
+          <p:nvPr>
+            <p:ph type="sldImg"/>
+          </p:nvPr>
+        </p:nvSpPr>
+        <p:spPr/>
+      </p:sp>
+      <p:sp>
+        <p:nvSpPr>
+          <p:cNvPr id="3" name="Espaço Reservado para Anotações 2"/>
+          <p:cNvSpPr>
+            <a:spLocks noGrp="1"/>
+          </p:cNvSpPr>
+          <p:nvPr>
+            <p:ph type="body" idx="1"/>
+          </p:nvPr>
+        </p:nvSpPr>
+        <p:spPr/>
+        <p:txBody>
+          <a:bodyPr>
+            <a:normAutofit/>
+          </a:bodyPr>
+          <a:lstStyle/>
+          <a:p>
+            <a:endParaRPr lang="pt-BR"/>
+          </a:p>
+        </p:txBody>
+      </p:sp>
+      <p:sp>
+        <p:nvSpPr>
+          <p:cNvPr id="4" name="Espaço Reservado para Número de Slide 3"/>
+          <p:cNvSpPr>
+            <a:spLocks noGrp="1"/>
+          </p:cNvSpPr>
+          <p:nvPr>
+            <p:ph type="sldNum" sz="quarter" idx="10"/>
+          </p:nvPr>
+        </p:nvSpPr>
+        <p:spPr/>
+        <p:txBody>
+          <a:bodyPr/>
+          <a:lstStyle/>
+          <a:p>
+            <a:pPr>
+              <a:defRPr/>
+            </a:pPr>
+            <a:fld id="{26215436-0A3F-4A01-A79E-C3B1BC371DB9}" type="slidenum">
+              <a:rPr lang="pt-BR" smtClean="0"/>
+              <a:pPr>
+                <a:defRPr/>
+              </a:pPr>
+              <a:t>45</a:t>
             </a:fld>
             <a:endParaRPr lang="pt-BR"/>
           </a:p>
@@ -4779,7 +5493,7 @@
               <a:pPr>
                 <a:defRPr/>
               </a:pPr>
-              <a:t>28/06/2012</a:t>
+              <a:t>20/5/2012</a:t>
             </a:fld>
             <a:endParaRPr lang="pt-BR"/>
           </a:p>
@@ -4971,7 +5685,7 @@
               <a:pPr>
                 <a:defRPr/>
               </a:pPr>
-              <a:t>28/06/2012</a:t>
+              <a:t>20/5/2012</a:t>
             </a:fld>
             <a:endParaRPr lang="pt-BR"/>
           </a:p>
@@ -5173,7 +5887,7 @@
               <a:pPr>
                 <a:defRPr/>
               </a:pPr>
-              <a:t>28/06/2012</a:t>
+              <a:t>20/5/2012</a:t>
             </a:fld>
             <a:endParaRPr lang="pt-BR"/>
           </a:p>
@@ -5369,7 +6083,7 @@
               <a:pPr>
                 <a:defRPr/>
               </a:pPr>
-              <a:t>28/06/2012</a:t>
+              <a:t>20/5/2012</a:t>
             </a:fld>
             <a:endParaRPr lang="pt-BR"/>
           </a:p>
@@ -5875,7 +6589,7 @@
               <a:pPr>
                 <a:defRPr/>
               </a:pPr>
-              <a:t>28/06/2012</a:t>
+              <a:t>20/5/2012</a:t>
             </a:fld>
             <a:endParaRPr lang="pt-BR"/>
           </a:p>
@@ -6166,7 +6880,7 @@
               <a:pPr>
                 <a:defRPr/>
               </a:pPr>
-              <a:t>28/06/2012</a:t>
+              <a:t>20/5/2012</a:t>
             </a:fld>
             <a:endParaRPr lang="pt-BR"/>
           </a:p>
@@ -6567,7 +7281,7 @@
               <a:pPr>
                 <a:defRPr/>
               </a:pPr>
-              <a:t>28/06/2012</a:t>
+              <a:t>20/5/2012</a:t>
             </a:fld>
             <a:endParaRPr lang="pt-BR"/>
           </a:p>
@@ -6716,7 +7430,7 @@
               <a:pPr>
                 <a:defRPr/>
               </a:pPr>
-              <a:t>28/06/2012</a:t>
+              <a:t>20/5/2012</a:t>
             </a:fld>
             <a:endParaRPr lang="pt-BR"/>
           </a:p>
@@ -6833,7 +7547,7 @@
               <a:pPr>
                 <a:defRPr/>
               </a:pPr>
-              <a:t>28/06/2012</a:t>
+              <a:t>20/5/2012</a:t>
             </a:fld>
             <a:endParaRPr lang="pt-BR"/>
           </a:p>
@@ -7109,7 +7823,7 @@
               <a:pPr>
                 <a:defRPr/>
               </a:pPr>
-              <a:t>28/06/2012</a:t>
+              <a:t>20/5/2012</a:t>
             </a:fld>
             <a:endParaRPr lang="pt-BR"/>
           </a:p>
@@ -7393,7 +8107,7 @@
               <a:pPr>
                 <a:defRPr/>
               </a:pPr>
-              <a:t>28/06/2012</a:t>
+              <a:t>20/5/2012</a:t>
             </a:fld>
             <a:endParaRPr lang="pt-BR"/>
           </a:p>
@@ -7871,7 +8585,7 @@
               <a:pPr>
                 <a:defRPr/>
               </a:pPr>
-              <a:t>28/06/2012</a:t>
+              <a:t>20/5/2012</a:t>
             </a:fld>
             <a:endParaRPr lang="pt-BR"/>
           </a:p>
@@ -13496,54 +14210,75 @@
           <a:p>
             <a:pPr eaLnBrk="1" hangingPunct="1"/>
             <a:r>
-              <a:rPr lang="pt-BR" sz="2400" dirty="0" smtClean="0"/>
+              <a:rPr lang="pt-BR" sz="2200" dirty="0" smtClean="0"/>
               <a:t>Introdução</a:t>
             </a:r>
           </a:p>
           <a:p>
             <a:pPr eaLnBrk="1" hangingPunct="1"/>
             <a:r>
-              <a:rPr lang="pt-BR" sz="2400" dirty="0" smtClean="0"/>
+              <a:rPr lang="pt-BR" sz="2200" dirty="0" smtClean="0"/>
               <a:t>Principais operações de conjuntos</a:t>
             </a:r>
           </a:p>
           <a:p>
             <a:pPr eaLnBrk="1" hangingPunct="1"/>
             <a:r>
-              <a:rPr lang="pt-BR" sz="2400" dirty="0" smtClean="0"/>
+              <a:rPr lang="pt-BR" sz="2200" dirty="0" smtClean="0"/>
               <a:t>Principais interfaces de conjuntos</a:t>
             </a:r>
           </a:p>
           <a:p>
             <a:pPr eaLnBrk="1" hangingPunct="1"/>
             <a:r>
-              <a:rPr lang="pt-BR" sz="2400" dirty="0" smtClean="0"/>
+              <a:rPr lang="pt-BR" sz="2200" dirty="0" smtClean="0"/>
               <a:t>A interface Collection</a:t>
             </a:r>
           </a:p>
           <a:p>
             <a:pPr eaLnBrk="1" hangingPunct="1"/>
             <a:r>
-              <a:rPr lang="pt-BR" sz="2400" dirty="0" smtClean="0"/>
+              <a:rPr lang="pt-BR" sz="2200" dirty="0" smtClean="0"/>
+              <a:t>A interface Iterator</a:t>
+            </a:r>
+          </a:p>
+          <a:p>
+            <a:pPr eaLnBrk="1" hangingPunct="1"/>
+            <a:r>
+              <a:rPr lang="pt-BR" sz="2200" dirty="0" smtClean="0"/>
+              <a:t>Ordenação e classificação</a:t>
+            </a:r>
+          </a:p>
+          <a:p>
+            <a:pPr eaLnBrk="1" hangingPunct="1"/>
+            <a:r>
+              <a:rPr lang="pt-BR" sz="2200" dirty="0" smtClean="0"/>
               <a:t>A interface </a:t>
             </a:r>
             <a:r>
-              <a:rPr lang="pt-BR" sz="2400" dirty="0" err="1" smtClean="0"/>
-              <a:t>Iterator</a:t>
-            </a:r>
-            <a:endParaRPr lang="pt-BR" sz="2400" dirty="0" smtClean="0"/>
+              <a:rPr lang="pt-BR" sz="2200" dirty="0" err="1" smtClean="0"/>
+              <a:t>List</a:t>
+            </a:r>
+            <a:endParaRPr lang="pt-BR" sz="2200" dirty="0" smtClean="0"/>
           </a:p>
           <a:p>
             <a:pPr eaLnBrk="1" hangingPunct="1"/>
             <a:r>
-              <a:rPr lang="pt-BR" sz="2400" dirty="0" smtClean="0"/>
-              <a:t>A interface </a:t>
-            </a:r>
-            <a:r>
-              <a:rPr lang="pt-BR" sz="2400" dirty="0" err="1" smtClean="0"/>
-              <a:t>List</a:t>
-            </a:r>
-            <a:endParaRPr lang="pt-BR" sz="2400" dirty="0" smtClean="0"/>
+              <a:rPr lang="pt-BR" sz="2200" dirty="0" smtClean="0"/>
+              <a:t>A classe </a:t>
+            </a:r>
+            <a:r>
+              <a:rPr lang="pt-BR" sz="2200" dirty="0" err="1" smtClean="0"/>
+              <a:t>ArrayList</a:t>
+            </a:r>
+            <a:endParaRPr lang="pt-BR" sz="2200" dirty="0" smtClean="0"/>
+          </a:p>
+          <a:p>
+            <a:pPr eaLnBrk="1" hangingPunct="1"/>
+            <a:r>
+              <a:rPr lang="pt-BR" sz="2200" dirty="0" smtClean="0"/>
+              <a:t>A classe LinkedList</a:t>
+            </a:r>
           </a:p>
         </p:txBody>
       </p:sp>
@@ -13564,88 +14299,104 @@
           <a:p>
             <a:pPr eaLnBrk="1" hangingPunct="1"/>
             <a:r>
-              <a:rPr lang="pt-BR" sz="2400" dirty="0" smtClean="0"/>
-              <a:t>A </a:t>
-            </a:r>
-            <a:r>
-              <a:rPr lang="pt-BR" sz="2400" dirty="0" smtClean="0"/>
-              <a:t>classe </a:t>
-            </a:r>
-            <a:r>
-              <a:rPr lang="pt-BR" sz="2400" dirty="0" err="1" smtClean="0"/>
-              <a:t>ArrayList</a:t>
-            </a:r>
-            <a:endParaRPr lang="pt-BR" sz="2400" dirty="0" smtClean="0"/>
+              <a:rPr lang="pt-BR" sz="2200" dirty="0" smtClean="0"/>
+              <a:t>A interface Set</a:t>
+            </a:r>
           </a:p>
           <a:p>
             <a:pPr eaLnBrk="1" hangingPunct="1"/>
             <a:r>
-              <a:rPr lang="pt-BR" sz="2400" dirty="0" smtClean="0"/>
+              <a:rPr lang="pt-BR" sz="2200" dirty="0" smtClean="0"/>
+              <a:t>A classe HashSet</a:t>
+            </a:r>
+          </a:p>
+          <a:p>
+            <a:pPr eaLnBrk="1" hangingPunct="1"/>
+            <a:r>
+              <a:rPr lang="pt-BR" sz="2200" dirty="0" smtClean="0"/>
+              <a:t>A interface SortedSet</a:t>
+            </a:r>
+          </a:p>
+          <a:p>
+            <a:pPr eaLnBrk="1" hangingPunct="1"/>
+            <a:r>
+              <a:rPr lang="pt-BR" sz="2200" dirty="0" smtClean="0"/>
               <a:t>A classe </a:t>
             </a:r>
             <a:r>
-              <a:rPr lang="pt-BR" sz="2400" dirty="0" err="1" smtClean="0"/>
-              <a:t>LinkedList</a:t>
-            </a:r>
-            <a:endParaRPr lang="pt-BR" sz="2400" dirty="0" smtClean="0"/>
+              <a:rPr lang="pt-BR" sz="2200" dirty="0" err="1" smtClean="0"/>
+              <a:t>TreeSet</a:t>
+            </a:r>
+            <a:endParaRPr lang="pt-BR" sz="2200" dirty="0" smtClean="0"/>
           </a:p>
           <a:p>
             <a:pPr eaLnBrk="1" hangingPunct="1"/>
             <a:r>
-              <a:rPr lang="pt-BR" sz="2400" dirty="0" smtClean="0"/>
-              <a:t>A </a:t>
-            </a:r>
-            <a:r>
-              <a:rPr lang="pt-BR" sz="2400" dirty="0" smtClean="0"/>
-              <a:t>interface Set</a:t>
+              <a:rPr lang="pt-BR" sz="2200" dirty="0" smtClean="0"/>
+              <a:t>A interface Comparable</a:t>
             </a:r>
           </a:p>
           <a:p>
             <a:pPr eaLnBrk="1" hangingPunct="1"/>
             <a:r>
-              <a:rPr lang="pt-BR" sz="2400" dirty="0" smtClean="0"/>
-              <a:t>A classe HashSet</a:t>
-            </a:r>
+              <a:rPr lang="pt-BR" sz="2200" dirty="0" smtClean="0"/>
+              <a:t>A interface </a:t>
+            </a:r>
+            <a:r>
+              <a:rPr lang="pt-BR" sz="2200" dirty="0" err="1" smtClean="0"/>
+              <a:t>Comparator</a:t>
+            </a:r>
+            <a:endParaRPr lang="pt-BR" sz="2200" dirty="0" smtClean="0"/>
           </a:p>
           <a:p>
             <a:pPr eaLnBrk="1" hangingPunct="1"/>
             <a:r>
-              <a:rPr lang="pt-BR" sz="2400" dirty="0" smtClean="0"/>
-              <a:t>A </a:t>
-            </a:r>
-            <a:r>
-              <a:rPr lang="pt-BR" sz="2400" dirty="0" smtClean="0"/>
-              <a:t>interface </a:t>
-            </a:r>
-            <a:r>
-              <a:rPr lang="pt-BR" sz="2400" dirty="0" err="1" smtClean="0"/>
+              <a:rPr lang="pt-BR" sz="2200" dirty="0" smtClean="0"/>
+              <a:t>A interface </a:t>
+            </a:r>
+            <a:r>
+              <a:rPr lang="pt-BR" sz="2200" dirty="0" err="1" smtClean="0"/>
               <a:t>Map</a:t>
             </a:r>
-            <a:endParaRPr lang="pt-BR" sz="2400" dirty="0" smtClean="0"/>
+            <a:endParaRPr lang="pt-BR" sz="2200" dirty="0" smtClean="0"/>
           </a:p>
           <a:p>
             <a:pPr eaLnBrk="1" hangingPunct="1"/>
             <a:r>
-              <a:rPr lang="pt-BR" sz="2400" dirty="0" smtClean="0"/>
+              <a:rPr lang="pt-BR" sz="2200" dirty="0" smtClean="0"/>
               <a:t>A classe </a:t>
             </a:r>
             <a:r>
-              <a:rPr lang="pt-BR" sz="2400" dirty="0" err="1" smtClean="0"/>
+              <a:rPr lang="pt-BR" sz="2200" dirty="0" err="1" smtClean="0"/>
               <a:t>HashMap</a:t>
             </a:r>
-            <a:endParaRPr lang="pt-BR" sz="2400" dirty="0" smtClean="0"/>
+            <a:endParaRPr lang="pt-BR" sz="2200" dirty="0" smtClean="0"/>
           </a:p>
           <a:p>
             <a:pPr eaLnBrk="1" hangingPunct="1"/>
             <a:r>
-              <a:rPr lang="pt-BR" sz="2400" dirty="0" smtClean="0"/>
+              <a:rPr lang="pt-BR" sz="2200" dirty="0" smtClean="0"/>
               <a:t>A classe </a:t>
             </a:r>
             <a:r>
-              <a:rPr lang="pt-BR" sz="2400" dirty="0" err="1" smtClean="0"/>
+              <a:rPr lang="pt-BR" sz="2200" dirty="0" err="1" smtClean="0"/>
               <a:t>Hashtable</a:t>
             </a:r>
-            <a:endParaRPr lang="pt-BR" sz="2400" dirty="0" smtClean="0"/>
+            <a:endParaRPr lang="pt-BR" sz="2200" dirty="0" smtClean="0"/>
+          </a:p>
+          <a:p>
+            <a:pPr eaLnBrk="1" hangingPunct="1"/>
+            <a:r>
+              <a:rPr lang="pt-BR" sz="2200" dirty="0" smtClean="0"/>
+              <a:t>A interface SortedMap</a:t>
+            </a:r>
+          </a:p>
+          <a:p>
+            <a:pPr eaLnBrk="1" hangingPunct="1"/>
+            <a:r>
+              <a:rPr lang="pt-BR" sz="2200" dirty="0" smtClean="0"/>
+              <a:t>A classe TreeMap</a:t>
+            </a:r>
           </a:p>
         </p:txBody>
       </p:sp>
@@ -15446,7 +16197,176 @@
       </p:grpSpPr>
       <p:sp>
         <p:nvSpPr>
-          <p:cNvPr id="18434" name="Título 1"/>
+          <p:cNvPr id="9218" name="Título 1"/>
+          <p:cNvSpPr>
+            <a:spLocks noGrp="1"/>
+          </p:cNvSpPr>
+          <p:nvPr>
+            <p:ph type="title"/>
+          </p:nvPr>
+        </p:nvSpPr>
+        <p:spPr>
+          <a:xfrm>
+            <a:off x="457200" y="274638"/>
+            <a:ext cx="8075240" cy="1143000"/>
+          </a:xfrm>
+          <a:noFill/>
+          <a:ln w="9525">
+            <a:noFill/>
+            <a:miter lim="800000"/>
+            <a:headEnd/>
+            <a:tailEnd/>
+          </a:ln>
+        </p:spPr>
+        <p:txBody>
+          <a:bodyPr vert="horz" wrap="square" lIns="45720" tIns="45720" rIns="45720" bIns="45720" numCol="1" anchor="ctr" anchorCtr="0" compatLnSpc="1">
+            <a:prstTxWarp prst="textNoShape">
+              <a:avLst/>
+            </a:prstTxWarp>
+          </a:bodyPr>
+          <a:lstStyle/>
+          <a:p>
+            <a:r>
+              <a:rPr lang="pt-BR" dirty="0" err="1" smtClean="0"/>
+              <a:t>SortedSet</a:t>
+            </a:r>
+            <a:endParaRPr lang="pt-BR" dirty="0" smtClean="0"/>
+          </a:p>
+        </p:txBody>
+      </p:sp>
+      <p:sp>
+        <p:nvSpPr>
+          <p:cNvPr id="13" name="Espaço Reservado para Conteúdo 12"/>
+          <p:cNvSpPr>
+            <a:spLocks noGrp="1"/>
+          </p:cNvSpPr>
+          <p:nvPr>
+            <p:ph idx="1"/>
+          </p:nvPr>
+        </p:nvSpPr>
+        <p:spPr/>
+        <p:txBody>
+          <a:bodyPr/>
+          <a:lstStyle/>
+          <a:p>
+            <a:pPr>
+              <a:spcBef>
+                <a:spcPts val="2400"/>
+              </a:spcBef>
+            </a:pPr>
+            <a:r>
+              <a:rPr lang="pt-BR" sz="2400" dirty="0" smtClean="0"/>
+              <a:t>Subtipo de Set que representa uma coleção classificada de objetos.</a:t>
+            </a:r>
+          </a:p>
+          <a:p>
+            <a:pPr>
+              <a:spcBef>
+                <a:spcPts val="2400"/>
+              </a:spcBef>
+            </a:pPr>
+            <a:r>
+              <a:rPr lang="pt-BR" sz="2400" dirty="0" smtClean="0"/>
+              <a:t>Cada novo objeto incluído neste set é colocado em sua posição correta conforme o critério de classificação especificado.</a:t>
+            </a:r>
+          </a:p>
+          <a:p>
+            <a:pPr>
+              <a:spcBef>
+                <a:spcPts val="2400"/>
+              </a:spcBef>
+            </a:pPr>
+            <a:r>
+              <a:rPr lang="pt-BR" sz="2400" dirty="0" smtClean="0"/>
+              <a:t>Os objetos a serem adicionados neste tipo de coleção devem implementar a interface </a:t>
+            </a:r>
+            <a:r>
+              <a:rPr lang="pt-BR" sz="2400" u="sng" dirty="0" err="1" smtClean="0"/>
+              <a:t>Comparable</a:t>
+            </a:r>
+            <a:r>
+              <a:rPr lang="pt-BR" sz="2400" dirty="0" smtClean="0"/>
+              <a:t> e seu método </a:t>
+            </a:r>
+            <a:r>
+              <a:rPr lang="pt-BR" sz="2400" u="sng" dirty="0" err="1" smtClean="0"/>
+              <a:t>compareTo</a:t>
+            </a:r>
+            <a:r>
+              <a:rPr lang="pt-BR" sz="2400" u="sng" dirty="0" smtClean="0"/>
+              <a:t>()</a:t>
+            </a:r>
+            <a:r>
+              <a:rPr lang="pt-BR" sz="2400" dirty="0" smtClean="0"/>
+              <a:t> onde é definido o critério de comparação/classificação entre eles.</a:t>
+            </a:r>
+          </a:p>
+        </p:txBody>
+      </p:sp>
+      <p:sp>
+        <p:nvSpPr>
+          <p:cNvPr id="15" name="Espaço Reservado para Número de Slide 14"/>
+          <p:cNvSpPr>
+            <a:spLocks noGrp="1"/>
+          </p:cNvSpPr>
+          <p:nvPr>
+            <p:ph type="sldNum" sz="quarter" idx="12"/>
+          </p:nvPr>
+        </p:nvSpPr>
+        <p:spPr/>
+        <p:txBody>
+          <a:bodyPr/>
+          <a:lstStyle/>
+          <a:p>
+            <a:pPr>
+              <a:defRPr/>
+            </a:pPr>
+            <a:fld id="{7E263EA5-71DF-4638-BC15-81D6FFD3C7EB}" type="slidenum">
+              <a:rPr lang="pt-BR" smtClean="0"/>
+              <a:pPr>
+                <a:defRPr/>
+              </a:pPr>
+              <a:t>23</a:t>
+            </a:fld>
+            <a:endParaRPr lang="pt-BR"/>
+          </a:p>
+        </p:txBody>
+      </p:sp>
+    </p:spTree>
+  </p:cSld>
+  <p:clrMapOvr>
+    <a:masterClrMapping/>
+  </p:clrMapOvr>
+  <p:timing>
+    <p:tnLst>
+      <p:par>
+        <p:cTn id="1" dur="indefinite" restart="never" nodeType="tmRoot"/>
+      </p:par>
+    </p:tnLst>
+  </p:timing>
+</p:sld>
+</file>
+
+<file path=ppt/slides/slide24.xml><?xml version="1.0" encoding="utf-8"?>
+<p:sld xmlns:a="http://schemas.openxmlformats.org/drawingml/2006/main" xmlns:r="http://schemas.openxmlformats.org/officeDocument/2006/relationships" xmlns:p="http://schemas.openxmlformats.org/presentationml/2006/main">
+  <p:cSld>
+    <p:spTree>
+      <p:nvGrpSpPr>
+        <p:cNvPr id="1" name=""/>
+        <p:cNvGrpSpPr/>
+        <p:nvPr/>
+      </p:nvGrpSpPr>
+      <p:grpSpPr>
+        <a:xfrm>
+          <a:off x="0" y="0"/>
+          <a:ext cx="0" cy="0"/>
+          <a:chOff x="0" y="0"/>
+          <a:chExt cx="0" cy="0"/>
+        </a:xfrm>
+      </p:grpSpPr>
+      <p:sp>
+        <p:nvSpPr>
+          <p:cNvPr id="9218" name="Título 1"/>
           <p:cNvSpPr>
             <a:spLocks noGrp="1"/>
           </p:cNvSpPr>
@@ -15473,7 +16393,7 @@
           <a:p>
             <a:r>
               <a:rPr lang="pt-BR" dirty="0" err="1" smtClean="0"/>
-              <a:t>Map</a:t>
+              <a:t>SortedSet</a:t>
             </a:r>
             <a:endParaRPr lang="pt-BR" dirty="0" smtClean="0"/>
           </a:p>
@@ -15481,7 +16401,7 @@
       </p:sp>
       <p:sp>
         <p:nvSpPr>
-          <p:cNvPr id="18435" name="Espaço Reservado para Conteúdo 2"/>
+          <p:cNvPr id="13" name="Espaço Reservado para Conteúdo 12"/>
           <p:cNvSpPr>
             <a:spLocks noGrp="1"/>
           </p:cNvSpPr>
@@ -15489,79 +16409,370 @@
             <p:ph idx="1"/>
           </p:nvPr>
         </p:nvSpPr>
-        <p:spPr>
-          <a:xfrm>
-            <a:off x="457200" y="1600200"/>
-            <a:ext cx="7859216" cy="4525963"/>
-          </a:xfrm>
-        </p:spPr>
+        <p:spPr/>
         <p:txBody>
           <a:bodyPr/>
           <a:lstStyle/>
           <a:p>
-            <a:r>
-              <a:rPr lang="pt-BR" dirty="0" smtClean="0"/>
-              <a:t>Conjunto de dados indexados semelhante a uma lista (</a:t>
-            </a:r>
-            <a:r>
-              <a:rPr lang="pt-BR" dirty="0" err="1" smtClean="0"/>
-              <a:t>List</a:t>
-            </a:r>
-            <a:r>
-              <a:rPr lang="pt-BR" dirty="0" smtClean="0"/>
-              <a:t>).</a:t>
-            </a:r>
-          </a:p>
-          <a:p>
-            <a:pPr lvl="1">
+            <a:pPr>
               <a:spcBef>
-                <a:spcPts val="3000"/>
+                <a:spcPts val="2400"/>
               </a:spcBef>
-              <a:spcAft>
-                <a:spcPts val="3000"/>
-              </a:spcAft>
-            </a:pPr>
-            <a:r>
-              <a:rPr lang="pt-BR" dirty="0" smtClean="0"/>
-              <a:t>Assim como os outros conjuntos visto neste capítulo, o </a:t>
-            </a:r>
-            <a:r>
-              <a:rPr lang="pt-BR" dirty="0" err="1" smtClean="0"/>
-              <a:t>map</a:t>
-            </a:r>
-            <a:r>
-              <a:rPr lang="pt-BR" dirty="0" smtClean="0"/>
-              <a:t> possui tamanho dinâmico. Pode ser aumentado e diminuído</a:t>
-            </a:r>
-          </a:p>
-          <a:p>
-            <a:pPr lvl="1">
+            </a:pPr>
+            <a:r>
+              <a:rPr lang="pt-BR" sz="2400" u="sng" dirty="0" smtClean="0"/>
+              <a:t>Passo 1</a:t>
+            </a:r>
+            <a:r>
+              <a:rPr lang="pt-BR" sz="2400" dirty="0" smtClean="0"/>
+              <a:t>: Preparando uma classe para colocar suas instâncias em um </a:t>
+            </a:r>
+            <a:r>
+              <a:rPr lang="pt-BR" sz="2400" dirty="0" err="1" smtClean="0"/>
+              <a:t>SortedSet</a:t>
+            </a:r>
+            <a:endParaRPr lang="pt-BR" sz="2400" dirty="0" smtClean="0"/>
+          </a:p>
+          <a:p>
+            <a:pPr marL="1074738" lvl="1" indent="-625475">
+              <a:spcBef>
+                <a:spcPts val="0"/>
+              </a:spcBef>
               <a:buNone/>
             </a:pPr>
-            <a:r>
-              <a:rPr lang="pt-BR" dirty="0" smtClean="0"/>
-              <a:t>Porém...</a:t>
-            </a:r>
-          </a:p>
-          <a:p>
-            <a:pPr lvl="1">
+            <a:endParaRPr lang="pt-BR" sz="2000" dirty="0" smtClean="0"/>
+          </a:p>
+          <a:p>
+            <a:pPr marL="1074738" lvl="1" indent="-625475">
               <a:spcBef>
-                <a:spcPts val="3000"/>
+                <a:spcPts val="0"/>
               </a:spcBef>
-              <a:spcAft>
-                <a:spcPts val="3000"/>
-              </a:spcAft>
-            </a:pPr>
-            <a:r>
-              <a:rPr lang="pt-BR" dirty="0" smtClean="0"/>
-              <a:t>Também possui índices (chaves), mas estes podem ser Strings ou quaisquer outros objetos.</a:t>
+              <a:buNone/>
+            </a:pPr>
+            <a:r>
+              <a:rPr lang="pt-BR" sz="2000" dirty="0" err="1" smtClean="0"/>
+              <a:t>public</a:t>
+            </a:r>
+            <a:r>
+              <a:rPr lang="pt-BR" sz="2000" dirty="0" smtClean="0"/>
+              <a:t> </a:t>
+            </a:r>
+            <a:r>
+              <a:rPr lang="pt-BR" sz="2000" dirty="0" err="1" smtClean="0"/>
+              <a:t>class</a:t>
+            </a:r>
+            <a:r>
+              <a:rPr lang="pt-BR" sz="2000" dirty="0" smtClean="0"/>
+              <a:t> </a:t>
+            </a:r>
+            <a:r>
+              <a:rPr lang="pt-BR" sz="2000" dirty="0" smtClean="0">
+                <a:solidFill>
+                  <a:srgbClr val="FFC000"/>
+                </a:solidFill>
+              </a:rPr>
+              <a:t>Cliente </a:t>
+            </a:r>
+            <a:r>
+              <a:rPr lang="pt-BR" sz="2000" dirty="0" err="1" smtClean="0">
+                <a:solidFill>
+                  <a:srgbClr val="FFC000"/>
+                </a:solidFill>
+              </a:rPr>
+              <a:t>implements</a:t>
+            </a:r>
+            <a:r>
+              <a:rPr lang="pt-BR" sz="2000" dirty="0" smtClean="0">
+                <a:solidFill>
+                  <a:srgbClr val="FFC000"/>
+                </a:solidFill>
+              </a:rPr>
+              <a:t> </a:t>
+            </a:r>
+            <a:r>
+              <a:rPr lang="pt-BR" sz="2000" dirty="0" err="1" smtClean="0">
+                <a:solidFill>
+                  <a:srgbClr val="FFC000"/>
+                </a:solidFill>
+              </a:rPr>
+              <a:t>Comparable</a:t>
+            </a:r>
+            <a:r>
+              <a:rPr lang="pt-BR" sz="2000" dirty="0" smtClean="0">
+                <a:solidFill>
+                  <a:srgbClr val="FFC000"/>
+                </a:solidFill>
+              </a:rPr>
+              <a:t>&lt;Cliente&gt;</a:t>
+            </a:r>
+            <a:r>
+              <a:rPr lang="pt-BR" sz="2000" dirty="0" smtClean="0"/>
+              <a:t> {</a:t>
+            </a:r>
+          </a:p>
+          <a:p>
+            <a:pPr marL="1074738" lvl="1" indent="-625475">
+              <a:spcBef>
+                <a:spcPts val="0"/>
+              </a:spcBef>
+              <a:buNone/>
+            </a:pPr>
+            <a:r>
+              <a:rPr lang="pt-BR" sz="2000" dirty="0" smtClean="0"/>
+              <a:t>	</a:t>
+            </a:r>
+            <a:r>
+              <a:rPr lang="pt-BR" sz="2000" dirty="0" err="1" smtClean="0"/>
+              <a:t>private</a:t>
+            </a:r>
+            <a:r>
+              <a:rPr lang="pt-BR" sz="2000" dirty="0" smtClean="0"/>
+              <a:t> String </a:t>
+            </a:r>
+            <a:r>
+              <a:rPr lang="pt-BR" sz="2000" dirty="0" err="1" smtClean="0"/>
+              <a:t>rg</a:t>
+            </a:r>
+            <a:r>
+              <a:rPr lang="pt-BR" sz="2000" dirty="0" smtClean="0"/>
+              <a:t>;</a:t>
+            </a:r>
+          </a:p>
+          <a:p>
+            <a:pPr marL="1074738" lvl="1" indent="-625475">
+              <a:spcBef>
+                <a:spcPts val="0"/>
+              </a:spcBef>
+              <a:buNone/>
+            </a:pPr>
+            <a:r>
+              <a:rPr lang="pt-BR" sz="2000" dirty="0" smtClean="0"/>
+              <a:t>	</a:t>
+            </a:r>
+            <a:r>
+              <a:rPr lang="pt-BR" sz="2000" dirty="0" err="1" smtClean="0"/>
+              <a:t>private</a:t>
+            </a:r>
+            <a:r>
+              <a:rPr lang="pt-BR" sz="2000" dirty="0" smtClean="0"/>
+              <a:t> String nome;</a:t>
+            </a:r>
+          </a:p>
+          <a:p>
+            <a:pPr marL="1074738" lvl="1" indent="-625475">
+              <a:spcBef>
+                <a:spcPts val="0"/>
+              </a:spcBef>
+              <a:buNone/>
+            </a:pPr>
+            <a:r>
+              <a:rPr lang="pt-BR" sz="2000" dirty="0" smtClean="0"/>
+              <a:t>	</a:t>
+            </a:r>
+            <a:r>
+              <a:rPr lang="pt-BR" sz="2000" dirty="0" err="1" smtClean="0"/>
+              <a:t>private</a:t>
+            </a:r>
+            <a:r>
+              <a:rPr lang="pt-BR" sz="2000" dirty="0" smtClean="0"/>
+              <a:t> String </a:t>
+            </a:r>
+            <a:r>
+              <a:rPr lang="pt-BR" sz="2000" dirty="0" err="1" smtClean="0"/>
+              <a:t>endereco</a:t>
+            </a:r>
+            <a:r>
+              <a:rPr lang="pt-BR" sz="2000" dirty="0" smtClean="0"/>
+              <a:t>;</a:t>
+            </a:r>
+          </a:p>
+          <a:p>
+            <a:pPr marL="1074738" lvl="1" indent="-625475">
+              <a:spcBef>
+                <a:spcPts val="0"/>
+              </a:spcBef>
+              <a:buNone/>
+            </a:pPr>
+            <a:endParaRPr lang="pt-BR" sz="2000" dirty="0" smtClean="0"/>
+          </a:p>
+          <a:p>
+            <a:pPr marL="1074738" lvl="1" indent="-625475">
+              <a:spcBef>
+                <a:spcPts val="0"/>
+              </a:spcBef>
+              <a:buNone/>
+            </a:pPr>
+            <a:r>
+              <a:rPr lang="pt-BR" sz="2000" dirty="0" smtClean="0"/>
+              <a:t>	// ... métodos </a:t>
+            </a:r>
+            <a:r>
+              <a:rPr lang="pt-BR" sz="2000" dirty="0" err="1" smtClean="0"/>
+              <a:t>gets</a:t>
+            </a:r>
+            <a:r>
+              <a:rPr lang="pt-BR" sz="2000" dirty="0" smtClean="0"/>
+              <a:t> e sets</a:t>
+            </a:r>
+          </a:p>
+          <a:p>
+            <a:pPr marL="1074738" lvl="1" indent="-625475">
+              <a:spcBef>
+                <a:spcPts val="0"/>
+              </a:spcBef>
+              <a:buNone/>
+            </a:pPr>
+            <a:endParaRPr lang="pt-BR" sz="2000" dirty="0" smtClean="0"/>
+          </a:p>
+          <a:p>
+            <a:pPr marL="1074738" lvl="1" indent="-625475">
+              <a:spcBef>
+                <a:spcPts val="0"/>
+              </a:spcBef>
+              <a:buNone/>
+            </a:pPr>
+            <a:r>
+              <a:rPr lang="pt-BR" sz="2000" dirty="0" smtClean="0"/>
+              <a:t>	</a:t>
+            </a:r>
+            <a:r>
+              <a:rPr lang="pt-BR" sz="2000" dirty="0" err="1" smtClean="0">
+                <a:solidFill>
+                  <a:srgbClr val="FFC000"/>
+                </a:solidFill>
+              </a:rPr>
+              <a:t>public</a:t>
+            </a:r>
+            <a:r>
+              <a:rPr lang="pt-BR" sz="2000" dirty="0" smtClean="0">
+                <a:solidFill>
+                  <a:srgbClr val="FFC000"/>
+                </a:solidFill>
+              </a:rPr>
+              <a:t> </a:t>
+            </a:r>
+            <a:r>
+              <a:rPr lang="pt-BR" sz="2000" dirty="0" err="1" smtClean="0">
+                <a:solidFill>
+                  <a:srgbClr val="FFC000"/>
+                </a:solidFill>
+              </a:rPr>
+              <a:t>int</a:t>
+            </a:r>
+            <a:r>
+              <a:rPr lang="pt-BR" sz="2000" dirty="0" smtClean="0">
+                <a:solidFill>
+                  <a:srgbClr val="FFC000"/>
+                </a:solidFill>
+              </a:rPr>
+              <a:t> </a:t>
+            </a:r>
+            <a:r>
+              <a:rPr lang="pt-BR" sz="2000" dirty="0" err="1" smtClean="0">
+                <a:solidFill>
+                  <a:srgbClr val="FFC000"/>
+                </a:solidFill>
+              </a:rPr>
+              <a:t>compareTo</a:t>
+            </a:r>
+            <a:r>
+              <a:rPr lang="pt-BR" sz="2000" dirty="0" smtClean="0"/>
+              <a:t>(</a:t>
+            </a:r>
+            <a:r>
+              <a:rPr lang="pt-BR" sz="2000" dirty="0" smtClean="0">
+                <a:solidFill>
+                  <a:srgbClr val="FFC000"/>
+                </a:solidFill>
+              </a:rPr>
+              <a:t>Cliente</a:t>
+            </a:r>
+            <a:r>
+              <a:rPr lang="pt-BR" sz="2000" dirty="0" smtClean="0"/>
+              <a:t> </a:t>
+            </a:r>
+            <a:r>
+              <a:rPr lang="pt-BR" sz="2000" dirty="0" err="1" smtClean="0"/>
+              <a:t>other</a:t>
+            </a:r>
+            <a:r>
+              <a:rPr lang="pt-BR" sz="2000" dirty="0" smtClean="0"/>
+              <a:t>) {</a:t>
+            </a:r>
+          </a:p>
+          <a:p>
+            <a:pPr marL="1074738" lvl="1" indent="-625475">
+              <a:spcBef>
+                <a:spcPts val="0"/>
+              </a:spcBef>
+              <a:buNone/>
+            </a:pPr>
+            <a:r>
+              <a:rPr lang="pt-BR" sz="2000" dirty="0" smtClean="0"/>
+              <a:t>		</a:t>
+            </a:r>
+            <a:r>
+              <a:rPr lang="pt-BR" sz="2000" dirty="0" err="1" smtClean="0"/>
+              <a:t>return</a:t>
+            </a:r>
+            <a:r>
+              <a:rPr lang="pt-BR" sz="2000" dirty="0" smtClean="0"/>
+              <a:t> </a:t>
+            </a:r>
+            <a:r>
+              <a:rPr lang="pt-BR" sz="2000" dirty="0" err="1" smtClean="0"/>
+              <a:t>this</a:t>
+            </a:r>
+            <a:r>
+              <a:rPr lang="pt-BR" sz="2000" dirty="0" smtClean="0"/>
+              <a:t>.nome.</a:t>
+            </a:r>
+            <a:r>
+              <a:rPr lang="pt-BR" sz="2000" dirty="0" err="1" smtClean="0"/>
+              <a:t>compareTo</a:t>
+            </a:r>
+            <a:r>
+              <a:rPr lang="pt-BR" sz="2000" dirty="0" smtClean="0"/>
+              <a:t>(</a:t>
+            </a:r>
+            <a:r>
+              <a:rPr lang="pt-BR" sz="2000" dirty="0" err="1" smtClean="0"/>
+              <a:t>other</a:t>
+            </a:r>
+            <a:r>
+              <a:rPr lang="pt-BR" sz="2000" dirty="0" smtClean="0"/>
+              <a:t>.nome);</a:t>
+            </a:r>
+          </a:p>
+          <a:p>
+            <a:pPr marL="1074738" lvl="1" indent="-625475">
+              <a:spcBef>
+                <a:spcPts val="0"/>
+              </a:spcBef>
+              <a:buNone/>
+            </a:pPr>
+            <a:r>
+              <a:rPr lang="pt-BR" sz="2000" dirty="0" smtClean="0"/>
+              <a:t>	}</a:t>
+            </a:r>
+          </a:p>
+          <a:p>
+            <a:pPr marL="1074738" lvl="1" indent="-625475">
+              <a:spcBef>
+                <a:spcPts val="0"/>
+              </a:spcBef>
+              <a:buNone/>
+            </a:pPr>
+            <a:r>
+              <a:rPr lang="pt-BR" sz="2000" dirty="0" smtClean="0"/>
+              <a:t>}</a:t>
             </a:r>
           </a:p>
         </p:txBody>
       </p:sp>
       <p:sp>
         <p:nvSpPr>
-          <p:cNvPr id="4" name="Espaço Reservado para Número de Slide 3"/>
+          <p:cNvPr id="15" name="Espaço Reservado para Número de Slide 14"/>
           <p:cNvSpPr>
             <a:spLocks noGrp="1"/>
           </p:cNvSpPr>
@@ -15582,7 +16793,7 @@
               <a:pPr>
                 <a:defRPr/>
               </a:pPr>
-              <a:t>23</a:t>
+              <a:t>24</a:t>
             </a:fld>
             <a:endParaRPr lang="pt-BR"/>
           </a:p>
@@ -15603,7 +16814,774 @@
 </p:sld>
 </file>
 
-<file path=ppt/slides/slide24.xml><?xml version="1.0" encoding="utf-8"?>
+<file path=ppt/slides/slide25.xml><?xml version="1.0" encoding="utf-8"?>
+<p:sld xmlns:a="http://schemas.openxmlformats.org/drawingml/2006/main" xmlns:r="http://schemas.openxmlformats.org/officeDocument/2006/relationships" xmlns:p="http://schemas.openxmlformats.org/presentationml/2006/main">
+  <p:cSld>
+    <p:spTree>
+      <p:nvGrpSpPr>
+        <p:cNvPr id="1" name=""/>
+        <p:cNvGrpSpPr/>
+        <p:nvPr/>
+      </p:nvGrpSpPr>
+      <p:grpSpPr>
+        <a:xfrm>
+          <a:off x="0" y="0"/>
+          <a:ext cx="0" cy="0"/>
+          <a:chOff x="0" y="0"/>
+          <a:chExt cx="0" cy="0"/>
+        </a:xfrm>
+      </p:grpSpPr>
+      <p:sp>
+        <p:nvSpPr>
+          <p:cNvPr id="9218" name="Título 1"/>
+          <p:cNvSpPr>
+            <a:spLocks noGrp="1"/>
+          </p:cNvSpPr>
+          <p:nvPr>
+            <p:ph type="title"/>
+          </p:nvPr>
+        </p:nvSpPr>
+        <p:spPr>
+          <a:noFill/>
+          <a:ln w="9525">
+            <a:noFill/>
+            <a:miter lim="800000"/>
+            <a:headEnd/>
+            <a:tailEnd/>
+          </a:ln>
+        </p:spPr>
+        <p:txBody>
+          <a:bodyPr vert="horz" wrap="square" lIns="45720" tIns="45720" rIns="45720" bIns="45720" numCol="1" anchor="ctr" anchorCtr="0" compatLnSpc="1">
+            <a:prstTxWarp prst="textNoShape">
+              <a:avLst/>
+            </a:prstTxWarp>
+          </a:bodyPr>
+          <a:lstStyle/>
+          <a:p>
+            <a:r>
+              <a:rPr lang="pt-BR" dirty="0" err="1" smtClean="0"/>
+              <a:t>SortedSet</a:t>
+            </a:r>
+            <a:endParaRPr lang="pt-BR" dirty="0" smtClean="0"/>
+          </a:p>
+        </p:txBody>
+      </p:sp>
+      <p:sp>
+        <p:nvSpPr>
+          <p:cNvPr id="13" name="Espaço Reservado para Conteúdo 12"/>
+          <p:cNvSpPr>
+            <a:spLocks noGrp="1"/>
+          </p:cNvSpPr>
+          <p:nvPr>
+            <p:ph idx="1"/>
+          </p:nvPr>
+        </p:nvSpPr>
+        <p:spPr/>
+        <p:txBody>
+          <a:bodyPr/>
+          <a:lstStyle/>
+          <a:p>
+            <a:pPr>
+              <a:spcBef>
+                <a:spcPts val="2400"/>
+              </a:spcBef>
+            </a:pPr>
+            <a:r>
+              <a:rPr lang="pt-BR" sz="2400" u="sng" dirty="0" smtClean="0"/>
+              <a:t>Passo 2</a:t>
+            </a:r>
+            <a:r>
+              <a:rPr lang="pt-BR" sz="2400" dirty="0" smtClean="0"/>
+              <a:t>: Usando um </a:t>
+            </a:r>
+            <a:r>
+              <a:rPr lang="pt-BR" sz="2400" dirty="0" err="1" smtClean="0"/>
+              <a:t>SortedSet</a:t>
+            </a:r>
+            <a:endParaRPr lang="pt-BR" sz="2400" dirty="0" smtClean="0"/>
+          </a:p>
+          <a:p>
+            <a:pPr marL="1074738" lvl="1" indent="-625475">
+              <a:spcBef>
+                <a:spcPts val="0"/>
+              </a:spcBef>
+              <a:buNone/>
+            </a:pPr>
+            <a:endParaRPr lang="pt-BR" sz="2000" dirty="0" smtClean="0"/>
+          </a:p>
+          <a:p>
+            <a:pPr marL="1074738" lvl="1" indent="-625475">
+              <a:spcBef>
+                <a:spcPts val="0"/>
+              </a:spcBef>
+              <a:buNone/>
+            </a:pPr>
+            <a:endParaRPr lang="pt-BR" sz="2000" dirty="0" smtClean="0"/>
+          </a:p>
+          <a:p>
+            <a:pPr marL="1074738" lvl="1" indent="-625475">
+              <a:spcBef>
+                <a:spcPts val="0"/>
+              </a:spcBef>
+              <a:buNone/>
+            </a:pPr>
+            <a:r>
+              <a:rPr lang="pt-BR" sz="2000" dirty="0" err="1" smtClean="0">
+                <a:solidFill>
+                  <a:srgbClr val="FFC000"/>
+                </a:solidFill>
+              </a:rPr>
+              <a:t>SortedSet</a:t>
+            </a:r>
+            <a:r>
+              <a:rPr lang="pt-BR" sz="2000" dirty="0" smtClean="0">
+                <a:solidFill>
+                  <a:srgbClr val="FFC000"/>
+                </a:solidFill>
+              </a:rPr>
+              <a:t>&lt;Cliente&gt;</a:t>
+            </a:r>
+            <a:r>
+              <a:rPr lang="pt-BR" sz="2000" dirty="0" smtClean="0"/>
+              <a:t> set = </a:t>
+            </a:r>
+            <a:r>
+              <a:rPr lang="pt-BR" sz="2000" dirty="0" err="1" smtClean="0"/>
+              <a:t>new</a:t>
+            </a:r>
+            <a:r>
+              <a:rPr lang="pt-BR" sz="2000" dirty="0" smtClean="0"/>
+              <a:t> </a:t>
+            </a:r>
+            <a:r>
+              <a:rPr lang="pt-BR" sz="2000" dirty="0" err="1" smtClean="0"/>
+              <a:t>TreeSet</a:t>
+            </a:r>
+            <a:r>
+              <a:rPr lang="pt-BR" sz="2000" dirty="0" smtClean="0"/>
+              <a:t>&lt;</a:t>
+            </a:r>
+            <a:r>
+              <a:rPr lang="pt-BR" sz="2000" dirty="0" smtClean="0">
+                <a:solidFill>
+                  <a:srgbClr val="FFC000"/>
+                </a:solidFill>
+              </a:rPr>
+              <a:t>Cliente</a:t>
+            </a:r>
+            <a:r>
+              <a:rPr lang="pt-BR" sz="2000" dirty="0" smtClean="0"/>
+              <a:t>&gt;();</a:t>
+            </a:r>
+          </a:p>
+          <a:p>
+            <a:pPr marL="1074738" lvl="1" indent="-625475">
+              <a:spcBef>
+                <a:spcPts val="0"/>
+              </a:spcBef>
+              <a:buNone/>
+            </a:pPr>
+            <a:endParaRPr lang="pt-BR" sz="2000" dirty="0" smtClean="0"/>
+          </a:p>
+          <a:p>
+            <a:pPr marL="1074738" lvl="1" indent="-625475">
+              <a:spcBef>
+                <a:spcPts val="0"/>
+              </a:spcBef>
+              <a:buNone/>
+            </a:pPr>
+            <a:r>
+              <a:rPr lang="pt-BR" sz="2000" dirty="0" err="1" smtClean="0"/>
+              <a:t>set.</a:t>
+            </a:r>
+            <a:r>
+              <a:rPr lang="pt-BR" sz="2000" dirty="0" err="1" smtClean="0">
+                <a:solidFill>
+                  <a:srgbClr val="FFC000"/>
+                </a:solidFill>
+              </a:rPr>
+              <a:t>add</a:t>
+            </a:r>
+            <a:r>
+              <a:rPr lang="pt-BR" sz="2000" dirty="0" smtClean="0">
+                <a:solidFill>
+                  <a:srgbClr val="FFC000"/>
+                </a:solidFill>
+              </a:rPr>
+              <a:t>(</a:t>
+            </a:r>
+            <a:r>
+              <a:rPr lang="pt-BR" sz="2000" dirty="0" err="1" smtClean="0"/>
+              <a:t>new</a:t>
+            </a:r>
+            <a:r>
+              <a:rPr lang="pt-BR" sz="2000" dirty="0" smtClean="0"/>
+              <a:t> Cliente(“897822-9”, “Manuel”, “Rua 5”)</a:t>
+            </a:r>
+            <a:r>
+              <a:rPr lang="pt-BR" sz="2000" dirty="0" smtClean="0">
+                <a:solidFill>
+                  <a:srgbClr val="FFC000"/>
+                </a:solidFill>
+              </a:rPr>
+              <a:t>)</a:t>
+            </a:r>
+            <a:r>
+              <a:rPr lang="pt-BR" sz="2000" dirty="0" smtClean="0"/>
+              <a:t>;</a:t>
+            </a:r>
+          </a:p>
+          <a:p>
+            <a:pPr marL="1074738" lvl="1" indent="-625475">
+              <a:spcBef>
+                <a:spcPts val="0"/>
+              </a:spcBef>
+              <a:buNone/>
+            </a:pPr>
+            <a:r>
+              <a:rPr lang="pt-BR" sz="2000" dirty="0" err="1" smtClean="0"/>
+              <a:t>set.</a:t>
+            </a:r>
+            <a:r>
+              <a:rPr lang="pt-BR" sz="2000" dirty="0" err="1" smtClean="0">
+                <a:solidFill>
+                  <a:srgbClr val="FFC000"/>
+                </a:solidFill>
+              </a:rPr>
+              <a:t>add</a:t>
+            </a:r>
+            <a:r>
+              <a:rPr lang="pt-BR" sz="2000" dirty="0" smtClean="0">
+                <a:solidFill>
+                  <a:srgbClr val="FFC000"/>
+                </a:solidFill>
+              </a:rPr>
+              <a:t>(</a:t>
+            </a:r>
+            <a:r>
+              <a:rPr lang="pt-BR" sz="2000" dirty="0" err="1" smtClean="0"/>
+              <a:t>new</a:t>
+            </a:r>
+            <a:r>
+              <a:rPr lang="pt-BR" sz="2000" dirty="0" smtClean="0"/>
+              <a:t> Cliente(“76836-7”, “Ricardo”, “Av. Central, 23”)</a:t>
+            </a:r>
+            <a:r>
+              <a:rPr lang="pt-BR" sz="2000" dirty="0" smtClean="0">
+                <a:solidFill>
+                  <a:srgbClr val="FFC000"/>
+                </a:solidFill>
+              </a:rPr>
+              <a:t>)</a:t>
+            </a:r>
+            <a:r>
+              <a:rPr lang="pt-BR" sz="2000" dirty="0" smtClean="0"/>
+              <a:t>;</a:t>
+            </a:r>
+          </a:p>
+          <a:p>
+            <a:pPr marL="1074738" lvl="1" indent="-625475">
+              <a:spcBef>
+                <a:spcPts val="0"/>
+              </a:spcBef>
+              <a:buNone/>
+            </a:pPr>
+            <a:r>
+              <a:rPr lang="pt-BR" sz="2000" dirty="0" err="1" smtClean="0"/>
+              <a:t>set.</a:t>
+            </a:r>
+            <a:r>
+              <a:rPr lang="pt-BR" sz="2000" dirty="0" err="1" smtClean="0">
+                <a:solidFill>
+                  <a:srgbClr val="FFC000"/>
+                </a:solidFill>
+              </a:rPr>
+              <a:t>add</a:t>
+            </a:r>
+            <a:r>
+              <a:rPr lang="pt-BR" sz="2000" dirty="0" smtClean="0">
+                <a:solidFill>
+                  <a:srgbClr val="FFC000"/>
+                </a:solidFill>
+              </a:rPr>
+              <a:t>(</a:t>
+            </a:r>
+            <a:r>
+              <a:rPr lang="pt-BR" sz="2000" dirty="0" err="1" smtClean="0"/>
+              <a:t>new</a:t>
+            </a:r>
+            <a:r>
+              <a:rPr lang="pt-BR" sz="2000" dirty="0" smtClean="0"/>
+              <a:t> Cliente(“3945651-1”, “Joaquim”, “Rua 35”)</a:t>
+            </a:r>
+            <a:r>
+              <a:rPr lang="pt-BR" sz="2000" dirty="0" smtClean="0">
+                <a:solidFill>
+                  <a:srgbClr val="FFC000"/>
+                </a:solidFill>
+              </a:rPr>
+              <a:t>)</a:t>
+            </a:r>
+            <a:r>
+              <a:rPr lang="pt-BR" sz="2000" dirty="0" smtClean="0"/>
+              <a:t>;</a:t>
+            </a:r>
+          </a:p>
+          <a:p>
+            <a:pPr marL="1074738" lvl="1" indent="-625475">
+              <a:spcBef>
+                <a:spcPts val="0"/>
+              </a:spcBef>
+              <a:buNone/>
+            </a:pPr>
+            <a:r>
+              <a:rPr lang="pt-BR" sz="2000" dirty="0" err="1" smtClean="0"/>
+              <a:t>set.</a:t>
+            </a:r>
+            <a:r>
+              <a:rPr lang="pt-BR" sz="2000" dirty="0" err="1" smtClean="0">
+                <a:solidFill>
+                  <a:srgbClr val="FFC000"/>
+                </a:solidFill>
+              </a:rPr>
+              <a:t>add</a:t>
+            </a:r>
+            <a:r>
+              <a:rPr lang="pt-BR" sz="2000" dirty="0" smtClean="0">
+                <a:solidFill>
+                  <a:srgbClr val="FFC000"/>
+                </a:solidFill>
+              </a:rPr>
+              <a:t>(</a:t>
+            </a:r>
+            <a:r>
+              <a:rPr lang="pt-BR" sz="2000" dirty="0" err="1" smtClean="0"/>
+              <a:t>new</a:t>
+            </a:r>
+            <a:r>
+              <a:rPr lang="pt-BR" sz="2000" dirty="0" smtClean="0"/>
+              <a:t> Cliente(“1874309-5”, “Maria”, “Alameda XV”)</a:t>
+            </a:r>
+            <a:r>
+              <a:rPr lang="pt-BR" sz="2000" dirty="0" smtClean="0">
+                <a:solidFill>
+                  <a:srgbClr val="FFC000"/>
+                </a:solidFill>
+              </a:rPr>
+              <a:t>)</a:t>
+            </a:r>
+            <a:r>
+              <a:rPr lang="pt-BR" sz="2000" dirty="0" smtClean="0"/>
+              <a:t>;</a:t>
+            </a:r>
+          </a:p>
+          <a:p>
+            <a:pPr marL="1074738" lvl="1" indent="-625475">
+              <a:spcBef>
+                <a:spcPts val="0"/>
+              </a:spcBef>
+              <a:buNone/>
+            </a:pPr>
+            <a:endParaRPr lang="pt-BR" sz="2000" dirty="0" smtClean="0"/>
+          </a:p>
+          <a:p>
+            <a:pPr marL="1074738" lvl="1" indent="-625475">
+              <a:spcBef>
+                <a:spcPts val="0"/>
+              </a:spcBef>
+              <a:buNone/>
+            </a:pPr>
+            <a:r>
+              <a:rPr lang="pt-BR" sz="2000" dirty="0" smtClean="0">
+                <a:solidFill>
+                  <a:schemeClr val="accent6"/>
+                </a:solidFill>
+              </a:rPr>
+              <a:t>/* Exibe os elementos ordenados por nome */</a:t>
+            </a:r>
+          </a:p>
+          <a:p>
+            <a:pPr marL="1074738" lvl="1" indent="-625475">
+              <a:spcBef>
+                <a:spcPts val="0"/>
+              </a:spcBef>
+              <a:buNone/>
+            </a:pPr>
+            <a:r>
+              <a:rPr lang="pt-BR" sz="2000" dirty="0" smtClean="0"/>
+              <a:t>for (Cliente c : set) {</a:t>
+            </a:r>
+          </a:p>
+          <a:p>
+            <a:pPr marL="1074738" lvl="1" indent="-625475">
+              <a:spcBef>
+                <a:spcPts val="0"/>
+              </a:spcBef>
+              <a:buNone/>
+            </a:pPr>
+            <a:r>
+              <a:rPr lang="pt-BR" sz="2000" dirty="0" smtClean="0"/>
+              <a:t>	System.</a:t>
+            </a:r>
+            <a:r>
+              <a:rPr lang="pt-BR" sz="2000" dirty="0" err="1" smtClean="0"/>
+              <a:t>out.println</a:t>
+            </a:r>
+            <a:r>
+              <a:rPr lang="pt-BR" sz="2000" dirty="0" smtClean="0"/>
+              <a:t>(</a:t>
+            </a:r>
+            <a:r>
+              <a:rPr lang="pt-BR" sz="2000" dirty="0" err="1" smtClean="0"/>
+              <a:t>c.getNome</a:t>
+            </a:r>
+            <a:r>
+              <a:rPr lang="pt-BR" sz="2000" dirty="0" smtClean="0"/>
+              <a:t>());</a:t>
+            </a:r>
+          </a:p>
+          <a:p>
+            <a:pPr marL="1074738" lvl="1" indent="-625475">
+              <a:spcBef>
+                <a:spcPts val="0"/>
+              </a:spcBef>
+              <a:buNone/>
+            </a:pPr>
+            <a:r>
+              <a:rPr lang="pt-BR" sz="2000" dirty="0" smtClean="0"/>
+              <a:t>}</a:t>
+            </a:r>
+          </a:p>
+        </p:txBody>
+      </p:sp>
+      <p:sp>
+        <p:nvSpPr>
+          <p:cNvPr id="15" name="Espaço Reservado para Número de Slide 14"/>
+          <p:cNvSpPr>
+            <a:spLocks noGrp="1"/>
+          </p:cNvSpPr>
+          <p:nvPr>
+            <p:ph type="sldNum" sz="quarter" idx="12"/>
+          </p:nvPr>
+        </p:nvSpPr>
+        <p:spPr/>
+        <p:txBody>
+          <a:bodyPr/>
+          <a:lstStyle/>
+          <a:p>
+            <a:pPr>
+              <a:defRPr/>
+            </a:pPr>
+            <a:fld id="{7E263EA5-71DF-4638-BC15-81D6FFD3C7EB}" type="slidenum">
+              <a:rPr lang="pt-BR" smtClean="0"/>
+              <a:pPr>
+                <a:defRPr/>
+              </a:pPr>
+              <a:t>25</a:t>
+            </a:fld>
+            <a:endParaRPr lang="pt-BR"/>
+          </a:p>
+        </p:txBody>
+      </p:sp>
+      <p:grpSp>
+        <p:nvGrpSpPr>
+          <p:cNvPr id="5" name="Grupo 9"/>
+          <p:cNvGrpSpPr/>
+          <p:nvPr/>
+        </p:nvGrpSpPr>
+        <p:grpSpPr>
+          <a:xfrm>
+            <a:off x="3851920" y="1700808"/>
+            <a:ext cx="4536877" cy="1296343"/>
+            <a:chOff x="4211960" y="1556792"/>
+            <a:chExt cx="4536877" cy="1296343"/>
+          </a:xfrm>
+        </p:grpSpPr>
+        <p:sp>
+          <p:nvSpPr>
+            <p:cNvPr id="6" name="Rectangle 7"/>
+            <p:cNvSpPr>
+              <a:spLocks noChangeArrowheads="1"/>
+            </p:cNvSpPr>
+            <p:nvPr/>
+          </p:nvSpPr>
+          <p:spPr bwMode="auto">
+            <a:xfrm>
+              <a:off x="4211960" y="2348880"/>
+              <a:ext cx="2880320" cy="504255"/>
+            </a:xfrm>
+            <a:prstGeom prst="rect">
+              <a:avLst/>
+            </a:prstGeom>
+            <a:noFill/>
+            <a:ln w="38160">
+              <a:solidFill>
+                <a:srgbClr val="FFC000"/>
+              </a:solidFill>
+              <a:prstDash val="sysDot"/>
+              <a:miter lim="800000"/>
+              <a:headEnd/>
+              <a:tailEnd/>
+            </a:ln>
+          </p:spPr>
+          <p:txBody>
+            <a:bodyPr wrap="none" anchor="ctr"/>
+            <a:lstStyle/>
+            <a:p>
+              <a:endParaRPr lang="pt-BR"/>
+            </a:p>
+          </p:txBody>
+        </p:sp>
+        <p:sp>
+          <p:nvSpPr>
+            <p:cNvPr id="7" name="CaixaDeTexto 6"/>
+            <p:cNvSpPr txBox="1"/>
+            <p:nvPr/>
+          </p:nvSpPr>
+          <p:spPr bwMode="auto">
+            <a:xfrm>
+              <a:off x="6444208" y="1556792"/>
+              <a:ext cx="2304629" cy="584775"/>
+            </a:xfrm>
+            <a:prstGeom prst="rect">
+              <a:avLst/>
+            </a:prstGeom>
+            <a:noFill/>
+            <a:ln w="28575">
+              <a:solidFill>
+                <a:schemeClr val="tx1"/>
+              </a:solidFill>
+            </a:ln>
+          </p:spPr>
+          <p:txBody>
+            <a:bodyPr wrap="square">
+              <a:spAutoFit/>
+            </a:bodyPr>
+            <a:lstStyle/>
+            <a:p>
+              <a:pPr algn="ctr">
+                <a:defRPr/>
+              </a:pPr>
+              <a:r>
+                <a:rPr lang="pt-BR" sz="1600" dirty="0" smtClean="0">
+                  <a:latin typeface="+mn-lt"/>
+                </a:rPr>
+                <a:t>Alguma implementação de </a:t>
+              </a:r>
+              <a:r>
+                <a:rPr lang="pt-BR" sz="1600" dirty="0" err="1" smtClean="0">
+                  <a:latin typeface="+mn-lt"/>
+                </a:rPr>
+                <a:t>SortedSet</a:t>
+              </a:r>
+              <a:endParaRPr lang="pt-BR" sz="1600" dirty="0">
+                <a:latin typeface="+mn-lt"/>
+              </a:endParaRPr>
+            </a:p>
+          </p:txBody>
+        </p:sp>
+        <p:grpSp>
+          <p:nvGrpSpPr>
+            <p:cNvPr id="8" name="Grupo 19"/>
+            <p:cNvGrpSpPr>
+              <a:grpSpLocks/>
+            </p:cNvGrpSpPr>
+            <p:nvPr/>
+          </p:nvGrpSpPr>
+          <p:grpSpPr bwMode="auto">
+            <a:xfrm flipV="1">
+              <a:off x="5796136" y="1844822"/>
+              <a:ext cx="646906" cy="504057"/>
+              <a:chOff x="2195736" y="5229200"/>
+              <a:chExt cx="648072" cy="505644"/>
+            </a:xfrm>
+          </p:grpSpPr>
+          <p:cxnSp>
+            <p:nvCxnSpPr>
+              <p:cNvPr id="9" name="Conector de seta reta 10"/>
+              <p:cNvCxnSpPr>
+                <a:cxnSpLocks noChangeShapeType="1"/>
+              </p:cNvCxnSpPr>
+              <p:nvPr/>
+            </p:nvCxnSpPr>
+            <p:spPr bwMode="auto">
+              <a:xfrm rot="5400000" flipH="1" flipV="1">
+                <a:off x="1943708" y="5481228"/>
+                <a:ext cx="505644" cy="1588"/>
+              </a:xfrm>
+              <a:prstGeom prst="straightConnector1">
+                <a:avLst/>
+              </a:prstGeom>
+              <a:noFill/>
+              <a:ln w="31750" algn="ctr">
+                <a:solidFill>
+                  <a:schemeClr val="tx1"/>
+                </a:solidFill>
+                <a:round/>
+                <a:headEnd/>
+                <a:tailEnd type="arrow" w="med" len="med"/>
+              </a:ln>
+            </p:spPr>
+          </p:cxnSp>
+          <p:cxnSp>
+            <p:nvCxnSpPr>
+              <p:cNvPr id="10" name="Conector de seta reta 15"/>
+              <p:cNvCxnSpPr>
+                <a:cxnSpLocks noChangeShapeType="1"/>
+              </p:cNvCxnSpPr>
+              <p:nvPr/>
+            </p:nvCxnSpPr>
+            <p:spPr bwMode="auto">
+              <a:xfrm rot="10800000">
+                <a:off x="2195736" y="5733256"/>
+                <a:ext cx="648072" cy="1588"/>
+              </a:xfrm>
+              <a:prstGeom prst="straightConnector1">
+                <a:avLst/>
+              </a:prstGeom>
+              <a:noFill/>
+              <a:ln w="31750" algn="ctr">
+                <a:solidFill>
+                  <a:schemeClr val="tx1"/>
+                </a:solidFill>
+                <a:round/>
+                <a:headEnd/>
+                <a:tailEnd/>
+              </a:ln>
+            </p:spPr>
+          </p:cxnSp>
+        </p:grpSp>
+      </p:grpSp>
+    </p:spTree>
+  </p:cSld>
+  <p:clrMapOvr>
+    <a:masterClrMapping/>
+  </p:clrMapOvr>
+  <p:timing>
+    <p:tnLst>
+      <p:par>
+        <p:cTn id="1" dur="indefinite" restart="never" nodeType="tmRoot">
+          <p:childTnLst>
+            <p:seq concurrent="1" nextAc="seek">
+              <p:cTn id="2" dur="indefinite" nodeType="mainSeq">
+                <p:childTnLst>
+                  <p:par>
+                    <p:cTn id="3" fill="hold">
+                      <p:stCondLst>
+                        <p:cond delay="indefinite"/>
+                      </p:stCondLst>
+                      <p:childTnLst>
+                        <p:par>
+                          <p:cTn id="4" fill="hold">
+                            <p:stCondLst>
+                              <p:cond delay="0"/>
+                            </p:stCondLst>
+                            <p:childTnLst>
+                              <p:par>
+                                <p:cTn id="5" presetID="2" presetClass="entr" presetSubtype="2" fill="hold" nodeType="clickEffect">
+                                  <p:stCondLst>
+                                    <p:cond delay="0"/>
+                                  </p:stCondLst>
+                                  <p:childTnLst>
+                                    <p:set>
+                                      <p:cBhvr>
+                                        <p:cTn id="6" dur="1" fill="hold">
+                                          <p:stCondLst>
+                                            <p:cond delay="0"/>
+                                          </p:stCondLst>
+                                        </p:cTn>
+                                        <p:tgtEl>
+                                          <p:spTgt spid="5"/>
+                                        </p:tgtEl>
+                                        <p:attrNameLst>
+                                          <p:attrName>style.visibility</p:attrName>
+                                        </p:attrNameLst>
+                                      </p:cBhvr>
+                                      <p:to>
+                                        <p:strVal val="visible"/>
+                                      </p:to>
+                                    </p:set>
+                                    <p:anim calcmode="lin" valueType="num">
+                                      <p:cBhvr additive="base">
+                                        <p:cTn id="7" dur="500" fill="hold"/>
+                                        <p:tgtEl>
+                                          <p:spTgt spid="5"/>
+                                        </p:tgtEl>
+                                        <p:attrNameLst>
+                                          <p:attrName>ppt_x</p:attrName>
+                                        </p:attrNameLst>
+                                      </p:cBhvr>
+                                      <p:tavLst>
+                                        <p:tav tm="0">
+                                          <p:val>
+                                            <p:strVal val="1+#ppt_w/2"/>
+                                          </p:val>
+                                        </p:tav>
+                                        <p:tav tm="100000">
+                                          <p:val>
+                                            <p:strVal val="#ppt_x"/>
+                                          </p:val>
+                                        </p:tav>
+                                      </p:tavLst>
+                                    </p:anim>
+                                    <p:anim calcmode="lin" valueType="num">
+                                      <p:cBhvr additive="base">
+                                        <p:cTn id="8" dur="500" fill="hold"/>
+                                        <p:tgtEl>
+                                          <p:spTgt spid="5"/>
+                                        </p:tgtEl>
+                                        <p:attrNameLst>
+                                          <p:attrName>ppt_y</p:attrName>
+                                        </p:attrNameLst>
+                                      </p:cBhvr>
+                                      <p:tavLst>
+                                        <p:tav tm="0">
+                                          <p:val>
+                                            <p:strVal val="#ppt_y"/>
+                                          </p:val>
+                                        </p:tav>
+                                        <p:tav tm="100000">
+                                          <p:val>
+                                            <p:strVal val="#ppt_y"/>
+                                          </p:val>
+                                        </p:tav>
+                                      </p:tavLst>
+                                    </p:anim>
+                                  </p:childTnLst>
+                                </p:cTn>
+                              </p:par>
+                            </p:childTnLst>
+                          </p:cTn>
+                        </p:par>
+                      </p:childTnLst>
+                    </p:cTn>
+                  </p:par>
+                </p:childTnLst>
+              </p:cTn>
+              <p:prevCondLst>
+                <p:cond evt="onPrev" delay="0">
+                  <p:tgtEl>
+                    <p:sldTgt/>
+                  </p:tgtEl>
+                </p:cond>
+              </p:prevCondLst>
+              <p:nextCondLst>
+                <p:cond evt="onNext" delay="0">
+                  <p:tgtEl>
+                    <p:sldTgt/>
+                  </p:tgtEl>
+                </p:cond>
+              </p:nextCondLst>
+            </p:seq>
+          </p:childTnLst>
+        </p:cTn>
+      </p:par>
+    </p:tnLst>
+  </p:timing>
+</p:sld>
+</file>
+
+<file path=ppt/slides/slide26.xml><?xml version="1.0" encoding="utf-8"?>
 <p:sld xmlns:a="http://schemas.openxmlformats.org/drawingml/2006/main" xmlns:r="http://schemas.openxmlformats.org/officeDocument/2006/relationships" xmlns:p="http://schemas.openxmlformats.org/presentationml/2006/main">
   <p:cSld>
     <p:spTree>
@@ -15653,9 +17631,79 @@
           <a:p>
             <a:r>
               <a:rPr lang="pt-BR" dirty="0" err="1" smtClean="0"/>
-              <a:t>Map</a:t>
+              <a:t>SortedSet</a:t>
             </a:r>
             <a:endParaRPr lang="pt-BR" dirty="0" smtClean="0"/>
+          </a:p>
+        </p:txBody>
+      </p:sp>
+      <p:sp>
+        <p:nvSpPr>
+          <p:cNvPr id="13" name="Espaço Reservado para Conteúdo 12"/>
+          <p:cNvSpPr>
+            <a:spLocks noGrp="1"/>
+          </p:cNvSpPr>
+          <p:nvPr>
+            <p:ph idx="1"/>
+          </p:nvPr>
+        </p:nvSpPr>
+        <p:spPr/>
+        <p:txBody>
+          <a:bodyPr/>
+          <a:lstStyle/>
+          <a:p>
+            <a:pPr>
+              <a:spcBef>
+                <a:spcPts val="2400"/>
+              </a:spcBef>
+            </a:pPr>
+            <a:r>
+              <a:rPr lang="pt-BR" sz="2400" dirty="0" smtClean="0"/>
+              <a:t>Outra forma de utilizarmos um </a:t>
+            </a:r>
+            <a:r>
+              <a:rPr lang="pt-BR" sz="2400" dirty="0" err="1" smtClean="0"/>
+              <a:t>SortedSet</a:t>
+            </a:r>
+            <a:r>
+              <a:rPr lang="pt-BR" sz="2400" dirty="0" smtClean="0"/>
+              <a:t> é definir o critério de classificação em uma classe isolada que implementa a interface </a:t>
+            </a:r>
+            <a:r>
+              <a:rPr lang="pt-BR" sz="2400" u="sng" dirty="0" err="1" smtClean="0"/>
+              <a:t>Comparator</a:t>
+            </a:r>
+            <a:r>
+              <a:rPr lang="pt-BR" sz="2400" dirty="0" smtClean="0"/>
+              <a:t>.</a:t>
+            </a:r>
+          </a:p>
+          <a:p>
+            <a:pPr>
+              <a:spcBef>
+                <a:spcPts val="2400"/>
+              </a:spcBef>
+            </a:pPr>
+            <a:r>
+              <a:rPr lang="pt-BR" sz="2400" dirty="0" smtClean="0"/>
+              <a:t>Desta forma, devemos criar um </a:t>
+            </a:r>
+            <a:r>
+              <a:rPr lang="pt-BR" sz="2400" dirty="0" err="1" smtClean="0"/>
+              <a:t>Comparator</a:t>
+            </a:r>
+            <a:r>
+              <a:rPr lang="pt-BR" sz="2400" dirty="0" smtClean="0"/>
+              <a:t> específico para a classificação desejada e assinalar sua instância no </a:t>
+            </a:r>
+            <a:r>
+              <a:rPr lang="pt-BR" sz="2400" dirty="0" err="1" smtClean="0"/>
+              <a:t>SortedSet</a:t>
+            </a:r>
+            <a:r>
+              <a:rPr lang="pt-BR" sz="2400" dirty="0" smtClean="0"/>
+              <a:t> a ser utilizado antes de adicionar qualquer objeto nele.</a:t>
+            </a:r>
           </a:p>
         </p:txBody>
       </p:sp>
@@ -15682,7 +17730,1583 @@
               <a:pPr>
                 <a:defRPr/>
               </a:pPr>
-              <a:t>24</a:t>
+              <a:t>26</a:t>
+            </a:fld>
+            <a:endParaRPr lang="pt-BR"/>
+          </a:p>
+        </p:txBody>
+      </p:sp>
+    </p:spTree>
+  </p:cSld>
+  <p:clrMapOvr>
+    <a:masterClrMapping/>
+  </p:clrMapOvr>
+  <p:timing>
+    <p:tnLst>
+      <p:par>
+        <p:cTn id="1" dur="indefinite" restart="never" nodeType="tmRoot"/>
+      </p:par>
+    </p:tnLst>
+  </p:timing>
+</p:sld>
+</file>
+
+<file path=ppt/slides/slide27.xml><?xml version="1.0" encoding="utf-8"?>
+<p:sld xmlns:a="http://schemas.openxmlformats.org/drawingml/2006/main" xmlns:r="http://schemas.openxmlformats.org/officeDocument/2006/relationships" xmlns:p="http://schemas.openxmlformats.org/presentationml/2006/main">
+  <p:cSld>
+    <p:spTree>
+      <p:nvGrpSpPr>
+        <p:cNvPr id="1" name=""/>
+        <p:cNvGrpSpPr/>
+        <p:nvPr/>
+      </p:nvGrpSpPr>
+      <p:grpSpPr>
+        <a:xfrm>
+          <a:off x="0" y="0"/>
+          <a:ext cx="0" cy="0"/>
+          <a:chOff x="0" y="0"/>
+          <a:chExt cx="0" cy="0"/>
+        </a:xfrm>
+      </p:grpSpPr>
+      <p:sp>
+        <p:nvSpPr>
+          <p:cNvPr id="9218" name="Título 1"/>
+          <p:cNvSpPr>
+            <a:spLocks noGrp="1"/>
+          </p:cNvSpPr>
+          <p:nvPr>
+            <p:ph type="title"/>
+          </p:nvPr>
+        </p:nvSpPr>
+        <p:spPr>
+          <a:noFill/>
+          <a:ln w="9525">
+            <a:noFill/>
+            <a:miter lim="800000"/>
+            <a:headEnd/>
+            <a:tailEnd/>
+          </a:ln>
+        </p:spPr>
+        <p:txBody>
+          <a:bodyPr vert="horz" wrap="square" lIns="45720" tIns="45720" rIns="45720" bIns="45720" numCol="1" anchor="ctr" anchorCtr="0" compatLnSpc="1">
+            <a:prstTxWarp prst="textNoShape">
+              <a:avLst/>
+            </a:prstTxWarp>
+          </a:bodyPr>
+          <a:lstStyle/>
+          <a:p>
+            <a:r>
+              <a:rPr lang="pt-BR" dirty="0" err="1" smtClean="0"/>
+              <a:t>SortedSet</a:t>
+            </a:r>
+            <a:endParaRPr lang="pt-BR" dirty="0" smtClean="0"/>
+          </a:p>
+        </p:txBody>
+      </p:sp>
+      <p:sp>
+        <p:nvSpPr>
+          <p:cNvPr id="13" name="Espaço Reservado para Conteúdo 12"/>
+          <p:cNvSpPr>
+            <a:spLocks noGrp="1"/>
+          </p:cNvSpPr>
+          <p:nvPr>
+            <p:ph idx="1"/>
+          </p:nvPr>
+        </p:nvSpPr>
+        <p:spPr>
+          <a:xfrm>
+            <a:off x="457200" y="1196752"/>
+            <a:ext cx="7467600" cy="4525963"/>
+          </a:xfrm>
+        </p:spPr>
+        <p:txBody>
+          <a:bodyPr/>
+          <a:lstStyle/>
+          <a:p>
+            <a:pPr>
+              <a:spcBef>
+                <a:spcPts val="2400"/>
+              </a:spcBef>
+            </a:pPr>
+            <a:r>
+              <a:rPr lang="pt-BR" sz="2400" dirty="0" err="1" smtClean="0"/>
+              <a:t>SortedSet</a:t>
+            </a:r>
+            <a:r>
+              <a:rPr lang="pt-BR" sz="2400" dirty="0" smtClean="0"/>
+              <a:t> com </a:t>
+            </a:r>
+            <a:r>
+              <a:rPr lang="pt-BR" sz="2400" dirty="0" err="1" smtClean="0"/>
+              <a:t>Comparator</a:t>
+            </a:r>
+            <a:endParaRPr lang="pt-BR" sz="2400" dirty="0" smtClean="0"/>
+          </a:p>
+          <a:p>
+            <a:pPr marL="1074738" lvl="1" indent="-625475">
+              <a:spcBef>
+                <a:spcPts val="0"/>
+              </a:spcBef>
+              <a:buNone/>
+            </a:pPr>
+            <a:endParaRPr lang="pt-BR" sz="2000" dirty="0" smtClean="0"/>
+          </a:p>
+          <a:p>
+            <a:pPr marL="449263" lvl="1" indent="0" defTabSz="900113">
+              <a:spcBef>
+                <a:spcPts val="0"/>
+              </a:spcBef>
+              <a:buNone/>
+              <a:tabLst>
+                <a:tab pos="900113" algn="l"/>
+                <a:tab pos="1349375" algn="l"/>
+                <a:tab pos="1800225" algn="l"/>
+              </a:tabLst>
+            </a:pPr>
+            <a:r>
+              <a:rPr lang="pt-BR" sz="2000" dirty="0" err="1" smtClean="0">
+                <a:solidFill>
+                  <a:srgbClr val="FFC000"/>
+                </a:solidFill>
+              </a:rPr>
+              <a:t>SortedSet</a:t>
+            </a:r>
+            <a:r>
+              <a:rPr lang="pt-BR" sz="2000" dirty="0" smtClean="0">
+                <a:solidFill>
+                  <a:srgbClr val="FFC000"/>
+                </a:solidFill>
+              </a:rPr>
+              <a:t>&lt;Cliente&gt;</a:t>
+            </a:r>
+            <a:r>
+              <a:rPr lang="pt-BR" sz="2000" dirty="0" smtClean="0"/>
+              <a:t> set = </a:t>
+            </a:r>
+            <a:r>
+              <a:rPr lang="pt-BR" sz="2000" dirty="0" err="1" smtClean="0"/>
+              <a:t>new</a:t>
+            </a:r>
+            <a:r>
+              <a:rPr lang="pt-BR" sz="2000" dirty="0" smtClean="0"/>
+              <a:t> </a:t>
+            </a:r>
+            <a:r>
+              <a:rPr lang="pt-BR" sz="2000" dirty="0" err="1" smtClean="0"/>
+              <a:t>TreeSet</a:t>
+            </a:r>
+            <a:r>
+              <a:rPr lang="pt-BR" sz="2000" dirty="0" smtClean="0"/>
+              <a:t>&lt;</a:t>
+            </a:r>
+            <a:r>
+              <a:rPr lang="pt-BR" sz="2000" dirty="0" smtClean="0">
+                <a:solidFill>
+                  <a:srgbClr val="FFC000"/>
+                </a:solidFill>
+              </a:rPr>
+              <a:t>Cliente</a:t>
+            </a:r>
+            <a:r>
+              <a:rPr lang="pt-BR" sz="2000" dirty="0" smtClean="0"/>
+              <a:t>&gt;(</a:t>
+            </a:r>
+          </a:p>
+          <a:p>
+            <a:pPr marL="449263" lvl="1" indent="0" defTabSz="900113">
+              <a:spcBef>
+                <a:spcPts val="0"/>
+              </a:spcBef>
+              <a:buNone/>
+              <a:tabLst>
+                <a:tab pos="900113" algn="l"/>
+                <a:tab pos="1349375" algn="l"/>
+                <a:tab pos="1800225" algn="l"/>
+              </a:tabLst>
+            </a:pPr>
+            <a:r>
+              <a:rPr lang="pt-BR" sz="2000" dirty="0" smtClean="0"/>
+              <a:t>	</a:t>
+            </a:r>
+            <a:r>
+              <a:rPr lang="pt-BR" sz="2000" dirty="0" err="1" smtClean="0"/>
+              <a:t>new</a:t>
+            </a:r>
+            <a:r>
+              <a:rPr lang="pt-BR" sz="2000" dirty="0" smtClean="0"/>
+              <a:t> </a:t>
+            </a:r>
+            <a:r>
+              <a:rPr lang="pt-BR" sz="2000" dirty="0" err="1" smtClean="0"/>
+              <a:t>Comparator</a:t>
+            </a:r>
+            <a:r>
+              <a:rPr lang="pt-BR" sz="2000" dirty="0" smtClean="0"/>
+              <a:t>&lt;Cliente&gt;() {</a:t>
+            </a:r>
+          </a:p>
+          <a:p>
+            <a:pPr marL="449263" lvl="1" indent="0" defTabSz="900113">
+              <a:spcBef>
+                <a:spcPts val="0"/>
+              </a:spcBef>
+              <a:buNone/>
+              <a:tabLst>
+                <a:tab pos="900113" algn="l"/>
+                <a:tab pos="1349375" algn="l"/>
+                <a:tab pos="1800225" algn="l"/>
+              </a:tabLst>
+            </a:pPr>
+            <a:r>
+              <a:rPr lang="pt-BR" sz="2000" dirty="0" smtClean="0"/>
+              <a:t>		</a:t>
+            </a:r>
+            <a:r>
+              <a:rPr lang="pt-BR" sz="2000" dirty="0" err="1" smtClean="0"/>
+              <a:t>public</a:t>
+            </a:r>
+            <a:r>
+              <a:rPr lang="pt-BR" sz="2000" dirty="0" smtClean="0"/>
+              <a:t> </a:t>
+            </a:r>
+            <a:r>
+              <a:rPr lang="pt-BR" sz="2000" dirty="0" err="1" smtClean="0"/>
+              <a:t>int</a:t>
+            </a:r>
+            <a:r>
+              <a:rPr lang="pt-BR" sz="2000" dirty="0" smtClean="0"/>
+              <a:t> compare(Cliente c1, Cliente c2) {</a:t>
+            </a:r>
+          </a:p>
+          <a:p>
+            <a:pPr marL="449263" lvl="1" indent="0" defTabSz="900113">
+              <a:spcBef>
+                <a:spcPts val="0"/>
+              </a:spcBef>
+              <a:buNone/>
+              <a:tabLst>
+                <a:tab pos="900113" algn="l"/>
+                <a:tab pos="1349375" algn="l"/>
+                <a:tab pos="1800225" algn="l"/>
+              </a:tabLst>
+            </a:pPr>
+            <a:r>
+              <a:rPr lang="pt-BR" sz="2000" dirty="0" smtClean="0"/>
+              <a:t>			</a:t>
+            </a:r>
+            <a:r>
+              <a:rPr lang="pt-BR" sz="2000" dirty="0" err="1" smtClean="0"/>
+              <a:t>return</a:t>
+            </a:r>
+            <a:r>
+              <a:rPr lang="pt-BR" sz="2000" dirty="0" smtClean="0"/>
+              <a:t> c1.</a:t>
+            </a:r>
+            <a:r>
+              <a:rPr lang="pt-BR" sz="2000" dirty="0" err="1" smtClean="0"/>
+              <a:t>getRg</a:t>
+            </a:r>
+            <a:r>
+              <a:rPr lang="pt-BR" sz="2000" dirty="0" smtClean="0"/>
+              <a:t>().</a:t>
+            </a:r>
+            <a:r>
+              <a:rPr lang="pt-BR" sz="2000" dirty="0" err="1" smtClean="0"/>
+              <a:t>compareTo</a:t>
+            </a:r>
+            <a:r>
+              <a:rPr lang="pt-BR" sz="2000" dirty="0" smtClean="0"/>
+              <a:t>(c2.</a:t>
+            </a:r>
+            <a:r>
+              <a:rPr lang="pt-BR" sz="2000" dirty="0" err="1" smtClean="0"/>
+              <a:t>getRg</a:t>
+            </a:r>
+            <a:r>
+              <a:rPr lang="pt-BR" sz="2000" dirty="0" smtClean="0"/>
+              <a:t>());</a:t>
+            </a:r>
+          </a:p>
+          <a:p>
+            <a:pPr marL="449263" lvl="1" indent="0" defTabSz="900113">
+              <a:spcBef>
+                <a:spcPts val="0"/>
+              </a:spcBef>
+              <a:buNone/>
+              <a:tabLst>
+                <a:tab pos="900113" algn="l"/>
+                <a:tab pos="1349375" algn="l"/>
+                <a:tab pos="1800225" algn="l"/>
+              </a:tabLst>
+            </a:pPr>
+            <a:r>
+              <a:rPr lang="pt-BR" sz="2000" dirty="0" smtClean="0"/>
+              <a:t>		}</a:t>
+            </a:r>
+          </a:p>
+          <a:p>
+            <a:pPr marL="449263" lvl="1" indent="0" defTabSz="900113">
+              <a:spcBef>
+                <a:spcPts val="0"/>
+              </a:spcBef>
+              <a:buNone/>
+              <a:tabLst>
+                <a:tab pos="900113" algn="l"/>
+                <a:tab pos="1349375" algn="l"/>
+                <a:tab pos="1800225" algn="l"/>
+              </a:tabLst>
+            </a:pPr>
+            <a:r>
+              <a:rPr lang="pt-BR" sz="2000" dirty="0" smtClean="0"/>
+              <a:t>	});</a:t>
+            </a:r>
+          </a:p>
+          <a:p>
+            <a:pPr marL="449263" lvl="1" indent="0" defTabSz="900113">
+              <a:spcBef>
+                <a:spcPts val="0"/>
+              </a:spcBef>
+              <a:buNone/>
+              <a:tabLst>
+                <a:tab pos="900113" algn="l"/>
+                <a:tab pos="1349375" algn="l"/>
+                <a:tab pos="1800225" algn="l"/>
+              </a:tabLst>
+            </a:pPr>
+            <a:r>
+              <a:rPr lang="pt-BR" sz="2000" dirty="0" err="1" smtClean="0"/>
+              <a:t>set.</a:t>
+            </a:r>
+            <a:r>
+              <a:rPr lang="pt-BR" sz="2000" dirty="0" err="1" smtClean="0">
+                <a:solidFill>
+                  <a:srgbClr val="FFC000"/>
+                </a:solidFill>
+              </a:rPr>
+              <a:t>add</a:t>
+            </a:r>
+            <a:r>
+              <a:rPr lang="pt-BR" sz="2000" dirty="0" smtClean="0">
+                <a:solidFill>
+                  <a:srgbClr val="FFC000"/>
+                </a:solidFill>
+              </a:rPr>
+              <a:t>(</a:t>
+            </a:r>
+            <a:r>
+              <a:rPr lang="pt-BR" sz="2000" dirty="0" err="1" smtClean="0"/>
+              <a:t>new</a:t>
+            </a:r>
+            <a:r>
+              <a:rPr lang="pt-BR" sz="2000" dirty="0" smtClean="0"/>
+              <a:t> Cliente(“897822-9”, “Manuel”, “Rua 5”)</a:t>
+            </a:r>
+            <a:r>
+              <a:rPr lang="pt-BR" sz="2000" dirty="0" smtClean="0">
+                <a:solidFill>
+                  <a:srgbClr val="FFC000"/>
+                </a:solidFill>
+              </a:rPr>
+              <a:t>)</a:t>
+            </a:r>
+            <a:r>
+              <a:rPr lang="pt-BR" sz="2000" dirty="0" smtClean="0"/>
+              <a:t>;</a:t>
+            </a:r>
+          </a:p>
+          <a:p>
+            <a:pPr marL="449263" lvl="1" indent="0" defTabSz="900113">
+              <a:spcBef>
+                <a:spcPts val="0"/>
+              </a:spcBef>
+              <a:buNone/>
+              <a:tabLst>
+                <a:tab pos="900113" algn="l"/>
+                <a:tab pos="1349375" algn="l"/>
+                <a:tab pos="1800225" algn="l"/>
+              </a:tabLst>
+            </a:pPr>
+            <a:r>
+              <a:rPr lang="pt-BR" sz="2000" dirty="0" err="1" smtClean="0"/>
+              <a:t>set.</a:t>
+            </a:r>
+            <a:r>
+              <a:rPr lang="pt-BR" sz="2000" dirty="0" err="1" smtClean="0">
+                <a:solidFill>
+                  <a:srgbClr val="FFC000"/>
+                </a:solidFill>
+              </a:rPr>
+              <a:t>add</a:t>
+            </a:r>
+            <a:r>
+              <a:rPr lang="pt-BR" sz="2000" dirty="0" smtClean="0">
+                <a:solidFill>
+                  <a:srgbClr val="FFC000"/>
+                </a:solidFill>
+              </a:rPr>
+              <a:t>(</a:t>
+            </a:r>
+            <a:r>
+              <a:rPr lang="pt-BR" sz="2000" dirty="0" err="1" smtClean="0"/>
+              <a:t>new</a:t>
+            </a:r>
+            <a:r>
+              <a:rPr lang="pt-BR" sz="2000" dirty="0" smtClean="0"/>
+              <a:t> Cliente(“76836-7”, “Ricardo”, “Av. Central, 23”)</a:t>
+            </a:r>
+            <a:r>
+              <a:rPr lang="pt-BR" sz="2000" dirty="0" smtClean="0">
+                <a:solidFill>
+                  <a:srgbClr val="FFC000"/>
+                </a:solidFill>
+              </a:rPr>
+              <a:t>)</a:t>
+            </a:r>
+            <a:r>
+              <a:rPr lang="pt-BR" sz="2000" dirty="0" smtClean="0"/>
+              <a:t>;</a:t>
+            </a:r>
+          </a:p>
+          <a:p>
+            <a:pPr marL="449263" lvl="1" indent="0" defTabSz="900113">
+              <a:spcBef>
+                <a:spcPts val="0"/>
+              </a:spcBef>
+              <a:buNone/>
+              <a:tabLst>
+                <a:tab pos="900113" algn="l"/>
+                <a:tab pos="1349375" algn="l"/>
+                <a:tab pos="1800225" algn="l"/>
+              </a:tabLst>
+            </a:pPr>
+            <a:r>
+              <a:rPr lang="pt-BR" sz="2000" dirty="0" err="1" smtClean="0"/>
+              <a:t>set.</a:t>
+            </a:r>
+            <a:r>
+              <a:rPr lang="pt-BR" sz="2000" dirty="0" err="1" smtClean="0">
+                <a:solidFill>
+                  <a:srgbClr val="FFC000"/>
+                </a:solidFill>
+              </a:rPr>
+              <a:t>add</a:t>
+            </a:r>
+            <a:r>
+              <a:rPr lang="pt-BR" sz="2000" dirty="0" smtClean="0">
+                <a:solidFill>
+                  <a:srgbClr val="FFC000"/>
+                </a:solidFill>
+              </a:rPr>
+              <a:t>(</a:t>
+            </a:r>
+            <a:r>
+              <a:rPr lang="pt-BR" sz="2000" dirty="0" err="1" smtClean="0"/>
+              <a:t>new</a:t>
+            </a:r>
+            <a:r>
+              <a:rPr lang="pt-BR" sz="2000" dirty="0" smtClean="0"/>
+              <a:t> Cliente(“3945651-1”, “Joaquim”, “Rua 35”)</a:t>
+            </a:r>
+            <a:r>
+              <a:rPr lang="pt-BR" sz="2000" dirty="0" smtClean="0">
+                <a:solidFill>
+                  <a:srgbClr val="FFC000"/>
+                </a:solidFill>
+              </a:rPr>
+              <a:t>)</a:t>
+            </a:r>
+            <a:r>
+              <a:rPr lang="pt-BR" sz="2000" dirty="0" smtClean="0"/>
+              <a:t>;</a:t>
+            </a:r>
+          </a:p>
+          <a:p>
+            <a:pPr marL="449263" lvl="1" indent="0" defTabSz="900113">
+              <a:spcBef>
+                <a:spcPts val="0"/>
+              </a:spcBef>
+              <a:buNone/>
+              <a:tabLst>
+                <a:tab pos="900113" algn="l"/>
+                <a:tab pos="1349375" algn="l"/>
+                <a:tab pos="1800225" algn="l"/>
+              </a:tabLst>
+            </a:pPr>
+            <a:r>
+              <a:rPr lang="pt-BR" sz="2000" dirty="0" err="1" smtClean="0"/>
+              <a:t>set.</a:t>
+            </a:r>
+            <a:r>
+              <a:rPr lang="pt-BR" sz="2000" dirty="0" err="1" smtClean="0">
+                <a:solidFill>
+                  <a:srgbClr val="FFC000"/>
+                </a:solidFill>
+              </a:rPr>
+              <a:t>add</a:t>
+            </a:r>
+            <a:r>
+              <a:rPr lang="pt-BR" sz="2000" dirty="0" smtClean="0">
+                <a:solidFill>
+                  <a:srgbClr val="FFC000"/>
+                </a:solidFill>
+              </a:rPr>
+              <a:t>(</a:t>
+            </a:r>
+            <a:r>
+              <a:rPr lang="pt-BR" sz="2000" dirty="0" err="1" smtClean="0"/>
+              <a:t>new</a:t>
+            </a:r>
+            <a:r>
+              <a:rPr lang="pt-BR" sz="2000" dirty="0" smtClean="0"/>
+              <a:t> Cliente(“1874309-5”, “Maria”, “Alameda XV”)</a:t>
+            </a:r>
+            <a:r>
+              <a:rPr lang="pt-BR" sz="2000" dirty="0" smtClean="0">
+                <a:solidFill>
+                  <a:srgbClr val="FFC000"/>
+                </a:solidFill>
+              </a:rPr>
+              <a:t>)</a:t>
+            </a:r>
+            <a:r>
+              <a:rPr lang="pt-BR" sz="2000" dirty="0" smtClean="0"/>
+              <a:t>;</a:t>
+            </a:r>
+          </a:p>
+          <a:p>
+            <a:pPr marL="449263" lvl="1" indent="0" defTabSz="900113">
+              <a:spcBef>
+                <a:spcPts val="0"/>
+              </a:spcBef>
+              <a:buNone/>
+              <a:tabLst>
+                <a:tab pos="900113" algn="l"/>
+                <a:tab pos="1349375" algn="l"/>
+                <a:tab pos="1800225" algn="l"/>
+              </a:tabLst>
+            </a:pPr>
+            <a:endParaRPr lang="pt-BR" sz="2000" dirty="0" smtClean="0"/>
+          </a:p>
+          <a:p>
+            <a:pPr marL="449263" lvl="1" indent="0" defTabSz="900113">
+              <a:spcBef>
+                <a:spcPts val="0"/>
+              </a:spcBef>
+              <a:buNone/>
+              <a:tabLst>
+                <a:tab pos="900113" algn="l"/>
+                <a:tab pos="1349375" algn="l"/>
+                <a:tab pos="1800225" algn="l"/>
+              </a:tabLst>
+            </a:pPr>
+            <a:r>
+              <a:rPr lang="pt-BR" sz="2000" dirty="0" smtClean="0">
+                <a:solidFill>
+                  <a:schemeClr val="accent6"/>
+                </a:solidFill>
+              </a:rPr>
+              <a:t>/* Exibe os elementos ordenados pelo RG */</a:t>
+            </a:r>
+          </a:p>
+          <a:p>
+            <a:pPr marL="449263" lvl="1" indent="0" defTabSz="900113">
+              <a:spcBef>
+                <a:spcPts val="0"/>
+              </a:spcBef>
+              <a:buNone/>
+              <a:tabLst>
+                <a:tab pos="900113" algn="l"/>
+                <a:tab pos="1349375" algn="l"/>
+                <a:tab pos="1800225" algn="l"/>
+              </a:tabLst>
+            </a:pPr>
+            <a:r>
+              <a:rPr lang="pt-BR" sz="2000" dirty="0" smtClean="0"/>
+              <a:t>for (Cliente c : set) {</a:t>
+            </a:r>
+          </a:p>
+          <a:p>
+            <a:pPr marL="449263" lvl="1" indent="0" defTabSz="900113">
+              <a:spcBef>
+                <a:spcPts val="0"/>
+              </a:spcBef>
+              <a:buNone/>
+              <a:tabLst>
+                <a:tab pos="900113" algn="l"/>
+                <a:tab pos="1349375" algn="l"/>
+                <a:tab pos="1800225" algn="l"/>
+              </a:tabLst>
+            </a:pPr>
+            <a:r>
+              <a:rPr lang="pt-BR" sz="2000" dirty="0" smtClean="0"/>
+              <a:t>	System.</a:t>
+            </a:r>
+            <a:r>
+              <a:rPr lang="pt-BR" sz="2000" dirty="0" err="1" smtClean="0"/>
+              <a:t>out.println</a:t>
+            </a:r>
+            <a:r>
+              <a:rPr lang="pt-BR" sz="2000" dirty="0" smtClean="0"/>
+              <a:t>(</a:t>
+            </a:r>
+            <a:r>
+              <a:rPr lang="pt-BR" sz="2000" dirty="0" err="1" smtClean="0"/>
+              <a:t>c.getNome</a:t>
+            </a:r>
+            <a:r>
+              <a:rPr lang="pt-BR" sz="2000" dirty="0" smtClean="0"/>
+              <a:t>());</a:t>
+            </a:r>
+          </a:p>
+          <a:p>
+            <a:pPr marL="449263" lvl="1" indent="0" defTabSz="900113">
+              <a:spcBef>
+                <a:spcPts val="0"/>
+              </a:spcBef>
+              <a:buNone/>
+              <a:tabLst>
+                <a:tab pos="900113" algn="l"/>
+                <a:tab pos="1349375" algn="l"/>
+                <a:tab pos="1800225" algn="l"/>
+              </a:tabLst>
+            </a:pPr>
+            <a:r>
+              <a:rPr lang="pt-BR" sz="2000" dirty="0" smtClean="0"/>
+              <a:t>}</a:t>
+            </a:r>
+          </a:p>
+        </p:txBody>
+      </p:sp>
+      <p:sp>
+        <p:nvSpPr>
+          <p:cNvPr id="15" name="Espaço Reservado para Número de Slide 14"/>
+          <p:cNvSpPr>
+            <a:spLocks noGrp="1"/>
+          </p:cNvSpPr>
+          <p:nvPr>
+            <p:ph type="sldNum" sz="quarter" idx="12"/>
+          </p:nvPr>
+        </p:nvSpPr>
+        <p:spPr/>
+        <p:txBody>
+          <a:bodyPr/>
+          <a:lstStyle/>
+          <a:p>
+            <a:pPr>
+              <a:defRPr/>
+            </a:pPr>
+            <a:fld id="{7E263EA5-71DF-4638-BC15-81D6FFD3C7EB}" type="slidenum">
+              <a:rPr lang="pt-BR" smtClean="0"/>
+              <a:pPr>
+                <a:defRPr/>
+              </a:pPr>
+              <a:t>27</a:t>
+            </a:fld>
+            <a:endParaRPr lang="pt-BR"/>
+          </a:p>
+        </p:txBody>
+      </p:sp>
+    </p:spTree>
+  </p:cSld>
+  <p:clrMapOvr>
+    <a:masterClrMapping/>
+  </p:clrMapOvr>
+  <p:timing>
+    <p:tnLst>
+      <p:par>
+        <p:cTn id="1" dur="indefinite" restart="never" nodeType="tmRoot"/>
+      </p:par>
+    </p:tnLst>
+  </p:timing>
+</p:sld>
+</file>
+
+<file path=ppt/slides/slide28.xml><?xml version="1.0" encoding="utf-8"?>
+<p:sld xmlns:a="http://schemas.openxmlformats.org/drawingml/2006/main" xmlns:r="http://schemas.openxmlformats.org/officeDocument/2006/relationships" xmlns:p="http://schemas.openxmlformats.org/presentationml/2006/main">
+  <p:cSld>
+    <p:spTree>
+      <p:nvGrpSpPr>
+        <p:cNvPr id="1" name=""/>
+        <p:cNvGrpSpPr/>
+        <p:nvPr/>
+      </p:nvGrpSpPr>
+      <p:grpSpPr>
+        <a:xfrm>
+          <a:off x="0" y="0"/>
+          <a:ext cx="0" cy="0"/>
+          <a:chOff x="0" y="0"/>
+          <a:chExt cx="0" cy="0"/>
+        </a:xfrm>
+      </p:grpSpPr>
+      <p:sp>
+        <p:nvSpPr>
+          <p:cNvPr id="9218" name="Título 1"/>
+          <p:cNvSpPr>
+            <a:spLocks noGrp="1"/>
+          </p:cNvSpPr>
+          <p:nvPr>
+            <p:ph type="title"/>
+          </p:nvPr>
+        </p:nvSpPr>
+        <p:spPr>
+          <a:xfrm>
+            <a:off x="457200" y="274638"/>
+            <a:ext cx="8075240" cy="1143000"/>
+          </a:xfrm>
+        </p:spPr>
+        <p:txBody>
+          <a:bodyPr/>
+          <a:lstStyle/>
+          <a:p>
+            <a:pPr eaLnBrk="1" hangingPunct="1"/>
+            <a:r>
+              <a:rPr lang="pt-BR" sz="4400" dirty="0" err="1" smtClean="0"/>
+              <a:t>SortedSet</a:t>
+            </a:r>
+            <a:r>
+              <a:rPr lang="pt-BR" sz="4400" dirty="0" smtClean="0"/>
+              <a:t> – Principais métodos</a:t>
+            </a:r>
+          </a:p>
+        </p:txBody>
+      </p:sp>
+      <p:sp>
+        <p:nvSpPr>
+          <p:cNvPr id="13" name="Espaço Reservado para Conteúdo 12"/>
+          <p:cNvSpPr>
+            <a:spLocks noGrp="1"/>
+          </p:cNvSpPr>
+          <p:nvPr>
+            <p:ph idx="1"/>
+          </p:nvPr>
+        </p:nvSpPr>
+        <p:spPr>
+          <a:xfrm>
+            <a:off x="457200" y="1600200"/>
+            <a:ext cx="7931224" cy="4525963"/>
+          </a:xfrm>
+        </p:spPr>
+        <p:txBody>
+          <a:bodyPr/>
+          <a:lstStyle/>
+          <a:p>
+            <a:pPr>
+              <a:spcBef>
+                <a:spcPts val="1200"/>
+              </a:spcBef>
+            </a:pPr>
+            <a:r>
+              <a:rPr lang="pt-BR" sz="2000" dirty="0" err="1" smtClean="0"/>
+              <a:t>first</a:t>
+            </a:r>
+            <a:r>
+              <a:rPr lang="pt-BR" sz="2000" dirty="0" smtClean="0"/>
+              <a:t>()</a:t>
+            </a:r>
+          </a:p>
+          <a:p>
+            <a:pPr lvl="1">
+              <a:spcBef>
+                <a:spcPts val="600"/>
+              </a:spcBef>
+            </a:pPr>
+            <a:r>
+              <a:rPr lang="pt-BR" sz="1800" dirty="0" smtClean="0"/>
+              <a:t>Retorna o menor elemento do conjunto</a:t>
+            </a:r>
+          </a:p>
+          <a:p>
+            <a:pPr>
+              <a:spcBef>
+                <a:spcPts val="1200"/>
+              </a:spcBef>
+            </a:pPr>
+            <a:r>
+              <a:rPr lang="pt-BR" sz="2000" dirty="0" err="1" smtClean="0"/>
+              <a:t>last</a:t>
+            </a:r>
+            <a:r>
+              <a:rPr lang="pt-BR" sz="2000" dirty="0" smtClean="0"/>
+              <a:t>()</a:t>
+            </a:r>
+          </a:p>
+          <a:p>
+            <a:pPr lvl="1">
+              <a:spcBef>
+                <a:spcPts val="600"/>
+              </a:spcBef>
+            </a:pPr>
+            <a:r>
+              <a:rPr lang="pt-BR" sz="1800" dirty="0" smtClean="0"/>
+              <a:t>Retorna o maior elemento do conjunto</a:t>
+            </a:r>
+          </a:p>
+          <a:p>
+            <a:pPr>
+              <a:spcBef>
+                <a:spcPts val="1200"/>
+              </a:spcBef>
+            </a:pPr>
+            <a:r>
+              <a:rPr lang="pt-BR" sz="2000" dirty="0" err="1" smtClean="0"/>
+              <a:t>headSet</a:t>
+            </a:r>
+            <a:r>
+              <a:rPr lang="pt-BR" sz="2000" dirty="0" smtClean="0"/>
+              <a:t>(T)</a:t>
+            </a:r>
+          </a:p>
+          <a:p>
+            <a:pPr lvl="1">
+              <a:spcBef>
+                <a:spcPts val="600"/>
+              </a:spcBef>
+            </a:pPr>
+            <a:r>
+              <a:rPr lang="pt-BR" sz="1800" dirty="0" smtClean="0"/>
+              <a:t>Retorna  um subconjunto também ordenado contendo todos os elementos </a:t>
+            </a:r>
+            <a:r>
+              <a:rPr lang="pt-BR" sz="1800" b="1" dirty="0" smtClean="0"/>
+              <a:t>menores</a:t>
+            </a:r>
+            <a:r>
+              <a:rPr lang="pt-BR" sz="1800" dirty="0" smtClean="0"/>
+              <a:t> que T</a:t>
+            </a:r>
+          </a:p>
+          <a:p>
+            <a:pPr>
+              <a:spcBef>
+                <a:spcPts val="1200"/>
+              </a:spcBef>
+            </a:pPr>
+            <a:r>
+              <a:rPr lang="pt-BR" sz="2000" dirty="0" err="1" smtClean="0"/>
+              <a:t>tailSet</a:t>
+            </a:r>
+            <a:r>
+              <a:rPr lang="pt-BR" sz="2000" dirty="0" smtClean="0"/>
+              <a:t>(T)</a:t>
+            </a:r>
+          </a:p>
+          <a:p>
+            <a:pPr lvl="1">
+              <a:spcBef>
+                <a:spcPts val="600"/>
+              </a:spcBef>
+            </a:pPr>
+            <a:r>
+              <a:rPr lang="pt-BR" sz="1800" dirty="0" smtClean="0"/>
+              <a:t>Retorna um subconjunto também ordenado contendo todos os elementos </a:t>
+            </a:r>
+            <a:r>
+              <a:rPr lang="pt-BR" sz="1800" b="1" dirty="0" smtClean="0"/>
+              <a:t>maiores</a:t>
+            </a:r>
+            <a:r>
+              <a:rPr lang="pt-BR" sz="1800" dirty="0" smtClean="0"/>
+              <a:t> que T</a:t>
+            </a:r>
+          </a:p>
+          <a:p>
+            <a:pPr>
+              <a:spcBef>
+                <a:spcPts val="1200"/>
+              </a:spcBef>
+            </a:pPr>
+            <a:r>
+              <a:rPr lang="pt-BR" sz="2000" dirty="0" smtClean="0"/>
+              <a:t>subSet(T, T)</a:t>
+            </a:r>
+          </a:p>
+          <a:p>
+            <a:pPr lvl="1">
+              <a:spcBef>
+                <a:spcPts val="600"/>
+              </a:spcBef>
+            </a:pPr>
+            <a:r>
+              <a:rPr lang="pt-BR" sz="1800" dirty="0" smtClean="0"/>
+              <a:t>Retorna um subconjunto também ordenado contendo todos os elementos </a:t>
+            </a:r>
+            <a:r>
+              <a:rPr lang="pt-BR" sz="1800" b="1" dirty="0" smtClean="0"/>
+              <a:t>entre os dois itens</a:t>
+            </a:r>
+            <a:r>
+              <a:rPr lang="pt-BR" sz="1800" dirty="0" smtClean="0"/>
+              <a:t> especificados</a:t>
+            </a:r>
+          </a:p>
+        </p:txBody>
+      </p:sp>
+      <p:sp>
+        <p:nvSpPr>
+          <p:cNvPr id="15" name="Espaço Reservado para Número de Slide 14"/>
+          <p:cNvSpPr>
+            <a:spLocks noGrp="1"/>
+          </p:cNvSpPr>
+          <p:nvPr>
+            <p:ph type="sldNum" sz="quarter" idx="12"/>
+          </p:nvPr>
+        </p:nvSpPr>
+        <p:spPr/>
+        <p:txBody>
+          <a:bodyPr/>
+          <a:lstStyle/>
+          <a:p>
+            <a:pPr>
+              <a:defRPr/>
+            </a:pPr>
+            <a:fld id="{7E263EA5-71DF-4638-BC15-81D6FFD3C7EB}" type="slidenum">
+              <a:rPr lang="pt-BR" smtClean="0"/>
+              <a:pPr>
+                <a:defRPr/>
+              </a:pPr>
+              <a:t>28</a:t>
+            </a:fld>
+            <a:endParaRPr lang="pt-BR"/>
+          </a:p>
+        </p:txBody>
+      </p:sp>
+    </p:spTree>
+  </p:cSld>
+  <p:clrMapOvr>
+    <a:masterClrMapping/>
+  </p:clrMapOvr>
+  <p:timing>
+    <p:tnLst>
+      <p:par>
+        <p:cTn id="1" dur="indefinite" restart="never" nodeType="tmRoot"/>
+      </p:par>
+    </p:tnLst>
+  </p:timing>
+</p:sld>
+</file>
+
+<file path=ppt/slides/slide29.xml><?xml version="1.0" encoding="utf-8"?>
+<p:sld xmlns:a="http://schemas.openxmlformats.org/drawingml/2006/main" xmlns:r="http://schemas.openxmlformats.org/officeDocument/2006/relationships" xmlns:p="http://schemas.openxmlformats.org/presentationml/2006/main">
+  <p:cSld>
+    <p:spTree>
+      <p:nvGrpSpPr>
+        <p:cNvPr id="1" name=""/>
+        <p:cNvGrpSpPr/>
+        <p:nvPr/>
+      </p:nvGrpSpPr>
+      <p:grpSpPr>
+        <a:xfrm>
+          <a:off x="0" y="0"/>
+          <a:ext cx="0" cy="0"/>
+          <a:chOff x="0" y="0"/>
+          <a:chExt cx="0" cy="0"/>
+        </a:xfrm>
+      </p:grpSpPr>
+      <p:sp>
+        <p:nvSpPr>
+          <p:cNvPr id="9218" name="Título 1"/>
+          <p:cNvSpPr>
+            <a:spLocks noGrp="1"/>
+          </p:cNvSpPr>
+          <p:nvPr>
+            <p:ph type="title"/>
+          </p:nvPr>
+        </p:nvSpPr>
+        <p:spPr>
+          <a:xfrm>
+            <a:off x="457200" y="274638"/>
+            <a:ext cx="8507288" cy="1143000"/>
+          </a:xfrm>
+          <a:noFill/>
+          <a:ln w="9525">
+            <a:noFill/>
+            <a:miter lim="800000"/>
+            <a:headEnd/>
+            <a:tailEnd/>
+          </a:ln>
+        </p:spPr>
+        <p:txBody>
+          <a:bodyPr vert="horz" wrap="square" lIns="45720" tIns="45720" rIns="45720" bIns="45720" numCol="1" anchor="ctr" anchorCtr="0" compatLnSpc="1">
+            <a:prstTxWarp prst="textNoShape">
+              <a:avLst/>
+            </a:prstTxWarp>
+          </a:bodyPr>
+          <a:lstStyle/>
+          <a:p>
+            <a:r>
+              <a:rPr lang="pt-BR" sz="4200" spc="-150" dirty="0" err="1" smtClean="0"/>
+              <a:t>SortedSet</a:t>
+            </a:r>
+            <a:r>
+              <a:rPr lang="pt-BR" sz="4200" spc="-150" dirty="0" smtClean="0"/>
+              <a:t> – Principal implementação</a:t>
+            </a:r>
+          </a:p>
+        </p:txBody>
+      </p:sp>
+      <p:sp>
+        <p:nvSpPr>
+          <p:cNvPr id="13" name="Espaço Reservado para Conteúdo 12"/>
+          <p:cNvSpPr>
+            <a:spLocks noGrp="1"/>
+          </p:cNvSpPr>
+          <p:nvPr>
+            <p:ph idx="1"/>
+          </p:nvPr>
+        </p:nvSpPr>
+        <p:spPr/>
+        <p:txBody>
+          <a:bodyPr/>
+          <a:lstStyle/>
+          <a:p>
+            <a:pPr>
+              <a:spcBef>
+                <a:spcPts val="1200"/>
+              </a:spcBef>
+            </a:pPr>
+            <a:r>
+              <a:rPr lang="pt-BR" sz="3200" dirty="0" err="1" smtClean="0"/>
+              <a:t>TreeSet</a:t>
+            </a:r>
+            <a:endParaRPr lang="pt-BR" sz="3200" dirty="0" smtClean="0"/>
+          </a:p>
+          <a:p>
+            <a:pPr lvl="1">
+              <a:spcBef>
+                <a:spcPts val="600"/>
+              </a:spcBef>
+            </a:pPr>
+            <a:endParaRPr lang="pt-BR" sz="2400" dirty="0" smtClean="0"/>
+          </a:p>
+          <a:p>
+            <a:pPr lvl="1">
+              <a:spcBef>
+                <a:spcPts val="1800"/>
+              </a:spcBef>
+            </a:pPr>
+            <a:r>
+              <a:rPr lang="pt-BR" sz="2400" dirty="0" smtClean="0"/>
+              <a:t>Uma simples implementação da interface </a:t>
+            </a:r>
+            <a:r>
+              <a:rPr lang="pt-BR" sz="2400" dirty="0" err="1" smtClean="0"/>
+              <a:t>SortedSet</a:t>
+            </a:r>
+            <a:r>
+              <a:rPr lang="pt-BR" sz="2400" dirty="0" smtClean="0"/>
+              <a:t>. Como tal, garante a ordenação natural dos elementos adicionados ao set.</a:t>
+            </a:r>
+          </a:p>
+          <a:p>
+            <a:pPr lvl="1">
+              <a:spcBef>
+                <a:spcPts val="1800"/>
+              </a:spcBef>
+            </a:pPr>
+            <a:r>
+              <a:rPr lang="pt-BR" sz="2400" dirty="0" smtClean="0"/>
+              <a:t>Conforme definido pela interface </a:t>
+            </a:r>
+            <a:r>
+              <a:rPr lang="pt-BR" sz="2400" dirty="0" err="1" smtClean="0"/>
+              <a:t>SortedSet</a:t>
+            </a:r>
+            <a:r>
+              <a:rPr lang="pt-BR" sz="2400" dirty="0" smtClean="0"/>
+              <a:t>, esta classe permite a utilização de um </a:t>
+            </a:r>
+            <a:r>
+              <a:rPr lang="pt-BR" sz="2400" dirty="0" err="1" smtClean="0"/>
+              <a:t>Comparator</a:t>
+            </a:r>
+            <a:r>
+              <a:rPr lang="pt-BR" sz="2400" dirty="0" smtClean="0"/>
+              <a:t> para definir uma ordenação diferente da ordenação natural.</a:t>
+            </a:r>
+          </a:p>
+        </p:txBody>
+      </p:sp>
+      <p:sp>
+        <p:nvSpPr>
+          <p:cNvPr id="15" name="Espaço Reservado para Número de Slide 14"/>
+          <p:cNvSpPr>
+            <a:spLocks noGrp="1"/>
+          </p:cNvSpPr>
+          <p:nvPr>
+            <p:ph type="sldNum" sz="quarter" idx="12"/>
+          </p:nvPr>
+        </p:nvSpPr>
+        <p:spPr/>
+        <p:txBody>
+          <a:bodyPr/>
+          <a:lstStyle/>
+          <a:p>
+            <a:pPr>
+              <a:defRPr/>
+            </a:pPr>
+            <a:fld id="{7E263EA5-71DF-4638-BC15-81D6FFD3C7EB}" type="slidenum">
+              <a:rPr lang="pt-BR" smtClean="0"/>
+              <a:pPr>
+                <a:defRPr/>
+              </a:pPr>
+              <a:t>29</a:t>
+            </a:fld>
+            <a:endParaRPr lang="pt-BR"/>
+          </a:p>
+        </p:txBody>
+      </p:sp>
+    </p:spTree>
+  </p:cSld>
+  <p:clrMapOvr>
+    <a:masterClrMapping/>
+  </p:clrMapOvr>
+  <p:timing>
+    <p:tnLst>
+      <p:par>
+        <p:cTn id="1" dur="indefinite" restart="never" nodeType="tmRoot"/>
+      </p:par>
+    </p:tnLst>
+  </p:timing>
+</p:sld>
+</file>
+
+<file path=ppt/slides/slide3.xml><?xml version="1.0" encoding="utf-8"?>
+<p:sld xmlns:a="http://schemas.openxmlformats.org/drawingml/2006/main" xmlns:r="http://schemas.openxmlformats.org/officeDocument/2006/relationships" xmlns:p="http://schemas.openxmlformats.org/presentationml/2006/main">
+  <p:cSld>
+    <p:spTree>
+      <p:nvGrpSpPr>
+        <p:cNvPr id="1" name=""/>
+        <p:cNvGrpSpPr/>
+        <p:nvPr/>
+      </p:nvGrpSpPr>
+      <p:grpSpPr>
+        <a:xfrm>
+          <a:off x="0" y="0"/>
+          <a:ext cx="0" cy="0"/>
+          <a:chOff x="0" y="0"/>
+          <a:chExt cx="0" cy="0"/>
+        </a:xfrm>
+      </p:grpSpPr>
+      <p:sp>
+        <p:nvSpPr>
+          <p:cNvPr id="2" name="Título 1"/>
+          <p:cNvSpPr>
+            <a:spLocks noGrp="1"/>
+          </p:cNvSpPr>
+          <p:nvPr>
+            <p:ph type="title"/>
+          </p:nvPr>
+        </p:nvSpPr>
+        <p:spPr>
+          <a:noFill/>
+          <a:ln w="9525">
+            <a:noFill/>
+            <a:miter lim="800000"/>
+            <a:headEnd/>
+            <a:tailEnd/>
+          </a:ln>
+        </p:spPr>
+        <p:txBody>
+          <a:bodyPr vert="horz" wrap="square" lIns="45720" tIns="45720" rIns="45720" bIns="45720" numCol="1" anchor="ctr" anchorCtr="0" compatLnSpc="1">
+            <a:prstTxWarp prst="textNoShape">
+              <a:avLst/>
+            </a:prstTxWarp>
+          </a:bodyPr>
+          <a:lstStyle/>
+          <a:p>
+            <a:r>
+              <a:rPr lang="pt-BR" dirty="0" smtClean="0"/>
+              <a:t>Introdução</a:t>
+            </a:r>
+            <a:endParaRPr lang="pt-BR" dirty="0"/>
+          </a:p>
+        </p:txBody>
+      </p:sp>
+      <p:sp>
+        <p:nvSpPr>
+          <p:cNvPr id="3" name="Espaço Reservado para Conteúdo 2"/>
+          <p:cNvSpPr>
+            <a:spLocks noGrp="1"/>
+          </p:cNvSpPr>
+          <p:nvPr>
+            <p:ph idx="1"/>
+          </p:nvPr>
+        </p:nvSpPr>
+        <p:spPr/>
+        <p:txBody>
+          <a:bodyPr/>
+          <a:lstStyle/>
+          <a:p>
+            <a:pPr>
+              <a:spcBef>
+                <a:spcPts val="3000"/>
+              </a:spcBef>
+            </a:pPr>
+            <a:r>
+              <a:rPr lang="pt-BR" dirty="0" smtClean="0"/>
+              <a:t>Os </a:t>
+            </a:r>
+            <a:r>
+              <a:rPr lang="pt-BR" dirty="0" err="1" smtClean="0"/>
+              <a:t>arrays</a:t>
+            </a:r>
+            <a:r>
+              <a:rPr lang="pt-BR" dirty="0" smtClean="0"/>
+              <a:t> são estruturas de dados simples para armazenamento de conjuntos de informações</a:t>
+            </a:r>
+          </a:p>
+          <a:p>
+            <a:pPr>
+              <a:spcBef>
+                <a:spcPts val="3000"/>
+              </a:spcBef>
+            </a:pPr>
+            <a:r>
+              <a:rPr lang="pt-BR" dirty="0" smtClean="0"/>
+              <a:t>São bem eficientes, porém possuem limitações:</a:t>
+            </a:r>
+          </a:p>
+          <a:p>
+            <a:pPr lvl="1">
+              <a:spcBef>
+                <a:spcPts val="1200"/>
+              </a:spcBef>
+            </a:pPr>
+            <a:r>
+              <a:rPr lang="pt-BR" dirty="0" err="1" smtClean="0"/>
+              <a:t>Arrays</a:t>
+            </a:r>
+            <a:r>
+              <a:rPr lang="pt-BR" dirty="0" smtClean="0"/>
+              <a:t> possuem tamanho fixo</a:t>
+            </a:r>
+          </a:p>
+          <a:p>
+            <a:pPr lvl="1">
+              <a:spcBef>
+                <a:spcPts val="1200"/>
+              </a:spcBef>
+            </a:pPr>
+            <a:r>
+              <a:rPr lang="pt-BR" dirty="0" err="1" smtClean="0"/>
+              <a:t>Arrays</a:t>
+            </a:r>
+            <a:r>
+              <a:rPr lang="pt-BR" dirty="0" smtClean="0"/>
+              <a:t> não possuem nenhum mecanismo automático de classificação (</a:t>
+            </a:r>
+            <a:r>
+              <a:rPr lang="pt-BR" dirty="0" err="1" smtClean="0"/>
+              <a:t>sort</a:t>
+            </a:r>
+            <a:r>
+              <a:rPr lang="pt-BR" dirty="0" smtClean="0"/>
+              <a:t>)</a:t>
+            </a:r>
+            <a:endParaRPr lang="pt-BR" dirty="0"/>
+          </a:p>
+        </p:txBody>
+      </p:sp>
+      <p:sp>
+        <p:nvSpPr>
+          <p:cNvPr id="4" name="Espaço Reservado para Número de Slide 3"/>
+          <p:cNvSpPr>
+            <a:spLocks noGrp="1"/>
+          </p:cNvSpPr>
+          <p:nvPr>
+            <p:ph type="sldNum" sz="quarter" idx="12"/>
+          </p:nvPr>
+        </p:nvSpPr>
+        <p:spPr/>
+        <p:txBody>
+          <a:bodyPr/>
+          <a:lstStyle/>
+          <a:p>
+            <a:pPr>
+              <a:defRPr/>
+            </a:pPr>
+            <a:fld id="{7E263EA5-71DF-4638-BC15-81D6FFD3C7EB}" type="slidenum">
+              <a:rPr lang="pt-BR" smtClean="0"/>
+              <a:pPr>
+                <a:defRPr/>
+              </a:pPr>
+              <a:t>3</a:t>
+            </a:fld>
+            <a:endParaRPr lang="pt-BR"/>
+          </a:p>
+        </p:txBody>
+      </p:sp>
+    </p:spTree>
+  </p:cSld>
+  <p:clrMapOvr>
+    <a:masterClrMapping/>
+  </p:clrMapOvr>
+  <p:timing>
+    <p:tnLst>
+      <p:par>
+        <p:cTn id="1" dur="indefinite" restart="never" nodeType="tmRoot"/>
+      </p:par>
+    </p:tnLst>
+  </p:timing>
+</p:sld>
+</file>
+
+<file path=ppt/slides/slide30.xml><?xml version="1.0" encoding="utf-8"?>
+<p:sld xmlns:a="http://schemas.openxmlformats.org/drawingml/2006/main" xmlns:r="http://schemas.openxmlformats.org/officeDocument/2006/relationships" xmlns:p="http://schemas.openxmlformats.org/presentationml/2006/main">
+  <p:cSld>
+    <p:spTree>
+      <p:nvGrpSpPr>
+        <p:cNvPr id="1" name=""/>
+        <p:cNvGrpSpPr/>
+        <p:nvPr/>
+      </p:nvGrpSpPr>
+      <p:grpSpPr>
+        <a:xfrm>
+          <a:off x="0" y="0"/>
+          <a:ext cx="0" cy="0"/>
+          <a:chOff x="0" y="0"/>
+          <a:chExt cx="0" cy="0"/>
+        </a:xfrm>
+      </p:grpSpPr>
+      <p:sp>
+        <p:nvSpPr>
+          <p:cNvPr id="18434" name="Título 1"/>
+          <p:cNvSpPr>
+            <a:spLocks noGrp="1"/>
+          </p:cNvSpPr>
+          <p:nvPr>
+            <p:ph type="title"/>
+          </p:nvPr>
+        </p:nvSpPr>
+        <p:spPr>
+          <a:noFill/>
+          <a:ln w="9525">
+            <a:noFill/>
+            <a:miter lim="800000"/>
+            <a:headEnd/>
+            <a:tailEnd/>
+          </a:ln>
+        </p:spPr>
+        <p:txBody>
+          <a:bodyPr vert="horz" wrap="square" lIns="45720" tIns="45720" rIns="45720" bIns="45720" numCol="1" anchor="ctr" anchorCtr="0" compatLnSpc="1">
+            <a:prstTxWarp prst="textNoShape">
+              <a:avLst/>
+            </a:prstTxWarp>
+          </a:bodyPr>
+          <a:lstStyle/>
+          <a:p>
+            <a:r>
+              <a:rPr lang="pt-BR" dirty="0" err="1" smtClean="0"/>
+              <a:t>Map</a:t>
+            </a:r>
+            <a:endParaRPr lang="pt-BR" dirty="0" smtClean="0"/>
+          </a:p>
+        </p:txBody>
+      </p:sp>
+      <p:sp>
+        <p:nvSpPr>
+          <p:cNvPr id="18435" name="Espaço Reservado para Conteúdo 2"/>
+          <p:cNvSpPr>
+            <a:spLocks noGrp="1"/>
+          </p:cNvSpPr>
+          <p:nvPr>
+            <p:ph idx="1"/>
+          </p:nvPr>
+        </p:nvSpPr>
+        <p:spPr>
+          <a:xfrm>
+            <a:off x="457200" y="1600200"/>
+            <a:ext cx="7859216" cy="4525963"/>
+          </a:xfrm>
+        </p:spPr>
+        <p:txBody>
+          <a:bodyPr/>
+          <a:lstStyle/>
+          <a:p>
+            <a:r>
+              <a:rPr lang="pt-BR" dirty="0" smtClean="0"/>
+              <a:t>Conjunto de dados indexados semelhante a uma lista (</a:t>
+            </a:r>
+            <a:r>
+              <a:rPr lang="pt-BR" dirty="0" err="1" smtClean="0"/>
+              <a:t>List</a:t>
+            </a:r>
+            <a:r>
+              <a:rPr lang="pt-BR" dirty="0" smtClean="0"/>
+              <a:t>).</a:t>
+            </a:r>
+          </a:p>
+          <a:p>
+            <a:pPr lvl="1">
+              <a:spcBef>
+                <a:spcPts val="3000"/>
+              </a:spcBef>
+              <a:spcAft>
+                <a:spcPts val="3000"/>
+              </a:spcAft>
+            </a:pPr>
+            <a:r>
+              <a:rPr lang="pt-BR" dirty="0" smtClean="0"/>
+              <a:t>Assim como os outros conjuntos visto neste capítulo, o </a:t>
+            </a:r>
+            <a:r>
+              <a:rPr lang="pt-BR" dirty="0" err="1" smtClean="0"/>
+              <a:t>map</a:t>
+            </a:r>
+            <a:r>
+              <a:rPr lang="pt-BR" dirty="0" smtClean="0"/>
+              <a:t> possui tamanho dinâmico. Pode ser aumentado e diminuído</a:t>
+            </a:r>
+          </a:p>
+          <a:p>
+            <a:pPr lvl="1">
+              <a:buNone/>
+            </a:pPr>
+            <a:r>
+              <a:rPr lang="pt-BR" dirty="0" smtClean="0"/>
+              <a:t>Porém...</a:t>
+            </a:r>
+          </a:p>
+          <a:p>
+            <a:pPr lvl="1">
+              <a:spcBef>
+                <a:spcPts val="3000"/>
+              </a:spcBef>
+              <a:spcAft>
+                <a:spcPts val="3000"/>
+              </a:spcAft>
+            </a:pPr>
+            <a:r>
+              <a:rPr lang="pt-BR" dirty="0" smtClean="0"/>
+              <a:t>Também possui índices (chaves), mas estes podem ser Strings ou quaisquer outros objetos.</a:t>
+            </a:r>
+          </a:p>
+        </p:txBody>
+      </p:sp>
+      <p:sp>
+        <p:nvSpPr>
+          <p:cNvPr id="4" name="Espaço Reservado para Número de Slide 3"/>
+          <p:cNvSpPr>
+            <a:spLocks noGrp="1"/>
+          </p:cNvSpPr>
+          <p:nvPr>
+            <p:ph type="sldNum" sz="quarter" idx="12"/>
+          </p:nvPr>
+        </p:nvSpPr>
+        <p:spPr/>
+        <p:txBody>
+          <a:bodyPr/>
+          <a:lstStyle/>
+          <a:p>
+            <a:pPr>
+              <a:defRPr/>
+            </a:pPr>
+            <a:fld id="{7E263EA5-71DF-4638-BC15-81D6FFD3C7EB}" type="slidenum">
+              <a:rPr lang="pt-BR" smtClean="0"/>
+              <a:pPr>
+                <a:defRPr/>
+              </a:pPr>
+              <a:t>30</a:t>
+            </a:fld>
+            <a:endParaRPr lang="pt-BR"/>
+          </a:p>
+        </p:txBody>
+      </p:sp>
+    </p:spTree>
+  </p:cSld>
+  <p:clrMapOvr>
+    <a:masterClrMapping/>
+  </p:clrMapOvr>
+  <p:timing>
+    <p:tnLst>
+      <p:par>
+        <p:cTn id="1" dur="indefinite" restart="never" nodeType="tmRoot"/>
+      </p:par>
+    </p:tnLst>
+  </p:timing>
+</p:sld>
+</file>
+
+<file path=ppt/slides/slide31.xml><?xml version="1.0" encoding="utf-8"?>
+<p:sld xmlns:a="http://schemas.openxmlformats.org/drawingml/2006/main" xmlns:r="http://schemas.openxmlformats.org/officeDocument/2006/relationships" xmlns:p="http://schemas.openxmlformats.org/presentationml/2006/main">
+  <p:cSld>
+    <p:spTree>
+      <p:nvGrpSpPr>
+        <p:cNvPr id="1" name=""/>
+        <p:cNvGrpSpPr/>
+        <p:nvPr/>
+      </p:nvGrpSpPr>
+      <p:grpSpPr>
+        <a:xfrm>
+          <a:off x="0" y="0"/>
+          <a:ext cx="0" cy="0"/>
+          <a:chOff x="0" y="0"/>
+          <a:chExt cx="0" cy="0"/>
+        </a:xfrm>
+      </p:grpSpPr>
+      <p:sp>
+        <p:nvSpPr>
+          <p:cNvPr id="9218" name="Título 1"/>
+          <p:cNvSpPr>
+            <a:spLocks noGrp="1"/>
+          </p:cNvSpPr>
+          <p:nvPr>
+            <p:ph type="title"/>
+          </p:nvPr>
+        </p:nvSpPr>
+        <p:spPr>
+          <a:xfrm>
+            <a:off x="457200" y="274638"/>
+            <a:ext cx="8075240" cy="1143000"/>
+          </a:xfrm>
+          <a:noFill/>
+          <a:ln w="9525">
+            <a:noFill/>
+            <a:miter lim="800000"/>
+            <a:headEnd/>
+            <a:tailEnd/>
+          </a:ln>
+        </p:spPr>
+        <p:txBody>
+          <a:bodyPr vert="horz" wrap="square" lIns="45720" tIns="45720" rIns="45720" bIns="45720" numCol="1" anchor="ctr" anchorCtr="0" compatLnSpc="1">
+            <a:prstTxWarp prst="textNoShape">
+              <a:avLst/>
+            </a:prstTxWarp>
+          </a:bodyPr>
+          <a:lstStyle/>
+          <a:p>
+            <a:r>
+              <a:rPr lang="pt-BR" dirty="0" err="1" smtClean="0"/>
+              <a:t>Map</a:t>
+            </a:r>
+            <a:endParaRPr lang="pt-BR" dirty="0" smtClean="0"/>
+          </a:p>
+        </p:txBody>
+      </p:sp>
+      <p:sp>
+        <p:nvSpPr>
+          <p:cNvPr id="15" name="Espaço Reservado para Número de Slide 14"/>
+          <p:cNvSpPr>
+            <a:spLocks noGrp="1"/>
+          </p:cNvSpPr>
+          <p:nvPr>
+            <p:ph type="sldNum" sz="quarter" idx="12"/>
+          </p:nvPr>
+        </p:nvSpPr>
+        <p:spPr/>
+        <p:txBody>
+          <a:bodyPr/>
+          <a:lstStyle/>
+          <a:p>
+            <a:pPr>
+              <a:defRPr/>
+            </a:pPr>
+            <a:fld id="{7E263EA5-71DF-4638-BC15-81D6FFD3C7EB}" type="slidenum">
+              <a:rPr lang="pt-BR" smtClean="0"/>
+              <a:pPr>
+                <a:defRPr/>
+              </a:pPr>
+              <a:t>31</a:t>
             </a:fld>
             <a:endParaRPr lang="pt-BR"/>
           </a:p>
@@ -16829,7 +20453,7 @@
 </p:sld>
 </file>
 
-<file path=ppt/slides/slide25.xml><?xml version="1.0" encoding="utf-8"?>
+<file path=ppt/slides/slide32.xml><?xml version="1.0" encoding="utf-8"?>
 <p:sld xmlns:a="http://schemas.openxmlformats.org/drawingml/2006/main" xmlns:r="http://schemas.openxmlformats.org/officeDocument/2006/relationships" xmlns:p="http://schemas.openxmlformats.org/presentationml/2006/main">
   <p:cSld>
     <p:spTree>
@@ -16908,7 +20532,7 @@
               <a:pPr>
                 <a:defRPr/>
               </a:pPr>
-              <a:t>25</a:t>
+              <a:t>32</a:t>
             </a:fld>
             <a:endParaRPr lang="pt-BR"/>
           </a:p>
@@ -17994,7 +21618,7 @@
 </p:sld>
 </file>
 
-<file path=ppt/slides/slide26.xml><?xml version="1.0" encoding="utf-8"?>
+<file path=ppt/slides/slide33.xml><?xml version="1.0" encoding="utf-8"?>
 <p:sld xmlns:a="http://schemas.openxmlformats.org/drawingml/2006/main" xmlns:r="http://schemas.openxmlformats.org/officeDocument/2006/relationships" xmlns:p="http://schemas.openxmlformats.org/presentationml/2006/main">
   <p:cSld>
     <p:spTree>
@@ -18073,7 +21697,7 @@
               <a:pPr>
                 <a:defRPr/>
               </a:pPr>
-              <a:t>26</a:t>
+              <a:t>33</a:t>
             </a:fld>
             <a:endParaRPr lang="pt-BR"/>
           </a:p>
@@ -18805,7 +22429,7 @@
 </p:sld>
 </file>
 
-<file path=ppt/slides/slide27.xml><?xml version="1.0" encoding="utf-8"?>
+<file path=ppt/slides/slide34.xml><?xml version="1.0" encoding="utf-8"?>
 <p:sld xmlns:a="http://schemas.openxmlformats.org/drawingml/2006/main" xmlns:r="http://schemas.openxmlformats.org/officeDocument/2006/relationships" xmlns:p="http://schemas.openxmlformats.org/presentationml/2006/main">
   <p:cSld>
     <p:spTree>
@@ -19095,7 +22719,7 @@
               <a:pPr>
                 <a:defRPr/>
               </a:pPr>
-              <a:t>27</a:t>
+              <a:t>34</a:t>
             </a:fld>
             <a:endParaRPr lang="pt-BR"/>
           </a:p>
@@ -19116,7 +22740,7 @@
 </p:sld>
 </file>
 
-<file path=ppt/slides/slide28.xml><?xml version="1.0" encoding="utf-8"?>
+<file path=ppt/slides/slide35.xml><?xml version="1.0" encoding="utf-8"?>
 <p:sld xmlns:a="http://schemas.openxmlformats.org/drawingml/2006/main" xmlns:r="http://schemas.openxmlformats.org/officeDocument/2006/relationships" xmlns:p="http://schemas.openxmlformats.org/presentationml/2006/main">
   <p:cSld>
     <p:spTree>
@@ -19711,7 +23335,7 @@
               <a:pPr>
                 <a:defRPr/>
               </a:pPr>
-              <a:t>28</a:t>
+              <a:t>35</a:t>
             </a:fld>
             <a:endParaRPr lang="pt-BR"/>
           </a:p>
@@ -20015,7 +23639,7 @@
 </p:sld>
 </file>
 
-<file path=ppt/slides/slide29.xml><?xml version="1.0" encoding="utf-8"?>
+<file path=ppt/slides/slide36.xml><?xml version="1.0" encoding="utf-8"?>
 <p:sld xmlns:a="http://schemas.openxmlformats.org/drawingml/2006/main" xmlns:r="http://schemas.openxmlformats.org/officeDocument/2006/relationships" xmlns:p="http://schemas.openxmlformats.org/presentationml/2006/main">
   <p:cSld>
     <p:spTree>
@@ -20649,7 +24273,7 @@
               <a:pPr>
                 <a:defRPr/>
               </a:pPr>
-              <a:t>29</a:t>
+              <a:t>36</a:t>
             </a:fld>
             <a:endParaRPr lang="pt-BR"/>
           </a:p>
@@ -20670,189 +24294,7 @@
 </p:sld>
 </file>
 
-<file path=ppt/slides/slide3.xml><?xml version="1.0" encoding="utf-8"?>
-<p:sld xmlns:a="http://schemas.openxmlformats.org/drawingml/2006/main" xmlns:r="http://schemas.openxmlformats.org/officeDocument/2006/relationships" xmlns:p="http://schemas.openxmlformats.org/presentationml/2006/main">
-  <p:cSld>
-    <p:spTree>
-      <p:nvGrpSpPr>
-        <p:cNvPr id="1" name=""/>
-        <p:cNvGrpSpPr/>
-        <p:nvPr/>
-      </p:nvGrpSpPr>
-      <p:grpSpPr>
-        <a:xfrm>
-          <a:off x="0" y="0"/>
-          <a:ext cx="0" cy="0"/>
-          <a:chOff x="0" y="0"/>
-          <a:chExt cx="0" cy="0"/>
-        </a:xfrm>
-      </p:grpSpPr>
-      <p:sp>
-        <p:nvSpPr>
-          <p:cNvPr id="2" name="Título 1"/>
-          <p:cNvSpPr>
-            <a:spLocks noGrp="1"/>
-          </p:cNvSpPr>
-          <p:nvPr>
-            <p:ph type="title"/>
-          </p:nvPr>
-        </p:nvSpPr>
-        <p:spPr>
-          <a:noFill/>
-          <a:ln w="9525">
-            <a:noFill/>
-            <a:miter lim="800000"/>
-            <a:headEnd/>
-            <a:tailEnd/>
-          </a:ln>
-        </p:spPr>
-        <p:txBody>
-          <a:bodyPr vert="horz" wrap="square" lIns="45720" tIns="45720" rIns="45720" bIns="45720" numCol="1" anchor="ctr" anchorCtr="0" compatLnSpc="1">
-            <a:prstTxWarp prst="textNoShape">
-              <a:avLst/>
-            </a:prstTxWarp>
-          </a:bodyPr>
-          <a:lstStyle/>
-          <a:p>
-            <a:r>
-              <a:rPr lang="pt-BR" dirty="0" smtClean="0"/>
-              <a:t>Introdução</a:t>
-            </a:r>
-            <a:endParaRPr lang="pt-BR" dirty="0"/>
-          </a:p>
-        </p:txBody>
-      </p:sp>
-      <p:sp>
-        <p:nvSpPr>
-          <p:cNvPr id="3" name="Espaço Reservado para Conteúdo 2"/>
-          <p:cNvSpPr>
-            <a:spLocks noGrp="1"/>
-          </p:cNvSpPr>
-          <p:nvPr>
-            <p:ph idx="1"/>
-          </p:nvPr>
-        </p:nvSpPr>
-        <p:spPr/>
-        <p:txBody>
-          <a:bodyPr/>
-          <a:lstStyle/>
-          <a:p>
-            <a:pPr>
-              <a:spcBef>
-                <a:spcPts val="3000"/>
-              </a:spcBef>
-            </a:pPr>
-            <a:r>
-              <a:rPr lang="pt-BR" dirty="0" smtClean="0"/>
-              <a:t>Os </a:t>
-            </a:r>
-            <a:r>
-              <a:rPr lang="pt-BR" dirty="0" err="1" smtClean="0"/>
-              <a:t>arrays</a:t>
-            </a:r>
-            <a:r>
-              <a:rPr lang="pt-BR" dirty="0" smtClean="0"/>
-              <a:t> são estruturas de dados simples para armazenamento de conjuntos de informações</a:t>
-            </a:r>
-          </a:p>
-          <a:p>
-            <a:pPr>
-              <a:spcBef>
-                <a:spcPts val="3000"/>
-              </a:spcBef>
-            </a:pPr>
-            <a:r>
-              <a:rPr lang="pt-BR" dirty="0" smtClean="0"/>
-              <a:t>São bem eficientes, porém possuem limitações:</a:t>
-            </a:r>
-          </a:p>
-          <a:p>
-            <a:pPr lvl="1">
-              <a:spcBef>
-                <a:spcPts val="1200"/>
-              </a:spcBef>
-            </a:pPr>
-            <a:r>
-              <a:rPr lang="pt-BR" dirty="0" err="1" smtClean="0"/>
-              <a:t>Arrays</a:t>
-            </a:r>
-            <a:r>
-              <a:rPr lang="pt-BR" dirty="0" smtClean="0"/>
-              <a:t> possuem tamanho </a:t>
-            </a:r>
-            <a:r>
-              <a:rPr lang="pt-BR" dirty="0" smtClean="0"/>
-              <a:t>fixo. Não podem ser aumentados nem diminuídos.</a:t>
-            </a:r>
-            <a:endParaRPr lang="pt-BR" dirty="0" smtClean="0"/>
-          </a:p>
-          <a:p>
-            <a:pPr lvl="1">
-              <a:spcBef>
-                <a:spcPts val="1200"/>
-              </a:spcBef>
-            </a:pPr>
-            <a:r>
-              <a:rPr lang="pt-BR" dirty="0" err="1" smtClean="0"/>
-              <a:t>Arrays</a:t>
-            </a:r>
-            <a:r>
-              <a:rPr lang="pt-BR" dirty="0" smtClean="0"/>
-              <a:t> não possuem nenhum mecanismo </a:t>
-            </a:r>
-            <a:r>
-              <a:rPr lang="pt-BR" dirty="0" smtClean="0"/>
-              <a:t>que evitam duplicidade.</a:t>
-            </a:r>
-            <a:endParaRPr lang="pt-BR" dirty="0"/>
-          </a:p>
-        </p:txBody>
-      </p:sp>
-      <p:sp>
-        <p:nvSpPr>
-          <p:cNvPr id="4" name="Espaço Reservado para Número de Slide 3"/>
-          <p:cNvSpPr>
-            <a:spLocks noGrp="1"/>
-          </p:cNvSpPr>
-          <p:nvPr>
-            <p:ph type="sldNum" sz="quarter" idx="12"/>
-          </p:nvPr>
-        </p:nvSpPr>
-        <p:spPr/>
-        <p:txBody>
-          <a:bodyPr/>
-          <a:lstStyle/>
-          <a:p>
-            <a:pPr>
-              <a:defRPr/>
-            </a:pPr>
-            <a:fld id="{7E263EA5-71DF-4638-BC15-81D6FFD3C7EB}" type="slidenum">
-              <a:rPr lang="pt-BR" smtClean="0"/>
-              <a:pPr>
-                <a:defRPr/>
-              </a:pPr>
-              <a:t>3</a:t>
-            </a:fld>
-            <a:endParaRPr lang="pt-BR"/>
-          </a:p>
-        </p:txBody>
-      </p:sp>
-    </p:spTree>
-  </p:cSld>
-  <p:clrMapOvr>
-    <a:masterClrMapping/>
-  </p:clrMapOvr>
-  <p:timing>
-    <p:tnLst>
-      <p:par>
-        <p:cTn id="1" dur="indefinite" restart="never" nodeType="tmRoot"/>
-      </p:par>
-    </p:tnLst>
-  </p:timing>
-</p:sld>
-</file>
-
-<file path=ppt/slides/slide30.xml><?xml version="1.0" encoding="utf-8"?>
+<file path=ppt/slides/slide37.xml><?xml version="1.0" encoding="utf-8"?>
 <p:sld xmlns:a="http://schemas.openxmlformats.org/drawingml/2006/main" xmlns:r="http://schemas.openxmlformats.org/officeDocument/2006/relationships" xmlns:p="http://schemas.openxmlformats.org/presentationml/2006/main">
   <p:cSld>
     <p:spTree>
@@ -21145,7 +24587,7 @@
               <a:pPr>
                 <a:defRPr/>
               </a:pPr>
-              <a:t>30</a:t>
+              <a:t>37</a:t>
             </a:fld>
             <a:endParaRPr lang="pt-BR"/>
           </a:p>
@@ -21468,7 +24910,7 @@
 </p:sld>
 </file>
 
-<file path=ppt/slides/slide31.xml><?xml version="1.0" encoding="utf-8"?>
+<file path=ppt/slides/slide38.xml><?xml version="1.0" encoding="utf-8"?>
 <p:sld xmlns:a="http://schemas.openxmlformats.org/drawingml/2006/main" xmlns:r="http://schemas.openxmlformats.org/officeDocument/2006/relationships" xmlns:p="http://schemas.openxmlformats.org/presentationml/2006/main">
   <p:cSld>
     <p:spTree>
@@ -21635,7 +25077,7 @@
               <a:pPr>
                 <a:defRPr/>
               </a:pPr>
-              <a:t>31</a:t>
+              <a:t>38</a:t>
             </a:fld>
             <a:endParaRPr lang="pt-BR"/>
           </a:p>
@@ -21656,7 +25098,7 @@
 </p:sld>
 </file>
 
-<file path=ppt/slides/slide32.xml><?xml version="1.0" encoding="utf-8"?>
+<file path=ppt/slides/slide39.xml><?xml version="1.0" encoding="utf-8"?>
 <p:sld xmlns:a="http://schemas.openxmlformats.org/drawingml/2006/main" xmlns:r="http://schemas.openxmlformats.org/officeDocument/2006/relationships" xmlns:p="http://schemas.openxmlformats.org/presentationml/2006/main">
   <p:cSld>
     <p:spTree>
@@ -21712,7 +25154,7 @@
           </p:nvPr>
         </p:nvGraphicFramePr>
         <p:xfrm>
-          <a:off x="4044574" y="1714488"/>
+          <a:off x="3643306" y="1714488"/>
           <a:ext cx="1275624" cy="1005840"/>
         </p:xfrm>
         <a:graphic>
@@ -21977,7 +25419,7 @@
           <p:nvPr/>
         </p:nvGraphicFramePr>
         <p:xfrm>
-          <a:off x="5830524" y="2428868"/>
+          <a:off x="5429256" y="2428868"/>
           <a:ext cx="1000132" cy="457200"/>
         </p:xfrm>
         <a:graphic>
@@ -22124,7 +25566,7 @@
           </p:nvPr>
         </p:nvGraphicFramePr>
         <p:xfrm>
-          <a:off x="2472938" y="2428868"/>
+          <a:off x="2071670" y="2428868"/>
           <a:ext cx="1071570" cy="868680"/>
         </p:xfrm>
         <a:graphic>
@@ -22307,6 +25749,218 @@
           </a:graphicData>
         </a:graphic>
       </p:graphicFrame>
+      <p:graphicFrame>
+        <p:nvGraphicFramePr>
+          <p:cNvPr id="8" name="Espaço Reservado para Conteúdo 4"/>
+          <p:cNvGraphicFramePr>
+            <a:graphicFrameLocks/>
+          </p:cNvGraphicFramePr>
+          <p:nvPr/>
+        </p:nvGraphicFramePr>
+        <p:xfrm>
+          <a:off x="4214810" y="3357562"/>
+          <a:ext cx="1767710" cy="1202432"/>
+        </p:xfrm>
+        <a:graphic>
+          <a:graphicData uri="http://schemas.openxmlformats.org/drawingml/2006/table">
+            <a:tbl>
+              <a:tblPr firstRow="1" bandRow="1">
+                <a:tableStyleId>{5C22544A-7EE6-4342-B048-85BDC9FD1C3A}</a:tableStyleId>
+              </a:tblPr>
+              <a:tblGrid>
+                <a:gridCol w="1767710"/>
+              </a:tblGrid>
+              <a:tr h="288032">
+                <a:tc>
+                  <a:txBody>
+                    <a:bodyPr/>
+                    <a:lstStyle/>
+                    <a:p>
+                      <a:pPr marL="0" algn="ctr" rtl="0" eaLnBrk="1" latinLnBrk="0" hangingPunct="1"/>
+                      <a:r>
+                        <a:rPr kumimoji="0" lang="pt-BR" sz="900" b="1" i="1" kern="1200" dirty="0" err="1" smtClean="0">
+                          <a:solidFill>
+                            <a:srgbClr val="FFC000"/>
+                          </a:solidFill>
+                          <a:latin typeface="+mn-lt"/>
+                          <a:ea typeface="+mn-ea"/>
+                          <a:cs typeface="+mn-cs"/>
+                        </a:rPr>
+                        <a:t>SortedSet</a:t>
+                      </a:r>
+                      <a:r>
+                        <a:rPr kumimoji="0" lang="pt-BR" sz="900" b="1" i="1" kern="1200" dirty="0" smtClean="0">
+                          <a:solidFill>
+                            <a:srgbClr val="FFC000"/>
+                          </a:solidFill>
+                          <a:latin typeface="+mn-lt"/>
+                          <a:ea typeface="+mn-ea"/>
+                          <a:cs typeface="+mn-cs"/>
+                        </a:rPr>
+                        <a:t>&lt;T&gt;</a:t>
+                      </a:r>
+                      <a:endParaRPr kumimoji="0" lang="pt-BR" sz="900" b="1" i="1" kern="1200" dirty="0">
+                        <a:solidFill>
+                          <a:srgbClr val="FFC000"/>
+                        </a:solidFill>
+                        <a:latin typeface="+mn-lt"/>
+                        <a:ea typeface="+mn-ea"/>
+                        <a:cs typeface="+mn-cs"/>
+                      </a:endParaRPr>
+                    </a:p>
+                  </a:txBody>
+                  <a:tcPr>
+                    <a:lnL w="28575" cap="flat" cmpd="sng" algn="ctr">
+                      <a:solidFill>
+                        <a:srgbClr val="FFC000"/>
+                      </a:solidFill>
+                      <a:prstDash val="solid"/>
+                      <a:round/>
+                      <a:headEnd type="none" w="med" len="med"/>
+                      <a:tailEnd type="none" w="med" len="med"/>
+                    </a:lnL>
+                    <a:lnR w="28575" cap="flat" cmpd="sng" algn="ctr">
+                      <a:solidFill>
+                        <a:srgbClr val="FFC000"/>
+                      </a:solidFill>
+                      <a:prstDash val="solid"/>
+                      <a:round/>
+                      <a:headEnd type="none" w="med" len="med"/>
+                      <a:tailEnd type="none" w="med" len="med"/>
+                    </a:lnR>
+                    <a:lnT w="28575" cap="flat" cmpd="sng" algn="ctr">
+                      <a:solidFill>
+                        <a:srgbClr val="FFC000"/>
+                      </a:solidFill>
+                      <a:prstDash val="solid"/>
+                      <a:round/>
+                      <a:headEnd type="none" w="med" len="med"/>
+                      <a:tailEnd type="none" w="med" len="med"/>
+                    </a:lnT>
+                    <a:lnB w="28575" cap="flat" cmpd="sng" algn="ctr">
+                      <a:solidFill>
+                        <a:srgbClr val="FFC000"/>
+                      </a:solidFill>
+                      <a:prstDash val="solid"/>
+                      <a:round/>
+                      <a:headEnd type="none" w="med" len="med"/>
+                      <a:tailEnd type="none" w="med" len="med"/>
+                    </a:lnB>
+                    <a:noFill/>
+                  </a:tcPr>
+                </a:tc>
+              </a:tr>
+              <a:tr h="370840">
+                <a:tc>
+                  <a:txBody>
+                    <a:bodyPr/>
+                    <a:lstStyle/>
+                    <a:p>
+                      <a:r>
+                        <a:rPr lang="fr-FR" sz="900" dirty="0" smtClean="0">
+                          <a:solidFill>
+                            <a:srgbClr val="FFC000"/>
+                          </a:solidFill>
+                        </a:rPr>
+                        <a:t>comparator() : Comparator&lt;T&gt;</a:t>
+                      </a:r>
+                    </a:p>
+                    <a:p>
+                      <a:r>
+                        <a:rPr lang="fr-FR" sz="900" dirty="0" smtClean="0">
+                          <a:solidFill>
+                            <a:srgbClr val="FFC000"/>
+                          </a:solidFill>
+                        </a:rPr>
+                        <a:t>first() : T</a:t>
+                      </a:r>
+                    </a:p>
+                    <a:p>
+                      <a:r>
+                        <a:rPr lang="fr-FR" sz="900" dirty="0" smtClean="0">
+                          <a:solidFill>
+                            <a:srgbClr val="FFC000"/>
+                          </a:solidFill>
+                        </a:rPr>
+                        <a:t>last() : T</a:t>
+                      </a:r>
+                    </a:p>
+                    <a:p>
+                      <a:r>
+                        <a:rPr lang="fr-FR" sz="900" dirty="0" smtClean="0">
+                          <a:solidFill>
+                            <a:srgbClr val="FFC000"/>
+                          </a:solidFill>
+                        </a:rPr>
+                        <a:t>headSet(T) : SortedSet&lt;T&gt;</a:t>
+                      </a:r>
+                    </a:p>
+                    <a:p>
+                      <a:r>
+                        <a:rPr lang="fr-FR" sz="900" dirty="0" smtClean="0">
+                          <a:solidFill>
+                            <a:srgbClr val="FFC000"/>
+                          </a:solidFill>
+                        </a:rPr>
+                        <a:t>tailSet(T) : SortedSet&lt;T&gt;</a:t>
+                      </a:r>
+                    </a:p>
+                    <a:p>
+                      <a:r>
+                        <a:rPr lang="fr-FR" sz="900" dirty="0" smtClean="0">
+                          <a:solidFill>
+                            <a:srgbClr val="FFC000"/>
+                          </a:solidFill>
+                        </a:rPr>
+                        <a:t>subSet(T, T) : SortedSet&lt;T&gt;</a:t>
+                      </a:r>
+                    </a:p>
+                  </a:txBody>
+                  <a:tcPr>
+                    <a:lnL w="28575" cap="flat" cmpd="sng" algn="ctr">
+                      <a:solidFill>
+                        <a:srgbClr val="FFC000"/>
+                      </a:solidFill>
+                      <a:prstDash val="solid"/>
+                      <a:round/>
+                      <a:headEnd type="none" w="med" len="med"/>
+                      <a:tailEnd type="none" w="med" len="med"/>
+                    </a:lnL>
+                    <a:lnR w="28575" cap="flat" cmpd="sng" algn="ctr">
+                      <a:solidFill>
+                        <a:srgbClr val="FFC000"/>
+                      </a:solidFill>
+                      <a:prstDash val="solid"/>
+                      <a:round/>
+                      <a:headEnd type="none" w="med" len="med"/>
+                      <a:tailEnd type="none" w="med" len="med"/>
+                    </a:lnR>
+                    <a:lnT w="28575" cap="flat" cmpd="sng" algn="ctr">
+                      <a:solidFill>
+                        <a:srgbClr val="FFC000"/>
+                      </a:solidFill>
+                      <a:prstDash val="solid"/>
+                      <a:round/>
+                      <a:headEnd type="none" w="med" len="med"/>
+                      <a:tailEnd type="none" w="med" len="med"/>
+                    </a:lnT>
+                    <a:lnB w="28575" cap="flat" cmpd="sng" algn="ctr">
+                      <a:solidFill>
+                        <a:srgbClr val="FFC000"/>
+                      </a:solidFill>
+                      <a:prstDash val="solid"/>
+                      <a:round/>
+                      <a:headEnd type="none" w="med" len="med"/>
+                      <a:tailEnd type="none" w="med" len="med"/>
+                    </a:lnB>
+                    <a:noFill/>
+                  </a:tcPr>
+                </a:tc>
+              </a:tr>
+            </a:tbl>
+          </a:graphicData>
+        </a:graphic>
+      </p:graphicFrame>
       <p:sp>
         <p:nvSpPr>
           <p:cNvPr id="13" name="Espaço Reservado para Número de Slide 12"/>
@@ -22330,7 +25984,7 @@
               <a:pPr>
                 <a:defRPr/>
               </a:pPr>
-              <a:t>32</a:t>
+              <a:t>39</a:t>
             </a:fld>
             <a:endParaRPr lang="pt-BR"/>
           </a:p>
@@ -22347,7 +26001,7 @@
           </p:nvPr>
         </p:nvGraphicFramePr>
         <p:xfrm>
-          <a:off x="1115616" y="3286124"/>
+          <a:off x="714348" y="3286124"/>
           <a:ext cx="1071570" cy="992508"/>
         </p:xfrm>
         <a:graphic>
@@ -22608,7 +26262,7 @@
           </p:nvPr>
         </p:nvGraphicFramePr>
         <p:xfrm>
-          <a:off x="1115616" y="4572008"/>
+          <a:off x="714348" y="4572008"/>
           <a:ext cx="1071570" cy="997270"/>
         </p:xfrm>
         <a:graphic>
@@ -22869,7 +26523,7 @@
           </p:nvPr>
         </p:nvGraphicFramePr>
         <p:xfrm>
-          <a:off x="2973004" y="4643446"/>
+          <a:off x="2571736" y="4643446"/>
           <a:ext cx="1071570" cy="1000760"/>
         </p:xfrm>
         <a:graphic>
@@ -23141,7 +26795,7 @@
           </p:nvPr>
         </p:nvGraphicFramePr>
         <p:xfrm>
-          <a:off x="5704178" y="3502718"/>
+          <a:off x="6929454" y="3214686"/>
           <a:ext cx="1357322" cy="1126860"/>
         </p:xfrm>
         <a:graphic>
@@ -23451,7 +27105,7 @@
           </p:nvPr>
         </p:nvGraphicFramePr>
         <p:xfrm>
-          <a:off x="5704178" y="5193888"/>
+          <a:off x="6929454" y="4905856"/>
           <a:ext cx="1357322" cy="467360"/>
         </p:xfrm>
         <a:graphic>
@@ -23644,6 +27298,261 @@
           </a:graphicData>
         </a:graphic>
       </p:graphicFrame>
+      <p:graphicFrame>
+        <p:nvGraphicFramePr>
+          <p:cNvPr id="25" name="Espaço Reservado para Conteúdo 4"/>
+          <p:cNvGraphicFramePr>
+            <a:graphicFrameLocks/>
+          </p:cNvGraphicFramePr>
+          <p:nvPr/>
+        </p:nvGraphicFramePr>
+        <p:xfrm>
+          <a:off x="4214810" y="5072074"/>
+          <a:ext cx="1785950" cy="1266828"/>
+        </p:xfrm>
+        <a:graphic>
+          <a:graphicData uri="http://schemas.openxmlformats.org/drawingml/2006/table">
+            <a:tbl>
+              <a:tblPr firstRow="1" bandRow="1">
+                <a:tableStyleId>{5C22544A-7EE6-4342-B048-85BDC9FD1C3A}</a:tableStyleId>
+              </a:tblPr>
+              <a:tblGrid>
+                <a:gridCol w="1785950"/>
+              </a:tblGrid>
+              <a:tr h="142876">
+                <a:tc>
+                  <a:txBody>
+                    <a:bodyPr/>
+                    <a:lstStyle/>
+                    <a:p>
+                      <a:pPr marL="0" algn="ctr" rtl="0" eaLnBrk="1" latinLnBrk="0" hangingPunct="1"/>
+                      <a:r>
+                        <a:rPr kumimoji="0" lang="pt-BR" sz="900" b="1" i="0" kern="1200" dirty="0" smtClean="0">
+                          <a:solidFill>
+                            <a:schemeClr val="tx1"/>
+                          </a:solidFill>
+                          <a:latin typeface="+mn-lt"/>
+                          <a:ea typeface="+mn-ea"/>
+                          <a:cs typeface="+mn-cs"/>
+                        </a:rPr>
+                        <a:t>TreeSet&lt;T&gt;</a:t>
+                      </a:r>
+                      <a:endParaRPr kumimoji="0" lang="pt-BR" sz="900" b="1" i="0" kern="1200" dirty="0">
+                        <a:solidFill>
+                          <a:schemeClr val="tx1"/>
+                        </a:solidFill>
+                        <a:latin typeface="+mn-lt"/>
+                        <a:ea typeface="+mn-ea"/>
+                        <a:cs typeface="+mn-cs"/>
+                      </a:endParaRPr>
+                    </a:p>
+                  </a:txBody>
+                  <a:tcPr>
+                    <a:lnL w="28575" cap="flat" cmpd="sng" algn="ctr">
+                      <a:solidFill>
+                        <a:schemeClr val="tx1"/>
+                      </a:solidFill>
+                      <a:prstDash val="solid"/>
+                      <a:round/>
+                      <a:headEnd type="none" w="med" len="med"/>
+                      <a:tailEnd type="none" w="med" len="med"/>
+                    </a:lnL>
+                    <a:lnR w="28575" cap="flat" cmpd="sng" algn="ctr">
+                      <a:solidFill>
+                        <a:schemeClr val="tx1"/>
+                      </a:solidFill>
+                      <a:prstDash val="solid"/>
+                      <a:round/>
+                      <a:headEnd type="none" w="med" len="med"/>
+                      <a:tailEnd type="none" w="med" len="med"/>
+                    </a:lnR>
+                    <a:lnT w="28575" cap="flat" cmpd="sng" algn="ctr">
+                      <a:solidFill>
+                        <a:schemeClr val="tx1"/>
+                      </a:solidFill>
+                      <a:prstDash val="solid"/>
+                      <a:round/>
+                      <a:headEnd type="none" w="med" len="med"/>
+                      <a:tailEnd type="none" w="med" len="med"/>
+                    </a:lnT>
+                    <a:lnB w="28575" cap="flat" cmpd="sng" algn="ctr">
+                      <a:solidFill>
+                        <a:schemeClr val="tx1"/>
+                      </a:solidFill>
+                      <a:prstDash val="solid"/>
+                      <a:round/>
+                      <a:headEnd type="none" w="med" len="med"/>
+                      <a:tailEnd type="none" w="med" len="med"/>
+                    </a:lnB>
+                    <a:noFill/>
+                  </a:tcPr>
+                </a:tc>
+              </a:tr>
+              <a:tr h="123828">
+                <a:tc>
+                  <a:txBody>
+                    <a:bodyPr/>
+                    <a:lstStyle/>
+                    <a:p>
+                      <a:endParaRPr lang="fr-FR" sz="100" dirty="0" smtClean="0">
+                        <a:solidFill>
+                          <a:schemeClr val="tx1"/>
+                        </a:solidFill>
+                      </a:endParaRPr>
+                    </a:p>
+                  </a:txBody>
+                  <a:tcPr>
+                    <a:lnL w="28575" cap="flat" cmpd="sng" algn="ctr">
+                      <a:solidFill>
+                        <a:schemeClr val="tx1"/>
+                      </a:solidFill>
+                      <a:prstDash val="solid"/>
+                      <a:round/>
+                      <a:headEnd type="none" w="med" len="med"/>
+                      <a:tailEnd type="none" w="med" len="med"/>
+                    </a:lnL>
+                    <a:lnR w="28575" cap="flat" cmpd="sng" algn="ctr">
+                      <a:solidFill>
+                        <a:schemeClr val="tx1"/>
+                      </a:solidFill>
+                      <a:prstDash val="solid"/>
+                      <a:round/>
+                      <a:headEnd type="none" w="med" len="med"/>
+                      <a:tailEnd type="none" w="med" len="med"/>
+                    </a:lnR>
+                    <a:lnT w="28575" cap="flat" cmpd="sng" algn="ctr">
+                      <a:solidFill>
+                        <a:schemeClr val="tx1"/>
+                      </a:solidFill>
+                      <a:prstDash val="solid"/>
+                      <a:round/>
+                      <a:headEnd type="none" w="med" len="med"/>
+                      <a:tailEnd type="none" w="med" len="med"/>
+                    </a:lnT>
+                    <a:lnB w="28575" cap="flat" cmpd="sng" algn="ctr">
+                      <a:solidFill>
+                        <a:schemeClr val="tx1"/>
+                      </a:solidFill>
+                      <a:prstDash val="solid"/>
+                      <a:round/>
+                      <a:headEnd type="none" w="med" len="med"/>
+                      <a:tailEnd type="none" w="med" len="med"/>
+                    </a:lnB>
+                    <a:noFill/>
+                  </a:tcPr>
+                </a:tc>
+              </a:tr>
+              <a:tr h="370840">
+                <a:tc>
+                  <a:txBody>
+                    <a:bodyPr/>
+                    <a:lstStyle/>
+                    <a:p>
+                      <a:r>
+                        <a:rPr lang="fr-FR" sz="900" dirty="0" smtClean="0">
+                          <a:solidFill>
+                            <a:schemeClr val="tx1"/>
+                          </a:solidFill>
+                        </a:rPr>
+                        <a:t>comparator() : Comparator&lt;T&gt;</a:t>
+                      </a:r>
+                    </a:p>
+                    <a:p>
+                      <a:r>
+                        <a:rPr lang="fr-FR" sz="900" dirty="0" smtClean="0">
+                          <a:solidFill>
+                            <a:schemeClr val="tx1"/>
+                          </a:solidFill>
+                        </a:rPr>
+                        <a:t>first() : T</a:t>
+                      </a:r>
+                    </a:p>
+                    <a:p>
+                      <a:r>
+                        <a:rPr lang="fr-FR" sz="900" dirty="0" smtClean="0">
+                          <a:solidFill>
+                            <a:schemeClr val="tx1"/>
+                          </a:solidFill>
+                        </a:rPr>
+                        <a:t>last() : T</a:t>
+                      </a:r>
+                    </a:p>
+                    <a:p>
+                      <a:r>
+                        <a:rPr lang="fr-FR" sz="900" dirty="0" smtClean="0">
+                          <a:solidFill>
+                            <a:schemeClr val="tx1"/>
+                          </a:solidFill>
+                        </a:rPr>
+                        <a:t>headSet(T) : SortedSet&lt;T&gt;</a:t>
+                      </a:r>
+                    </a:p>
+                    <a:p>
+                      <a:r>
+                        <a:rPr lang="fr-FR" sz="900" dirty="0" smtClean="0">
+                          <a:solidFill>
+                            <a:schemeClr val="tx1"/>
+                          </a:solidFill>
+                        </a:rPr>
+                        <a:t>tailSet(T) : SortedSet&lt;T&gt;</a:t>
+                      </a:r>
+                    </a:p>
+                    <a:p>
+                      <a:r>
+                        <a:rPr lang="fr-FR" sz="900" dirty="0" smtClean="0">
+                          <a:solidFill>
+                            <a:schemeClr val="tx1"/>
+                          </a:solidFill>
+                        </a:rPr>
+                        <a:t>subSet(T, T) : SortedSet&lt;T&gt;</a:t>
+                      </a:r>
+                    </a:p>
+                  </a:txBody>
+                  <a:tcPr>
+                    <a:lnL w="28575" cap="flat" cmpd="sng" algn="ctr">
+                      <a:solidFill>
+                        <a:schemeClr val="tx1"/>
+                      </a:solidFill>
+                      <a:prstDash val="solid"/>
+                      <a:round/>
+                      <a:headEnd type="none" w="med" len="med"/>
+                      <a:tailEnd type="none" w="med" len="med"/>
+                    </a:lnL>
+                    <a:lnR w="28575" cap="flat" cmpd="sng" algn="ctr">
+                      <a:solidFill>
+                        <a:schemeClr val="tx1"/>
+                      </a:solidFill>
+                      <a:prstDash val="solid"/>
+                      <a:round/>
+                      <a:headEnd type="none" w="med" len="med"/>
+                      <a:tailEnd type="none" w="med" len="med"/>
+                    </a:lnR>
+                    <a:lnT w="28575" cap="flat" cmpd="sng" algn="ctr">
+                      <a:solidFill>
+                        <a:schemeClr val="tx1"/>
+                      </a:solidFill>
+                      <a:prstDash val="solid"/>
+                      <a:round/>
+                      <a:headEnd type="none" w="med" len="med"/>
+                      <a:tailEnd type="none" w="med" len="med"/>
+                    </a:lnT>
+                    <a:lnB w="28575" cap="flat" cmpd="sng" algn="ctr">
+                      <a:solidFill>
+                        <a:schemeClr val="tx1"/>
+                      </a:solidFill>
+                      <a:prstDash val="solid"/>
+                      <a:round/>
+                      <a:headEnd type="none" w="med" len="med"/>
+                      <a:tailEnd type="none" w="med" len="med"/>
+                    </a:lnB>
+                    <a:noFill/>
+                  </a:tcPr>
+                </a:tc>
+              </a:tr>
+            </a:tbl>
+          </a:graphicData>
+        </a:graphic>
+      </p:graphicFrame>
       <p:grpSp>
         <p:nvGrpSpPr>
           <p:cNvPr id="44" name="Group 43"/>
@@ -23652,7 +27561,7 @@
         </p:nvGrpSpPr>
         <p:grpSpPr>
           <a:xfrm>
-            <a:off x="2973004" y="2143116"/>
+            <a:off x="2571736" y="2143116"/>
             <a:ext cx="1071570" cy="285752"/>
             <a:chOff x="857224" y="2143116"/>
             <a:chExt cx="714379" cy="428628"/>
@@ -23723,7 +27632,7 @@
         </p:nvGrpSpPr>
         <p:grpSpPr>
           <a:xfrm flipH="1">
-            <a:off x="5330458" y="2143116"/>
+            <a:off x="4929190" y="2143116"/>
             <a:ext cx="1000132" cy="285752"/>
             <a:chOff x="857224" y="2143116"/>
             <a:chExt cx="714379" cy="428628"/>
@@ -23794,7 +27703,7 @@
         </p:nvGrpSpPr>
         <p:grpSpPr>
           <a:xfrm>
-            <a:off x="1687120" y="2857496"/>
+            <a:off x="1285852" y="2857496"/>
             <a:ext cx="785818" cy="428628"/>
             <a:chOff x="857224" y="2143116"/>
             <a:chExt cx="714379" cy="428628"/>
@@ -23865,7 +27774,7 @@
         </p:nvGrpSpPr>
         <p:grpSpPr>
           <a:xfrm rot="5400000" flipH="1">
-            <a:off x="1575201" y="3969547"/>
+            <a:off x="1173933" y="3969547"/>
             <a:ext cx="1795474" cy="428628"/>
             <a:chOff x="857224" y="2143116"/>
             <a:chExt cx="714379" cy="428628"/>
@@ -23936,7 +27845,7 @@
         </p:nvGrpSpPr>
         <p:grpSpPr>
           <a:xfrm>
-            <a:off x="3258755" y="3286125"/>
+            <a:off x="2857487" y="3286125"/>
             <a:ext cx="214317" cy="1347797"/>
             <a:chOff x="2857487" y="3286125"/>
             <a:chExt cx="214317" cy="1347797"/>
@@ -24027,46 +27936,117 @@
           </p:spPr>
         </p:cxnSp>
       </p:grpSp>
+      <p:grpSp>
+        <p:nvGrpSpPr>
+          <p:cNvPr id="63" name="Group 62"/>
+          <p:cNvGrpSpPr/>
+          <p:nvPr/>
+        </p:nvGrpSpPr>
+        <p:grpSpPr>
+          <a:xfrm flipH="1">
+            <a:off x="5072066" y="2928934"/>
+            <a:ext cx="714380" cy="428627"/>
+            <a:chOff x="2857487" y="3286125"/>
+            <a:chExt cx="214317" cy="1347797"/>
+          </a:xfrm>
+        </p:grpSpPr>
+        <p:cxnSp>
+          <p:nvCxnSpPr>
+            <p:cNvPr id="64" name="Conector de seta reta 22"/>
+            <p:cNvCxnSpPr>
+              <a:cxnSpLocks noChangeShapeType="1"/>
+            </p:cNvCxnSpPr>
+            <p:nvPr/>
+          </p:nvCxnSpPr>
+          <p:spPr bwMode="auto">
+            <a:xfrm rot="5400000" flipH="1" flipV="1">
+              <a:off x="2505060" y="3638552"/>
+              <a:ext cx="704856" cy="1"/>
+            </a:xfrm>
+            <a:prstGeom prst="straightConnector1">
+              <a:avLst/>
+            </a:prstGeom>
+            <a:noFill/>
+            <a:ln w="28575" algn="ctr">
+              <a:solidFill>
+                <a:srgbClr val="FFC000"/>
+              </a:solidFill>
+              <a:prstDash val="solid"/>
+              <a:round/>
+              <a:headEnd/>
+              <a:tailEnd type="triangle" w="lg" len="lg"/>
+            </a:ln>
+          </p:spPr>
+        </p:cxnSp>
+        <p:cxnSp>
+          <p:nvCxnSpPr>
+            <p:cNvPr id="65" name="Conector de seta reta 22"/>
+            <p:cNvCxnSpPr>
+              <a:cxnSpLocks noChangeShapeType="1"/>
+            </p:cNvCxnSpPr>
+            <p:nvPr/>
+          </p:nvCxnSpPr>
+          <p:spPr bwMode="auto">
+            <a:xfrm rot="10800000">
+              <a:off x="2857488" y="3989413"/>
+              <a:ext cx="214314" cy="1567"/>
+            </a:xfrm>
+            <a:prstGeom prst="straightConnector1">
+              <a:avLst/>
+            </a:prstGeom>
+            <a:noFill/>
+            <a:ln w="28575" algn="ctr">
+              <a:solidFill>
+                <a:srgbClr val="FFC000"/>
+              </a:solidFill>
+              <a:prstDash val="solid"/>
+              <a:round/>
+              <a:headEnd type="none" w="med" len="med"/>
+              <a:tailEnd type="none" w="med" len="med"/>
+            </a:ln>
+          </p:spPr>
+        </p:cxnSp>
+        <p:cxnSp>
+          <p:nvCxnSpPr>
+            <p:cNvPr id="66" name="Conector de seta reta 22"/>
+            <p:cNvCxnSpPr>
+              <a:cxnSpLocks noChangeShapeType="1"/>
+            </p:cNvCxnSpPr>
+            <p:nvPr/>
+          </p:nvCxnSpPr>
+          <p:spPr bwMode="auto">
+            <a:xfrm rot="5400000" flipH="1" flipV="1">
+              <a:off x="2755094" y="4317212"/>
+              <a:ext cx="633418" cy="2"/>
+            </a:xfrm>
+            <a:prstGeom prst="straightConnector1">
+              <a:avLst/>
+            </a:prstGeom>
+            <a:noFill/>
+            <a:ln w="28575" algn="ctr">
+              <a:solidFill>
+                <a:srgbClr val="FFC000"/>
+              </a:solidFill>
+              <a:prstDash val="solid"/>
+              <a:round/>
+              <a:headEnd type="none" w="med" len="med"/>
+              <a:tailEnd type="none" w="med" len="med"/>
+            </a:ln>
+          </p:spPr>
+        </p:cxnSp>
+      </p:grpSp>
       <p:cxnSp>
         <p:nvCxnSpPr>
-          <p:cNvPr id="76" name="Conector de seta reta 22"/>
+          <p:cNvPr id="67" name="Conector de seta reta 22"/>
           <p:cNvCxnSpPr>
             <a:cxnSpLocks noChangeShapeType="1"/>
           </p:cNvCxnSpPr>
           <p:nvPr/>
         </p:nvCxnSpPr>
         <p:spPr bwMode="auto">
-          <a:xfrm flipV="1">
-            <a:off x="6347914" y="4653136"/>
-            <a:ext cx="0" cy="543446"/>
-          </a:xfrm>
-          <a:prstGeom prst="straightConnector1">
-            <a:avLst/>
-          </a:prstGeom>
-          <a:noFill/>
-          <a:ln w="28575" algn="ctr">
-            <a:solidFill>
-              <a:schemeClr val="tx1"/>
-            </a:solidFill>
-            <a:prstDash val="solid"/>
-            <a:round/>
-            <a:headEnd/>
-            <a:tailEnd type="triangle" w="lg" len="lg"/>
-          </a:ln>
-        </p:spPr>
-      </p:cxnSp>
-      <p:cxnSp>
-        <p:nvCxnSpPr>
-          <p:cNvPr id="42" name="Conector de seta reta 22"/>
-          <p:cNvCxnSpPr>
-            <a:cxnSpLocks noChangeShapeType="1"/>
-          </p:cNvCxnSpPr>
-          <p:nvPr/>
-        </p:nvCxnSpPr>
-        <p:spPr bwMode="auto">
-          <a:xfrm flipV="1">
-            <a:off x="6341420" y="2924944"/>
-            <a:ext cx="0" cy="567680"/>
+          <a:xfrm rot="5400000" flipH="1" flipV="1">
+            <a:off x="4822033" y="4822041"/>
+            <a:ext cx="500067" cy="3"/>
           </a:xfrm>
           <a:prstGeom prst="straightConnector1">
             <a:avLst/>
@@ -24085,30 +28065,58 @@
       </p:cxnSp>
       <p:grpSp>
         <p:nvGrpSpPr>
-          <p:cNvPr id="61" name="Grupo 60"/>
+          <p:cNvPr id="70" name="Group 69"/>
           <p:cNvGrpSpPr/>
           <p:nvPr/>
         </p:nvGrpSpPr>
         <p:grpSpPr>
-          <a:xfrm>
-            <a:off x="6845476" y="2636912"/>
-            <a:ext cx="576064" cy="2790643"/>
-            <a:chOff x="6444208" y="2636912"/>
-            <a:chExt cx="576064" cy="2790643"/>
+          <a:xfrm flipH="1">
+            <a:off x="6429388" y="2643182"/>
+            <a:ext cx="1143008" cy="571504"/>
+            <a:chOff x="857224" y="2143116"/>
+            <a:chExt cx="714379" cy="428628"/>
           </a:xfrm>
         </p:grpSpPr>
         <p:cxnSp>
           <p:nvCxnSpPr>
-            <p:cNvPr id="74" name="Conector de seta reta 22"/>
+            <p:cNvPr id="71" name="Conector de seta reta 22"/>
             <p:cNvCxnSpPr>
               <a:cxnSpLocks noChangeShapeType="1"/>
             </p:cNvCxnSpPr>
             <p:nvPr/>
           </p:nvCxnSpPr>
           <p:spPr bwMode="auto">
-            <a:xfrm rot="5400000" flipH="1">
-              <a:off x="5624951" y="4032233"/>
-              <a:ext cx="2790642" cy="1"/>
+            <a:xfrm>
+              <a:off x="857224" y="2143116"/>
+              <a:ext cx="714379" cy="1"/>
+            </a:xfrm>
+            <a:prstGeom prst="straightConnector1">
+              <a:avLst/>
+            </a:prstGeom>
+            <a:noFill/>
+            <a:ln w="28575" algn="ctr">
+              <a:solidFill>
+                <a:schemeClr val="tx1"/>
+              </a:solidFill>
+              <a:prstDash val="dash"/>
+              <a:round/>
+              <a:headEnd type="none" w="med" len="med"/>
+              <a:tailEnd type="arrow" w="med" len="med"/>
+            </a:ln>
+          </p:spPr>
+        </p:cxnSp>
+        <p:cxnSp>
+          <p:nvCxnSpPr>
+            <p:cNvPr id="72" name="Conector de seta reta 22"/>
+            <p:cNvCxnSpPr>
+              <a:cxnSpLocks noChangeShapeType="1"/>
+            </p:cNvCxnSpPr>
+            <p:nvPr/>
+          </p:nvCxnSpPr>
+          <p:spPr bwMode="auto">
+            <a:xfrm rot="5400000" flipH="1" flipV="1">
+              <a:off x="643704" y="2356636"/>
+              <a:ext cx="428628" cy="1588"/>
             </a:xfrm>
             <a:prstGeom prst="straightConnector1">
               <a:avLst/>
@@ -24125,6 +28133,49 @@
             </a:ln>
           </p:spPr>
         </p:cxnSp>
+      </p:grpSp>
+      <p:grpSp>
+        <p:nvGrpSpPr>
+          <p:cNvPr id="73" name="Group 72"/>
+          <p:cNvGrpSpPr/>
+          <p:nvPr/>
+        </p:nvGrpSpPr>
+        <p:grpSpPr>
+          <a:xfrm rot="5400000" flipH="1" flipV="1">
+            <a:off x="5429256" y="3643314"/>
+            <a:ext cx="2214578" cy="785818"/>
+            <a:chOff x="857224" y="2143116"/>
+            <a:chExt cx="714379" cy="428628"/>
+          </a:xfrm>
+        </p:grpSpPr>
+        <p:cxnSp>
+          <p:nvCxnSpPr>
+            <p:cNvPr id="74" name="Conector de seta reta 22"/>
+            <p:cNvCxnSpPr>
+              <a:cxnSpLocks noChangeShapeType="1"/>
+            </p:cNvCxnSpPr>
+            <p:nvPr/>
+          </p:nvCxnSpPr>
+          <p:spPr bwMode="auto">
+            <a:xfrm>
+              <a:off x="857224" y="2143116"/>
+              <a:ext cx="714379" cy="1"/>
+            </a:xfrm>
+            <a:prstGeom prst="straightConnector1">
+              <a:avLst/>
+            </a:prstGeom>
+            <a:noFill/>
+            <a:ln w="28575" algn="ctr">
+              <a:solidFill>
+                <a:schemeClr val="tx1"/>
+              </a:solidFill>
+              <a:prstDash val="dash"/>
+              <a:round/>
+              <a:headEnd type="none" w="med" len="med"/>
+              <a:tailEnd type="arrow" w="med" len="med"/>
+            </a:ln>
+          </p:spPr>
+        </p:cxnSp>
         <p:cxnSp>
           <p:nvCxnSpPr>
             <p:cNvPr id="75" name="Conector de seta reta 22"/>
@@ -24134,9 +28185,9 @@
             <p:nvPr/>
           </p:nvCxnSpPr>
           <p:spPr bwMode="auto">
-            <a:xfrm flipV="1">
-              <a:off x="6660232" y="5421351"/>
-              <a:ext cx="360040" cy="6203"/>
+            <a:xfrm rot="5400000" flipH="1" flipV="1">
+              <a:off x="643704" y="2356636"/>
+              <a:ext cx="428628" cy="1588"/>
             </a:xfrm>
             <a:prstGeom prst="straightConnector1">
               <a:avLst/>
@@ -24153,35 +28204,35 @@
             </a:ln>
           </p:spPr>
         </p:cxnSp>
-        <p:cxnSp>
-          <p:nvCxnSpPr>
-            <p:cNvPr id="50" name="Conector de seta reta 22"/>
-            <p:cNvCxnSpPr>
-              <a:cxnSpLocks noChangeShapeType="1"/>
-            </p:cNvCxnSpPr>
-            <p:nvPr/>
-          </p:nvCxnSpPr>
-          <p:spPr bwMode="auto">
-            <a:xfrm flipH="1">
-              <a:off x="6444208" y="2636912"/>
-              <a:ext cx="576064" cy="1"/>
-            </a:xfrm>
-            <a:prstGeom prst="straightConnector1">
-              <a:avLst/>
-            </a:prstGeom>
-            <a:noFill/>
-            <a:ln w="28575" algn="ctr">
-              <a:solidFill>
-                <a:schemeClr val="tx1"/>
-              </a:solidFill>
-              <a:prstDash val="dash"/>
-              <a:round/>
-              <a:headEnd type="none" w="med" len="med"/>
-              <a:tailEnd type="arrow" w="med" len="med"/>
-            </a:ln>
-          </p:spPr>
-        </p:cxnSp>
       </p:grpSp>
+      <p:cxnSp>
+        <p:nvCxnSpPr>
+          <p:cNvPr id="76" name="Conector de seta reta 22"/>
+          <p:cNvCxnSpPr>
+            <a:cxnSpLocks noChangeShapeType="1"/>
+          </p:cNvCxnSpPr>
+          <p:nvPr/>
+        </p:nvCxnSpPr>
+        <p:spPr bwMode="auto">
+          <a:xfrm flipV="1">
+            <a:off x="7573190" y="4365104"/>
+            <a:ext cx="0" cy="543446"/>
+          </a:xfrm>
+          <a:prstGeom prst="straightConnector1">
+            <a:avLst/>
+          </a:prstGeom>
+          <a:noFill/>
+          <a:ln w="28575" algn="ctr">
+            <a:solidFill>
+              <a:schemeClr val="tx1"/>
+            </a:solidFill>
+            <a:prstDash val="solid"/>
+            <a:round/>
+            <a:headEnd/>
+            <a:tailEnd type="triangle" w="lg" len="lg"/>
+          </a:ln>
+        </p:spPr>
+      </p:cxnSp>
     </p:spTree>
   </p:cSld>
   <p:clrMapOvr>
@@ -24197,7 +28248,164 @@
 </p:sld>
 </file>
 
-<file path=ppt/slides/slide33.xml><?xml version="1.0" encoding="utf-8"?>
+<file path=ppt/slides/slide4.xml><?xml version="1.0" encoding="utf-8"?>
+<p:sld xmlns:a="http://schemas.openxmlformats.org/drawingml/2006/main" xmlns:r="http://schemas.openxmlformats.org/officeDocument/2006/relationships" xmlns:p="http://schemas.openxmlformats.org/presentationml/2006/main">
+  <p:cSld>
+    <p:spTree>
+      <p:nvGrpSpPr>
+        <p:cNvPr id="1" name=""/>
+        <p:cNvGrpSpPr/>
+        <p:nvPr/>
+      </p:nvGrpSpPr>
+      <p:grpSpPr>
+        <a:xfrm>
+          <a:off x="0" y="0"/>
+          <a:ext cx="0" cy="0"/>
+          <a:chOff x="0" y="0"/>
+          <a:chExt cx="0" cy="0"/>
+        </a:xfrm>
+      </p:grpSpPr>
+      <p:sp>
+        <p:nvSpPr>
+          <p:cNvPr id="2" name="Título 1"/>
+          <p:cNvSpPr>
+            <a:spLocks noGrp="1"/>
+          </p:cNvSpPr>
+          <p:nvPr>
+            <p:ph type="title"/>
+          </p:nvPr>
+        </p:nvSpPr>
+        <p:spPr>
+          <a:xfrm>
+            <a:off x="457200" y="274638"/>
+            <a:ext cx="8291264" cy="1143000"/>
+          </a:xfrm>
+        </p:spPr>
+        <p:txBody>
+          <a:bodyPr/>
+          <a:lstStyle/>
+          <a:p>
+            <a:r>
+              <a:rPr lang="pt-BR" sz="4000" dirty="0" smtClean="0"/>
+              <a:t>Principais operações de conjuntos</a:t>
+            </a:r>
+            <a:endParaRPr lang="pt-BR" sz="4000" dirty="0"/>
+          </a:p>
+        </p:txBody>
+      </p:sp>
+      <p:sp>
+        <p:nvSpPr>
+          <p:cNvPr id="3" name="Espaço Reservado para Conteúdo 2"/>
+          <p:cNvSpPr>
+            <a:spLocks noGrp="1"/>
+          </p:cNvSpPr>
+          <p:nvPr>
+            <p:ph idx="1"/>
+          </p:nvPr>
+        </p:nvSpPr>
+        <p:spPr>
+          <a:xfrm>
+            <a:off x="457200" y="1600200"/>
+            <a:ext cx="7643192" cy="4525963"/>
+          </a:xfrm>
+        </p:spPr>
+        <p:txBody>
+          <a:bodyPr/>
+          <a:lstStyle/>
+          <a:p>
+            <a:pPr>
+              <a:spcAft>
+                <a:spcPts val="2400"/>
+              </a:spcAft>
+            </a:pPr>
+            <a:r>
+              <a:rPr lang="pt-BR" dirty="0" smtClean="0"/>
+              <a:t>O Java possui diversas estruturas de dados, cada qual com sua particularidade que permitem:</a:t>
+            </a:r>
+          </a:p>
+          <a:p>
+            <a:pPr lvl="1"/>
+            <a:r>
+              <a:rPr lang="pt-BR" sz="2400" dirty="0" smtClean="0"/>
+              <a:t>Adicionar novos itens</a:t>
+            </a:r>
+          </a:p>
+          <a:p>
+            <a:pPr lvl="1"/>
+            <a:r>
+              <a:rPr lang="pt-BR" sz="2400" dirty="0" smtClean="0"/>
+              <a:t>Remover itens existentes</a:t>
+            </a:r>
+          </a:p>
+          <a:p>
+            <a:pPr lvl="1"/>
+            <a:r>
+              <a:rPr lang="pt-BR" sz="2400" dirty="0" smtClean="0"/>
+              <a:t>Limpar todos os item</a:t>
+            </a:r>
+          </a:p>
+          <a:p>
+            <a:pPr lvl="1"/>
+            <a:r>
+              <a:rPr lang="pt-BR" sz="2400" dirty="0" smtClean="0"/>
+              <a:t>Classificar automaticamente um conjunto de itens</a:t>
+            </a:r>
+          </a:p>
+          <a:p>
+            <a:pPr lvl="1"/>
+            <a:r>
+              <a:rPr lang="pt-BR" sz="2400" dirty="0" smtClean="0"/>
+              <a:t>Dentre outras ações</a:t>
+            </a:r>
+            <a:endParaRPr lang="pt-BR" sz="2400" dirty="0"/>
+          </a:p>
+        </p:txBody>
+      </p:sp>
+      <p:sp>
+        <p:nvSpPr>
+          <p:cNvPr id="4" name="Espaço Reservado para Número de Slide 3"/>
+          <p:cNvSpPr>
+            <a:spLocks noGrp="1"/>
+          </p:cNvSpPr>
+          <p:nvPr>
+            <p:ph type="sldNum" sz="quarter" idx="12"/>
+          </p:nvPr>
+        </p:nvSpPr>
+        <p:spPr/>
+        <p:txBody>
+          <a:bodyPr/>
+          <a:lstStyle/>
+          <a:p>
+            <a:pPr>
+              <a:defRPr/>
+            </a:pPr>
+            <a:fld id="{7E263EA5-71DF-4638-BC15-81D6FFD3C7EB}" type="slidenum">
+              <a:rPr lang="pt-BR" smtClean="0"/>
+              <a:pPr>
+                <a:defRPr/>
+              </a:pPr>
+              <a:t>4</a:t>
+            </a:fld>
+            <a:endParaRPr lang="pt-BR"/>
+          </a:p>
+        </p:txBody>
+      </p:sp>
+    </p:spTree>
+  </p:cSld>
+  <p:clrMapOvr>
+    <a:masterClrMapping/>
+  </p:clrMapOvr>
+  <p:timing>
+    <p:tnLst>
+      <p:par>
+        <p:cTn id="1" dur="indefinite" restart="never" nodeType="tmRoot"/>
+      </p:par>
+    </p:tnLst>
+  </p:timing>
+</p:sld>
+</file>
+
+<file path=ppt/slides/slide40.xml><?xml version="1.0" encoding="utf-8"?>
 <p:sld xmlns:a="http://schemas.openxmlformats.org/drawingml/2006/main" xmlns:r="http://schemas.openxmlformats.org/officeDocument/2006/relationships" xmlns:p="http://schemas.openxmlformats.org/presentationml/2006/main">
   <p:cSld>
     <p:spTree>
@@ -24260,7 +28468,7 @@
               <a:pPr>
                 <a:defRPr/>
               </a:pPr>
-              <a:t>33</a:t>
+              <a:t>40</a:t>
             </a:fld>
             <a:endParaRPr lang="pt-BR"/>
           </a:p>
@@ -24275,7 +28483,7 @@
           <p:nvPr/>
         </p:nvGraphicFramePr>
         <p:xfrm>
-          <a:off x="3942168" y="1887820"/>
+          <a:off x="3500430" y="1714488"/>
           <a:ext cx="1158398" cy="1202432"/>
         </p:xfrm>
         <a:graphic>
@@ -24501,6 +28709,321 @@
       </p:graphicFrame>
       <p:graphicFrame>
         <p:nvGraphicFramePr>
+          <p:cNvPr id="22" name="Espaço Reservado para Conteúdo 4"/>
+          <p:cNvGraphicFramePr>
+            <a:graphicFrameLocks/>
+          </p:cNvGraphicFramePr>
+          <p:nvPr/>
+        </p:nvGraphicFramePr>
+        <p:xfrm>
+          <a:off x="5929322" y="1714488"/>
+          <a:ext cx="1928826" cy="1143000"/>
+        </p:xfrm>
+        <a:graphic>
+          <a:graphicData uri="http://schemas.openxmlformats.org/drawingml/2006/table">
+            <a:tbl>
+              <a:tblPr firstRow="1" bandRow="1">
+                <a:tableStyleId>{5C22544A-7EE6-4342-B048-85BDC9FD1C3A}</a:tableStyleId>
+              </a:tblPr>
+              <a:tblGrid>
+                <a:gridCol w="1928826"/>
+              </a:tblGrid>
+              <a:tr h="218987">
+                <a:tc>
+                  <a:txBody>
+                    <a:bodyPr/>
+                    <a:lstStyle/>
+                    <a:p>
+                      <a:pPr marL="0" algn="ctr" rtl="0" eaLnBrk="1" latinLnBrk="0" hangingPunct="1"/>
+                      <a:r>
+                        <a:rPr kumimoji="0" lang="pt-BR" sz="900" b="1" i="1" kern="1200" dirty="0" err="1" smtClean="0">
+                          <a:solidFill>
+                            <a:srgbClr val="FFC000"/>
+                          </a:solidFill>
+                          <a:latin typeface="+mn-lt"/>
+                          <a:ea typeface="+mn-ea"/>
+                          <a:cs typeface="+mn-cs"/>
+                        </a:rPr>
+                        <a:t>SortedMap</a:t>
+                      </a:r>
+                      <a:r>
+                        <a:rPr kumimoji="0" lang="pt-BR" sz="900" b="1" i="1" kern="1200" dirty="0" smtClean="0">
+                          <a:solidFill>
+                            <a:srgbClr val="FFC000"/>
+                          </a:solidFill>
+                          <a:latin typeface="+mn-lt"/>
+                          <a:ea typeface="+mn-ea"/>
+                          <a:cs typeface="+mn-cs"/>
+                        </a:rPr>
+                        <a:t>&lt;K, V&gt;</a:t>
+                      </a:r>
+                      <a:endParaRPr kumimoji="0" lang="pt-BR" sz="900" b="1" i="1" kern="1200" dirty="0">
+                        <a:solidFill>
+                          <a:srgbClr val="FFC000"/>
+                        </a:solidFill>
+                        <a:latin typeface="+mn-lt"/>
+                        <a:ea typeface="+mn-ea"/>
+                        <a:cs typeface="+mn-cs"/>
+                      </a:endParaRPr>
+                    </a:p>
+                  </a:txBody>
+                  <a:tcPr>
+                    <a:lnL w="28575" cap="flat" cmpd="sng" algn="ctr">
+                      <a:solidFill>
+                        <a:srgbClr val="FFC000"/>
+                      </a:solidFill>
+                      <a:prstDash val="solid"/>
+                      <a:round/>
+                      <a:headEnd type="none" w="med" len="med"/>
+                      <a:tailEnd type="none" w="med" len="med"/>
+                    </a:lnL>
+                    <a:lnR w="28575" cap="flat" cmpd="sng" algn="ctr">
+                      <a:solidFill>
+                        <a:srgbClr val="FFC000"/>
+                      </a:solidFill>
+                      <a:prstDash val="solid"/>
+                      <a:round/>
+                      <a:headEnd type="none" w="med" len="med"/>
+                      <a:tailEnd type="none" w="med" len="med"/>
+                    </a:lnR>
+                    <a:lnT w="28575" cap="flat" cmpd="sng" algn="ctr">
+                      <a:solidFill>
+                        <a:srgbClr val="FFC000"/>
+                      </a:solidFill>
+                      <a:prstDash val="solid"/>
+                      <a:round/>
+                      <a:headEnd type="none" w="med" len="med"/>
+                      <a:tailEnd type="none" w="med" len="med"/>
+                    </a:lnT>
+                    <a:lnB w="28575" cap="flat" cmpd="sng" algn="ctr">
+                      <a:solidFill>
+                        <a:srgbClr val="FFC000"/>
+                      </a:solidFill>
+                      <a:prstDash val="solid"/>
+                      <a:round/>
+                      <a:headEnd type="none" w="med" len="med"/>
+                      <a:tailEnd type="none" w="med" len="med"/>
+                    </a:lnB>
+                    <a:noFill/>
+                  </a:tcPr>
+                </a:tc>
+              </a:tr>
+              <a:tr h="201123">
+                <a:tc>
+                  <a:txBody>
+                    <a:bodyPr/>
+                    <a:lstStyle/>
+                    <a:p>
+                      <a:r>
+                        <a:rPr kumimoji="0" lang="pt-BR" sz="900" kern="1200" dirty="0" smtClean="0">
+                          <a:solidFill>
+                            <a:srgbClr val="FFC000"/>
+                          </a:solidFill>
+                          <a:latin typeface="+mn-lt"/>
+                          <a:ea typeface="+mn-ea"/>
+                          <a:cs typeface="+mn-cs"/>
+                        </a:rPr>
+                        <a:t>comparator() : Comparator&lt;K&gt;</a:t>
+                      </a:r>
+                    </a:p>
+                    <a:p>
+                      <a:pPr marL="0" marR="0" indent="0" algn="l" defTabSz="914400" rtl="0" eaLnBrk="1" fontAlgn="auto" latinLnBrk="0" hangingPunct="1">
+                        <a:lnSpc>
+                          <a:spcPct val="100000"/>
+                        </a:lnSpc>
+                        <a:spcBef>
+                          <a:spcPts val="0"/>
+                        </a:spcBef>
+                        <a:spcAft>
+                          <a:spcPts val="0"/>
+                        </a:spcAft>
+                        <a:buClrTx/>
+                        <a:buSzTx/>
+                        <a:buFontTx/>
+                        <a:buNone/>
+                        <a:tabLst/>
+                        <a:defRPr/>
+                      </a:pPr>
+                      <a:r>
+                        <a:rPr kumimoji="0" lang="pt-BR" sz="900" kern="1200" dirty="0" smtClean="0">
+                          <a:solidFill>
+                            <a:srgbClr val="FFC000"/>
+                          </a:solidFill>
+                          <a:latin typeface="+mn-lt"/>
+                          <a:ea typeface="+mn-ea"/>
+                          <a:cs typeface="+mn-cs"/>
+                        </a:rPr>
+                        <a:t>firstKey() : K</a:t>
+                      </a:r>
+                    </a:p>
+                    <a:p>
+                      <a:pPr marL="0" marR="0" indent="0" algn="l" defTabSz="914400" rtl="0" eaLnBrk="1" fontAlgn="auto" latinLnBrk="0" hangingPunct="1">
+                        <a:lnSpc>
+                          <a:spcPct val="100000"/>
+                        </a:lnSpc>
+                        <a:spcBef>
+                          <a:spcPts val="0"/>
+                        </a:spcBef>
+                        <a:spcAft>
+                          <a:spcPts val="0"/>
+                        </a:spcAft>
+                        <a:buClrTx/>
+                        <a:buSzTx/>
+                        <a:buFontTx/>
+                        <a:buNone/>
+                        <a:tabLst/>
+                        <a:defRPr/>
+                      </a:pPr>
+                      <a:r>
+                        <a:rPr kumimoji="0" lang="pt-BR" sz="900" kern="1200" dirty="0" smtClean="0">
+                          <a:solidFill>
+                            <a:srgbClr val="FFC000"/>
+                          </a:solidFill>
+                          <a:latin typeface="+mn-lt"/>
+                          <a:ea typeface="+mn-ea"/>
+                          <a:cs typeface="+mn-cs"/>
+                        </a:rPr>
+                        <a:t>lastKey() : K</a:t>
+                      </a:r>
+                    </a:p>
+                    <a:p>
+                      <a:pPr marL="0" marR="0" indent="0" algn="l" defTabSz="914400" rtl="0" eaLnBrk="1" fontAlgn="auto" latinLnBrk="0" hangingPunct="1">
+                        <a:lnSpc>
+                          <a:spcPct val="100000"/>
+                        </a:lnSpc>
+                        <a:spcBef>
+                          <a:spcPts val="0"/>
+                        </a:spcBef>
+                        <a:spcAft>
+                          <a:spcPts val="0"/>
+                        </a:spcAft>
+                        <a:buClrTx/>
+                        <a:buSzTx/>
+                        <a:buFontTx/>
+                        <a:buNone/>
+                        <a:tabLst/>
+                        <a:defRPr/>
+                      </a:pPr>
+                      <a:r>
+                        <a:rPr kumimoji="0" lang="pt-BR" sz="900" kern="1200" dirty="0" smtClean="0">
+                          <a:solidFill>
+                            <a:srgbClr val="FFC000"/>
+                          </a:solidFill>
+                          <a:latin typeface="+mn-lt"/>
+                          <a:ea typeface="+mn-ea"/>
+                          <a:cs typeface="+mn-cs"/>
+                        </a:rPr>
+                        <a:t>headMap(K) : SortedMap&lt;K, V&gt;</a:t>
+                      </a:r>
+                    </a:p>
+                    <a:p>
+                      <a:pPr marL="0" marR="0" indent="0" algn="l" defTabSz="914400" rtl="0" eaLnBrk="1" fontAlgn="auto" latinLnBrk="0" hangingPunct="1">
+                        <a:lnSpc>
+                          <a:spcPct val="100000"/>
+                        </a:lnSpc>
+                        <a:spcBef>
+                          <a:spcPts val="0"/>
+                        </a:spcBef>
+                        <a:spcAft>
+                          <a:spcPts val="0"/>
+                        </a:spcAft>
+                        <a:buClrTx/>
+                        <a:buSzTx/>
+                        <a:buFontTx/>
+                        <a:buNone/>
+                        <a:tabLst/>
+                        <a:defRPr/>
+                      </a:pPr>
+                      <a:r>
+                        <a:rPr kumimoji="0" lang="pt-BR" sz="900" kern="1200" dirty="0" smtClean="0">
+                          <a:solidFill>
+                            <a:srgbClr val="FFC000"/>
+                          </a:solidFill>
+                          <a:latin typeface="+mn-lt"/>
+                          <a:ea typeface="+mn-ea"/>
+                          <a:cs typeface="+mn-cs"/>
+                        </a:rPr>
+                        <a:t>tailMap(K) : SortedMap&lt;K, V&gt;</a:t>
+                      </a:r>
+                    </a:p>
+                    <a:p>
+                      <a:pPr marL="0" marR="0" indent="0" algn="l" defTabSz="914400" rtl="0" eaLnBrk="1" fontAlgn="auto" latinLnBrk="0" hangingPunct="1">
+                        <a:lnSpc>
+                          <a:spcPct val="100000"/>
+                        </a:lnSpc>
+                        <a:spcBef>
+                          <a:spcPts val="0"/>
+                        </a:spcBef>
+                        <a:spcAft>
+                          <a:spcPts val="0"/>
+                        </a:spcAft>
+                        <a:buClrTx/>
+                        <a:buSzTx/>
+                        <a:buFontTx/>
+                        <a:buNone/>
+                        <a:tabLst/>
+                        <a:defRPr/>
+                      </a:pPr>
+                      <a:r>
+                        <a:rPr kumimoji="0" lang="pt-BR" sz="900" kern="1200" dirty="0" smtClean="0">
+                          <a:solidFill>
+                            <a:srgbClr val="FFC000"/>
+                          </a:solidFill>
+                          <a:latin typeface="+mn-lt"/>
+                          <a:ea typeface="+mn-ea"/>
+                          <a:cs typeface="+mn-cs"/>
+                        </a:rPr>
+                        <a:t>subMap(K, K) : SortedMap&lt;K, V&gt;</a:t>
+                      </a:r>
+                    </a:p>
+                  </a:txBody>
+                  <a:tcPr>
+                    <a:lnL w="28575" cap="flat" cmpd="sng" algn="ctr">
+                      <a:solidFill>
+                        <a:srgbClr val="FFC000"/>
+                      </a:solidFill>
+                      <a:prstDash val="solid"/>
+                      <a:round/>
+                      <a:headEnd type="none" w="med" len="med"/>
+                      <a:tailEnd type="none" w="med" len="med"/>
+                    </a:lnL>
+                    <a:lnR w="28575" cap="flat" cmpd="sng" algn="ctr">
+                      <a:solidFill>
+                        <a:srgbClr val="FFC000"/>
+                      </a:solidFill>
+                      <a:prstDash val="solid"/>
+                      <a:round/>
+                      <a:headEnd type="none" w="med" len="med"/>
+                      <a:tailEnd type="none" w="med" len="med"/>
+                    </a:lnR>
+                    <a:lnT w="28575" cap="flat" cmpd="sng" algn="ctr">
+                      <a:solidFill>
+                        <a:srgbClr val="FFC000"/>
+                      </a:solidFill>
+                      <a:prstDash val="solid"/>
+                      <a:round/>
+                      <a:headEnd type="none" w="med" len="med"/>
+                      <a:tailEnd type="none" w="med" len="med"/>
+                    </a:lnT>
+                    <a:lnB w="28575" cap="flat" cmpd="sng" algn="ctr">
+                      <a:solidFill>
+                        <a:srgbClr val="FFC000"/>
+                      </a:solidFill>
+                      <a:prstDash val="solid"/>
+                      <a:round/>
+                      <a:headEnd type="none" w="med" len="med"/>
+                      <a:tailEnd type="none" w="med" len="med"/>
+                    </a:lnB>
+                    <a:noFill/>
+                  </a:tcPr>
+                </a:tc>
+              </a:tr>
+            </a:tbl>
+          </a:graphicData>
+        </a:graphic>
+      </p:graphicFrame>
+      <p:graphicFrame>
+        <p:nvGraphicFramePr>
           <p:cNvPr id="26" name="Espaço Reservado para Conteúdo 4"/>
           <p:cNvGraphicFramePr>
             <a:graphicFrameLocks/>
@@ -24508,7 +29031,7 @@
           <p:nvPr/>
         </p:nvGraphicFramePr>
         <p:xfrm>
-          <a:off x="1727590" y="2602200"/>
+          <a:off x="1285852" y="2428868"/>
           <a:ext cx="1214446" cy="1271590"/>
         </p:xfrm>
         <a:graphic>
@@ -24784,7 +29307,7 @@
           <p:nvPr/>
         </p:nvGraphicFramePr>
         <p:xfrm>
-          <a:off x="3717594" y="4394420"/>
+          <a:off x="1071538" y="4214818"/>
           <a:ext cx="1643074" cy="1266828"/>
         </p:xfrm>
         <a:graphic>
@@ -25060,7 +29583,7 @@
           <p:nvPr/>
         </p:nvGraphicFramePr>
         <p:xfrm>
-          <a:off x="6021850" y="2594220"/>
+          <a:off x="3500430" y="3500438"/>
           <a:ext cx="1214446" cy="1266828"/>
         </p:xfrm>
         <a:graphic>
@@ -25327,6 +29850,740 @@
           </a:graphicData>
         </a:graphic>
       </p:graphicFrame>
+      <p:graphicFrame>
+        <p:nvGraphicFramePr>
+          <p:cNvPr id="29" name="Espaço Reservado para Conteúdo 4"/>
+          <p:cNvGraphicFramePr>
+            <a:graphicFrameLocks/>
+          </p:cNvGraphicFramePr>
+          <p:nvPr/>
+        </p:nvGraphicFramePr>
+        <p:xfrm>
+          <a:off x="5929322" y="3643314"/>
+          <a:ext cx="1928826" cy="2180099"/>
+        </p:xfrm>
+        <a:graphic>
+          <a:graphicData uri="http://schemas.openxmlformats.org/drawingml/2006/table">
+            <a:tbl>
+              <a:tblPr firstRow="1" bandRow="1">
+                <a:tableStyleId>{5C22544A-7EE6-4342-B048-85BDC9FD1C3A}</a:tableStyleId>
+              </a:tblPr>
+              <a:tblGrid>
+                <a:gridCol w="1928826"/>
+              </a:tblGrid>
+              <a:tr h="156866">
+                <a:tc>
+                  <a:txBody>
+                    <a:bodyPr/>
+                    <a:lstStyle/>
+                    <a:p>
+                      <a:pPr marL="0" algn="ctr" rtl="0" eaLnBrk="1" latinLnBrk="0" hangingPunct="1"/>
+                      <a:r>
+                        <a:rPr kumimoji="0" lang="pt-BR" sz="900" b="1" i="0" kern="1200" dirty="0" smtClean="0">
+                          <a:solidFill>
+                            <a:schemeClr val="tx1"/>
+                          </a:solidFill>
+                          <a:latin typeface="+mn-lt"/>
+                          <a:ea typeface="+mn-ea"/>
+                          <a:cs typeface="+mn-cs"/>
+                        </a:rPr>
+                        <a:t>TreeMap&lt;K, V&gt;</a:t>
+                      </a:r>
+                      <a:endParaRPr kumimoji="0" lang="pt-BR" sz="900" b="1" i="0" kern="1200" dirty="0">
+                        <a:solidFill>
+                          <a:schemeClr val="tx1"/>
+                        </a:solidFill>
+                        <a:latin typeface="+mn-lt"/>
+                        <a:ea typeface="+mn-ea"/>
+                        <a:cs typeface="+mn-cs"/>
+                      </a:endParaRPr>
+                    </a:p>
+                  </a:txBody>
+                  <a:tcPr>
+                    <a:lnL w="28575" cap="flat" cmpd="sng" algn="ctr">
+                      <a:solidFill>
+                        <a:schemeClr val="tx1"/>
+                      </a:solidFill>
+                      <a:prstDash val="solid"/>
+                      <a:round/>
+                      <a:headEnd type="none" w="med" len="med"/>
+                      <a:tailEnd type="none" w="med" len="med"/>
+                    </a:lnL>
+                    <a:lnR w="28575" cap="flat" cmpd="sng" algn="ctr">
+                      <a:solidFill>
+                        <a:schemeClr val="tx1"/>
+                      </a:solidFill>
+                      <a:prstDash val="solid"/>
+                      <a:round/>
+                      <a:headEnd type="none" w="med" len="med"/>
+                      <a:tailEnd type="none" w="med" len="med"/>
+                    </a:lnR>
+                    <a:lnT w="28575" cap="flat" cmpd="sng" algn="ctr">
+                      <a:solidFill>
+                        <a:schemeClr val="tx1"/>
+                      </a:solidFill>
+                      <a:prstDash val="solid"/>
+                      <a:round/>
+                      <a:headEnd type="none" w="med" len="med"/>
+                      <a:tailEnd type="none" w="med" len="med"/>
+                    </a:lnT>
+                    <a:lnB w="28575" cap="flat" cmpd="sng" algn="ctr">
+                      <a:solidFill>
+                        <a:schemeClr val="tx1"/>
+                      </a:solidFill>
+                      <a:prstDash val="solid"/>
+                      <a:round/>
+                      <a:headEnd type="none" w="med" len="med"/>
+                      <a:tailEnd type="none" w="med" len="med"/>
+                    </a:lnB>
+                    <a:noFill/>
+                  </a:tcPr>
+                </a:tc>
+              </a:tr>
+              <a:tr h="0">
+                <a:tc>
+                  <a:txBody>
+                    <a:bodyPr/>
+                    <a:lstStyle/>
+                    <a:p>
+                      <a:endParaRPr lang="en-US" sz="100" dirty="0" smtClean="0">
+                        <a:solidFill>
+                          <a:schemeClr val="tx1"/>
+                        </a:solidFill>
+                      </a:endParaRPr>
+                    </a:p>
+                  </a:txBody>
+                  <a:tcPr>
+                    <a:lnL w="28575" cap="flat" cmpd="sng" algn="ctr">
+                      <a:solidFill>
+                        <a:schemeClr val="tx1"/>
+                      </a:solidFill>
+                      <a:prstDash val="solid"/>
+                      <a:round/>
+                      <a:headEnd type="none" w="med" len="med"/>
+                      <a:tailEnd type="none" w="med" len="med"/>
+                    </a:lnL>
+                    <a:lnR w="28575" cap="flat" cmpd="sng" algn="ctr">
+                      <a:solidFill>
+                        <a:schemeClr val="tx1"/>
+                      </a:solidFill>
+                      <a:prstDash val="solid"/>
+                      <a:round/>
+                      <a:headEnd type="none" w="med" len="med"/>
+                      <a:tailEnd type="none" w="med" len="med"/>
+                    </a:lnR>
+                    <a:lnT w="28575" cap="flat" cmpd="sng" algn="ctr">
+                      <a:solidFill>
+                        <a:schemeClr val="tx1"/>
+                      </a:solidFill>
+                      <a:prstDash val="solid"/>
+                      <a:round/>
+                      <a:headEnd type="none" w="med" len="med"/>
+                      <a:tailEnd type="none" w="med" len="med"/>
+                    </a:lnT>
+                    <a:lnB w="28575" cap="flat" cmpd="sng" algn="ctr">
+                      <a:solidFill>
+                        <a:schemeClr val="tx1"/>
+                      </a:solidFill>
+                      <a:prstDash val="solid"/>
+                      <a:round/>
+                      <a:headEnd type="none" w="med" len="med"/>
+                      <a:tailEnd type="none" w="med" len="med"/>
+                    </a:lnB>
+                    <a:noFill/>
+                  </a:tcPr>
+                </a:tc>
+              </a:tr>
+              <a:tr h="1834659">
+                <a:tc>
+                  <a:txBody>
+                    <a:bodyPr/>
+                    <a:lstStyle/>
+                    <a:p>
+                      <a:r>
+                        <a:rPr lang="en-US" sz="900" dirty="0" smtClean="0">
+                          <a:solidFill>
+                            <a:schemeClr val="tx1"/>
+                          </a:solidFill>
+                        </a:rPr>
+                        <a:t>put(K, V) : V</a:t>
+                      </a:r>
+                    </a:p>
+                    <a:p>
+                      <a:r>
+                        <a:rPr lang="en-US" sz="900" dirty="0" smtClean="0">
+                          <a:solidFill>
+                            <a:schemeClr val="tx1"/>
+                          </a:solidFill>
+                        </a:rPr>
+                        <a:t>get(K) : V</a:t>
+                      </a:r>
+                    </a:p>
+                    <a:p>
+                      <a:r>
+                        <a:rPr lang="en-US" sz="900" dirty="0" smtClean="0">
+                          <a:solidFill>
+                            <a:schemeClr val="tx1"/>
+                          </a:solidFill>
+                        </a:rPr>
+                        <a:t>remove(K) : V</a:t>
+                      </a:r>
+                    </a:p>
+                    <a:p>
+                      <a:r>
+                        <a:rPr lang="en-US" sz="900" dirty="0" smtClean="0">
+                          <a:solidFill>
+                            <a:schemeClr val="tx1"/>
+                          </a:solidFill>
+                        </a:rPr>
+                        <a:t>clear() : void</a:t>
+                      </a:r>
+                    </a:p>
+                    <a:p>
+                      <a:r>
+                        <a:rPr lang="en-US" sz="900" dirty="0" smtClean="0">
+                          <a:solidFill>
+                            <a:schemeClr val="tx1"/>
+                          </a:solidFill>
+                        </a:rPr>
+                        <a:t>size() : </a:t>
+                      </a:r>
+                      <a:r>
+                        <a:rPr lang="en-US" sz="900" dirty="0" err="1" smtClean="0">
+                          <a:solidFill>
+                            <a:schemeClr val="tx1"/>
+                          </a:solidFill>
+                        </a:rPr>
+                        <a:t>int</a:t>
+                      </a:r>
+                      <a:endParaRPr lang="en-US" sz="900" dirty="0" smtClean="0">
+                        <a:solidFill>
+                          <a:schemeClr val="tx1"/>
+                        </a:solidFill>
+                      </a:endParaRPr>
+                    </a:p>
+                    <a:p>
+                      <a:r>
+                        <a:rPr lang="en-US" sz="900" dirty="0" err="1" smtClean="0">
+                          <a:solidFill>
+                            <a:schemeClr val="tx1"/>
+                          </a:solidFill>
+                        </a:rPr>
+                        <a:t>keySet</a:t>
+                      </a:r>
+                      <a:r>
+                        <a:rPr lang="en-US" sz="900" dirty="0" smtClean="0">
+                          <a:solidFill>
+                            <a:schemeClr val="tx1"/>
+                          </a:solidFill>
+                        </a:rPr>
+                        <a:t>() : Set&lt;K&gt;</a:t>
+                      </a:r>
+                    </a:p>
+                    <a:p>
+                      <a:r>
+                        <a:rPr kumimoji="0" lang="pt-BR" sz="900" kern="1200" dirty="0" smtClean="0">
+                          <a:solidFill>
+                            <a:schemeClr val="tx1"/>
+                          </a:solidFill>
+                          <a:latin typeface="+mn-lt"/>
+                          <a:ea typeface="+mn-ea"/>
+                          <a:cs typeface="+mn-cs"/>
+                        </a:rPr>
+                        <a:t>comparator() : Comparator&lt;K&gt;</a:t>
+                      </a:r>
+                    </a:p>
+                    <a:p>
+                      <a:pPr marL="0" marR="0" indent="0" algn="l" defTabSz="914400" rtl="0" eaLnBrk="1" fontAlgn="auto" latinLnBrk="0" hangingPunct="1">
+                        <a:lnSpc>
+                          <a:spcPct val="100000"/>
+                        </a:lnSpc>
+                        <a:spcBef>
+                          <a:spcPts val="0"/>
+                        </a:spcBef>
+                        <a:spcAft>
+                          <a:spcPts val="0"/>
+                        </a:spcAft>
+                        <a:buClrTx/>
+                        <a:buSzTx/>
+                        <a:buFontTx/>
+                        <a:buNone/>
+                        <a:tabLst/>
+                        <a:defRPr/>
+                      </a:pPr>
+                      <a:r>
+                        <a:rPr kumimoji="0" lang="pt-BR" sz="900" kern="1200" dirty="0" smtClean="0">
+                          <a:solidFill>
+                            <a:schemeClr val="tx1"/>
+                          </a:solidFill>
+                          <a:latin typeface="+mn-lt"/>
+                          <a:ea typeface="+mn-ea"/>
+                          <a:cs typeface="+mn-cs"/>
+                        </a:rPr>
+                        <a:t>firstKey() : K</a:t>
+                      </a:r>
+                    </a:p>
+                    <a:p>
+                      <a:pPr marL="0" marR="0" indent="0" algn="l" defTabSz="914400" rtl="0" eaLnBrk="1" fontAlgn="auto" latinLnBrk="0" hangingPunct="1">
+                        <a:lnSpc>
+                          <a:spcPct val="100000"/>
+                        </a:lnSpc>
+                        <a:spcBef>
+                          <a:spcPts val="0"/>
+                        </a:spcBef>
+                        <a:spcAft>
+                          <a:spcPts val="0"/>
+                        </a:spcAft>
+                        <a:buClrTx/>
+                        <a:buSzTx/>
+                        <a:buFontTx/>
+                        <a:buNone/>
+                        <a:tabLst/>
+                        <a:defRPr/>
+                      </a:pPr>
+                      <a:r>
+                        <a:rPr kumimoji="0" lang="pt-BR" sz="900" kern="1200" dirty="0" smtClean="0">
+                          <a:solidFill>
+                            <a:schemeClr val="tx1"/>
+                          </a:solidFill>
+                          <a:latin typeface="+mn-lt"/>
+                          <a:ea typeface="+mn-ea"/>
+                          <a:cs typeface="+mn-cs"/>
+                        </a:rPr>
+                        <a:t>lastKey() : K</a:t>
+                      </a:r>
+                    </a:p>
+                    <a:p>
+                      <a:pPr marL="0" marR="0" indent="0" algn="l" defTabSz="914400" rtl="0" eaLnBrk="1" fontAlgn="auto" latinLnBrk="0" hangingPunct="1">
+                        <a:lnSpc>
+                          <a:spcPct val="100000"/>
+                        </a:lnSpc>
+                        <a:spcBef>
+                          <a:spcPts val="0"/>
+                        </a:spcBef>
+                        <a:spcAft>
+                          <a:spcPts val="0"/>
+                        </a:spcAft>
+                        <a:buClrTx/>
+                        <a:buSzTx/>
+                        <a:buFontTx/>
+                        <a:buNone/>
+                        <a:tabLst/>
+                        <a:defRPr/>
+                      </a:pPr>
+                      <a:r>
+                        <a:rPr kumimoji="0" lang="pt-BR" sz="900" kern="1200" dirty="0" smtClean="0">
+                          <a:solidFill>
+                            <a:schemeClr val="tx1"/>
+                          </a:solidFill>
+                          <a:latin typeface="+mn-lt"/>
+                          <a:ea typeface="+mn-ea"/>
+                          <a:cs typeface="+mn-cs"/>
+                        </a:rPr>
+                        <a:t>headMap(K) : SortedMap&lt;K, V&gt;</a:t>
+                      </a:r>
+                    </a:p>
+                    <a:p>
+                      <a:pPr marL="0" marR="0" indent="0" algn="l" defTabSz="914400" rtl="0" eaLnBrk="1" fontAlgn="auto" latinLnBrk="0" hangingPunct="1">
+                        <a:lnSpc>
+                          <a:spcPct val="100000"/>
+                        </a:lnSpc>
+                        <a:spcBef>
+                          <a:spcPts val="0"/>
+                        </a:spcBef>
+                        <a:spcAft>
+                          <a:spcPts val="0"/>
+                        </a:spcAft>
+                        <a:buClrTx/>
+                        <a:buSzTx/>
+                        <a:buFontTx/>
+                        <a:buNone/>
+                        <a:tabLst/>
+                        <a:defRPr/>
+                      </a:pPr>
+                      <a:r>
+                        <a:rPr kumimoji="0" lang="pt-BR" sz="900" kern="1200" dirty="0" smtClean="0">
+                          <a:solidFill>
+                            <a:schemeClr val="tx1"/>
+                          </a:solidFill>
+                          <a:latin typeface="+mn-lt"/>
+                          <a:ea typeface="+mn-ea"/>
+                          <a:cs typeface="+mn-cs"/>
+                        </a:rPr>
+                        <a:t>tailMap(K) : SortedMap&lt;K, V&gt;</a:t>
+                      </a:r>
+                    </a:p>
+                    <a:p>
+                      <a:pPr marL="0" marR="0" indent="0" algn="l" defTabSz="914400" rtl="0" eaLnBrk="1" fontAlgn="auto" latinLnBrk="0" hangingPunct="1">
+                        <a:lnSpc>
+                          <a:spcPct val="100000"/>
+                        </a:lnSpc>
+                        <a:spcBef>
+                          <a:spcPts val="0"/>
+                        </a:spcBef>
+                        <a:spcAft>
+                          <a:spcPts val="0"/>
+                        </a:spcAft>
+                        <a:buClrTx/>
+                        <a:buSzTx/>
+                        <a:buFontTx/>
+                        <a:buNone/>
+                        <a:tabLst/>
+                        <a:defRPr/>
+                      </a:pPr>
+                      <a:r>
+                        <a:rPr kumimoji="0" lang="pt-BR" sz="900" kern="1200" dirty="0" smtClean="0">
+                          <a:solidFill>
+                            <a:schemeClr val="tx1"/>
+                          </a:solidFill>
+                          <a:latin typeface="+mn-lt"/>
+                          <a:ea typeface="+mn-ea"/>
+                          <a:cs typeface="+mn-cs"/>
+                        </a:rPr>
+                        <a:t>subMap(K, K) : SortedMap&lt;K, V&gt;</a:t>
+                      </a:r>
+                    </a:p>
+                  </a:txBody>
+                  <a:tcPr>
+                    <a:lnL w="28575" cap="flat" cmpd="sng" algn="ctr">
+                      <a:solidFill>
+                        <a:schemeClr val="tx1"/>
+                      </a:solidFill>
+                      <a:prstDash val="solid"/>
+                      <a:round/>
+                      <a:headEnd type="none" w="med" len="med"/>
+                      <a:tailEnd type="none" w="med" len="med"/>
+                    </a:lnL>
+                    <a:lnR w="28575" cap="flat" cmpd="sng" algn="ctr">
+                      <a:solidFill>
+                        <a:schemeClr val="tx1"/>
+                      </a:solidFill>
+                      <a:prstDash val="solid"/>
+                      <a:round/>
+                      <a:headEnd type="none" w="med" len="med"/>
+                      <a:tailEnd type="none" w="med" len="med"/>
+                    </a:lnR>
+                    <a:lnT w="28575" cap="flat" cmpd="sng" algn="ctr">
+                      <a:solidFill>
+                        <a:schemeClr val="tx1"/>
+                      </a:solidFill>
+                      <a:prstDash val="solid"/>
+                      <a:round/>
+                      <a:headEnd type="none" w="med" len="med"/>
+                      <a:tailEnd type="none" w="med" len="med"/>
+                    </a:lnT>
+                    <a:lnB w="28575" cap="flat" cmpd="sng" algn="ctr">
+                      <a:solidFill>
+                        <a:schemeClr val="tx1"/>
+                      </a:solidFill>
+                      <a:prstDash val="solid"/>
+                      <a:round/>
+                      <a:headEnd type="none" w="med" len="med"/>
+                      <a:tailEnd type="none" w="med" len="med"/>
+                    </a:lnB>
+                    <a:noFill/>
+                  </a:tcPr>
+                </a:tc>
+              </a:tr>
+            </a:tbl>
+          </a:graphicData>
+        </a:graphic>
+      </p:graphicFrame>
+      <p:graphicFrame>
+        <p:nvGraphicFramePr>
+          <p:cNvPr id="30" name="Espaço Reservado para Conteúdo 4"/>
+          <p:cNvGraphicFramePr>
+            <a:graphicFrameLocks/>
+          </p:cNvGraphicFramePr>
+          <p:nvPr/>
+        </p:nvGraphicFramePr>
+        <p:xfrm>
+          <a:off x="3143240" y="5357826"/>
+          <a:ext cx="2000264" cy="992508"/>
+        </p:xfrm>
+        <a:graphic>
+          <a:graphicData uri="http://schemas.openxmlformats.org/drawingml/2006/table">
+            <a:tbl>
+              <a:tblPr firstRow="1" bandRow="1">
+                <a:tableStyleId>{5C22544A-7EE6-4342-B048-85BDC9FD1C3A}</a:tableStyleId>
+              </a:tblPr>
+              <a:tblGrid>
+                <a:gridCol w="2000264"/>
+              </a:tblGrid>
+              <a:tr h="142876">
+                <a:tc>
+                  <a:txBody>
+                    <a:bodyPr/>
+                    <a:lstStyle/>
+                    <a:p>
+                      <a:pPr marL="0" algn="ctr" rtl="0" eaLnBrk="1" latinLnBrk="0" hangingPunct="1"/>
+                      <a:r>
+                        <a:rPr kumimoji="0" lang="pt-BR" sz="900" b="1" i="0" kern="1200" dirty="0" smtClean="0">
+                          <a:solidFill>
+                            <a:schemeClr val="tx1"/>
+                          </a:solidFill>
+                          <a:latin typeface="+mn-lt"/>
+                          <a:ea typeface="+mn-ea"/>
+                          <a:cs typeface="+mn-cs"/>
+                        </a:rPr>
+                        <a:t>Properties</a:t>
+                      </a:r>
+                      <a:endParaRPr kumimoji="0" lang="pt-BR" sz="900" b="1" i="0" kern="1200" dirty="0">
+                        <a:solidFill>
+                          <a:schemeClr val="tx1"/>
+                        </a:solidFill>
+                        <a:latin typeface="+mn-lt"/>
+                        <a:ea typeface="+mn-ea"/>
+                        <a:cs typeface="+mn-cs"/>
+                      </a:endParaRPr>
+                    </a:p>
+                  </a:txBody>
+                  <a:tcPr>
+                    <a:lnL w="28575" cap="flat" cmpd="sng" algn="ctr">
+                      <a:solidFill>
+                        <a:schemeClr val="tx1"/>
+                      </a:solidFill>
+                      <a:prstDash val="solid"/>
+                      <a:round/>
+                      <a:headEnd type="none" w="med" len="med"/>
+                      <a:tailEnd type="none" w="med" len="med"/>
+                    </a:lnL>
+                    <a:lnR w="28575" cap="flat" cmpd="sng" algn="ctr">
+                      <a:solidFill>
+                        <a:schemeClr val="tx1"/>
+                      </a:solidFill>
+                      <a:prstDash val="solid"/>
+                      <a:round/>
+                      <a:headEnd type="none" w="med" len="med"/>
+                      <a:tailEnd type="none" w="med" len="med"/>
+                    </a:lnR>
+                    <a:lnT w="28575" cap="flat" cmpd="sng" algn="ctr">
+                      <a:solidFill>
+                        <a:schemeClr val="tx1"/>
+                      </a:solidFill>
+                      <a:prstDash val="solid"/>
+                      <a:round/>
+                      <a:headEnd type="none" w="med" len="med"/>
+                      <a:tailEnd type="none" w="med" len="med"/>
+                    </a:lnT>
+                    <a:lnB w="28575" cap="flat" cmpd="sng" algn="ctr">
+                      <a:solidFill>
+                        <a:schemeClr val="tx1"/>
+                      </a:solidFill>
+                      <a:prstDash val="solid"/>
+                      <a:round/>
+                      <a:headEnd type="none" w="med" len="med"/>
+                      <a:tailEnd type="none" w="med" len="med"/>
+                    </a:lnB>
+                    <a:noFill/>
+                  </a:tcPr>
+                </a:tc>
+              </a:tr>
+              <a:tr h="123828">
+                <a:tc>
+                  <a:txBody>
+                    <a:bodyPr/>
+                    <a:lstStyle/>
+                    <a:p>
+                      <a:endParaRPr lang="en-US" sz="100" dirty="0" smtClean="0">
+                        <a:solidFill>
+                          <a:schemeClr val="tx1"/>
+                        </a:solidFill>
+                      </a:endParaRPr>
+                    </a:p>
+                  </a:txBody>
+                  <a:tcPr>
+                    <a:lnL w="28575" cap="flat" cmpd="sng" algn="ctr">
+                      <a:solidFill>
+                        <a:schemeClr val="tx1"/>
+                      </a:solidFill>
+                      <a:prstDash val="solid"/>
+                      <a:round/>
+                      <a:headEnd type="none" w="med" len="med"/>
+                      <a:tailEnd type="none" w="med" len="med"/>
+                    </a:lnL>
+                    <a:lnR w="28575" cap="flat" cmpd="sng" algn="ctr">
+                      <a:solidFill>
+                        <a:schemeClr val="tx1"/>
+                      </a:solidFill>
+                      <a:prstDash val="solid"/>
+                      <a:round/>
+                      <a:headEnd type="none" w="med" len="med"/>
+                      <a:tailEnd type="none" w="med" len="med"/>
+                    </a:lnR>
+                    <a:lnT w="28575" cap="flat" cmpd="sng" algn="ctr">
+                      <a:solidFill>
+                        <a:schemeClr val="tx1"/>
+                      </a:solidFill>
+                      <a:prstDash val="solid"/>
+                      <a:round/>
+                      <a:headEnd type="none" w="med" len="med"/>
+                      <a:tailEnd type="none" w="med" len="med"/>
+                    </a:lnT>
+                    <a:lnB w="28575" cap="flat" cmpd="sng" algn="ctr">
+                      <a:solidFill>
+                        <a:schemeClr val="tx1"/>
+                      </a:solidFill>
+                      <a:prstDash val="solid"/>
+                      <a:round/>
+                      <a:headEnd type="none" w="med" len="med"/>
+                      <a:tailEnd type="none" w="med" len="med"/>
+                    </a:lnB>
+                    <a:noFill/>
+                  </a:tcPr>
+                </a:tc>
+              </a:tr>
+              <a:tr h="370840">
+                <a:tc>
+                  <a:txBody>
+                    <a:bodyPr/>
+                    <a:lstStyle/>
+                    <a:p>
+                      <a:r>
+                        <a:rPr lang="en-US" sz="900" dirty="0" smtClean="0">
+                          <a:solidFill>
+                            <a:schemeClr val="tx1"/>
+                          </a:solidFill>
+                        </a:rPr>
+                        <a:t>load(</a:t>
+                      </a:r>
+                      <a:r>
+                        <a:rPr lang="en-US" sz="900" dirty="0" err="1" smtClean="0">
+                          <a:solidFill>
+                            <a:schemeClr val="tx1"/>
+                          </a:solidFill>
+                        </a:rPr>
+                        <a:t>InputStream</a:t>
+                      </a:r>
+                      <a:r>
+                        <a:rPr lang="en-US" sz="900" dirty="0" smtClean="0">
+                          <a:solidFill>
+                            <a:schemeClr val="tx1"/>
+                          </a:solidFill>
+                        </a:rPr>
+                        <a:t>) : void</a:t>
+                      </a:r>
+                    </a:p>
+                    <a:p>
+                      <a:r>
+                        <a:rPr lang="en-US" sz="900" dirty="0" smtClean="0">
+                          <a:solidFill>
+                            <a:schemeClr val="tx1"/>
+                          </a:solidFill>
+                        </a:rPr>
+                        <a:t>load(Reader) : void</a:t>
+                      </a:r>
+                    </a:p>
+                    <a:p>
+                      <a:r>
+                        <a:rPr lang="en-US" sz="900" dirty="0" err="1" smtClean="0">
+                          <a:solidFill>
+                            <a:schemeClr val="tx1"/>
+                          </a:solidFill>
+                        </a:rPr>
+                        <a:t>getProperty</a:t>
+                      </a:r>
+                      <a:r>
+                        <a:rPr lang="en-US" sz="900" dirty="0" smtClean="0">
+                          <a:solidFill>
+                            <a:schemeClr val="tx1"/>
+                          </a:solidFill>
+                        </a:rPr>
+                        <a:t>(String) : String</a:t>
+                      </a:r>
+                    </a:p>
+                    <a:p>
+                      <a:r>
+                        <a:rPr lang="en-US" sz="900" dirty="0" err="1" smtClean="0">
+                          <a:solidFill>
+                            <a:schemeClr val="tx1"/>
+                          </a:solidFill>
+                        </a:rPr>
+                        <a:t>setProperty</a:t>
+                      </a:r>
+                      <a:r>
+                        <a:rPr lang="en-US" sz="900" dirty="0" smtClean="0">
+                          <a:solidFill>
+                            <a:schemeClr val="tx1"/>
+                          </a:solidFill>
+                        </a:rPr>
+                        <a:t>(String, String) : void</a:t>
+                      </a:r>
+                    </a:p>
+                  </a:txBody>
+                  <a:tcPr>
+                    <a:lnL w="28575" cap="flat" cmpd="sng" algn="ctr">
+                      <a:solidFill>
+                        <a:schemeClr val="tx1"/>
+                      </a:solidFill>
+                      <a:prstDash val="solid"/>
+                      <a:round/>
+                      <a:headEnd type="none" w="med" len="med"/>
+                      <a:tailEnd type="none" w="med" len="med"/>
+                    </a:lnL>
+                    <a:lnR w="28575" cap="flat" cmpd="sng" algn="ctr">
+                      <a:solidFill>
+                        <a:schemeClr val="tx1"/>
+                      </a:solidFill>
+                      <a:prstDash val="solid"/>
+                      <a:round/>
+                      <a:headEnd type="none" w="med" len="med"/>
+                      <a:tailEnd type="none" w="med" len="med"/>
+                    </a:lnR>
+                    <a:lnT w="28575" cap="flat" cmpd="sng" algn="ctr">
+                      <a:solidFill>
+                        <a:schemeClr val="tx1"/>
+                      </a:solidFill>
+                      <a:prstDash val="solid"/>
+                      <a:round/>
+                      <a:headEnd type="none" w="med" len="med"/>
+                      <a:tailEnd type="none" w="med" len="med"/>
+                    </a:lnT>
+                    <a:lnB w="28575" cap="flat" cmpd="sng" algn="ctr">
+                      <a:solidFill>
+                        <a:schemeClr val="tx1"/>
+                      </a:solidFill>
+                      <a:prstDash val="solid"/>
+                      <a:round/>
+                      <a:headEnd type="none" w="med" len="med"/>
+                      <a:tailEnd type="none" w="med" len="med"/>
+                    </a:lnB>
+                    <a:noFill/>
+                  </a:tcPr>
+                </a:tc>
+              </a:tr>
+            </a:tbl>
+          </a:graphicData>
+        </a:graphic>
+      </p:graphicFrame>
+      <p:cxnSp>
+        <p:nvCxnSpPr>
+          <p:cNvPr id="37" name="Conector de seta reta 22"/>
+          <p:cNvCxnSpPr>
+            <a:cxnSpLocks noChangeShapeType="1"/>
+          </p:cNvCxnSpPr>
+          <p:nvPr/>
+        </p:nvCxnSpPr>
+        <p:spPr bwMode="auto">
+          <a:xfrm rot="10800000" flipV="1">
+            <a:off x="4643438" y="2285991"/>
+            <a:ext cx="1285884" cy="1"/>
+          </a:xfrm>
+          <a:prstGeom prst="straightConnector1">
+            <a:avLst/>
+          </a:prstGeom>
+          <a:noFill/>
+          <a:ln w="28575" algn="ctr">
+            <a:solidFill>
+              <a:srgbClr val="FFC000"/>
+            </a:solidFill>
+            <a:prstDash val="solid"/>
+            <a:round/>
+            <a:headEnd/>
+            <a:tailEnd type="triangle" w="lg" len="lg"/>
+          </a:ln>
+        </p:spPr>
+      </p:cxnSp>
       <p:cxnSp>
         <p:nvCxnSpPr>
           <p:cNvPr id="42" name="Conector de seta reta 22"/>
@@ -25337,8 +30594,135 @@
         </p:nvCxnSpPr>
         <p:spPr bwMode="auto">
           <a:xfrm>
-            <a:off x="2942036" y="2816514"/>
+            <a:off x="2500298" y="2643182"/>
             <a:ext cx="1000132" cy="1"/>
+          </a:xfrm>
+          <a:prstGeom prst="straightConnector1">
+            <a:avLst/>
+          </a:prstGeom>
+          <a:noFill/>
+          <a:ln w="28575" algn="ctr">
+            <a:solidFill>
+              <a:schemeClr val="tx1"/>
+            </a:solidFill>
+            <a:prstDash val="dash"/>
+            <a:round/>
+            <a:headEnd type="none" w="med" len="med"/>
+            <a:tailEnd type="arrow" w="med" len="med"/>
+          </a:ln>
+        </p:spPr>
+      </p:cxnSp>
+      <p:grpSp>
+        <p:nvGrpSpPr>
+          <p:cNvPr id="44" name="Group 43"/>
+          <p:cNvGrpSpPr/>
+          <p:nvPr/>
+        </p:nvGrpSpPr>
+        <p:grpSpPr>
+          <a:xfrm rot="5400000">
+            <a:off x="2143108" y="3429003"/>
+            <a:ext cx="1928826" cy="785818"/>
+            <a:chOff x="2857487" y="3286125"/>
+            <a:chExt cx="214317" cy="1347797"/>
+          </a:xfrm>
+        </p:grpSpPr>
+        <p:cxnSp>
+          <p:nvCxnSpPr>
+            <p:cNvPr id="45" name="Conector de seta reta 22"/>
+            <p:cNvCxnSpPr>
+              <a:cxnSpLocks noChangeShapeType="1"/>
+            </p:cNvCxnSpPr>
+            <p:nvPr/>
+          </p:nvCxnSpPr>
+          <p:spPr bwMode="auto">
+            <a:xfrm rot="5400000" flipH="1" flipV="1">
+              <a:off x="2505060" y="3638552"/>
+              <a:ext cx="704856" cy="1"/>
+            </a:xfrm>
+            <a:prstGeom prst="straightConnector1">
+              <a:avLst/>
+            </a:prstGeom>
+            <a:noFill/>
+            <a:ln w="28575" algn="ctr">
+              <a:solidFill>
+                <a:schemeClr val="tx1"/>
+              </a:solidFill>
+              <a:prstDash val="dash"/>
+              <a:round/>
+              <a:headEnd type="none" w="med" len="med"/>
+              <a:tailEnd type="arrow" w="med" len="med"/>
+            </a:ln>
+          </p:spPr>
+        </p:cxnSp>
+        <p:cxnSp>
+          <p:nvCxnSpPr>
+            <p:cNvPr id="46" name="Conector de seta reta 22"/>
+            <p:cNvCxnSpPr>
+              <a:cxnSpLocks noChangeShapeType="1"/>
+            </p:cNvCxnSpPr>
+            <p:nvPr/>
+          </p:nvCxnSpPr>
+          <p:spPr bwMode="auto">
+            <a:xfrm rot="10800000">
+              <a:off x="2857488" y="3989413"/>
+              <a:ext cx="214314" cy="1567"/>
+            </a:xfrm>
+            <a:prstGeom prst="straightConnector1">
+              <a:avLst/>
+            </a:prstGeom>
+            <a:noFill/>
+            <a:ln w="28575" algn="ctr">
+              <a:solidFill>
+                <a:schemeClr val="tx1"/>
+              </a:solidFill>
+              <a:prstDash val="dash"/>
+              <a:round/>
+              <a:headEnd type="none" w="med" len="med"/>
+              <a:tailEnd type="none" w="med" len="med"/>
+            </a:ln>
+          </p:spPr>
+        </p:cxnSp>
+        <p:cxnSp>
+          <p:nvCxnSpPr>
+            <p:cNvPr id="47" name="Conector de seta reta 22"/>
+            <p:cNvCxnSpPr>
+              <a:cxnSpLocks noChangeShapeType="1"/>
+            </p:cNvCxnSpPr>
+            <p:nvPr/>
+          </p:nvCxnSpPr>
+          <p:spPr bwMode="auto">
+            <a:xfrm rot="5400000" flipH="1" flipV="1">
+              <a:off x="2755094" y="4317212"/>
+              <a:ext cx="633418" cy="2"/>
+            </a:xfrm>
+            <a:prstGeom prst="straightConnector1">
+              <a:avLst/>
+            </a:prstGeom>
+            <a:noFill/>
+            <a:ln w="28575" algn="ctr">
+              <a:solidFill>
+                <a:schemeClr val="tx1"/>
+              </a:solidFill>
+              <a:prstDash val="dash"/>
+              <a:round/>
+              <a:headEnd type="none" w="med" len="med"/>
+              <a:tailEnd type="none" w="med" len="med"/>
+            </a:ln>
+          </p:spPr>
+        </p:cxnSp>
+      </p:grpSp>
+      <p:cxnSp>
+        <p:nvCxnSpPr>
+          <p:cNvPr id="48" name="Conector de seta reta 22"/>
+          <p:cNvCxnSpPr>
+            <a:cxnSpLocks noChangeShapeType="1"/>
+          </p:cNvCxnSpPr>
+          <p:nvPr/>
+        </p:nvCxnSpPr>
+        <p:spPr bwMode="auto">
+          <a:xfrm rot="5400000" flipH="1" flipV="1">
+            <a:off x="3790945" y="3209925"/>
+            <a:ext cx="571504" cy="9522"/>
           </a:xfrm>
           <a:prstGeom prst="straightConnector1">
             <a:avLst/>
@@ -25357,16 +30741,16 @@
       </p:cxnSp>
       <p:cxnSp>
         <p:nvCxnSpPr>
-          <p:cNvPr id="48" name="Conector de seta reta 22"/>
+          <p:cNvPr id="53" name="Conector de seta reta 22"/>
           <p:cNvCxnSpPr>
             <a:cxnSpLocks noChangeShapeType="1"/>
           </p:cNvCxnSpPr>
           <p:nvPr/>
         </p:nvCxnSpPr>
         <p:spPr bwMode="auto">
-          <a:xfrm flipH="1">
-            <a:off x="5095268" y="2810244"/>
-            <a:ext cx="926582" cy="0"/>
+          <a:xfrm rot="5400000" flipH="1" flipV="1">
+            <a:off x="6465504" y="3250008"/>
+            <a:ext cx="785818" cy="794"/>
           </a:xfrm>
           <a:prstGeom prst="straightConnector1">
             <a:avLst/>
@@ -25385,16 +30769,16 @@
       </p:cxnSp>
       <p:cxnSp>
         <p:nvCxnSpPr>
-          <p:cNvPr id="24" name="Conector de seta reta 22"/>
+          <p:cNvPr id="58" name="Conector de seta reta 22"/>
           <p:cNvCxnSpPr>
             <a:cxnSpLocks noChangeShapeType="1"/>
           </p:cNvCxnSpPr>
           <p:nvPr/>
         </p:nvCxnSpPr>
         <p:spPr bwMode="auto">
-          <a:xfrm flipV="1">
-            <a:off x="4509682" y="3098277"/>
-            <a:ext cx="0" cy="1296143"/>
+          <a:xfrm rot="5400000" flipH="1" flipV="1">
+            <a:off x="3786579" y="5071677"/>
+            <a:ext cx="571504" cy="794"/>
           </a:xfrm>
           <a:prstGeom prst="straightConnector1">
             <a:avLst/>
@@ -25404,84 +30788,41 @@
             <a:solidFill>
               <a:schemeClr val="tx1"/>
             </a:solidFill>
-            <a:prstDash val="dash"/>
+            <a:prstDash val="solid"/>
             <a:round/>
-            <a:headEnd type="none" w="med" len="med"/>
-            <a:tailEnd type="arrow" w="med" len="med"/>
+            <a:headEnd/>
+            <a:tailEnd type="triangle" w="lg" len="lg"/>
           </a:ln>
         </p:spPr>
       </p:cxnSp>
-      <p:grpSp>
-        <p:nvGrpSpPr>
-          <p:cNvPr id="40" name="Grupo 39"/>
-          <p:cNvGrpSpPr/>
+      <p:cxnSp>
+        <p:nvCxnSpPr>
+          <p:cNvPr id="60" name="Conector de seta reta 22"/>
+          <p:cNvCxnSpPr>
+            <a:cxnSpLocks noChangeShapeType="1"/>
+          </p:cNvCxnSpPr>
           <p:nvPr/>
-        </p:nvGrpSpPr>
-        <p:grpSpPr>
-          <a:xfrm>
-            <a:off x="2349442" y="3890364"/>
-            <a:ext cx="1368152" cy="1080120"/>
-            <a:chOff x="1907704" y="3717032"/>
-            <a:chExt cx="1368152" cy="1080120"/>
+        </p:nvCxnSpPr>
+        <p:spPr bwMode="auto">
+          <a:xfrm rot="5400000" flipH="1" flipV="1">
+            <a:off x="1679158" y="3964388"/>
+            <a:ext cx="500066" cy="794"/>
           </a:xfrm>
-        </p:grpSpPr>
-        <p:cxnSp>
-          <p:nvCxnSpPr>
-            <p:cNvPr id="60" name="Conector de seta reta 22"/>
-            <p:cNvCxnSpPr>
-              <a:cxnSpLocks noChangeShapeType="1"/>
-            </p:cNvCxnSpPr>
-            <p:nvPr/>
-          </p:nvCxnSpPr>
-          <p:spPr bwMode="auto">
-            <a:xfrm flipV="1">
-              <a:off x="1907704" y="3717032"/>
-              <a:ext cx="0" cy="1080120"/>
-            </a:xfrm>
-            <a:prstGeom prst="straightConnector1">
-              <a:avLst/>
-            </a:prstGeom>
-            <a:noFill/>
-            <a:ln w="28575" algn="ctr">
-              <a:solidFill>
-                <a:schemeClr val="tx1"/>
-              </a:solidFill>
-              <a:prstDash val="solid"/>
-              <a:round/>
-              <a:headEnd/>
-              <a:tailEnd type="triangle" w="lg" len="lg"/>
-            </a:ln>
-          </p:spPr>
-        </p:cxnSp>
-        <p:cxnSp>
-          <p:nvCxnSpPr>
-            <p:cNvPr id="36" name="Conector de seta reta 22"/>
-            <p:cNvCxnSpPr>
-              <a:cxnSpLocks noChangeShapeType="1"/>
-            </p:cNvCxnSpPr>
-            <p:nvPr/>
-          </p:nvCxnSpPr>
-          <p:spPr bwMode="auto">
-            <a:xfrm flipH="1">
-              <a:off x="1907704" y="4797152"/>
-              <a:ext cx="1368152" cy="0"/>
-            </a:xfrm>
-            <a:prstGeom prst="straightConnector1">
-              <a:avLst/>
-            </a:prstGeom>
-            <a:noFill/>
-            <a:ln w="28575" algn="ctr">
-              <a:solidFill>
-                <a:schemeClr val="tx1"/>
-              </a:solidFill>
-              <a:prstDash val="solid"/>
-              <a:round/>
-              <a:headEnd type="none" w="med" len="med"/>
-              <a:tailEnd type="none" w="med" len="med"/>
-            </a:ln>
-          </p:spPr>
-        </p:cxnSp>
-      </p:grpSp>
+          <a:prstGeom prst="straightConnector1">
+            <a:avLst/>
+          </a:prstGeom>
+          <a:noFill/>
+          <a:ln w="28575" algn="ctr">
+            <a:solidFill>
+              <a:schemeClr val="tx1"/>
+            </a:solidFill>
+            <a:prstDash val="solid"/>
+            <a:round/>
+            <a:headEnd/>
+            <a:tailEnd type="triangle" w="lg" len="lg"/>
+          </a:ln>
+        </p:spPr>
+      </p:cxnSp>
     </p:spTree>
   </p:cSld>
   <p:clrMapOvr>
@@ -25497,7 +30838,7 @@
 </p:sld>
 </file>
 
-<file path=ppt/slides/slide34.xml><?xml version="1.0" encoding="utf-8"?>
+<file path=ppt/slides/slide41.xml><?xml version="1.0" encoding="utf-8"?>
 <p:sld xmlns:a="http://schemas.openxmlformats.org/drawingml/2006/main" xmlns:r="http://schemas.openxmlformats.org/officeDocument/2006/relationships" xmlns:p="http://schemas.openxmlformats.org/presentationml/2006/main">
   <p:cSld>
     <p:spTree>
@@ -25749,7 +31090,7 @@
               <a:pPr>
                 <a:defRPr/>
               </a:pPr>
-              <a:t>34</a:t>
+              <a:t>41</a:t>
             </a:fld>
             <a:endParaRPr lang="pt-BR"/>
           </a:p>
@@ -25770,7 +31111,7 @@
 </p:sld>
 </file>
 
-<file path=ppt/slides/slide35.xml><?xml version="1.0" encoding="utf-8"?>
+<file path=ppt/slides/slide42.xml><?xml version="1.0" encoding="utf-8"?>
 <p:sld xmlns:a="http://schemas.openxmlformats.org/drawingml/2006/main" xmlns:r="http://schemas.openxmlformats.org/officeDocument/2006/relationships" xmlns:p="http://schemas.openxmlformats.org/presentationml/2006/main">
   <p:cSld>
     <p:spTree>
@@ -25900,7 +31241,7 @@
               <a:pPr>
                 <a:defRPr/>
               </a:pPr>
-              <a:t>35</a:t>
+              <a:t>42</a:t>
             </a:fld>
             <a:endParaRPr lang="pt-BR"/>
           </a:p>
@@ -25955,7 +31296,7 @@
 </p:sld>
 </file>
 
-<file path=ppt/slides/slide36.xml><?xml version="1.0" encoding="utf-8"?>
+<file path=ppt/slides/slide43.xml><?xml version="1.0" encoding="utf-8"?>
 <p:sld xmlns:a="http://schemas.openxmlformats.org/drawingml/2006/main" xmlns:r="http://schemas.openxmlformats.org/officeDocument/2006/relationships" xmlns:p="http://schemas.openxmlformats.org/presentationml/2006/main">
   <p:cSld>
     <p:spTree>
@@ -26187,7 +31528,7 @@
               <a:pPr>
                 <a:defRPr/>
               </a:pPr>
-              <a:t>36</a:t>
+              <a:t>43</a:t>
             </a:fld>
             <a:endParaRPr lang="pt-BR"/>
           </a:p>
@@ -26208,7 +31549,7 @@
 </p:sld>
 </file>
 
-<file path=ppt/slides/slide37.xml><?xml version="1.0" encoding="utf-8"?>
+<file path=ppt/slides/slide44.xml><?xml version="1.0" encoding="utf-8"?>
 <p:sld xmlns:a="http://schemas.openxmlformats.org/drawingml/2006/main" xmlns:r="http://schemas.openxmlformats.org/officeDocument/2006/relationships" xmlns:p="http://schemas.openxmlformats.org/presentationml/2006/main">
   <p:cSld>
     <p:spTree>
@@ -26494,7 +31835,7 @@
               <a:pPr>
                 <a:defRPr/>
               </a:pPr>
-              <a:t>37</a:t>
+              <a:t>44</a:t>
             </a:fld>
             <a:endParaRPr lang="pt-BR"/>
           </a:p>
@@ -26515,7 +31856,7 @@
 </p:sld>
 </file>
 
-<file path=ppt/slides/slide38.xml><?xml version="1.0" encoding="utf-8"?>
+<file path=ppt/slides/slide45.xml><?xml version="1.0" encoding="utf-8"?>
 <p:sld xmlns:a="http://schemas.openxmlformats.org/drawingml/2006/main" xmlns:r="http://schemas.openxmlformats.org/officeDocument/2006/relationships" xmlns:p="http://schemas.openxmlformats.org/presentationml/2006/main">
   <p:cSld>
     <p:spTree>
@@ -26638,161 +31979,7 @@
               <a:pPr>
                 <a:defRPr/>
               </a:pPr>
-              <a:t>38</a:t>
-            </a:fld>
-            <a:endParaRPr lang="pt-BR"/>
-          </a:p>
-        </p:txBody>
-      </p:sp>
-    </p:spTree>
-  </p:cSld>
-  <p:clrMapOvr>
-    <a:masterClrMapping/>
-  </p:clrMapOvr>
-  <p:timing>
-    <p:tnLst>
-      <p:par>
-        <p:cTn id="1" dur="indefinite" restart="never" nodeType="tmRoot"/>
-      </p:par>
-    </p:tnLst>
-  </p:timing>
-</p:sld>
-</file>
-
-<file path=ppt/slides/slide4.xml><?xml version="1.0" encoding="utf-8"?>
-<p:sld xmlns:a="http://schemas.openxmlformats.org/drawingml/2006/main" xmlns:r="http://schemas.openxmlformats.org/officeDocument/2006/relationships" xmlns:p="http://schemas.openxmlformats.org/presentationml/2006/main">
-  <p:cSld>
-    <p:spTree>
-      <p:nvGrpSpPr>
-        <p:cNvPr id="1" name=""/>
-        <p:cNvGrpSpPr/>
-        <p:nvPr/>
-      </p:nvGrpSpPr>
-      <p:grpSpPr>
-        <a:xfrm>
-          <a:off x="0" y="0"/>
-          <a:ext cx="0" cy="0"/>
-          <a:chOff x="0" y="0"/>
-          <a:chExt cx="0" cy="0"/>
-        </a:xfrm>
-      </p:grpSpPr>
-      <p:sp>
-        <p:nvSpPr>
-          <p:cNvPr id="2" name="Título 1"/>
-          <p:cNvSpPr>
-            <a:spLocks noGrp="1"/>
-          </p:cNvSpPr>
-          <p:nvPr>
-            <p:ph type="title"/>
-          </p:nvPr>
-        </p:nvSpPr>
-        <p:spPr>
-          <a:xfrm>
-            <a:off x="457200" y="274638"/>
-            <a:ext cx="8291264" cy="1143000"/>
-          </a:xfrm>
-        </p:spPr>
-        <p:txBody>
-          <a:bodyPr/>
-          <a:lstStyle/>
-          <a:p>
-            <a:r>
-              <a:rPr lang="pt-BR" sz="4000" dirty="0" smtClean="0"/>
-              <a:t>Principais operações de conjuntos</a:t>
-            </a:r>
-            <a:endParaRPr lang="pt-BR" sz="4000" dirty="0"/>
-          </a:p>
-        </p:txBody>
-      </p:sp>
-      <p:sp>
-        <p:nvSpPr>
-          <p:cNvPr id="3" name="Espaço Reservado para Conteúdo 2"/>
-          <p:cNvSpPr>
-            <a:spLocks noGrp="1"/>
-          </p:cNvSpPr>
-          <p:nvPr>
-            <p:ph idx="1"/>
-          </p:nvPr>
-        </p:nvSpPr>
-        <p:spPr>
-          <a:xfrm>
-            <a:off x="457200" y="1600200"/>
-            <a:ext cx="7643192" cy="4525963"/>
-          </a:xfrm>
-        </p:spPr>
-        <p:txBody>
-          <a:bodyPr/>
-          <a:lstStyle/>
-          <a:p>
-            <a:pPr>
-              <a:spcAft>
-                <a:spcPts val="2400"/>
-              </a:spcAft>
-            </a:pPr>
-            <a:r>
-              <a:rPr lang="pt-BR" dirty="0" smtClean="0"/>
-              <a:t>O Java possui diversas estruturas de dados, cada qual com sua particularidade que permitem:</a:t>
-            </a:r>
-          </a:p>
-          <a:p>
-            <a:pPr lvl="1"/>
-            <a:r>
-              <a:rPr lang="pt-BR" sz="2400" dirty="0" smtClean="0"/>
-              <a:t>Adicionar novos itens</a:t>
-            </a:r>
-          </a:p>
-          <a:p>
-            <a:pPr lvl="1"/>
-            <a:r>
-              <a:rPr lang="pt-BR" sz="2400" dirty="0" smtClean="0"/>
-              <a:t>Remover itens existentes</a:t>
-            </a:r>
-          </a:p>
-          <a:p>
-            <a:pPr lvl="1"/>
-            <a:r>
-              <a:rPr lang="pt-BR" sz="2400" dirty="0" smtClean="0"/>
-              <a:t>Limpar todos os item</a:t>
-            </a:r>
-          </a:p>
-          <a:p>
-            <a:pPr lvl="1"/>
-            <a:r>
-              <a:rPr lang="pt-BR" sz="2400" dirty="0" smtClean="0"/>
-              <a:t>Dentre </a:t>
-            </a:r>
-            <a:r>
-              <a:rPr lang="pt-BR" sz="2400" dirty="0" smtClean="0"/>
-              <a:t>outras ações</a:t>
-            </a:r>
-            <a:endParaRPr lang="pt-BR" sz="2400" dirty="0"/>
-          </a:p>
-        </p:txBody>
-      </p:sp>
-      <p:sp>
-        <p:nvSpPr>
-          <p:cNvPr id="4" name="Espaço Reservado para Número de Slide 3"/>
-          <p:cNvSpPr>
-            <a:spLocks noGrp="1"/>
-          </p:cNvSpPr>
-          <p:nvPr>
-            <p:ph type="sldNum" sz="quarter" idx="12"/>
-          </p:nvPr>
-        </p:nvSpPr>
-        <p:spPr/>
-        <p:txBody>
-          <a:bodyPr/>
-          <a:lstStyle/>
-          <a:p>
-            <a:pPr>
-              <a:defRPr/>
-            </a:pPr>
-            <a:fld id="{7E263EA5-71DF-4638-BC15-81D6FFD3C7EB}" type="slidenum">
-              <a:rPr lang="pt-BR" smtClean="0"/>
-              <a:pPr>
-                <a:defRPr/>
-              </a:pPr>
-              <a:t>4</a:t>
+              <a:t>45</a:t>
             </a:fld>
             <a:endParaRPr lang="pt-BR"/>
           </a:p>
@@ -26869,7 +32056,7 @@
           </p:nvPr>
         </p:nvGraphicFramePr>
         <p:xfrm>
-          <a:off x="1979712" y="2348880"/>
+          <a:off x="1724740" y="1672456"/>
           <a:ext cx="1944216" cy="1465848"/>
         </p:xfrm>
         <a:graphic>
@@ -27134,7 +32321,7 @@
           <p:nvPr/>
         </p:nvGraphicFramePr>
         <p:xfrm>
-          <a:off x="3347864" y="4229224"/>
+          <a:off x="3092892" y="3552800"/>
           <a:ext cx="1944216" cy="609600"/>
         </p:xfrm>
         <a:graphic>
@@ -27281,7 +32468,7 @@
           </p:nvPr>
         </p:nvGraphicFramePr>
         <p:xfrm>
-          <a:off x="683568" y="4229224"/>
+          <a:off x="428596" y="3552800"/>
           <a:ext cx="1944216" cy="1249680"/>
         </p:xfrm>
         <a:graphic>
@@ -27464,6 +32651,218 @@
           </a:graphicData>
         </a:graphic>
       </p:graphicFrame>
+      <p:graphicFrame>
+        <p:nvGraphicFramePr>
+          <p:cNvPr id="8" name="Espaço Reservado para Conteúdo 4"/>
+          <p:cNvGraphicFramePr>
+            <a:graphicFrameLocks/>
+          </p:cNvGraphicFramePr>
+          <p:nvPr/>
+        </p:nvGraphicFramePr>
+        <p:xfrm>
+          <a:off x="2732852" y="4704928"/>
+          <a:ext cx="2664296" cy="1676400"/>
+        </p:xfrm>
+        <a:graphic>
+          <a:graphicData uri="http://schemas.openxmlformats.org/drawingml/2006/table">
+            <a:tbl>
+              <a:tblPr firstRow="1" bandRow="1">
+                <a:tableStyleId>{5C22544A-7EE6-4342-B048-85BDC9FD1C3A}</a:tableStyleId>
+              </a:tblPr>
+              <a:tblGrid>
+                <a:gridCol w="2664296"/>
+              </a:tblGrid>
+              <a:tr h="288032">
+                <a:tc>
+                  <a:txBody>
+                    <a:bodyPr/>
+                    <a:lstStyle/>
+                    <a:p>
+                      <a:pPr marL="0" algn="ctr" rtl="0" eaLnBrk="1" latinLnBrk="0" hangingPunct="1"/>
+                      <a:r>
+                        <a:rPr kumimoji="0" lang="pt-BR" sz="1400" b="1" i="1" kern="1200" dirty="0" err="1" smtClean="0">
+                          <a:solidFill>
+                            <a:srgbClr val="FFC000"/>
+                          </a:solidFill>
+                          <a:latin typeface="+mn-lt"/>
+                          <a:ea typeface="+mn-ea"/>
+                          <a:cs typeface="+mn-cs"/>
+                        </a:rPr>
+                        <a:t>SortedSet</a:t>
+                      </a:r>
+                      <a:r>
+                        <a:rPr kumimoji="0" lang="pt-BR" sz="1400" b="1" i="1" kern="1200" dirty="0" smtClean="0">
+                          <a:solidFill>
+                            <a:srgbClr val="FFC000"/>
+                          </a:solidFill>
+                          <a:latin typeface="+mn-lt"/>
+                          <a:ea typeface="+mn-ea"/>
+                          <a:cs typeface="+mn-cs"/>
+                        </a:rPr>
+                        <a:t>&lt;T&gt;</a:t>
+                      </a:r>
+                      <a:endParaRPr kumimoji="0" lang="pt-BR" sz="1400" b="1" i="1" kern="1200" dirty="0">
+                        <a:solidFill>
+                          <a:srgbClr val="FFC000"/>
+                        </a:solidFill>
+                        <a:latin typeface="+mn-lt"/>
+                        <a:ea typeface="+mn-ea"/>
+                        <a:cs typeface="+mn-cs"/>
+                      </a:endParaRPr>
+                    </a:p>
+                  </a:txBody>
+                  <a:tcPr>
+                    <a:lnL w="28575" cap="flat" cmpd="sng" algn="ctr">
+                      <a:solidFill>
+                        <a:srgbClr val="FFC000"/>
+                      </a:solidFill>
+                      <a:prstDash val="solid"/>
+                      <a:round/>
+                      <a:headEnd type="none" w="med" len="med"/>
+                      <a:tailEnd type="none" w="med" len="med"/>
+                    </a:lnL>
+                    <a:lnR w="28575" cap="flat" cmpd="sng" algn="ctr">
+                      <a:solidFill>
+                        <a:srgbClr val="FFC000"/>
+                      </a:solidFill>
+                      <a:prstDash val="solid"/>
+                      <a:round/>
+                      <a:headEnd type="none" w="med" len="med"/>
+                      <a:tailEnd type="none" w="med" len="med"/>
+                    </a:lnR>
+                    <a:lnT w="28575" cap="flat" cmpd="sng" algn="ctr">
+                      <a:solidFill>
+                        <a:srgbClr val="FFC000"/>
+                      </a:solidFill>
+                      <a:prstDash val="solid"/>
+                      <a:round/>
+                      <a:headEnd type="none" w="med" len="med"/>
+                      <a:tailEnd type="none" w="med" len="med"/>
+                    </a:lnT>
+                    <a:lnB w="28575" cap="flat" cmpd="sng" algn="ctr">
+                      <a:solidFill>
+                        <a:srgbClr val="FFC000"/>
+                      </a:solidFill>
+                      <a:prstDash val="solid"/>
+                      <a:round/>
+                      <a:headEnd type="none" w="med" len="med"/>
+                      <a:tailEnd type="none" w="med" len="med"/>
+                    </a:lnB>
+                    <a:noFill/>
+                  </a:tcPr>
+                </a:tc>
+              </a:tr>
+              <a:tr h="370840">
+                <a:tc>
+                  <a:txBody>
+                    <a:bodyPr/>
+                    <a:lstStyle/>
+                    <a:p>
+                      <a:r>
+                        <a:rPr lang="fr-FR" sz="1400" dirty="0" smtClean="0">
+                          <a:solidFill>
+                            <a:srgbClr val="FFC000"/>
+                          </a:solidFill>
+                        </a:rPr>
+                        <a:t>comparator() : Comparator&lt;T&gt;</a:t>
+                      </a:r>
+                    </a:p>
+                    <a:p>
+                      <a:r>
+                        <a:rPr lang="fr-FR" sz="1400" dirty="0" smtClean="0">
+                          <a:solidFill>
+                            <a:srgbClr val="FFC000"/>
+                          </a:solidFill>
+                        </a:rPr>
+                        <a:t>first() : T</a:t>
+                      </a:r>
+                    </a:p>
+                    <a:p>
+                      <a:r>
+                        <a:rPr lang="fr-FR" sz="1400" dirty="0" smtClean="0">
+                          <a:solidFill>
+                            <a:srgbClr val="FFC000"/>
+                          </a:solidFill>
+                        </a:rPr>
+                        <a:t>last() : T</a:t>
+                      </a:r>
+                    </a:p>
+                    <a:p>
+                      <a:r>
+                        <a:rPr lang="fr-FR" sz="1400" dirty="0" smtClean="0">
+                          <a:solidFill>
+                            <a:srgbClr val="FFC000"/>
+                          </a:solidFill>
+                        </a:rPr>
+                        <a:t>headSet(T) : SortedSet&lt;T&gt;</a:t>
+                      </a:r>
+                    </a:p>
+                    <a:p>
+                      <a:r>
+                        <a:rPr lang="fr-FR" sz="1400" dirty="0" smtClean="0">
+                          <a:solidFill>
+                            <a:srgbClr val="FFC000"/>
+                          </a:solidFill>
+                        </a:rPr>
+                        <a:t>tailSet(T) : SortedSet&lt;T&gt;</a:t>
+                      </a:r>
+                    </a:p>
+                    <a:p>
+                      <a:r>
+                        <a:rPr lang="fr-FR" sz="1400" dirty="0" smtClean="0">
+                          <a:solidFill>
+                            <a:srgbClr val="FFC000"/>
+                          </a:solidFill>
+                        </a:rPr>
+                        <a:t>subSet(T, T) : SortedSet&lt;T&gt;</a:t>
+                      </a:r>
+                    </a:p>
+                  </a:txBody>
+                  <a:tcPr>
+                    <a:lnL w="28575" cap="flat" cmpd="sng" algn="ctr">
+                      <a:solidFill>
+                        <a:srgbClr val="FFC000"/>
+                      </a:solidFill>
+                      <a:prstDash val="solid"/>
+                      <a:round/>
+                      <a:headEnd type="none" w="med" len="med"/>
+                      <a:tailEnd type="none" w="med" len="med"/>
+                    </a:lnL>
+                    <a:lnR w="28575" cap="flat" cmpd="sng" algn="ctr">
+                      <a:solidFill>
+                        <a:srgbClr val="FFC000"/>
+                      </a:solidFill>
+                      <a:prstDash val="solid"/>
+                      <a:round/>
+                      <a:headEnd type="none" w="med" len="med"/>
+                      <a:tailEnd type="none" w="med" len="med"/>
+                    </a:lnR>
+                    <a:lnT w="28575" cap="flat" cmpd="sng" algn="ctr">
+                      <a:solidFill>
+                        <a:srgbClr val="FFC000"/>
+                      </a:solidFill>
+                      <a:prstDash val="solid"/>
+                      <a:round/>
+                      <a:headEnd type="none" w="med" len="med"/>
+                      <a:tailEnd type="none" w="med" len="med"/>
+                    </a:lnT>
+                    <a:lnB w="28575" cap="flat" cmpd="sng" algn="ctr">
+                      <a:solidFill>
+                        <a:srgbClr val="FFC000"/>
+                      </a:solidFill>
+                      <a:prstDash val="solid"/>
+                      <a:round/>
+                      <a:headEnd type="none" w="med" len="med"/>
+                      <a:tailEnd type="none" w="med" len="med"/>
+                    </a:lnB>
+                    <a:noFill/>
+                  </a:tcPr>
+                </a:tc>
+              </a:tr>
+            </a:tbl>
+          </a:graphicData>
+        </a:graphic>
+      </p:graphicFrame>
       <p:sp>
         <p:nvSpPr>
           <p:cNvPr id="18" name="Seta para a direita 17"/>
@@ -27472,7 +32871,7 @@
         </p:nvSpPr>
         <p:spPr>
           <a:xfrm rot="19368902">
-            <a:off x="1687665" y="3930590"/>
+            <a:off x="1432693" y="3254166"/>
             <a:ext cx="632999" cy="199648"/>
           </a:xfrm>
           <a:prstGeom prst="rightArrow">
@@ -27527,7 +32926,7 @@
         </p:nvSpPr>
         <p:spPr>
           <a:xfrm rot="13018434">
-            <a:off x="3648106" y="3911953"/>
+            <a:off x="3393134" y="3235529"/>
             <a:ext cx="632999" cy="221156"/>
           </a:xfrm>
           <a:prstGeom prst="rightArrow">
@@ -27574,6 +32973,61 @@
           </a:p>
         </p:txBody>
       </p:sp>
+      <p:sp>
+        <p:nvSpPr>
+          <p:cNvPr id="20" name="Seta para a direita 19"/>
+          <p:cNvSpPr/>
+          <p:nvPr/>
+        </p:nvSpPr>
+        <p:spPr>
+          <a:xfrm rot="16200000">
+            <a:off x="3812322" y="4360613"/>
+            <a:ext cx="488981" cy="199648"/>
+          </a:xfrm>
+          <a:prstGeom prst="rightArrow">
+            <a:avLst>
+              <a:gd name="adj1" fmla="val 0"/>
+              <a:gd name="adj2" fmla="val 110469"/>
+            </a:avLst>
+          </a:prstGeom>
+          <a:solidFill>
+            <a:srgbClr val="FFC000"/>
+          </a:solidFill>
+          <a:ln>
+            <a:solidFill>
+              <a:srgbClr val="FFC000"/>
+            </a:solidFill>
+          </a:ln>
+        </p:spPr>
+        <p:style>
+          <a:lnRef idx="2">
+            <a:schemeClr val="accent1">
+              <a:shade val="50000"/>
+            </a:schemeClr>
+          </a:lnRef>
+          <a:fillRef idx="1">
+            <a:schemeClr val="accent1"/>
+          </a:fillRef>
+          <a:effectRef idx="0">
+            <a:schemeClr val="accent1"/>
+          </a:effectRef>
+          <a:fontRef idx="minor">
+            <a:schemeClr val="lt1"/>
+          </a:fontRef>
+        </p:style>
+        <p:txBody>
+          <a:bodyPr rtlCol="0" anchor="ctr"/>
+          <a:lstStyle/>
+          <a:p>
+            <a:pPr algn="ctr"/>
+            <a:endParaRPr lang="pt-BR" dirty="0">
+              <a:solidFill>
+                <a:srgbClr val="FFC000"/>
+              </a:solidFill>
+            </a:endParaRPr>
+          </a:p>
+        </p:txBody>
+      </p:sp>
       <p:graphicFrame>
         <p:nvGraphicFramePr>
           <p:cNvPr id="21" name="Espaço Reservado para Conteúdo 4"/>
@@ -27583,7 +33037,7 @@
           <p:nvPr/>
         </p:nvGraphicFramePr>
         <p:xfrm>
-          <a:off x="6051108" y="2350572"/>
+          <a:off x="6258012" y="1674148"/>
           <a:ext cx="1944216" cy="1676400"/>
         </p:xfrm>
         <a:graphic>
@@ -27807,6 +33261,376 @@
           </a:graphicData>
         </a:graphic>
       </p:graphicFrame>
+      <p:graphicFrame>
+        <p:nvGraphicFramePr>
+          <p:cNvPr id="22" name="Espaço Reservado para Conteúdo 4"/>
+          <p:cNvGraphicFramePr>
+            <a:graphicFrameLocks/>
+          </p:cNvGraphicFramePr>
+          <p:nvPr/>
+        </p:nvGraphicFramePr>
+        <p:xfrm>
+          <a:off x="5786446" y="3895740"/>
+          <a:ext cx="2928958" cy="1676400"/>
+        </p:xfrm>
+        <a:graphic>
+          <a:graphicData uri="http://schemas.openxmlformats.org/drawingml/2006/table">
+            <a:tbl>
+              <a:tblPr firstRow="1" bandRow="1">
+                <a:tableStyleId>{5C22544A-7EE6-4342-B048-85BDC9FD1C3A}</a:tableStyleId>
+              </a:tblPr>
+              <a:tblGrid>
+                <a:gridCol w="2928958"/>
+              </a:tblGrid>
+              <a:tr h="218987">
+                <a:tc>
+                  <a:txBody>
+                    <a:bodyPr/>
+                    <a:lstStyle/>
+                    <a:p>
+                      <a:pPr marL="0" algn="ctr" rtl="0" eaLnBrk="1" latinLnBrk="0" hangingPunct="1"/>
+                      <a:r>
+                        <a:rPr kumimoji="0" lang="pt-BR" sz="1400" b="1" i="1" kern="1200" dirty="0" err="1" smtClean="0">
+                          <a:solidFill>
+                            <a:srgbClr val="FFC000"/>
+                          </a:solidFill>
+                          <a:latin typeface="+mn-lt"/>
+                          <a:ea typeface="+mn-ea"/>
+                          <a:cs typeface="+mn-cs"/>
+                        </a:rPr>
+                        <a:t>SortedMap</a:t>
+                      </a:r>
+                      <a:r>
+                        <a:rPr kumimoji="0" lang="pt-BR" sz="1400" b="1" i="1" kern="1200" dirty="0" smtClean="0">
+                          <a:solidFill>
+                            <a:srgbClr val="FFC000"/>
+                          </a:solidFill>
+                          <a:latin typeface="+mn-lt"/>
+                          <a:ea typeface="+mn-ea"/>
+                          <a:cs typeface="+mn-cs"/>
+                        </a:rPr>
+                        <a:t>&lt;K, V&gt;</a:t>
+                      </a:r>
+                      <a:endParaRPr kumimoji="0" lang="pt-BR" sz="1400" b="1" i="1" kern="1200" dirty="0">
+                        <a:solidFill>
+                          <a:srgbClr val="FFC000"/>
+                        </a:solidFill>
+                        <a:latin typeface="+mn-lt"/>
+                        <a:ea typeface="+mn-ea"/>
+                        <a:cs typeface="+mn-cs"/>
+                      </a:endParaRPr>
+                    </a:p>
+                  </a:txBody>
+                  <a:tcPr>
+                    <a:lnL w="28575" cap="flat" cmpd="sng" algn="ctr">
+                      <a:solidFill>
+                        <a:srgbClr val="FFC000"/>
+                      </a:solidFill>
+                      <a:prstDash val="solid"/>
+                      <a:round/>
+                      <a:headEnd type="none" w="med" len="med"/>
+                      <a:tailEnd type="none" w="med" len="med"/>
+                    </a:lnL>
+                    <a:lnR w="28575" cap="flat" cmpd="sng" algn="ctr">
+                      <a:solidFill>
+                        <a:srgbClr val="FFC000"/>
+                      </a:solidFill>
+                      <a:prstDash val="solid"/>
+                      <a:round/>
+                      <a:headEnd type="none" w="med" len="med"/>
+                      <a:tailEnd type="none" w="med" len="med"/>
+                    </a:lnR>
+                    <a:lnT w="28575" cap="flat" cmpd="sng" algn="ctr">
+                      <a:solidFill>
+                        <a:srgbClr val="FFC000"/>
+                      </a:solidFill>
+                      <a:prstDash val="solid"/>
+                      <a:round/>
+                      <a:headEnd type="none" w="med" len="med"/>
+                      <a:tailEnd type="none" w="med" len="med"/>
+                    </a:lnT>
+                    <a:lnB w="28575" cap="flat" cmpd="sng" algn="ctr">
+                      <a:solidFill>
+                        <a:srgbClr val="FFC000"/>
+                      </a:solidFill>
+                      <a:prstDash val="solid"/>
+                      <a:round/>
+                      <a:headEnd type="none" w="med" len="med"/>
+                      <a:tailEnd type="none" w="med" len="med"/>
+                    </a:lnB>
+                    <a:noFill/>
+                  </a:tcPr>
+                </a:tc>
+              </a:tr>
+              <a:tr h="201123">
+                <a:tc>
+                  <a:txBody>
+                    <a:bodyPr/>
+                    <a:lstStyle/>
+                    <a:p>
+                      <a:r>
+                        <a:rPr kumimoji="0" lang="pt-BR" sz="1400" kern="1200" dirty="0" smtClean="0">
+                          <a:solidFill>
+                            <a:srgbClr val="FFC000"/>
+                          </a:solidFill>
+                          <a:latin typeface="+mn-lt"/>
+                          <a:ea typeface="+mn-ea"/>
+                          <a:cs typeface="+mn-cs"/>
+                        </a:rPr>
+                        <a:t>comparator() : Comparator&lt;K&gt;</a:t>
+                      </a:r>
+                    </a:p>
+                    <a:p>
+                      <a:pPr marL="0" marR="0" indent="0" algn="l" defTabSz="914400" rtl="0" eaLnBrk="1" fontAlgn="auto" latinLnBrk="0" hangingPunct="1">
+                        <a:lnSpc>
+                          <a:spcPct val="100000"/>
+                        </a:lnSpc>
+                        <a:spcBef>
+                          <a:spcPts val="0"/>
+                        </a:spcBef>
+                        <a:spcAft>
+                          <a:spcPts val="0"/>
+                        </a:spcAft>
+                        <a:buClrTx/>
+                        <a:buSzTx/>
+                        <a:buFontTx/>
+                        <a:buNone/>
+                        <a:tabLst/>
+                        <a:defRPr/>
+                      </a:pPr>
+                      <a:r>
+                        <a:rPr kumimoji="0" lang="pt-BR" sz="1400" kern="1200" dirty="0" smtClean="0">
+                          <a:solidFill>
+                            <a:srgbClr val="FFC000"/>
+                          </a:solidFill>
+                          <a:latin typeface="+mn-lt"/>
+                          <a:ea typeface="+mn-ea"/>
+                          <a:cs typeface="+mn-cs"/>
+                        </a:rPr>
+                        <a:t>firstKey() : K</a:t>
+                      </a:r>
+                    </a:p>
+                    <a:p>
+                      <a:pPr marL="0" marR="0" indent="0" algn="l" defTabSz="914400" rtl="0" eaLnBrk="1" fontAlgn="auto" latinLnBrk="0" hangingPunct="1">
+                        <a:lnSpc>
+                          <a:spcPct val="100000"/>
+                        </a:lnSpc>
+                        <a:spcBef>
+                          <a:spcPts val="0"/>
+                        </a:spcBef>
+                        <a:spcAft>
+                          <a:spcPts val="0"/>
+                        </a:spcAft>
+                        <a:buClrTx/>
+                        <a:buSzTx/>
+                        <a:buFontTx/>
+                        <a:buNone/>
+                        <a:tabLst/>
+                        <a:defRPr/>
+                      </a:pPr>
+                      <a:r>
+                        <a:rPr kumimoji="0" lang="pt-BR" sz="1400" kern="1200" dirty="0" smtClean="0">
+                          <a:solidFill>
+                            <a:srgbClr val="FFC000"/>
+                          </a:solidFill>
+                          <a:latin typeface="+mn-lt"/>
+                          <a:ea typeface="+mn-ea"/>
+                          <a:cs typeface="+mn-cs"/>
+                        </a:rPr>
+                        <a:t>lastKey() : K</a:t>
+                      </a:r>
+                    </a:p>
+                    <a:p>
+                      <a:pPr marL="0" marR="0" indent="0" algn="l" defTabSz="914400" rtl="0" eaLnBrk="1" fontAlgn="auto" latinLnBrk="0" hangingPunct="1">
+                        <a:lnSpc>
+                          <a:spcPct val="100000"/>
+                        </a:lnSpc>
+                        <a:spcBef>
+                          <a:spcPts val="0"/>
+                        </a:spcBef>
+                        <a:spcAft>
+                          <a:spcPts val="0"/>
+                        </a:spcAft>
+                        <a:buClrTx/>
+                        <a:buSzTx/>
+                        <a:buFontTx/>
+                        <a:buNone/>
+                        <a:tabLst/>
+                        <a:defRPr/>
+                      </a:pPr>
+                      <a:r>
+                        <a:rPr kumimoji="0" lang="pt-BR" sz="1400" kern="1200" dirty="0" smtClean="0">
+                          <a:solidFill>
+                            <a:srgbClr val="FFC000"/>
+                          </a:solidFill>
+                          <a:latin typeface="+mn-lt"/>
+                          <a:ea typeface="+mn-ea"/>
+                          <a:cs typeface="+mn-cs"/>
+                        </a:rPr>
+                        <a:t>headMap(K) : SortedMap&lt;K, V&gt;</a:t>
+                      </a:r>
+                    </a:p>
+                    <a:p>
+                      <a:pPr marL="0" marR="0" indent="0" algn="l" defTabSz="914400" rtl="0" eaLnBrk="1" fontAlgn="auto" latinLnBrk="0" hangingPunct="1">
+                        <a:lnSpc>
+                          <a:spcPct val="100000"/>
+                        </a:lnSpc>
+                        <a:spcBef>
+                          <a:spcPts val="0"/>
+                        </a:spcBef>
+                        <a:spcAft>
+                          <a:spcPts val="0"/>
+                        </a:spcAft>
+                        <a:buClrTx/>
+                        <a:buSzTx/>
+                        <a:buFontTx/>
+                        <a:buNone/>
+                        <a:tabLst/>
+                        <a:defRPr/>
+                      </a:pPr>
+                      <a:r>
+                        <a:rPr kumimoji="0" lang="pt-BR" sz="1400" kern="1200" dirty="0" smtClean="0">
+                          <a:solidFill>
+                            <a:srgbClr val="FFC000"/>
+                          </a:solidFill>
+                          <a:latin typeface="+mn-lt"/>
+                          <a:ea typeface="+mn-ea"/>
+                          <a:cs typeface="+mn-cs"/>
+                        </a:rPr>
+                        <a:t>tailMap(K) : SortedMap&lt;K, V&gt;</a:t>
+                      </a:r>
+                    </a:p>
+                    <a:p>
+                      <a:pPr marL="0" marR="0" indent="0" algn="l" defTabSz="914400" rtl="0" eaLnBrk="1" fontAlgn="auto" latinLnBrk="0" hangingPunct="1">
+                        <a:lnSpc>
+                          <a:spcPct val="100000"/>
+                        </a:lnSpc>
+                        <a:spcBef>
+                          <a:spcPts val="0"/>
+                        </a:spcBef>
+                        <a:spcAft>
+                          <a:spcPts val="0"/>
+                        </a:spcAft>
+                        <a:buClrTx/>
+                        <a:buSzTx/>
+                        <a:buFontTx/>
+                        <a:buNone/>
+                        <a:tabLst/>
+                        <a:defRPr/>
+                      </a:pPr>
+                      <a:r>
+                        <a:rPr kumimoji="0" lang="pt-BR" sz="1400" kern="1200" dirty="0" smtClean="0">
+                          <a:solidFill>
+                            <a:srgbClr val="FFC000"/>
+                          </a:solidFill>
+                          <a:latin typeface="+mn-lt"/>
+                          <a:ea typeface="+mn-ea"/>
+                          <a:cs typeface="+mn-cs"/>
+                        </a:rPr>
+                        <a:t>subMap(K, K) : SortedMap&lt;K, V&gt;</a:t>
+                      </a:r>
+                    </a:p>
+                  </a:txBody>
+                  <a:tcPr>
+                    <a:lnL w="28575" cap="flat" cmpd="sng" algn="ctr">
+                      <a:solidFill>
+                        <a:srgbClr val="FFC000"/>
+                      </a:solidFill>
+                      <a:prstDash val="solid"/>
+                      <a:round/>
+                      <a:headEnd type="none" w="med" len="med"/>
+                      <a:tailEnd type="none" w="med" len="med"/>
+                    </a:lnL>
+                    <a:lnR w="28575" cap="flat" cmpd="sng" algn="ctr">
+                      <a:solidFill>
+                        <a:srgbClr val="FFC000"/>
+                      </a:solidFill>
+                      <a:prstDash val="solid"/>
+                      <a:round/>
+                      <a:headEnd type="none" w="med" len="med"/>
+                      <a:tailEnd type="none" w="med" len="med"/>
+                    </a:lnR>
+                    <a:lnT w="28575" cap="flat" cmpd="sng" algn="ctr">
+                      <a:solidFill>
+                        <a:srgbClr val="FFC000"/>
+                      </a:solidFill>
+                      <a:prstDash val="solid"/>
+                      <a:round/>
+                      <a:headEnd type="none" w="med" len="med"/>
+                      <a:tailEnd type="none" w="med" len="med"/>
+                    </a:lnT>
+                    <a:lnB w="28575" cap="flat" cmpd="sng" algn="ctr">
+                      <a:solidFill>
+                        <a:srgbClr val="FFC000"/>
+                      </a:solidFill>
+                      <a:prstDash val="solid"/>
+                      <a:round/>
+                      <a:headEnd type="none" w="med" len="med"/>
+                      <a:tailEnd type="none" w="med" len="med"/>
+                    </a:lnB>
+                    <a:noFill/>
+                  </a:tcPr>
+                </a:tc>
+              </a:tr>
+            </a:tbl>
+          </a:graphicData>
+        </a:graphic>
+      </p:graphicFrame>
+      <p:sp>
+        <p:nvSpPr>
+          <p:cNvPr id="23" name="Seta para a direita 22"/>
+          <p:cNvSpPr/>
+          <p:nvPr/>
+        </p:nvSpPr>
+        <p:spPr>
+          <a:xfrm rot="16200000">
+            <a:off x="6977442" y="3536351"/>
+            <a:ext cx="488982" cy="199648"/>
+          </a:xfrm>
+          <a:prstGeom prst="rightArrow">
+            <a:avLst>
+              <a:gd name="adj1" fmla="val 0"/>
+              <a:gd name="adj2" fmla="val 110469"/>
+            </a:avLst>
+          </a:prstGeom>
+          <a:solidFill>
+            <a:srgbClr val="FFC000"/>
+          </a:solidFill>
+          <a:ln>
+            <a:solidFill>
+              <a:srgbClr val="FFC000"/>
+            </a:solidFill>
+          </a:ln>
+        </p:spPr>
+        <p:style>
+          <a:lnRef idx="2">
+            <a:schemeClr val="accent1">
+              <a:shade val="50000"/>
+            </a:schemeClr>
+          </a:lnRef>
+          <a:fillRef idx="1">
+            <a:schemeClr val="accent1"/>
+          </a:fillRef>
+          <a:effectRef idx="0">
+            <a:schemeClr val="accent1"/>
+          </a:effectRef>
+          <a:fontRef idx="minor">
+            <a:schemeClr val="lt1"/>
+          </a:fontRef>
+        </p:style>
+        <p:txBody>
+          <a:bodyPr rtlCol="0" anchor="ctr"/>
+          <a:lstStyle/>
+          <a:p>
+            <a:pPr algn="ctr"/>
+            <a:endParaRPr lang="pt-BR" dirty="0">
+              <a:solidFill>
+                <a:srgbClr val="FFC000"/>
+              </a:solidFill>
+            </a:endParaRPr>
+          </a:p>
+        </p:txBody>
+      </p:sp>
       <p:sp>
         <p:nvSpPr>
           <p:cNvPr id="13" name="Espaço Reservado para Número de Slide 12"/>

--- a/2-Java-Programmer-Modulo-II/10.Capitulo04.pptx
+++ b/2-Java-Programmer-Modulo-II/10.Capitulo04.pptx
@@ -293,7 +293,7 @@
               <a:pPr>
                 <a:defRPr/>
               </a:pPr>
-              <a:t>20/5/2012</a:t>
+              <a:t>24/09/2012</a:t>
             </a:fld>
             <a:endParaRPr lang="pt-BR"/>
           </a:p>
@@ -481,7 +481,7 @@
               <a:pPr>
                 <a:defRPr/>
               </a:pPr>
-              <a:t>‹nº›</a:t>
+              <a:t>‹#›</a:t>
             </a:fld>
             <a:endParaRPr lang="pt-BR"/>
           </a:p>
@@ -5493,7 +5493,7 @@
               <a:pPr>
                 <a:defRPr/>
               </a:pPr>
-              <a:t>20/5/2012</a:t>
+              <a:t>24/09/2012</a:t>
             </a:fld>
             <a:endParaRPr lang="pt-BR"/>
           </a:p>
@@ -5552,7 +5552,7 @@
               <a:pPr>
                 <a:defRPr/>
               </a:pPr>
-              <a:t>‹nº›</a:t>
+              <a:t>‹#›</a:t>
             </a:fld>
             <a:endParaRPr lang="pt-BR"/>
           </a:p>
@@ -5685,7 +5685,7 @@
               <a:pPr>
                 <a:defRPr/>
               </a:pPr>
-              <a:t>20/5/2012</a:t>
+              <a:t>24/09/2012</a:t>
             </a:fld>
             <a:endParaRPr lang="pt-BR"/>
           </a:p>
@@ -5744,7 +5744,7 @@
               <a:pPr>
                 <a:defRPr/>
               </a:pPr>
-              <a:t>‹nº›</a:t>
+              <a:t>‹#›</a:t>
             </a:fld>
             <a:endParaRPr lang="pt-BR"/>
           </a:p>
@@ -5887,7 +5887,7 @@
               <a:pPr>
                 <a:defRPr/>
               </a:pPr>
-              <a:t>20/5/2012</a:t>
+              <a:t>24/09/2012</a:t>
             </a:fld>
             <a:endParaRPr lang="pt-BR"/>
           </a:p>
@@ -5946,7 +5946,7 @@
               <a:pPr>
                 <a:defRPr/>
               </a:pPr>
-              <a:t>‹nº›</a:t>
+              <a:t>‹#›</a:t>
             </a:fld>
             <a:endParaRPr lang="pt-BR"/>
           </a:p>
@@ -5987,7 +5987,12 @@
             <p:ph type="title"/>
           </p:nvPr>
         </p:nvSpPr>
-        <p:spPr/>
+        <p:spPr>
+          <a:xfrm>
+            <a:off x="457200" y="274638"/>
+            <a:ext cx="8329642" cy="1143000"/>
+          </a:xfrm>
+        </p:spPr>
         <p:txBody>
           <a:bodyPr/>
           <a:lstStyle>
@@ -5997,10 +6002,10 @@
           </a:lstStyle>
           <a:p>
             <a:r>
-              <a:rPr lang="pt-BR" smtClean="0"/>
+              <a:rPr lang="pt-BR" dirty="0" smtClean="0"/>
               <a:t>Clique para editar o estilo do título mestre</a:t>
             </a:r>
-            <a:endParaRPr lang="en-US"/>
+            <a:endParaRPr lang="en-US" dirty="0"/>
           </a:p>
         </p:txBody>
       </p:sp>
@@ -6083,7 +6088,7 @@
               <a:pPr>
                 <a:defRPr/>
               </a:pPr>
-              <a:t>20/5/2012</a:t>
+              <a:t>24/09/2012</a:t>
             </a:fld>
             <a:endParaRPr lang="pt-BR"/>
           </a:p>
@@ -6142,7 +6147,7 @@
               <a:pPr>
                 <a:defRPr/>
               </a:pPr>
-              <a:t>‹nº›</a:t>
+              <a:t>‹#›</a:t>
             </a:fld>
             <a:endParaRPr lang="pt-BR"/>
           </a:p>
@@ -6589,7 +6594,7 @@
               <a:pPr>
                 <a:defRPr/>
               </a:pPr>
-              <a:t>20/5/2012</a:t>
+              <a:t>24/09/2012</a:t>
             </a:fld>
             <a:endParaRPr lang="pt-BR"/>
           </a:p>
@@ -6648,7 +6653,7 @@
               <a:pPr>
                 <a:defRPr/>
               </a:pPr>
-              <a:t>‹nº›</a:t>
+              <a:t>‹#›</a:t>
             </a:fld>
             <a:endParaRPr lang="pt-BR"/>
           </a:p>
@@ -6880,7 +6885,7 @@
               <a:pPr>
                 <a:defRPr/>
               </a:pPr>
-              <a:t>20/5/2012</a:t>
+              <a:t>24/09/2012</a:t>
             </a:fld>
             <a:endParaRPr lang="pt-BR"/>
           </a:p>
@@ -6939,7 +6944,7 @@
               <a:pPr>
                 <a:defRPr/>
               </a:pPr>
-              <a:t>‹nº›</a:t>
+              <a:t>‹#›</a:t>
             </a:fld>
             <a:endParaRPr lang="pt-BR"/>
           </a:p>
@@ -7281,7 +7286,7 @@
               <a:pPr>
                 <a:defRPr/>
               </a:pPr>
-              <a:t>20/5/2012</a:t>
+              <a:t>24/09/2012</a:t>
             </a:fld>
             <a:endParaRPr lang="pt-BR"/>
           </a:p>
@@ -7340,7 +7345,7 @@
               <a:pPr>
                 <a:defRPr/>
               </a:pPr>
-              <a:t>‹nº›</a:t>
+              <a:t>‹#›</a:t>
             </a:fld>
             <a:endParaRPr lang="pt-BR"/>
           </a:p>
@@ -7430,7 +7435,7 @@
               <a:pPr>
                 <a:defRPr/>
               </a:pPr>
-              <a:t>20/5/2012</a:t>
+              <a:t>24/09/2012</a:t>
             </a:fld>
             <a:endParaRPr lang="pt-BR"/>
           </a:p>
@@ -7489,7 +7494,7 @@
               <a:pPr>
                 <a:defRPr/>
               </a:pPr>
-              <a:t>‹nº›</a:t>
+              <a:t>‹#›</a:t>
             </a:fld>
             <a:endParaRPr lang="pt-BR"/>
           </a:p>
@@ -7547,7 +7552,7 @@
               <a:pPr>
                 <a:defRPr/>
               </a:pPr>
-              <a:t>20/5/2012</a:t>
+              <a:t>24/09/2012</a:t>
             </a:fld>
             <a:endParaRPr lang="pt-BR"/>
           </a:p>
@@ -7606,7 +7611,7 @@
               <a:pPr>
                 <a:defRPr/>
               </a:pPr>
-              <a:t>‹nº›</a:t>
+              <a:t>‹#›</a:t>
             </a:fld>
             <a:endParaRPr lang="pt-BR"/>
           </a:p>
@@ -7823,7 +7828,7 @@
               <a:pPr>
                 <a:defRPr/>
               </a:pPr>
-              <a:t>20/5/2012</a:t>
+              <a:t>24/09/2012</a:t>
             </a:fld>
             <a:endParaRPr lang="pt-BR"/>
           </a:p>
@@ -7887,7 +7892,7 @@
               <a:pPr>
                 <a:defRPr/>
               </a:pPr>
-              <a:t>‹nº›</a:t>
+              <a:t>‹#›</a:t>
             </a:fld>
             <a:endParaRPr lang="pt-BR"/>
           </a:p>
@@ -8107,7 +8112,7 @@
               <a:pPr>
                 <a:defRPr/>
               </a:pPr>
-              <a:t>20/5/2012</a:t>
+              <a:t>24/09/2012</a:t>
             </a:fld>
             <a:endParaRPr lang="pt-BR"/>
           </a:p>
@@ -8166,7 +8171,7 @@
               <a:pPr>
                 <a:defRPr/>
               </a:pPr>
-              <a:t>‹nº›</a:t>
+              <a:t>‹#›</a:t>
             </a:fld>
             <a:endParaRPr lang="pt-BR"/>
           </a:p>
@@ -8585,7 +8590,7 @@
               <a:pPr>
                 <a:defRPr/>
               </a:pPr>
-              <a:t>20/5/2012</a:t>
+              <a:t>24/09/2012</a:t>
             </a:fld>
             <a:endParaRPr lang="pt-BR"/>
           </a:p>
@@ -8688,7 +8693,7 @@
               <a:pPr>
                 <a:defRPr/>
               </a:pPr>
-              <a:t>‹nº›</a:t>
+              <a:t>‹#›</a:t>
             </a:fld>
             <a:endParaRPr lang="pt-BR"/>
           </a:p>
